--- a/[C++ Korea 4th Seminar]Visual Cpp에서 유닛 테스트 하기.pptx
+++ b/[C++ Korea 4th Seminar]Visual Cpp에서 유닛 테스트 하기.pptx
@@ -5,7 +5,7 @@
     <p:sldMasterId id="2147483693" r:id="rId1"/>
   </p:sldMasterIdLst>
   <p:notesMasterIdLst>
-    <p:notesMasterId r:id="rId24"/>
+    <p:notesMasterId r:id="rId56"/>
   </p:notesMasterIdLst>
   <p:sldIdLst>
     <p:sldId id="269" r:id="rId2"/>
@@ -20,16 +20,48 @@
     <p:sldId id="281" r:id="rId11"/>
     <p:sldId id="282" r:id="rId12"/>
     <p:sldId id="283" r:id="rId13"/>
-    <p:sldId id="273" r:id="rId14"/>
-    <p:sldId id="284" r:id="rId15"/>
-    <p:sldId id="278" r:id="rId16"/>
-    <p:sldId id="285" r:id="rId17"/>
-    <p:sldId id="286" r:id="rId18"/>
-    <p:sldId id="288" r:id="rId19"/>
-    <p:sldId id="289" r:id="rId20"/>
-    <p:sldId id="290" r:id="rId21"/>
-    <p:sldId id="287" r:id="rId22"/>
-    <p:sldId id="272" r:id="rId23"/>
+    <p:sldId id="284" r:id="rId14"/>
+    <p:sldId id="273" r:id="rId15"/>
+    <p:sldId id="291" r:id="rId16"/>
+    <p:sldId id="278" r:id="rId17"/>
+    <p:sldId id="285" r:id="rId18"/>
+    <p:sldId id="286" r:id="rId19"/>
+    <p:sldId id="288" r:id="rId20"/>
+    <p:sldId id="289" r:id="rId21"/>
+    <p:sldId id="290" r:id="rId22"/>
+    <p:sldId id="287" r:id="rId23"/>
+    <p:sldId id="292" r:id="rId24"/>
+    <p:sldId id="293" r:id="rId25"/>
+    <p:sldId id="298" r:id="rId26"/>
+    <p:sldId id="299" r:id="rId27"/>
+    <p:sldId id="300" r:id="rId28"/>
+    <p:sldId id="301" r:id="rId29"/>
+    <p:sldId id="302" r:id="rId30"/>
+    <p:sldId id="304" r:id="rId31"/>
+    <p:sldId id="303" r:id="rId32"/>
+    <p:sldId id="306" r:id="rId33"/>
+    <p:sldId id="305" r:id="rId34"/>
+    <p:sldId id="307" r:id="rId35"/>
+    <p:sldId id="308" r:id="rId36"/>
+    <p:sldId id="260" r:id="rId37"/>
+    <p:sldId id="309" r:id="rId38"/>
+    <p:sldId id="310" r:id="rId39"/>
+    <p:sldId id="311" r:id="rId40"/>
+    <p:sldId id="312" r:id="rId41"/>
+    <p:sldId id="313" r:id="rId42"/>
+    <p:sldId id="314" r:id="rId43"/>
+    <p:sldId id="315" r:id="rId44"/>
+    <p:sldId id="316" r:id="rId45"/>
+    <p:sldId id="268" r:id="rId46"/>
+    <p:sldId id="317" r:id="rId47"/>
+    <p:sldId id="318" r:id="rId48"/>
+    <p:sldId id="319" r:id="rId49"/>
+    <p:sldId id="320" r:id="rId50"/>
+    <p:sldId id="295" r:id="rId51"/>
+    <p:sldId id="296" r:id="rId52"/>
+    <p:sldId id="297" r:id="rId53"/>
+    <p:sldId id="294" r:id="rId54"/>
+    <p:sldId id="272" r:id="rId55"/>
   </p:sldIdLst>
   <p:sldSz cx="24384000" cy="13716000"/>
   <p:notesSz cx="6858000" cy="9144000"/>
@@ -233,7 +265,7 @@
           <a:p>
             <a:fld id="{3BBB03BC-09CE-4836-AC1F-7576B8AAE24F}" type="datetimeFigureOut">
               <a:rPr lang="ko-KR" altLang="en-US" smtClean="0"/>
-              <a:t>2018-07-16</a:t>
+              <a:t>2018-07-18</a:t>
             </a:fld>
             <a:endParaRPr lang="ko-KR" altLang="en-US"/>
           </a:p>
@@ -500,6 +532,94 @@
 </p:notesMaster>
 </file>
 
+<file path=ppt/notesSlides/notesSlide1.xml><?xml version="1.0" encoding="utf-8"?>
+<p:notes xmlns:a="http://schemas.openxmlformats.org/drawingml/2006/main" xmlns:r="http://schemas.openxmlformats.org/officeDocument/2006/relationships" xmlns:p="http://schemas.openxmlformats.org/presentationml/2006/main">
+  <p:cSld>
+    <p:spTree>
+      <p:nvGrpSpPr>
+        <p:cNvPr id="1" name=""/>
+        <p:cNvGrpSpPr/>
+        <p:nvPr/>
+      </p:nvGrpSpPr>
+      <p:grpSpPr>
+        <a:xfrm>
+          <a:off x="0" y="0"/>
+          <a:ext cx="0" cy="0"/>
+          <a:chOff x="0" y="0"/>
+          <a:chExt cx="0" cy="0"/>
+        </a:xfrm>
+      </p:grpSpPr>
+      <p:sp>
+        <p:nvSpPr>
+          <p:cNvPr id="2" name="슬라이드 이미지 개체 틀 1"/>
+          <p:cNvSpPr>
+            <a:spLocks noGrp="1" noRot="1" noChangeAspect="1"/>
+          </p:cNvSpPr>
+          <p:nvPr>
+            <p:ph type="sldImg"/>
+          </p:nvPr>
+        </p:nvSpPr>
+        <p:spPr/>
+      </p:sp>
+      <p:sp>
+        <p:nvSpPr>
+          <p:cNvPr id="3" name="슬라이드 노트 개체 틀 2"/>
+          <p:cNvSpPr>
+            <a:spLocks noGrp="1"/>
+          </p:cNvSpPr>
+          <p:nvPr>
+            <p:ph type="body" idx="1"/>
+          </p:nvPr>
+        </p:nvSpPr>
+        <p:spPr/>
+        <p:txBody>
+          <a:bodyPr/>
+          <a:lstStyle/>
+          <a:p>
+            <a:r>
+              <a:rPr lang="en-US" altLang="ko-KR" dirty="0"/>
+              <a:t>http://codezine.jp/article/detail/6464</a:t>
+            </a:r>
+            <a:endParaRPr lang="ko-KR" altLang="en-US" dirty="0"/>
+          </a:p>
+        </p:txBody>
+      </p:sp>
+      <p:sp>
+        <p:nvSpPr>
+          <p:cNvPr id="4" name="슬라이드 번호 개체 틀 3"/>
+          <p:cNvSpPr>
+            <a:spLocks noGrp="1"/>
+          </p:cNvSpPr>
+          <p:nvPr>
+            <p:ph type="sldNum" sz="quarter" idx="10"/>
+          </p:nvPr>
+        </p:nvSpPr>
+        <p:spPr/>
+        <p:txBody>
+          <a:bodyPr/>
+          <a:lstStyle/>
+          <a:p>
+            <a:fld id="{1685176D-846F-45C1-8B7E-47F24AAECFF1}" type="slidenum">
+              <a:rPr lang="ko-KR" altLang="en-US" smtClean="0"/>
+              <a:t>36</a:t>
+            </a:fld>
+            <a:endParaRPr lang="ko-KR" altLang="en-US"/>
+          </a:p>
+        </p:txBody>
+      </p:sp>
+    </p:spTree>
+    <p:extLst>
+      <p:ext uri="{BB962C8B-B14F-4D97-AF65-F5344CB8AC3E}">
+        <p14:creationId xmlns:p14="http://schemas.microsoft.com/office/powerpoint/2010/main" val="2246752692"/>
+      </p:ext>
+    </p:extLst>
+  </p:cSld>
+  <p:clrMapOvr>
+    <a:masterClrMapping/>
+  </p:clrMapOvr>
+</p:notes>
+</file>
+
 <file path=ppt/slideLayouts/slideLayout1.xml><?xml version="1.0" encoding="utf-8"?>
 <p:sldLayout xmlns:a="http://schemas.openxmlformats.org/drawingml/2006/main" xmlns:r="http://schemas.openxmlformats.org/officeDocument/2006/relationships" xmlns:p="http://schemas.openxmlformats.org/presentationml/2006/main" type="title" preserve="1">
   <p:cSld name="Title Slide">
@@ -631,7 +751,7 @@
           <a:p>
             <a:fld id="{C764DE79-268F-4C1A-8933-263129D2AF90}" type="datetimeFigureOut">
               <a:rPr lang="en-US" smtClean="0"/>
-              <a:t>7/16/2018</a:t>
+              <a:t>7/18/2018</a:t>
             </a:fld>
             <a:endParaRPr lang="en-US" dirty="0"/>
           </a:p>
@@ -801,7 +921,7 @@
           <a:p>
             <a:fld id="{C764DE79-268F-4C1A-8933-263129D2AF90}" type="datetimeFigureOut">
               <a:rPr lang="en-US" smtClean="0"/>
-              <a:t>7/16/2018</a:t>
+              <a:t>7/18/2018</a:t>
             </a:fld>
             <a:endParaRPr lang="en-US" dirty="0"/>
           </a:p>
@@ -981,7 +1101,7 @@
           <a:p>
             <a:fld id="{C764DE79-268F-4C1A-8933-263129D2AF90}" type="datetimeFigureOut">
               <a:rPr lang="en-US" smtClean="0"/>
-              <a:t>7/16/2018</a:t>
+              <a:t>7/18/2018</a:t>
             </a:fld>
             <a:endParaRPr lang="en-US" dirty="0"/>
           </a:p>
@@ -1233,7 +1353,7 @@
           <a:p>
             <a:fld id="{C764DE79-268F-4C1A-8933-263129D2AF90}" type="datetimeFigureOut">
               <a:rPr lang="en-US" smtClean="0"/>
-              <a:t>7/16/2018</a:t>
+              <a:t>7/18/2018</a:t>
             </a:fld>
             <a:endParaRPr lang="en-US" dirty="0"/>
           </a:p>
@@ -1479,7 +1599,7 @@
           <a:p>
             <a:fld id="{C764DE79-268F-4C1A-8933-263129D2AF90}" type="datetimeFigureOut">
               <a:rPr lang="en-US" smtClean="0"/>
-              <a:t>7/16/2018</a:t>
+              <a:t>7/18/2018</a:t>
             </a:fld>
             <a:endParaRPr lang="en-US" dirty="0"/>
           </a:p>
@@ -1711,7 +1831,7 @@
           <a:p>
             <a:fld id="{C764DE79-268F-4C1A-8933-263129D2AF90}" type="datetimeFigureOut">
               <a:rPr lang="en-US" smtClean="0"/>
-              <a:t>7/16/2018</a:t>
+              <a:t>7/18/2018</a:t>
             </a:fld>
             <a:endParaRPr lang="en-US" dirty="0"/>
           </a:p>
@@ -2078,7 +2198,7 @@
           <a:p>
             <a:fld id="{C764DE79-268F-4C1A-8933-263129D2AF90}" type="datetimeFigureOut">
               <a:rPr lang="en-US" smtClean="0"/>
-              <a:t>7/16/2018</a:t>
+              <a:t>7/18/2018</a:t>
             </a:fld>
             <a:endParaRPr lang="en-US" dirty="0"/>
           </a:p>
@@ -2196,7 +2316,7 @@
           <a:p>
             <a:fld id="{C764DE79-268F-4C1A-8933-263129D2AF90}" type="datetimeFigureOut">
               <a:rPr lang="en-US" smtClean="0"/>
-              <a:t>7/16/2018</a:t>
+              <a:t>7/18/2018</a:t>
             </a:fld>
             <a:endParaRPr lang="en-US" dirty="0"/>
           </a:p>
@@ -2291,7 +2411,7 @@
           <a:p>
             <a:fld id="{C764DE79-268F-4C1A-8933-263129D2AF90}" type="datetimeFigureOut">
               <a:rPr lang="en-US" smtClean="0"/>
-              <a:t>7/16/2018</a:t>
+              <a:t>7/18/2018</a:t>
             </a:fld>
             <a:endParaRPr lang="en-US" dirty="0"/>
           </a:p>
@@ -2568,7 +2688,7 @@
           <a:p>
             <a:fld id="{C764DE79-268F-4C1A-8933-263129D2AF90}" type="datetimeFigureOut">
               <a:rPr lang="en-US" smtClean="0"/>
-              <a:t>7/16/2018</a:t>
+              <a:t>7/18/2018</a:t>
             </a:fld>
             <a:endParaRPr lang="en-US" dirty="0"/>
           </a:p>
@@ -2825,7 +2945,7 @@
           <a:p>
             <a:fld id="{C764DE79-268F-4C1A-8933-263129D2AF90}" type="datetimeFigureOut">
               <a:rPr lang="en-US" smtClean="0"/>
-              <a:t>7/16/2018</a:t>
+              <a:t>7/18/2018</a:t>
             </a:fld>
             <a:endParaRPr lang="en-US" dirty="0"/>
           </a:p>
@@ -3038,7 +3158,7 @@
           <a:p>
             <a:fld id="{C764DE79-268F-4C1A-8933-263129D2AF90}" type="datetimeFigureOut">
               <a:rPr lang="en-US" smtClean="0"/>
-              <a:t>7/16/2018</a:t>
+              <a:t>7/18/2018</a:t>
             </a:fld>
             <a:endParaRPr lang="en-US" dirty="0"/>
           </a:p>
@@ -4617,6 +4737,330 @@
           <a:chExt cx="0" cy="0"/>
         </a:xfrm>
       </p:grpSpPr>
+      <p:sp>
+        <p:nvSpPr>
+          <p:cNvPr id="5" name="Rectangle 2">
+            <a:extLst>
+              <a:ext uri="{FF2B5EF4-FFF2-40B4-BE49-F238E27FC236}">
+                <a16:creationId xmlns:a16="http://schemas.microsoft.com/office/drawing/2014/main" id="{0BFF5754-E615-4613-A123-F798FC0E77C7}"/>
+              </a:ext>
+            </a:extLst>
+          </p:cNvPr>
+          <p:cNvSpPr>
+            <a:spLocks/>
+          </p:cNvSpPr>
+          <p:nvPr/>
+        </p:nvSpPr>
+        <p:spPr bwMode="auto">
+          <a:xfrm>
+            <a:off x="1446213" y="6037263"/>
+            <a:ext cx="22607151" cy="1641475"/>
+          </a:xfrm>
+          <a:prstGeom prst="rect">
+            <a:avLst/>
+          </a:prstGeom>
+          <a:noFill/>
+          <a:ln>
+            <a:noFill/>
+          </a:ln>
+          <a:effectLst/>
+          <a:extLst>
+            <a:ext uri="{909E8E84-426E-40DD-AFC4-6F175D3DCCD1}">
+              <a14:hiddenFill xmlns:a14="http://schemas.microsoft.com/office/drawing/2010/main">
+                <a:solidFill>
+                  <a:srgbClr val="FFFFFF"/>
+                </a:solidFill>
+              </a14:hiddenFill>
+            </a:ext>
+            <a:ext uri="{91240B29-F687-4F45-9708-019B960494DF}">
+              <a14:hiddenLine xmlns:a14="http://schemas.microsoft.com/office/drawing/2010/main" w="12700">
+                <a:solidFill>
+                  <a:srgbClr val="000000"/>
+                </a:solidFill>
+                <a:miter lim="0"/>
+                <a:headEnd/>
+                <a:tailEnd/>
+              </a14:hiddenLine>
+            </a:ext>
+            <a:ext uri="{AF507438-7753-43E0-B8FC-AC1667EBCBE1}">
+              <a14:hiddenEffects xmlns:a14="http://schemas.microsoft.com/office/drawing/2010/main">
+                <a:effectLst>
+                  <a:outerShdw dist="35921" dir="2700000" algn="ctr" rotWithShape="0">
+                    <a:srgbClr val="808080"/>
+                  </a:outerShdw>
+                </a:effectLst>
+              </a14:hiddenEffects>
+            </a:ext>
+          </a:extLst>
+        </p:spPr>
+        <p:txBody>
+          <a:bodyPr wrap="none" lIns="50800" tIns="50800" rIns="50800" bIns="50800" anchor="ctr">
+            <a:spAutoFit/>
+          </a:bodyPr>
+          <a:lstStyle>
+            <a:lvl1pPr>
+              <a:defRPr sz="5000">
+                <a:solidFill>
+                  <a:srgbClr val="000000"/>
+                </a:solidFill>
+                <a:latin typeface="Helvetica Light" charset="0"/>
+                <a:ea typeface="Helvetica Light" charset="0"/>
+                <a:cs typeface="Helvetica Light" charset="0"/>
+                <a:sym typeface="Helvetica Light" charset="0"/>
+              </a:defRPr>
+            </a:lvl1pPr>
+            <a:lvl2pPr marL="742950" indent="-285750">
+              <a:defRPr sz="5000">
+                <a:solidFill>
+                  <a:srgbClr val="000000"/>
+                </a:solidFill>
+                <a:latin typeface="Helvetica Light" charset="0"/>
+                <a:ea typeface="Helvetica Light" charset="0"/>
+                <a:cs typeface="Helvetica Light" charset="0"/>
+                <a:sym typeface="Helvetica Light" charset="0"/>
+              </a:defRPr>
+            </a:lvl2pPr>
+            <a:lvl3pPr marL="1143000" indent="-228600">
+              <a:defRPr sz="5000">
+                <a:solidFill>
+                  <a:srgbClr val="000000"/>
+                </a:solidFill>
+                <a:latin typeface="Helvetica Light" charset="0"/>
+                <a:ea typeface="Helvetica Light" charset="0"/>
+                <a:cs typeface="Helvetica Light" charset="0"/>
+                <a:sym typeface="Helvetica Light" charset="0"/>
+              </a:defRPr>
+            </a:lvl3pPr>
+            <a:lvl4pPr marL="1600200" indent="-228600">
+              <a:defRPr sz="5000">
+                <a:solidFill>
+                  <a:srgbClr val="000000"/>
+                </a:solidFill>
+                <a:latin typeface="Helvetica Light" charset="0"/>
+                <a:ea typeface="Helvetica Light" charset="0"/>
+                <a:cs typeface="Helvetica Light" charset="0"/>
+                <a:sym typeface="Helvetica Light" charset="0"/>
+              </a:defRPr>
+            </a:lvl4pPr>
+            <a:lvl5pPr marL="2057400" indent="-228600">
+              <a:defRPr sz="5000">
+                <a:solidFill>
+                  <a:srgbClr val="000000"/>
+                </a:solidFill>
+                <a:latin typeface="Helvetica Light" charset="0"/>
+                <a:ea typeface="Helvetica Light" charset="0"/>
+                <a:cs typeface="Helvetica Light" charset="0"/>
+                <a:sym typeface="Helvetica Light" charset="0"/>
+              </a:defRPr>
+            </a:lvl5pPr>
+            <a:lvl6pPr marL="2514600" indent="-228600" defTabSz="825500" eaLnBrk="0" fontAlgn="base" hangingPunct="0">
+              <a:spcBef>
+                <a:spcPct val="0"/>
+              </a:spcBef>
+              <a:spcAft>
+                <a:spcPct val="0"/>
+              </a:spcAft>
+              <a:defRPr sz="5000">
+                <a:solidFill>
+                  <a:srgbClr val="000000"/>
+                </a:solidFill>
+                <a:latin typeface="Helvetica Light" charset="0"/>
+                <a:ea typeface="Helvetica Light" charset="0"/>
+                <a:cs typeface="Helvetica Light" charset="0"/>
+                <a:sym typeface="Helvetica Light" charset="0"/>
+              </a:defRPr>
+            </a:lvl6pPr>
+            <a:lvl7pPr marL="2971800" indent="-228600" defTabSz="825500" eaLnBrk="0" fontAlgn="base" hangingPunct="0">
+              <a:spcBef>
+                <a:spcPct val="0"/>
+              </a:spcBef>
+              <a:spcAft>
+                <a:spcPct val="0"/>
+              </a:spcAft>
+              <a:defRPr sz="5000">
+                <a:solidFill>
+                  <a:srgbClr val="000000"/>
+                </a:solidFill>
+                <a:latin typeface="Helvetica Light" charset="0"/>
+                <a:ea typeface="Helvetica Light" charset="0"/>
+                <a:cs typeface="Helvetica Light" charset="0"/>
+                <a:sym typeface="Helvetica Light" charset="0"/>
+              </a:defRPr>
+            </a:lvl7pPr>
+            <a:lvl8pPr marL="3429000" indent="-228600" defTabSz="825500" eaLnBrk="0" fontAlgn="base" hangingPunct="0">
+              <a:spcBef>
+                <a:spcPct val="0"/>
+              </a:spcBef>
+              <a:spcAft>
+                <a:spcPct val="0"/>
+              </a:spcAft>
+              <a:defRPr sz="5000">
+                <a:solidFill>
+                  <a:srgbClr val="000000"/>
+                </a:solidFill>
+                <a:latin typeface="Helvetica Light" charset="0"/>
+                <a:ea typeface="Helvetica Light" charset="0"/>
+                <a:cs typeface="Helvetica Light" charset="0"/>
+                <a:sym typeface="Helvetica Light" charset="0"/>
+              </a:defRPr>
+            </a:lvl8pPr>
+            <a:lvl9pPr marL="3886200" indent="-228600" defTabSz="825500" eaLnBrk="0" fontAlgn="base" hangingPunct="0">
+              <a:spcBef>
+                <a:spcPct val="0"/>
+              </a:spcBef>
+              <a:spcAft>
+                <a:spcPct val="0"/>
+              </a:spcAft>
+              <a:defRPr sz="5000">
+                <a:solidFill>
+                  <a:srgbClr val="000000"/>
+                </a:solidFill>
+                <a:latin typeface="Helvetica Light" charset="0"/>
+                <a:ea typeface="Helvetica Light" charset="0"/>
+                <a:cs typeface="Helvetica Light" charset="0"/>
+                <a:sym typeface="Helvetica Light" charset="0"/>
+              </a:defRPr>
+            </a:lvl9pPr>
+          </a:lstStyle>
+          <a:p>
+            <a:pPr eaLnBrk="1"/>
+            <a:r>
+              <a:rPr lang="ko-KR" altLang="en-US" dirty="0">
+                <a:solidFill>
+                  <a:schemeClr val="tx1"/>
+                </a:solidFill>
+                <a:latin typeface="맑은 고딕" panose="020B0503020000020004" pitchFamily="50" charset="-127"/>
+                <a:ea typeface="맑은 고딕" panose="020B0503020000020004" pitchFamily="50" charset="-127"/>
+                <a:sym typeface="KoPubDotum Medium" charset="0"/>
+              </a:rPr>
+              <a:t>좋은 함수를 만들 수 있다</a:t>
+            </a:r>
+            <a:r>
+              <a:rPr lang="en-US" altLang="ko-KR" dirty="0">
+                <a:solidFill>
+                  <a:schemeClr val="tx1"/>
+                </a:solidFill>
+                <a:latin typeface="맑은 고딕" panose="020B0503020000020004" pitchFamily="50" charset="-127"/>
+                <a:ea typeface="맑은 고딕" panose="020B0503020000020004" pitchFamily="50" charset="-127"/>
+                <a:sym typeface="KoPubDotum Medium" charset="0"/>
+              </a:rPr>
+              <a:t>. </a:t>
+            </a:r>
+            <a:r>
+              <a:rPr lang="ko-KR" altLang="en-US" dirty="0">
+                <a:solidFill>
+                  <a:schemeClr val="tx1"/>
+                </a:solidFill>
+                <a:latin typeface="맑은 고딕" panose="020B0503020000020004" pitchFamily="50" charset="-127"/>
+                <a:ea typeface="맑은 고딕" panose="020B0503020000020004" pitchFamily="50" charset="-127"/>
+                <a:sym typeface="KoPubDotum Medium" charset="0"/>
+              </a:rPr>
+              <a:t>길거나 복수 기능이 있는 함수는 </a:t>
+            </a:r>
+            <a:r>
+              <a:rPr lang="ko-KR" altLang="en-US" dirty="0" err="1">
+                <a:solidFill>
+                  <a:schemeClr val="tx1"/>
+                </a:solidFill>
+                <a:latin typeface="맑은 고딕" panose="020B0503020000020004" pitchFamily="50" charset="-127"/>
+                <a:ea typeface="맑은 고딕" panose="020B0503020000020004" pitchFamily="50" charset="-127"/>
+                <a:sym typeface="KoPubDotum Medium" charset="0"/>
+              </a:rPr>
+              <a:t>유닛테스트</a:t>
+            </a:r>
+            <a:r>
+              <a:rPr lang="ko-KR" altLang="en-US" dirty="0">
+                <a:solidFill>
+                  <a:schemeClr val="tx1"/>
+                </a:solidFill>
+                <a:latin typeface="맑은 고딕" panose="020B0503020000020004" pitchFamily="50" charset="-127"/>
+                <a:ea typeface="맑은 고딕" panose="020B0503020000020004" pitchFamily="50" charset="-127"/>
+                <a:sym typeface="KoPubDotum Medium" charset="0"/>
+              </a:rPr>
+              <a:t> 어려움</a:t>
+            </a:r>
+            <a:endParaRPr lang="en-US" altLang="ko-KR" dirty="0">
+              <a:solidFill>
+                <a:schemeClr val="tx1"/>
+              </a:solidFill>
+              <a:latin typeface="맑은 고딕" panose="020B0503020000020004" pitchFamily="50" charset="-127"/>
+              <a:ea typeface="맑은 고딕" panose="020B0503020000020004" pitchFamily="50" charset="-127"/>
+              <a:sym typeface="KoPubDotum Medium" charset="0"/>
+            </a:endParaRPr>
+          </a:p>
+          <a:p>
+            <a:pPr eaLnBrk="1"/>
+            <a:r>
+              <a:rPr lang="ko-KR" altLang="en-US" dirty="0" err="1">
+                <a:solidFill>
+                  <a:schemeClr val="tx1"/>
+                </a:solidFill>
+                <a:latin typeface="맑은 고딕" panose="020B0503020000020004" pitchFamily="50" charset="-127"/>
+                <a:ea typeface="맑은 고딕" panose="020B0503020000020004" pitchFamily="50" charset="-127"/>
+                <a:sym typeface="KoPubDotum Medium" charset="0"/>
+              </a:rPr>
+              <a:t>리팩토링</a:t>
+            </a:r>
+            <a:r>
+              <a:rPr lang="ko-KR" altLang="en-US" dirty="0">
+                <a:solidFill>
+                  <a:schemeClr val="tx1"/>
+                </a:solidFill>
+                <a:latin typeface="맑은 고딕" panose="020B0503020000020004" pitchFamily="50" charset="-127"/>
+                <a:ea typeface="맑은 고딕" panose="020B0503020000020004" pitchFamily="50" charset="-127"/>
+                <a:sym typeface="KoPubDotum Medium" charset="0"/>
+              </a:rPr>
+              <a:t> 공부</a:t>
+            </a:r>
+            <a:endParaRPr lang="ko-KR" altLang="ko-KR" sz="1800" dirty="0">
+              <a:solidFill>
+                <a:schemeClr val="tx1"/>
+              </a:solidFill>
+              <a:latin typeface="맑은 고딕" panose="020B0503020000020004" pitchFamily="50" charset="-127"/>
+              <a:ea typeface="맑은 고딕" panose="020B0503020000020004" pitchFamily="50" charset="-127"/>
+              <a:sym typeface="KoPubDotum Medium" charset="0"/>
+            </a:endParaRPr>
+          </a:p>
+        </p:txBody>
+      </p:sp>
+    </p:spTree>
+    <p:extLst>
+      <p:ext uri="{BB962C8B-B14F-4D97-AF65-F5344CB8AC3E}">
+        <p14:creationId xmlns:p14="http://schemas.microsoft.com/office/powerpoint/2010/main" val="2123856107"/>
+      </p:ext>
+    </p:extLst>
+  </p:cSld>
+  <p:clrMapOvr>
+    <a:masterClrMapping/>
+  </p:clrMapOvr>
+</p:sld>
+</file>
+
+<file path=ppt/slides/slide14.xml><?xml version="1.0" encoding="utf-8"?>
+<p:sld xmlns:a="http://schemas.openxmlformats.org/drawingml/2006/main" xmlns:r="http://schemas.openxmlformats.org/officeDocument/2006/relationships" xmlns:p="http://schemas.openxmlformats.org/presentationml/2006/main">
+  <p:cSld>
+    <p:bg>
+      <p:bgPr>
+        <a:solidFill>
+          <a:schemeClr val="bg1"/>
+        </a:solidFill>
+        <a:effectLst/>
+      </p:bgPr>
+    </p:bg>
+    <p:spTree>
+      <p:nvGrpSpPr>
+        <p:cNvPr id="1" name=""/>
+        <p:cNvGrpSpPr/>
+        <p:nvPr/>
+      </p:nvGrpSpPr>
+      <p:grpSpPr>
+        <a:xfrm>
+          <a:off x="0" y="0"/>
+          <a:ext cx="0" cy="0"/>
+          <a:chOff x="0" y="0"/>
+          <a:chExt cx="0" cy="0"/>
+        </a:xfrm>
+      </p:grpSpPr>
       <p:pic>
         <p:nvPicPr>
           <p:cNvPr id="2" name="그림 1">
@@ -4700,7 +5144,7 @@
 </p:sld>
 </file>
 
-<file path=ppt/slides/slide14.xml><?xml version="1.0" encoding="utf-8"?>
+<file path=ppt/slides/slide15.xml><?xml version="1.0" encoding="utf-8"?>
 <p:sld xmlns:a="http://schemas.openxmlformats.org/drawingml/2006/main" xmlns:r="http://schemas.openxmlformats.org/officeDocument/2006/relationships" xmlns:p="http://schemas.openxmlformats.org/presentationml/2006/main">
   <p:cSld>
     <p:bg>
@@ -4948,7 +5392,7 @@
     </p:spTree>
     <p:extLst>
       <p:ext uri="{BB962C8B-B14F-4D97-AF65-F5344CB8AC3E}">
-        <p14:creationId xmlns:p14="http://schemas.microsoft.com/office/powerpoint/2010/main" val="2123856107"/>
+        <p14:creationId xmlns:p14="http://schemas.microsoft.com/office/powerpoint/2010/main" val="190681190"/>
       </p:ext>
     </p:extLst>
   </p:cSld>
@@ -4958,7 +5402,7 @@
 </p:sld>
 </file>
 
-<file path=ppt/slides/slide15.xml><?xml version="1.0" encoding="utf-8"?>
+<file path=ppt/slides/slide16.xml><?xml version="1.0" encoding="utf-8"?>
 <p:sld xmlns:a="http://schemas.openxmlformats.org/drawingml/2006/main" xmlns:r="http://schemas.openxmlformats.org/officeDocument/2006/relationships" xmlns:p="http://schemas.openxmlformats.org/presentationml/2006/main">
   <p:cSld>
     <p:bg>
@@ -5084,275 +5528,6 @@
 </p:sld>
 </file>
 
-<file path=ppt/slides/slide16.xml><?xml version="1.0" encoding="utf-8"?>
-<p:sld xmlns:a="http://schemas.openxmlformats.org/drawingml/2006/main" xmlns:r="http://schemas.openxmlformats.org/officeDocument/2006/relationships" xmlns:p="http://schemas.openxmlformats.org/presentationml/2006/main">
-  <p:cSld>
-    <p:bg>
-      <p:bgPr>
-        <a:solidFill>
-          <a:schemeClr val="bg1"/>
-        </a:solidFill>
-        <a:effectLst/>
-      </p:bgPr>
-    </p:bg>
-    <p:spTree>
-      <p:nvGrpSpPr>
-        <p:cNvPr id="1" name=""/>
-        <p:cNvGrpSpPr/>
-        <p:nvPr/>
-      </p:nvGrpSpPr>
-      <p:grpSpPr>
-        <a:xfrm>
-          <a:off x="0" y="0"/>
-          <a:ext cx="0" cy="0"/>
-          <a:chOff x="0" y="0"/>
-          <a:chExt cx="0" cy="0"/>
-        </a:xfrm>
-      </p:grpSpPr>
-      <p:sp>
-        <p:nvSpPr>
-          <p:cNvPr id="5" name="Rectangle 2">
-            <a:extLst>
-              <a:ext uri="{FF2B5EF4-FFF2-40B4-BE49-F238E27FC236}">
-                <a16:creationId xmlns:a16="http://schemas.microsoft.com/office/drawing/2014/main" id="{0BFF5754-E615-4613-A123-F798FC0E77C7}"/>
-              </a:ext>
-            </a:extLst>
-          </p:cNvPr>
-          <p:cNvSpPr>
-            <a:spLocks/>
-          </p:cNvSpPr>
-          <p:nvPr/>
-        </p:nvSpPr>
-        <p:spPr bwMode="auto">
-          <a:xfrm>
-            <a:off x="1446213" y="6421438"/>
-            <a:ext cx="3313112" cy="873125"/>
-          </a:xfrm>
-          <a:prstGeom prst="rect">
-            <a:avLst/>
-          </a:prstGeom>
-          <a:noFill/>
-          <a:ln>
-            <a:noFill/>
-          </a:ln>
-          <a:effectLst/>
-          <a:extLst>
-            <a:ext uri="{909E8E84-426E-40DD-AFC4-6F175D3DCCD1}">
-              <a14:hiddenFill xmlns:a14="http://schemas.microsoft.com/office/drawing/2010/main">
-                <a:solidFill>
-                  <a:srgbClr val="FFFFFF"/>
-                </a:solidFill>
-              </a14:hiddenFill>
-            </a:ext>
-            <a:ext uri="{91240B29-F687-4F45-9708-019B960494DF}">
-              <a14:hiddenLine xmlns:a14="http://schemas.microsoft.com/office/drawing/2010/main" w="12700">
-                <a:solidFill>
-                  <a:srgbClr val="000000"/>
-                </a:solidFill>
-                <a:miter lim="0"/>
-                <a:headEnd/>
-                <a:tailEnd/>
-              </a14:hiddenLine>
-            </a:ext>
-            <a:ext uri="{AF507438-7753-43E0-B8FC-AC1667EBCBE1}">
-              <a14:hiddenEffects xmlns:a14="http://schemas.microsoft.com/office/drawing/2010/main">
-                <a:effectLst>
-                  <a:outerShdw dist="35921" dir="2700000" algn="ctr" rotWithShape="0">
-                    <a:srgbClr val="808080"/>
-                  </a:outerShdw>
-                </a:effectLst>
-              </a14:hiddenEffects>
-            </a:ext>
-          </a:extLst>
-        </p:spPr>
-        <p:txBody>
-          <a:bodyPr wrap="none" lIns="50800" tIns="50800" rIns="50800" bIns="50800" anchor="ctr">
-            <a:spAutoFit/>
-          </a:bodyPr>
-          <a:lstStyle>
-            <a:lvl1pPr>
-              <a:defRPr sz="5000">
-                <a:solidFill>
-                  <a:srgbClr val="000000"/>
-                </a:solidFill>
-                <a:latin typeface="Helvetica Light" charset="0"/>
-                <a:ea typeface="Helvetica Light" charset="0"/>
-                <a:cs typeface="Helvetica Light" charset="0"/>
-                <a:sym typeface="Helvetica Light" charset="0"/>
-              </a:defRPr>
-            </a:lvl1pPr>
-            <a:lvl2pPr marL="742950" indent="-285750">
-              <a:defRPr sz="5000">
-                <a:solidFill>
-                  <a:srgbClr val="000000"/>
-                </a:solidFill>
-                <a:latin typeface="Helvetica Light" charset="0"/>
-                <a:ea typeface="Helvetica Light" charset="0"/>
-                <a:cs typeface="Helvetica Light" charset="0"/>
-                <a:sym typeface="Helvetica Light" charset="0"/>
-              </a:defRPr>
-            </a:lvl2pPr>
-            <a:lvl3pPr marL="1143000" indent="-228600">
-              <a:defRPr sz="5000">
-                <a:solidFill>
-                  <a:srgbClr val="000000"/>
-                </a:solidFill>
-                <a:latin typeface="Helvetica Light" charset="0"/>
-                <a:ea typeface="Helvetica Light" charset="0"/>
-                <a:cs typeface="Helvetica Light" charset="0"/>
-                <a:sym typeface="Helvetica Light" charset="0"/>
-              </a:defRPr>
-            </a:lvl3pPr>
-            <a:lvl4pPr marL="1600200" indent="-228600">
-              <a:defRPr sz="5000">
-                <a:solidFill>
-                  <a:srgbClr val="000000"/>
-                </a:solidFill>
-                <a:latin typeface="Helvetica Light" charset="0"/>
-                <a:ea typeface="Helvetica Light" charset="0"/>
-                <a:cs typeface="Helvetica Light" charset="0"/>
-                <a:sym typeface="Helvetica Light" charset="0"/>
-              </a:defRPr>
-            </a:lvl4pPr>
-            <a:lvl5pPr marL="2057400" indent="-228600">
-              <a:defRPr sz="5000">
-                <a:solidFill>
-                  <a:srgbClr val="000000"/>
-                </a:solidFill>
-                <a:latin typeface="Helvetica Light" charset="0"/>
-                <a:ea typeface="Helvetica Light" charset="0"/>
-                <a:cs typeface="Helvetica Light" charset="0"/>
-                <a:sym typeface="Helvetica Light" charset="0"/>
-              </a:defRPr>
-            </a:lvl5pPr>
-            <a:lvl6pPr marL="2514600" indent="-228600" defTabSz="825500" eaLnBrk="0" fontAlgn="base" hangingPunct="0">
-              <a:spcBef>
-                <a:spcPct val="0"/>
-              </a:spcBef>
-              <a:spcAft>
-                <a:spcPct val="0"/>
-              </a:spcAft>
-              <a:defRPr sz="5000">
-                <a:solidFill>
-                  <a:srgbClr val="000000"/>
-                </a:solidFill>
-                <a:latin typeface="Helvetica Light" charset="0"/>
-                <a:ea typeface="Helvetica Light" charset="0"/>
-                <a:cs typeface="Helvetica Light" charset="0"/>
-                <a:sym typeface="Helvetica Light" charset="0"/>
-              </a:defRPr>
-            </a:lvl6pPr>
-            <a:lvl7pPr marL="2971800" indent="-228600" defTabSz="825500" eaLnBrk="0" fontAlgn="base" hangingPunct="0">
-              <a:spcBef>
-                <a:spcPct val="0"/>
-              </a:spcBef>
-              <a:spcAft>
-                <a:spcPct val="0"/>
-              </a:spcAft>
-              <a:defRPr sz="5000">
-                <a:solidFill>
-                  <a:srgbClr val="000000"/>
-                </a:solidFill>
-                <a:latin typeface="Helvetica Light" charset="0"/>
-                <a:ea typeface="Helvetica Light" charset="0"/>
-                <a:cs typeface="Helvetica Light" charset="0"/>
-                <a:sym typeface="Helvetica Light" charset="0"/>
-              </a:defRPr>
-            </a:lvl7pPr>
-            <a:lvl8pPr marL="3429000" indent="-228600" defTabSz="825500" eaLnBrk="0" fontAlgn="base" hangingPunct="0">
-              <a:spcBef>
-                <a:spcPct val="0"/>
-              </a:spcBef>
-              <a:spcAft>
-                <a:spcPct val="0"/>
-              </a:spcAft>
-              <a:defRPr sz="5000">
-                <a:solidFill>
-                  <a:srgbClr val="000000"/>
-                </a:solidFill>
-                <a:latin typeface="Helvetica Light" charset="0"/>
-                <a:ea typeface="Helvetica Light" charset="0"/>
-                <a:cs typeface="Helvetica Light" charset="0"/>
-                <a:sym typeface="Helvetica Light" charset="0"/>
-              </a:defRPr>
-            </a:lvl8pPr>
-            <a:lvl9pPr marL="3886200" indent="-228600" defTabSz="825500" eaLnBrk="0" fontAlgn="base" hangingPunct="0">
-              <a:spcBef>
-                <a:spcPct val="0"/>
-              </a:spcBef>
-              <a:spcAft>
-                <a:spcPct val="0"/>
-              </a:spcAft>
-              <a:defRPr sz="5000">
-                <a:solidFill>
-                  <a:srgbClr val="000000"/>
-                </a:solidFill>
-                <a:latin typeface="Helvetica Light" charset="0"/>
-                <a:ea typeface="Helvetica Light" charset="0"/>
-                <a:cs typeface="Helvetica Light" charset="0"/>
-                <a:sym typeface="Helvetica Light" charset="0"/>
-              </a:defRPr>
-            </a:lvl9pPr>
-          </a:lstStyle>
-          <a:p>
-            <a:pPr eaLnBrk="1"/>
-            <a:r>
-              <a:rPr lang="ko-KR" altLang="ko-KR" dirty="0">
-                <a:solidFill>
-                  <a:schemeClr val="tx1"/>
-                </a:solidFill>
-                <a:latin typeface="맑은 고딕" panose="020B0503020000020004" pitchFamily="50" charset="-127"/>
-                <a:ea typeface="맑은 고딕" panose="020B0503020000020004" pitchFamily="50" charset="-127"/>
-                <a:sym typeface="KoPubDotum Medium" charset="0"/>
-              </a:rPr>
-              <a:t>내용 (</a:t>
-            </a:r>
-            <a:r>
-              <a:rPr lang="en-US" altLang="ko-KR" dirty="0">
-                <a:solidFill>
-                  <a:schemeClr val="tx1"/>
-                </a:solidFill>
-                <a:latin typeface="맑은 고딕" panose="020B0503020000020004" pitchFamily="50" charset="-127"/>
-                <a:ea typeface="맑은 고딕" panose="020B0503020000020004" pitchFamily="50" charset="-127"/>
-                <a:sym typeface="KoPubDotum Medium" charset="0"/>
-              </a:rPr>
-              <a:t>50pt</a:t>
-            </a:r>
-            <a:r>
-              <a:rPr lang="ko-KR" altLang="ko-KR" dirty="0">
-                <a:solidFill>
-                  <a:schemeClr val="tx1"/>
-                </a:solidFill>
-                <a:latin typeface="맑은 고딕" panose="020B0503020000020004" pitchFamily="50" charset="-127"/>
-                <a:ea typeface="맑은 고딕" panose="020B0503020000020004" pitchFamily="50" charset="-127"/>
-                <a:sym typeface="KoPubDotum Medium" charset="0"/>
-              </a:rPr>
-              <a:t>)</a:t>
-            </a:r>
-            <a:endParaRPr lang="ko-KR" altLang="ko-KR" sz="1800" dirty="0">
-              <a:solidFill>
-                <a:schemeClr val="tx1"/>
-              </a:solidFill>
-              <a:latin typeface="맑은 고딕" panose="020B0503020000020004" pitchFamily="50" charset="-127"/>
-              <a:ea typeface="맑은 고딕" panose="020B0503020000020004" pitchFamily="50" charset="-127"/>
-              <a:sym typeface="KoPubDotum Medium" charset="0"/>
-            </a:endParaRPr>
-          </a:p>
-        </p:txBody>
-      </p:sp>
-    </p:spTree>
-    <p:extLst>
-      <p:ext uri="{BB962C8B-B14F-4D97-AF65-F5344CB8AC3E}">
-        <p14:creationId xmlns:p14="http://schemas.microsoft.com/office/powerpoint/2010/main" val="1873575295"/>
-      </p:ext>
-    </p:extLst>
-  </p:cSld>
-  <p:clrMapOvr>
-    <a:masterClrMapping/>
-  </p:clrMapOvr>
-</p:sld>
-</file>
-
 <file path=ppt/slides/slide17.xml><?xml version="1.0" encoding="utf-8"?>
 <p:sld xmlns:a="http://schemas.openxmlformats.org/drawingml/2006/main" xmlns:r="http://schemas.openxmlformats.org/officeDocument/2006/relationships" xmlns:p="http://schemas.openxmlformats.org/presentationml/2006/main">
   <p:cSld>
@@ -5380,239 +5555,218 @@
       </p:grpSpPr>
       <p:sp>
         <p:nvSpPr>
-          <p:cNvPr id="5" name="Rectangle 2">
+          <p:cNvPr id="4" name="TextBox 3">
             <a:extLst>
               <a:ext uri="{FF2B5EF4-FFF2-40B4-BE49-F238E27FC236}">
-                <a16:creationId xmlns:a16="http://schemas.microsoft.com/office/drawing/2014/main" id="{0BFF5754-E615-4613-A123-F798FC0E77C7}"/>
+                <a16:creationId xmlns:a16="http://schemas.microsoft.com/office/drawing/2014/main" id="{748C500B-2A6C-4422-824E-E92113F4EF93}"/>
               </a:ext>
             </a:extLst>
           </p:cNvPr>
-          <p:cNvSpPr>
-            <a:spLocks/>
-          </p:cNvSpPr>
+          <p:cNvSpPr txBox="1"/>
           <p:nvPr/>
         </p:nvSpPr>
-        <p:spPr bwMode="auto">
+        <p:spPr>
           <a:xfrm>
-            <a:off x="1446213" y="6421438"/>
-            <a:ext cx="3313112" cy="873125"/>
+            <a:off x="1142999" y="2555115"/>
+            <a:ext cx="13539217" cy="923330"/>
           </a:xfrm>
           <a:prstGeom prst="rect">
             <a:avLst/>
           </a:prstGeom>
           <a:noFill/>
           <a:ln>
-            <a:noFill/>
+            <a:solidFill>
+              <a:schemeClr val="tx1"/>
+            </a:solidFill>
           </a:ln>
-          <a:effectLst/>
-          <a:extLst>
-            <a:ext uri="{909E8E84-426E-40DD-AFC4-6F175D3DCCD1}">
-              <a14:hiddenFill xmlns:a14="http://schemas.microsoft.com/office/drawing/2010/main">
-                <a:solidFill>
-                  <a:srgbClr val="FFFFFF"/>
-                </a:solidFill>
-              </a14:hiddenFill>
-            </a:ext>
-            <a:ext uri="{91240B29-F687-4F45-9708-019B960494DF}">
-              <a14:hiddenLine xmlns:a14="http://schemas.microsoft.com/office/drawing/2010/main" w="12700">
-                <a:solidFill>
-                  <a:srgbClr val="000000"/>
-                </a:solidFill>
-                <a:miter lim="0"/>
-                <a:headEnd/>
-                <a:tailEnd/>
-              </a14:hiddenLine>
-            </a:ext>
-            <a:ext uri="{AF507438-7753-43E0-B8FC-AC1667EBCBE1}">
-              <a14:hiddenEffects xmlns:a14="http://schemas.microsoft.com/office/drawing/2010/main">
-                <a:effectLst>
-                  <a:outerShdw dist="35921" dir="2700000" algn="ctr" rotWithShape="0">
-                    <a:srgbClr val="808080"/>
-                  </a:outerShdw>
-                </a:effectLst>
-              </a14:hiddenEffects>
-            </a:ext>
-          </a:extLst>
         </p:spPr>
         <p:txBody>
-          <a:bodyPr wrap="none" lIns="50800" tIns="50800" rIns="50800" bIns="50800" anchor="ctr">
+          <a:bodyPr wrap="square" rtlCol="0">
             <a:spAutoFit/>
           </a:bodyPr>
-          <a:lstStyle>
-            <a:lvl1pPr>
-              <a:defRPr sz="5000">
-                <a:solidFill>
-                  <a:srgbClr val="000000"/>
-                </a:solidFill>
-                <a:latin typeface="Helvetica Light" charset="0"/>
-                <a:ea typeface="Helvetica Light" charset="0"/>
-                <a:cs typeface="Helvetica Light" charset="0"/>
-                <a:sym typeface="Helvetica Light" charset="0"/>
-              </a:defRPr>
-            </a:lvl1pPr>
-            <a:lvl2pPr marL="742950" indent="-285750">
-              <a:defRPr sz="5000">
-                <a:solidFill>
-                  <a:srgbClr val="000000"/>
-                </a:solidFill>
-                <a:latin typeface="Helvetica Light" charset="0"/>
-                <a:ea typeface="Helvetica Light" charset="0"/>
-                <a:cs typeface="Helvetica Light" charset="0"/>
-                <a:sym typeface="Helvetica Light" charset="0"/>
-              </a:defRPr>
-            </a:lvl2pPr>
-            <a:lvl3pPr marL="1143000" indent="-228600">
-              <a:defRPr sz="5000">
-                <a:solidFill>
-                  <a:srgbClr val="000000"/>
-                </a:solidFill>
-                <a:latin typeface="Helvetica Light" charset="0"/>
-                <a:ea typeface="Helvetica Light" charset="0"/>
-                <a:cs typeface="Helvetica Light" charset="0"/>
-                <a:sym typeface="Helvetica Light" charset="0"/>
-              </a:defRPr>
-            </a:lvl3pPr>
-            <a:lvl4pPr marL="1600200" indent="-228600">
-              <a:defRPr sz="5000">
-                <a:solidFill>
-                  <a:srgbClr val="000000"/>
-                </a:solidFill>
-                <a:latin typeface="Helvetica Light" charset="0"/>
-                <a:ea typeface="Helvetica Light" charset="0"/>
-                <a:cs typeface="Helvetica Light" charset="0"/>
-                <a:sym typeface="Helvetica Light" charset="0"/>
-              </a:defRPr>
-            </a:lvl4pPr>
-            <a:lvl5pPr marL="2057400" indent="-228600">
-              <a:defRPr sz="5000">
-                <a:solidFill>
-                  <a:srgbClr val="000000"/>
-                </a:solidFill>
-                <a:latin typeface="Helvetica Light" charset="0"/>
-                <a:ea typeface="Helvetica Light" charset="0"/>
-                <a:cs typeface="Helvetica Light" charset="0"/>
-                <a:sym typeface="Helvetica Light" charset="0"/>
-              </a:defRPr>
-            </a:lvl5pPr>
-            <a:lvl6pPr marL="2514600" indent="-228600" defTabSz="825500" eaLnBrk="0" fontAlgn="base" hangingPunct="0">
-              <a:spcBef>
-                <a:spcPct val="0"/>
-              </a:spcBef>
-              <a:spcAft>
-                <a:spcPct val="0"/>
-              </a:spcAft>
-              <a:defRPr sz="5000">
-                <a:solidFill>
-                  <a:srgbClr val="000000"/>
-                </a:solidFill>
-                <a:latin typeface="Helvetica Light" charset="0"/>
-                <a:ea typeface="Helvetica Light" charset="0"/>
-                <a:cs typeface="Helvetica Light" charset="0"/>
-                <a:sym typeface="Helvetica Light" charset="0"/>
-              </a:defRPr>
-            </a:lvl6pPr>
-            <a:lvl7pPr marL="2971800" indent="-228600" defTabSz="825500" eaLnBrk="0" fontAlgn="base" hangingPunct="0">
-              <a:spcBef>
-                <a:spcPct val="0"/>
-              </a:spcBef>
-              <a:spcAft>
-                <a:spcPct val="0"/>
-              </a:spcAft>
-              <a:defRPr sz="5000">
-                <a:solidFill>
-                  <a:srgbClr val="000000"/>
-                </a:solidFill>
-                <a:latin typeface="Helvetica Light" charset="0"/>
-                <a:ea typeface="Helvetica Light" charset="0"/>
-                <a:cs typeface="Helvetica Light" charset="0"/>
-                <a:sym typeface="Helvetica Light" charset="0"/>
-              </a:defRPr>
-            </a:lvl7pPr>
-            <a:lvl8pPr marL="3429000" indent="-228600" defTabSz="825500" eaLnBrk="0" fontAlgn="base" hangingPunct="0">
-              <a:spcBef>
-                <a:spcPct val="0"/>
-              </a:spcBef>
-              <a:spcAft>
-                <a:spcPct val="0"/>
-              </a:spcAft>
-              <a:defRPr sz="5000">
-                <a:solidFill>
-                  <a:srgbClr val="000000"/>
-                </a:solidFill>
-                <a:latin typeface="Helvetica Light" charset="0"/>
-                <a:ea typeface="Helvetica Light" charset="0"/>
-                <a:cs typeface="Helvetica Light" charset="0"/>
-                <a:sym typeface="Helvetica Light" charset="0"/>
-              </a:defRPr>
-            </a:lvl8pPr>
-            <a:lvl9pPr marL="3886200" indent="-228600" defTabSz="825500" eaLnBrk="0" fontAlgn="base" hangingPunct="0">
-              <a:spcBef>
-                <a:spcPct val="0"/>
-              </a:spcBef>
-              <a:spcAft>
-                <a:spcPct val="0"/>
-              </a:spcAft>
-              <a:defRPr sz="5000">
-                <a:solidFill>
-                  <a:srgbClr val="000000"/>
-                </a:solidFill>
-                <a:latin typeface="Helvetica Light" charset="0"/>
-                <a:ea typeface="Helvetica Light" charset="0"/>
-                <a:cs typeface="Helvetica Light" charset="0"/>
-                <a:sym typeface="Helvetica Light" charset="0"/>
-              </a:defRPr>
-            </a:lvl9pPr>
-          </a:lstStyle>
-          <a:p>
-            <a:pPr eaLnBrk="1"/>
-            <a:r>
-              <a:rPr lang="ko-KR" altLang="ko-KR" dirty="0">
-                <a:solidFill>
-                  <a:schemeClr val="tx1"/>
-                </a:solidFill>
-                <a:latin typeface="맑은 고딕" panose="020B0503020000020004" pitchFamily="50" charset="-127"/>
-                <a:ea typeface="맑은 고딕" panose="020B0503020000020004" pitchFamily="50" charset="-127"/>
-                <a:sym typeface="KoPubDotum Medium" charset="0"/>
-              </a:rPr>
-              <a:t>내용 (</a:t>
-            </a:r>
-            <a:r>
-              <a:rPr lang="en-US" altLang="ko-KR" dirty="0">
-                <a:solidFill>
-                  <a:schemeClr val="tx1"/>
-                </a:solidFill>
-                <a:latin typeface="맑은 고딕" panose="020B0503020000020004" pitchFamily="50" charset="-127"/>
-                <a:ea typeface="맑은 고딕" panose="020B0503020000020004" pitchFamily="50" charset="-127"/>
-                <a:sym typeface="KoPubDotum Medium" charset="0"/>
-              </a:rPr>
-              <a:t>50pt</a:t>
-            </a:r>
-            <a:r>
-              <a:rPr lang="ko-KR" altLang="ko-KR" dirty="0">
-                <a:solidFill>
-                  <a:schemeClr val="tx1"/>
-                </a:solidFill>
-                <a:latin typeface="맑은 고딕" panose="020B0503020000020004" pitchFamily="50" charset="-127"/>
-                <a:ea typeface="맑은 고딕" panose="020B0503020000020004" pitchFamily="50" charset="-127"/>
-                <a:sym typeface="KoPubDotum Medium" charset="0"/>
-              </a:rPr>
-              <a:t>)</a:t>
-            </a:r>
-            <a:endParaRPr lang="ko-KR" altLang="ko-KR" sz="1800" dirty="0">
-              <a:solidFill>
-                <a:schemeClr val="tx1"/>
-              </a:solidFill>
-              <a:latin typeface="맑은 고딕" panose="020B0503020000020004" pitchFamily="50" charset="-127"/>
-              <a:ea typeface="맑은 고딕" panose="020B0503020000020004" pitchFamily="50" charset="-127"/>
-              <a:sym typeface="KoPubDotum Medium" charset="0"/>
-            </a:endParaRPr>
+          <a:lstStyle/>
+          <a:p>
+            <a:pPr algn="ctr"/>
+            <a:r>
+              <a:rPr lang="ko-KR" altLang="en-US" sz="5400" dirty="0"/>
+              <a:t>클라이언트</a:t>
+            </a:r>
+            <a:r>
+              <a:rPr lang="en-US" altLang="ko-KR" sz="5400" dirty="0"/>
+              <a:t>/</a:t>
+            </a:r>
+            <a:r>
+              <a:rPr lang="ko-KR" altLang="en-US" sz="5400" dirty="0"/>
+              <a:t>서버 공통 라이브러리 프로젝트</a:t>
+            </a:r>
           </a:p>
         </p:txBody>
       </p:sp>
+      <p:sp>
+        <p:nvSpPr>
+          <p:cNvPr id="6" name="TextBox 5">
+            <a:extLst>
+              <a:ext uri="{FF2B5EF4-FFF2-40B4-BE49-F238E27FC236}">
+                <a16:creationId xmlns:a16="http://schemas.microsoft.com/office/drawing/2014/main" id="{5A01E4B9-FE4E-4158-B345-EB8B32D36276}"/>
+              </a:ext>
+            </a:extLst>
+          </p:cNvPr>
+          <p:cNvSpPr txBox="1"/>
+          <p:nvPr/>
+        </p:nvSpPr>
+        <p:spPr>
+          <a:xfrm>
+            <a:off x="1142999" y="4764036"/>
+            <a:ext cx="13539217" cy="923330"/>
+          </a:xfrm>
+          <a:prstGeom prst="rect">
+            <a:avLst/>
+          </a:prstGeom>
+          <a:noFill/>
+          <a:ln>
+            <a:solidFill>
+              <a:schemeClr val="tx1"/>
+            </a:solidFill>
+          </a:ln>
+        </p:spPr>
+        <p:txBody>
+          <a:bodyPr wrap="square" rtlCol="0">
+            <a:spAutoFit/>
+          </a:bodyPr>
+          <a:lstStyle/>
+          <a:p>
+            <a:pPr algn="ctr"/>
+            <a:r>
+              <a:rPr lang="ko-KR" altLang="en-US" sz="5400" dirty="0"/>
+              <a:t>게임 </a:t>
+            </a:r>
+            <a:r>
+              <a:rPr lang="ko-KR" altLang="en-US" sz="5400" dirty="0" err="1"/>
+              <a:t>로직</a:t>
+            </a:r>
+            <a:r>
+              <a:rPr lang="ko-KR" altLang="en-US" sz="5400" dirty="0"/>
+              <a:t> 라이브러리 프로젝트</a:t>
+            </a:r>
+          </a:p>
+        </p:txBody>
+      </p:sp>
+      <p:sp>
+        <p:nvSpPr>
+          <p:cNvPr id="7" name="TextBox 6">
+            <a:extLst>
+              <a:ext uri="{FF2B5EF4-FFF2-40B4-BE49-F238E27FC236}">
+                <a16:creationId xmlns:a16="http://schemas.microsoft.com/office/drawing/2014/main" id="{9BB3AF09-F3DA-4F2C-A368-F3D77C24CBB1}"/>
+              </a:ext>
+            </a:extLst>
+          </p:cNvPr>
+          <p:cNvSpPr txBox="1"/>
+          <p:nvPr/>
+        </p:nvSpPr>
+        <p:spPr>
+          <a:xfrm>
+            <a:off x="1142999" y="3639570"/>
+            <a:ext cx="13539217" cy="923330"/>
+          </a:xfrm>
+          <a:prstGeom prst="rect">
+            <a:avLst/>
+          </a:prstGeom>
+          <a:noFill/>
+          <a:ln>
+            <a:solidFill>
+              <a:schemeClr val="tx1"/>
+            </a:solidFill>
+          </a:ln>
+        </p:spPr>
+        <p:txBody>
+          <a:bodyPr wrap="square" rtlCol="0">
+            <a:spAutoFit/>
+          </a:bodyPr>
+          <a:lstStyle/>
+          <a:p>
+            <a:pPr algn="ctr"/>
+            <a:r>
+              <a:rPr lang="ko-KR" altLang="en-US" sz="5400" dirty="0"/>
+              <a:t>네트워크 라이브러리 프로젝트</a:t>
+            </a:r>
+          </a:p>
+        </p:txBody>
+      </p:sp>
+      <p:sp>
+        <p:nvSpPr>
+          <p:cNvPr id="8" name="TextBox 7">
+            <a:extLst>
+              <a:ext uri="{FF2B5EF4-FFF2-40B4-BE49-F238E27FC236}">
+                <a16:creationId xmlns:a16="http://schemas.microsoft.com/office/drawing/2014/main" id="{D19681C1-B6CC-417E-ACB7-0D2B5EF68D87}"/>
+              </a:ext>
+            </a:extLst>
+          </p:cNvPr>
+          <p:cNvSpPr txBox="1"/>
+          <p:nvPr/>
+        </p:nvSpPr>
+        <p:spPr>
+          <a:xfrm>
+            <a:off x="1142998" y="5934670"/>
+            <a:ext cx="13539217" cy="923330"/>
+          </a:xfrm>
+          <a:prstGeom prst="rect">
+            <a:avLst/>
+          </a:prstGeom>
+          <a:noFill/>
+          <a:ln>
+            <a:solidFill>
+              <a:schemeClr val="tx1"/>
+            </a:solidFill>
+          </a:ln>
+        </p:spPr>
+        <p:txBody>
+          <a:bodyPr wrap="square" rtlCol="0">
+            <a:spAutoFit/>
+          </a:bodyPr>
+          <a:lstStyle/>
+          <a:p>
+            <a:pPr algn="ctr"/>
+            <a:r>
+              <a:rPr lang="ko-KR" altLang="en-US" sz="5400" dirty="0"/>
+              <a:t>플랫폼 의존 실행 파일 프로젝트</a:t>
+            </a:r>
+          </a:p>
+        </p:txBody>
+      </p:sp>
+      <p:pic>
+        <p:nvPicPr>
+          <p:cNvPr id="2" name="그림 1">
+            <a:extLst>
+              <a:ext uri="{FF2B5EF4-FFF2-40B4-BE49-F238E27FC236}">
+                <a16:creationId xmlns:a16="http://schemas.microsoft.com/office/drawing/2014/main" id="{3A4F5930-8FC7-403F-88D0-002B45806FB1}"/>
+              </a:ext>
+            </a:extLst>
+          </p:cNvPr>
+          <p:cNvPicPr>
+            <a:picLocks noChangeAspect="1"/>
+          </p:cNvPicPr>
+          <p:nvPr/>
+        </p:nvPicPr>
+        <p:blipFill>
+          <a:blip r:embed="rId2"/>
+          <a:stretch>
+            <a:fillRect/>
+          </a:stretch>
+        </p:blipFill>
+        <p:spPr>
+          <a:xfrm>
+            <a:off x="16842295" y="2555115"/>
+            <a:ext cx="3676841" cy="10813326"/>
+          </a:xfrm>
+          <a:prstGeom prst="rect">
+            <a:avLst/>
+          </a:prstGeom>
+        </p:spPr>
+      </p:pic>
     </p:spTree>
     <p:extLst>
       <p:ext uri="{BB962C8B-B14F-4D97-AF65-F5344CB8AC3E}">
-        <p14:creationId xmlns:p14="http://schemas.microsoft.com/office/powerpoint/2010/main" val="2683268354"/>
+        <p14:creationId xmlns:p14="http://schemas.microsoft.com/office/powerpoint/2010/main" val="1873575295"/>
       </p:ext>
     </p:extLst>
   </p:cSld>
@@ -5649,239 +5803,268 @@
       </p:grpSpPr>
       <p:sp>
         <p:nvSpPr>
-          <p:cNvPr id="5" name="Rectangle 2">
+          <p:cNvPr id="3" name="TextBox 2">
             <a:extLst>
               <a:ext uri="{FF2B5EF4-FFF2-40B4-BE49-F238E27FC236}">
-                <a16:creationId xmlns:a16="http://schemas.microsoft.com/office/drawing/2014/main" id="{0BFF5754-E615-4613-A123-F798FC0E77C7}"/>
+                <a16:creationId xmlns:a16="http://schemas.microsoft.com/office/drawing/2014/main" id="{04D5719F-0E40-4D93-9E8A-617AB94960B9}"/>
               </a:ext>
             </a:extLst>
           </p:cNvPr>
-          <p:cNvSpPr>
-            <a:spLocks/>
-          </p:cNvSpPr>
+          <p:cNvSpPr txBox="1"/>
           <p:nvPr/>
         </p:nvSpPr>
-        <p:spPr bwMode="auto">
+        <p:spPr>
           <a:xfrm>
-            <a:off x="1446213" y="6421438"/>
-            <a:ext cx="3313112" cy="873125"/>
+            <a:off x="1446213" y="1967292"/>
+            <a:ext cx="21557312" cy="1200329"/>
           </a:xfrm>
           <a:prstGeom prst="rect">
             <a:avLst/>
           </a:prstGeom>
           <a:noFill/>
-          <a:ln>
-            <a:noFill/>
-          </a:ln>
-          <a:effectLst/>
-          <a:extLst>
-            <a:ext uri="{909E8E84-426E-40DD-AFC4-6F175D3DCCD1}">
-              <a14:hiddenFill xmlns:a14="http://schemas.microsoft.com/office/drawing/2010/main">
-                <a:solidFill>
-                  <a:srgbClr val="FFFFFF"/>
-                </a:solidFill>
-              </a14:hiddenFill>
-            </a:ext>
-            <a:ext uri="{91240B29-F687-4F45-9708-019B960494DF}">
-              <a14:hiddenLine xmlns:a14="http://schemas.microsoft.com/office/drawing/2010/main" w="12700">
-                <a:solidFill>
-                  <a:srgbClr val="000000"/>
-                </a:solidFill>
-                <a:miter lim="0"/>
-                <a:headEnd/>
-                <a:tailEnd/>
-              </a14:hiddenLine>
-            </a:ext>
-            <a:ext uri="{AF507438-7753-43E0-B8FC-AC1667EBCBE1}">
-              <a14:hiddenEffects xmlns:a14="http://schemas.microsoft.com/office/drawing/2010/main">
-                <a:effectLst>
-                  <a:outerShdw dist="35921" dir="2700000" algn="ctr" rotWithShape="0">
-                    <a:srgbClr val="808080"/>
-                  </a:outerShdw>
-                </a:effectLst>
-              </a14:hiddenEffects>
-            </a:ext>
-          </a:extLst>
         </p:spPr>
         <p:txBody>
-          <a:bodyPr wrap="none" lIns="50800" tIns="50800" rIns="50800" bIns="50800" anchor="ctr">
+          <a:bodyPr wrap="square" rtlCol="0">
             <a:spAutoFit/>
           </a:bodyPr>
-          <a:lstStyle>
-            <a:lvl1pPr>
-              <a:defRPr sz="5000">
-                <a:solidFill>
-                  <a:srgbClr val="000000"/>
-                </a:solidFill>
-                <a:latin typeface="Helvetica Light" charset="0"/>
-                <a:ea typeface="Helvetica Light" charset="0"/>
-                <a:cs typeface="Helvetica Light" charset="0"/>
-                <a:sym typeface="Helvetica Light" charset="0"/>
-              </a:defRPr>
-            </a:lvl1pPr>
-            <a:lvl2pPr marL="742950" indent="-285750">
-              <a:defRPr sz="5000">
-                <a:solidFill>
-                  <a:srgbClr val="000000"/>
-                </a:solidFill>
-                <a:latin typeface="Helvetica Light" charset="0"/>
-                <a:ea typeface="Helvetica Light" charset="0"/>
-                <a:cs typeface="Helvetica Light" charset="0"/>
-                <a:sym typeface="Helvetica Light" charset="0"/>
-              </a:defRPr>
-            </a:lvl2pPr>
-            <a:lvl3pPr marL="1143000" indent="-228600">
-              <a:defRPr sz="5000">
-                <a:solidFill>
-                  <a:srgbClr val="000000"/>
-                </a:solidFill>
-                <a:latin typeface="Helvetica Light" charset="0"/>
-                <a:ea typeface="Helvetica Light" charset="0"/>
-                <a:cs typeface="Helvetica Light" charset="0"/>
-                <a:sym typeface="Helvetica Light" charset="0"/>
-              </a:defRPr>
-            </a:lvl3pPr>
-            <a:lvl4pPr marL="1600200" indent="-228600">
-              <a:defRPr sz="5000">
-                <a:solidFill>
-                  <a:srgbClr val="000000"/>
-                </a:solidFill>
-                <a:latin typeface="Helvetica Light" charset="0"/>
-                <a:ea typeface="Helvetica Light" charset="0"/>
-                <a:cs typeface="Helvetica Light" charset="0"/>
-                <a:sym typeface="Helvetica Light" charset="0"/>
-              </a:defRPr>
-            </a:lvl4pPr>
-            <a:lvl5pPr marL="2057400" indent="-228600">
-              <a:defRPr sz="5000">
-                <a:solidFill>
-                  <a:srgbClr val="000000"/>
-                </a:solidFill>
-                <a:latin typeface="Helvetica Light" charset="0"/>
-                <a:ea typeface="Helvetica Light" charset="0"/>
-                <a:cs typeface="Helvetica Light" charset="0"/>
-                <a:sym typeface="Helvetica Light" charset="0"/>
-              </a:defRPr>
-            </a:lvl5pPr>
-            <a:lvl6pPr marL="2514600" indent="-228600" defTabSz="825500" eaLnBrk="0" fontAlgn="base" hangingPunct="0">
-              <a:spcBef>
-                <a:spcPct val="0"/>
-              </a:spcBef>
-              <a:spcAft>
-                <a:spcPct val="0"/>
-              </a:spcAft>
-              <a:defRPr sz="5000">
-                <a:solidFill>
-                  <a:srgbClr val="000000"/>
-                </a:solidFill>
-                <a:latin typeface="Helvetica Light" charset="0"/>
-                <a:ea typeface="Helvetica Light" charset="0"/>
-                <a:cs typeface="Helvetica Light" charset="0"/>
-                <a:sym typeface="Helvetica Light" charset="0"/>
-              </a:defRPr>
-            </a:lvl6pPr>
-            <a:lvl7pPr marL="2971800" indent="-228600" defTabSz="825500" eaLnBrk="0" fontAlgn="base" hangingPunct="0">
-              <a:spcBef>
-                <a:spcPct val="0"/>
-              </a:spcBef>
-              <a:spcAft>
-                <a:spcPct val="0"/>
-              </a:spcAft>
-              <a:defRPr sz="5000">
-                <a:solidFill>
-                  <a:srgbClr val="000000"/>
-                </a:solidFill>
-                <a:latin typeface="Helvetica Light" charset="0"/>
-                <a:ea typeface="Helvetica Light" charset="0"/>
-                <a:cs typeface="Helvetica Light" charset="0"/>
-                <a:sym typeface="Helvetica Light" charset="0"/>
-              </a:defRPr>
-            </a:lvl7pPr>
-            <a:lvl8pPr marL="3429000" indent="-228600" defTabSz="825500" eaLnBrk="0" fontAlgn="base" hangingPunct="0">
-              <a:spcBef>
-                <a:spcPct val="0"/>
-              </a:spcBef>
-              <a:spcAft>
-                <a:spcPct val="0"/>
-              </a:spcAft>
-              <a:defRPr sz="5000">
-                <a:solidFill>
-                  <a:srgbClr val="000000"/>
-                </a:solidFill>
-                <a:latin typeface="Helvetica Light" charset="0"/>
-                <a:ea typeface="Helvetica Light" charset="0"/>
-                <a:cs typeface="Helvetica Light" charset="0"/>
-                <a:sym typeface="Helvetica Light" charset="0"/>
-              </a:defRPr>
-            </a:lvl8pPr>
-            <a:lvl9pPr marL="3886200" indent="-228600" defTabSz="825500" eaLnBrk="0" fontAlgn="base" hangingPunct="0">
-              <a:spcBef>
-                <a:spcPct val="0"/>
-              </a:spcBef>
-              <a:spcAft>
-                <a:spcPct val="0"/>
-              </a:spcAft>
-              <a:defRPr sz="5000">
-                <a:solidFill>
-                  <a:srgbClr val="000000"/>
-                </a:solidFill>
-                <a:latin typeface="Helvetica Light" charset="0"/>
-                <a:ea typeface="Helvetica Light" charset="0"/>
-                <a:cs typeface="Helvetica Light" charset="0"/>
-                <a:sym typeface="Helvetica Light" charset="0"/>
-              </a:defRPr>
-            </a:lvl9pPr>
-          </a:lstStyle>
-          <a:p>
-            <a:pPr eaLnBrk="1"/>
-            <a:r>
-              <a:rPr lang="ko-KR" altLang="ko-KR" dirty="0">
-                <a:solidFill>
-                  <a:schemeClr val="tx1"/>
-                </a:solidFill>
-                <a:latin typeface="맑은 고딕" panose="020B0503020000020004" pitchFamily="50" charset="-127"/>
-                <a:ea typeface="맑은 고딕" panose="020B0503020000020004" pitchFamily="50" charset="-127"/>
-                <a:sym typeface="KoPubDotum Medium" charset="0"/>
-              </a:rPr>
-              <a:t>내용 (</a:t>
-            </a:r>
-            <a:r>
-              <a:rPr lang="en-US" altLang="ko-KR" dirty="0">
-                <a:solidFill>
-                  <a:schemeClr val="tx1"/>
-                </a:solidFill>
-                <a:latin typeface="맑은 고딕" panose="020B0503020000020004" pitchFamily="50" charset="-127"/>
-                <a:ea typeface="맑은 고딕" panose="020B0503020000020004" pitchFamily="50" charset="-127"/>
-                <a:sym typeface="KoPubDotum Medium" charset="0"/>
-              </a:rPr>
-              <a:t>50pt</a:t>
-            </a:r>
-            <a:r>
-              <a:rPr lang="ko-KR" altLang="ko-KR" dirty="0">
-                <a:solidFill>
-                  <a:schemeClr val="tx1"/>
-                </a:solidFill>
-                <a:latin typeface="맑은 고딕" panose="020B0503020000020004" pitchFamily="50" charset="-127"/>
-                <a:ea typeface="맑은 고딕" panose="020B0503020000020004" pitchFamily="50" charset="-127"/>
-                <a:sym typeface="KoPubDotum Medium" charset="0"/>
-              </a:rPr>
+          <a:lstStyle/>
+          <a:p>
+            <a:r>
+              <a:rPr lang="ko-KR" altLang="en-US" sz="7200" b="1" dirty="0" err="1"/>
+              <a:t>유닛테스트를</a:t>
+            </a:r>
+            <a:r>
+              <a:rPr lang="ko-KR" altLang="en-US" sz="7200" b="1" dirty="0"/>
+              <a:t> 할 때는 해당 기능만 테스트 해야 한다</a:t>
+            </a:r>
+          </a:p>
+        </p:txBody>
+      </p:sp>
+      <p:sp>
+        <p:nvSpPr>
+          <p:cNvPr id="4" name="TextBox 3">
+            <a:extLst>
+              <a:ext uri="{FF2B5EF4-FFF2-40B4-BE49-F238E27FC236}">
+                <a16:creationId xmlns:a16="http://schemas.microsoft.com/office/drawing/2014/main" id="{1BB3CD05-F293-44CC-96B1-14851DB92083}"/>
+              </a:ext>
+            </a:extLst>
+          </p:cNvPr>
+          <p:cNvSpPr txBox="1"/>
+          <p:nvPr/>
+        </p:nvSpPr>
+        <p:spPr>
+          <a:xfrm>
+            <a:off x="4739508" y="4029774"/>
+            <a:ext cx="12707243" cy="8402300"/>
+          </a:xfrm>
+          <a:prstGeom prst="rect">
+            <a:avLst/>
+          </a:prstGeom>
+          <a:noFill/>
+        </p:spPr>
+        <p:txBody>
+          <a:bodyPr wrap="square" rtlCol="0">
+            <a:spAutoFit/>
+          </a:bodyPr>
+          <a:lstStyle/>
+          <a:p>
+            <a:r>
+              <a:rPr lang="en-US" altLang="ko-KR" sz="5400" dirty="0"/>
+              <a:t>class </a:t>
+            </a:r>
+            <a:r>
+              <a:rPr lang="en-US" altLang="ko-KR" sz="5400" dirty="0" err="1"/>
+              <a:t>class</a:t>
+            </a:r>
+            <a:r>
+              <a:rPr lang="en-US" altLang="ko-KR" sz="5400" dirty="0"/>
+              <a:t> </a:t>
+            </a:r>
+            <a:r>
+              <a:rPr lang="en-US" altLang="ko-KR" sz="5400" dirty="0" err="1"/>
+              <a:t>MembserManager</a:t>
+            </a:r>
+            <a:endParaRPr lang="en-US" altLang="ko-KR" sz="5400" dirty="0"/>
+          </a:p>
+          <a:p>
+            <a:r>
+              <a:rPr lang="en-US" altLang="ko-KR" sz="5400" dirty="0"/>
+              <a:t>{</a:t>
+            </a:r>
+          </a:p>
+          <a:p>
+            <a:r>
+              <a:rPr lang="en-US" altLang="ko-KR" sz="5400" dirty="0"/>
+              <a:t>    ……</a:t>
+            </a:r>
+          </a:p>
+          <a:p>
+            <a:r>
+              <a:rPr lang="en-US" altLang="ko-KR" sz="5400" dirty="0"/>
+              <a:t>    void </a:t>
+            </a:r>
+            <a:r>
+              <a:rPr lang="en-US" altLang="ko-KR" sz="5400" dirty="0" err="1"/>
+              <a:t>AddMember</a:t>
+            </a:r>
+            <a:r>
+              <a:rPr lang="en-US" altLang="ko-KR" sz="5400" dirty="0"/>
+              <a:t>(Player* </a:t>
+            </a:r>
+            <a:r>
+              <a:rPr lang="en-US" altLang="ko-KR" sz="5400" dirty="0" err="1"/>
+              <a:t>pNewPlayer</a:t>
+            </a:r>
+            <a:r>
+              <a:rPr lang="en-US" altLang="ko-KR" sz="5400" dirty="0"/>
               <a:t>)</a:t>
             </a:r>
-            <a:endParaRPr lang="ko-KR" altLang="ko-KR" sz="1800" dirty="0">
-              <a:solidFill>
-                <a:schemeClr val="tx1"/>
-              </a:solidFill>
-              <a:latin typeface="맑은 고딕" panose="020B0503020000020004" pitchFamily="50" charset="-127"/>
-              <a:ea typeface="맑은 고딕" panose="020B0503020000020004" pitchFamily="50" charset="-127"/>
-              <a:sym typeface="KoPubDotum Medium" charset="0"/>
-            </a:endParaRPr>
+          </a:p>
+          <a:p>
+            <a:r>
+              <a:rPr lang="en-US" altLang="ko-KR" sz="5400" dirty="0"/>
+              <a:t>    {</a:t>
+            </a:r>
+          </a:p>
+          <a:p>
+            <a:r>
+              <a:rPr lang="en-US" altLang="ko-KR" sz="5400" dirty="0"/>
+              <a:t>        // </a:t>
+            </a:r>
+            <a:r>
+              <a:rPr lang="ko-KR" altLang="en-US" sz="5400" dirty="0"/>
+              <a:t>조건 조사</a:t>
+            </a:r>
+            <a:endParaRPr lang="en-US" altLang="ko-KR" sz="5400" dirty="0"/>
+          </a:p>
+          <a:p>
+            <a:r>
+              <a:rPr lang="en-US" altLang="ko-KR" sz="5400" dirty="0"/>
+              <a:t>        // </a:t>
+            </a:r>
+            <a:r>
+              <a:rPr lang="ko-KR" altLang="en-US" sz="5400" dirty="0"/>
+              <a:t>컨테이너에 추가</a:t>
+            </a:r>
+            <a:endParaRPr lang="en-US" altLang="ko-KR" sz="5400" dirty="0"/>
+          </a:p>
+          <a:p>
+            <a:r>
+              <a:rPr lang="en-US" altLang="ko-KR" sz="5400" dirty="0"/>
+              <a:t>        // </a:t>
+            </a:r>
+            <a:r>
+              <a:rPr lang="ko-KR" altLang="en-US" sz="5400" dirty="0"/>
+              <a:t>네트워크로 다른 멤버들에게 통보</a:t>
+            </a:r>
+            <a:endParaRPr lang="en-US" altLang="ko-KR" sz="5400" dirty="0"/>
+          </a:p>
+          <a:p>
+            <a:r>
+              <a:rPr lang="en-US" altLang="ko-KR" sz="5400" dirty="0"/>
+              <a:t>     }</a:t>
+            </a:r>
+          </a:p>
+          <a:p>
+            <a:r>
+              <a:rPr lang="en-US" altLang="ko-KR" sz="5400" dirty="0"/>
+              <a:t>};</a:t>
+            </a:r>
+            <a:endParaRPr lang="ko-KR" altLang="en-US" sz="5400" dirty="0"/>
+          </a:p>
+        </p:txBody>
+      </p:sp>
+      <p:sp>
+        <p:nvSpPr>
+          <p:cNvPr id="6" name="직사각형 5">
+            <a:extLst>
+              <a:ext uri="{FF2B5EF4-FFF2-40B4-BE49-F238E27FC236}">
+                <a16:creationId xmlns:a16="http://schemas.microsoft.com/office/drawing/2014/main" id="{0E03837F-448B-4EAB-A104-476343D4D5B7}"/>
+              </a:ext>
+            </a:extLst>
+          </p:cNvPr>
+          <p:cNvSpPr/>
+          <p:nvPr/>
+        </p:nvSpPr>
+        <p:spPr>
+          <a:xfrm>
+            <a:off x="5732625" y="9871022"/>
+            <a:ext cx="11714126" cy="864034"/>
+          </a:xfrm>
+          <a:prstGeom prst="rect">
+            <a:avLst/>
+          </a:prstGeom>
+          <a:noFill/>
+          <a:ln w="28575">
+            <a:solidFill>
+              <a:srgbClr val="FF0000"/>
+            </a:solidFill>
+          </a:ln>
+        </p:spPr>
+        <p:style>
+          <a:lnRef idx="2">
+            <a:schemeClr val="accent1">
+              <a:shade val="50000"/>
+            </a:schemeClr>
+          </a:lnRef>
+          <a:fillRef idx="1">
+            <a:schemeClr val="accent1"/>
+          </a:fillRef>
+          <a:effectRef idx="0">
+            <a:schemeClr val="accent1"/>
+          </a:effectRef>
+          <a:fontRef idx="minor">
+            <a:schemeClr val="lt1"/>
+          </a:fontRef>
+        </p:style>
+        <p:txBody>
+          <a:bodyPr rtlCol="0" anchor="ctr"/>
+          <a:lstStyle/>
+          <a:p>
+            <a:pPr algn="ctr"/>
+            <a:endParaRPr lang="ko-KR" altLang="en-US" sz="5400"/>
+          </a:p>
+        </p:txBody>
+      </p:sp>
+      <p:sp>
+        <p:nvSpPr>
+          <p:cNvPr id="7" name="TextBox 6">
+            <a:extLst>
+              <a:ext uri="{FF2B5EF4-FFF2-40B4-BE49-F238E27FC236}">
+                <a16:creationId xmlns:a16="http://schemas.microsoft.com/office/drawing/2014/main" id="{99C9164D-3354-4D93-A922-F05AEE9BDFDE}"/>
+              </a:ext>
+            </a:extLst>
+          </p:cNvPr>
+          <p:cNvSpPr txBox="1"/>
+          <p:nvPr/>
+        </p:nvSpPr>
+        <p:spPr>
+          <a:xfrm>
+            <a:off x="17446751" y="9871022"/>
+            <a:ext cx="5203599" cy="923330"/>
+          </a:xfrm>
+          <a:prstGeom prst="rect">
+            <a:avLst/>
+          </a:prstGeom>
+          <a:noFill/>
+        </p:spPr>
+        <p:txBody>
+          <a:bodyPr wrap="square" rtlCol="0">
+            <a:spAutoFit/>
+          </a:bodyPr>
+          <a:lstStyle/>
+          <a:p>
+            <a:r>
+              <a:rPr lang="ko-KR" altLang="en-US" sz="5400" b="1" dirty="0"/>
+              <a:t>테스트에서 제외</a:t>
+            </a:r>
           </a:p>
         </p:txBody>
       </p:sp>
     </p:spTree>
     <p:extLst>
       <p:ext uri="{BB962C8B-B14F-4D97-AF65-F5344CB8AC3E}">
-        <p14:creationId xmlns:p14="http://schemas.microsoft.com/office/powerpoint/2010/main" val="3637056459"/>
+        <p14:creationId xmlns:p14="http://schemas.microsoft.com/office/powerpoint/2010/main" val="2683268354"/>
       </p:ext>
     </p:extLst>
   </p:cSld>
@@ -5918,239 +6101,295 @@
       </p:grpSpPr>
       <p:sp>
         <p:nvSpPr>
-          <p:cNvPr id="5" name="Rectangle 2">
+          <p:cNvPr id="3" name="TextBox 2">
             <a:extLst>
               <a:ext uri="{FF2B5EF4-FFF2-40B4-BE49-F238E27FC236}">
-                <a16:creationId xmlns:a16="http://schemas.microsoft.com/office/drawing/2014/main" id="{0BFF5754-E615-4613-A123-F798FC0E77C7}"/>
+                <a16:creationId xmlns:a16="http://schemas.microsoft.com/office/drawing/2014/main" id="{721341A2-95CC-4F1C-A2C4-904316880D7A}"/>
               </a:ext>
             </a:extLst>
           </p:cNvPr>
-          <p:cNvSpPr>
-            <a:spLocks/>
-          </p:cNvSpPr>
+          <p:cNvSpPr txBox="1"/>
           <p:nvPr/>
         </p:nvSpPr>
-        <p:spPr bwMode="auto">
+        <p:spPr>
           <a:xfrm>
-            <a:off x="1446213" y="6421438"/>
-            <a:ext cx="3313112" cy="873125"/>
+            <a:off x="1933492" y="1312565"/>
+            <a:ext cx="19353739" cy="1200329"/>
           </a:xfrm>
           <a:prstGeom prst="rect">
             <a:avLst/>
           </a:prstGeom>
           <a:noFill/>
-          <a:ln>
-            <a:noFill/>
-          </a:ln>
-          <a:effectLst/>
-          <a:extLst>
-            <a:ext uri="{909E8E84-426E-40DD-AFC4-6F175D3DCCD1}">
-              <a14:hiddenFill xmlns:a14="http://schemas.microsoft.com/office/drawing/2010/main">
-                <a:solidFill>
-                  <a:srgbClr val="FFFFFF"/>
-                </a:solidFill>
-              </a14:hiddenFill>
-            </a:ext>
-            <a:ext uri="{91240B29-F687-4F45-9708-019B960494DF}">
-              <a14:hiddenLine xmlns:a14="http://schemas.microsoft.com/office/drawing/2010/main" w="12700">
-                <a:solidFill>
-                  <a:srgbClr val="000000"/>
-                </a:solidFill>
-                <a:miter lim="0"/>
-                <a:headEnd/>
-                <a:tailEnd/>
-              </a14:hiddenLine>
-            </a:ext>
-            <a:ext uri="{AF507438-7753-43E0-B8FC-AC1667EBCBE1}">
-              <a14:hiddenEffects xmlns:a14="http://schemas.microsoft.com/office/drawing/2010/main">
-                <a:effectLst>
-                  <a:outerShdw dist="35921" dir="2700000" algn="ctr" rotWithShape="0">
-                    <a:srgbClr val="808080"/>
-                  </a:outerShdw>
-                </a:effectLst>
-              </a14:hiddenEffects>
-            </a:ext>
-          </a:extLst>
         </p:spPr>
         <p:txBody>
-          <a:bodyPr wrap="none" lIns="50800" tIns="50800" rIns="50800" bIns="50800" anchor="ctr">
+          <a:bodyPr wrap="square" rtlCol="0">
             <a:spAutoFit/>
           </a:bodyPr>
-          <a:lstStyle>
-            <a:lvl1pPr>
-              <a:defRPr sz="5000">
-                <a:solidFill>
-                  <a:srgbClr val="000000"/>
-                </a:solidFill>
-                <a:latin typeface="Helvetica Light" charset="0"/>
-                <a:ea typeface="Helvetica Light" charset="0"/>
-                <a:cs typeface="Helvetica Light" charset="0"/>
-                <a:sym typeface="Helvetica Light" charset="0"/>
-              </a:defRPr>
-            </a:lvl1pPr>
-            <a:lvl2pPr marL="742950" indent="-285750">
-              <a:defRPr sz="5000">
-                <a:solidFill>
-                  <a:srgbClr val="000000"/>
-                </a:solidFill>
-                <a:latin typeface="Helvetica Light" charset="0"/>
-                <a:ea typeface="Helvetica Light" charset="0"/>
-                <a:cs typeface="Helvetica Light" charset="0"/>
-                <a:sym typeface="Helvetica Light" charset="0"/>
-              </a:defRPr>
-            </a:lvl2pPr>
-            <a:lvl3pPr marL="1143000" indent="-228600">
-              <a:defRPr sz="5000">
-                <a:solidFill>
-                  <a:srgbClr val="000000"/>
-                </a:solidFill>
-                <a:latin typeface="Helvetica Light" charset="0"/>
-                <a:ea typeface="Helvetica Light" charset="0"/>
-                <a:cs typeface="Helvetica Light" charset="0"/>
-                <a:sym typeface="Helvetica Light" charset="0"/>
-              </a:defRPr>
-            </a:lvl3pPr>
-            <a:lvl4pPr marL="1600200" indent="-228600">
-              <a:defRPr sz="5000">
-                <a:solidFill>
-                  <a:srgbClr val="000000"/>
-                </a:solidFill>
-                <a:latin typeface="Helvetica Light" charset="0"/>
-                <a:ea typeface="Helvetica Light" charset="0"/>
-                <a:cs typeface="Helvetica Light" charset="0"/>
-                <a:sym typeface="Helvetica Light" charset="0"/>
-              </a:defRPr>
-            </a:lvl4pPr>
-            <a:lvl5pPr marL="2057400" indent="-228600">
-              <a:defRPr sz="5000">
-                <a:solidFill>
-                  <a:srgbClr val="000000"/>
-                </a:solidFill>
-                <a:latin typeface="Helvetica Light" charset="0"/>
-                <a:ea typeface="Helvetica Light" charset="0"/>
-                <a:cs typeface="Helvetica Light" charset="0"/>
-                <a:sym typeface="Helvetica Light" charset="0"/>
-              </a:defRPr>
-            </a:lvl5pPr>
-            <a:lvl6pPr marL="2514600" indent="-228600" defTabSz="825500" eaLnBrk="0" fontAlgn="base" hangingPunct="0">
-              <a:spcBef>
-                <a:spcPct val="0"/>
-              </a:spcBef>
-              <a:spcAft>
-                <a:spcPct val="0"/>
-              </a:spcAft>
-              <a:defRPr sz="5000">
-                <a:solidFill>
-                  <a:srgbClr val="000000"/>
-                </a:solidFill>
-                <a:latin typeface="Helvetica Light" charset="0"/>
-                <a:ea typeface="Helvetica Light" charset="0"/>
-                <a:cs typeface="Helvetica Light" charset="0"/>
-                <a:sym typeface="Helvetica Light" charset="0"/>
-              </a:defRPr>
-            </a:lvl6pPr>
-            <a:lvl7pPr marL="2971800" indent="-228600" defTabSz="825500" eaLnBrk="0" fontAlgn="base" hangingPunct="0">
-              <a:spcBef>
-                <a:spcPct val="0"/>
-              </a:spcBef>
-              <a:spcAft>
-                <a:spcPct val="0"/>
-              </a:spcAft>
-              <a:defRPr sz="5000">
-                <a:solidFill>
-                  <a:srgbClr val="000000"/>
-                </a:solidFill>
-                <a:latin typeface="Helvetica Light" charset="0"/>
-                <a:ea typeface="Helvetica Light" charset="0"/>
-                <a:cs typeface="Helvetica Light" charset="0"/>
-                <a:sym typeface="Helvetica Light" charset="0"/>
-              </a:defRPr>
-            </a:lvl7pPr>
-            <a:lvl8pPr marL="3429000" indent="-228600" defTabSz="825500" eaLnBrk="0" fontAlgn="base" hangingPunct="0">
-              <a:spcBef>
-                <a:spcPct val="0"/>
-              </a:spcBef>
-              <a:spcAft>
-                <a:spcPct val="0"/>
-              </a:spcAft>
-              <a:defRPr sz="5000">
-                <a:solidFill>
-                  <a:srgbClr val="000000"/>
-                </a:solidFill>
-                <a:latin typeface="Helvetica Light" charset="0"/>
-                <a:ea typeface="Helvetica Light" charset="0"/>
-                <a:cs typeface="Helvetica Light" charset="0"/>
-                <a:sym typeface="Helvetica Light" charset="0"/>
-              </a:defRPr>
-            </a:lvl8pPr>
-            <a:lvl9pPr marL="3886200" indent="-228600" defTabSz="825500" eaLnBrk="0" fontAlgn="base" hangingPunct="0">
-              <a:spcBef>
-                <a:spcPct val="0"/>
-              </a:spcBef>
-              <a:spcAft>
-                <a:spcPct val="0"/>
-              </a:spcAft>
-              <a:defRPr sz="5000">
-                <a:solidFill>
-                  <a:srgbClr val="000000"/>
-                </a:solidFill>
-                <a:latin typeface="Helvetica Light" charset="0"/>
-                <a:ea typeface="Helvetica Light" charset="0"/>
-                <a:cs typeface="Helvetica Light" charset="0"/>
-                <a:sym typeface="Helvetica Light" charset="0"/>
-              </a:defRPr>
-            </a:lvl9pPr>
-          </a:lstStyle>
-          <a:p>
-            <a:pPr eaLnBrk="1"/>
-            <a:r>
-              <a:rPr lang="ko-KR" altLang="ko-KR" dirty="0">
-                <a:solidFill>
-                  <a:schemeClr val="tx1"/>
-                </a:solidFill>
-                <a:latin typeface="맑은 고딕" panose="020B0503020000020004" pitchFamily="50" charset="-127"/>
-                <a:ea typeface="맑은 고딕" panose="020B0503020000020004" pitchFamily="50" charset="-127"/>
-                <a:sym typeface="KoPubDotum Medium" charset="0"/>
-              </a:rPr>
-              <a:t>내용 (</a:t>
-            </a:r>
-            <a:r>
-              <a:rPr lang="en-US" altLang="ko-KR" dirty="0">
-                <a:solidFill>
-                  <a:schemeClr val="tx1"/>
-                </a:solidFill>
-                <a:latin typeface="맑은 고딕" panose="020B0503020000020004" pitchFamily="50" charset="-127"/>
-                <a:ea typeface="맑은 고딕" panose="020B0503020000020004" pitchFamily="50" charset="-127"/>
-                <a:sym typeface="KoPubDotum Medium" charset="0"/>
-              </a:rPr>
-              <a:t>50pt</a:t>
-            </a:r>
-            <a:r>
-              <a:rPr lang="ko-KR" altLang="ko-KR" dirty="0">
-                <a:solidFill>
-                  <a:schemeClr val="tx1"/>
-                </a:solidFill>
-                <a:latin typeface="맑은 고딕" panose="020B0503020000020004" pitchFamily="50" charset="-127"/>
-                <a:ea typeface="맑은 고딕" panose="020B0503020000020004" pitchFamily="50" charset="-127"/>
-                <a:sym typeface="KoPubDotum Medium" charset="0"/>
-              </a:rPr>
-              <a:t>)</a:t>
-            </a:r>
-            <a:endParaRPr lang="ko-KR" altLang="ko-KR" sz="1800" dirty="0">
-              <a:solidFill>
-                <a:schemeClr val="tx1"/>
-              </a:solidFill>
-              <a:latin typeface="맑은 고딕" panose="020B0503020000020004" pitchFamily="50" charset="-127"/>
-              <a:ea typeface="맑은 고딕" panose="020B0503020000020004" pitchFamily="50" charset="-127"/>
-              <a:sym typeface="KoPubDotum Medium" charset="0"/>
-            </a:endParaRPr>
+          <a:lstStyle/>
+          <a:p>
+            <a:r>
+              <a:rPr lang="ko-KR" altLang="en-US" sz="7200" dirty="0"/>
+              <a:t>인터페이스를 사용한 클래스 정의</a:t>
+            </a:r>
+            <a:r>
+              <a:rPr lang="en-US" altLang="ko-KR" sz="7200" dirty="0"/>
+              <a:t>, mock</a:t>
+            </a:r>
+            <a:r>
+              <a:rPr lang="ko-KR" altLang="en-US" sz="7200" dirty="0"/>
+              <a:t>이 필요</a:t>
+            </a:r>
+          </a:p>
+        </p:txBody>
+      </p:sp>
+      <p:sp>
+        <p:nvSpPr>
+          <p:cNvPr id="4" name="직사각형 3">
+            <a:extLst>
+              <a:ext uri="{FF2B5EF4-FFF2-40B4-BE49-F238E27FC236}">
+                <a16:creationId xmlns:a16="http://schemas.microsoft.com/office/drawing/2014/main" id="{09F3F754-0F63-476B-9A6C-11D88C6C3FB6}"/>
+              </a:ext>
+            </a:extLst>
+          </p:cNvPr>
+          <p:cNvSpPr/>
+          <p:nvPr/>
+        </p:nvSpPr>
+        <p:spPr>
+          <a:xfrm>
+            <a:off x="1238548" y="3047057"/>
+            <a:ext cx="9350203" cy="5909310"/>
+          </a:xfrm>
+          <a:prstGeom prst="rect">
+            <a:avLst/>
+          </a:prstGeom>
+          <a:ln>
+            <a:solidFill>
+              <a:schemeClr val="tx1"/>
+            </a:solidFill>
+          </a:ln>
+        </p:spPr>
+        <p:txBody>
+          <a:bodyPr wrap="square">
+            <a:spAutoFit/>
+          </a:bodyPr>
+          <a:lstStyle/>
+          <a:p>
+            <a:r>
+              <a:rPr lang="en-US" altLang="ko-KR" sz="5400" dirty="0"/>
+              <a:t>class </a:t>
+            </a:r>
+            <a:r>
+              <a:rPr lang="en-US" altLang="ko-KR" sz="5400" dirty="0" err="1"/>
+              <a:t>INetwork</a:t>
+            </a:r>
+            <a:endParaRPr lang="en-US" altLang="ko-KR" sz="5400" dirty="0"/>
+          </a:p>
+          <a:p>
+            <a:r>
+              <a:rPr lang="en-US" altLang="ko-KR" sz="5400" dirty="0"/>
+              <a:t>{</a:t>
+            </a:r>
+          </a:p>
+          <a:p>
+            <a:r>
+              <a:rPr lang="en-US" altLang="ko-KR" sz="5400" dirty="0"/>
+              <a:t>};</a:t>
+            </a:r>
+          </a:p>
+          <a:p>
+            <a:endParaRPr lang="en-US" altLang="ko-KR" sz="5400" dirty="0"/>
+          </a:p>
+          <a:p>
+            <a:r>
+              <a:rPr lang="en-US" altLang="ko-KR" sz="5400" dirty="0"/>
+              <a:t>class Network : public </a:t>
+            </a:r>
+            <a:r>
+              <a:rPr lang="en-US" altLang="ko-KR" sz="5400" dirty="0" err="1"/>
+              <a:t>INetwork</a:t>
+            </a:r>
+            <a:endParaRPr lang="en-US" altLang="ko-KR" sz="5400" dirty="0"/>
+          </a:p>
+          <a:p>
+            <a:r>
+              <a:rPr lang="en-US" altLang="ko-KR" sz="5400" dirty="0"/>
+              <a:t>{</a:t>
+            </a:r>
+          </a:p>
+          <a:p>
+            <a:r>
+              <a:rPr lang="en-US" altLang="ko-KR" sz="5400" dirty="0"/>
+              <a:t>};</a:t>
+            </a:r>
+            <a:endParaRPr lang="ko-KR" altLang="en-US" sz="5400" dirty="0"/>
+          </a:p>
+        </p:txBody>
+      </p:sp>
+      <p:sp>
+        <p:nvSpPr>
+          <p:cNvPr id="6" name="직사각형 5">
+            <a:extLst>
+              <a:ext uri="{FF2B5EF4-FFF2-40B4-BE49-F238E27FC236}">
+                <a16:creationId xmlns:a16="http://schemas.microsoft.com/office/drawing/2014/main" id="{A7E141E0-3857-407B-961C-D52317212F1A}"/>
+              </a:ext>
+            </a:extLst>
+          </p:cNvPr>
+          <p:cNvSpPr/>
+          <p:nvPr/>
+        </p:nvSpPr>
+        <p:spPr>
+          <a:xfrm>
+            <a:off x="10815628" y="3047057"/>
+            <a:ext cx="12446707" cy="9233297"/>
+          </a:xfrm>
+          <a:prstGeom prst="rect">
+            <a:avLst/>
+          </a:prstGeom>
+          <a:ln>
+            <a:solidFill>
+              <a:schemeClr val="tx1"/>
+            </a:solidFill>
+          </a:ln>
+        </p:spPr>
+        <p:txBody>
+          <a:bodyPr wrap="square">
+            <a:spAutoFit/>
+          </a:bodyPr>
+          <a:lstStyle/>
+          <a:p>
+            <a:r>
+              <a:rPr lang="en-US" altLang="ko-KR" sz="5400" dirty="0"/>
+              <a:t>class </a:t>
+            </a:r>
+            <a:r>
+              <a:rPr lang="en-US" altLang="ko-KR" sz="5400" dirty="0" err="1"/>
+              <a:t>MembserManager</a:t>
+            </a:r>
+            <a:endParaRPr lang="en-US" altLang="ko-KR" sz="5400" dirty="0"/>
+          </a:p>
+          <a:p>
+            <a:r>
+              <a:rPr lang="en-US" altLang="ko-KR" sz="5400" dirty="0"/>
+              <a:t>{</a:t>
+            </a:r>
+          </a:p>
+          <a:p>
+            <a:r>
+              <a:rPr lang="en-US" altLang="ko-KR" sz="5400" dirty="0"/>
+              <a:t>public:</a:t>
+            </a:r>
+          </a:p>
+          <a:p>
+            <a:r>
+              <a:rPr lang="en-US" altLang="ko-KR" sz="5400" dirty="0"/>
+              <a:t>	</a:t>
+            </a:r>
+            <a:r>
+              <a:rPr lang="en-US" altLang="ko-KR" sz="5400" dirty="0" err="1"/>
+              <a:t>MembserManager</a:t>
+            </a:r>
+            <a:r>
+              <a:rPr lang="en-US" altLang="ko-KR" sz="5400" dirty="0"/>
+              <a:t>(</a:t>
+            </a:r>
+            <a:r>
+              <a:rPr lang="en-US" altLang="ko-KR" sz="5400" dirty="0" err="1"/>
+              <a:t>INetwork</a:t>
+            </a:r>
+            <a:r>
+              <a:rPr lang="en-US" altLang="ko-KR" sz="5400" dirty="0"/>
+              <a:t>* </a:t>
+            </a:r>
+            <a:r>
+              <a:rPr lang="en-US" altLang="ko-KR" sz="5400" dirty="0" err="1"/>
+              <a:t>pNetwork</a:t>
+            </a:r>
+            <a:r>
+              <a:rPr lang="en-US" altLang="ko-KR" sz="5400" dirty="0"/>
+              <a:t>);</a:t>
+            </a:r>
+          </a:p>
+          <a:p>
+            <a:r>
+              <a:rPr lang="en-US" altLang="ko-KR" sz="5400" dirty="0"/>
+              <a:t>	{</a:t>
+            </a:r>
+          </a:p>
+          <a:p>
+            <a:r>
+              <a:rPr lang="en-US" altLang="ko-KR" sz="5400" dirty="0"/>
+              <a:t>		</a:t>
+            </a:r>
+            <a:r>
+              <a:rPr lang="en-US" altLang="ko-KR" sz="5400" dirty="0" err="1"/>
+              <a:t>m_pNetwork</a:t>
+            </a:r>
+            <a:r>
+              <a:rPr lang="en-US" altLang="ko-KR" sz="5400" dirty="0"/>
+              <a:t> = </a:t>
+            </a:r>
+            <a:r>
+              <a:rPr lang="en-US" altLang="ko-KR" sz="5400" dirty="0" err="1"/>
+              <a:t>pNetwork</a:t>
+            </a:r>
+            <a:r>
+              <a:rPr lang="en-US" altLang="ko-KR" sz="5400" dirty="0"/>
+              <a:t>;</a:t>
+            </a:r>
+          </a:p>
+          <a:p>
+            <a:r>
+              <a:rPr lang="en-US" altLang="ko-KR" sz="5400" dirty="0"/>
+              <a:t>	}</a:t>
+            </a:r>
+          </a:p>
+          <a:p>
+            <a:r>
+              <a:rPr lang="en-US" altLang="ko-KR" sz="5400" dirty="0"/>
+              <a:t>	</a:t>
+            </a:r>
+          </a:p>
+          <a:p>
+            <a:r>
+              <a:rPr lang="en-US" altLang="ko-KR" sz="5400" dirty="0"/>
+              <a:t>private:</a:t>
+            </a:r>
+          </a:p>
+          <a:p>
+            <a:r>
+              <a:rPr lang="en-US" altLang="ko-KR" sz="5400" dirty="0"/>
+              <a:t>	</a:t>
+            </a:r>
+            <a:r>
+              <a:rPr lang="en-US" altLang="ko-KR" sz="5400" dirty="0" err="1"/>
+              <a:t>INetwork</a:t>
+            </a:r>
+            <a:r>
+              <a:rPr lang="en-US" altLang="ko-KR" sz="5400" dirty="0"/>
+              <a:t>* </a:t>
+            </a:r>
+            <a:r>
+              <a:rPr lang="en-US" altLang="ko-KR" sz="5400" dirty="0" err="1"/>
+              <a:t>m_pNetwork</a:t>
+            </a:r>
+            <a:r>
+              <a:rPr lang="en-US" altLang="ko-KR" sz="5400" dirty="0"/>
+              <a:t>;</a:t>
+            </a:r>
+          </a:p>
+          <a:p>
+            <a:r>
+              <a:rPr lang="en-US" altLang="ko-KR" sz="5400" dirty="0"/>
+              <a:t>};</a:t>
+            </a:r>
+            <a:endParaRPr lang="ko-KR" altLang="en-US" sz="5400" dirty="0"/>
           </a:p>
         </p:txBody>
       </p:sp>
     </p:spTree>
     <p:extLst>
       <p:ext uri="{BB962C8B-B14F-4D97-AF65-F5344CB8AC3E}">
-        <p14:creationId xmlns:p14="http://schemas.microsoft.com/office/powerpoint/2010/main" val="3745158593"/>
+        <p14:creationId xmlns:p14="http://schemas.microsoft.com/office/powerpoint/2010/main" val="3637056459"/>
       </p:ext>
     </p:extLst>
   </p:cSld>
@@ -6708,239 +6947,247 @@
       </p:grpSpPr>
       <p:sp>
         <p:nvSpPr>
-          <p:cNvPr id="5" name="Rectangle 2">
+          <p:cNvPr id="3" name="직사각형 2">
             <a:extLst>
               <a:ext uri="{FF2B5EF4-FFF2-40B4-BE49-F238E27FC236}">
-                <a16:creationId xmlns:a16="http://schemas.microsoft.com/office/drawing/2014/main" id="{0BFF5754-E615-4613-A123-F798FC0E77C7}"/>
+                <a16:creationId xmlns:a16="http://schemas.microsoft.com/office/drawing/2014/main" id="{808887A8-BBB9-485E-A18C-0EF51AFF1D90}"/>
               </a:ext>
             </a:extLst>
           </p:cNvPr>
-          <p:cNvSpPr>
-            <a:spLocks/>
-          </p:cNvSpPr>
+          <p:cNvSpPr/>
           <p:nvPr/>
         </p:nvSpPr>
-        <p:spPr bwMode="auto">
+        <p:spPr>
           <a:xfrm>
-            <a:off x="1446213" y="6421438"/>
-            <a:ext cx="3313112" cy="873125"/>
+            <a:off x="5763981" y="240075"/>
+            <a:ext cx="11810787" cy="8556188"/>
           </a:xfrm>
           <a:prstGeom prst="rect">
             <a:avLst/>
           </a:prstGeom>
-          <a:noFill/>
           <a:ln>
-            <a:noFill/>
+            <a:solidFill>
+              <a:schemeClr val="tx1"/>
+            </a:solidFill>
           </a:ln>
-          <a:effectLst/>
-          <a:extLst>
-            <a:ext uri="{909E8E84-426E-40DD-AFC4-6F175D3DCCD1}">
-              <a14:hiddenFill xmlns:a14="http://schemas.microsoft.com/office/drawing/2010/main">
-                <a:solidFill>
-                  <a:srgbClr val="FFFFFF"/>
-                </a:solidFill>
-              </a14:hiddenFill>
-            </a:ext>
-            <a:ext uri="{91240B29-F687-4F45-9708-019B960494DF}">
-              <a14:hiddenLine xmlns:a14="http://schemas.microsoft.com/office/drawing/2010/main" w="12700">
-                <a:solidFill>
-                  <a:srgbClr val="000000"/>
-                </a:solidFill>
-                <a:miter lim="0"/>
-                <a:headEnd/>
-                <a:tailEnd/>
-              </a14:hiddenLine>
-            </a:ext>
-            <a:ext uri="{AF507438-7753-43E0-B8FC-AC1667EBCBE1}">
-              <a14:hiddenEffects xmlns:a14="http://schemas.microsoft.com/office/drawing/2010/main">
-                <a:effectLst>
-                  <a:outerShdw dist="35921" dir="2700000" algn="ctr" rotWithShape="0">
-                    <a:srgbClr val="808080"/>
-                  </a:outerShdw>
-                </a:effectLst>
-              </a14:hiddenEffects>
-            </a:ext>
-          </a:extLst>
         </p:spPr>
         <p:txBody>
-          <a:bodyPr wrap="none" lIns="50800" tIns="50800" rIns="50800" bIns="50800" anchor="ctr">
+          <a:bodyPr wrap="square">
             <a:spAutoFit/>
           </a:bodyPr>
-          <a:lstStyle>
-            <a:lvl1pPr>
-              <a:defRPr sz="5000">
-                <a:solidFill>
-                  <a:srgbClr val="000000"/>
-                </a:solidFill>
-                <a:latin typeface="Helvetica Light" charset="0"/>
-                <a:ea typeface="Helvetica Light" charset="0"/>
-                <a:cs typeface="Helvetica Light" charset="0"/>
-                <a:sym typeface="Helvetica Light" charset="0"/>
-              </a:defRPr>
-            </a:lvl1pPr>
-            <a:lvl2pPr marL="742950" indent="-285750">
-              <a:defRPr sz="5000">
-                <a:solidFill>
-                  <a:srgbClr val="000000"/>
-                </a:solidFill>
-                <a:latin typeface="Helvetica Light" charset="0"/>
-                <a:ea typeface="Helvetica Light" charset="0"/>
-                <a:cs typeface="Helvetica Light" charset="0"/>
-                <a:sym typeface="Helvetica Light" charset="0"/>
-              </a:defRPr>
-            </a:lvl2pPr>
-            <a:lvl3pPr marL="1143000" indent="-228600">
-              <a:defRPr sz="5000">
-                <a:solidFill>
-                  <a:srgbClr val="000000"/>
-                </a:solidFill>
-                <a:latin typeface="Helvetica Light" charset="0"/>
-                <a:ea typeface="Helvetica Light" charset="0"/>
-                <a:cs typeface="Helvetica Light" charset="0"/>
-                <a:sym typeface="Helvetica Light" charset="0"/>
-              </a:defRPr>
-            </a:lvl3pPr>
-            <a:lvl4pPr marL="1600200" indent="-228600">
-              <a:defRPr sz="5000">
-                <a:solidFill>
-                  <a:srgbClr val="000000"/>
-                </a:solidFill>
-                <a:latin typeface="Helvetica Light" charset="0"/>
-                <a:ea typeface="Helvetica Light" charset="0"/>
-                <a:cs typeface="Helvetica Light" charset="0"/>
-                <a:sym typeface="Helvetica Light" charset="0"/>
-              </a:defRPr>
-            </a:lvl4pPr>
-            <a:lvl5pPr marL="2057400" indent="-228600">
-              <a:defRPr sz="5000">
-                <a:solidFill>
-                  <a:srgbClr val="000000"/>
-                </a:solidFill>
-                <a:latin typeface="Helvetica Light" charset="0"/>
-                <a:ea typeface="Helvetica Light" charset="0"/>
-                <a:cs typeface="Helvetica Light" charset="0"/>
-                <a:sym typeface="Helvetica Light" charset="0"/>
-              </a:defRPr>
-            </a:lvl5pPr>
-            <a:lvl6pPr marL="2514600" indent="-228600" defTabSz="825500" eaLnBrk="0" fontAlgn="base" hangingPunct="0">
-              <a:spcBef>
-                <a:spcPct val="0"/>
-              </a:spcBef>
-              <a:spcAft>
-                <a:spcPct val="0"/>
-              </a:spcAft>
-              <a:defRPr sz="5000">
-                <a:solidFill>
-                  <a:srgbClr val="000000"/>
-                </a:solidFill>
-                <a:latin typeface="Helvetica Light" charset="0"/>
-                <a:ea typeface="Helvetica Light" charset="0"/>
-                <a:cs typeface="Helvetica Light" charset="0"/>
-                <a:sym typeface="Helvetica Light" charset="0"/>
-              </a:defRPr>
-            </a:lvl6pPr>
-            <a:lvl7pPr marL="2971800" indent="-228600" defTabSz="825500" eaLnBrk="0" fontAlgn="base" hangingPunct="0">
-              <a:spcBef>
-                <a:spcPct val="0"/>
-              </a:spcBef>
-              <a:spcAft>
-                <a:spcPct val="0"/>
-              </a:spcAft>
-              <a:defRPr sz="5000">
-                <a:solidFill>
-                  <a:srgbClr val="000000"/>
-                </a:solidFill>
-                <a:latin typeface="Helvetica Light" charset="0"/>
-                <a:ea typeface="Helvetica Light" charset="0"/>
-                <a:cs typeface="Helvetica Light" charset="0"/>
-                <a:sym typeface="Helvetica Light" charset="0"/>
-              </a:defRPr>
-            </a:lvl7pPr>
-            <a:lvl8pPr marL="3429000" indent="-228600" defTabSz="825500" eaLnBrk="0" fontAlgn="base" hangingPunct="0">
-              <a:spcBef>
-                <a:spcPct val="0"/>
-              </a:spcBef>
-              <a:spcAft>
-                <a:spcPct val="0"/>
-              </a:spcAft>
-              <a:defRPr sz="5000">
-                <a:solidFill>
-                  <a:srgbClr val="000000"/>
-                </a:solidFill>
-                <a:latin typeface="Helvetica Light" charset="0"/>
-                <a:ea typeface="Helvetica Light" charset="0"/>
-                <a:cs typeface="Helvetica Light" charset="0"/>
-                <a:sym typeface="Helvetica Light" charset="0"/>
-              </a:defRPr>
-            </a:lvl8pPr>
-            <a:lvl9pPr marL="3886200" indent="-228600" defTabSz="825500" eaLnBrk="0" fontAlgn="base" hangingPunct="0">
-              <a:spcBef>
-                <a:spcPct val="0"/>
-              </a:spcBef>
-              <a:spcAft>
-                <a:spcPct val="0"/>
-              </a:spcAft>
-              <a:defRPr sz="5000">
-                <a:solidFill>
-                  <a:srgbClr val="000000"/>
-                </a:solidFill>
-                <a:latin typeface="Helvetica Light" charset="0"/>
-                <a:ea typeface="Helvetica Light" charset="0"/>
-                <a:cs typeface="Helvetica Light" charset="0"/>
-                <a:sym typeface="Helvetica Light" charset="0"/>
-              </a:defRPr>
-            </a:lvl9pPr>
-          </a:lstStyle>
-          <a:p>
-            <a:pPr eaLnBrk="1"/>
-            <a:r>
-              <a:rPr lang="ko-KR" altLang="ko-KR" dirty="0">
-                <a:solidFill>
-                  <a:schemeClr val="tx1"/>
-                </a:solidFill>
-                <a:latin typeface="맑은 고딕" panose="020B0503020000020004" pitchFamily="50" charset="-127"/>
-                <a:ea typeface="맑은 고딕" panose="020B0503020000020004" pitchFamily="50" charset="-127"/>
-                <a:sym typeface="KoPubDotum Medium" charset="0"/>
-              </a:rPr>
-              <a:t>내용 (</a:t>
-            </a:r>
-            <a:r>
-              <a:rPr lang="en-US" altLang="ko-KR" dirty="0">
-                <a:solidFill>
-                  <a:schemeClr val="tx1"/>
-                </a:solidFill>
-                <a:latin typeface="맑은 고딕" panose="020B0503020000020004" pitchFamily="50" charset="-127"/>
-                <a:ea typeface="맑은 고딕" panose="020B0503020000020004" pitchFamily="50" charset="-127"/>
-                <a:sym typeface="KoPubDotum Medium" charset="0"/>
-              </a:rPr>
-              <a:t>50pt</a:t>
-            </a:r>
-            <a:r>
-              <a:rPr lang="ko-KR" altLang="ko-KR" dirty="0">
-                <a:solidFill>
-                  <a:schemeClr val="tx1"/>
-                </a:solidFill>
-                <a:latin typeface="맑은 고딕" panose="020B0503020000020004" pitchFamily="50" charset="-127"/>
-                <a:ea typeface="맑은 고딕" panose="020B0503020000020004" pitchFamily="50" charset="-127"/>
-                <a:sym typeface="KoPubDotum Medium" charset="0"/>
-              </a:rPr>
-              <a:t>)</a:t>
-            </a:r>
-            <a:endParaRPr lang="ko-KR" altLang="ko-KR" sz="1800" dirty="0">
-              <a:solidFill>
-                <a:schemeClr val="tx1"/>
-              </a:solidFill>
-              <a:latin typeface="맑은 고딕" panose="020B0503020000020004" pitchFamily="50" charset="-127"/>
-              <a:ea typeface="맑은 고딕" panose="020B0503020000020004" pitchFamily="50" charset="-127"/>
-              <a:sym typeface="KoPubDotum Medium" charset="0"/>
-            </a:endParaRPr>
+          <a:lstStyle/>
+          <a:p>
+            <a:r>
+              <a:rPr lang="en-US" altLang="ko-KR" sz="5000" dirty="0"/>
+              <a:t>class </a:t>
+            </a:r>
+            <a:r>
+              <a:rPr lang="en-US" altLang="ko-KR" sz="5000" dirty="0" err="1"/>
+              <a:t>MockNetwork</a:t>
+            </a:r>
+            <a:r>
+              <a:rPr lang="en-US" altLang="ko-KR" sz="5000" dirty="0"/>
+              <a:t> : public </a:t>
+            </a:r>
+            <a:r>
+              <a:rPr lang="en-US" altLang="ko-KR" sz="5000" dirty="0" err="1"/>
+              <a:t>INetwork</a:t>
+            </a:r>
+            <a:endParaRPr lang="en-US" altLang="ko-KR" sz="5000" dirty="0"/>
+          </a:p>
+          <a:p>
+            <a:r>
+              <a:rPr lang="en-US" altLang="ko-KR" sz="5000" dirty="0"/>
+              <a:t>{</a:t>
+            </a:r>
+          </a:p>
+          <a:p>
+            <a:r>
+              <a:rPr lang="en-US" altLang="ko-KR" sz="5000" dirty="0"/>
+              <a:t>public:</a:t>
+            </a:r>
+          </a:p>
+          <a:p>
+            <a:r>
+              <a:rPr lang="en-US" altLang="ko-KR" sz="5000" dirty="0"/>
+              <a:t>	</a:t>
+            </a:r>
+            <a:r>
+              <a:rPr lang="en-US" altLang="ko-KR" sz="5000" dirty="0" err="1"/>
+              <a:t>virtusl</a:t>
+            </a:r>
+            <a:r>
+              <a:rPr lang="en-US" altLang="ko-KR" sz="5000" dirty="0"/>
+              <a:t> Send(char* </a:t>
+            </a:r>
+            <a:r>
+              <a:rPr lang="en-US" altLang="ko-KR" sz="5000" dirty="0" err="1"/>
+              <a:t>pData</a:t>
+            </a:r>
+            <a:r>
+              <a:rPr lang="en-US" altLang="ko-KR" sz="5000" dirty="0"/>
+              <a:t>) override </a:t>
+            </a:r>
+          </a:p>
+          <a:p>
+            <a:r>
+              <a:rPr lang="en-US" altLang="ko-KR" sz="5000" dirty="0"/>
+              <a:t>	{</a:t>
+            </a:r>
+          </a:p>
+          <a:p>
+            <a:r>
+              <a:rPr lang="en-US" altLang="ko-KR" sz="5000" dirty="0"/>
+              <a:t>		....</a:t>
+            </a:r>
+          </a:p>
+          <a:p>
+            <a:r>
+              <a:rPr lang="en-US" altLang="ko-KR" sz="5000" dirty="0"/>
+              <a:t>		</a:t>
+            </a:r>
+            <a:r>
+              <a:rPr lang="en-US" altLang="ko-KR" sz="5000" dirty="0" err="1"/>
+              <a:t>m_SendDatas.push_back</a:t>
+            </a:r>
+            <a:r>
+              <a:rPr lang="en-US" altLang="ko-KR" sz="5000" dirty="0"/>
+              <a:t>(packet);</a:t>
+            </a:r>
+          </a:p>
+          <a:p>
+            <a:r>
+              <a:rPr lang="en-US" altLang="ko-KR" sz="5000" dirty="0"/>
+              <a:t>	}</a:t>
+            </a:r>
+          </a:p>
+          <a:p>
+            <a:r>
+              <a:rPr lang="en-US" altLang="ko-KR" sz="5000" dirty="0"/>
+              <a:t>	</a:t>
+            </a:r>
+          </a:p>
+          <a:p>
+            <a:r>
+              <a:rPr lang="en-US" altLang="ko-KR" sz="5000" dirty="0"/>
+              <a:t>	</a:t>
+            </a:r>
+            <a:r>
+              <a:rPr lang="en-US" altLang="ko-KR" sz="5000" dirty="0" err="1"/>
+              <a:t>std</a:t>
+            </a:r>
+            <a:r>
+              <a:rPr lang="en-US" altLang="ko-KR" sz="5000" dirty="0"/>
+              <a:t>::vector&lt;Packet&gt; </a:t>
+            </a:r>
+            <a:r>
+              <a:rPr lang="en-US" altLang="ko-KR" sz="5000" dirty="0" err="1"/>
+              <a:t>m_SendDatas</a:t>
+            </a:r>
+            <a:r>
+              <a:rPr lang="en-US" altLang="ko-KR" sz="5000" dirty="0"/>
+              <a:t>;</a:t>
+            </a:r>
+          </a:p>
+          <a:p>
+            <a:r>
+              <a:rPr lang="en-US" altLang="ko-KR" sz="5000" dirty="0"/>
+              <a:t>};</a:t>
+            </a:r>
+            <a:endParaRPr lang="ko-KR" altLang="en-US" sz="5000" dirty="0"/>
+          </a:p>
+        </p:txBody>
+      </p:sp>
+      <p:sp>
+        <p:nvSpPr>
+          <p:cNvPr id="4" name="직사각형 3">
+            <a:extLst>
+              <a:ext uri="{FF2B5EF4-FFF2-40B4-BE49-F238E27FC236}">
+                <a16:creationId xmlns:a16="http://schemas.microsoft.com/office/drawing/2014/main" id="{B332D703-F506-49CD-96A4-1E04CCC5D23A}"/>
+              </a:ext>
+            </a:extLst>
+          </p:cNvPr>
+          <p:cNvSpPr/>
+          <p:nvPr/>
+        </p:nvSpPr>
+        <p:spPr>
+          <a:xfrm>
+            <a:off x="5763981" y="9250261"/>
+            <a:ext cx="11810787" cy="2400657"/>
+          </a:xfrm>
+          <a:prstGeom prst="rect">
+            <a:avLst/>
+          </a:prstGeom>
+          <a:ln>
+            <a:solidFill>
+              <a:schemeClr val="tx1"/>
+            </a:solidFill>
+          </a:ln>
+        </p:spPr>
+        <p:txBody>
+          <a:bodyPr wrap="square">
+            <a:spAutoFit/>
+          </a:bodyPr>
+          <a:lstStyle/>
+          <a:p>
+            <a:r>
+              <a:rPr lang="en-US" altLang="ko-KR" sz="5000" dirty="0"/>
+              <a:t>auto </a:t>
+            </a:r>
+            <a:r>
+              <a:rPr lang="en-US" altLang="ko-KR" sz="5000" dirty="0" err="1"/>
+              <a:t>pMockNetwork</a:t>
+            </a:r>
+            <a:r>
+              <a:rPr lang="en-US" altLang="ko-KR" sz="5000" dirty="0"/>
+              <a:t> = new </a:t>
+            </a:r>
+            <a:r>
+              <a:rPr lang="en-US" altLang="ko-KR" sz="5000" dirty="0" err="1"/>
+              <a:t>MockNetwork</a:t>
+            </a:r>
+            <a:r>
+              <a:rPr lang="en-US" altLang="ko-KR" sz="5000" dirty="0"/>
+              <a:t>();</a:t>
+            </a:r>
+          </a:p>
+          <a:p>
+            <a:r>
+              <a:rPr lang="en-US" altLang="ko-KR" sz="5000" dirty="0"/>
+              <a:t>auto </a:t>
+            </a:r>
+            <a:r>
+              <a:rPr lang="en-US" altLang="ko-KR" sz="5000" dirty="0" err="1"/>
+              <a:t>MemberMgr</a:t>
+            </a:r>
+            <a:r>
+              <a:rPr lang="en-US" altLang="ko-KR" sz="5000" dirty="0"/>
+              <a:t> = </a:t>
+            </a:r>
+            <a:r>
+              <a:rPr lang="en-US" altLang="ko-KR" sz="5000" dirty="0" err="1"/>
+              <a:t>MembserManager</a:t>
+            </a:r>
+            <a:r>
+              <a:rPr lang="en-US" altLang="ko-KR" sz="5000" dirty="0"/>
+              <a:t>(</a:t>
+            </a:r>
+            <a:r>
+              <a:rPr lang="en-US" altLang="ko-KR" sz="5000" dirty="0" err="1"/>
+              <a:t>pMockNetwork</a:t>
+            </a:r>
+            <a:r>
+              <a:rPr lang="en-US" altLang="ko-KR" sz="5000" dirty="0"/>
+              <a:t>);</a:t>
+            </a:r>
+            <a:endParaRPr lang="ko-KR" altLang="en-US" sz="5000" dirty="0"/>
           </a:p>
         </p:txBody>
       </p:sp>
     </p:spTree>
     <p:extLst>
       <p:ext uri="{BB962C8B-B14F-4D97-AF65-F5344CB8AC3E}">
-        <p14:creationId xmlns:p14="http://schemas.microsoft.com/office/powerpoint/2010/main" val="2477639045"/>
+        <p14:creationId xmlns:p14="http://schemas.microsoft.com/office/powerpoint/2010/main" val="3745158593"/>
       </p:ext>
     </p:extLst>
   </p:cSld>
@@ -6977,231 +7224,77 @@
       </p:grpSpPr>
       <p:sp>
         <p:nvSpPr>
-          <p:cNvPr id="5" name="Rectangle 2">
+          <p:cNvPr id="3" name="TextBox 2">
             <a:extLst>
               <a:ext uri="{FF2B5EF4-FFF2-40B4-BE49-F238E27FC236}">
-                <a16:creationId xmlns:a16="http://schemas.microsoft.com/office/drawing/2014/main" id="{0BFF5754-E615-4613-A123-F798FC0E77C7}"/>
+                <a16:creationId xmlns:a16="http://schemas.microsoft.com/office/drawing/2014/main" id="{2A417369-E0E8-4B80-B058-65EA5355E31B}"/>
               </a:ext>
             </a:extLst>
           </p:cNvPr>
-          <p:cNvSpPr>
-            <a:spLocks/>
-          </p:cNvSpPr>
+          <p:cNvSpPr txBox="1"/>
           <p:nvPr/>
         </p:nvSpPr>
-        <p:spPr bwMode="auto">
+        <p:spPr>
           <a:xfrm>
-            <a:off x="1446213" y="6421438"/>
-            <a:ext cx="3313112" cy="873125"/>
+            <a:off x="2377440" y="1172391"/>
+            <a:ext cx="18928079" cy="9325630"/>
           </a:xfrm>
           <a:prstGeom prst="rect">
             <a:avLst/>
           </a:prstGeom>
           <a:noFill/>
-          <a:ln>
-            <a:noFill/>
-          </a:ln>
-          <a:effectLst/>
-          <a:extLst>
-            <a:ext uri="{909E8E84-426E-40DD-AFC4-6F175D3DCCD1}">
-              <a14:hiddenFill xmlns:a14="http://schemas.microsoft.com/office/drawing/2010/main">
-                <a:solidFill>
-                  <a:srgbClr val="FFFFFF"/>
-                </a:solidFill>
-              </a14:hiddenFill>
-            </a:ext>
-            <a:ext uri="{91240B29-F687-4F45-9708-019B960494DF}">
-              <a14:hiddenLine xmlns:a14="http://schemas.microsoft.com/office/drawing/2010/main" w="12700">
-                <a:solidFill>
-                  <a:srgbClr val="000000"/>
-                </a:solidFill>
-                <a:miter lim="0"/>
-                <a:headEnd/>
-                <a:tailEnd/>
-              </a14:hiddenLine>
-            </a:ext>
-            <a:ext uri="{AF507438-7753-43E0-B8FC-AC1667EBCBE1}">
-              <a14:hiddenEffects xmlns:a14="http://schemas.microsoft.com/office/drawing/2010/main">
-                <a:effectLst>
-                  <a:outerShdw dist="35921" dir="2700000" algn="ctr" rotWithShape="0">
-                    <a:srgbClr val="808080"/>
-                  </a:outerShdw>
-                </a:effectLst>
-              </a14:hiddenEffects>
-            </a:ext>
-          </a:extLst>
         </p:spPr>
         <p:txBody>
-          <a:bodyPr wrap="none" lIns="50800" tIns="50800" rIns="50800" bIns="50800" anchor="ctr">
+          <a:bodyPr wrap="square" rtlCol="0">
             <a:spAutoFit/>
           </a:bodyPr>
-          <a:lstStyle>
-            <a:lvl1pPr>
-              <a:defRPr sz="5000">
-                <a:solidFill>
-                  <a:srgbClr val="000000"/>
-                </a:solidFill>
-                <a:latin typeface="Helvetica Light" charset="0"/>
-                <a:ea typeface="Helvetica Light" charset="0"/>
-                <a:cs typeface="Helvetica Light" charset="0"/>
-                <a:sym typeface="Helvetica Light" charset="0"/>
-              </a:defRPr>
-            </a:lvl1pPr>
-            <a:lvl2pPr marL="742950" indent="-285750">
-              <a:defRPr sz="5000">
-                <a:solidFill>
-                  <a:srgbClr val="000000"/>
-                </a:solidFill>
-                <a:latin typeface="Helvetica Light" charset="0"/>
-                <a:ea typeface="Helvetica Light" charset="0"/>
-                <a:cs typeface="Helvetica Light" charset="0"/>
-                <a:sym typeface="Helvetica Light" charset="0"/>
-              </a:defRPr>
-            </a:lvl2pPr>
-            <a:lvl3pPr marL="1143000" indent="-228600">
-              <a:defRPr sz="5000">
-                <a:solidFill>
-                  <a:srgbClr val="000000"/>
-                </a:solidFill>
-                <a:latin typeface="Helvetica Light" charset="0"/>
-                <a:ea typeface="Helvetica Light" charset="0"/>
-                <a:cs typeface="Helvetica Light" charset="0"/>
-                <a:sym typeface="Helvetica Light" charset="0"/>
-              </a:defRPr>
-            </a:lvl3pPr>
-            <a:lvl4pPr marL="1600200" indent="-228600">
-              <a:defRPr sz="5000">
-                <a:solidFill>
-                  <a:srgbClr val="000000"/>
-                </a:solidFill>
-                <a:latin typeface="Helvetica Light" charset="0"/>
-                <a:ea typeface="Helvetica Light" charset="0"/>
-                <a:cs typeface="Helvetica Light" charset="0"/>
-                <a:sym typeface="Helvetica Light" charset="0"/>
-              </a:defRPr>
-            </a:lvl4pPr>
-            <a:lvl5pPr marL="2057400" indent="-228600">
-              <a:defRPr sz="5000">
-                <a:solidFill>
-                  <a:srgbClr val="000000"/>
-                </a:solidFill>
-                <a:latin typeface="Helvetica Light" charset="0"/>
-                <a:ea typeface="Helvetica Light" charset="0"/>
-                <a:cs typeface="Helvetica Light" charset="0"/>
-                <a:sym typeface="Helvetica Light" charset="0"/>
-              </a:defRPr>
-            </a:lvl5pPr>
-            <a:lvl6pPr marL="2514600" indent="-228600" defTabSz="825500" eaLnBrk="0" fontAlgn="base" hangingPunct="0">
-              <a:spcBef>
-                <a:spcPct val="0"/>
-              </a:spcBef>
-              <a:spcAft>
-                <a:spcPct val="0"/>
-              </a:spcAft>
-              <a:defRPr sz="5000">
-                <a:solidFill>
-                  <a:srgbClr val="000000"/>
-                </a:solidFill>
-                <a:latin typeface="Helvetica Light" charset="0"/>
-                <a:ea typeface="Helvetica Light" charset="0"/>
-                <a:cs typeface="Helvetica Light" charset="0"/>
-                <a:sym typeface="Helvetica Light" charset="0"/>
-              </a:defRPr>
-            </a:lvl6pPr>
-            <a:lvl7pPr marL="2971800" indent="-228600" defTabSz="825500" eaLnBrk="0" fontAlgn="base" hangingPunct="0">
-              <a:spcBef>
-                <a:spcPct val="0"/>
-              </a:spcBef>
-              <a:spcAft>
-                <a:spcPct val="0"/>
-              </a:spcAft>
-              <a:defRPr sz="5000">
-                <a:solidFill>
-                  <a:srgbClr val="000000"/>
-                </a:solidFill>
-                <a:latin typeface="Helvetica Light" charset="0"/>
-                <a:ea typeface="Helvetica Light" charset="0"/>
-                <a:cs typeface="Helvetica Light" charset="0"/>
-                <a:sym typeface="Helvetica Light" charset="0"/>
-              </a:defRPr>
-            </a:lvl7pPr>
-            <a:lvl8pPr marL="3429000" indent="-228600" defTabSz="825500" eaLnBrk="0" fontAlgn="base" hangingPunct="0">
-              <a:spcBef>
-                <a:spcPct val="0"/>
-              </a:spcBef>
-              <a:spcAft>
-                <a:spcPct val="0"/>
-              </a:spcAft>
-              <a:defRPr sz="5000">
-                <a:solidFill>
-                  <a:srgbClr val="000000"/>
-                </a:solidFill>
-                <a:latin typeface="Helvetica Light" charset="0"/>
-                <a:ea typeface="Helvetica Light" charset="0"/>
-                <a:cs typeface="Helvetica Light" charset="0"/>
-                <a:sym typeface="Helvetica Light" charset="0"/>
-              </a:defRPr>
-            </a:lvl8pPr>
-            <a:lvl9pPr marL="3886200" indent="-228600" defTabSz="825500" eaLnBrk="0" fontAlgn="base" hangingPunct="0">
-              <a:spcBef>
-                <a:spcPct val="0"/>
-              </a:spcBef>
-              <a:spcAft>
-                <a:spcPct val="0"/>
-              </a:spcAft>
-              <a:defRPr sz="5000">
-                <a:solidFill>
-                  <a:srgbClr val="000000"/>
-                </a:solidFill>
-                <a:latin typeface="Helvetica Light" charset="0"/>
-                <a:ea typeface="Helvetica Light" charset="0"/>
-                <a:cs typeface="Helvetica Light" charset="0"/>
-                <a:sym typeface="Helvetica Light" charset="0"/>
-              </a:defRPr>
-            </a:lvl9pPr>
-          </a:lstStyle>
-          <a:p>
-            <a:pPr eaLnBrk="1"/>
-            <a:r>
-              <a:rPr lang="ko-KR" altLang="ko-KR" dirty="0">
-                <a:solidFill>
-                  <a:schemeClr val="tx1"/>
-                </a:solidFill>
-                <a:latin typeface="맑은 고딕" panose="020B0503020000020004" pitchFamily="50" charset="-127"/>
-                <a:ea typeface="맑은 고딕" panose="020B0503020000020004" pitchFamily="50" charset="-127"/>
-                <a:sym typeface="KoPubDotum Medium" charset="0"/>
+          <a:lstStyle/>
+          <a:p>
+            <a:pPr algn="ctr"/>
+            <a:r>
+              <a:rPr lang="ko-KR" altLang="en-US" sz="15000" b="1" dirty="0"/>
+              <a:t>전역 변수</a:t>
+            </a:r>
+            <a:endParaRPr lang="en-US" altLang="ko-KR" sz="15000" b="1" dirty="0"/>
+          </a:p>
+          <a:p>
+            <a:pPr algn="ctr"/>
+            <a:r>
+              <a:rPr lang="en-US" altLang="ko-KR" sz="15000" b="1" dirty="0"/>
+              <a:t>static </a:t>
+            </a:r>
+            <a:r>
+              <a:rPr lang="ko-KR" altLang="en-US" sz="15000" b="1" dirty="0"/>
+              <a:t>변수 </a:t>
+            </a:r>
+            <a:endParaRPr lang="en-US" altLang="ko-KR" sz="15000" b="1" dirty="0"/>
+          </a:p>
+          <a:p>
+            <a:pPr algn="ctr"/>
+            <a:endParaRPr lang="en-US" altLang="ko-KR" sz="15000" b="1" dirty="0"/>
+          </a:p>
+          <a:p>
+            <a:pPr algn="ctr"/>
+            <a:r>
+              <a:rPr lang="ko-KR" altLang="en-US" sz="15000" b="1" dirty="0">
+                <a:solidFill>
+                  <a:srgbClr val="FF0000"/>
+                </a:solidFill>
               </a:rPr>
-              <a:t>내용 (</a:t>
-            </a:r>
-            <a:r>
-              <a:rPr lang="en-US" altLang="ko-KR" dirty="0">
-                <a:solidFill>
-                  <a:schemeClr val="tx1"/>
-                </a:solidFill>
-                <a:latin typeface="맑은 고딕" panose="020B0503020000020004" pitchFamily="50" charset="-127"/>
-                <a:ea typeface="맑은 고딕" panose="020B0503020000020004" pitchFamily="50" charset="-127"/>
-                <a:sym typeface="KoPubDotum Medium" charset="0"/>
+              <a:t>사용하지 않는 것이</a:t>
+            </a:r>
+            <a:r>
+              <a:rPr lang="en-US" altLang="ko-KR" sz="15000" b="1" dirty="0">
+                <a:solidFill>
+                  <a:srgbClr val="FF0000"/>
+                </a:solidFill>
               </a:rPr>
-              <a:t>50pt</a:t>
-            </a:r>
-            <a:r>
-              <a:rPr lang="ko-KR" altLang="ko-KR" dirty="0">
-                <a:solidFill>
-                  <a:schemeClr val="tx1"/>
-                </a:solidFill>
-                <a:latin typeface="맑은 고딕" panose="020B0503020000020004" pitchFamily="50" charset="-127"/>
-                <a:ea typeface="맑은 고딕" panose="020B0503020000020004" pitchFamily="50" charset="-127"/>
-                <a:sym typeface="KoPubDotum Medium" charset="0"/>
-              </a:rPr>
-              <a:t>)</a:t>
-            </a:r>
-            <a:endParaRPr lang="ko-KR" altLang="ko-KR" sz="1800" dirty="0">
+              <a:t>…</a:t>
+            </a:r>
+            <a:endParaRPr lang="ko-KR" altLang="en-US" sz="15000" b="1" dirty="0">
               <a:solidFill>
-                <a:schemeClr val="tx1"/>
+                <a:srgbClr val="FF0000"/>
               </a:solidFill>
-              <a:latin typeface="맑은 고딕" panose="020B0503020000020004" pitchFamily="50" charset="-127"/>
-              <a:ea typeface="맑은 고딕" panose="020B0503020000020004" pitchFamily="50" charset="-127"/>
-              <a:sym typeface="KoPubDotum Medium" charset="0"/>
             </a:endParaRPr>
           </a:p>
         </p:txBody>
@@ -7209,7 +7302,7 @@
     </p:spTree>
     <p:extLst>
       <p:ext uri="{BB962C8B-B14F-4D97-AF65-F5344CB8AC3E}">
-        <p14:creationId xmlns:p14="http://schemas.microsoft.com/office/powerpoint/2010/main" val="2634697750"/>
+        <p14:creationId xmlns:p14="http://schemas.microsoft.com/office/powerpoint/2010/main" val="2477639045"/>
       </p:ext>
     </p:extLst>
   </p:cSld>
@@ -7225,7 +7318,7 @@
     <p:bg>
       <p:bgPr>
         <a:solidFill>
-          <a:srgbClr val="F2F2F2"/>
+          <a:schemeClr val="bg1"/>
         </a:solidFill>
         <a:effectLst/>
       </p:bgPr>
@@ -7246,22 +7339,134 @@
       </p:grpSpPr>
       <p:sp>
         <p:nvSpPr>
-          <p:cNvPr id="5" name="Rectangle 2">
+          <p:cNvPr id="3" name="TextBox 2">
             <a:extLst>
               <a:ext uri="{FF2B5EF4-FFF2-40B4-BE49-F238E27FC236}">
-                <a16:creationId xmlns:a16="http://schemas.microsoft.com/office/drawing/2014/main" id="{63739741-4280-4674-8B48-8EB7D3C12BA3}"/>
+                <a16:creationId xmlns:a16="http://schemas.microsoft.com/office/drawing/2014/main" id="{96E28BF5-A758-4921-BE98-89B0090C777A}"/>
               </a:ext>
             </a:extLst>
           </p:cNvPr>
-          <p:cNvSpPr>
-            <a:spLocks/>
-          </p:cNvSpPr>
+          <p:cNvSpPr txBox="1"/>
           <p:nvPr/>
         </p:nvSpPr>
+        <p:spPr>
+          <a:xfrm>
+            <a:off x="4762300" y="3325006"/>
+            <a:ext cx="15793412" cy="4708981"/>
+          </a:xfrm>
+          <a:prstGeom prst="rect">
+            <a:avLst/>
+          </a:prstGeom>
+          <a:noFill/>
+        </p:spPr>
+        <p:txBody>
+          <a:bodyPr wrap="square" rtlCol="0">
+            <a:spAutoFit/>
+          </a:bodyPr>
+          <a:lstStyle/>
+          <a:p>
+            <a:pPr algn="ctr"/>
+            <a:r>
+              <a:rPr lang="en-US" altLang="ko-KR" sz="15000" b="1" dirty="0"/>
+              <a:t>Visual Studio</a:t>
+            </a:r>
+            <a:r>
+              <a:rPr lang="ko-KR" altLang="en-US" sz="15000" b="1" dirty="0"/>
+              <a:t>의 </a:t>
+            </a:r>
+            <a:endParaRPr lang="en-US" altLang="ko-KR" sz="15000" b="1" dirty="0"/>
+          </a:p>
+          <a:p>
+            <a:pPr algn="ctr"/>
+            <a:r>
+              <a:rPr lang="en-US" altLang="ko-KR" sz="8000" b="1" dirty="0"/>
+              <a:t>(</a:t>
+            </a:r>
+            <a:r>
+              <a:rPr lang="ko-KR" altLang="en-US" sz="8000" b="1" dirty="0"/>
+              <a:t>순정</a:t>
+            </a:r>
+            <a:r>
+              <a:rPr lang="en-US" altLang="ko-KR" sz="8000" b="1" dirty="0"/>
+              <a:t>)</a:t>
+            </a:r>
+            <a:r>
+              <a:rPr lang="ko-KR" altLang="en-US" sz="15000" b="1" dirty="0" err="1"/>
+              <a:t>유닛테스트</a:t>
+            </a:r>
+            <a:endParaRPr lang="ko-KR" altLang="en-US" sz="15000" b="1" dirty="0"/>
+          </a:p>
+        </p:txBody>
+      </p:sp>
+    </p:spTree>
+    <p:extLst>
+      <p:ext uri="{BB962C8B-B14F-4D97-AF65-F5344CB8AC3E}">
+        <p14:creationId xmlns:p14="http://schemas.microsoft.com/office/powerpoint/2010/main" val="2634697750"/>
+      </p:ext>
+    </p:extLst>
+  </p:cSld>
+  <p:clrMapOvr>
+    <a:masterClrMapping/>
+  </p:clrMapOvr>
+</p:sld>
+</file>
+
+<file path=ppt/slides/slide23.xml><?xml version="1.0" encoding="utf-8"?>
+<p:sld xmlns:a="http://schemas.openxmlformats.org/drawingml/2006/main" xmlns:r="http://schemas.openxmlformats.org/officeDocument/2006/relationships" xmlns:p="http://schemas.openxmlformats.org/presentationml/2006/main">
+  <p:cSld>
+    <p:bg>
+      <p:bgPr>
+        <a:solidFill>
+          <a:schemeClr val="bg1"/>
+        </a:solidFill>
+        <a:effectLst/>
+      </p:bgPr>
+    </p:bg>
+    <p:spTree>
+      <p:nvGrpSpPr>
+        <p:cNvPr id="1" name=""/>
+        <p:cNvGrpSpPr/>
+        <p:nvPr/>
+      </p:nvGrpSpPr>
+      <p:grpSpPr>
+        <a:xfrm>
+          <a:off x="0" y="0"/>
+          <a:ext cx="0" cy="0"/>
+          <a:chOff x="0" y="0"/>
+          <a:chExt cx="0" cy="0"/>
+        </a:xfrm>
+      </p:grpSpPr>
+      <p:pic>
+        <p:nvPicPr>
+          <p:cNvPr id="3" name="Picture 2">
+            <a:extLst>
+              <a:ext uri="{FF2B5EF4-FFF2-40B4-BE49-F238E27FC236}">
+                <a16:creationId xmlns:a16="http://schemas.microsoft.com/office/drawing/2014/main" id="{D19A8512-CA09-4490-BE00-C7E2A2E1DBD6}"/>
+              </a:ext>
+            </a:extLst>
+          </p:cNvPr>
+          <p:cNvPicPr>
+            <a:picLocks noChangeAspect="1" noChangeArrowheads="1"/>
+          </p:cNvPicPr>
+          <p:nvPr/>
+        </p:nvPicPr>
+        <p:blipFill>
+          <a:blip r:embed="rId2">
+            <a:extLst>
+              <a:ext uri="{28A0092B-C50C-407E-A947-70E740481C1C}">
+                <a14:useLocalDpi xmlns:a14="http://schemas.microsoft.com/office/drawing/2010/main" val="0"/>
+              </a:ext>
+            </a:extLst>
+          </a:blip>
+          <a:srcRect/>
+          <a:stretch>
+            <a:fillRect/>
+          </a:stretch>
+        </p:blipFill>
         <p:spPr bwMode="auto">
           <a:xfrm>
-            <a:off x="1312863" y="5562600"/>
-            <a:ext cx="16319500" cy="1487488"/>
+            <a:off x="2577018" y="2340994"/>
+            <a:ext cx="12624272" cy="8686670"/>
           </a:xfrm>
           <a:prstGeom prst="rect">
             <a:avLst/>
@@ -7270,193 +7475,1180 @@
           <a:ln>
             <a:noFill/>
           </a:ln>
-          <a:effectLst/>
           <a:extLst>
             <a:ext uri="{909E8E84-426E-40DD-AFC4-6F175D3DCCD1}">
               <a14:hiddenFill xmlns:a14="http://schemas.microsoft.com/office/drawing/2010/main">
                 <a:solidFill>
-                  <a:srgbClr val="FFFFFF"/>
+                  <a:schemeClr val="accent1"/>
                 </a:solidFill>
               </a14:hiddenFill>
             </a:ext>
             <a:ext uri="{91240B29-F687-4F45-9708-019B960494DF}">
-              <a14:hiddenLine xmlns:a14="http://schemas.microsoft.com/office/drawing/2010/main" w="12700">
-                <a:solidFill>
-                  <a:srgbClr val="000000"/>
-                </a:solidFill>
-                <a:miter lim="0"/>
+              <a14:hiddenLine xmlns:a14="http://schemas.microsoft.com/office/drawing/2010/main" w="9525">
+                <a:solidFill>
+                  <a:schemeClr val="tx1"/>
+                </a:solidFill>
+                <a:miter lim="800000"/>
                 <a:headEnd/>
                 <a:tailEnd/>
               </a14:hiddenLine>
             </a:ext>
-            <a:ext uri="{AF507438-7753-43E0-B8FC-AC1667EBCBE1}">
-              <a14:hiddenEffects xmlns:a14="http://schemas.microsoft.com/office/drawing/2010/main">
-                <a:effectLst>
-                  <a:outerShdw dist="35921" dir="2700000" algn="ctr" rotWithShape="0">
-                    <a:srgbClr val="808080"/>
-                  </a:outerShdw>
-                </a:effectLst>
-              </a14:hiddenEffects>
+          </a:extLst>
+        </p:spPr>
+      </p:pic>
+      <p:pic>
+        <p:nvPicPr>
+          <p:cNvPr id="4" name="Picture 3">
+            <a:extLst>
+              <a:ext uri="{FF2B5EF4-FFF2-40B4-BE49-F238E27FC236}">
+                <a16:creationId xmlns:a16="http://schemas.microsoft.com/office/drawing/2014/main" id="{C0F19CC7-DDF3-442D-9139-528156BF6A00}"/>
+              </a:ext>
+            </a:extLst>
+          </p:cNvPr>
+          <p:cNvPicPr>
+            <a:picLocks noChangeAspect="1" noChangeArrowheads="1"/>
+          </p:cNvPicPr>
+          <p:nvPr/>
+        </p:nvPicPr>
+        <p:blipFill>
+          <a:blip r:embed="rId3">
+            <a:extLst>
+              <a:ext uri="{28A0092B-C50C-407E-A947-70E740481C1C}">
+                <a14:useLocalDpi xmlns:a14="http://schemas.microsoft.com/office/drawing/2010/main" val="0"/>
+              </a:ext>
+            </a:extLst>
+          </a:blip>
+          <a:srcRect/>
+          <a:stretch>
+            <a:fillRect/>
+          </a:stretch>
+        </p:blipFill>
+        <p:spPr bwMode="auto">
+          <a:xfrm>
+            <a:off x="15758966" y="2340994"/>
+            <a:ext cx="3443433" cy="8833156"/>
+          </a:xfrm>
+          <a:prstGeom prst="rect">
+            <a:avLst/>
+          </a:prstGeom>
+          <a:noFill/>
+          <a:ln>
+            <a:noFill/>
+          </a:ln>
+          <a:extLst>
+            <a:ext uri="{909E8E84-426E-40DD-AFC4-6F175D3DCCD1}">
+              <a14:hiddenFill xmlns:a14="http://schemas.microsoft.com/office/drawing/2010/main">
+                <a:solidFill>
+                  <a:schemeClr val="accent1"/>
+                </a:solidFill>
+              </a14:hiddenFill>
+            </a:ext>
+            <a:ext uri="{91240B29-F687-4F45-9708-019B960494DF}">
+              <a14:hiddenLine xmlns:a14="http://schemas.microsoft.com/office/drawing/2010/main" w="9525">
+                <a:solidFill>
+                  <a:schemeClr val="tx1"/>
+                </a:solidFill>
+                <a:miter lim="800000"/>
+                <a:headEnd/>
+                <a:tailEnd/>
+              </a14:hiddenLine>
             </a:ext>
           </a:extLst>
         </p:spPr>
-        <p:txBody>
-          <a:bodyPr lIns="50800" tIns="50800" rIns="50800" bIns="50800" anchor="ctr">
-            <a:spAutoFit/>
-          </a:bodyPr>
-          <a:lstStyle>
-            <a:lvl1pPr>
-              <a:defRPr sz="5000">
-                <a:solidFill>
-                  <a:srgbClr val="000000"/>
-                </a:solidFill>
-                <a:latin typeface="Helvetica Light" charset="0"/>
-                <a:ea typeface="Helvetica Light" charset="0"/>
-                <a:cs typeface="Helvetica Light" charset="0"/>
-                <a:sym typeface="Helvetica Light" charset="0"/>
-              </a:defRPr>
-            </a:lvl1pPr>
-            <a:lvl2pPr marL="742950" indent="-285750">
-              <a:defRPr sz="5000">
-                <a:solidFill>
-                  <a:srgbClr val="000000"/>
-                </a:solidFill>
-                <a:latin typeface="Helvetica Light" charset="0"/>
-                <a:ea typeface="Helvetica Light" charset="0"/>
-                <a:cs typeface="Helvetica Light" charset="0"/>
-                <a:sym typeface="Helvetica Light" charset="0"/>
-              </a:defRPr>
-            </a:lvl2pPr>
-            <a:lvl3pPr marL="1143000" indent="-228600">
-              <a:defRPr sz="5000">
-                <a:solidFill>
-                  <a:srgbClr val="000000"/>
-                </a:solidFill>
-                <a:latin typeface="Helvetica Light" charset="0"/>
-                <a:ea typeface="Helvetica Light" charset="0"/>
-                <a:cs typeface="Helvetica Light" charset="0"/>
-                <a:sym typeface="Helvetica Light" charset="0"/>
-              </a:defRPr>
-            </a:lvl3pPr>
-            <a:lvl4pPr marL="1600200" indent="-228600">
-              <a:defRPr sz="5000">
-                <a:solidFill>
-                  <a:srgbClr val="000000"/>
-                </a:solidFill>
-                <a:latin typeface="Helvetica Light" charset="0"/>
-                <a:ea typeface="Helvetica Light" charset="0"/>
-                <a:cs typeface="Helvetica Light" charset="0"/>
-                <a:sym typeface="Helvetica Light" charset="0"/>
-              </a:defRPr>
-            </a:lvl4pPr>
-            <a:lvl5pPr marL="2057400" indent="-228600">
-              <a:defRPr sz="5000">
-                <a:solidFill>
-                  <a:srgbClr val="000000"/>
-                </a:solidFill>
-                <a:latin typeface="Helvetica Light" charset="0"/>
-                <a:ea typeface="Helvetica Light" charset="0"/>
-                <a:cs typeface="Helvetica Light" charset="0"/>
-                <a:sym typeface="Helvetica Light" charset="0"/>
-              </a:defRPr>
-            </a:lvl5pPr>
-            <a:lvl6pPr marL="2514600" indent="-228600" defTabSz="825500" eaLnBrk="0" fontAlgn="base" hangingPunct="0">
-              <a:spcBef>
-                <a:spcPct val="0"/>
-              </a:spcBef>
-              <a:spcAft>
-                <a:spcPct val="0"/>
-              </a:spcAft>
-              <a:defRPr sz="5000">
-                <a:solidFill>
-                  <a:srgbClr val="000000"/>
-                </a:solidFill>
-                <a:latin typeface="Helvetica Light" charset="0"/>
-                <a:ea typeface="Helvetica Light" charset="0"/>
-                <a:cs typeface="Helvetica Light" charset="0"/>
-                <a:sym typeface="Helvetica Light" charset="0"/>
-              </a:defRPr>
-            </a:lvl6pPr>
-            <a:lvl7pPr marL="2971800" indent="-228600" defTabSz="825500" eaLnBrk="0" fontAlgn="base" hangingPunct="0">
-              <a:spcBef>
-                <a:spcPct val="0"/>
-              </a:spcBef>
-              <a:spcAft>
-                <a:spcPct val="0"/>
-              </a:spcAft>
-              <a:defRPr sz="5000">
-                <a:solidFill>
-                  <a:srgbClr val="000000"/>
-                </a:solidFill>
-                <a:latin typeface="Helvetica Light" charset="0"/>
-                <a:ea typeface="Helvetica Light" charset="0"/>
-                <a:cs typeface="Helvetica Light" charset="0"/>
-                <a:sym typeface="Helvetica Light" charset="0"/>
-              </a:defRPr>
-            </a:lvl7pPr>
-            <a:lvl8pPr marL="3429000" indent="-228600" defTabSz="825500" eaLnBrk="0" fontAlgn="base" hangingPunct="0">
-              <a:spcBef>
-                <a:spcPct val="0"/>
-              </a:spcBef>
-              <a:spcAft>
-                <a:spcPct val="0"/>
-              </a:spcAft>
-              <a:defRPr sz="5000">
-                <a:solidFill>
-                  <a:srgbClr val="000000"/>
-                </a:solidFill>
-                <a:latin typeface="Helvetica Light" charset="0"/>
-                <a:ea typeface="Helvetica Light" charset="0"/>
-                <a:cs typeface="Helvetica Light" charset="0"/>
-                <a:sym typeface="Helvetica Light" charset="0"/>
-              </a:defRPr>
-            </a:lvl8pPr>
-            <a:lvl9pPr marL="3886200" indent="-228600" defTabSz="825500" eaLnBrk="0" fontAlgn="base" hangingPunct="0">
-              <a:spcBef>
-                <a:spcPct val="0"/>
-              </a:spcBef>
-              <a:spcAft>
-                <a:spcPct val="0"/>
-              </a:spcAft>
-              <a:defRPr sz="5000">
-                <a:solidFill>
-                  <a:srgbClr val="000000"/>
-                </a:solidFill>
-                <a:latin typeface="Helvetica Light" charset="0"/>
-                <a:ea typeface="Helvetica Light" charset="0"/>
-                <a:cs typeface="Helvetica Light" charset="0"/>
-                <a:sym typeface="Helvetica Light" charset="0"/>
-              </a:defRPr>
-            </a:lvl9pPr>
-          </a:lstStyle>
-          <a:p>
-            <a:pPr eaLnBrk="1"/>
-            <a:r>
-              <a:rPr lang="ko-KR" altLang="ko-KR" sz="9000" b="1" dirty="0">
-                <a:solidFill>
-                  <a:schemeClr val="tx1"/>
-                </a:solidFill>
-                <a:latin typeface="맑은 고딕" panose="020B0503020000020004" pitchFamily="50" charset="-127"/>
-                <a:ea typeface="맑은 고딕" panose="020B0503020000020004" pitchFamily="50" charset="-127"/>
-                <a:sym typeface="KoPubDotum Bold" charset="0"/>
-              </a:rPr>
-              <a:t>감사합니다.</a:t>
-            </a:r>
-            <a:endParaRPr lang="ko-KR" altLang="ko-KR" sz="1800" b="1" dirty="0">
-              <a:solidFill>
-                <a:schemeClr val="tx1"/>
-              </a:solidFill>
-              <a:latin typeface="맑은 고딕" panose="020B0503020000020004" pitchFamily="50" charset="-127"/>
-              <a:ea typeface="맑은 고딕" panose="020B0503020000020004" pitchFamily="50" charset="-127"/>
-              <a:sym typeface="KoPubDotum Bold" charset="0"/>
-            </a:endParaRPr>
-          </a:p>
-        </p:txBody>
-      </p:sp>
+      </p:pic>
     </p:spTree>
     <p:extLst>
       <p:ext uri="{BB962C8B-B14F-4D97-AF65-F5344CB8AC3E}">
-        <p14:creationId xmlns:p14="http://schemas.microsoft.com/office/powerpoint/2010/main" val="1862023297"/>
+        <p14:creationId xmlns:p14="http://schemas.microsoft.com/office/powerpoint/2010/main" val="530813252"/>
+      </p:ext>
+    </p:extLst>
+  </p:cSld>
+  <p:clrMapOvr>
+    <a:masterClrMapping/>
+  </p:clrMapOvr>
+</p:sld>
+</file>
+
+<file path=ppt/slides/slide24.xml><?xml version="1.0" encoding="utf-8"?>
+<p:sld xmlns:a="http://schemas.openxmlformats.org/drawingml/2006/main" xmlns:r="http://schemas.openxmlformats.org/officeDocument/2006/relationships" xmlns:p="http://schemas.openxmlformats.org/presentationml/2006/main">
+  <p:cSld>
+    <p:bg>
+      <p:bgPr>
+        <a:solidFill>
+          <a:schemeClr val="bg1"/>
+        </a:solidFill>
+        <a:effectLst/>
+      </p:bgPr>
+    </p:bg>
+    <p:spTree>
+      <p:nvGrpSpPr>
+        <p:cNvPr id="1" name=""/>
+        <p:cNvGrpSpPr/>
+        <p:nvPr/>
+      </p:nvGrpSpPr>
+      <p:grpSpPr>
+        <a:xfrm>
+          <a:off x="0" y="0"/>
+          <a:ext cx="0" cy="0"/>
+          <a:chOff x="0" y="0"/>
+          <a:chExt cx="0" cy="0"/>
+        </a:xfrm>
+      </p:grpSpPr>
+      <p:pic>
+        <p:nvPicPr>
+          <p:cNvPr id="3" name="Picture 2">
+            <a:extLst>
+              <a:ext uri="{FF2B5EF4-FFF2-40B4-BE49-F238E27FC236}">
+                <a16:creationId xmlns:a16="http://schemas.microsoft.com/office/drawing/2014/main" id="{484CF382-6AB1-44BE-B020-AFDECF720493}"/>
+              </a:ext>
+            </a:extLst>
+          </p:cNvPr>
+          <p:cNvPicPr>
+            <a:picLocks noChangeAspect="1" noChangeArrowheads="1"/>
+          </p:cNvPicPr>
+          <p:nvPr/>
+        </p:nvPicPr>
+        <p:blipFill>
+          <a:blip r:embed="rId2">
+            <a:extLst>
+              <a:ext uri="{28A0092B-C50C-407E-A947-70E740481C1C}">
+                <a14:useLocalDpi xmlns:a14="http://schemas.microsoft.com/office/drawing/2010/main" val="0"/>
+              </a:ext>
+            </a:extLst>
+          </a:blip>
+          <a:srcRect/>
+          <a:stretch>
+            <a:fillRect/>
+          </a:stretch>
+        </p:blipFill>
+        <p:spPr bwMode="auto">
+          <a:xfrm>
+            <a:off x="1177791" y="3072949"/>
+            <a:ext cx="11014209" cy="7570102"/>
+          </a:xfrm>
+          <a:prstGeom prst="rect">
+            <a:avLst/>
+          </a:prstGeom>
+          <a:noFill/>
+          <a:ln>
+            <a:noFill/>
+          </a:ln>
+          <a:extLst>
+            <a:ext uri="{909E8E84-426E-40DD-AFC4-6F175D3DCCD1}">
+              <a14:hiddenFill xmlns:a14="http://schemas.microsoft.com/office/drawing/2010/main">
+                <a:solidFill>
+                  <a:schemeClr val="accent1"/>
+                </a:solidFill>
+              </a14:hiddenFill>
+            </a:ext>
+            <a:ext uri="{91240B29-F687-4F45-9708-019B960494DF}">
+              <a14:hiddenLine xmlns:a14="http://schemas.microsoft.com/office/drawing/2010/main" w="9525">
+                <a:solidFill>
+                  <a:schemeClr val="tx1"/>
+                </a:solidFill>
+                <a:miter lim="800000"/>
+                <a:headEnd/>
+                <a:tailEnd/>
+              </a14:hiddenLine>
+            </a:ext>
+          </a:extLst>
+        </p:spPr>
+      </p:pic>
+      <p:pic>
+        <p:nvPicPr>
+          <p:cNvPr id="4" name="Picture 2">
+            <a:extLst>
+              <a:ext uri="{FF2B5EF4-FFF2-40B4-BE49-F238E27FC236}">
+                <a16:creationId xmlns:a16="http://schemas.microsoft.com/office/drawing/2014/main" id="{38A76794-3331-4B3B-80FA-75EF573069E6}"/>
+              </a:ext>
+            </a:extLst>
+          </p:cNvPr>
+          <p:cNvPicPr>
+            <a:picLocks noChangeAspect="1" noChangeArrowheads="1"/>
+          </p:cNvPicPr>
+          <p:nvPr/>
+        </p:nvPicPr>
+        <p:blipFill>
+          <a:blip r:embed="rId3">
+            <a:extLst>
+              <a:ext uri="{28A0092B-C50C-407E-A947-70E740481C1C}">
+                <a14:useLocalDpi xmlns:a14="http://schemas.microsoft.com/office/drawing/2010/main" val="0"/>
+              </a:ext>
+            </a:extLst>
+          </a:blip>
+          <a:srcRect/>
+          <a:stretch>
+            <a:fillRect/>
+          </a:stretch>
+        </p:blipFill>
+        <p:spPr bwMode="auto">
+          <a:xfrm>
+            <a:off x="13093256" y="3072949"/>
+            <a:ext cx="8628153" cy="7570102"/>
+          </a:xfrm>
+          <a:prstGeom prst="rect">
+            <a:avLst/>
+          </a:prstGeom>
+          <a:noFill/>
+          <a:ln>
+            <a:noFill/>
+          </a:ln>
+          <a:extLst>
+            <a:ext uri="{909E8E84-426E-40DD-AFC4-6F175D3DCCD1}">
+              <a14:hiddenFill xmlns:a14="http://schemas.microsoft.com/office/drawing/2010/main">
+                <a:solidFill>
+                  <a:schemeClr val="accent1"/>
+                </a:solidFill>
+              </a14:hiddenFill>
+            </a:ext>
+            <a:ext uri="{91240B29-F687-4F45-9708-019B960494DF}">
+              <a14:hiddenLine xmlns:a14="http://schemas.microsoft.com/office/drawing/2010/main" w="9525">
+                <a:solidFill>
+                  <a:schemeClr val="tx1"/>
+                </a:solidFill>
+                <a:miter lim="800000"/>
+                <a:headEnd/>
+                <a:tailEnd/>
+              </a14:hiddenLine>
+            </a:ext>
+          </a:extLst>
+        </p:spPr>
+      </p:pic>
+    </p:spTree>
+    <p:extLst>
+      <p:ext uri="{BB962C8B-B14F-4D97-AF65-F5344CB8AC3E}">
+        <p14:creationId xmlns:p14="http://schemas.microsoft.com/office/powerpoint/2010/main" val="4282808224"/>
+      </p:ext>
+    </p:extLst>
+  </p:cSld>
+  <p:clrMapOvr>
+    <a:masterClrMapping/>
+  </p:clrMapOvr>
+</p:sld>
+</file>
+
+<file path=ppt/slides/slide25.xml><?xml version="1.0" encoding="utf-8"?>
+<p:sld xmlns:a="http://schemas.openxmlformats.org/drawingml/2006/main" xmlns:r="http://schemas.openxmlformats.org/officeDocument/2006/relationships" xmlns:p="http://schemas.openxmlformats.org/presentationml/2006/main">
+  <p:cSld>
+    <p:bg>
+      <p:bgPr>
+        <a:solidFill>
+          <a:schemeClr val="bg1"/>
+        </a:solidFill>
+        <a:effectLst/>
+      </p:bgPr>
+    </p:bg>
+    <p:spTree>
+      <p:nvGrpSpPr>
+        <p:cNvPr id="1" name=""/>
+        <p:cNvGrpSpPr/>
+        <p:nvPr/>
+      </p:nvGrpSpPr>
+      <p:grpSpPr>
+        <a:xfrm>
+          <a:off x="0" y="0"/>
+          <a:ext cx="0" cy="0"/>
+          <a:chOff x="0" y="0"/>
+          <a:chExt cx="0" cy="0"/>
+        </a:xfrm>
+      </p:grpSpPr>
+      <p:pic>
+        <p:nvPicPr>
+          <p:cNvPr id="2" name="Picture 2">
+            <a:extLst>
+              <a:ext uri="{FF2B5EF4-FFF2-40B4-BE49-F238E27FC236}">
+                <a16:creationId xmlns:a16="http://schemas.microsoft.com/office/drawing/2014/main" id="{896D21A8-B7A6-4401-AECB-C48F8CB69DC5}"/>
+              </a:ext>
+            </a:extLst>
+          </p:cNvPr>
+          <p:cNvPicPr>
+            <a:picLocks noChangeAspect="1" noChangeArrowheads="1"/>
+          </p:cNvPicPr>
+          <p:nvPr/>
+        </p:nvPicPr>
+        <p:blipFill>
+          <a:blip r:embed="rId2">
+            <a:extLst>
+              <a:ext uri="{28A0092B-C50C-407E-A947-70E740481C1C}">
+                <a14:useLocalDpi xmlns:a14="http://schemas.microsoft.com/office/drawing/2010/main" val="0"/>
+              </a:ext>
+            </a:extLst>
+          </a:blip>
+          <a:srcRect/>
+          <a:stretch>
+            <a:fillRect/>
+          </a:stretch>
+        </p:blipFill>
+        <p:spPr bwMode="auto">
+          <a:xfrm>
+            <a:off x="1419953" y="1550239"/>
+            <a:ext cx="14170833" cy="4167892"/>
+          </a:xfrm>
+          <a:prstGeom prst="rect">
+            <a:avLst/>
+          </a:prstGeom>
+          <a:noFill/>
+          <a:ln>
+            <a:noFill/>
+          </a:ln>
+          <a:extLst>
+            <a:ext uri="{909E8E84-426E-40DD-AFC4-6F175D3DCCD1}">
+              <a14:hiddenFill xmlns:a14="http://schemas.microsoft.com/office/drawing/2010/main">
+                <a:solidFill>
+                  <a:schemeClr val="accent1"/>
+                </a:solidFill>
+              </a14:hiddenFill>
+            </a:ext>
+            <a:ext uri="{91240B29-F687-4F45-9708-019B960494DF}">
+              <a14:hiddenLine xmlns:a14="http://schemas.microsoft.com/office/drawing/2010/main" w="9525">
+                <a:solidFill>
+                  <a:schemeClr val="tx1"/>
+                </a:solidFill>
+                <a:miter lim="800000"/>
+                <a:headEnd/>
+                <a:tailEnd/>
+              </a14:hiddenLine>
+            </a:ext>
+          </a:extLst>
+        </p:spPr>
+      </p:pic>
+      <p:pic>
+        <p:nvPicPr>
+          <p:cNvPr id="3" name="Picture 3">
+            <a:extLst>
+              <a:ext uri="{FF2B5EF4-FFF2-40B4-BE49-F238E27FC236}">
+                <a16:creationId xmlns:a16="http://schemas.microsoft.com/office/drawing/2014/main" id="{C68FD2E9-3F00-42E4-8F7B-AA01CA4C5866}"/>
+              </a:ext>
+            </a:extLst>
+          </p:cNvPr>
+          <p:cNvPicPr>
+            <a:picLocks noChangeAspect="1" noChangeArrowheads="1"/>
+          </p:cNvPicPr>
+          <p:nvPr/>
+        </p:nvPicPr>
+        <p:blipFill>
+          <a:blip r:embed="rId3">
+            <a:extLst>
+              <a:ext uri="{28A0092B-C50C-407E-A947-70E740481C1C}">
+                <a14:useLocalDpi xmlns:a14="http://schemas.microsoft.com/office/drawing/2010/main" val="0"/>
+              </a:ext>
+            </a:extLst>
+          </a:blip>
+          <a:srcRect/>
+          <a:stretch>
+            <a:fillRect/>
+          </a:stretch>
+        </p:blipFill>
+        <p:spPr bwMode="auto">
+          <a:xfrm>
+            <a:off x="16765522" y="1550239"/>
+            <a:ext cx="3771901" cy="9331867"/>
+          </a:xfrm>
+          <a:prstGeom prst="rect">
+            <a:avLst/>
+          </a:prstGeom>
+          <a:noFill/>
+          <a:ln>
+            <a:noFill/>
+          </a:ln>
+          <a:extLst>
+            <a:ext uri="{909E8E84-426E-40DD-AFC4-6F175D3DCCD1}">
+              <a14:hiddenFill xmlns:a14="http://schemas.microsoft.com/office/drawing/2010/main">
+                <a:solidFill>
+                  <a:schemeClr val="accent1"/>
+                </a:solidFill>
+              </a14:hiddenFill>
+            </a:ext>
+            <a:ext uri="{91240B29-F687-4F45-9708-019B960494DF}">
+              <a14:hiddenLine xmlns:a14="http://schemas.microsoft.com/office/drawing/2010/main" w="9525">
+                <a:solidFill>
+                  <a:schemeClr val="tx1"/>
+                </a:solidFill>
+                <a:miter lim="800000"/>
+                <a:headEnd/>
+                <a:tailEnd/>
+              </a14:hiddenLine>
+            </a:ext>
+          </a:extLst>
+        </p:spPr>
+      </p:pic>
+    </p:spTree>
+    <p:extLst>
+      <p:ext uri="{BB962C8B-B14F-4D97-AF65-F5344CB8AC3E}">
+        <p14:creationId xmlns:p14="http://schemas.microsoft.com/office/powerpoint/2010/main" val="3039838835"/>
+      </p:ext>
+    </p:extLst>
+  </p:cSld>
+  <p:clrMapOvr>
+    <a:masterClrMapping/>
+  </p:clrMapOvr>
+</p:sld>
+</file>
+
+<file path=ppt/slides/slide26.xml><?xml version="1.0" encoding="utf-8"?>
+<p:sld xmlns:a="http://schemas.openxmlformats.org/drawingml/2006/main" xmlns:r="http://schemas.openxmlformats.org/officeDocument/2006/relationships" xmlns:p="http://schemas.openxmlformats.org/presentationml/2006/main">
+  <p:cSld>
+    <p:bg>
+      <p:bgPr>
+        <a:solidFill>
+          <a:schemeClr val="bg1"/>
+        </a:solidFill>
+        <a:effectLst/>
+      </p:bgPr>
+    </p:bg>
+    <p:spTree>
+      <p:nvGrpSpPr>
+        <p:cNvPr id="1" name=""/>
+        <p:cNvGrpSpPr/>
+        <p:nvPr/>
+      </p:nvGrpSpPr>
+      <p:grpSpPr>
+        <a:xfrm>
+          <a:off x="0" y="0"/>
+          <a:ext cx="0" cy="0"/>
+          <a:chOff x="0" y="0"/>
+          <a:chExt cx="0" cy="0"/>
+        </a:xfrm>
+      </p:grpSpPr>
+      <p:pic>
+        <p:nvPicPr>
+          <p:cNvPr id="2" name="Picture 4" descr="D:\캡쳐이미지\Cap 2016-02-28 09-01-09-867.png">
+            <a:extLst>
+              <a:ext uri="{FF2B5EF4-FFF2-40B4-BE49-F238E27FC236}">
+                <a16:creationId xmlns:a16="http://schemas.microsoft.com/office/drawing/2014/main" id="{EA226993-040E-4A52-B5A9-6EA5D7887FBF}"/>
+              </a:ext>
+            </a:extLst>
+          </p:cNvPr>
+          <p:cNvPicPr>
+            <a:picLocks noChangeAspect="1" noChangeArrowheads="1"/>
+          </p:cNvPicPr>
+          <p:nvPr/>
+        </p:nvPicPr>
+        <p:blipFill>
+          <a:blip r:embed="rId2">
+            <a:extLst>
+              <a:ext uri="{28A0092B-C50C-407E-A947-70E740481C1C}">
+                <a14:useLocalDpi xmlns:a14="http://schemas.microsoft.com/office/drawing/2010/main" val="0"/>
+              </a:ext>
+            </a:extLst>
+          </a:blip>
+          <a:srcRect/>
+          <a:stretch>
+            <a:fillRect/>
+          </a:stretch>
+        </p:blipFill>
+        <p:spPr bwMode="auto">
+          <a:xfrm>
+            <a:off x="6458087" y="297843"/>
+            <a:ext cx="10952089" cy="4198019"/>
+          </a:xfrm>
+          <a:prstGeom prst="rect">
+            <a:avLst/>
+          </a:prstGeom>
+          <a:noFill/>
+          <a:extLst>
+            <a:ext uri="{909E8E84-426E-40DD-AFC4-6F175D3DCCD1}">
+              <a14:hiddenFill xmlns:a14="http://schemas.microsoft.com/office/drawing/2010/main">
+                <a:solidFill>
+                  <a:srgbClr val="FFFFFF"/>
+                </a:solidFill>
+              </a14:hiddenFill>
+            </a:ext>
+          </a:extLst>
+        </p:spPr>
+      </p:pic>
+      <p:pic>
+        <p:nvPicPr>
+          <p:cNvPr id="3" name="Picture 2">
+            <a:extLst>
+              <a:ext uri="{FF2B5EF4-FFF2-40B4-BE49-F238E27FC236}">
+                <a16:creationId xmlns:a16="http://schemas.microsoft.com/office/drawing/2014/main" id="{5D5ABFFB-18DF-4994-B5C6-1F6E13407F1B}"/>
+              </a:ext>
+            </a:extLst>
+          </p:cNvPr>
+          <p:cNvPicPr>
+            <a:picLocks noChangeAspect="1" noChangeArrowheads="1"/>
+          </p:cNvPicPr>
+          <p:nvPr/>
+        </p:nvPicPr>
+        <p:blipFill>
+          <a:blip r:embed="rId3">
+            <a:extLst>
+              <a:ext uri="{28A0092B-C50C-407E-A947-70E740481C1C}">
+                <a14:useLocalDpi xmlns:a14="http://schemas.microsoft.com/office/drawing/2010/main" val="0"/>
+              </a:ext>
+            </a:extLst>
+          </a:blip>
+          <a:srcRect/>
+          <a:stretch>
+            <a:fillRect/>
+          </a:stretch>
+        </p:blipFill>
+        <p:spPr bwMode="auto">
+          <a:xfrm>
+            <a:off x="5891159" y="5034318"/>
+            <a:ext cx="12113982" cy="6944321"/>
+          </a:xfrm>
+          <a:prstGeom prst="rect">
+            <a:avLst/>
+          </a:prstGeom>
+          <a:noFill/>
+          <a:ln>
+            <a:noFill/>
+          </a:ln>
+          <a:extLst>
+            <a:ext uri="{909E8E84-426E-40DD-AFC4-6F175D3DCCD1}">
+              <a14:hiddenFill xmlns:a14="http://schemas.microsoft.com/office/drawing/2010/main">
+                <a:solidFill>
+                  <a:schemeClr val="accent1"/>
+                </a:solidFill>
+              </a14:hiddenFill>
+            </a:ext>
+            <a:ext uri="{91240B29-F687-4F45-9708-019B960494DF}">
+              <a14:hiddenLine xmlns:a14="http://schemas.microsoft.com/office/drawing/2010/main" w="9525">
+                <a:solidFill>
+                  <a:schemeClr val="tx1"/>
+                </a:solidFill>
+                <a:miter lim="800000"/>
+                <a:headEnd/>
+                <a:tailEnd/>
+              </a14:hiddenLine>
+            </a:ext>
+          </a:extLst>
+        </p:spPr>
+      </p:pic>
+    </p:spTree>
+    <p:extLst>
+      <p:ext uri="{BB962C8B-B14F-4D97-AF65-F5344CB8AC3E}">
+        <p14:creationId xmlns:p14="http://schemas.microsoft.com/office/powerpoint/2010/main" val="1682373598"/>
+      </p:ext>
+    </p:extLst>
+  </p:cSld>
+  <p:clrMapOvr>
+    <a:masterClrMapping/>
+  </p:clrMapOvr>
+</p:sld>
+</file>
+
+<file path=ppt/slides/slide27.xml><?xml version="1.0" encoding="utf-8"?>
+<p:sld xmlns:a="http://schemas.openxmlformats.org/drawingml/2006/main" xmlns:r="http://schemas.openxmlformats.org/officeDocument/2006/relationships" xmlns:p="http://schemas.openxmlformats.org/presentationml/2006/main">
+  <p:cSld>
+    <p:bg>
+      <p:bgPr>
+        <a:solidFill>
+          <a:schemeClr val="bg1"/>
+        </a:solidFill>
+        <a:effectLst/>
+      </p:bgPr>
+    </p:bg>
+    <p:spTree>
+      <p:nvGrpSpPr>
+        <p:cNvPr id="1" name=""/>
+        <p:cNvGrpSpPr/>
+        <p:nvPr/>
+      </p:nvGrpSpPr>
+      <p:grpSpPr>
+        <a:xfrm>
+          <a:off x="0" y="0"/>
+          <a:ext cx="0" cy="0"/>
+          <a:chOff x="0" y="0"/>
+          <a:chExt cx="0" cy="0"/>
+        </a:xfrm>
+      </p:grpSpPr>
+      <p:pic>
+        <p:nvPicPr>
+          <p:cNvPr id="2" name="Picture 2">
+            <a:extLst>
+              <a:ext uri="{FF2B5EF4-FFF2-40B4-BE49-F238E27FC236}">
+                <a16:creationId xmlns:a16="http://schemas.microsoft.com/office/drawing/2014/main" id="{9E887CA5-0B1C-45E3-A44E-EB8A92EDDFDC}"/>
+              </a:ext>
+            </a:extLst>
+          </p:cNvPr>
+          <p:cNvPicPr>
+            <a:picLocks noChangeAspect="1" noChangeArrowheads="1"/>
+          </p:cNvPicPr>
+          <p:nvPr/>
+        </p:nvPicPr>
+        <p:blipFill>
+          <a:blip r:embed="rId2">
+            <a:extLst>
+              <a:ext uri="{28A0092B-C50C-407E-A947-70E740481C1C}">
+                <a14:useLocalDpi xmlns:a14="http://schemas.microsoft.com/office/drawing/2010/main" val="0"/>
+              </a:ext>
+            </a:extLst>
+          </a:blip>
+          <a:srcRect/>
+          <a:stretch>
+            <a:fillRect/>
+          </a:stretch>
+        </p:blipFill>
+        <p:spPr bwMode="auto">
+          <a:xfrm>
+            <a:off x="4197121" y="307699"/>
+            <a:ext cx="14148927" cy="2892965"/>
+          </a:xfrm>
+          <a:prstGeom prst="rect">
+            <a:avLst/>
+          </a:prstGeom>
+          <a:noFill/>
+          <a:ln>
+            <a:noFill/>
+          </a:ln>
+          <a:extLst>
+            <a:ext uri="{909E8E84-426E-40DD-AFC4-6F175D3DCCD1}">
+              <a14:hiddenFill xmlns:a14="http://schemas.microsoft.com/office/drawing/2010/main">
+                <a:solidFill>
+                  <a:schemeClr val="accent1"/>
+                </a:solidFill>
+              </a14:hiddenFill>
+            </a:ext>
+            <a:ext uri="{91240B29-F687-4F45-9708-019B960494DF}">
+              <a14:hiddenLine xmlns:a14="http://schemas.microsoft.com/office/drawing/2010/main" w="9525">
+                <a:solidFill>
+                  <a:schemeClr val="tx1"/>
+                </a:solidFill>
+                <a:miter lim="800000"/>
+                <a:headEnd/>
+                <a:tailEnd/>
+              </a14:hiddenLine>
+            </a:ext>
+          </a:extLst>
+        </p:spPr>
+      </p:pic>
+      <p:pic>
+        <p:nvPicPr>
+          <p:cNvPr id="3" name="Picture 3">
+            <a:extLst>
+              <a:ext uri="{FF2B5EF4-FFF2-40B4-BE49-F238E27FC236}">
+                <a16:creationId xmlns:a16="http://schemas.microsoft.com/office/drawing/2014/main" id="{EE89D617-BCC0-408E-BB21-1560EADE7729}"/>
+              </a:ext>
+            </a:extLst>
+          </p:cNvPr>
+          <p:cNvPicPr>
+            <a:picLocks noChangeAspect="1" noChangeArrowheads="1"/>
+          </p:cNvPicPr>
+          <p:nvPr/>
+        </p:nvPicPr>
+        <p:blipFill>
+          <a:blip r:embed="rId3">
+            <a:extLst>
+              <a:ext uri="{28A0092B-C50C-407E-A947-70E740481C1C}">
+                <a14:useLocalDpi xmlns:a14="http://schemas.microsoft.com/office/drawing/2010/main" val="0"/>
+              </a:ext>
+            </a:extLst>
+          </a:blip>
+          <a:srcRect/>
+          <a:stretch>
+            <a:fillRect/>
+          </a:stretch>
+        </p:blipFill>
+        <p:spPr bwMode="auto">
+          <a:xfrm>
+            <a:off x="5636394" y="8055600"/>
+            <a:ext cx="12598758" cy="3271828"/>
+          </a:xfrm>
+          <a:prstGeom prst="rect">
+            <a:avLst/>
+          </a:prstGeom>
+          <a:noFill/>
+          <a:ln>
+            <a:noFill/>
+          </a:ln>
+          <a:extLst>
+            <a:ext uri="{909E8E84-426E-40DD-AFC4-6F175D3DCCD1}">
+              <a14:hiddenFill xmlns:a14="http://schemas.microsoft.com/office/drawing/2010/main">
+                <a:solidFill>
+                  <a:schemeClr val="accent1"/>
+                </a:solidFill>
+              </a14:hiddenFill>
+            </a:ext>
+            <a:ext uri="{91240B29-F687-4F45-9708-019B960494DF}">
+              <a14:hiddenLine xmlns:a14="http://schemas.microsoft.com/office/drawing/2010/main" w="9525">
+                <a:solidFill>
+                  <a:schemeClr val="tx1"/>
+                </a:solidFill>
+                <a:miter lim="800000"/>
+                <a:headEnd/>
+                <a:tailEnd/>
+              </a14:hiddenLine>
+            </a:ext>
+          </a:extLst>
+        </p:spPr>
+      </p:pic>
+      <p:pic>
+        <p:nvPicPr>
+          <p:cNvPr id="4" name="Picture 4">
+            <a:extLst>
+              <a:ext uri="{FF2B5EF4-FFF2-40B4-BE49-F238E27FC236}">
+                <a16:creationId xmlns:a16="http://schemas.microsoft.com/office/drawing/2014/main" id="{21D1060A-CA01-444E-A1D9-19D60D19ECB9}"/>
+              </a:ext>
+            </a:extLst>
+          </p:cNvPr>
+          <p:cNvPicPr>
+            <a:picLocks noChangeAspect="1" noChangeArrowheads="1"/>
+          </p:cNvPicPr>
+          <p:nvPr/>
+        </p:nvPicPr>
+        <p:blipFill>
+          <a:blip r:embed="rId4">
+            <a:extLst>
+              <a:ext uri="{28A0092B-C50C-407E-A947-70E740481C1C}">
+                <a14:useLocalDpi xmlns:a14="http://schemas.microsoft.com/office/drawing/2010/main" val="0"/>
+              </a:ext>
+            </a:extLst>
+          </a:blip>
+          <a:srcRect/>
+          <a:stretch>
+            <a:fillRect/>
+          </a:stretch>
+        </p:blipFill>
+        <p:spPr bwMode="auto">
+          <a:xfrm>
+            <a:off x="7311954" y="3454708"/>
+            <a:ext cx="8177644" cy="4014480"/>
+          </a:xfrm>
+          <a:prstGeom prst="rect">
+            <a:avLst/>
+          </a:prstGeom>
+          <a:noFill/>
+          <a:ln>
+            <a:noFill/>
+          </a:ln>
+          <a:extLst>
+            <a:ext uri="{909E8E84-426E-40DD-AFC4-6F175D3DCCD1}">
+              <a14:hiddenFill xmlns:a14="http://schemas.microsoft.com/office/drawing/2010/main">
+                <a:solidFill>
+                  <a:schemeClr val="accent1"/>
+                </a:solidFill>
+              </a14:hiddenFill>
+            </a:ext>
+            <a:ext uri="{91240B29-F687-4F45-9708-019B960494DF}">
+              <a14:hiddenLine xmlns:a14="http://schemas.microsoft.com/office/drawing/2010/main" w="9525">
+                <a:solidFill>
+                  <a:schemeClr val="tx1"/>
+                </a:solidFill>
+                <a:miter lim="800000"/>
+                <a:headEnd/>
+                <a:tailEnd/>
+              </a14:hiddenLine>
+            </a:ext>
+          </a:extLst>
+        </p:spPr>
+      </p:pic>
+    </p:spTree>
+    <p:extLst>
+      <p:ext uri="{BB962C8B-B14F-4D97-AF65-F5344CB8AC3E}">
+        <p14:creationId xmlns:p14="http://schemas.microsoft.com/office/powerpoint/2010/main" val="1676590260"/>
+      </p:ext>
+    </p:extLst>
+  </p:cSld>
+  <p:clrMapOvr>
+    <a:masterClrMapping/>
+  </p:clrMapOvr>
+</p:sld>
+</file>
+
+<file path=ppt/slides/slide28.xml><?xml version="1.0" encoding="utf-8"?>
+<p:sld xmlns:a="http://schemas.openxmlformats.org/drawingml/2006/main" xmlns:r="http://schemas.openxmlformats.org/officeDocument/2006/relationships" xmlns:p="http://schemas.openxmlformats.org/presentationml/2006/main">
+  <p:cSld>
+    <p:bg>
+      <p:bgPr>
+        <a:solidFill>
+          <a:schemeClr val="bg1"/>
+        </a:solidFill>
+        <a:effectLst/>
+      </p:bgPr>
+    </p:bg>
+    <p:spTree>
+      <p:nvGrpSpPr>
+        <p:cNvPr id="1" name=""/>
+        <p:cNvGrpSpPr/>
+        <p:nvPr/>
+      </p:nvGrpSpPr>
+      <p:grpSpPr>
+        <a:xfrm>
+          <a:off x="0" y="0"/>
+          <a:ext cx="0" cy="0"/>
+          <a:chOff x="0" y="0"/>
+          <a:chExt cx="0" cy="0"/>
+        </a:xfrm>
+      </p:grpSpPr>
+      <p:pic>
+        <p:nvPicPr>
+          <p:cNvPr id="2" name="Picture 3" descr="D:\캡쳐이미지\Cap 2016-02-28 09-07-05-396.png">
+            <a:extLst>
+              <a:ext uri="{FF2B5EF4-FFF2-40B4-BE49-F238E27FC236}">
+                <a16:creationId xmlns:a16="http://schemas.microsoft.com/office/drawing/2014/main" id="{0D30BE03-5768-4F4E-9195-5F58EF418D9E}"/>
+              </a:ext>
+            </a:extLst>
+          </p:cNvPr>
+          <p:cNvPicPr>
+            <a:picLocks noChangeAspect="1" noChangeArrowheads="1"/>
+          </p:cNvPicPr>
+          <p:nvPr/>
+        </p:nvPicPr>
+        <p:blipFill>
+          <a:blip r:embed="rId2">
+            <a:extLst>
+              <a:ext uri="{28A0092B-C50C-407E-A947-70E740481C1C}">
+                <a14:useLocalDpi xmlns:a14="http://schemas.microsoft.com/office/drawing/2010/main" val="0"/>
+              </a:ext>
+            </a:extLst>
+          </a:blip>
+          <a:srcRect/>
+          <a:stretch>
+            <a:fillRect/>
+          </a:stretch>
+        </p:blipFill>
+        <p:spPr bwMode="auto">
+          <a:xfrm>
+            <a:off x="1086610" y="1172149"/>
+            <a:ext cx="6347418" cy="10319422"/>
+          </a:xfrm>
+          <a:prstGeom prst="rect">
+            <a:avLst/>
+          </a:prstGeom>
+          <a:noFill/>
+          <a:extLst>
+            <a:ext uri="{909E8E84-426E-40DD-AFC4-6F175D3DCCD1}">
+              <a14:hiddenFill xmlns:a14="http://schemas.microsoft.com/office/drawing/2010/main">
+                <a:solidFill>
+                  <a:srgbClr val="FFFFFF"/>
+                </a:solidFill>
+              </a14:hiddenFill>
+            </a:ext>
+          </a:extLst>
+        </p:spPr>
+      </p:pic>
+      <p:pic>
+        <p:nvPicPr>
+          <p:cNvPr id="3" name="Picture 4" descr="D:\캡쳐이미지\Cap 2016-02-28 09-09-43-105.png">
+            <a:extLst>
+              <a:ext uri="{FF2B5EF4-FFF2-40B4-BE49-F238E27FC236}">
+                <a16:creationId xmlns:a16="http://schemas.microsoft.com/office/drawing/2014/main" id="{2CB2FC70-7097-40C2-911B-CE1501463056}"/>
+              </a:ext>
+            </a:extLst>
+          </p:cNvPr>
+          <p:cNvPicPr>
+            <a:picLocks noChangeAspect="1" noChangeArrowheads="1"/>
+          </p:cNvPicPr>
+          <p:nvPr/>
+        </p:nvPicPr>
+        <p:blipFill>
+          <a:blip r:embed="rId3">
+            <a:extLst>
+              <a:ext uri="{28A0092B-C50C-407E-A947-70E740481C1C}">
+                <a14:useLocalDpi xmlns:a14="http://schemas.microsoft.com/office/drawing/2010/main" val="0"/>
+              </a:ext>
+            </a:extLst>
+          </a:blip>
+          <a:srcRect/>
+          <a:stretch>
+            <a:fillRect/>
+          </a:stretch>
+        </p:blipFill>
+        <p:spPr bwMode="auto">
+          <a:xfrm>
+            <a:off x="8173900" y="1242048"/>
+            <a:ext cx="6261429" cy="10179624"/>
+          </a:xfrm>
+          <a:prstGeom prst="rect">
+            <a:avLst/>
+          </a:prstGeom>
+          <a:noFill/>
+          <a:extLst>
+            <a:ext uri="{909E8E84-426E-40DD-AFC4-6F175D3DCCD1}">
+              <a14:hiddenFill xmlns:a14="http://schemas.microsoft.com/office/drawing/2010/main">
+                <a:solidFill>
+                  <a:srgbClr val="FFFFFF"/>
+                </a:solidFill>
+              </a14:hiddenFill>
+            </a:ext>
+          </a:extLst>
+        </p:spPr>
+      </p:pic>
+      <p:pic>
+        <p:nvPicPr>
+          <p:cNvPr id="4" name="Picture 2">
+            <a:extLst>
+              <a:ext uri="{FF2B5EF4-FFF2-40B4-BE49-F238E27FC236}">
+                <a16:creationId xmlns:a16="http://schemas.microsoft.com/office/drawing/2014/main" id="{2741F372-0223-4CC5-A8DB-440174F5311C}"/>
+              </a:ext>
+            </a:extLst>
+          </p:cNvPr>
+          <p:cNvPicPr>
+            <a:picLocks noChangeAspect="1" noChangeArrowheads="1"/>
+          </p:cNvPicPr>
+          <p:nvPr/>
+        </p:nvPicPr>
+        <p:blipFill>
+          <a:blip r:embed="rId4">
+            <a:extLst>
+              <a:ext uri="{28A0092B-C50C-407E-A947-70E740481C1C}">
+                <a14:useLocalDpi xmlns:a14="http://schemas.microsoft.com/office/drawing/2010/main" val="0"/>
+              </a:ext>
+            </a:extLst>
+          </a:blip>
+          <a:srcRect/>
+          <a:stretch>
+            <a:fillRect/>
+          </a:stretch>
+        </p:blipFill>
+        <p:spPr bwMode="auto">
+          <a:xfrm>
+            <a:off x="14673074" y="3458530"/>
+            <a:ext cx="8802054" cy="1735262"/>
+          </a:xfrm>
+          <a:prstGeom prst="rect">
+            <a:avLst/>
+          </a:prstGeom>
+          <a:noFill/>
+          <a:ln>
+            <a:noFill/>
+          </a:ln>
+          <a:extLst>
+            <a:ext uri="{909E8E84-426E-40DD-AFC4-6F175D3DCCD1}">
+              <a14:hiddenFill xmlns:a14="http://schemas.microsoft.com/office/drawing/2010/main">
+                <a:solidFill>
+                  <a:schemeClr val="accent1"/>
+                </a:solidFill>
+              </a14:hiddenFill>
+            </a:ext>
+            <a:ext uri="{91240B29-F687-4F45-9708-019B960494DF}">
+              <a14:hiddenLine xmlns:a14="http://schemas.microsoft.com/office/drawing/2010/main" w="9525">
+                <a:solidFill>
+                  <a:schemeClr val="tx1"/>
+                </a:solidFill>
+                <a:miter lim="800000"/>
+                <a:headEnd/>
+                <a:tailEnd/>
+              </a14:hiddenLine>
+            </a:ext>
+          </a:extLst>
+        </p:spPr>
+      </p:pic>
+    </p:spTree>
+    <p:extLst>
+      <p:ext uri="{BB962C8B-B14F-4D97-AF65-F5344CB8AC3E}">
+        <p14:creationId xmlns:p14="http://schemas.microsoft.com/office/powerpoint/2010/main" val="792517626"/>
+      </p:ext>
+    </p:extLst>
+  </p:cSld>
+  <p:clrMapOvr>
+    <a:masterClrMapping/>
+  </p:clrMapOvr>
+</p:sld>
+</file>
+
+<file path=ppt/slides/slide29.xml><?xml version="1.0" encoding="utf-8"?>
+<p:sld xmlns:a="http://schemas.openxmlformats.org/drawingml/2006/main" xmlns:r="http://schemas.openxmlformats.org/officeDocument/2006/relationships" xmlns:p="http://schemas.openxmlformats.org/presentationml/2006/main">
+  <p:cSld>
+    <p:bg>
+      <p:bgPr>
+        <a:solidFill>
+          <a:schemeClr val="bg1"/>
+        </a:solidFill>
+        <a:effectLst/>
+      </p:bgPr>
+    </p:bg>
+    <p:spTree>
+      <p:nvGrpSpPr>
+        <p:cNvPr id="1" name=""/>
+        <p:cNvGrpSpPr/>
+        <p:nvPr/>
+      </p:nvGrpSpPr>
+      <p:grpSpPr>
+        <a:xfrm>
+          <a:off x="0" y="0"/>
+          <a:ext cx="0" cy="0"/>
+          <a:chOff x="0" y="0"/>
+          <a:chExt cx="0" cy="0"/>
+        </a:xfrm>
+      </p:grpSpPr>
+      <p:pic>
+        <p:nvPicPr>
+          <p:cNvPr id="2" name="Picture 2">
+            <a:extLst>
+              <a:ext uri="{FF2B5EF4-FFF2-40B4-BE49-F238E27FC236}">
+                <a16:creationId xmlns:a16="http://schemas.microsoft.com/office/drawing/2014/main" id="{B07A80C0-E2C8-4BBD-8D0B-9EE42B826665}"/>
+              </a:ext>
+            </a:extLst>
+          </p:cNvPr>
+          <p:cNvPicPr>
+            <a:picLocks noChangeAspect="1" noChangeArrowheads="1"/>
+          </p:cNvPicPr>
+          <p:nvPr/>
+        </p:nvPicPr>
+        <p:blipFill>
+          <a:blip r:embed="rId2">
+            <a:extLst>
+              <a:ext uri="{28A0092B-C50C-407E-A947-70E740481C1C}">
+                <a14:useLocalDpi xmlns:a14="http://schemas.microsoft.com/office/drawing/2010/main" val="0"/>
+              </a:ext>
+            </a:extLst>
+          </a:blip>
+          <a:srcRect/>
+          <a:stretch>
+            <a:fillRect/>
+          </a:stretch>
+        </p:blipFill>
+        <p:spPr bwMode="auto">
+          <a:xfrm>
+            <a:off x="7609382" y="1256540"/>
+            <a:ext cx="7649295" cy="6167380"/>
+          </a:xfrm>
+          <a:prstGeom prst="rect">
+            <a:avLst/>
+          </a:prstGeom>
+          <a:noFill/>
+          <a:ln>
+            <a:noFill/>
+          </a:ln>
+          <a:extLst>
+            <a:ext uri="{909E8E84-426E-40DD-AFC4-6F175D3DCCD1}">
+              <a14:hiddenFill xmlns:a14="http://schemas.microsoft.com/office/drawing/2010/main">
+                <a:solidFill>
+                  <a:schemeClr val="accent1"/>
+                </a:solidFill>
+              </a14:hiddenFill>
+            </a:ext>
+            <a:ext uri="{91240B29-F687-4F45-9708-019B960494DF}">
+              <a14:hiddenLine xmlns:a14="http://schemas.microsoft.com/office/drawing/2010/main" w="9525">
+                <a:solidFill>
+                  <a:schemeClr val="tx1"/>
+                </a:solidFill>
+                <a:miter lim="800000"/>
+                <a:headEnd/>
+                <a:tailEnd/>
+              </a14:hiddenLine>
+            </a:ext>
+          </a:extLst>
+        </p:spPr>
+      </p:pic>
+      <p:pic>
+        <p:nvPicPr>
+          <p:cNvPr id="3" name="Picture 3">
+            <a:extLst>
+              <a:ext uri="{FF2B5EF4-FFF2-40B4-BE49-F238E27FC236}">
+                <a16:creationId xmlns:a16="http://schemas.microsoft.com/office/drawing/2014/main" id="{FBAE3743-8D36-4698-9BD5-592D66DE66F4}"/>
+              </a:ext>
+            </a:extLst>
+          </p:cNvPr>
+          <p:cNvPicPr>
+            <a:picLocks noChangeAspect="1" noChangeArrowheads="1"/>
+          </p:cNvPicPr>
+          <p:nvPr/>
+        </p:nvPicPr>
+        <p:blipFill>
+          <a:blip r:embed="rId3">
+            <a:extLst>
+              <a:ext uri="{28A0092B-C50C-407E-A947-70E740481C1C}">
+                <a14:useLocalDpi xmlns:a14="http://schemas.microsoft.com/office/drawing/2010/main" val="0"/>
+              </a:ext>
+            </a:extLst>
+          </a:blip>
+          <a:srcRect/>
+          <a:stretch>
+            <a:fillRect/>
+          </a:stretch>
+        </p:blipFill>
+        <p:spPr bwMode="auto">
+          <a:xfrm>
+            <a:off x="15900331" y="1256540"/>
+            <a:ext cx="6947394" cy="5601460"/>
+          </a:xfrm>
+          <a:prstGeom prst="rect">
+            <a:avLst/>
+          </a:prstGeom>
+          <a:noFill/>
+          <a:ln>
+            <a:noFill/>
+          </a:ln>
+          <a:extLst>
+            <a:ext uri="{909E8E84-426E-40DD-AFC4-6F175D3DCCD1}">
+              <a14:hiddenFill xmlns:a14="http://schemas.microsoft.com/office/drawing/2010/main">
+                <a:solidFill>
+                  <a:schemeClr val="accent1"/>
+                </a:solidFill>
+              </a14:hiddenFill>
+            </a:ext>
+            <a:ext uri="{91240B29-F687-4F45-9708-019B960494DF}">
+              <a14:hiddenLine xmlns:a14="http://schemas.microsoft.com/office/drawing/2010/main" w="9525">
+                <a:solidFill>
+                  <a:schemeClr val="tx1"/>
+                </a:solidFill>
+                <a:miter lim="800000"/>
+                <a:headEnd/>
+                <a:tailEnd/>
+              </a14:hiddenLine>
+            </a:ext>
+          </a:extLst>
+        </p:spPr>
+      </p:pic>
+      <p:pic>
+        <p:nvPicPr>
+          <p:cNvPr id="4" name="Picture 4">
+            <a:extLst>
+              <a:ext uri="{FF2B5EF4-FFF2-40B4-BE49-F238E27FC236}">
+                <a16:creationId xmlns:a16="http://schemas.microsoft.com/office/drawing/2014/main" id="{29B17DBE-C2BB-474C-A127-4A09E581C829}"/>
+              </a:ext>
+            </a:extLst>
+          </p:cNvPr>
+          <p:cNvPicPr>
+            <a:picLocks noChangeAspect="1" noChangeArrowheads="1"/>
+          </p:cNvPicPr>
+          <p:nvPr/>
+        </p:nvPicPr>
+        <p:blipFill>
+          <a:blip r:embed="rId4">
+            <a:extLst>
+              <a:ext uri="{28A0092B-C50C-407E-A947-70E740481C1C}">
+                <a14:useLocalDpi xmlns:a14="http://schemas.microsoft.com/office/drawing/2010/main" val="0"/>
+              </a:ext>
+            </a:extLst>
+          </a:blip>
+          <a:srcRect/>
+          <a:stretch>
+            <a:fillRect/>
+          </a:stretch>
+        </p:blipFill>
+        <p:spPr bwMode="auto">
+          <a:xfrm>
+            <a:off x="1077097" y="1256540"/>
+            <a:ext cx="5890631" cy="6589125"/>
+          </a:xfrm>
+          <a:prstGeom prst="rect">
+            <a:avLst/>
+          </a:prstGeom>
+          <a:noFill/>
+          <a:ln>
+            <a:noFill/>
+          </a:ln>
+          <a:extLst>
+            <a:ext uri="{909E8E84-426E-40DD-AFC4-6F175D3DCCD1}">
+              <a14:hiddenFill xmlns:a14="http://schemas.microsoft.com/office/drawing/2010/main">
+                <a:solidFill>
+                  <a:schemeClr val="accent1"/>
+                </a:solidFill>
+              </a14:hiddenFill>
+            </a:ext>
+            <a:ext uri="{91240B29-F687-4F45-9708-019B960494DF}">
+              <a14:hiddenLine xmlns:a14="http://schemas.microsoft.com/office/drawing/2010/main" w="9525">
+                <a:solidFill>
+                  <a:schemeClr val="tx1"/>
+                </a:solidFill>
+                <a:miter lim="800000"/>
+                <a:headEnd/>
+                <a:tailEnd/>
+              </a14:hiddenLine>
+            </a:ext>
+          </a:extLst>
+        </p:spPr>
+      </p:pic>
+    </p:spTree>
+    <p:extLst>
+      <p:ext uri="{BB962C8B-B14F-4D97-AF65-F5344CB8AC3E}">
+        <p14:creationId xmlns:p14="http://schemas.microsoft.com/office/powerpoint/2010/main" val="2938594029"/>
       </p:ext>
     </p:extLst>
   </p:cSld>
@@ -7724,6 +8916,1627 @@
 </p:sld>
 </file>
 
+<file path=ppt/slides/slide30.xml><?xml version="1.0" encoding="utf-8"?>
+<p:sld xmlns:a="http://schemas.openxmlformats.org/drawingml/2006/main" xmlns:r="http://schemas.openxmlformats.org/officeDocument/2006/relationships" xmlns:p="http://schemas.openxmlformats.org/presentationml/2006/main">
+  <p:cSld>
+    <p:bg>
+      <p:bgPr>
+        <a:solidFill>
+          <a:schemeClr val="bg1"/>
+        </a:solidFill>
+        <a:effectLst/>
+      </p:bgPr>
+    </p:bg>
+    <p:spTree>
+      <p:nvGrpSpPr>
+        <p:cNvPr id="1" name=""/>
+        <p:cNvGrpSpPr/>
+        <p:nvPr/>
+      </p:nvGrpSpPr>
+      <p:grpSpPr>
+        <a:xfrm>
+          <a:off x="0" y="0"/>
+          <a:ext cx="0" cy="0"/>
+          <a:chOff x="0" y="0"/>
+          <a:chExt cx="0" cy="0"/>
+        </a:xfrm>
+      </p:grpSpPr>
+      <p:pic>
+        <p:nvPicPr>
+          <p:cNvPr id="2" name="Picture 2">
+            <a:extLst>
+              <a:ext uri="{FF2B5EF4-FFF2-40B4-BE49-F238E27FC236}">
+                <a16:creationId xmlns:a16="http://schemas.microsoft.com/office/drawing/2014/main" id="{E3835687-7440-4C8C-AC44-2ED92A4DC351}"/>
+              </a:ext>
+            </a:extLst>
+          </p:cNvPr>
+          <p:cNvPicPr>
+            <a:picLocks noChangeAspect="1" noChangeArrowheads="1"/>
+          </p:cNvPicPr>
+          <p:nvPr/>
+        </p:nvPicPr>
+        <p:blipFill>
+          <a:blip r:embed="rId2">
+            <a:extLst>
+              <a:ext uri="{28A0092B-C50C-407E-A947-70E740481C1C}">
+                <a14:useLocalDpi xmlns:a14="http://schemas.microsoft.com/office/drawing/2010/main" val="0"/>
+              </a:ext>
+            </a:extLst>
+          </a:blip>
+          <a:srcRect/>
+          <a:stretch>
+            <a:fillRect/>
+          </a:stretch>
+        </p:blipFill>
+        <p:spPr bwMode="auto">
+          <a:xfrm>
+            <a:off x="1931397" y="514641"/>
+            <a:ext cx="20718303" cy="7733247"/>
+          </a:xfrm>
+          <a:prstGeom prst="rect">
+            <a:avLst/>
+          </a:prstGeom>
+          <a:noFill/>
+          <a:ln>
+            <a:noFill/>
+          </a:ln>
+          <a:extLst>
+            <a:ext uri="{909E8E84-426E-40DD-AFC4-6F175D3DCCD1}">
+              <a14:hiddenFill xmlns:a14="http://schemas.microsoft.com/office/drawing/2010/main">
+                <a:solidFill>
+                  <a:schemeClr val="accent1"/>
+                </a:solidFill>
+              </a14:hiddenFill>
+            </a:ext>
+            <a:ext uri="{91240B29-F687-4F45-9708-019B960494DF}">
+              <a14:hiddenLine xmlns:a14="http://schemas.microsoft.com/office/drawing/2010/main" w="9525">
+                <a:solidFill>
+                  <a:schemeClr val="tx1"/>
+                </a:solidFill>
+                <a:miter lim="800000"/>
+                <a:headEnd/>
+                <a:tailEnd/>
+              </a14:hiddenLine>
+            </a:ext>
+          </a:extLst>
+        </p:spPr>
+      </p:pic>
+    </p:spTree>
+    <p:extLst>
+      <p:ext uri="{BB962C8B-B14F-4D97-AF65-F5344CB8AC3E}">
+        <p14:creationId xmlns:p14="http://schemas.microsoft.com/office/powerpoint/2010/main" val="1050279498"/>
+      </p:ext>
+    </p:extLst>
+  </p:cSld>
+  <p:clrMapOvr>
+    <a:masterClrMapping/>
+  </p:clrMapOvr>
+</p:sld>
+</file>
+
+<file path=ppt/slides/slide31.xml><?xml version="1.0" encoding="utf-8"?>
+<p:sld xmlns:a="http://schemas.openxmlformats.org/drawingml/2006/main" xmlns:r="http://schemas.openxmlformats.org/officeDocument/2006/relationships" xmlns:p="http://schemas.openxmlformats.org/presentationml/2006/main">
+  <p:cSld>
+    <p:bg>
+      <p:bgPr>
+        <a:solidFill>
+          <a:schemeClr val="bg1"/>
+        </a:solidFill>
+        <a:effectLst/>
+      </p:bgPr>
+    </p:bg>
+    <p:spTree>
+      <p:nvGrpSpPr>
+        <p:cNvPr id="1" name=""/>
+        <p:cNvGrpSpPr/>
+        <p:nvPr/>
+      </p:nvGrpSpPr>
+      <p:grpSpPr>
+        <a:xfrm>
+          <a:off x="0" y="0"/>
+          <a:ext cx="0" cy="0"/>
+          <a:chOff x="0" y="0"/>
+          <a:chExt cx="0" cy="0"/>
+        </a:xfrm>
+      </p:grpSpPr>
+      <p:pic>
+        <p:nvPicPr>
+          <p:cNvPr id="2" name="Picture 3">
+            <a:extLst>
+              <a:ext uri="{FF2B5EF4-FFF2-40B4-BE49-F238E27FC236}">
+                <a16:creationId xmlns:a16="http://schemas.microsoft.com/office/drawing/2014/main" id="{28DFA1FC-3698-4D41-B025-563DC46A1E3D}"/>
+              </a:ext>
+            </a:extLst>
+          </p:cNvPr>
+          <p:cNvPicPr>
+            <a:picLocks noChangeAspect="1" noChangeArrowheads="1"/>
+          </p:cNvPicPr>
+          <p:nvPr/>
+        </p:nvPicPr>
+        <p:blipFill>
+          <a:blip r:embed="rId2">
+            <a:extLst>
+              <a:ext uri="{28A0092B-C50C-407E-A947-70E740481C1C}">
+                <a14:useLocalDpi xmlns:a14="http://schemas.microsoft.com/office/drawing/2010/main" val="0"/>
+              </a:ext>
+            </a:extLst>
+          </a:blip>
+          <a:srcRect/>
+          <a:stretch>
+            <a:fillRect/>
+          </a:stretch>
+        </p:blipFill>
+        <p:spPr bwMode="auto">
+          <a:xfrm>
+            <a:off x="3617378" y="178217"/>
+            <a:ext cx="17688141" cy="11575328"/>
+          </a:xfrm>
+          <a:prstGeom prst="rect">
+            <a:avLst/>
+          </a:prstGeom>
+          <a:noFill/>
+          <a:ln>
+            <a:noFill/>
+          </a:ln>
+          <a:extLst>
+            <a:ext uri="{909E8E84-426E-40DD-AFC4-6F175D3DCCD1}">
+              <a14:hiddenFill xmlns:a14="http://schemas.microsoft.com/office/drawing/2010/main">
+                <a:solidFill>
+                  <a:schemeClr val="accent1"/>
+                </a:solidFill>
+              </a14:hiddenFill>
+            </a:ext>
+            <a:ext uri="{91240B29-F687-4F45-9708-019B960494DF}">
+              <a14:hiddenLine xmlns:a14="http://schemas.microsoft.com/office/drawing/2010/main" w="9525">
+                <a:solidFill>
+                  <a:schemeClr val="tx1"/>
+                </a:solidFill>
+                <a:miter lim="800000"/>
+                <a:headEnd/>
+                <a:tailEnd/>
+              </a14:hiddenLine>
+            </a:ext>
+          </a:extLst>
+        </p:spPr>
+      </p:pic>
+    </p:spTree>
+    <p:extLst>
+      <p:ext uri="{BB962C8B-B14F-4D97-AF65-F5344CB8AC3E}">
+        <p14:creationId xmlns:p14="http://schemas.microsoft.com/office/powerpoint/2010/main" val="348123990"/>
+      </p:ext>
+    </p:extLst>
+  </p:cSld>
+  <p:clrMapOvr>
+    <a:masterClrMapping/>
+  </p:clrMapOvr>
+</p:sld>
+</file>
+
+<file path=ppt/slides/slide32.xml><?xml version="1.0" encoding="utf-8"?>
+<p:sld xmlns:a="http://schemas.openxmlformats.org/drawingml/2006/main" xmlns:r="http://schemas.openxmlformats.org/officeDocument/2006/relationships" xmlns:p="http://schemas.openxmlformats.org/presentationml/2006/main">
+  <p:cSld>
+    <p:bg>
+      <p:bgPr>
+        <a:solidFill>
+          <a:schemeClr val="bg1"/>
+        </a:solidFill>
+        <a:effectLst/>
+      </p:bgPr>
+    </p:bg>
+    <p:spTree>
+      <p:nvGrpSpPr>
+        <p:cNvPr id="1" name=""/>
+        <p:cNvGrpSpPr/>
+        <p:nvPr/>
+      </p:nvGrpSpPr>
+      <p:grpSpPr>
+        <a:xfrm>
+          <a:off x="0" y="0"/>
+          <a:ext cx="0" cy="0"/>
+          <a:chOff x="0" y="0"/>
+          <a:chExt cx="0" cy="0"/>
+        </a:xfrm>
+      </p:grpSpPr>
+      <p:pic>
+        <p:nvPicPr>
+          <p:cNvPr id="2" name="Picture 2">
+            <a:extLst>
+              <a:ext uri="{FF2B5EF4-FFF2-40B4-BE49-F238E27FC236}">
+                <a16:creationId xmlns:a16="http://schemas.microsoft.com/office/drawing/2014/main" id="{5667F6B8-D719-4C54-B36C-6660B8BFACD4}"/>
+              </a:ext>
+            </a:extLst>
+          </p:cNvPr>
+          <p:cNvPicPr>
+            <a:picLocks noChangeAspect="1" noChangeArrowheads="1"/>
+          </p:cNvPicPr>
+          <p:nvPr/>
+        </p:nvPicPr>
+        <p:blipFill>
+          <a:blip r:embed="rId2">
+            <a:extLst>
+              <a:ext uri="{28A0092B-C50C-407E-A947-70E740481C1C}">
+                <a14:useLocalDpi xmlns:a14="http://schemas.microsoft.com/office/drawing/2010/main" val="0"/>
+              </a:ext>
+            </a:extLst>
+          </a:blip>
+          <a:srcRect/>
+          <a:stretch>
+            <a:fillRect/>
+          </a:stretch>
+        </p:blipFill>
+        <p:spPr bwMode="auto">
+          <a:xfrm>
+            <a:off x="4337590" y="151829"/>
+            <a:ext cx="15708820" cy="12135470"/>
+          </a:xfrm>
+          <a:prstGeom prst="rect">
+            <a:avLst/>
+          </a:prstGeom>
+          <a:noFill/>
+          <a:ln>
+            <a:noFill/>
+          </a:ln>
+          <a:extLst>
+            <a:ext uri="{909E8E84-426E-40DD-AFC4-6F175D3DCCD1}">
+              <a14:hiddenFill xmlns:a14="http://schemas.microsoft.com/office/drawing/2010/main">
+                <a:solidFill>
+                  <a:schemeClr val="accent1"/>
+                </a:solidFill>
+              </a14:hiddenFill>
+            </a:ext>
+            <a:ext uri="{91240B29-F687-4F45-9708-019B960494DF}">
+              <a14:hiddenLine xmlns:a14="http://schemas.microsoft.com/office/drawing/2010/main" w="9525">
+                <a:solidFill>
+                  <a:schemeClr val="tx1"/>
+                </a:solidFill>
+                <a:miter lim="800000"/>
+                <a:headEnd/>
+                <a:tailEnd/>
+              </a14:hiddenLine>
+            </a:ext>
+          </a:extLst>
+        </p:spPr>
+      </p:pic>
+    </p:spTree>
+    <p:extLst>
+      <p:ext uri="{BB962C8B-B14F-4D97-AF65-F5344CB8AC3E}">
+        <p14:creationId xmlns:p14="http://schemas.microsoft.com/office/powerpoint/2010/main" val="3931149446"/>
+      </p:ext>
+    </p:extLst>
+  </p:cSld>
+  <p:clrMapOvr>
+    <a:masterClrMapping/>
+  </p:clrMapOvr>
+</p:sld>
+</file>
+
+<file path=ppt/slides/slide33.xml><?xml version="1.0" encoding="utf-8"?>
+<p:sld xmlns:a="http://schemas.openxmlformats.org/drawingml/2006/main" xmlns:r="http://schemas.openxmlformats.org/officeDocument/2006/relationships" xmlns:p="http://schemas.openxmlformats.org/presentationml/2006/main">
+  <p:cSld>
+    <p:bg>
+      <p:bgPr>
+        <a:solidFill>
+          <a:schemeClr val="bg1"/>
+        </a:solidFill>
+        <a:effectLst/>
+      </p:bgPr>
+    </p:bg>
+    <p:spTree>
+      <p:nvGrpSpPr>
+        <p:cNvPr id="1" name=""/>
+        <p:cNvGrpSpPr/>
+        <p:nvPr/>
+      </p:nvGrpSpPr>
+      <p:grpSpPr>
+        <a:xfrm>
+          <a:off x="0" y="0"/>
+          <a:ext cx="0" cy="0"/>
+          <a:chOff x="0" y="0"/>
+          <a:chExt cx="0" cy="0"/>
+        </a:xfrm>
+      </p:grpSpPr>
+      <p:pic>
+        <p:nvPicPr>
+          <p:cNvPr id="2" name="Picture 2" descr="D:\캡쳐이미지\Cap 2016-02-28 09-21-07-246.png">
+            <a:extLst>
+              <a:ext uri="{FF2B5EF4-FFF2-40B4-BE49-F238E27FC236}">
+                <a16:creationId xmlns:a16="http://schemas.microsoft.com/office/drawing/2014/main" id="{D735DBE3-F61C-4442-91D2-9CAFF3A68079}"/>
+              </a:ext>
+            </a:extLst>
+          </p:cNvPr>
+          <p:cNvPicPr>
+            <a:picLocks noChangeAspect="1" noChangeArrowheads="1"/>
+          </p:cNvPicPr>
+          <p:nvPr/>
+        </p:nvPicPr>
+        <p:blipFill>
+          <a:blip r:embed="rId2">
+            <a:extLst>
+              <a:ext uri="{28A0092B-C50C-407E-A947-70E740481C1C}">
+                <a14:useLocalDpi xmlns:a14="http://schemas.microsoft.com/office/drawing/2010/main" val="0"/>
+              </a:ext>
+            </a:extLst>
+          </a:blip>
+          <a:srcRect/>
+          <a:stretch>
+            <a:fillRect/>
+          </a:stretch>
+        </p:blipFill>
+        <p:spPr bwMode="auto">
+          <a:xfrm>
+            <a:off x="4714762" y="136163"/>
+            <a:ext cx="14286470" cy="11036667"/>
+          </a:xfrm>
+          <a:prstGeom prst="rect">
+            <a:avLst/>
+          </a:prstGeom>
+          <a:noFill/>
+          <a:extLst>
+            <a:ext uri="{909E8E84-426E-40DD-AFC4-6F175D3DCCD1}">
+              <a14:hiddenFill xmlns:a14="http://schemas.microsoft.com/office/drawing/2010/main">
+                <a:solidFill>
+                  <a:srgbClr val="FFFFFF"/>
+                </a:solidFill>
+              </a14:hiddenFill>
+            </a:ext>
+          </a:extLst>
+        </p:spPr>
+      </p:pic>
+    </p:spTree>
+    <p:extLst>
+      <p:ext uri="{BB962C8B-B14F-4D97-AF65-F5344CB8AC3E}">
+        <p14:creationId xmlns:p14="http://schemas.microsoft.com/office/powerpoint/2010/main" val="1320427498"/>
+      </p:ext>
+    </p:extLst>
+  </p:cSld>
+  <p:clrMapOvr>
+    <a:masterClrMapping/>
+  </p:clrMapOvr>
+</p:sld>
+</file>
+
+<file path=ppt/slides/slide34.xml><?xml version="1.0" encoding="utf-8"?>
+<p:sld xmlns:a="http://schemas.openxmlformats.org/drawingml/2006/main" xmlns:r="http://schemas.openxmlformats.org/officeDocument/2006/relationships" xmlns:p="http://schemas.openxmlformats.org/presentationml/2006/main">
+  <p:cSld>
+    <p:bg>
+      <p:bgPr>
+        <a:solidFill>
+          <a:schemeClr val="bg1"/>
+        </a:solidFill>
+        <a:effectLst/>
+      </p:bgPr>
+    </p:bg>
+    <p:spTree>
+      <p:nvGrpSpPr>
+        <p:cNvPr id="1" name=""/>
+        <p:cNvGrpSpPr/>
+        <p:nvPr/>
+      </p:nvGrpSpPr>
+      <p:grpSpPr>
+        <a:xfrm>
+          <a:off x="0" y="0"/>
+          <a:ext cx="0" cy="0"/>
+          <a:chOff x="0" y="0"/>
+          <a:chExt cx="0" cy="0"/>
+        </a:xfrm>
+      </p:grpSpPr>
+      <p:pic>
+        <p:nvPicPr>
+          <p:cNvPr id="2" name="Picture 2" descr="http://cfile1.uf.tistory.com/image/234B8C34543C643E1831B9">
+            <a:extLst>
+              <a:ext uri="{FF2B5EF4-FFF2-40B4-BE49-F238E27FC236}">
+                <a16:creationId xmlns:a16="http://schemas.microsoft.com/office/drawing/2014/main" id="{AA60D923-0CD4-45BF-8E76-37ED0234AF73}"/>
+              </a:ext>
+            </a:extLst>
+          </p:cNvPr>
+          <p:cNvPicPr>
+            <a:picLocks noChangeAspect="1" noChangeArrowheads="1"/>
+          </p:cNvPicPr>
+          <p:nvPr/>
+        </p:nvPicPr>
+        <p:blipFill>
+          <a:blip r:embed="rId2">
+            <a:extLst>
+              <a:ext uri="{28A0092B-C50C-407E-A947-70E740481C1C}">
+                <a14:useLocalDpi xmlns:a14="http://schemas.microsoft.com/office/drawing/2010/main" val="0"/>
+              </a:ext>
+            </a:extLst>
+          </a:blip>
+          <a:srcRect/>
+          <a:stretch>
+            <a:fillRect/>
+          </a:stretch>
+        </p:blipFill>
+        <p:spPr bwMode="auto">
+          <a:xfrm>
+            <a:off x="3288286" y="2773652"/>
+            <a:ext cx="17436932" cy="5181628"/>
+          </a:xfrm>
+          <a:prstGeom prst="rect">
+            <a:avLst/>
+          </a:prstGeom>
+          <a:noFill/>
+          <a:extLst>
+            <a:ext uri="{909E8E84-426E-40DD-AFC4-6F175D3DCCD1}">
+              <a14:hiddenFill xmlns:a14="http://schemas.microsoft.com/office/drawing/2010/main">
+                <a:solidFill>
+                  <a:srgbClr val="FFFFFF"/>
+                </a:solidFill>
+              </a14:hiddenFill>
+            </a:ext>
+          </a:extLst>
+        </p:spPr>
+      </p:pic>
+      <p:sp>
+        <p:nvSpPr>
+          <p:cNvPr id="3" name="직사각형 2">
+            <a:extLst>
+              <a:ext uri="{FF2B5EF4-FFF2-40B4-BE49-F238E27FC236}">
+                <a16:creationId xmlns:a16="http://schemas.microsoft.com/office/drawing/2014/main" id="{473C65F1-85C5-42E8-8DB6-051EE4ED5631}"/>
+              </a:ext>
+            </a:extLst>
+          </p:cNvPr>
+          <p:cNvSpPr/>
+          <p:nvPr/>
+        </p:nvSpPr>
+        <p:spPr>
+          <a:xfrm>
+            <a:off x="1253992" y="659640"/>
+            <a:ext cx="8000908" cy="1200329"/>
+          </a:xfrm>
+          <a:prstGeom prst="rect">
+            <a:avLst/>
+          </a:prstGeom>
+        </p:spPr>
+        <p:txBody>
+          <a:bodyPr wrap="none">
+            <a:spAutoFit/>
+          </a:bodyPr>
+          <a:lstStyle/>
+          <a:p>
+            <a:r>
+              <a:rPr lang="en-US" altLang="ko-KR" sz="7200" b="1" dirty="0"/>
+              <a:t>64</a:t>
+            </a:r>
+            <a:r>
+              <a:rPr lang="ko-KR" altLang="en-US" sz="7200" b="1" dirty="0"/>
+              <a:t>비트 테스트 하기</a:t>
+            </a:r>
+          </a:p>
+        </p:txBody>
+      </p:sp>
+    </p:spTree>
+    <p:extLst>
+      <p:ext uri="{BB962C8B-B14F-4D97-AF65-F5344CB8AC3E}">
+        <p14:creationId xmlns:p14="http://schemas.microsoft.com/office/powerpoint/2010/main" val="99192362"/>
+      </p:ext>
+    </p:extLst>
+  </p:cSld>
+  <p:clrMapOvr>
+    <a:masterClrMapping/>
+  </p:clrMapOvr>
+</p:sld>
+</file>
+
+<file path=ppt/slides/slide35.xml><?xml version="1.0" encoding="utf-8"?>
+<p:sld xmlns:a="http://schemas.openxmlformats.org/drawingml/2006/main" xmlns:r="http://schemas.openxmlformats.org/officeDocument/2006/relationships" xmlns:p="http://schemas.openxmlformats.org/presentationml/2006/main">
+  <p:cSld>
+    <p:spTree>
+      <p:nvGrpSpPr>
+        <p:cNvPr id="1" name=""/>
+        <p:cNvGrpSpPr/>
+        <p:nvPr/>
+      </p:nvGrpSpPr>
+      <p:grpSpPr>
+        <a:xfrm>
+          <a:off x="0" y="0"/>
+          <a:ext cx="0" cy="0"/>
+          <a:chOff x="0" y="0"/>
+          <a:chExt cx="0" cy="0"/>
+        </a:xfrm>
+      </p:grpSpPr>
+      <p:sp>
+        <p:nvSpPr>
+          <p:cNvPr id="2" name="TextBox 1"/>
+          <p:cNvSpPr txBox="1"/>
+          <p:nvPr/>
+        </p:nvSpPr>
+        <p:spPr>
+          <a:xfrm>
+            <a:off x="3843131" y="4982819"/>
+            <a:ext cx="16591722" cy="1569660"/>
+          </a:xfrm>
+          <a:prstGeom prst="rect">
+            <a:avLst/>
+          </a:prstGeom>
+          <a:noFill/>
+        </p:spPr>
+        <p:txBody>
+          <a:bodyPr wrap="square" rtlCol="0">
+            <a:spAutoFit/>
+          </a:bodyPr>
+          <a:lstStyle/>
+          <a:p>
+            <a:r>
+              <a:rPr lang="en-US" altLang="ko-KR" sz="9600" b="1" dirty="0"/>
+              <a:t>VC++ </a:t>
+            </a:r>
+            <a:r>
+              <a:rPr lang="ko-KR" altLang="en-US" sz="9600" b="1" dirty="0" err="1"/>
+              <a:t>유닛테스트</a:t>
+            </a:r>
+            <a:r>
+              <a:rPr lang="ko-KR" altLang="en-US" sz="9600" b="1" dirty="0"/>
+              <a:t> 기능 소개</a:t>
+            </a:r>
+          </a:p>
+        </p:txBody>
+      </p:sp>
+      <p:sp>
+        <p:nvSpPr>
+          <p:cNvPr id="3" name="직사각형 2"/>
+          <p:cNvSpPr/>
+          <p:nvPr/>
+        </p:nvSpPr>
+        <p:spPr>
+          <a:xfrm>
+            <a:off x="16084330" y="12892927"/>
+            <a:ext cx="7355796" cy="646331"/>
+          </a:xfrm>
+          <a:prstGeom prst="rect">
+            <a:avLst/>
+          </a:prstGeom>
+        </p:spPr>
+        <p:txBody>
+          <a:bodyPr wrap="none">
+            <a:spAutoFit/>
+          </a:bodyPr>
+          <a:lstStyle/>
+          <a:p>
+            <a:r>
+              <a:rPr lang="en-US" altLang="ko-KR" sz="3600" dirty="0">
+                <a:hlinkClick r:id="rId2"/>
+              </a:rPr>
+              <a:t>http://codezine.jp/article/detail/6464</a:t>
+            </a:r>
+            <a:r>
+              <a:rPr lang="en-US" altLang="ko-KR" sz="3600" dirty="0"/>
+              <a:t> </a:t>
+            </a:r>
+            <a:endParaRPr lang="ko-KR" altLang="en-US" sz="3600" dirty="0"/>
+          </a:p>
+        </p:txBody>
+      </p:sp>
+    </p:spTree>
+    <p:extLst>
+      <p:ext uri="{BB962C8B-B14F-4D97-AF65-F5344CB8AC3E}">
+        <p14:creationId xmlns:p14="http://schemas.microsoft.com/office/powerpoint/2010/main" val="691192688"/>
+      </p:ext>
+    </p:extLst>
+  </p:cSld>
+  <p:clrMapOvr>
+    <a:masterClrMapping/>
+  </p:clrMapOvr>
+</p:sld>
+</file>
+
+<file path=ppt/slides/slide36.xml><?xml version="1.0" encoding="utf-8"?>
+<p:sld xmlns:a="http://schemas.openxmlformats.org/drawingml/2006/main" xmlns:r="http://schemas.openxmlformats.org/officeDocument/2006/relationships" xmlns:p="http://schemas.openxmlformats.org/presentationml/2006/main">
+  <p:cSld>
+    <p:spTree>
+      <p:nvGrpSpPr>
+        <p:cNvPr id="1" name=""/>
+        <p:cNvGrpSpPr/>
+        <p:nvPr/>
+      </p:nvGrpSpPr>
+      <p:grpSpPr>
+        <a:xfrm>
+          <a:off x="0" y="0"/>
+          <a:ext cx="0" cy="0"/>
+          <a:chOff x="0" y="0"/>
+          <a:chExt cx="0" cy="0"/>
+        </a:xfrm>
+      </p:grpSpPr>
+      <p:sp>
+        <p:nvSpPr>
+          <p:cNvPr id="2" name="직사각형 1"/>
+          <p:cNvSpPr/>
+          <p:nvPr/>
+        </p:nvSpPr>
+        <p:spPr>
+          <a:xfrm>
+            <a:off x="1154673" y="770640"/>
+            <a:ext cx="6721327" cy="1077218"/>
+          </a:xfrm>
+          <a:prstGeom prst="rect">
+            <a:avLst/>
+          </a:prstGeom>
+        </p:spPr>
+        <p:txBody>
+          <a:bodyPr wrap="none">
+            <a:spAutoFit/>
+          </a:bodyPr>
+          <a:lstStyle/>
+          <a:p>
+            <a:r>
+              <a:rPr lang="en-US" altLang="ko-KR" sz="6400" b="1" dirty="0"/>
+              <a:t>VC </a:t>
+            </a:r>
+            <a:r>
+              <a:rPr lang="ko-KR" altLang="en-US" sz="6400" b="1" dirty="0" err="1"/>
+              <a:t>유닛테스트</a:t>
+            </a:r>
+            <a:r>
+              <a:rPr lang="ko-KR" altLang="en-US" sz="6400" b="1" dirty="0"/>
+              <a:t> </a:t>
+            </a:r>
+            <a:r>
+              <a:rPr lang="en-US" altLang="ko-KR" sz="6400" b="1" dirty="0"/>
+              <a:t>API</a:t>
+            </a:r>
+            <a:endParaRPr lang="ko-KR" altLang="en-US" sz="6400" b="1" dirty="0"/>
+          </a:p>
+        </p:txBody>
+      </p:sp>
+      <p:sp>
+        <p:nvSpPr>
+          <p:cNvPr id="3" name="직사각형 2"/>
+          <p:cNvSpPr/>
+          <p:nvPr/>
+        </p:nvSpPr>
+        <p:spPr>
+          <a:xfrm>
+            <a:off x="1154672" y="2540977"/>
+            <a:ext cx="22063136" cy="8402300"/>
+          </a:xfrm>
+          <a:prstGeom prst="rect">
+            <a:avLst/>
+          </a:prstGeom>
+        </p:spPr>
+        <p:txBody>
+          <a:bodyPr wrap="square">
+            <a:spAutoFit/>
+          </a:bodyPr>
+          <a:lstStyle/>
+          <a:p>
+            <a:r>
+              <a:rPr lang="en-US" altLang="ko-KR" sz="3600" b="1" dirty="0"/>
+              <a:t>TEST_CLASS(</a:t>
+            </a:r>
+            <a:r>
+              <a:rPr lang="en-US" altLang="ko-KR" sz="3600" b="1" dirty="0" err="1"/>
+              <a:t>class_name</a:t>
+            </a:r>
+            <a:r>
+              <a:rPr lang="en-US" altLang="ko-KR" sz="3600" b="1" dirty="0"/>
+              <a:t>){...};</a:t>
+            </a:r>
+          </a:p>
+          <a:p>
+            <a:r>
+              <a:rPr lang="en-US" altLang="ko-KR" sz="3600" dirty="0"/>
+              <a:t>TEST_METHOD</a:t>
+            </a:r>
+            <a:r>
+              <a:rPr lang="ko-KR" altLang="en-US" sz="3600" dirty="0"/>
+              <a:t>를 모은 것이 </a:t>
+            </a:r>
+            <a:r>
+              <a:rPr lang="en-US" altLang="ko-KR" sz="3600" dirty="0"/>
+              <a:t>TEST_CLASS</a:t>
+            </a:r>
+            <a:r>
+              <a:rPr lang="ko-KR" altLang="en-US" sz="3600" dirty="0"/>
+              <a:t>이다</a:t>
+            </a:r>
+            <a:r>
+              <a:rPr lang="en-US" altLang="ko-KR" sz="3600" dirty="0"/>
+              <a:t>. </a:t>
+            </a:r>
+            <a:br>
+              <a:rPr lang="en-US" altLang="ko-KR" sz="3600" dirty="0"/>
+            </a:br>
+            <a:r>
+              <a:rPr lang="ko-KR" altLang="en-US" sz="3600" dirty="0"/>
+              <a:t>테스트 대상 별로 </a:t>
+            </a:r>
+            <a:r>
+              <a:rPr lang="en-US" altLang="ko-KR" sz="3600" dirty="0"/>
+              <a:t>TEST_CLASS</a:t>
+            </a:r>
+            <a:r>
+              <a:rPr lang="ko-KR" altLang="en-US" sz="3600" dirty="0"/>
+              <a:t>를 정의하는 것이 기본이지만</a:t>
+            </a:r>
+            <a:r>
+              <a:rPr lang="en-US" altLang="ko-KR" sz="3600" dirty="0"/>
+              <a:t>, </a:t>
+            </a:r>
+            <a:r>
+              <a:rPr lang="ko-KR" altLang="en-US" sz="3600" dirty="0"/>
+              <a:t>상황 혹은 기호 시</a:t>
+            </a:r>
+            <a:r>
+              <a:rPr lang="en-US" altLang="ko-KR" sz="3600" dirty="0"/>
+              <a:t>(</a:t>
+            </a:r>
+            <a:r>
+              <a:rPr lang="ko-KR" altLang="en-US" sz="3600" dirty="0"/>
+              <a:t>예를 들면 정상 계열과 이상 계열 등</a:t>
+            </a:r>
+            <a:r>
+              <a:rPr lang="en-US" altLang="ko-KR" sz="3600" dirty="0"/>
+              <a:t>)</a:t>
+            </a:r>
+            <a:r>
+              <a:rPr lang="ko-KR" altLang="en-US" sz="3600" dirty="0"/>
+              <a:t>세분화해도 상관 없다</a:t>
+            </a:r>
+            <a:r>
+              <a:rPr lang="en-US" altLang="ko-KR" sz="3600" dirty="0"/>
+              <a:t>. </a:t>
+            </a:r>
+            <a:r>
+              <a:rPr lang="ko-KR" altLang="en-US" sz="3600" dirty="0"/>
+              <a:t>그 때는 단일 소스에 복수의 </a:t>
+            </a:r>
+            <a:r>
+              <a:rPr lang="en-US" altLang="ko-KR" sz="3600" dirty="0"/>
+              <a:t>TEST_CLASS</a:t>
+            </a:r>
+            <a:r>
+              <a:rPr lang="ko-KR" altLang="en-US" sz="3600" dirty="0"/>
+              <a:t>를 적어 나가도 좋고</a:t>
+            </a:r>
+            <a:r>
+              <a:rPr lang="en-US" altLang="ko-KR" sz="3600" dirty="0"/>
+              <a:t>, </a:t>
+            </a:r>
+            <a:r>
+              <a:rPr lang="ko-KR" altLang="en-US" sz="3600" dirty="0"/>
+              <a:t>추가</a:t>
+            </a:r>
+            <a:r>
+              <a:rPr lang="en-US" altLang="ko-KR" sz="3600" dirty="0"/>
+              <a:t>/</a:t>
+            </a:r>
+            <a:r>
+              <a:rPr lang="ko-KR" altLang="en-US" sz="3600" dirty="0"/>
+              <a:t>새로운 항목</a:t>
+            </a:r>
+            <a:r>
+              <a:rPr lang="en-US" altLang="ko-KR" sz="3600" dirty="0"/>
+              <a:t>/C++ </a:t>
+            </a:r>
+            <a:r>
+              <a:rPr lang="ko-KR" altLang="en-US" sz="3600" dirty="0" err="1"/>
+              <a:t>유닛테스트</a:t>
+            </a:r>
+            <a:r>
+              <a:rPr lang="ko-KR" altLang="en-US" sz="3600" dirty="0"/>
+              <a:t> 클래스로 또 다른 소스에 나눠도 좋음</a:t>
+            </a:r>
+            <a:r>
+              <a:rPr lang="en-US" altLang="ko-KR" sz="3600" dirty="0"/>
+              <a:t>.</a:t>
+            </a:r>
+          </a:p>
+          <a:p>
+            <a:endParaRPr lang="en-US" altLang="ko-KR" sz="3600" dirty="0"/>
+          </a:p>
+          <a:p>
+            <a:r>
+              <a:rPr lang="en-US" altLang="ko-KR" sz="3600" dirty="0"/>
+              <a:t> </a:t>
+            </a:r>
+          </a:p>
+          <a:p>
+            <a:r>
+              <a:rPr lang="en-US" altLang="ko-KR" sz="3600" b="1" dirty="0"/>
+              <a:t>TEST_METHOD(</a:t>
+            </a:r>
+            <a:r>
+              <a:rPr lang="en-US" altLang="ko-KR" sz="3600" b="1" dirty="0" err="1"/>
+              <a:t>method_name</a:t>
+            </a:r>
+            <a:r>
+              <a:rPr lang="en-US" altLang="ko-KR" sz="3600" b="1" dirty="0"/>
+              <a:t>){...}</a:t>
+            </a:r>
+          </a:p>
+          <a:p>
+            <a:r>
+              <a:rPr lang="ko-KR" altLang="en-US" sz="3600" dirty="0"/>
+              <a:t>테스트 각 항목에 해당한다</a:t>
+            </a:r>
+            <a:r>
+              <a:rPr lang="en-US" altLang="ko-KR" sz="3600" dirty="0"/>
+              <a:t>. </a:t>
+            </a:r>
+            <a:r>
+              <a:rPr lang="ko-KR" altLang="en-US" sz="3600" dirty="0"/>
+              <a:t>테스트 대상을 동작시키고 그 결과를 검증한다</a:t>
+            </a:r>
+            <a:r>
+              <a:rPr lang="en-US" altLang="ko-KR" sz="3600" dirty="0"/>
+              <a:t>.</a:t>
+            </a:r>
+          </a:p>
+          <a:p>
+            <a:endParaRPr lang="en-US" altLang="ko-KR" sz="3600" dirty="0"/>
+          </a:p>
+          <a:p>
+            <a:endParaRPr lang="en-US" altLang="ko-KR" sz="3600" dirty="0"/>
+          </a:p>
+          <a:p>
+            <a:r>
+              <a:rPr lang="en-US" altLang="ko-KR" sz="3600" b="1" dirty="0"/>
+              <a:t>TEST_MODULE_INITIALIZE(</a:t>
+            </a:r>
+            <a:r>
+              <a:rPr lang="en-US" altLang="ko-KR" sz="3600" b="1" dirty="0" err="1"/>
+              <a:t>method_name</a:t>
+            </a:r>
+            <a:r>
+              <a:rPr lang="en-US" altLang="ko-KR" sz="3600" b="1" dirty="0"/>
+              <a:t>){...}</a:t>
+            </a:r>
+          </a:p>
+          <a:p>
+            <a:r>
+              <a:rPr lang="en-US" altLang="ko-KR" sz="3600" b="1" dirty="0"/>
+              <a:t>TEST_MODULE_CLEANUP(</a:t>
+            </a:r>
+            <a:r>
+              <a:rPr lang="en-US" altLang="ko-KR" sz="3600" b="1" dirty="0" err="1"/>
+              <a:t>method_name</a:t>
+            </a:r>
+            <a:r>
+              <a:rPr lang="en-US" altLang="ko-KR" sz="3600" b="1" dirty="0"/>
+              <a:t>){...}</a:t>
+            </a:r>
+          </a:p>
+          <a:p>
+            <a:r>
+              <a:rPr lang="ko-KR" altLang="en-US" sz="3600" dirty="0"/>
+              <a:t>모든 테스트의 실행 직전</a:t>
+            </a:r>
+            <a:r>
+              <a:rPr lang="en-US" altLang="ko-KR" sz="3600" dirty="0"/>
+              <a:t>/</a:t>
+            </a:r>
+            <a:r>
+              <a:rPr lang="ko-KR" altLang="en-US" sz="3600" dirty="0"/>
+              <a:t>직후에 각각 한번만 호출한다</a:t>
+            </a:r>
+            <a:r>
+              <a:rPr lang="en-US" altLang="ko-KR" sz="3600" dirty="0"/>
+              <a:t>. </a:t>
+            </a:r>
+            <a:r>
+              <a:rPr lang="ko-KR" altLang="en-US" sz="3600" dirty="0"/>
+              <a:t>이름 그대로 테스트 모듈의 전 준비</a:t>
+            </a:r>
+            <a:r>
+              <a:rPr lang="en-US" altLang="ko-KR" sz="3600" dirty="0"/>
+              <a:t>/</a:t>
+            </a:r>
+            <a:r>
+              <a:rPr lang="ko-KR" altLang="en-US" sz="3600" dirty="0"/>
+              <a:t>후 처리를 위한 것</a:t>
+            </a:r>
+            <a:r>
+              <a:rPr lang="en-US" altLang="ko-KR" sz="3600" dirty="0"/>
+              <a:t>. </a:t>
+            </a:r>
+            <a:r>
+              <a:rPr lang="ko-KR" altLang="en-US" sz="3600" dirty="0"/>
+              <a:t>환경 변수</a:t>
+            </a:r>
+            <a:r>
+              <a:rPr lang="en-US" altLang="ko-KR" sz="3600" dirty="0"/>
+              <a:t>/</a:t>
+            </a:r>
+            <a:r>
+              <a:rPr lang="ko-KR" altLang="en-US" sz="3600" dirty="0"/>
+              <a:t>글로벌 변수를 설정하거나 </a:t>
+            </a:r>
+            <a:r>
+              <a:rPr lang="en-US" altLang="ko-KR" sz="3600" dirty="0"/>
+              <a:t>DLL</a:t>
+            </a:r>
+            <a:r>
+              <a:rPr lang="ko-KR" altLang="en-US" sz="3600" dirty="0"/>
+              <a:t>을 </a:t>
+            </a:r>
+            <a:r>
+              <a:rPr lang="en-US" altLang="ko-KR" sz="3600" dirty="0" err="1"/>
+              <a:t>LoadLibarary</a:t>
+            </a:r>
+            <a:r>
+              <a:rPr lang="en-US" altLang="ko-KR" sz="3600" dirty="0"/>
+              <a:t>/</a:t>
+            </a:r>
+            <a:r>
+              <a:rPr lang="en-US" altLang="ko-KR" sz="3600" dirty="0" err="1"/>
+              <a:t>FreeLibrary</a:t>
+            </a:r>
+            <a:r>
+              <a:rPr lang="en-US" altLang="ko-KR" sz="3600" dirty="0"/>
+              <a:t> </a:t>
+            </a:r>
+            <a:r>
+              <a:rPr lang="ko-KR" altLang="en-US" sz="3600" dirty="0"/>
+              <a:t>하거나 </a:t>
+            </a:r>
+            <a:r>
+              <a:rPr lang="en-US" altLang="ko-KR" sz="3600" dirty="0"/>
+              <a:t>COM</a:t>
+            </a:r>
+            <a:r>
+              <a:rPr lang="ko-KR" altLang="en-US" sz="3600" dirty="0"/>
+              <a:t>을 초기화</a:t>
+            </a:r>
+            <a:r>
+              <a:rPr lang="en-US" altLang="ko-KR" sz="3600" dirty="0"/>
+              <a:t>/</a:t>
+            </a:r>
+            <a:r>
+              <a:rPr lang="ko-KR" altLang="en-US" sz="3600" dirty="0"/>
+              <a:t>해방하는 등</a:t>
+            </a:r>
+            <a:r>
+              <a:rPr lang="en-US" altLang="ko-KR" sz="3600" dirty="0"/>
+              <a:t>.</a:t>
+            </a:r>
+          </a:p>
+        </p:txBody>
+      </p:sp>
+    </p:spTree>
+    <p:extLst>
+      <p:ext uri="{BB962C8B-B14F-4D97-AF65-F5344CB8AC3E}">
+        <p14:creationId xmlns:p14="http://schemas.microsoft.com/office/powerpoint/2010/main" val="1672163490"/>
+      </p:ext>
+    </p:extLst>
+  </p:cSld>
+  <p:clrMapOvr>
+    <a:masterClrMapping/>
+  </p:clrMapOvr>
+</p:sld>
+</file>
+
+<file path=ppt/slides/slide37.xml><?xml version="1.0" encoding="utf-8"?>
+<p:sld xmlns:a="http://schemas.openxmlformats.org/drawingml/2006/main" xmlns:r="http://schemas.openxmlformats.org/officeDocument/2006/relationships" xmlns:p="http://schemas.openxmlformats.org/presentationml/2006/main">
+  <p:cSld>
+    <p:spTree>
+      <p:nvGrpSpPr>
+        <p:cNvPr id="1" name=""/>
+        <p:cNvGrpSpPr/>
+        <p:nvPr/>
+      </p:nvGrpSpPr>
+      <p:grpSpPr>
+        <a:xfrm>
+          <a:off x="0" y="0"/>
+          <a:ext cx="0" cy="0"/>
+          <a:chOff x="0" y="0"/>
+          <a:chExt cx="0" cy="0"/>
+        </a:xfrm>
+      </p:grpSpPr>
+      <p:sp>
+        <p:nvSpPr>
+          <p:cNvPr id="3" name="직사각형 2"/>
+          <p:cNvSpPr/>
+          <p:nvPr/>
+        </p:nvSpPr>
+        <p:spPr>
+          <a:xfrm>
+            <a:off x="1154672" y="2540977"/>
+            <a:ext cx="22063136" cy="5632311"/>
+          </a:xfrm>
+          <a:prstGeom prst="rect">
+            <a:avLst/>
+          </a:prstGeom>
+        </p:spPr>
+        <p:txBody>
+          <a:bodyPr wrap="square">
+            <a:spAutoFit/>
+          </a:bodyPr>
+          <a:lstStyle/>
+          <a:p>
+            <a:r>
+              <a:rPr lang="en-US" altLang="ko-KR" sz="3600" b="1" dirty="0"/>
+              <a:t>TEST_CLASS_INITIALIZE(</a:t>
+            </a:r>
+            <a:r>
+              <a:rPr lang="en-US" altLang="ko-KR" sz="3600" b="1" dirty="0" err="1"/>
+              <a:t>method_name</a:t>
+            </a:r>
+            <a:r>
+              <a:rPr lang="en-US" altLang="ko-KR" sz="3600" b="1" dirty="0"/>
+              <a:t>){...}</a:t>
+            </a:r>
+          </a:p>
+          <a:p>
+            <a:r>
+              <a:rPr lang="en-US" altLang="ko-KR" sz="3600" b="1" dirty="0"/>
+              <a:t>TEST_CLASS_CLEANUP(</a:t>
+            </a:r>
+            <a:r>
+              <a:rPr lang="en-US" altLang="ko-KR" sz="3600" b="1" dirty="0" err="1"/>
+              <a:t>method_name</a:t>
+            </a:r>
+            <a:r>
+              <a:rPr lang="en-US" altLang="ko-KR" sz="3600" b="1" dirty="0"/>
+              <a:t>){...}</a:t>
+            </a:r>
+          </a:p>
+          <a:p>
+            <a:r>
+              <a:rPr lang="en-US" altLang="ko-KR" sz="3600" dirty="0"/>
+              <a:t>TEST_CLASS </a:t>
+            </a:r>
+            <a:r>
+              <a:rPr lang="ko-KR" altLang="en-US" sz="3600" dirty="0"/>
+              <a:t>내 일련의 </a:t>
+            </a:r>
+            <a:r>
+              <a:rPr lang="en-US" altLang="ko-KR" sz="3600" dirty="0"/>
+              <a:t>TEST_METHOD </a:t>
+            </a:r>
+            <a:r>
+              <a:rPr lang="ko-KR" altLang="en-US" sz="3600" dirty="0"/>
+              <a:t>실행 직전</a:t>
+            </a:r>
+            <a:r>
+              <a:rPr lang="en-US" altLang="ko-KR" sz="3600" dirty="0"/>
+              <a:t>/</a:t>
+            </a:r>
+            <a:r>
+              <a:rPr lang="ko-KR" altLang="en-US" sz="3600" dirty="0"/>
+              <a:t>직후에 한번만 하는 전 준비</a:t>
+            </a:r>
+            <a:r>
+              <a:rPr lang="en-US" altLang="ko-KR" sz="3600" dirty="0"/>
+              <a:t>/</a:t>
+            </a:r>
+            <a:r>
+              <a:rPr lang="ko-KR" altLang="en-US" sz="3600" dirty="0"/>
+              <a:t>뒤처리를 정의한다</a:t>
+            </a:r>
+            <a:r>
+              <a:rPr lang="en-US" altLang="ko-KR" sz="3600" dirty="0"/>
+              <a:t>. </a:t>
+            </a:r>
+            <a:r>
+              <a:rPr lang="ko-KR" altLang="en-US" sz="3600" dirty="0"/>
+              <a:t>예를 들면 데이터베이스와 </a:t>
+            </a:r>
+            <a:r>
+              <a:rPr lang="en-US" altLang="ko-KR" sz="3600" dirty="0"/>
+              <a:t>Socket</a:t>
+            </a:r>
+            <a:r>
+              <a:rPr lang="ko-KR" altLang="en-US" sz="3600" dirty="0"/>
+              <a:t>과의 연결</a:t>
+            </a:r>
+            <a:r>
+              <a:rPr lang="en-US" altLang="ko-KR" sz="3600" dirty="0"/>
+              <a:t>/</a:t>
+            </a:r>
+            <a:r>
+              <a:rPr lang="ko-KR" altLang="en-US" sz="3600" dirty="0"/>
+              <a:t>절단 이라든가</a:t>
+            </a:r>
+            <a:r>
+              <a:rPr lang="en-US" altLang="ko-KR" sz="3600" dirty="0"/>
+              <a:t>.</a:t>
+            </a:r>
+          </a:p>
+          <a:p>
+            <a:endParaRPr lang="en-US" altLang="ko-KR" sz="3600" dirty="0"/>
+          </a:p>
+          <a:p>
+            <a:endParaRPr lang="en-US" altLang="ko-KR" sz="3600" dirty="0"/>
+          </a:p>
+          <a:p>
+            <a:r>
+              <a:rPr lang="en-US" altLang="ko-KR" sz="3600" b="1" dirty="0"/>
+              <a:t>TEST_METHOD_INITIALIZE(</a:t>
+            </a:r>
+            <a:r>
+              <a:rPr lang="en-US" altLang="ko-KR" sz="3600" b="1" dirty="0" err="1"/>
+              <a:t>method_name</a:t>
+            </a:r>
+            <a:r>
+              <a:rPr lang="en-US" altLang="ko-KR" sz="3600" b="1" dirty="0"/>
+              <a:t>){...}</a:t>
+            </a:r>
+          </a:p>
+          <a:p>
+            <a:r>
+              <a:rPr lang="en-US" altLang="ko-KR" sz="3600" b="1" dirty="0"/>
+              <a:t>TEST_METHOD_CLEANUP(</a:t>
+            </a:r>
+            <a:r>
+              <a:rPr lang="en-US" altLang="ko-KR" sz="3600" b="1" dirty="0" err="1"/>
+              <a:t>method_name</a:t>
+            </a:r>
+            <a:r>
+              <a:rPr lang="en-US" altLang="ko-KR" sz="3600" b="1" dirty="0"/>
+              <a:t>){...}</a:t>
+            </a:r>
+          </a:p>
+          <a:p>
+            <a:r>
+              <a:rPr lang="ko-KR" altLang="en-US" sz="3600" dirty="0"/>
+              <a:t>각 </a:t>
+            </a:r>
+            <a:r>
+              <a:rPr lang="en-US" altLang="ko-KR" sz="3600" dirty="0"/>
+              <a:t>TEST_METHOD</a:t>
+            </a:r>
+            <a:r>
+              <a:rPr lang="ko-KR" altLang="en-US" sz="3600" dirty="0"/>
+              <a:t>의 실행 직전</a:t>
+            </a:r>
+            <a:r>
+              <a:rPr lang="en-US" altLang="ko-KR" sz="3600" dirty="0"/>
+              <a:t>/</a:t>
+            </a:r>
+            <a:r>
+              <a:rPr lang="ko-KR" altLang="en-US" sz="3600" dirty="0"/>
+              <a:t>직후에 호출된다</a:t>
+            </a:r>
+            <a:r>
+              <a:rPr lang="en-US" altLang="ko-KR" sz="3600" dirty="0"/>
+              <a:t>.</a:t>
+            </a:r>
+          </a:p>
+          <a:p>
+            <a:r>
+              <a:rPr lang="ko-KR" altLang="en-US" sz="3600" dirty="0"/>
+              <a:t>테스트 별 전 준비</a:t>
+            </a:r>
+            <a:r>
+              <a:rPr lang="en-US" altLang="ko-KR" sz="3600" dirty="0"/>
+              <a:t>/</a:t>
+            </a:r>
+            <a:r>
+              <a:rPr lang="ko-KR" altLang="en-US" sz="3600" dirty="0"/>
+              <a:t>뒤처리를 하는 것이 목적이다</a:t>
+            </a:r>
+            <a:r>
+              <a:rPr lang="en-US" altLang="ko-KR" sz="3600" dirty="0"/>
+              <a:t>.</a:t>
+            </a:r>
+          </a:p>
+        </p:txBody>
+      </p:sp>
+    </p:spTree>
+    <p:extLst>
+      <p:ext uri="{BB962C8B-B14F-4D97-AF65-F5344CB8AC3E}">
+        <p14:creationId xmlns:p14="http://schemas.microsoft.com/office/powerpoint/2010/main" val="1932298321"/>
+      </p:ext>
+    </p:extLst>
+  </p:cSld>
+  <p:clrMapOvr>
+    <a:masterClrMapping/>
+  </p:clrMapOvr>
+</p:sld>
+</file>
+
+<file path=ppt/slides/slide38.xml><?xml version="1.0" encoding="utf-8"?>
+<p:sld xmlns:a="http://schemas.openxmlformats.org/drawingml/2006/main" xmlns:r="http://schemas.openxmlformats.org/officeDocument/2006/relationships" xmlns:p="http://schemas.openxmlformats.org/presentationml/2006/main">
+  <p:cSld>
+    <p:spTree>
+      <p:nvGrpSpPr>
+        <p:cNvPr id="1" name=""/>
+        <p:cNvGrpSpPr/>
+        <p:nvPr/>
+      </p:nvGrpSpPr>
+      <p:grpSpPr>
+        <a:xfrm>
+          <a:off x="0" y="0"/>
+          <a:ext cx="0" cy="0"/>
+          <a:chOff x="0" y="0"/>
+          <a:chExt cx="0" cy="0"/>
+        </a:xfrm>
+      </p:grpSpPr>
+      <p:sp>
+        <p:nvSpPr>
+          <p:cNvPr id="2" name="직사각형 1"/>
+          <p:cNvSpPr/>
+          <p:nvPr/>
+        </p:nvSpPr>
+        <p:spPr>
+          <a:xfrm>
+            <a:off x="1219200" y="291545"/>
+            <a:ext cx="20620384" cy="13388280"/>
+          </a:xfrm>
+          <a:prstGeom prst="rect">
+            <a:avLst/>
+          </a:prstGeom>
+          <a:ln>
+            <a:solidFill>
+              <a:schemeClr val="tx1"/>
+            </a:solidFill>
+          </a:ln>
+        </p:spPr>
+        <p:txBody>
+          <a:bodyPr wrap="square">
+            <a:spAutoFit/>
+          </a:bodyPr>
+          <a:lstStyle/>
+          <a:p>
+            <a:r>
+              <a:rPr lang="en-US" altLang="ko-KR" sz="3600" dirty="0"/>
+              <a:t>#include "</a:t>
+            </a:r>
+            <a:r>
+              <a:rPr lang="en-US" altLang="ko-KR" sz="3600" dirty="0" err="1"/>
+              <a:t>stdafx.h</a:t>
+            </a:r>
+            <a:r>
+              <a:rPr lang="en-US" altLang="ko-KR" sz="3600" dirty="0"/>
+              <a:t>"</a:t>
+            </a:r>
+          </a:p>
+          <a:p>
+            <a:r>
+              <a:rPr lang="en-US" altLang="ko-KR" sz="3600" dirty="0"/>
+              <a:t>#include "</a:t>
+            </a:r>
+            <a:r>
+              <a:rPr lang="en-US" altLang="ko-KR" sz="3600" dirty="0" err="1"/>
+              <a:t>CppUnitTest.h</a:t>
+            </a:r>
+            <a:r>
+              <a:rPr lang="en-US" altLang="ko-KR" sz="3600" dirty="0"/>
+              <a:t>"</a:t>
+            </a:r>
+          </a:p>
+          <a:p>
+            <a:endParaRPr lang="en-US" altLang="ko-KR" sz="3600" dirty="0"/>
+          </a:p>
+          <a:p>
+            <a:r>
+              <a:rPr lang="en-US" altLang="ko-KR" sz="3600" dirty="0"/>
+              <a:t>using namespace Microsoft::</a:t>
+            </a:r>
+            <a:r>
+              <a:rPr lang="en-US" altLang="ko-KR" sz="3600" dirty="0" err="1"/>
+              <a:t>VisualStudio</a:t>
+            </a:r>
+            <a:r>
+              <a:rPr lang="en-US" altLang="ko-KR" sz="3600" dirty="0"/>
+              <a:t>::</a:t>
+            </a:r>
+            <a:r>
+              <a:rPr lang="en-US" altLang="ko-KR" sz="3600" dirty="0" err="1"/>
+              <a:t>CppUnitTestFramework</a:t>
+            </a:r>
+            <a:r>
+              <a:rPr lang="en-US" altLang="ko-KR" sz="3600" dirty="0"/>
+              <a:t>;</a:t>
+            </a:r>
+          </a:p>
+          <a:p>
+            <a:endParaRPr lang="en-US" altLang="ko-KR" sz="3600" dirty="0"/>
+          </a:p>
+          <a:p>
+            <a:r>
+              <a:rPr lang="en-US" altLang="ko-KR" sz="3600" dirty="0"/>
+              <a:t>namespace dummy {</a:t>
+            </a:r>
+          </a:p>
+          <a:p>
+            <a:endParaRPr lang="en-US" altLang="ko-KR" sz="3600" dirty="0"/>
+          </a:p>
+          <a:p>
+            <a:r>
+              <a:rPr lang="en-US" altLang="ko-KR" sz="3600" dirty="0"/>
+              <a:t>  TEST_MODULE_INITIALIZE(</a:t>
+            </a:r>
+            <a:r>
+              <a:rPr lang="en-US" altLang="ko-KR" sz="3600" dirty="0" err="1"/>
+              <a:t>test_module_initialize</a:t>
+            </a:r>
+            <a:r>
+              <a:rPr lang="en-US" altLang="ko-KR" sz="3600" dirty="0"/>
+              <a:t>) { Logger::</a:t>
+            </a:r>
+            <a:r>
+              <a:rPr lang="en-US" altLang="ko-KR" sz="3600" dirty="0" err="1"/>
+              <a:t>WriteMessage</a:t>
+            </a:r>
+            <a:r>
+              <a:rPr lang="en-US" altLang="ko-KR" sz="3600" dirty="0"/>
+              <a:t>(__FUNCTION__); }</a:t>
+            </a:r>
+          </a:p>
+          <a:p>
+            <a:r>
+              <a:rPr lang="en-US" altLang="ko-KR" sz="3600" dirty="0"/>
+              <a:t>  TEST_MODULE_CLEANUP(</a:t>
+            </a:r>
+            <a:r>
+              <a:rPr lang="en-US" altLang="ko-KR" sz="3600" dirty="0" err="1"/>
+              <a:t>test_module_cleanup</a:t>
+            </a:r>
+            <a:r>
+              <a:rPr lang="en-US" altLang="ko-KR" sz="3600" dirty="0"/>
+              <a:t>)       { Logger::</a:t>
+            </a:r>
+            <a:r>
+              <a:rPr lang="en-US" altLang="ko-KR" sz="3600" dirty="0" err="1"/>
+              <a:t>WriteMessage</a:t>
+            </a:r>
+            <a:r>
+              <a:rPr lang="en-US" altLang="ko-KR" sz="3600" dirty="0"/>
+              <a:t>(__FUNCTION__); }</a:t>
+            </a:r>
+          </a:p>
+          <a:p>
+            <a:endParaRPr lang="en-US" altLang="ko-KR" sz="3600" dirty="0"/>
+          </a:p>
+          <a:p>
+            <a:r>
+              <a:rPr lang="en-US" altLang="ko-KR" sz="3600" dirty="0"/>
+              <a:t>  TEST_CLASS(</a:t>
+            </a:r>
+            <a:r>
+              <a:rPr lang="en-US" altLang="ko-KR" sz="3600" dirty="0" err="1"/>
+              <a:t>DummyTest</a:t>
+            </a:r>
+            <a:r>
+              <a:rPr lang="en-US" altLang="ko-KR" sz="3600" dirty="0"/>
+              <a:t>) {</a:t>
+            </a:r>
+          </a:p>
+          <a:p>
+            <a:r>
+              <a:rPr lang="en-US" altLang="ko-KR" sz="3600" dirty="0"/>
+              <a:t>  public:</a:t>
+            </a:r>
+          </a:p>
+          <a:p>
+            <a:r>
+              <a:rPr lang="en-US" altLang="ko-KR" sz="3600" dirty="0"/>
+              <a:t>    TEST_CLASS_INITIALIZE(</a:t>
+            </a:r>
+            <a:r>
+              <a:rPr lang="en-US" altLang="ko-KR" sz="3600" dirty="0" err="1"/>
+              <a:t>test_class_initialize</a:t>
+            </a:r>
+            <a:r>
+              <a:rPr lang="en-US" altLang="ko-KR" sz="3600" dirty="0"/>
+              <a:t>) { Logger::</a:t>
+            </a:r>
+            <a:r>
+              <a:rPr lang="en-US" altLang="ko-KR" sz="3600" dirty="0" err="1"/>
+              <a:t>WriteMessage</a:t>
+            </a:r>
+            <a:r>
+              <a:rPr lang="en-US" altLang="ko-KR" sz="3600" dirty="0"/>
+              <a:t>(__FUNCTION__); }</a:t>
+            </a:r>
+          </a:p>
+          <a:p>
+            <a:r>
+              <a:rPr lang="en-US" altLang="ko-KR" sz="3600" dirty="0"/>
+              <a:t>    TEST_CLASS_CLEANUP(</a:t>
+            </a:r>
+            <a:r>
+              <a:rPr lang="en-US" altLang="ko-KR" sz="3600" dirty="0" err="1"/>
+              <a:t>test_class_cleanup</a:t>
+            </a:r>
+            <a:r>
+              <a:rPr lang="en-US" altLang="ko-KR" sz="3600" dirty="0"/>
+              <a:t>)       { Logger::</a:t>
+            </a:r>
+            <a:r>
+              <a:rPr lang="en-US" altLang="ko-KR" sz="3600" dirty="0" err="1"/>
+              <a:t>WriteMessage</a:t>
+            </a:r>
+            <a:r>
+              <a:rPr lang="en-US" altLang="ko-KR" sz="3600" dirty="0"/>
+              <a:t>(__FUNCTION__); }</a:t>
+            </a:r>
+          </a:p>
+          <a:p>
+            <a:endParaRPr lang="en-US" altLang="ko-KR" sz="3600" dirty="0"/>
+          </a:p>
+          <a:p>
+            <a:r>
+              <a:rPr lang="en-US" altLang="ko-KR" sz="3600" dirty="0"/>
+              <a:t>    TEST_METHOD_INITIALIZE(</a:t>
+            </a:r>
+            <a:r>
+              <a:rPr lang="en-US" altLang="ko-KR" sz="3600" dirty="0" err="1"/>
+              <a:t>test_method_initialize</a:t>
+            </a:r>
+            <a:r>
+              <a:rPr lang="en-US" altLang="ko-KR" sz="3600" dirty="0"/>
+              <a:t>) { Logger::</a:t>
+            </a:r>
+            <a:r>
+              <a:rPr lang="en-US" altLang="ko-KR" sz="3600" dirty="0" err="1"/>
+              <a:t>WriteMessage</a:t>
+            </a:r>
+            <a:r>
+              <a:rPr lang="en-US" altLang="ko-KR" sz="3600" dirty="0"/>
+              <a:t>(__FUNCTION__); }</a:t>
+            </a:r>
+          </a:p>
+          <a:p>
+            <a:r>
+              <a:rPr lang="en-US" altLang="ko-KR" sz="3600" dirty="0"/>
+              <a:t>    TEST_METHOD_CLEANUP(</a:t>
+            </a:r>
+            <a:r>
+              <a:rPr lang="en-US" altLang="ko-KR" sz="3600" dirty="0" err="1"/>
+              <a:t>test_method_cleanup</a:t>
+            </a:r>
+            <a:r>
+              <a:rPr lang="en-US" altLang="ko-KR" sz="3600" dirty="0"/>
+              <a:t>)       { Logger::</a:t>
+            </a:r>
+            <a:r>
+              <a:rPr lang="en-US" altLang="ko-KR" sz="3600" dirty="0" err="1"/>
+              <a:t>WriteMessage</a:t>
+            </a:r>
+            <a:r>
+              <a:rPr lang="en-US" altLang="ko-KR" sz="3600" dirty="0"/>
+              <a:t>(__FUNCTION__); }</a:t>
+            </a:r>
+          </a:p>
+          <a:p>
+            <a:endParaRPr lang="en-US" altLang="ko-KR" sz="3600" dirty="0"/>
+          </a:p>
+          <a:p>
+            <a:r>
+              <a:rPr lang="en-US" altLang="ko-KR" sz="3600" dirty="0"/>
+              <a:t>    TEST_METHOD(TestMethod1) { Logger::</a:t>
+            </a:r>
+            <a:r>
+              <a:rPr lang="en-US" altLang="ko-KR" sz="3600" dirty="0" err="1"/>
+              <a:t>WriteMessage</a:t>
+            </a:r>
+            <a:r>
+              <a:rPr lang="en-US" altLang="ko-KR" sz="3600" dirty="0"/>
+              <a:t>(__FUNCTION__); }</a:t>
+            </a:r>
+          </a:p>
+          <a:p>
+            <a:r>
+              <a:rPr lang="en-US" altLang="ko-KR" sz="3600" dirty="0"/>
+              <a:t>    TEST_METHOD(TestMethod2) { Logger::</a:t>
+            </a:r>
+            <a:r>
+              <a:rPr lang="en-US" altLang="ko-KR" sz="3600" dirty="0" err="1"/>
+              <a:t>WriteMessage</a:t>
+            </a:r>
+            <a:r>
+              <a:rPr lang="en-US" altLang="ko-KR" sz="3600" dirty="0"/>
+              <a:t>(__FUNCTION__); }</a:t>
+            </a:r>
+          </a:p>
+          <a:p>
+            <a:r>
+              <a:rPr lang="en-US" altLang="ko-KR" sz="3600" dirty="0"/>
+              <a:t>    TEST_METHOD(TestMethod3) { Logger::</a:t>
+            </a:r>
+            <a:r>
+              <a:rPr lang="en-US" altLang="ko-KR" sz="3600" dirty="0" err="1"/>
+              <a:t>WriteMessage</a:t>
+            </a:r>
+            <a:r>
+              <a:rPr lang="en-US" altLang="ko-KR" sz="3600" dirty="0"/>
+              <a:t>(__FUNCTION__); }</a:t>
+            </a:r>
+          </a:p>
+          <a:p>
+            <a:r>
+              <a:rPr lang="en-US" altLang="ko-KR" sz="3600" dirty="0"/>
+              <a:t>  };</a:t>
+            </a:r>
+          </a:p>
+          <a:p>
+            <a:endParaRPr lang="en-US" altLang="ko-KR" sz="3600" dirty="0"/>
+          </a:p>
+          <a:p>
+            <a:r>
+              <a:rPr lang="en-US" altLang="ko-KR" sz="3600" dirty="0"/>
+              <a:t>}</a:t>
+            </a:r>
+            <a:endParaRPr lang="ko-KR" altLang="en-US" sz="3600" dirty="0"/>
+          </a:p>
+        </p:txBody>
+      </p:sp>
+    </p:spTree>
+    <p:extLst>
+      <p:ext uri="{BB962C8B-B14F-4D97-AF65-F5344CB8AC3E}">
+        <p14:creationId xmlns:p14="http://schemas.microsoft.com/office/powerpoint/2010/main" val="2320217449"/>
+      </p:ext>
+    </p:extLst>
+  </p:cSld>
+  <p:clrMapOvr>
+    <a:masterClrMapping/>
+  </p:clrMapOvr>
+</p:sld>
+</file>
+
+<file path=ppt/slides/slide39.xml><?xml version="1.0" encoding="utf-8"?>
+<p:sld xmlns:a="http://schemas.openxmlformats.org/drawingml/2006/main" xmlns:r="http://schemas.openxmlformats.org/officeDocument/2006/relationships" xmlns:p="http://schemas.openxmlformats.org/presentationml/2006/main">
+  <p:cSld>
+    <p:spTree>
+      <p:nvGrpSpPr>
+        <p:cNvPr id="1" name=""/>
+        <p:cNvGrpSpPr/>
+        <p:nvPr/>
+      </p:nvGrpSpPr>
+      <p:grpSpPr>
+        <a:xfrm>
+          <a:off x="0" y="0"/>
+          <a:ext cx="0" cy="0"/>
+          <a:chOff x="0" y="0"/>
+          <a:chExt cx="0" cy="0"/>
+        </a:xfrm>
+      </p:grpSpPr>
+      <p:pic>
+        <p:nvPicPr>
+          <p:cNvPr id="17410" name="Picture 2" descr="http://codezine.jp/static/images/article/6464/6464_fig03.gif"/>
+          <p:cNvPicPr>
+            <a:picLocks noChangeAspect="1" noChangeArrowheads="1"/>
+          </p:cNvPicPr>
+          <p:nvPr/>
+        </p:nvPicPr>
+        <p:blipFill>
+          <a:blip r:embed="rId2">
+            <a:extLst>
+              <a:ext uri="{28A0092B-C50C-407E-A947-70E740481C1C}">
+                <a14:useLocalDpi xmlns:a14="http://schemas.microsoft.com/office/drawing/2010/main" val="0"/>
+              </a:ext>
+            </a:extLst>
+          </a:blip>
+          <a:srcRect/>
+          <a:stretch>
+            <a:fillRect/>
+          </a:stretch>
+        </p:blipFill>
+        <p:spPr bwMode="auto">
+          <a:xfrm>
+            <a:off x="2695439" y="1485484"/>
+            <a:ext cx="18693570" cy="10493980"/>
+          </a:xfrm>
+          <a:prstGeom prst="rect">
+            <a:avLst/>
+          </a:prstGeom>
+          <a:noFill/>
+          <a:extLst>
+            <a:ext uri="{909E8E84-426E-40DD-AFC4-6F175D3DCCD1}">
+              <a14:hiddenFill xmlns:a14="http://schemas.microsoft.com/office/drawing/2010/main">
+                <a:solidFill>
+                  <a:srgbClr val="FFFFFF"/>
+                </a:solidFill>
+              </a14:hiddenFill>
+            </a:ext>
+          </a:extLst>
+        </p:spPr>
+      </p:pic>
+    </p:spTree>
+    <p:extLst>
+      <p:ext uri="{BB962C8B-B14F-4D97-AF65-F5344CB8AC3E}">
+        <p14:creationId xmlns:p14="http://schemas.microsoft.com/office/powerpoint/2010/main" val="4275117140"/>
+      </p:ext>
+    </p:extLst>
+  </p:cSld>
+  <p:clrMapOvr>
+    <a:masterClrMapping/>
+  </p:clrMapOvr>
+</p:sld>
+</file>
+
 <file path=ppt/slides/slide4.xml><?xml version="1.0" encoding="utf-8"?>
 <p:sld xmlns:a="http://schemas.openxmlformats.org/drawingml/2006/main" xmlns:r="http://schemas.openxmlformats.org/officeDocument/2006/relationships" xmlns:p="http://schemas.openxmlformats.org/presentationml/2006/main">
   <p:cSld>
@@ -7865,6 +10678,2333 @@
     <p:extLst>
       <p:ext uri="{BB962C8B-B14F-4D97-AF65-F5344CB8AC3E}">
         <p14:creationId xmlns:p14="http://schemas.microsoft.com/office/powerpoint/2010/main" val="666875527"/>
+      </p:ext>
+    </p:extLst>
+  </p:cSld>
+  <p:clrMapOvr>
+    <a:masterClrMapping/>
+  </p:clrMapOvr>
+</p:sld>
+</file>
+
+<file path=ppt/slides/slide40.xml><?xml version="1.0" encoding="utf-8"?>
+<p:sld xmlns:a="http://schemas.openxmlformats.org/drawingml/2006/main" xmlns:r="http://schemas.openxmlformats.org/officeDocument/2006/relationships" xmlns:p="http://schemas.openxmlformats.org/presentationml/2006/main">
+  <p:cSld>
+    <p:spTree>
+      <p:nvGrpSpPr>
+        <p:cNvPr id="1" name=""/>
+        <p:cNvGrpSpPr/>
+        <p:nvPr/>
+      </p:nvGrpSpPr>
+      <p:grpSpPr>
+        <a:xfrm>
+          <a:off x="0" y="0"/>
+          <a:ext cx="0" cy="0"/>
+          <a:chOff x="0" y="0"/>
+          <a:chExt cx="0" cy="0"/>
+        </a:xfrm>
+      </p:grpSpPr>
+      <p:graphicFrame>
+        <p:nvGraphicFramePr>
+          <p:cNvPr id="2" name="표 1"/>
+          <p:cNvGraphicFramePr>
+            <a:graphicFrameLocks noGrp="1"/>
+          </p:cNvGraphicFramePr>
+          <p:nvPr>
+            <p:extLst/>
+          </p:nvPr>
+        </p:nvGraphicFramePr>
+        <p:xfrm>
+          <a:off x="1072857" y="861767"/>
+          <a:ext cx="22420190" cy="12485294"/>
+        </p:xfrm>
+        <a:graphic>
+          <a:graphicData uri="http://schemas.openxmlformats.org/drawingml/2006/table">
+            <a:tbl>
+              <a:tblPr>
+                <a:tableStyleId>{5940675A-B579-460E-94D1-54222C63F5DA}</a:tableStyleId>
+              </a:tblPr>
+              <a:tblGrid>
+                <a:gridCol w="15677800">
+                  <a:extLst>
+                    <a:ext uri="{9D8B030D-6E8A-4147-A177-3AD203B41FA5}">
+                      <a16:colId xmlns:a16="http://schemas.microsoft.com/office/drawing/2014/main" val="20000"/>
+                    </a:ext>
+                  </a:extLst>
+                </a:gridCol>
+                <a:gridCol w="6742390">
+                  <a:extLst>
+                    <a:ext uri="{9D8B030D-6E8A-4147-A177-3AD203B41FA5}">
+                      <a16:colId xmlns:a16="http://schemas.microsoft.com/office/drawing/2014/main" val="20001"/>
+                    </a:ext>
+                  </a:extLst>
+                </a:gridCol>
+              </a:tblGrid>
+              <a:tr h="586174">
+                <a:tc>
+                  <a:txBody>
+                    <a:bodyPr/>
+                    <a:lstStyle/>
+                    <a:p>
+                      <a:pPr algn="ctr"/>
+                      <a:r>
+                        <a:rPr lang="ko-KR" altLang="en-US" sz="3600" dirty="0"/>
+                        <a:t>검증 함수</a:t>
+                      </a:r>
+                      <a:endParaRPr lang="ko-KR" altLang="en-US" sz="3600" b="1" dirty="0"/>
+                    </a:p>
+                  </a:txBody>
+                  <a:tcPr marL="32472" marR="32472" marT="16236" marB="16236" anchor="ctr"/>
+                </a:tc>
+                <a:tc>
+                  <a:txBody>
+                    <a:bodyPr/>
+                    <a:lstStyle/>
+                    <a:p>
+                      <a:pPr algn="ctr"/>
+                      <a:r>
+                        <a:rPr lang="ko-KR" altLang="en-US" sz="3600" dirty="0"/>
+                        <a:t>설명</a:t>
+                      </a:r>
+                      <a:endParaRPr lang="ko-KR" altLang="en-US" sz="3600" b="1" dirty="0"/>
+                    </a:p>
+                  </a:txBody>
+                  <a:tcPr marL="32472" marR="32472" marT="16236" marB="16236" anchor="ctr"/>
+                </a:tc>
+                <a:extLst>
+                  <a:ext uri="{0D108BD9-81ED-4DB2-BD59-A6C34878D82A}">
+                    <a16:rowId xmlns:a16="http://schemas.microsoft.com/office/drawing/2014/main" val="10000"/>
+                  </a:ext>
+                </a:extLst>
+              </a:tr>
+              <a:tr h="1139590">
+                <a:tc>
+                  <a:txBody>
+                    <a:bodyPr/>
+                    <a:lstStyle/>
+                    <a:p>
+                      <a:r>
+                        <a:rPr lang="en-US" sz="3600" dirty="0" err="1"/>
+                        <a:t>AreEqual</a:t>
+                      </a:r>
+                      <a:r>
+                        <a:rPr lang="en-US" sz="3600" dirty="0"/>
+                        <a:t>&lt;T&gt;(</a:t>
+                      </a:r>
+                      <a:r>
+                        <a:rPr lang="en-US" sz="3600" dirty="0" err="1"/>
+                        <a:t>const</a:t>
+                      </a:r>
+                      <a:r>
+                        <a:rPr lang="en-US" sz="3600" dirty="0"/>
+                        <a:t> T&amp; expected, </a:t>
+                      </a:r>
+                      <a:r>
+                        <a:rPr lang="en-US" sz="3600" dirty="0" err="1"/>
+                        <a:t>const</a:t>
+                      </a:r>
+                      <a:r>
+                        <a:rPr lang="en-US" sz="3600" dirty="0"/>
+                        <a:t> T&amp; actual)</a:t>
+                      </a:r>
+                    </a:p>
+                  </a:txBody>
+                  <a:tcPr marL="32472" marR="32472" marT="16236" marB="16236" anchor="ctr"/>
+                </a:tc>
+                <a:tc>
+                  <a:txBody>
+                    <a:bodyPr/>
+                    <a:lstStyle/>
+                    <a:p>
+                      <a:r>
+                        <a:rPr lang="en-US" sz="3600"/>
+                        <a:t>expected == actual</a:t>
+                      </a:r>
+                    </a:p>
+                  </a:txBody>
+                  <a:tcPr marL="32472" marR="32472" marT="16236" marB="16236" anchor="ctr"/>
+                </a:tc>
+                <a:extLst>
+                  <a:ext uri="{0D108BD9-81ED-4DB2-BD59-A6C34878D82A}">
+                    <a16:rowId xmlns:a16="http://schemas.microsoft.com/office/drawing/2014/main" val="10001"/>
+                  </a:ext>
+                </a:extLst>
+              </a:tr>
+              <a:tr h="1139590">
+                <a:tc>
+                  <a:txBody>
+                    <a:bodyPr/>
+                    <a:lstStyle/>
+                    <a:p>
+                      <a:r>
+                        <a:rPr lang="en-US" sz="3600" dirty="0" err="1"/>
+                        <a:t>AreEqual</a:t>
+                      </a:r>
+                      <a:r>
+                        <a:rPr lang="en-US" sz="3600" dirty="0"/>
+                        <a:t>(double expected, double actual, double tolerance)</a:t>
+                      </a:r>
+                    </a:p>
+                  </a:txBody>
+                  <a:tcPr marL="32472" marR="32472" marT="16236" marB="16236" anchor="ctr"/>
+                </a:tc>
+                <a:tc rowSpan="2">
+                  <a:txBody>
+                    <a:bodyPr/>
+                    <a:lstStyle/>
+                    <a:p>
+                      <a:r>
+                        <a:rPr lang="en-US" sz="3600" dirty="0"/>
+                        <a:t>|expected-actual| &lt;= |tolerance|</a:t>
+                      </a:r>
+                    </a:p>
+                  </a:txBody>
+                  <a:tcPr marL="32472" marR="32472" marT="16236" marB="16236" anchor="ctr"/>
+                </a:tc>
+                <a:extLst>
+                  <a:ext uri="{0D108BD9-81ED-4DB2-BD59-A6C34878D82A}">
+                    <a16:rowId xmlns:a16="http://schemas.microsoft.com/office/drawing/2014/main" val="10002"/>
+                  </a:ext>
+                </a:extLst>
+              </a:tr>
+              <a:tr h="1122146">
+                <a:tc>
+                  <a:txBody>
+                    <a:bodyPr/>
+                    <a:lstStyle/>
+                    <a:p>
+                      <a:r>
+                        <a:rPr lang="en-US" sz="3600" dirty="0" err="1"/>
+                        <a:t>AreEqual</a:t>
+                      </a:r>
+                      <a:r>
+                        <a:rPr lang="en-US" sz="3600" dirty="0"/>
+                        <a:t>(float expected, float actual, float tolerance)</a:t>
+                      </a:r>
+                    </a:p>
+                  </a:txBody>
+                  <a:tcPr marL="32472" marR="32472" marT="16236" marB="16236" anchor="ctr"/>
+                </a:tc>
+                <a:tc vMerge="1">
+                  <a:txBody>
+                    <a:bodyPr/>
+                    <a:lstStyle/>
+                    <a:p>
+                      <a:pPr latinLnBrk="1"/>
+                      <a:endParaRPr lang="ko-KR" altLang="en-US"/>
+                    </a:p>
+                  </a:txBody>
+                  <a:tcPr/>
+                </a:tc>
+                <a:extLst>
+                  <a:ext uri="{0D108BD9-81ED-4DB2-BD59-A6C34878D82A}">
+                    <a16:rowId xmlns:a16="http://schemas.microsoft.com/office/drawing/2014/main" val="10003"/>
+                  </a:ext>
+                </a:extLst>
+              </a:tr>
+              <a:tr h="1693008">
+                <a:tc>
+                  <a:txBody>
+                    <a:bodyPr/>
+                    <a:lstStyle/>
+                    <a:p>
+                      <a:r>
+                        <a:rPr lang="en-US" sz="3600" dirty="0" err="1"/>
+                        <a:t>AreEqual</a:t>
+                      </a:r>
+                      <a:r>
+                        <a:rPr lang="en-US" sz="3600" dirty="0"/>
+                        <a:t>(</a:t>
+                      </a:r>
+                      <a:r>
+                        <a:rPr lang="en-US" sz="3600" dirty="0" err="1"/>
+                        <a:t>const</a:t>
+                      </a:r>
+                      <a:r>
+                        <a:rPr lang="en-US" sz="3600" dirty="0"/>
+                        <a:t> char* expected, </a:t>
+                      </a:r>
+                      <a:r>
+                        <a:rPr lang="en-US" sz="3600" dirty="0" err="1"/>
+                        <a:t>const</a:t>
+                      </a:r>
+                      <a:r>
+                        <a:rPr lang="en-US" sz="3600" dirty="0"/>
+                        <a:t> char* actual, bool </a:t>
+                      </a:r>
+                      <a:r>
+                        <a:rPr lang="en-US" sz="3600" dirty="0" err="1"/>
+                        <a:t>ignoreCase</a:t>
+                      </a:r>
+                      <a:r>
+                        <a:rPr lang="en-US" sz="3600" dirty="0"/>
+                        <a:t> =false)</a:t>
+                      </a:r>
+                    </a:p>
+                  </a:txBody>
+                  <a:tcPr marL="32472" marR="32472" marT="16236" marB="16236" anchor="ctr"/>
+                </a:tc>
+                <a:tc rowSpan="2">
+                  <a:txBody>
+                    <a:bodyPr/>
+                    <a:lstStyle/>
+                    <a:p>
+                      <a:r>
+                        <a:rPr lang="ko-KR" altLang="en-US" sz="3600" dirty="0"/>
+                        <a:t>문자열로서 등가</a:t>
+                      </a:r>
+                      <a:endParaRPr lang="ja-JP" altLang="en-US" sz="3600" dirty="0"/>
+                    </a:p>
+                  </a:txBody>
+                  <a:tcPr marL="32472" marR="32472" marT="16236" marB="16236" anchor="ctr"/>
+                </a:tc>
+                <a:extLst>
+                  <a:ext uri="{0D108BD9-81ED-4DB2-BD59-A6C34878D82A}">
+                    <a16:rowId xmlns:a16="http://schemas.microsoft.com/office/drawing/2014/main" val="10004"/>
+                  </a:ext>
+                </a:extLst>
+              </a:tr>
+              <a:tr h="1693008">
+                <a:tc>
+                  <a:txBody>
+                    <a:bodyPr/>
+                    <a:lstStyle/>
+                    <a:p>
+                      <a:r>
+                        <a:rPr lang="en-US" sz="3600" dirty="0" err="1"/>
+                        <a:t>AreEqual</a:t>
+                      </a:r>
+                      <a:r>
+                        <a:rPr lang="en-US" sz="3600" dirty="0"/>
+                        <a:t>(</a:t>
+                      </a:r>
+                      <a:r>
+                        <a:rPr lang="en-US" sz="3600" dirty="0" err="1"/>
+                        <a:t>const</a:t>
+                      </a:r>
+                      <a:r>
+                        <a:rPr lang="en-US" sz="3600" dirty="0"/>
+                        <a:t> </a:t>
+                      </a:r>
+                      <a:r>
+                        <a:rPr lang="en-US" sz="3600" dirty="0" err="1"/>
+                        <a:t>wchar_t</a:t>
+                      </a:r>
+                      <a:r>
+                        <a:rPr lang="en-US" sz="3600" dirty="0"/>
+                        <a:t>* expected, </a:t>
+                      </a:r>
+                      <a:r>
+                        <a:rPr lang="en-US" sz="3600" dirty="0" err="1"/>
+                        <a:t>const</a:t>
+                      </a:r>
+                      <a:r>
+                        <a:rPr lang="en-US" sz="3600" dirty="0"/>
+                        <a:t> </a:t>
+                      </a:r>
+                      <a:r>
+                        <a:rPr lang="en-US" sz="3600" dirty="0" err="1"/>
+                        <a:t>wchar_t</a:t>
+                      </a:r>
+                      <a:r>
+                        <a:rPr lang="en-US" sz="3600" dirty="0"/>
+                        <a:t>* actual, bool </a:t>
+                      </a:r>
+                      <a:r>
+                        <a:rPr lang="en-US" sz="3600" dirty="0" err="1"/>
+                        <a:t>ignoreCase</a:t>
+                      </a:r>
+                      <a:r>
+                        <a:rPr lang="en-US" sz="3600" dirty="0"/>
+                        <a:t> =false)</a:t>
+                      </a:r>
+                    </a:p>
+                  </a:txBody>
+                  <a:tcPr marL="32472" marR="32472" marT="16236" marB="16236" anchor="ctr"/>
+                </a:tc>
+                <a:tc vMerge="1">
+                  <a:txBody>
+                    <a:bodyPr/>
+                    <a:lstStyle/>
+                    <a:p>
+                      <a:pPr latinLnBrk="1"/>
+                      <a:endParaRPr lang="ko-KR" altLang="en-US"/>
+                    </a:p>
+                  </a:txBody>
+                  <a:tcPr/>
+                </a:tc>
+                <a:extLst>
+                  <a:ext uri="{0D108BD9-81ED-4DB2-BD59-A6C34878D82A}">
+                    <a16:rowId xmlns:a16="http://schemas.microsoft.com/office/drawing/2014/main" val="10005"/>
+                  </a:ext>
+                </a:extLst>
+              </a:tr>
+              <a:tr h="1139590">
+                <a:tc>
+                  <a:txBody>
+                    <a:bodyPr/>
+                    <a:lstStyle/>
+                    <a:p>
+                      <a:r>
+                        <a:rPr lang="en-US" sz="3600" dirty="0" err="1"/>
+                        <a:t>AreSame</a:t>
+                      </a:r>
+                      <a:r>
+                        <a:rPr lang="en-US" sz="3600" dirty="0"/>
+                        <a:t>&lt;T&gt;(</a:t>
+                      </a:r>
+                      <a:r>
+                        <a:rPr lang="en-US" sz="3600" dirty="0" err="1"/>
+                        <a:t>const</a:t>
+                      </a:r>
+                      <a:r>
+                        <a:rPr lang="en-US" sz="3600" dirty="0"/>
+                        <a:t> T&amp; expected, </a:t>
+                      </a:r>
+                      <a:r>
+                        <a:rPr lang="en-US" sz="3600" dirty="0" err="1"/>
+                        <a:t>const</a:t>
+                      </a:r>
+                      <a:r>
+                        <a:rPr lang="en-US" sz="3600" dirty="0"/>
+                        <a:t> T&amp; actual)</a:t>
+                      </a:r>
+                    </a:p>
+                  </a:txBody>
+                  <a:tcPr marL="32472" marR="32472" marT="16236" marB="16236" anchor="ctr"/>
+                </a:tc>
+                <a:tc>
+                  <a:txBody>
+                    <a:bodyPr/>
+                    <a:lstStyle/>
+                    <a:p>
+                      <a:r>
+                        <a:rPr lang="en-US" sz="3600" dirty="0"/>
+                        <a:t>&amp;expected == &amp;actual</a:t>
+                      </a:r>
+                    </a:p>
+                  </a:txBody>
+                  <a:tcPr marL="32472" marR="32472" marT="16236" marB="16236" anchor="ctr"/>
+                </a:tc>
+                <a:extLst>
+                  <a:ext uri="{0D108BD9-81ED-4DB2-BD59-A6C34878D82A}">
+                    <a16:rowId xmlns:a16="http://schemas.microsoft.com/office/drawing/2014/main" val="10006"/>
+                  </a:ext>
+                </a:extLst>
+              </a:tr>
+              <a:tr h="1139590">
+                <a:tc>
+                  <a:txBody>
+                    <a:bodyPr/>
+                    <a:lstStyle/>
+                    <a:p>
+                      <a:r>
+                        <a:rPr lang="en-US" sz="3600" dirty="0" err="1"/>
+                        <a:t>AreNotEqual</a:t>
+                      </a:r>
+                      <a:r>
+                        <a:rPr lang="en-US" sz="3600" dirty="0"/>
+                        <a:t>&lt;T&gt;(</a:t>
+                      </a:r>
+                      <a:r>
+                        <a:rPr lang="en-US" sz="3600" dirty="0" err="1"/>
+                        <a:t>const</a:t>
+                      </a:r>
+                      <a:r>
+                        <a:rPr lang="en-US" sz="3600" dirty="0"/>
+                        <a:t> T&amp; </a:t>
+                      </a:r>
+                      <a:r>
+                        <a:rPr lang="en-US" sz="3600" dirty="0" err="1"/>
+                        <a:t>notExpected</a:t>
+                      </a:r>
+                      <a:r>
+                        <a:rPr lang="en-US" sz="3600" dirty="0"/>
+                        <a:t>, </a:t>
+                      </a:r>
+                      <a:r>
+                        <a:rPr lang="en-US" sz="3600" dirty="0" err="1"/>
+                        <a:t>const</a:t>
+                      </a:r>
+                      <a:r>
+                        <a:rPr lang="en-US" sz="3600" dirty="0"/>
+                        <a:t> T&amp; actual)</a:t>
+                      </a:r>
+                    </a:p>
+                  </a:txBody>
+                  <a:tcPr marL="32472" marR="32472" marT="16236" marB="16236" anchor="ctr"/>
+                </a:tc>
+                <a:tc>
+                  <a:txBody>
+                    <a:bodyPr/>
+                    <a:lstStyle/>
+                    <a:p>
+                      <a:r>
+                        <a:rPr lang="en-US" sz="3600" dirty="0"/>
+                        <a:t>!(</a:t>
+                      </a:r>
+                      <a:r>
+                        <a:rPr lang="en-US" sz="3600" dirty="0" err="1"/>
+                        <a:t>notExpected</a:t>
+                      </a:r>
+                      <a:r>
+                        <a:rPr lang="en-US" sz="3600" dirty="0"/>
+                        <a:t> == actual)</a:t>
+                      </a:r>
+                    </a:p>
+                  </a:txBody>
+                  <a:tcPr marL="32472" marR="32472" marT="16236" marB="16236" anchor="ctr"/>
+                </a:tc>
+                <a:extLst>
+                  <a:ext uri="{0D108BD9-81ED-4DB2-BD59-A6C34878D82A}">
+                    <a16:rowId xmlns:a16="http://schemas.microsoft.com/office/drawing/2014/main" val="10007"/>
+                  </a:ext>
+                </a:extLst>
+              </a:tr>
+              <a:tr h="1693008">
+                <a:tc>
+                  <a:txBody>
+                    <a:bodyPr/>
+                    <a:lstStyle/>
+                    <a:p>
+                      <a:r>
+                        <a:rPr lang="en-US" sz="3600" dirty="0" err="1"/>
+                        <a:t>AreNotEqual</a:t>
+                      </a:r>
+                      <a:r>
+                        <a:rPr lang="en-US" sz="3600" dirty="0"/>
+                        <a:t>(double </a:t>
+                      </a:r>
+                      <a:r>
+                        <a:rPr lang="en-US" sz="3600" dirty="0" err="1"/>
+                        <a:t>notExpected</a:t>
+                      </a:r>
+                      <a:r>
+                        <a:rPr lang="en-US" sz="3600" dirty="0"/>
+                        <a:t>, double actual, double tolerance)</a:t>
+                      </a:r>
+                    </a:p>
+                  </a:txBody>
+                  <a:tcPr marL="32472" marR="32472" marT="16236" marB="16236" anchor="ctr"/>
+                </a:tc>
+                <a:tc rowSpan="2">
+                  <a:txBody>
+                    <a:bodyPr/>
+                    <a:lstStyle/>
+                    <a:p>
+                      <a:r>
+                        <a:rPr lang="en-US" sz="3600" dirty="0"/>
+                        <a:t>|</a:t>
+                      </a:r>
+                      <a:r>
+                        <a:rPr lang="en-US" sz="3600" dirty="0" err="1"/>
+                        <a:t>notExpected</a:t>
+                      </a:r>
+                      <a:r>
+                        <a:rPr lang="en-US" sz="3600" dirty="0"/>
+                        <a:t>-actual| &gt; |tolerance|</a:t>
+                      </a:r>
+                    </a:p>
+                  </a:txBody>
+                  <a:tcPr marL="32472" marR="32472" marT="16236" marB="16236" anchor="ctr"/>
+                </a:tc>
+                <a:extLst>
+                  <a:ext uri="{0D108BD9-81ED-4DB2-BD59-A6C34878D82A}">
+                    <a16:rowId xmlns:a16="http://schemas.microsoft.com/office/drawing/2014/main" val="10008"/>
+                  </a:ext>
+                </a:extLst>
+              </a:tr>
+              <a:tr h="1139590">
+                <a:tc>
+                  <a:txBody>
+                    <a:bodyPr/>
+                    <a:lstStyle/>
+                    <a:p>
+                      <a:r>
+                        <a:rPr lang="en-US" sz="3600" dirty="0" err="1"/>
+                        <a:t>AreNotEqual</a:t>
+                      </a:r>
+                      <a:r>
+                        <a:rPr lang="en-US" sz="3600" dirty="0"/>
+                        <a:t>(float </a:t>
+                      </a:r>
+                      <a:r>
+                        <a:rPr lang="en-US" sz="3600" dirty="0" err="1"/>
+                        <a:t>notExpected</a:t>
+                      </a:r>
+                      <a:r>
+                        <a:rPr lang="en-US" sz="3600" dirty="0"/>
+                        <a:t>, float actual, float tolerance)</a:t>
+                      </a:r>
+                    </a:p>
+                  </a:txBody>
+                  <a:tcPr marL="32472" marR="32472" marT="16236" marB="16236" anchor="ctr"/>
+                </a:tc>
+                <a:tc vMerge="1">
+                  <a:txBody>
+                    <a:bodyPr/>
+                    <a:lstStyle/>
+                    <a:p>
+                      <a:pPr latinLnBrk="1"/>
+                      <a:endParaRPr lang="ko-KR" altLang="en-US"/>
+                    </a:p>
+                  </a:txBody>
+                  <a:tcPr/>
+                </a:tc>
+                <a:extLst>
+                  <a:ext uri="{0D108BD9-81ED-4DB2-BD59-A6C34878D82A}">
+                    <a16:rowId xmlns:a16="http://schemas.microsoft.com/office/drawing/2014/main" val="10009"/>
+                  </a:ext>
+                </a:extLst>
+              </a:tr>
+            </a:tbl>
+          </a:graphicData>
+        </a:graphic>
+      </p:graphicFrame>
+    </p:spTree>
+    <p:extLst>
+      <p:ext uri="{BB962C8B-B14F-4D97-AF65-F5344CB8AC3E}">
+        <p14:creationId xmlns:p14="http://schemas.microsoft.com/office/powerpoint/2010/main" val="2151034684"/>
+      </p:ext>
+    </p:extLst>
+  </p:cSld>
+  <p:clrMapOvr>
+    <a:masterClrMapping/>
+  </p:clrMapOvr>
+</p:sld>
+</file>
+
+<file path=ppt/slides/slide41.xml><?xml version="1.0" encoding="utf-8"?>
+<p:sld xmlns:a="http://schemas.openxmlformats.org/drawingml/2006/main" xmlns:r="http://schemas.openxmlformats.org/officeDocument/2006/relationships" xmlns:p="http://schemas.openxmlformats.org/presentationml/2006/main">
+  <p:cSld>
+    <p:spTree>
+      <p:nvGrpSpPr>
+        <p:cNvPr id="1" name=""/>
+        <p:cNvGrpSpPr/>
+        <p:nvPr/>
+      </p:nvGrpSpPr>
+      <p:grpSpPr>
+        <a:xfrm>
+          <a:off x="0" y="0"/>
+          <a:ext cx="0" cy="0"/>
+          <a:chOff x="0" y="0"/>
+          <a:chExt cx="0" cy="0"/>
+        </a:xfrm>
+      </p:grpSpPr>
+      <p:graphicFrame>
+        <p:nvGraphicFramePr>
+          <p:cNvPr id="2" name="표 1"/>
+          <p:cNvGraphicFramePr>
+            <a:graphicFrameLocks noGrp="1"/>
+          </p:cNvGraphicFramePr>
+          <p:nvPr>
+            <p:extLst/>
+          </p:nvPr>
+        </p:nvGraphicFramePr>
+        <p:xfrm>
+          <a:off x="1354211" y="974309"/>
+          <a:ext cx="21280502" cy="12014838"/>
+        </p:xfrm>
+        <a:graphic>
+          <a:graphicData uri="http://schemas.openxmlformats.org/drawingml/2006/table">
+            <a:tbl>
+              <a:tblPr>
+                <a:tableStyleId>{5940675A-B579-460E-94D1-54222C63F5DA}</a:tableStyleId>
+              </a:tblPr>
+              <a:tblGrid>
+                <a:gridCol w="14880848">
+                  <a:extLst>
+                    <a:ext uri="{9D8B030D-6E8A-4147-A177-3AD203B41FA5}">
+                      <a16:colId xmlns:a16="http://schemas.microsoft.com/office/drawing/2014/main" val="20000"/>
+                    </a:ext>
+                  </a:extLst>
+                </a:gridCol>
+                <a:gridCol w="6399654">
+                  <a:extLst>
+                    <a:ext uri="{9D8B030D-6E8A-4147-A177-3AD203B41FA5}">
+                      <a16:colId xmlns:a16="http://schemas.microsoft.com/office/drawing/2014/main" val="20001"/>
+                    </a:ext>
+                  </a:extLst>
+                </a:gridCol>
+              </a:tblGrid>
+              <a:tr h="586174">
+                <a:tc>
+                  <a:txBody>
+                    <a:bodyPr/>
+                    <a:lstStyle/>
+                    <a:p>
+                      <a:pPr algn="ctr"/>
+                      <a:r>
+                        <a:rPr lang="ko-KR" altLang="en-US" sz="3600" dirty="0"/>
+                        <a:t>검증 함수</a:t>
+                      </a:r>
+                      <a:endParaRPr lang="ko-KR" altLang="en-US" sz="3600" b="1" dirty="0"/>
+                    </a:p>
+                  </a:txBody>
+                  <a:tcPr marL="32472" marR="32472" marT="16236" marB="16236" anchor="ctr"/>
+                </a:tc>
+                <a:tc>
+                  <a:txBody>
+                    <a:bodyPr/>
+                    <a:lstStyle/>
+                    <a:p>
+                      <a:pPr algn="ctr"/>
+                      <a:r>
+                        <a:rPr lang="ko-KR" altLang="en-US" sz="3600" dirty="0"/>
+                        <a:t>설명</a:t>
+                      </a:r>
+                      <a:endParaRPr lang="ko-KR" altLang="en-US" sz="3600" b="1" dirty="0"/>
+                    </a:p>
+                  </a:txBody>
+                  <a:tcPr marL="32472" marR="32472" marT="16236" marB="16236" anchor="ctr"/>
+                </a:tc>
+                <a:extLst>
+                  <a:ext uri="{0D108BD9-81ED-4DB2-BD59-A6C34878D82A}">
+                    <a16:rowId xmlns:a16="http://schemas.microsoft.com/office/drawing/2014/main" val="10000"/>
+                  </a:ext>
+                </a:extLst>
+              </a:tr>
+              <a:tr h="1693008">
+                <a:tc>
+                  <a:txBody>
+                    <a:bodyPr/>
+                    <a:lstStyle/>
+                    <a:p>
+                      <a:r>
+                        <a:rPr lang="en-US" sz="3600" dirty="0" err="1"/>
+                        <a:t>AreNotEqual</a:t>
+                      </a:r>
+                      <a:r>
+                        <a:rPr lang="en-US" sz="3600" dirty="0"/>
+                        <a:t>(</a:t>
+                      </a:r>
+                      <a:r>
+                        <a:rPr lang="en-US" sz="3600" dirty="0" err="1"/>
+                        <a:t>const</a:t>
+                      </a:r>
+                      <a:r>
+                        <a:rPr lang="en-US" sz="3600" dirty="0"/>
+                        <a:t> char* </a:t>
+                      </a:r>
+                      <a:r>
+                        <a:rPr lang="en-US" sz="3600" dirty="0" err="1"/>
+                        <a:t>notExpected</a:t>
+                      </a:r>
+                      <a:r>
+                        <a:rPr lang="en-US" sz="3600" dirty="0"/>
+                        <a:t>, </a:t>
+                      </a:r>
+                      <a:r>
+                        <a:rPr lang="en-US" sz="3600" dirty="0" err="1"/>
+                        <a:t>const</a:t>
+                      </a:r>
+                      <a:r>
+                        <a:rPr lang="en-US" sz="3600" dirty="0"/>
+                        <a:t> char* actual, bool </a:t>
+                      </a:r>
+                      <a:r>
+                        <a:rPr lang="en-US" sz="3600" dirty="0" err="1"/>
+                        <a:t>ignoreCase</a:t>
+                      </a:r>
+                      <a:r>
+                        <a:rPr lang="en-US" sz="3600" dirty="0"/>
+                        <a:t> =false)</a:t>
+                      </a:r>
+                    </a:p>
+                  </a:txBody>
+                  <a:tcPr marL="32472" marR="32472" marT="16236" marB="16236" anchor="ctr"/>
+                </a:tc>
+                <a:tc rowSpan="2">
+                  <a:txBody>
+                    <a:bodyPr/>
+                    <a:lstStyle/>
+                    <a:p>
+                      <a:r>
+                        <a:rPr lang="ko-KR" altLang="en-US" sz="3600" dirty="0"/>
+                        <a:t>문자열로서 등가가 아니다</a:t>
+                      </a:r>
+                      <a:endParaRPr lang="ja-JP" altLang="en-US" sz="3600" dirty="0"/>
+                    </a:p>
+                  </a:txBody>
+                  <a:tcPr marL="32472" marR="32472" marT="16236" marB="16236" anchor="ctr"/>
+                </a:tc>
+                <a:extLst>
+                  <a:ext uri="{0D108BD9-81ED-4DB2-BD59-A6C34878D82A}">
+                    <a16:rowId xmlns:a16="http://schemas.microsoft.com/office/drawing/2014/main" val="10001"/>
+                  </a:ext>
+                </a:extLst>
+              </a:tr>
+              <a:tr h="1693008">
+                <a:tc>
+                  <a:txBody>
+                    <a:bodyPr/>
+                    <a:lstStyle/>
+                    <a:p>
+                      <a:r>
+                        <a:rPr lang="en-US" sz="3600"/>
+                        <a:t>AreNotEqual(const wchar_t* notExpected, const wchar_t* actual, bool ignoreCase =false)</a:t>
+                      </a:r>
+                    </a:p>
+                  </a:txBody>
+                  <a:tcPr marL="32472" marR="32472" marT="16236" marB="16236" anchor="ctr"/>
+                </a:tc>
+                <a:tc vMerge="1">
+                  <a:txBody>
+                    <a:bodyPr/>
+                    <a:lstStyle/>
+                    <a:p>
+                      <a:pPr latinLnBrk="1"/>
+                      <a:endParaRPr lang="ko-KR" altLang="en-US"/>
+                    </a:p>
+                  </a:txBody>
+                  <a:tcPr/>
+                </a:tc>
+                <a:extLst>
+                  <a:ext uri="{0D108BD9-81ED-4DB2-BD59-A6C34878D82A}">
+                    <a16:rowId xmlns:a16="http://schemas.microsoft.com/office/drawing/2014/main" val="10002"/>
+                  </a:ext>
+                </a:extLst>
+              </a:tr>
+              <a:tr h="1139590">
+                <a:tc>
+                  <a:txBody>
+                    <a:bodyPr/>
+                    <a:lstStyle/>
+                    <a:p>
+                      <a:r>
+                        <a:rPr lang="en-US" sz="3600"/>
+                        <a:t>AreNotSame&lt;T&gt;(const T&amp; notExpected, const T&amp; actual)</a:t>
+                      </a:r>
+                    </a:p>
+                  </a:txBody>
+                  <a:tcPr marL="32472" marR="32472" marT="16236" marB="16236" anchor="ctr"/>
+                </a:tc>
+                <a:tc>
+                  <a:txBody>
+                    <a:bodyPr/>
+                    <a:lstStyle/>
+                    <a:p>
+                      <a:r>
+                        <a:rPr lang="en-US" sz="3600" dirty="0"/>
+                        <a:t>!(&amp;</a:t>
+                      </a:r>
+                      <a:r>
+                        <a:rPr lang="en-US" sz="3600" dirty="0" err="1"/>
+                        <a:t>notExpected</a:t>
+                      </a:r>
+                      <a:r>
+                        <a:rPr lang="en-US" sz="3600" dirty="0"/>
+                        <a:t> == &amp;actual)</a:t>
+                      </a:r>
+                    </a:p>
+                  </a:txBody>
+                  <a:tcPr marL="32472" marR="32472" marT="16236" marB="16236" anchor="ctr"/>
+                </a:tc>
+                <a:extLst>
+                  <a:ext uri="{0D108BD9-81ED-4DB2-BD59-A6C34878D82A}">
+                    <a16:rowId xmlns:a16="http://schemas.microsoft.com/office/drawing/2014/main" val="10003"/>
+                  </a:ext>
+                </a:extLst>
+              </a:tr>
+              <a:tr h="586174">
+                <a:tc>
+                  <a:txBody>
+                    <a:bodyPr/>
+                    <a:lstStyle/>
+                    <a:p>
+                      <a:r>
+                        <a:rPr lang="en-US" sz="3600"/>
+                        <a:t>IsNull&lt;T&gt;(const T* actual)</a:t>
+                      </a:r>
+                    </a:p>
+                  </a:txBody>
+                  <a:tcPr marL="32472" marR="32472" marT="16236" marB="16236" anchor="ctr"/>
+                </a:tc>
+                <a:tc>
+                  <a:txBody>
+                    <a:bodyPr/>
+                    <a:lstStyle/>
+                    <a:p>
+                      <a:r>
+                        <a:rPr lang="en-US" sz="3600" dirty="0"/>
+                        <a:t>actual == </a:t>
+                      </a:r>
+                      <a:r>
+                        <a:rPr lang="en-US" sz="3600" dirty="0" err="1"/>
+                        <a:t>nullptr</a:t>
+                      </a:r>
+                      <a:endParaRPr lang="en-US" sz="3600" dirty="0"/>
+                    </a:p>
+                  </a:txBody>
+                  <a:tcPr marL="32472" marR="32472" marT="16236" marB="16236" anchor="ctr"/>
+                </a:tc>
+                <a:extLst>
+                  <a:ext uri="{0D108BD9-81ED-4DB2-BD59-A6C34878D82A}">
+                    <a16:rowId xmlns:a16="http://schemas.microsoft.com/office/drawing/2014/main" val="10004"/>
+                  </a:ext>
+                </a:extLst>
+              </a:tr>
+              <a:tr h="586174">
+                <a:tc>
+                  <a:txBody>
+                    <a:bodyPr/>
+                    <a:lstStyle/>
+                    <a:p>
+                      <a:r>
+                        <a:rPr lang="en-US" sz="3600"/>
+                        <a:t>IsNotNull&lt;T&gt;(const T* actual)</a:t>
+                      </a:r>
+                    </a:p>
+                  </a:txBody>
+                  <a:tcPr marL="32472" marR="32472" marT="16236" marB="16236" anchor="ctr"/>
+                </a:tc>
+                <a:tc>
+                  <a:txBody>
+                    <a:bodyPr/>
+                    <a:lstStyle/>
+                    <a:p>
+                      <a:r>
+                        <a:rPr lang="en-US" sz="3600" dirty="0"/>
+                        <a:t>!(actual == </a:t>
+                      </a:r>
+                      <a:r>
+                        <a:rPr lang="en-US" sz="3600" dirty="0" err="1"/>
+                        <a:t>nullptr</a:t>
+                      </a:r>
+                      <a:r>
+                        <a:rPr lang="en-US" sz="3600" dirty="0"/>
+                        <a:t>)</a:t>
+                      </a:r>
+                    </a:p>
+                  </a:txBody>
+                  <a:tcPr marL="32472" marR="32472" marT="16236" marB="16236" anchor="ctr"/>
+                </a:tc>
+                <a:extLst>
+                  <a:ext uri="{0D108BD9-81ED-4DB2-BD59-A6C34878D82A}">
+                    <a16:rowId xmlns:a16="http://schemas.microsoft.com/office/drawing/2014/main" val="10005"/>
+                  </a:ext>
+                </a:extLst>
+              </a:tr>
+              <a:tr h="586174">
+                <a:tc>
+                  <a:txBody>
+                    <a:bodyPr/>
+                    <a:lstStyle/>
+                    <a:p>
+                      <a:r>
+                        <a:rPr lang="en-US" sz="3600"/>
+                        <a:t>IsTrue(bool condition)</a:t>
+                      </a:r>
+                    </a:p>
+                  </a:txBody>
+                  <a:tcPr marL="32472" marR="32472" marT="16236" marB="16236" anchor="ctr"/>
+                </a:tc>
+                <a:tc>
+                  <a:txBody>
+                    <a:bodyPr/>
+                    <a:lstStyle/>
+                    <a:p>
+                      <a:r>
+                        <a:rPr lang="en-US" sz="3600" dirty="0"/>
+                        <a:t>condition == true</a:t>
+                      </a:r>
+                    </a:p>
+                  </a:txBody>
+                  <a:tcPr marL="32472" marR="32472" marT="16236" marB="16236" anchor="ctr"/>
+                </a:tc>
+                <a:extLst>
+                  <a:ext uri="{0D108BD9-81ED-4DB2-BD59-A6C34878D82A}">
+                    <a16:rowId xmlns:a16="http://schemas.microsoft.com/office/drawing/2014/main" val="10006"/>
+                  </a:ext>
+                </a:extLst>
+              </a:tr>
+              <a:tr h="586174">
+                <a:tc>
+                  <a:txBody>
+                    <a:bodyPr/>
+                    <a:lstStyle/>
+                    <a:p>
+                      <a:r>
+                        <a:rPr lang="en-US" sz="3600"/>
+                        <a:t>IsFalse(bool condition)</a:t>
+                      </a:r>
+                    </a:p>
+                  </a:txBody>
+                  <a:tcPr marL="32472" marR="32472" marT="16236" marB="16236" anchor="ctr"/>
+                </a:tc>
+                <a:tc>
+                  <a:txBody>
+                    <a:bodyPr/>
+                    <a:lstStyle/>
+                    <a:p>
+                      <a:r>
+                        <a:rPr lang="en-US" sz="3600" dirty="0"/>
+                        <a:t>condition == false</a:t>
+                      </a:r>
+                    </a:p>
+                  </a:txBody>
+                  <a:tcPr marL="32472" marR="32472" marT="16236" marB="16236" anchor="ctr"/>
+                </a:tc>
+                <a:extLst>
+                  <a:ext uri="{0D108BD9-81ED-4DB2-BD59-A6C34878D82A}">
+                    <a16:rowId xmlns:a16="http://schemas.microsoft.com/office/drawing/2014/main" val="10007"/>
+                  </a:ext>
+                </a:extLst>
+              </a:tr>
+              <a:tr h="586174">
+                <a:tc>
+                  <a:txBody>
+                    <a:bodyPr/>
+                    <a:lstStyle/>
+                    <a:p>
+                      <a:r>
+                        <a:rPr lang="en-US" sz="3600"/>
+                        <a:t>Fail()</a:t>
+                      </a:r>
+                    </a:p>
+                  </a:txBody>
+                  <a:tcPr marL="32472" marR="32472" marT="16236" marB="16236" anchor="ctr"/>
+                </a:tc>
+                <a:tc>
+                  <a:txBody>
+                    <a:bodyPr/>
+                    <a:lstStyle/>
+                    <a:p>
+                      <a:r>
+                        <a:rPr lang="ko-KR" altLang="en-US" sz="3600" dirty="0"/>
+                        <a:t>실패</a:t>
+                      </a:r>
+                    </a:p>
+                  </a:txBody>
+                  <a:tcPr marL="32472" marR="32472" marT="16236" marB="16236" anchor="ctr"/>
+                </a:tc>
+                <a:extLst>
+                  <a:ext uri="{0D108BD9-81ED-4DB2-BD59-A6C34878D82A}">
+                    <a16:rowId xmlns:a16="http://schemas.microsoft.com/office/drawing/2014/main" val="10008"/>
+                  </a:ext>
+                </a:extLst>
+              </a:tr>
+              <a:tr h="1139590">
+                <a:tc>
+                  <a:txBody>
+                    <a:bodyPr/>
+                    <a:lstStyle/>
+                    <a:p>
+                      <a:r>
+                        <a:rPr lang="en-US" sz="3600"/>
+                        <a:t>AreEqual&lt;T&gt;(T^ expected, T^ actual)</a:t>
+                      </a:r>
+                    </a:p>
+                  </a:txBody>
+                  <a:tcPr marL="32472" marR="32472" marT="16236" marB="16236" anchor="ctr"/>
+                </a:tc>
+                <a:tc>
+                  <a:txBody>
+                    <a:bodyPr/>
+                    <a:lstStyle/>
+                    <a:p>
+                      <a:r>
+                        <a:rPr lang="en-US" sz="3600" dirty="0"/>
+                        <a:t>expected-&gt;Equals(actual)</a:t>
+                      </a:r>
+                    </a:p>
+                  </a:txBody>
+                  <a:tcPr marL="32472" marR="32472" marT="16236" marB="16236" anchor="ctr"/>
+                </a:tc>
+                <a:extLst>
+                  <a:ext uri="{0D108BD9-81ED-4DB2-BD59-A6C34878D82A}">
+                    <a16:rowId xmlns:a16="http://schemas.microsoft.com/office/drawing/2014/main" val="10009"/>
+                  </a:ext>
+                </a:extLst>
+              </a:tr>
+              <a:tr h="1693008">
+                <a:tc>
+                  <a:txBody>
+                    <a:bodyPr/>
+                    <a:lstStyle/>
+                    <a:p>
+                      <a:r>
+                        <a:rPr lang="en-US" sz="3600"/>
+                        <a:t>AreEqual(string^ expected, string^ actual, bool ignoreCase =false)</a:t>
+                      </a:r>
+                    </a:p>
+                  </a:txBody>
+                  <a:tcPr marL="32472" marR="32472" marT="16236" marB="16236" anchor="ctr"/>
+                </a:tc>
+                <a:tc>
+                  <a:txBody>
+                    <a:bodyPr/>
+                    <a:lstStyle/>
+                    <a:p>
+                      <a:r>
+                        <a:rPr lang="ko-KR" altLang="en-US" sz="3600" dirty="0"/>
+                        <a:t>문자열로서 등가</a:t>
+                      </a:r>
+                      <a:endParaRPr lang="ja-JP" altLang="en-US" sz="3600" dirty="0"/>
+                    </a:p>
+                  </a:txBody>
+                  <a:tcPr marL="32472" marR="32472" marT="16236" marB="16236" anchor="ctr"/>
+                </a:tc>
+                <a:extLst>
+                  <a:ext uri="{0D108BD9-81ED-4DB2-BD59-A6C34878D82A}">
+                    <a16:rowId xmlns:a16="http://schemas.microsoft.com/office/drawing/2014/main" val="10010"/>
+                  </a:ext>
+                </a:extLst>
+              </a:tr>
+              <a:tr h="1139590">
+                <a:tc>
+                  <a:txBody>
+                    <a:bodyPr/>
+                    <a:lstStyle/>
+                    <a:p>
+                      <a:r>
+                        <a:rPr lang="en-US" sz="3600"/>
+                        <a:t>AreSame&lt;T&gt;(T% expected, T% actual)</a:t>
+                      </a:r>
+                    </a:p>
+                  </a:txBody>
+                  <a:tcPr marL="32472" marR="32472" marT="16236" marB="16236" anchor="ctr"/>
+                </a:tc>
+                <a:tc>
+                  <a:txBody>
+                    <a:bodyPr/>
+                    <a:lstStyle/>
+                    <a:p>
+                      <a:r>
+                        <a:rPr lang="en-US" sz="3600" dirty="0"/>
+                        <a:t>%expected == %actual</a:t>
+                      </a:r>
+                    </a:p>
+                  </a:txBody>
+                  <a:tcPr marL="32472" marR="32472" marT="16236" marB="16236" anchor="ctr"/>
+                </a:tc>
+                <a:extLst>
+                  <a:ext uri="{0D108BD9-81ED-4DB2-BD59-A6C34878D82A}">
+                    <a16:rowId xmlns:a16="http://schemas.microsoft.com/office/drawing/2014/main" val="10011"/>
+                  </a:ext>
+                </a:extLst>
+              </a:tr>
+            </a:tbl>
+          </a:graphicData>
+        </a:graphic>
+      </p:graphicFrame>
+    </p:spTree>
+    <p:extLst>
+      <p:ext uri="{BB962C8B-B14F-4D97-AF65-F5344CB8AC3E}">
+        <p14:creationId xmlns:p14="http://schemas.microsoft.com/office/powerpoint/2010/main" val="608591987"/>
+      </p:ext>
+    </p:extLst>
+  </p:cSld>
+  <p:clrMapOvr>
+    <a:masterClrMapping/>
+  </p:clrMapOvr>
+</p:sld>
+</file>
+
+<file path=ppt/slides/slide42.xml><?xml version="1.0" encoding="utf-8"?>
+<p:sld xmlns:a="http://schemas.openxmlformats.org/drawingml/2006/main" xmlns:r="http://schemas.openxmlformats.org/officeDocument/2006/relationships" xmlns:p="http://schemas.openxmlformats.org/presentationml/2006/main">
+  <p:cSld>
+    <p:spTree>
+      <p:nvGrpSpPr>
+        <p:cNvPr id="1" name=""/>
+        <p:cNvGrpSpPr/>
+        <p:nvPr/>
+      </p:nvGrpSpPr>
+      <p:grpSpPr>
+        <a:xfrm>
+          <a:off x="0" y="0"/>
+          <a:ext cx="0" cy="0"/>
+          <a:chOff x="0" y="0"/>
+          <a:chExt cx="0" cy="0"/>
+        </a:xfrm>
+      </p:grpSpPr>
+      <p:graphicFrame>
+        <p:nvGraphicFramePr>
+          <p:cNvPr id="2" name="표 1"/>
+          <p:cNvGraphicFramePr>
+            <a:graphicFrameLocks noGrp="1"/>
+          </p:cNvGraphicFramePr>
+          <p:nvPr>
+            <p:extLst/>
+          </p:nvPr>
+        </p:nvGraphicFramePr>
+        <p:xfrm>
+          <a:off x="1354211" y="974308"/>
+          <a:ext cx="21280502" cy="8563308"/>
+        </p:xfrm>
+        <a:graphic>
+          <a:graphicData uri="http://schemas.openxmlformats.org/drawingml/2006/table">
+            <a:tbl>
+              <a:tblPr>
+                <a:tableStyleId>{5940675A-B579-460E-94D1-54222C63F5DA}</a:tableStyleId>
+              </a:tblPr>
+              <a:tblGrid>
+                <a:gridCol w="14880848">
+                  <a:extLst>
+                    <a:ext uri="{9D8B030D-6E8A-4147-A177-3AD203B41FA5}">
+                      <a16:colId xmlns:a16="http://schemas.microsoft.com/office/drawing/2014/main" val="20000"/>
+                    </a:ext>
+                  </a:extLst>
+                </a:gridCol>
+                <a:gridCol w="6399654">
+                  <a:extLst>
+                    <a:ext uri="{9D8B030D-6E8A-4147-A177-3AD203B41FA5}">
+                      <a16:colId xmlns:a16="http://schemas.microsoft.com/office/drawing/2014/main" val="20001"/>
+                    </a:ext>
+                  </a:extLst>
+                </a:gridCol>
+              </a:tblGrid>
+              <a:tr h="586174">
+                <a:tc>
+                  <a:txBody>
+                    <a:bodyPr/>
+                    <a:lstStyle/>
+                    <a:p>
+                      <a:pPr algn="ctr"/>
+                      <a:r>
+                        <a:rPr lang="ko-KR" altLang="en-US" sz="3600" dirty="0"/>
+                        <a:t>검증 함수</a:t>
+                      </a:r>
+                      <a:endParaRPr lang="ko-KR" altLang="en-US" sz="3600" b="1" dirty="0"/>
+                    </a:p>
+                  </a:txBody>
+                  <a:tcPr marL="32472" marR="32472" marT="16236" marB="16236" anchor="ctr"/>
+                </a:tc>
+                <a:tc>
+                  <a:txBody>
+                    <a:bodyPr/>
+                    <a:lstStyle/>
+                    <a:p>
+                      <a:pPr algn="ctr"/>
+                      <a:r>
+                        <a:rPr lang="ko-KR" altLang="en-US" sz="3600" dirty="0"/>
+                        <a:t>설명</a:t>
+                      </a:r>
+                      <a:endParaRPr lang="ko-KR" altLang="en-US" sz="3600" b="1" dirty="0"/>
+                    </a:p>
+                  </a:txBody>
+                  <a:tcPr marL="32472" marR="32472" marT="16236" marB="16236" anchor="ctr"/>
+                </a:tc>
+                <a:extLst>
+                  <a:ext uri="{0D108BD9-81ED-4DB2-BD59-A6C34878D82A}">
+                    <a16:rowId xmlns:a16="http://schemas.microsoft.com/office/drawing/2014/main" val="10000"/>
+                  </a:ext>
+                </a:extLst>
+              </a:tr>
+              <a:tr h="1139590">
+                <a:tc>
+                  <a:txBody>
+                    <a:bodyPr/>
+                    <a:lstStyle/>
+                    <a:p>
+                      <a:r>
+                        <a:rPr lang="en-US" sz="3600" dirty="0" err="1"/>
+                        <a:t>AreNotEqual</a:t>
+                      </a:r>
+                      <a:r>
+                        <a:rPr lang="en-US" sz="3600" dirty="0"/>
+                        <a:t>&lt;T&gt;(T^ </a:t>
+                      </a:r>
+                      <a:r>
+                        <a:rPr lang="en-US" sz="3600" dirty="0" err="1"/>
+                        <a:t>notExpected</a:t>
+                      </a:r>
+                      <a:r>
+                        <a:rPr lang="en-US" sz="3600" dirty="0"/>
+                        <a:t>, T^ actual)</a:t>
+                      </a:r>
+                    </a:p>
+                  </a:txBody>
+                  <a:tcPr marL="32472" marR="32472" marT="16236" marB="16236" anchor="ctr"/>
+                </a:tc>
+                <a:tc>
+                  <a:txBody>
+                    <a:bodyPr/>
+                    <a:lstStyle/>
+                    <a:p>
+                      <a:r>
+                        <a:rPr lang="en-US" sz="3600"/>
+                        <a:t>!expected-&gt;Equals(actual)</a:t>
+                      </a:r>
+                    </a:p>
+                  </a:txBody>
+                  <a:tcPr marL="32472" marR="32472" marT="16236" marB="16236" anchor="ctr"/>
+                </a:tc>
+                <a:extLst>
+                  <a:ext uri="{0D108BD9-81ED-4DB2-BD59-A6C34878D82A}">
+                    <a16:rowId xmlns:a16="http://schemas.microsoft.com/office/drawing/2014/main" val="10001"/>
+                  </a:ext>
+                </a:extLst>
+              </a:tr>
+              <a:tr h="1693008">
+                <a:tc>
+                  <a:txBody>
+                    <a:bodyPr/>
+                    <a:lstStyle/>
+                    <a:p>
+                      <a:r>
+                        <a:rPr lang="en-US" sz="3600" dirty="0" err="1"/>
+                        <a:t>AreNotEqual</a:t>
+                      </a:r>
+                      <a:r>
+                        <a:rPr lang="en-US" sz="3600" dirty="0"/>
+                        <a:t>(string^ </a:t>
+                      </a:r>
+                      <a:r>
+                        <a:rPr lang="en-US" sz="3600" dirty="0" err="1"/>
+                        <a:t>notExpected</a:t>
+                      </a:r>
+                      <a:r>
+                        <a:rPr lang="en-US" sz="3600" dirty="0"/>
+                        <a:t>, string^ actual, bool </a:t>
+                      </a:r>
+                      <a:r>
+                        <a:rPr lang="en-US" sz="3600" dirty="0" err="1"/>
+                        <a:t>ignoreCase</a:t>
+                      </a:r>
+                      <a:r>
+                        <a:rPr lang="en-US" sz="3600" dirty="0"/>
+                        <a:t> =false)</a:t>
+                      </a:r>
+                    </a:p>
+                  </a:txBody>
+                  <a:tcPr marL="32472" marR="32472" marT="16236" marB="16236" anchor="ctr"/>
+                </a:tc>
+                <a:tc>
+                  <a:txBody>
+                    <a:bodyPr/>
+                    <a:lstStyle/>
+                    <a:p>
+                      <a:r>
+                        <a:rPr lang="ko-KR" altLang="en-US" sz="3600" dirty="0"/>
+                        <a:t>문자열로서 등가가 아니다</a:t>
+                      </a:r>
+                      <a:endParaRPr lang="ja-JP" altLang="en-US" sz="3600" dirty="0"/>
+                    </a:p>
+                  </a:txBody>
+                  <a:tcPr marL="32472" marR="32472" marT="16236" marB="16236" anchor="ctr"/>
+                </a:tc>
+                <a:extLst>
+                  <a:ext uri="{0D108BD9-81ED-4DB2-BD59-A6C34878D82A}">
+                    <a16:rowId xmlns:a16="http://schemas.microsoft.com/office/drawing/2014/main" val="10002"/>
+                  </a:ext>
+                </a:extLst>
+              </a:tr>
+              <a:tr h="1139590">
+                <a:tc>
+                  <a:txBody>
+                    <a:bodyPr/>
+                    <a:lstStyle/>
+                    <a:p>
+                      <a:r>
+                        <a:rPr lang="en-US" sz="3600" dirty="0" err="1"/>
+                        <a:t>AreNotSame</a:t>
+                      </a:r>
+                      <a:r>
+                        <a:rPr lang="en-US" sz="3600" dirty="0"/>
+                        <a:t>&lt;T&gt;(T% </a:t>
+                      </a:r>
+                      <a:r>
+                        <a:rPr lang="en-US" sz="3600" dirty="0" err="1"/>
+                        <a:t>notExpected</a:t>
+                      </a:r>
+                      <a:r>
+                        <a:rPr lang="en-US" sz="3600" dirty="0"/>
+                        <a:t>, T% actual)</a:t>
+                      </a:r>
+                    </a:p>
+                  </a:txBody>
+                  <a:tcPr marL="32472" marR="32472" marT="16236" marB="16236" anchor="ctr"/>
+                </a:tc>
+                <a:tc>
+                  <a:txBody>
+                    <a:bodyPr/>
+                    <a:lstStyle/>
+                    <a:p>
+                      <a:r>
+                        <a:rPr lang="en-US" sz="3600" dirty="0"/>
+                        <a:t>!(%</a:t>
+                      </a:r>
+                      <a:r>
+                        <a:rPr lang="en-US" sz="3600" dirty="0" err="1"/>
+                        <a:t>notExpected</a:t>
+                      </a:r>
+                      <a:r>
+                        <a:rPr lang="en-US" sz="3600" dirty="0"/>
+                        <a:t> == %actual)</a:t>
+                      </a:r>
+                    </a:p>
+                  </a:txBody>
+                  <a:tcPr marL="32472" marR="32472" marT="16236" marB="16236" anchor="ctr"/>
+                </a:tc>
+                <a:extLst>
+                  <a:ext uri="{0D108BD9-81ED-4DB2-BD59-A6C34878D82A}">
+                    <a16:rowId xmlns:a16="http://schemas.microsoft.com/office/drawing/2014/main" val="10003"/>
+                  </a:ext>
+                </a:extLst>
+              </a:tr>
+              <a:tr h="586174">
+                <a:tc>
+                  <a:txBody>
+                    <a:bodyPr/>
+                    <a:lstStyle/>
+                    <a:p>
+                      <a:r>
+                        <a:rPr lang="en-US" sz="3600"/>
+                        <a:t>IsNull&lt;T&gt;(T^ actual)</a:t>
+                      </a:r>
+                    </a:p>
+                  </a:txBody>
+                  <a:tcPr marL="32472" marR="32472" marT="16236" marB="16236" anchor="ctr"/>
+                </a:tc>
+                <a:tc>
+                  <a:txBody>
+                    <a:bodyPr/>
+                    <a:lstStyle/>
+                    <a:p>
+                      <a:r>
+                        <a:rPr lang="en-US" sz="3600"/>
+                        <a:t>actual == nullptr</a:t>
+                      </a:r>
+                    </a:p>
+                  </a:txBody>
+                  <a:tcPr marL="32472" marR="32472" marT="16236" marB="16236" anchor="ctr"/>
+                </a:tc>
+                <a:extLst>
+                  <a:ext uri="{0D108BD9-81ED-4DB2-BD59-A6C34878D82A}">
+                    <a16:rowId xmlns:a16="http://schemas.microsoft.com/office/drawing/2014/main" val="10004"/>
+                  </a:ext>
+                </a:extLst>
+              </a:tr>
+              <a:tr h="586174">
+                <a:tc>
+                  <a:txBody>
+                    <a:bodyPr/>
+                    <a:lstStyle/>
+                    <a:p>
+                      <a:r>
+                        <a:rPr lang="en-US" sz="3600"/>
+                        <a:t>IsNotNull&lt;T&gt;(T^ actual)</a:t>
+                      </a:r>
+                    </a:p>
+                  </a:txBody>
+                  <a:tcPr marL="32472" marR="32472" marT="16236" marB="16236" anchor="ctr"/>
+                </a:tc>
+                <a:tc>
+                  <a:txBody>
+                    <a:bodyPr/>
+                    <a:lstStyle/>
+                    <a:p>
+                      <a:r>
+                        <a:rPr lang="en-US" sz="3600"/>
+                        <a:t>!(actual == nullptr)</a:t>
+                      </a:r>
+                    </a:p>
+                  </a:txBody>
+                  <a:tcPr marL="32472" marR="32472" marT="16236" marB="16236" anchor="ctr"/>
+                </a:tc>
+                <a:extLst>
+                  <a:ext uri="{0D108BD9-81ED-4DB2-BD59-A6C34878D82A}">
+                    <a16:rowId xmlns:a16="http://schemas.microsoft.com/office/drawing/2014/main" val="10005"/>
+                  </a:ext>
+                </a:extLst>
+              </a:tr>
+              <a:tr h="1139590">
+                <a:tc>
+                  <a:txBody>
+                    <a:bodyPr/>
+                    <a:lstStyle/>
+                    <a:p>
+                      <a:r>
+                        <a:rPr lang="en-US" sz="3600"/>
+                        <a:t>ExpectedException&lt;Exception,Functor&gt;(Functor functor)</a:t>
+                      </a:r>
+                    </a:p>
+                  </a:txBody>
+                  <a:tcPr marL="32472" marR="32472" marT="16236" marB="16236" anchor="ctr"/>
+                </a:tc>
+                <a:tc>
+                  <a:txBody>
+                    <a:bodyPr/>
+                    <a:lstStyle/>
+                    <a:p>
+                      <a:r>
+                        <a:rPr lang="en-US" sz="3600" dirty="0" err="1"/>
+                        <a:t>functor</a:t>
+                      </a:r>
+                      <a:r>
+                        <a:rPr lang="en-US" sz="3600" dirty="0"/>
+                        <a:t>()</a:t>
+                      </a:r>
+                      <a:r>
+                        <a:rPr lang="ko-KR" altLang="en-US" sz="3600" dirty="0"/>
+                        <a:t>이</a:t>
+                      </a:r>
+                      <a:r>
+                        <a:rPr lang="ja-JP" altLang="en-US" sz="3600" dirty="0"/>
+                        <a:t> </a:t>
+                      </a:r>
+                      <a:r>
+                        <a:rPr lang="en-US" sz="3600" dirty="0"/>
+                        <a:t>Exception</a:t>
+                      </a:r>
+                      <a:r>
+                        <a:rPr lang="ko-KR" altLang="en-US" sz="3600" dirty="0"/>
+                        <a:t>을</a:t>
+                      </a:r>
+                      <a:r>
+                        <a:rPr lang="ja-JP" altLang="en-US" sz="3600" dirty="0"/>
+                        <a:t> </a:t>
+                      </a:r>
+                      <a:r>
+                        <a:rPr lang="en-US" sz="3600" dirty="0"/>
+                        <a:t>throw </a:t>
+                      </a:r>
+                      <a:r>
+                        <a:rPr lang="ko-KR" altLang="en-US" sz="3600" dirty="0"/>
+                        <a:t>한다</a:t>
+                      </a:r>
+                      <a:endParaRPr lang="ja-JP" altLang="en-US" sz="3600" dirty="0"/>
+                    </a:p>
+                  </a:txBody>
+                  <a:tcPr marL="32472" marR="32472" marT="16236" marB="16236" anchor="ctr"/>
+                </a:tc>
+                <a:extLst>
+                  <a:ext uri="{0D108BD9-81ED-4DB2-BD59-A6C34878D82A}">
+                    <a16:rowId xmlns:a16="http://schemas.microsoft.com/office/drawing/2014/main" val="10006"/>
+                  </a:ext>
+                </a:extLst>
+              </a:tr>
+              <a:tr h="1693008">
+                <a:tc>
+                  <a:txBody>
+                    <a:bodyPr/>
+                    <a:lstStyle/>
+                    <a:p>
+                      <a:r>
+                        <a:rPr lang="en-US" sz="3600"/>
+                        <a:t>ExpectedException&lt;Exception,ReturnType&gt;(ReturnType (*func)())</a:t>
+                      </a:r>
+                    </a:p>
+                  </a:txBody>
+                  <a:tcPr marL="32472" marR="32472" marT="16236" marB="16236" anchor="ctr"/>
+                </a:tc>
+                <a:tc>
+                  <a:txBody>
+                    <a:bodyPr/>
+                    <a:lstStyle/>
+                    <a:p>
+                      <a:r>
+                        <a:rPr lang="en-US" sz="3600" dirty="0" err="1"/>
+                        <a:t>func</a:t>
+                      </a:r>
+                      <a:r>
+                        <a:rPr lang="en-US" sz="3600" dirty="0"/>
+                        <a:t>()</a:t>
+                      </a:r>
+                      <a:r>
+                        <a:rPr lang="ko-KR" altLang="en-US" sz="3600" dirty="0"/>
+                        <a:t>이</a:t>
+                      </a:r>
+                      <a:r>
+                        <a:rPr lang="ja-JP" altLang="en-US" sz="3600" dirty="0"/>
+                        <a:t> </a:t>
+                      </a:r>
+                      <a:r>
+                        <a:rPr lang="en-US" sz="3600" dirty="0"/>
+                        <a:t>Exception</a:t>
+                      </a:r>
+                      <a:r>
+                        <a:rPr lang="ko-KR" altLang="en-US" sz="3600" dirty="0"/>
+                        <a:t>을</a:t>
+                      </a:r>
+                      <a:r>
+                        <a:rPr lang="ja-JP" altLang="en-US" sz="3600" dirty="0"/>
+                        <a:t> </a:t>
+                      </a:r>
+                      <a:r>
+                        <a:rPr lang="en-US" sz="3600" dirty="0"/>
+                        <a:t>throw </a:t>
+                      </a:r>
+                      <a:r>
+                        <a:rPr lang="ko-KR" altLang="en-US" sz="3600" dirty="0"/>
+                        <a:t>한다</a:t>
+                      </a:r>
+                      <a:endParaRPr lang="ja-JP" altLang="en-US" sz="3600" dirty="0"/>
+                    </a:p>
+                  </a:txBody>
+                  <a:tcPr marL="32472" marR="32472" marT="16236" marB="16236" anchor="ctr"/>
+                </a:tc>
+                <a:extLst>
+                  <a:ext uri="{0D108BD9-81ED-4DB2-BD59-A6C34878D82A}">
+                    <a16:rowId xmlns:a16="http://schemas.microsoft.com/office/drawing/2014/main" val="10007"/>
+                  </a:ext>
+                </a:extLst>
+              </a:tr>
+            </a:tbl>
+          </a:graphicData>
+        </a:graphic>
+      </p:graphicFrame>
+    </p:spTree>
+    <p:extLst>
+      <p:ext uri="{BB962C8B-B14F-4D97-AF65-F5344CB8AC3E}">
+        <p14:creationId xmlns:p14="http://schemas.microsoft.com/office/powerpoint/2010/main" val="1492166880"/>
+      </p:ext>
+    </p:extLst>
+  </p:cSld>
+  <p:clrMapOvr>
+    <a:masterClrMapping/>
+  </p:clrMapOvr>
+</p:sld>
+</file>
+
+<file path=ppt/slides/slide43.xml><?xml version="1.0" encoding="utf-8"?>
+<p:sld xmlns:a="http://schemas.openxmlformats.org/drawingml/2006/main" xmlns:r="http://schemas.openxmlformats.org/officeDocument/2006/relationships" xmlns:p="http://schemas.openxmlformats.org/presentationml/2006/main">
+  <p:cSld>
+    <p:spTree>
+      <p:nvGrpSpPr>
+        <p:cNvPr id="1" name=""/>
+        <p:cNvGrpSpPr/>
+        <p:nvPr/>
+      </p:nvGrpSpPr>
+      <p:grpSpPr>
+        <a:xfrm>
+          <a:off x="0" y="0"/>
+          <a:ext cx="0" cy="0"/>
+          <a:chOff x="0" y="0"/>
+          <a:chExt cx="0" cy="0"/>
+        </a:xfrm>
+      </p:grpSpPr>
+      <p:pic>
+        <p:nvPicPr>
+          <p:cNvPr id="20482" name="Picture 2" descr="http://codezine.jp/static/images/article/6464/6464_fig07.gif">
+            <a:hlinkClick r:id="rId2"/>
+          </p:cNvPr>
+          <p:cNvPicPr>
+            <a:picLocks noChangeAspect="1" noChangeArrowheads="1"/>
+          </p:cNvPicPr>
+          <p:nvPr/>
+        </p:nvPicPr>
+        <p:blipFill>
+          <a:blip r:embed="rId3">
+            <a:extLst>
+              <a:ext uri="{28A0092B-C50C-407E-A947-70E740481C1C}">
+                <a14:useLocalDpi xmlns:a14="http://schemas.microsoft.com/office/drawing/2010/main" val="0"/>
+              </a:ext>
+            </a:extLst>
+          </a:blip>
+          <a:srcRect/>
+          <a:stretch>
+            <a:fillRect/>
+          </a:stretch>
+        </p:blipFill>
+        <p:spPr bwMode="auto">
+          <a:xfrm>
+            <a:off x="1052165" y="1283385"/>
+            <a:ext cx="13286686" cy="11612566"/>
+          </a:xfrm>
+          <a:prstGeom prst="rect">
+            <a:avLst/>
+          </a:prstGeom>
+          <a:noFill/>
+          <a:extLst>
+            <a:ext uri="{909E8E84-426E-40DD-AFC4-6F175D3DCCD1}">
+              <a14:hiddenFill xmlns:a14="http://schemas.microsoft.com/office/drawing/2010/main">
+                <a:solidFill>
+                  <a:srgbClr val="FFFFFF"/>
+                </a:solidFill>
+              </a14:hiddenFill>
+            </a:ext>
+          </a:extLst>
+        </p:spPr>
+      </p:pic>
+      <p:sp>
+        <p:nvSpPr>
+          <p:cNvPr id="2" name="TextBox 1"/>
+          <p:cNvSpPr txBox="1"/>
+          <p:nvPr/>
+        </p:nvSpPr>
+        <p:spPr>
+          <a:xfrm>
+            <a:off x="15213496" y="2544418"/>
+            <a:ext cx="7368208" cy="1754326"/>
+          </a:xfrm>
+          <a:prstGeom prst="rect">
+            <a:avLst/>
+          </a:prstGeom>
+          <a:noFill/>
+        </p:spPr>
+        <p:txBody>
+          <a:bodyPr wrap="square" rtlCol="0">
+            <a:spAutoFit/>
+          </a:bodyPr>
+          <a:lstStyle/>
+          <a:p>
+            <a:r>
+              <a:rPr lang="ko-KR" altLang="en-US" sz="3600" dirty="0"/>
+              <a:t>코드 커버리지</a:t>
+            </a:r>
+            <a:br>
+              <a:rPr lang="en-US" altLang="ko-KR" sz="3600" dirty="0"/>
+            </a:br>
+            <a:br>
+              <a:rPr lang="en-US" altLang="ko-KR" sz="3600" dirty="0"/>
+            </a:br>
+            <a:r>
+              <a:rPr lang="en-US" altLang="ko-KR" sz="3600" dirty="0"/>
+              <a:t>VS </a:t>
+            </a:r>
+            <a:r>
+              <a:rPr lang="ko-KR" altLang="en-US" sz="3600" dirty="0"/>
+              <a:t>버전 프로 이상</a:t>
+            </a:r>
+            <a:r>
+              <a:rPr lang="en-US" altLang="ko-KR" sz="3600" dirty="0"/>
+              <a:t>?</a:t>
+            </a:r>
+            <a:endParaRPr lang="ko-KR" altLang="en-US" sz="3600" dirty="0"/>
+          </a:p>
+        </p:txBody>
+      </p:sp>
+    </p:spTree>
+    <p:extLst>
+      <p:ext uri="{BB962C8B-B14F-4D97-AF65-F5344CB8AC3E}">
+        <p14:creationId xmlns:p14="http://schemas.microsoft.com/office/powerpoint/2010/main" val="4164506448"/>
+      </p:ext>
+    </p:extLst>
+  </p:cSld>
+  <p:clrMapOvr>
+    <a:masterClrMapping/>
+  </p:clrMapOvr>
+</p:sld>
+</file>
+
+<file path=ppt/slides/slide44.xml><?xml version="1.0" encoding="utf-8"?>
+<p:sld xmlns:a="http://schemas.openxmlformats.org/drawingml/2006/main" xmlns:r="http://schemas.openxmlformats.org/officeDocument/2006/relationships" xmlns:p="http://schemas.openxmlformats.org/presentationml/2006/main">
+  <p:cSld>
+    <p:spTree>
+      <p:nvGrpSpPr>
+        <p:cNvPr id="1" name=""/>
+        <p:cNvGrpSpPr/>
+        <p:nvPr/>
+      </p:nvGrpSpPr>
+      <p:grpSpPr>
+        <a:xfrm>
+          <a:off x="0" y="0"/>
+          <a:ext cx="0" cy="0"/>
+          <a:chOff x="0" y="0"/>
+          <a:chExt cx="0" cy="0"/>
+        </a:xfrm>
+      </p:grpSpPr>
+      <p:sp>
+        <p:nvSpPr>
+          <p:cNvPr id="2" name="직사각형 1"/>
+          <p:cNvSpPr/>
+          <p:nvPr/>
+        </p:nvSpPr>
+        <p:spPr>
+          <a:xfrm>
+            <a:off x="1667957" y="3255139"/>
+            <a:ext cx="20463174" cy="5078313"/>
+          </a:xfrm>
+          <a:prstGeom prst="rect">
+            <a:avLst/>
+          </a:prstGeom>
+        </p:spPr>
+        <p:txBody>
+          <a:bodyPr wrap="square">
+            <a:spAutoFit/>
+          </a:bodyPr>
+          <a:lstStyle/>
+          <a:p>
+            <a:r>
+              <a:rPr lang="en-US" altLang="ko-KR" sz="4800" b="1" dirty="0" err="1"/>
+              <a:t>GTest</a:t>
+            </a:r>
+            <a:br>
+              <a:rPr lang="en-US" altLang="ko-KR" sz="3600" dirty="0"/>
+            </a:br>
+            <a:r>
+              <a:rPr lang="en-US" altLang="ko-KR" sz="3600" dirty="0">
+                <a:hlinkClick r:id="rId2"/>
+              </a:rPr>
+              <a:t>https://github.com/google/googletest</a:t>
+            </a:r>
+            <a:br>
+              <a:rPr lang="en-US" altLang="ko-KR" sz="3600" dirty="0"/>
+            </a:br>
+            <a:endParaRPr lang="en-US" altLang="ko-KR" sz="3600" dirty="0"/>
+          </a:p>
+          <a:p>
+            <a:r>
+              <a:rPr lang="en-US" altLang="ko-KR" sz="4800" b="1" dirty="0" err="1"/>
+              <a:t>Boost.Test</a:t>
+            </a:r>
+            <a:br>
+              <a:rPr lang="en-US" altLang="ko-KR" sz="3600" dirty="0"/>
+            </a:br>
+            <a:r>
+              <a:rPr lang="en-US" altLang="ko-KR" sz="3600" dirty="0">
+                <a:hlinkClick r:id="rId3"/>
+              </a:rPr>
+              <a:t>http://www.boost.org/doc/libs/1_60_0/libs/test/doc/html/index.html</a:t>
+            </a:r>
+            <a:r>
+              <a:rPr lang="en-US" altLang="ko-KR" sz="3600" dirty="0"/>
+              <a:t> </a:t>
+            </a:r>
+            <a:br>
+              <a:rPr lang="en-US" altLang="ko-KR" sz="3600" dirty="0"/>
+            </a:br>
+            <a:endParaRPr lang="en-US" altLang="ko-KR" sz="3600" dirty="0"/>
+          </a:p>
+          <a:p>
+            <a:r>
+              <a:rPr lang="en-US" altLang="ko-KR" sz="4800" b="1" dirty="0"/>
+              <a:t>Catch</a:t>
+            </a:r>
+            <a:br>
+              <a:rPr lang="en-US" altLang="ko-KR" sz="3600" dirty="0"/>
+            </a:br>
+            <a:r>
+              <a:rPr lang="en-US" altLang="ko-KR" sz="3600" dirty="0">
+                <a:hlinkClick r:id="rId4"/>
+              </a:rPr>
+              <a:t>https://github.com/philsquared/Catch</a:t>
+            </a:r>
+            <a:r>
+              <a:rPr lang="en-US" altLang="ko-KR" sz="3600" dirty="0"/>
+              <a:t> </a:t>
+            </a:r>
+            <a:endParaRPr lang="ko-KR" altLang="en-US" sz="3600" dirty="0"/>
+          </a:p>
+        </p:txBody>
+      </p:sp>
+      <p:sp>
+        <p:nvSpPr>
+          <p:cNvPr id="3" name="TextBox 2"/>
+          <p:cNvSpPr txBox="1"/>
+          <p:nvPr/>
+        </p:nvSpPr>
+        <p:spPr>
+          <a:xfrm>
+            <a:off x="1349905" y="927652"/>
+            <a:ext cx="18077782" cy="1200329"/>
+          </a:xfrm>
+          <a:prstGeom prst="rect">
+            <a:avLst/>
+          </a:prstGeom>
+          <a:noFill/>
+        </p:spPr>
+        <p:txBody>
+          <a:bodyPr wrap="square" rtlCol="0">
+            <a:spAutoFit/>
+          </a:bodyPr>
+          <a:lstStyle/>
+          <a:p>
+            <a:r>
+              <a:rPr lang="ko-KR" altLang="en-US" sz="7200" b="1" dirty="0"/>
+              <a:t>다른 </a:t>
+            </a:r>
+            <a:r>
+              <a:rPr lang="en-US" altLang="ko-KR" sz="7200" b="1" dirty="0"/>
+              <a:t>C++ </a:t>
+            </a:r>
+            <a:r>
+              <a:rPr lang="ko-KR" altLang="en-US" sz="7200" b="1" dirty="0" err="1"/>
+              <a:t>유닛테스트</a:t>
+            </a:r>
+            <a:r>
+              <a:rPr lang="ko-KR" altLang="en-US" sz="7200" b="1" dirty="0"/>
+              <a:t> 프레임워크</a:t>
+            </a:r>
+          </a:p>
+        </p:txBody>
+      </p:sp>
+    </p:spTree>
+    <p:extLst>
+      <p:ext uri="{BB962C8B-B14F-4D97-AF65-F5344CB8AC3E}">
+        <p14:creationId xmlns:p14="http://schemas.microsoft.com/office/powerpoint/2010/main" val="3907610800"/>
+      </p:ext>
+    </p:extLst>
+  </p:cSld>
+  <p:clrMapOvr>
+    <a:masterClrMapping/>
+  </p:clrMapOvr>
+</p:sld>
+</file>
+
+<file path=ppt/slides/slide45.xml><?xml version="1.0" encoding="utf-8"?>
+<p:sld xmlns:a="http://schemas.openxmlformats.org/drawingml/2006/main" xmlns:r="http://schemas.openxmlformats.org/officeDocument/2006/relationships" xmlns:p="http://schemas.openxmlformats.org/presentationml/2006/main">
+  <p:cSld>
+    <p:spTree>
+      <p:nvGrpSpPr>
+        <p:cNvPr id="1" name=""/>
+        <p:cNvGrpSpPr/>
+        <p:nvPr/>
+      </p:nvGrpSpPr>
+      <p:grpSpPr>
+        <a:xfrm>
+          <a:off x="0" y="0"/>
+          <a:ext cx="0" cy="0"/>
+          <a:chOff x="0" y="0"/>
+          <a:chExt cx="0" cy="0"/>
+        </a:xfrm>
+      </p:grpSpPr>
+      <p:sp>
+        <p:nvSpPr>
+          <p:cNvPr id="5" name="직사각형 4"/>
+          <p:cNvSpPr/>
+          <p:nvPr/>
+        </p:nvSpPr>
+        <p:spPr>
+          <a:xfrm>
+            <a:off x="1266093" y="5065253"/>
+            <a:ext cx="21889330" cy="2308324"/>
+          </a:xfrm>
+          <a:prstGeom prst="rect">
+            <a:avLst/>
+          </a:prstGeom>
+        </p:spPr>
+        <p:txBody>
+          <a:bodyPr wrap="square">
+            <a:spAutoFit/>
+          </a:bodyPr>
+          <a:lstStyle/>
+          <a:p>
+            <a:r>
+              <a:rPr lang="ko-KR" altLang="en-US" sz="7200" b="1" dirty="0"/>
+              <a:t>생산적인 개발을 위한 지속적인 테스트</a:t>
+            </a:r>
+          </a:p>
+          <a:p>
+            <a:r>
+              <a:rPr lang="ko-KR" altLang="en-US" sz="7200" b="1" dirty="0">
+                <a:hlinkClick r:id="rId2"/>
+              </a:rPr>
+              <a:t>http://www.slideshare.net/birdkr/ss-2183466</a:t>
+            </a:r>
+            <a:r>
+              <a:rPr lang="ko-KR" altLang="en-US" sz="7200" b="1" dirty="0"/>
+              <a:t> </a:t>
+            </a:r>
+          </a:p>
+        </p:txBody>
+      </p:sp>
+    </p:spTree>
+    <p:extLst>
+      <p:ext uri="{BB962C8B-B14F-4D97-AF65-F5344CB8AC3E}">
+        <p14:creationId xmlns:p14="http://schemas.microsoft.com/office/powerpoint/2010/main" val="2175726061"/>
+      </p:ext>
+    </p:extLst>
+  </p:cSld>
+  <p:clrMapOvr>
+    <a:masterClrMapping/>
+  </p:clrMapOvr>
+</p:sld>
+</file>
+
+<file path=ppt/slides/slide46.xml><?xml version="1.0" encoding="utf-8"?>
+<p:sld xmlns:a="http://schemas.openxmlformats.org/drawingml/2006/main" xmlns:r="http://schemas.openxmlformats.org/officeDocument/2006/relationships" xmlns:p="http://schemas.openxmlformats.org/presentationml/2006/main">
+  <p:cSld>
+    <p:spTree>
+      <p:nvGrpSpPr>
+        <p:cNvPr id="1" name=""/>
+        <p:cNvGrpSpPr/>
+        <p:nvPr/>
+      </p:nvGrpSpPr>
+      <p:grpSpPr>
+        <a:xfrm>
+          <a:off x="0" y="0"/>
+          <a:ext cx="0" cy="0"/>
+          <a:chOff x="0" y="0"/>
+          <a:chExt cx="0" cy="0"/>
+        </a:xfrm>
+      </p:grpSpPr>
+      <p:sp>
+        <p:nvSpPr>
+          <p:cNvPr id="2" name="직사각형 1"/>
+          <p:cNvSpPr/>
+          <p:nvPr/>
+        </p:nvSpPr>
+        <p:spPr>
+          <a:xfrm>
+            <a:off x="1781169" y="4130935"/>
+            <a:ext cx="10623165" cy="646331"/>
+          </a:xfrm>
+          <a:prstGeom prst="rect">
+            <a:avLst/>
+          </a:prstGeom>
+        </p:spPr>
+        <p:txBody>
+          <a:bodyPr wrap="none">
+            <a:spAutoFit/>
+          </a:bodyPr>
+          <a:lstStyle/>
+          <a:p>
+            <a:r>
+              <a:rPr lang="en-US" altLang="ko-KR" sz="3600" dirty="0">
+                <a:hlinkClick r:id="rId2"/>
+              </a:rPr>
+              <a:t>https://github.com/potimarimo/practice-of-refactoring</a:t>
+            </a:r>
+            <a:r>
+              <a:rPr lang="en-US" altLang="ko-KR" sz="3600" dirty="0"/>
+              <a:t> </a:t>
+            </a:r>
+            <a:endParaRPr lang="ko-KR" altLang="en-US" sz="3600" dirty="0"/>
+          </a:p>
+        </p:txBody>
+      </p:sp>
+      <p:sp>
+        <p:nvSpPr>
+          <p:cNvPr id="3" name="직사각형 2"/>
+          <p:cNvSpPr/>
+          <p:nvPr/>
+        </p:nvSpPr>
+        <p:spPr>
+          <a:xfrm>
+            <a:off x="1781169" y="3175625"/>
+            <a:ext cx="7171515" cy="646331"/>
+          </a:xfrm>
+          <a:prstGeom prst="rect">
+            <a:avLst/>
+          </a:prstGeom>
+        </p:spPr>
+        <p:txBody>
+          <a:bodyPr wrap="none">
+            <a:spAutoFit/>
+          </a:bodyPr>
+          <a:lstStyle/>
+          <a:p>
+            <a:r>
+              <a:rPr lang="en-US" altLang="ko-KR" sz="3600" dirty="0">
+                <a:hlinkClick r:id="rId3"/>
+              </a:rPr>
+              <a:t>https://github.com/utilForever/Shop</a:t>
+            </a:r>
+            <a:r>
+              <a:rPr lang="en-US" altLang="ko-KR" sz="3600" dirty="0"/>
+              <a:t> </a:t>
+            </a:r>
+            <a:endParaRPr lang="ko-KR" altLang="en-US" sz="3600" dirty="0"/>
+          </a:p>
+        </p:txBody>
+      </p:sp>
+      <p:sp>
+        <p:nvSpPr>
+          <p:cNvPr id="4" name="TextBox 3"/>
+          <p:cNvSpPr txBox="1"/>
+          <p:nvPr/>
+        </p:nvSpPr>
+        <p:spPr>
+          <a:xfrm>
+            <a:off x="1349905" y="927652"/>
+            <a:ext cx="18077782" cy="1200329"/>
+          </a:xfrm>
+          <a:prstGeom prst="rect">
+            <a:avLst/>
+          </a:prstGeom>
+          <a:noFill/>
+        </p:spPr>
+        <p:txBody>
+          <a:bodyPr wrap="square" rtlCol="0">
+            <a:spAutoFit/>
+          </a:bodyPr>
+          <a:lstStyle/>
+          <a:p>
+            <a:r>
+              <a:rPr lang="ko-KR" altLang="en-US" sz="7200" b="1" dirty="0"/>
+              <a:t>참고 및 테스트로 사용 해볼만한 프로젝트</a:t>
+            </a:r>
+          </a:p>
+        </p:txBody>
+      </p:sp>
+    </p:spTree>
+    <p:extLst>
+      <p:ext uri="{BB962C8B-B14F-4D97-AF65-F5344CB8AC3E}">
+        <p14:creationId xmlns:p14="http://schemas.microsoft.com/office/powerpoint/2010/main" val="2452200870"/>
+      </p:ext>
+    </p:extLst>
+  </p:cSld>
+  <p:clrMapOvr>
+    <a:masterClrMapping/>
+  </p:clrMapOvr>
+</p:sld>
+</file>
+
+<file path=ppt/slides/slide47.xml><?xml version="1.0" encoding="utf-8"?>
+<p:sld xmlns:a="http://schemas.openxmlformats.org/drawingml/2006/main" xmlns:r="http://schemas.openxmlformats.org/officeDocument/2006/relationships" xmlns:p="http://schemas.openxmlformats.org/presentationml/2006/main">
+  <p:cSld>
+    <p:spTree>
+      <p:nvGrpSpPr>
+        <p:cNvPr id="1" name=""/>
+        <p:cNvGrpSpPr/>
+        <p:nvPr/>
+      </p:nvGrpSpPr>
+      <p:grpSpPr>
+        <a:xfrm>
+          <a:off x="0" y="0"/>
+          <a:ext cx="0" cy="0"/>
+          <a:chOff x="0" y="0"/>
+          <a:chExt cx="0" cy="0"/>
+        </a:xfrm>
+      </p:grpSpPr>
+      <p:sp>
+        <p:nvSpPr>
+          <p:cNvPr id="2" name="TextBox 1"/>
+          <p:cNvSpPr txBox="1"/>
+          <p:nvPr/>
+        </p:nvSpPr>
+        <p:spPr>
+          <a:xfrm>
+            <a:off x="2166425" y="2475915"/>
+            <a:ext cx="19863582" cy="9325630"/>
+          </a:xfrm>
+          <a:prstGeom prst="rect">
+            <a:avLst/>
+          </a:prstGeom>
+          <a:noFill/>
+        </p:spPr>
+        <p:txBody>
+          <a:bodyPr wrap="square" rtlCol="0">
+            <a:spAutoFit/>
+          </a:bodyPr>
+          <a:lstStyle/>
+          <a:p>
+            <a:r>
+              <a:rPr lang="en-US" altLang="ko-KR" sz="12000" b="1" dirty="0"/>
+              <a:t>JavaScript, Ruby, Python</a:t>
+            </a:r>
+          </a:p>
+          <a:p>
+            <a:endParaRPr lang="en-US" altLang="ko-KR" sz="12000" b="1" dirty="0"/>
+          </a:p>
+          <a:p>
+            <a:r>
+              <a:rPr lang="en-US" altLang="ko-KR" sz="12000" b="1" dirty="0"/>
+              <a:t>C#, Java</a:t>
+            </a:r>
+          </a:p>
+          <a:p>
+            <a:endParaRPr lang="en-US" altLang="ko-KR" sz="12000" b="1" dirty="0"/>
+          </a:p>
+          <a:p>
+            <a:r>
+              <a:rPr lang="en-US" altLang="ko-KR" sz="12000" b="1" dirty="0"/>
+              <a:t>C++</a:t>
+            </a:r>
+            <a:endParaRPr lang="ko-KR" altLang="en-US" sz="12000" b="1" dirty="0"/>
+          </a:p>
+        </p:txBody>
+      </p:sp>
+    </p:spTree>
+    <p:extLst>
+      <p:ext uri="{BB962C8B-B14F-4D97-AF65-F5344CB8AC3E}">
+        <p14:creationId xmlns:p14="http://schemas.microsoft.com/office/powerpoint/2010/main" val="785109972"/>
+      </p:ext>
+    </p:extLst>
+  </p:cSld>
+  <p:clrMapOvr>
+    <a:masterClrMapping/>
+  </p:clrMapOvr>
+</p:sld>
+</file>
+
+<file path=ppt/slides/slide48.xml><?xml version="1.0" encoding="utf-8"?>
+<p:sld xmlns:a="http://schemas.openxmlformats.org/drawingml/2006/main" xmlns:r="http://schemas.openxmlformats.org/officeDocument/2006/relationships" xmlns:p="http://schemas.openxmlformats.org/presentationml/2006/main">
+  <p:cSld>
+    <p:spTree>
+      <p:nvGrpSpPr>
+        <p:cNvPr id="1" name=""/>
+        <p:cNvGrpSpPr/>
+        <p:nvPr/>
+      </p:nvGrpSpPr>
+      <p:grpSpPr>
+        <a:xfrm>
+          <a:off x="0" y="0"/>
+          <a:ext cx="0" cy="0"/>
+          <a:chOff x="0" y="0"/>
+          <a:chExt cx="0" cy="0"/>
+        </a:xfrm>
+      </p:grpSpPr>
+      <p:sp>
+        <p:nvSpPr>
+          <p:cNvPr id="2" name="TextBox 1"/>
+          <p:cNvSpPr txBox="1"/>
+          <p:nvPr/>
+        </p:nvSpPr>
+        <p:spPr>
+          <a:xfrm>
+            <a:off x="2166423" y="4354098"/>
+            <a:ext cx="19863582" cy="7048083"/>
+          </a:xfrm>
+          <a:prstGeom prst="rect">
+            <a:avLst/>
+          </a:prstGeom>
+          <a:noFill/>
+        </p:spPr>
+        <p:txBody>
+          <a:bodyPr wrap="square" rtlCol="0">
+            <a:spAutoFit/>
+          </a:bodyPr>
+          <a:lstStyle/>
+          <a:p>
+            <a:pPr algn="ctr"/>
+            <a:r>
+              <a:rPr lang="ko-KR" altLang="en-US" sz="12000" b="1" dirty="0"/>
+              <a:t>좋은 함수가 아니면 힘들다</a:t>
+            </a:r>
+            <a:endParaRPr lang="en-US" altLang="ko-KR" sz="12000" b="1" dirty="0"/>
+          </a:p>
+          <a:p>
+            <a:pPr algn="ctr"/>
+            <a:r>
+              <a:rPr lang="ko-KR" altLang="en-US" sz="33200" b="1" dirty="0" err="1"/>
+              <a:t>리팩토링</a:t>
+            </a:r>
+            <a:endParaRPr lang="ko-KR" altLang="en-US" sz="33200" b="1" dirty="0"/>
+          </a:p>
+        </p:txBody>
+      </p:sp>
+    </p:spTree>
+    <p:extLst>
+      <p:ext uri="{BB962C8B-B14F-4D97-AF65-F5344CB8AC3E}">
+        <p14:creationId xmlns:p14="http://schemas.microsoft.com/office/powerpoint/2010/main" val="3695536779"/>
+      </p:ext>
+    </p:extLst>
+  </p:cSld>
+  <p:clrMapOvr>
+    <a:masterClrMapping/>
+  </p:clrMapOvr>
+</p:sld>
+</file>
+
+<file path=ppt/slides/slide49.xml><?xml version="1.0" encoding="utf-8"?>
+<p:sld xmlns:a="http://schemas.openxmlformats.org/drawingml/2006/main" xmlns:r="http://schemas.openxmlformats.org/officeDocument/2006/relationships" xmlns:p="http://schemas.openxmlformats.org/presentationml/2006/main">
+  <p:cSld>
+    <p:spTree>
+      <p:nvGrpSpPr>
+        <p:cNvPr id="1" name=""/>
+        <p:cNvGrpSpPr/>
+        <p:nvPr/>
+      </p:nvGrpSpPr>
+      <p:grpSpPr>
+        <a:xfrm>
+          <a:off x="0" y="0"/>
+          <a:ext cx="0" cy="0"/>
+          <a:chOff x="0" y="0"/>
+          <a:chExt cx="0" cy="0"/>
+        </a:xfrm>
+      </p:grpSpPr>
+      <p:sp>
+        <p:nvSpPr>
+          <p:cNvPr id="2" name="TextBox 1"/>
+          <p:cNvSpPr txBox="1"/>
+          <p:nvPr/>
+        </p:nvSpPr>
+        <p:spPr>
+          <a:xfrm>
+            <a:off x="2166421" y="3292214"/>
+            <a:ext cx="19863582" cy="3785652"/>
+          </a:xfrm>
+          <a:prstGeom prst="rect">
+            <a:avLst/>
+          </a:prstGeom>
+          <a:noFill/>
+        </p:spPr>
+        <p:txBody>
+          <a:bodyPr wrap="square" rtlCol="0">
+            <a:spAutoFit/>
+          </a:bodyPr>
+          <a:lstStyle/>
+          <a:p>
+            <a:pPr algn="ctr"/>
+            <a:r>
+              <a:rPr lang="ko-KR" altLang="en-US" sz="12000" b="1" dirty="0"/>
+              <a:t>꽤 진행된 프로젝트</a:t>
+            </a:r>
+            <a:r>
+              <a:rPr lang="en-US" altLang="ko-KR" sz="12000" b="1" dirty="0"/>
+              <a:t>,</a:t>
+            </a:r>
+          </a:p>
+          <a:p>
+            <a:pPr algn="ctr"/>
+            <a:r>
+              <a:rPr lang="ko-KR" altLang="en-US" sz="12000" b="1" dirty="0"/>
+              <a:t>누군가의 반대</a:t>
+            </a:r>
+            <a:r>
+              <a:rPr lang="en-US" altLang="ko-KR" sz="12000" b="1" dirty="0"/>
+              <a:t>(</a:t>
+            </a:r>
+            <a:r>
+              <a:rPr lang="ko-KR" altLang="en-US" sz="12000" b="1" dirty="0"/>
+              <a:t>특히 </a:t>
+            </a:r>
+            <a:r>
+              <a:rPr lang="ko-KR" altLang="en-US" sz="12000" b="1" dirty="0" err="1"/>
+              <a:t>리더급</a:t>
+            </a:r>
+            <a:r>
+              <a:rPr lang="en-US" altLang="ko-KR" sz="12000" b="1" dirty="0"/>
+              <a:t>)</a:t>
+            </a:r>
+          </a:p>
+        </p:txBody>
+      </p:sp>
+      <p:sp>
+        <p:nvSpPr>
+          <p:cNvPr id="3" name="TextBox 2"/>
+          <p:cNvSpPr txBox="1"/>
+          <p:nvPr/>
+        </p:nvSpPr>
+        <p:spPr>
+          <a:xfrm>
+            <a:off x="5387694" y="8360467"/>
+            <a:ext cx="13421032" cy="2123658"/>
+          </a:xfrm>
+          <a:prstGeom prst="rect">
+            <a:avLst/>
+          </a:prstGeom>
+          <a:noFill/>
+        </p:spPr>
+        <p:txBody>
+          <a:bodyPr wrap="square" rtlCol="0">
+            <a:spAutoFit/>
+          </a:bodyPr>
+          <a:lstStyle/>
+          <a:p>
+            <a:pPr algn="ctr"/>
+            <a:r>
+              <a:rPr lang="ko-KR" altLang="en-US" sz="13200" b="1">
+                <a:solidFill>
+                  <a:srgbClr val="FF0000"/>
+                </a:solidFill>
+              </a:rPr>
+              <a:t>너무 힘들다 </a:t>
+            </a:r>
+            <a:r>
+              <a:rPr lang="ko-KR" altLang="en-US" sz="13200" b="1" dirty="0" err="1">
+                <a:solidFill>
+                  <a:srgbClr val="FF0000"/>
+                </a:solidFill>
+              </a:rPr>
+              <a:t>ㅠㅠ</a:t>
+            </a:r>
+            <a:endParaRPr lang="ko-KR" altLang="en-US" sz="13200" b="1" dirty="0">
+              <a:solidFill>
+                <a:srgbClr val="FF0000"/>
+              </a:solidFill>
+            </a:endParaRPr>
+          </a:p>
+        </p:txBody>
+      </p:sp>
+    </p:spTree>
+    <p:extLst>
+      <p:ext uri="{BB962C8B-B14F-4D97-AF65-F5344CB8AC3E}">
+        <p14:creationId xmlns:p14="http://schemas.microsoft.com/office/powerpoint/2010/main" val="463893784"/>
       </p:ext>
     </p:extLst>
   </p:cSld>
@@ -8069,6 +13209,1329 @@
     <p:extLst>
       <p:ext uri="{BB962C8B-B14F-4D97-AF65-F5344CB8AC3E}">
         <p14:creationId xmlns:p14="http://schemas.microsoft.com/office/powerpoint/2010/main" val="1290089738"/>
+      </p:ext>
+    </p:extLst>
+  </p:cSld>
+  <p:clrMapOvr>
+    <a:masterClrMapping/>
+  </p:clrMapOvr>
+</p:sld>
+</file>
+
+<file path=ppt/slides/slide50.xml><?xml version="1.0" encoding="utf-8"?>
+<p:sld xmlns:a="http://schemas.openxmlformats.org/drawingml/2006/main" xmlns:r="http://schemas.openxmlformats.org/officeDocument/2006/relationships" xmlns:p="http://schemas.openxmlformats.org/presentationml/2006/main">
+  <p:cSld>
+    <p:bg>
+      <p:bgPr>
+        <a:solidFill>
+          <a:schemeClr val="bg1"/>
+        </a:solidFill>
+        <a:effectLst/>
+      </p:bgPr>
+    </p:bg>
+    <p:spTree>
+      <p:nvGrpSpPr>
+        <p:cNvPr id="1" name=""/>
+        <p:cNvGrpSpPr/>
+        <p:nvPr/>
+      </p:nvGrpSpPr>
+      <p:grpSpPr>
+        <a:xfrm>
+          <a:off x="0" y="0"/>
+          <a:ext cx="0" cy="0"/>
+          <a:chOff x="0" y="0"/>
+          <a:chExt cx="0" cy="0"/>
+        </a:xfrm>
+      </p:grpSpPr>
+      <p:sp>
+        <p:nvSpPr>
+          <p:cNvPr id="5" name="Rectangle 2">
+            <a:extLst>
+              <a:ext uri="{FF2B5EF4-FFF2-40B4-BE49-F238E27FC236}">
+                <a16:creationId xmlns:a16="http://schemas.microsoft.com/office/drawing/2014/main" id="{0BFF5754-E615-4613-A123-F798FC0E77C7}"/>
+              </a:ext>
+            </a:extLst>
+          </p:cNvPr>
+          <p:cNvSpPr>
+            <a:spLocks/>
+          </p:cNvSpPr>
+          <p:nvPr/>
+        </p:nvSpPr>
+        <p:spPr bwMode="auto">
+          <a:xfrm>
+            <a:off x="1446213" y="6421438"/>
+            <a:ext cx="3313112" cy="873125"/>
+          </a:xfrm>
+          <a:prstGeom prst="rect">
+            <a:avLst/>
+          </a:prstGeom>
+          <a:noFill/>
+          <a:ln>
+            <a:noFill/>
+          </a:ln>
+          <a:effectLst/>
+          <a:extLst>
+            <a:ext uri="{909E8E84-426E-40DD-AFC4-6F175D3DCCD1}">
+              <a14:hiddenFill xmlns:a14="http://schemas.microsoft.com/office/drawing/2010/main">
+                <a:solidFill>
+                  <a:srgbClr val="FFFFFF"/>
+                </a:solidFill>
+              </a14:hiddenFill>
+            </a:ext>
+            <a:ext uri="{91240B29-F687-4F45-9708-019B960494DF}">
+              <a14:hiddenLine xmlns:a14="http://schemas.microsoft.com/office/drawing/2010/main" w="12700">
+                <a:solidFill>
+                  <a:srgbClr val="000000"/>
+                </a:solidFill>
+                <a:miter lim="0"/>
+                <a:headEnd/>
+                <a:tailEnd/>
+              </a14:hiddenLine>
+            </a:ext>
+            <a:ext uri="{AF507438-7753-43E0-B8FC-AC1667EBCBE1}">
+              <a14:hiddenEffects xmlns:a14="http://schemas.microsoft.com/office/drawing/2010/main">
+                <a:effectLst>
+                  <a:outerShdw dist="35921" dir="2700000" algn="ctr" rotWithShape="0">
+                    <a:srgbClr val="808080"/>
+                  </a:outerShdw>
+                </a:effectLst>
+              </a14:hiddenEffects>
+            </a:ext>
+          </a:extLst>
+        </p:spPr>
+        <p:txBody>
+          <a:bodyPr wrap="none" lIns="50800" tIns="50800" rIns="50800" bIns="50800" anchor="ctr">
+            <a:spAutoFit/>
+          </a:bodyPr>
+          <a:lstStyle>
+            <a:lvl1pPr>
+              <a:defRPr sz="5000">
+                <a:solidFill>
+                  <a:srgbClr val="000000"/>
+                </a:solidFill>
+                <a:latin typeface="Helvetica Light" charset="0"/>
+                <a:ea typeface="Helvetica Light" charset="0"/>
+                <a:cs typeface="Helvetica Light" charset="0"/>
+                <a:sym typeface="Helvetica Light" charset="0"/>
+              </a:defRPr>
+            </a:lvl1pPr>
+            <a:lvl2pPr marL="742950" indent="-285750">
+              <a:defRPr sz="5000">
+                <a:solidFill>
+                  <a:srgbClr val="000000"/>
+                </a:solidFill>
+                <a:latin typeface="Helvetica Light" charset="0"/>
+                <a:ea typeface="Helvetica Light" charset="0"/>
+                <a:cs typeface="Helvetica Light" charset="0"/>
+                <a:sym typeface="Helvetica Light" charset="0"/>
+              </a:defRPr>
+            </a:lvl2pPr>
+            <a:lvl3pPr marL="1143000" indent="-228600">
+              <a:defRPr sz="5000">
+                <a:solidFill>
+                  <a:srgbClr val="000000"/>
+                </a:solidFill>
+                <a:latin typeface="Helvetica Light" charset="0"/>
+                <a:ea typeface="Helvetica Light" charset="0"/>
+                <a:cs typeface="Helvetica Light" charset="0"/>
+                <a:sym typeface="Helvetica Light" charset="0"/>
+              </a:defRPr>
+            </a:lvl3pPr>
+            <a:lvl4pPr marL="1600200" indent="-228600">
+              <a:defRPr sz="5000">
+                <a:solidFill>
+                  <a:srgbClr val="000000"/>
+                </a:solidFill>
+                <a:latin typeface="Helvetica Light" charset="0"/>
+                <a:ea typeface="Helvetica Light" charset="0"/>
+                <a:cs typeface="Helvetica Light" charset="0"/>
+                <a:sym typeface="Helvetica Light" charset="0"/>
+              </a:defRPr>
+            </a:lvl4pPr>
+            <a:lvl5pPr marL="2057400" indent="-228600">
+              <a:defRPr sz="5000">
+                <a:solidFill>
+                  <a:srgbClr val="000000"/>
+                </a:solidFill>
+                <a:latin typeface="Helvetica Light" charset="0"/>
+                <a:ea typeface="Helvetica Light" charset="0"/>
+                <a:cs typeface="Helvetica Light" charset="0"/>
+                <a:sym typeface="Helvetica Light" charset="0"/>
+              </a:defRPr>
+            </a:lvl5pPr>
+            <a:lvl6pPr marL="2514600" indent="-228600" defTabSz="825500" eaLnBrk="0" fontAlgn="base" hangingPunct="0">
+              <a:spcBef>
+                <a:spcPct val="0"/>
+              </a:spcBef>
+              <a:spcAft>
+                <a:spcPct val="0"/>
+              </a:spcAft>
+              <a:defRPr sz="5000">
+                <a:solidFill>
+                  <a:srgbClr val="000000"/>
+                </a:solidFill>
+                <a:latin typeface="Helvetica Light" charset="0"/>
+                <a:ea typeface="Helvetica Light" charset="0"/>
+                <a:cs typeface="Helvetica Light" charset="0"/>
+                <a:sym typeface="Helvetica Light" charset="0"/>
+              </a:defRPr>
+            </a:lvl6pPr>
+            <a:lvl7pPr marL="2971800" indent="-228600" defTabSz="825500" eaLnBrk="0" fontAlgn="base" hangingPunct="0">
+              <a:spcBef>
+                <a:spcPct val="0"/>
+              </a:spcBef>
+              <a:spcAft>
+                <a:spcPct val="0"/>
+              </a:spcAft>
+              <a:defRPr sz="5000">
+                <a:solidFill>
+                  <a:srgbClr val="000000"/>
+                </a:solidFill>
+                <a:latin typeface="Helvetica Light" charset="0"/>
+                <a:ea typeface="Helvetica Light" charset="0"/>
+                <a:cs typeface="Helvetica Light" charset="0"/>
+                <a:sym typeface="Helvetica Light" charset="0"/>
+              </a:defRPr>
+            </a:lvl7pPr>
+            <a:lvl8pPr marL="3429000" indent="-228600" defTabSz="825500" eaLnBrk="0" fontAlgn="base" hangingPunct="0">
+              <a:spcBef>
+                <a:spcPct val="0"/>
+              </a:spcBef>
+              <a:spcAft>
+                <a:spcPct val="0"/>
+              </a:spcAft>
+              <a:defRPr sz="5000">
+                <a:solidFill>
+                  <a:srgbClr val="000000"/>
+                </a:solidFill>
+                <a:latin typeface="Helvetica Light" charset="0"/>
+                <a:ea typeface="Helvetica Light" charset="0"/>
+                <a:cs typeface="Helvetica Light" charset="0"/>
+                <a:sym typeface="Helvetica Light" charset="0"/>
+              </a:defRPr>
+            </a:lvl8pPr>
+            <a:lvl9pPr marL="3886200" indent="-228600" defTabSz="825500" eaLnBrk="0" fontAlgn="base" hangingPunct="0">
+              <a:spcBef>
+                <a:spcPct val="0"/>
+              </a:spcBef>
+              <a:spcAft>
+                <a:spcPct val="0"/>
+              </a:spcAft>
+              <a:defRPr sz="5000">
+                <a:solidFill>
+                  <a:srgbClr val="000000"/>
+                </a:solidFill>
+                <a:latin typeface="Helvetica Light" charset="0"/>
+                <a:ea typeface="Helvetica Light" charset="0"/>
+                <a:cs typeface="Helvetica Light" charset="0"/>
+                <a:sym typeface="Helvetica Light" charset="0"/>
+              </a:defRPr>
+            </a:lvl9pPr>
+          </a:lstStyle>
+          <a:p>
+            <a:pPr eaLnBrk="1"/>
+            <a:r>
+              <a:rPr lang="ko-KR" altLang="ko-KR" dirty="0">
+                <a:solidFill>
+                  <a:schemeClr val="tx1"/>
+                </a:solidFill>
+                <a:latin typeface="맑은 고딕" panose="020B0503020000020004" pitchFamily="50" charset="-127"/>
+                <a:ea typeface="맑은 고딕" panose="020B0503020000020004" pitchFamily="50" charset="-127"/>
+                <a:sym typeface="KoPubDotum Medium" charset="0"/>
+              </a:rPr>
+              <a:t>내용 (</a:t>
+            </a:r>
+            <a:r>
+              <a:rPr lang="en-US" altLang="ko-KR" dirty="0">
+                <a:solidFill>
+                  <a:schemeClr val="tx1"/>
+                </a:solidFill>
+                <a:latin typeface="맑은 고딕" panose="020B0503020000020004" pitchFamily="50" charset="-127"/>
+                <a:ea typeface="맑은 고딕" panose="020B0503020000020004" pitchFamily="50" charset="-127"/>
+                <a:sym typeface="KoPubDotum Medium" charset="0"/>
+              </a:rPr>
+              <a:t>50pt</a:t>
+            </a:r>
+            <a:r>
+              <a:rPr lang="ko-KR" altLang="ko-KR" dirty="0">
+                <a:solidFill>
+                  <a:schemeClr val="tx1"/>
+                </a:solidFill>
+                <a:latin typeface="맑은 고딕" panose="020B0503020000020004" pitchFamily="50" charset="-127"/>
+                <a:ea typeface="맑은 고딕" panose="020B0503020000020004" pitchFamily="50" charset="-127"/>
+                <a:sym typeface="KoPubDotum Medium" charset="0"/>
+              </a:rPr>
+              <a:t>)</a:t>
+            </a:r>
+            <a:endParaRPr lang="ko-KR" altLang="ko-KR" sz="1800" dirty="0">
+              <a:solidFill>
+                <a:schemeClr val="tx1"/>
+              </a:solidFill>
+              <a:latin typeface="맑은 고딕" panose="020B0503020000020004" pitchFamily="50" charset="-127"/>
+              <a:ea typeface="맑은 고딕" panose="020B0503020000020004" pitchFamily="50" charset="-127"/>
+              <a:sym typeface="KoPubDotum Medium" charset="0"/>
+            </a:endParaRPr>
+          </a:p>
+        </p:txBody>
+      </p:sp>
+    </p:spTree>
+    <p:extLst>
+      <p:ext uri="{BB962C8B-B14F-4D97-AF65-F5344CB8AC3E}">
+        <p14:creationId xmlns:p14="http://schemas.microsoft.com/office/powerpoint/2010/main" val="136238985"/>
+      </p:ext>
+    </p:extLst>
+  </p:cSld>
+  <p:clrMapOvr>
+    <a:masterClrMapping/>
+  </p:clrMapOvr>
+</p:sld>
+</file>
+
+<file path=ppt/slides/slide51.xml><?xml version="1.0" encoding="utf-8"?>
+<p:sld xmlns:a="http://schemas.openxmlformats.org/drawingml/2006/main" xmlns:r="http://schemas.openxmlformats.org/officeDocument/2006/relationships" xmlns:p="http://schemas.openxmlformats.org/presentationml/2006/main">
+  <p:cSld>
+    <p:bg>
+      <p:bgPr>
+        <a:solidFill>
+          <a:schemeClr val="bg1"/>
+        </a:solidFill>
+        <a:effectLst/>
+      </p:bgPr>
+    </p:bg>
+    <p:spTree>
+      <p:nvGrpSpPr>
+        <p:cNvPr id="1" name=""/>
+        <p:cNvGrpSpPr/>
+        <p:nvPr/>
+      </p:nvGrpSpPr>
+      <p:grpSpPr>
+        <a:xfrm>
+          <a:off x="0" y="0"/>
+          <a:ext cx="0" cy="0"/>
+          <a:chOff x="0" y="0"/>
+          <a:chExt cx="0" cy="0"/>
+        </a:xfrm>
+      </p:grpSpPr>
+      <p:sp>
+        <p:nvSpPr>
+          <p:cNvPr id="5" name="Rectangle 2">
+            <a:extLst>
+              <a:ext uri="{FF2B5EF4-FFF2-40B4-BE49-F238E27FC236}">
+                <a16:creationId xmlns:a16="http://schemas.microsoft.com/office/drawing/2014/main" id="{0BFF5754-E615-4613-A123-F798FC0E77C7}"/>
+              </a:ext>
+            </a:extLst>
+          </p:cNvPr>
+          <p:cNvSpPr>
+            <a:spLocks/>
+          </p:cNvSpPr>
+          <p:nvPr/>
+        </p:nvSpPr>
+        <p:spPr bwMode="auto">
+          <a:xfrm>
+            <a:off x="1446213" y="6421438"/>
+            <a:ext cx="3313112" cy="873125"/>
+          </a:xfrm>
+          <a:prstGeom prst="rect">
+            <a:avLst/>
+          </a:prstGeom>
+          <a:noFill/>
+          <a:ln>
+            <a:noFill/>
+          </a:ln>
+          <a:effectLst/>
+          <a:extLst>
+            <a:ext uri="{909E8E84-426E-40DD-AFC4-6F175D3DCCD1}">
+              <a14:hiddenFill xmlns:a14="http://schemas.microsoft.com/office/drawing/2010/main">
+                <a:solidFill>
+                  <a:srgbClr val="FFFFFF"/>
+                </a:solidFill>
+              </a14:hiddenFill>
+            </a:ext>
+            <a:ext uri="{91240B29-F687-4F45-9708-019B960494DF}">
+              <a14:hiddenLine xmlns:a14="http://schemas.microsoft.com/office/drawing/2010/main" w="12700">
+                <a:solidFill>
+                  <a:srgbClr val="000000"/>
+                </a:solidFill>
+                <a:miter lim="0"/>
+                <a:headEnd/>
+                <a:tailEnd/>
+              </a14:hiddenLine>
+            </a:ext>
+            <a:ext uri="{AF507438-7753-43E0-B8FC-AC1667EBCBE1}">
+              <a14:hiddenEffects xmlns:a14="http://schemas.microsoft.com/office/drawing/2010/main">
+                <a:effectLst>
+                  <a:outerShdw dist="35921" dir="2700000" algn="ctr" rotWithShape="0">
+                    <a:srgbClr val="808080"/>
+                  </a:outerShdw>
+                </a:effectLst>
+              </a14:hiddenEffects>
+            </a:ext>
+          </a:extLst>
+        </p:spPr>
+        <p:txBody>
+          <a:bodyPr wrap="none" lIns="50800" tIns="50800" rIns="50800" bIns="50800" anchor="ctr">
+            <a:spAutoFit/>
+          </a:bodyPr>
+          <a:lstStyle>
+            <a:lvl1pPr>
+              <a:defRPr sz="5000">
+                <a:solidFill>
+                  <a:srgbClr val="000000"/>
+                </a:solidFill>
+                <a:latin typeface="Helvetica Light" charset="0"/>
+                <a:ea typeface="Helvetica Light" charset="0"/>
+                <a:cs typeface="Helvetica Light" charset="0"/>
+                <a:sym typeface="Helvetica Light" charset="0"/>
+              </a:defRPr>
+            </a:lvl1pPr>
+            <a:lvl2pPr marL="742950" indent="-285750">
+              <a:defRPr sz="5000">
+                <a:solidFill>
+                  <a:srgbClr val="000000"/>
+                </a:solidFill>
+                <a:latin typeface="Helvetica Light" charset="0"/>
+                <a:ea typeface="Helvetica Light" charset="0"/>
+                <a:cs typeface="Helvetica Light" charset="0"/>
+                <a:sym typeface="Helvetica Light" charset="0"/>
+              </a:defRPr>
+            </a:lvl2pPr>
+            <a:lvl3pPr marL="1143000" indent="-228600">
+              <a:defRPr sz="5000">
+                <a:solidFill>
+                  <a:srgbClr val="000000"/>
+                </a:solidFill>
+                <a:latin typeface="Helvetica Light" charset="0"/>
+                <a:ea typeface="Helvetica Light" charset="0"/>
+                <a:cs typeface="Helvetica Light" charset="0"/>
+                <a:sym typeface="Helvetica Light" charset="0"/>
+              </a:defRPr>
+            </a:lvl3pPr>
+            <a:lvl4pPr marL="1600200" indent="-228600">
+              <a:defRPr sz="5000">
+                <a:solidFill>
+                  <a:srgbClr val="000000"/>
+                </a:solidFill>
+                <a:latin typeface="Helvetica Light" charset="0"/>
+                <a:ea typeface="Helvetica Light" charset="0"/>
+                <a:cs typeface="Helvetica Light" charset="0"/>
+                <a:sym typeface="Helvetica Light" charset="0"/>
+              </a:defRPr>
+            </a:lvl4pPr>
+            <a:lvl5pPr marL="2057400" indent="-228600">
+              <a:defRPr sz="5000">
+                <a:solidFill>
+                  <a:srgbClr val="000000"/>
+                </a:solidFill>
+                <a:latin typeface="Helvetica Light" charset="0"/>
+                <a:ea typeface="Helvetica Light" charset="0"/>
+                <a:cs typeface="Helvetica Light" charset="0"/>
+                <a:sym typeface="Helvetica Light" charset="0"/>
+              </a:defRPr>
+            </a:lvl5pPr>
+            <a:lvl6pPr marL="2514600" indent="-228600" defTabSz="825500" eaLnBrk="0" fontAlgn="base" hangingPunct="0">
+              <a:spcBef>
+                <a:spcPct val="0"/>
+              </a:spcBef>
+              <a:spcAft>
+                <a:spcPct val="0"/>
+              </a:spcAft>
+              <a:defRPr sz="5000">
+                <a:solidFill>
+                  <a:srgbClr val="000000"/>
+                </a:solidFill>
+                <a:latin typeface="Helvetica Light" charset="0"/>
+                <a:ea typeface="Helvetica Light" charset="0"/>
+                <a:cs typeface="Helvetica Light" charset="0"/>
+                <a:sym typeface="Helvetica Light" charset="0"/>
+              </a:defRPr>
+            </a:lvl6pPr>
+            <a:lvl7pPr marL="2971800" indent="-228600" defTabSz="825500" eaLnBrk="0" fontAlgn="base" hangingPunct="0">
+              <a:spcBef>
+                <a:spcPct val="0"/>
+              </a:spcBef>
+              <a:spcAft>
+                <a:spcPct val="0"/>
+              </a:spcAft>
+              <a:defRPr sz="5000">
+                <a:solidFill>
+                  <a:srgbClr val="000000"/>
+                </a:solidFill>
+                <a:latin typeface="Helvetica Light" charset="0"/>
+                <a:ea typeface="Helvetica Light" charset="0"/>
+                <a:cs typeface="Helvetica Light" charset="0"/>
+                <a:sym typeface="Helvetica Light" charset="0"/>
+              </a:defRPr>
+            </a:lvl7pPr>
+            <a:lvl8pPr marL="3429000" indent="-228600" defTabSz="825500" eaLnBrk="0" fontAlgn="base" hangingPunct="0">
+              <a:spcBef>
+                <a:spcPct val="0"/>
+              </a:spcBef>
+              <a:spcAft>
+                <a:spcPct val="0"/>
+              </a:spcAft>
+              <a:defRPr sz="5000">
+                <a:solidFill>
+                  <a:srgbClr val="000000"/>
+                </a:solidFill>
+                <a:latin typeface="Helvetica Light" charset="0"/>
+                <a:ea typeface="Helvetica Light" charset="0"/>
+                <a:cs typeface="Helvetica Light" charset="0"/>
+                <a:sym typeface="Helvetica Light" charset="0"/>
+              </a:defRPr>
+            </a:lvl8pPr>
+            <a:lvl9pPr marL="3886200" indent="-228600" defTabSz="825500" eaLnBrk="0" fontAlgn="base" hangingPunct="0">
+              <a:spcBef>
+                <a:spcPct val="0"/>
+              </a:spcBef>
+              <a:spcAft>
+                <a:spcPct val="0"/>
+              </a:spcAft>
+              <a:defRPr sz="5000">
+                <a:solidFill>
+                  <a:srgbClr val="000000"/>
+                </a:solidFill>
+                <a:latin typeface="Helvetica Light" charset="0"/>
+                <a:ea typeface="Helvetica Light" charset="0"/>
+                <a:cs typeface="Helvetica Light" charset="0"/>
+                <a:sym typeface="Helvetica Light" charset="0"/>
+              </a:defRPr>
+            </a:lvl9pPr>
+          </a:lstStyle>
+          <a:p>
+            <a:pPr eaLnBrk="1"/>
+            <a:r>
+              <a:rPr lang="ko-KR" altLang="ko-KR" dirty="0">
+                <a:solidFill>
+                  <a:schemeClr val="tx1"/>
+                </a:solidFill>
+                <a:latin typeface="맑은 고딕" panose="020B0503020000020004" pitchFamily="50" charset="-127"/>
+                <a:ea typeface="맑은 고딕" panose="020B0503020000020004" pitchFamily="50" charset="-127"/>
+                <a:sym typeface="KoPubDotum Medium" charset="0"/>
+              </a:rPr>
+              <a:t>내용 (</a:t>
+            </a:r>
+            <a:r>
+              <a:rPr lang="en-US" altLang="ko-KR" dirty="0">
+                <a:solidFill>
+                  <a:schemeClr val="tx1"/>
+                </a:solidFill>
+                <a:latin typeface="맑은 고딕" panose="020B0503020000020004" pitchFamily="50" charset="-127"/>
+                <a:ea typeface="맑은 고딕" panose="020B0503020000020004" pitchFamily="50" charset="-127"/>
+                <a:sym typeface="KoPubDotum Medium" charset="0"/>
+              </a:rPr>
+              <a:t>50pt</a:t>
+            </a:r>
+            <a:r>
+              <a:rPr lang="ko-KR" altLang="ko-KR" dirty="0">
+                <a:solidFill>
+                  <a:schemeClr val="tx1"/>
+                </a:solidFill>
+                <a:latin typeface="맑은 고딕" panose="020B0503020000020004" pitchFamily="50" charset="-127"/>
+                <a:ea typeface="맑은 고딕" panose="020B0503020000020004" pitchFamily="50" charset="-127"/>
+                <a:sym typeface="KoPubDotum Medium" charset="0"/>
+              </a:rPr>
+              <a:t>)</a:t>
+            </a:r>
+            <a:endParaRPr lang="ko-KR" altLang="ko-KR" sz="1800" dirty="0">
+              <a:solidFill>
+                <a:schemeClr val="tx1"/>
+              </a:solidFill>
+              <a:latin typeface="맑은 고딕" panose="020B0503020000020004" pitchFamily="50" charset="-127"/>
+              <a:ea typeface="맑은 고딕" panose="020B0503020000020004" pitchFamily="50" charset="-127"/>
+              <a:sym typeface="KoPubDotum Medium" charset="0"/>
+            </a:endParaRPr>
+          </a:p>
+        </p:txBody>
+      </p:sp>
+    </p:spTree>
+    <p:extLst>
+      <p:ext uri="{BB962C8B-B14F-4D97-AF65-F5344CB8AC3E}">
+        <p14:creationId xmlns:p14="http://schemas.microsoft.com/office/powerpoint/2010/main" val="478067691"/>
+      </p:ext>
+    </p:extLst>
+  </p:cSld>
+  <p:clrMapOvr>
+    <a:masterClrMapping/>
+  </p:clrMapOvr>
+</p:sld>
+</file>
+
+<file path=ppt/slides/slide52.xml><?xml version="1.0" encoding="utf-8"?>
+<p:sld xmlns:a="http://schemas.openxmlformats.org/drawingml/2006/main" xmlns:r="http://schemas.openxmlformats.org/officeDocument/2006/relationships" xmlns:p="http://schemas.openxmlformats.org/presentationml/2006/main">
+  <p:cSld>
+    <p:bg>
+      <p:bgPr>
+        <a:solidFill>
+          <a:schemeClr val="bg1"/>
+        </a:solidFill>
+        <a:effectLst/>
+      </p:bgPr>
+    </p:bg>
+    <p:spTree>
+      <p:nvGrpSpPr>
+        <p:cNvPr id="1" name=""/>
+        <p:cNvGrpSpPr/>
+        <p:nvPr/>
+      </p:nvGrpSpPr>
+      <p:grpSpPr>
+        <a:xfrm>
+          <a:off x="0" y="0"/>
+          <a:ext cx="0" cy="0"/>
+          <a:chOff x="0" y="0"/>
+          <a:chExt cx="0" cy="0"/>
+        </a:xfrm>
+      </p:grpSpPr>
+      <p:sp>
+        <p:nvSpPr>
+          <p:cNvPr id="5" name="Rectangle 2">
+            <a:extLst>
+              <a:ext uri="{FF2B5EF4-FFF2-40B4-BE49-F238E27FC236}">
+                <a16:creationId xmlns:a16="http://schemas.microsoft.com/office/drawing/2014/main" id="{0BFF5754-E615-4613-A123-F798FC0E77C7}"/>
+              </a:ext>
+            </a:extLst>
+          </p:cNvPr>
+          <p:cNvSpPr>
+            <a:spLocks/>
+          </p:cNvSpPr>
+          <p:nvPr/>
+        </p:nvSpPr>
+        <p:spPr bwMode="auto">
+          <a:xfrm>
+            <a:off x="1446213" y="6421438"/>
+            <a:ext cx="3313112" cy="873125"/>
+          </a:xfrm>
+          <a:prstGeom prst="rect">
+            <a:avLst/>
+          </a:prstGeom>
+          <a:noFill/>
+          <a:ln>
+            <a:noFill/>
+          </a:ln>
+          <a:effectLst/>
+          <a:extLst>
+            <a:ext uri="{909E8E84-426E-40DD-AFC4-6F175D3DCCD1}">
+              <a14:hiddenFill xmlns:a14="http://schemas.microsoft.com/office/drawing/2010/main">
+                <a:solidFill>
+                  <a:srgbClr val="FFFFFF"/>
+                </a:solidFill>
+              </a14:hiddenFill>
+            </a:ext>
+            <a:ext uri="{91240B29-F687-4F45-9708-019B960494DF}">
+              <a14:hiddenLine xmlns:a14="http://schemas.microsoft.com/office/drawing/2010/main" w="12700">
+                <a:solidFill>
+                  <a:srgbClr val="000000"/>
+                </a:solidFill>
+                <a:miter lim="0"/>
+                <a:headEnd/>
+                <a:tailEnd/>
+              </a14:hiddenLine>
+            </a:ext>
+            <a:ext uri="{AF507438-7753-43E0-B8FC-AC1667EBCBE1}">
+              <a14:hiddenEffects xmlns:a14="http://schemas.microsoft.com/office/drawing/2010/main">
+                <a:effectLst>
+                  <a:outerShdw dist="35921" dir="2700000" algn="ctr" rotWithShape="0">
+                    <a:srgbClr val="808080"/>
+                  </a:outerShdw>
+                </a:effectLst>
+              </a14:hiddenEffects>
+            </a:ext>
+          </a:extLst>
+        </p:spPr>
+        <p:txBody>
+          <a:bodyPr wrap="none" lIns="50800" tIns="50800" rIns="50800" bIns="50800" anchor="ctr">
+            <a:spAutoFit/>
+          </a:bodyPr>
+          <a:lstStyle>
+            <a:lvl1pPr>
+              <a:defRPr sz="5000">
+                <a:solidFill>
+                  <a:srgbClr val="000000"/>
+                </a:solidFill>
+                <a:latin typeface="Helvetica Light" charset="0"/>
+                <a:ea typeface="Helvetica Light" charset="0"/>
+                <a:cs typeface="Helvetica Light" charset="0"/>
+                <a:sym typeface="Helvetica Light" charset="0"/>
+              </a:defRPr>
+            </a:lvl1pPr>
+            <a:lvl2pPr marL="742950" indent="-285750">
+              <a:defRPr sz="5000">
+                <a:solidFill>
+                  <a:srgbClr val="000000"/>
+                </a:solidFill>
+                <a:latin typeface="Helvetica Light" charset="0"/>
+                <a:ea typeface="Helvetica Light" charset="0"/>
+                <a:cs typeface="Helvetica Light" charset="0"/>
+                <a:sym typeface="Helvetica Light" charset="0"/>
+              </a:defRPr>
+            </a:lvl2pPr>
+            <a:lvl3pPr marL="1143000" indent="-228600">
+              <a:defRPr sz="5000">
+                <a:solidFill>
+                  <a:srgbClr val="000000"/>
+                </a:solidFill>
+                <a:latin typeface="Helvetica Light" charset="0"/>
+                <a:ea typeface="Helvetica Light" charset="0"/>
+                <a:cs typeface="Helvetica Light" charset="0"/>
+                <a:sym typeface="Helvetica Light" charset="0"/>
+              </a:defRPr>
+            </a:lvl3pPr>
+            <a:lvl4pPr marL="1600200" indent="-228600">
+              <a:defRPr sz="5000">
+                <a:solidFill>
+                  <a:srgbClr val="000000"/>
+                </a:solidFill>
+                <a:latin typeface="Helvetica Light" charset="0"/>
+                <a:ea typeface="Helvetica Light" charset="0"/>
+                <a:cs typeface="Helvetica Light" charset="0"/>
+                <a:sym typeface="Helvetica Light" charset="0"/>
+              </a:defRPr>
+            </a:lvl4pPr>
+            <a:lvl5pPr marL="2057400" indent="-228600">
+              <a:defRPr sz="5000">
+                <a:solidFill>
+                  <a:srgbClr val="000000"/>
+                </a:solidFill>
+                <a:latin typeface="Helvetica Light" charset="0"/>
+                <a:ea typeface="Helvetica Light" charset="0"/>
+                <a:cs typeface="Helvetica Light" charset="0"/>
+                <a:sym typeface="Helvetica Light" charset="0"/>
+              </a:defRPr>
+            </a:lvl5pPr>
+            <a:lvl6pPr marL="2514600" indent="-228600" defTabSz="825500" eaLnBrk="0" fontAlgn="base" hangingPunct="0">
+              <a:spcBef>
+                <a:spcPct val="0"/>
+              </a:spcBef>
+              <a:spcAft>
+                <a:spcPct val="0"/>
+              </a:spcAft>
+              <a:defRPr sz="5000">
+                <a:solidFill>
+                  <a:srgbClr val="000000"/>
+                </a:solidFill>
+                <a:latin typeface="Helvetica Light" charset="0"/>
+                <a:ea typeface="Helvetica Light" charset="0"/>
+                <a:cs typeface="Helvetica Light" charset="0"/>
+                <a:sym typeface="Helvetica Light" charset="0"/>
+              </a:defRPr>
+            </a:lvl6pPr>
+            <a:lvl7pPr marL="2971800" indent="-228600" defTabSz="825500" eaLnBrk="0" fontAlgn="base" hangingPunct="0">
+              <a:spcBef>
+                <a:spcPct val="0"/>
+              </a:spcBef>
+              <a:spcAft>
+                <a:spcPct val="0"/>
+              </a:spcAft>
+              <a:defRPr sz="5000">
+                <a:solidFill>
+                  <a:srgbClr val="000000"/>
+                </a:solidFill>
+                <a:latin typeface="Helvetica Light" charset="0"/>
+                <a:ea typeface="Helvetica Light" charset="0"/>
+                <a:cs typeface="Helvetica Light" charset="0"/>
+                <a:sym typeface="Helvetica Light" charset="0"/>
+              </a:defRPr>
+            </a:lvl7pPr>
+            <a:lvl8pPr marL="3429000" indent="-228600" defTabSz="825500" eaLnBrk="0" fontAlgn="base" hangingPunct="0">
+              <a:spcBef>
+                <a:spcPct val="0"/>
+              </a:spcBef>
+              <a:spcAft>
+                <a:spcPct val="0"/>
+              </a:spcAft>
+              <a:defRPr sz="5000">
+                <a:solidFill>
+                  <a:srgbClr val="000000"/>
+                </a:solidFill>
+                <a:latin typeface="Helvetica Light" charset="0"/>
+                <a:ea typeface="Helvetica Light" charset="0"/>
+                <a:cs typeface="Helvetica Light" charset="0"/>
+                <a:sym typeface="Helvetica Light" charset="0"/>
+              </a:defRPr>
+            </a:lvl8pPr>
+            <a:lvl9pPr marL="3886200" indent="-228600" defTabSz="825500" eaLnBrk="0" fontAlgn="base" hangingPunct="0">
+              <a:spcBef>
+                <a:spcPct val="0"/>
+              </a:spcBef>
+              <a:spcAft>
+                <a:spcPct val="0"/>
+              </a:spcAft>
+              <a:defRPr sz="5000">
+                <a:solidFill>
+                  <a:srgbClr val="000000"/>
+                </a:solidFill>
+                <a:latin typeface="Helvetica Light" charset="0"/>
+                <a:ea typeface="Helvetica Light" charset="0"/>
+                <a:cs typeface="Helvetica Light" charset="0"/>
+                <a:sym typeface="Helvetica Light" charset="0"/>
+              </a:defRPr>
+            </a:lvl9pPr>
+          </a:lstStyle>
+          <a:p>
+            <a:pPr eaLnBrk="1"/>
+            <a:r>
+              <a:rPr lang="ko-KR" altLang="ko-KR" dirty="0">
+                <a:solidFill>
+                  <a:schemeClr val="tx1"/>
+                </a:solidFill>
+                <a:latin typeface="맑은 고딕" panose="020B0503020000020004" pitchFamily="50" charset="-127"/>
+                <a:ea typeface="맑은 고딕" panose="020B0503020000020004" pitchFamily="50" charset="-127"/>
+                <a:sym typeface="KoPubDotum Medium" charset="0"/>
+              </a:rPr>
+              <a:t>내용 (</a:t>
+            </a:r>
+            <a:r>
+              <a:rPr lang="en-US" altLang="ko-KR" dirty="0">
+                <a:solidFill>
+                  <a:schemeClr val="tx1"/>
+                </a:solidFill>
+                <a:latin typeface="맑은 고딕" panose="020B0503020000020004" pitchFamily="50" charset="-127"/>
+                <a:ea typeface="맑은 고딕" panose="020B0503020000020004" pitchFamily="50" charset="-127"/>
+                <a:sym typeface="KoPubDotum Medium" charset="0"/>
+              </a:rPr>
+              <a:t>50pt</a:t>
+            </a:r>
+            <a:r>
+              <a:rPr lang="ko-KR" altLang="ko-KR" dirty="0">
+                <a:solidFill>
+                  <a:schemeClr val="tx1"/>
+                </a:solidFill>
+                <a:latin typeface="맑은 고딕" panose="020B0503020000020004" pitchFamily="50" charset="-127"/>
+                <a:ea typeface="맑은 고딕" panose="020B0503020000020004" pitchFamily="50" charset="-127"/>
+                <a:sym typeface="KoPubDotum Medium" charset="0"/>
+              </a:rPr>
+              <a:t>)</a:t>
+            </a:r>
+            <a:endParaRPr lang="ko-KR" altLang="ko-KR" sz="1800" dirty="0">
+              <a:solidFill>
+                <a:schemeClr val="tx1"/>
+              </a:solidFill>
+              <a:latin typeface="맑은 고딕" panose="020B0503020000020004" pitchFamily="50" charset="-127"/>
+              <a:ea typeface="맑은 고딕" panose="020B0503020000020004" pitchFamily="50" charset="-127"/>
+              <a:sym typeface="KoPubDotum Medium" charset="0"/>
+            </a:endParaRPr>
+          </a:p>
+        </p:txBody>
+      </p:sp>
+    </p:spTree>
+    <p:extLst>
+      <p:ext uri="{BB962C8B-B14F-4D97-AF65-F5344CB8AC3E}">
+        <p14:creationId xmlns:p14="http://schemas.microsoft.com/office/powerpoint/2010/main" val="1368347265"/>
+      </p:ext>
+    </p:extLst>
+  </p:cSld>
+  <p:clrMapOvr>
+    <a:masterClrMapping/>
+  </p:clrMapOvr>
+</p:sld>
+</file>
+
+<file path=ppt/slides/slide53.xml><?xml version="1.0" encoding="utf-8"?>
+<p:sld xmlns:a="http://schemas.openxmlformats.org/drawingml/2006/main" xmlns:r="http://schemas.openxmlformats.org/officeDocument/2006/relationships" xmlns:p="http://schemas.openxmlformats.org/presentationml/2006/main">
+  <p:cSld>
+    <p:bg>
+      <p:bgPr>
+        <a:solidFill>
+          <a:schemeClr val="bg1"/>
+        </a:solidFill>
+        <a:effectLst/>
+      </p:bgPr>
+    </p:bg>
+    <p:spTree>
+      <p:nvGrpSpPr>
+        <p:cNvPr id="1" name=""/>
+        <p:cNvGrpSpPr/>
+        <p:nvPr/>
+      </p:nvGrpSpPr>
+      <p:grpSpPr>
+        <a:xfrm>
+          <a:off x="0" y="0"/>
+          <a:ext cx="0" cy="0"/>
+          <a:chOff x="0" y="0"/>
+          <a:chExt cx="0" cy="0"/>
+        </a:xfrm>
+      </p:grpSpPr>
+      <p:sp>
+        <p:nvSpPr>
+          <p:cNvPr id="5" name="Rectangle 2">
+            <a:extLst>
+              <a:ext uri="{FF2B5EF4-FFF2-40B4-BE49-F238E27FC236}">
+                <a16:creationId xmlns:a16="http://schemas.microsoft.com/office/drawing/2014/main" id="{0BFF5754-E615-4613-A123-F798FC0E77C7}"/>
+              </a:ext>
+            </a:extLst>
+          </p:cNvPr>
+          <p:cNvSpPr>
+            <a:spLocks/>
+          </p:cNvSpPr>
+          <p:nvPr/>
+        </p:nvSpPr>
+        <p:spPr bwMode="auto">
+          <a:xfrm>
+            <a:off x="1446213" y="6421438"/>
+            <a:ext cx="3313112" cy="873125"/>
+          </a:xfrm>
+          <a:prstGeom prst="rect">
+            <a:avLst/>
+          </a:prstGeom>
+          <a:noFill/>
+          <a:ln>
+            <a:noFill/>
+          </a:ln>
+          <a:effectLst/>
+          <a:extLst>
+            <a:ext uri="{909E8E84-426E-40DD-AFC4-6F175D3DCCD1}">
+              <a14:hiddenFill xmlns:a14="http://schemas.microsoft.com/office/drawing/2010/main">
+                <a:solidFill>
+                  <a:srgbClr val="FFFFFF"/>
+                </a:solidFill>
+              </a14:hiddenFill>
+            </a:ext>
+            <a:ext uri="{91240B29-F687-4F45-9708-019B960494DF}">
+              <a14:hiddenLine xmlns:a14="http://schemas.microsoft.com/office/drawing/2010/main" w="12700">
+                <a:solidFill>
+                  <a:srgbClr val="000000"/>
+                </a:solidFill>
+                <a:miter lim="0"/>
+                <a:headEnd/>
+                <a:tailEnd/>
+              </a14:hiddenLine>
+            </a:ext>
+            <a:ext uri="{AF507438-7753-43E0-B8FC-AC1667EBCBE1}">
+              <a14:hiddenEffects xmlns:a14="http://schemas.microsoft.com/office/drawing/2010/main">
+                <a:effectLst>
+                  <a:outerShdw dist="35921" dir="2700000" algn="ctr" rotWithShape="0">
+                    <a:srgbClr val="808080"/>
+                  </a:outerShdw>
+                </a:effectLst>
+              </a14:hiddenEffects>
+            </a:ext>
+          </a:extLst>
+        </p:spPr>
+        <p:txBody>
+          <a:bodyPr wrap="none" lIns="50800" tIns="50800" rIns="50800" bIns="50800" anchor="ctr">
+            <a:spAutoFit/>
+          </a:bodyPr>
+          <a:lstStyle>
+            <a:lvl1pPr>
+              <a:defRPr sz="5000">
+                <a:solidFill>
+                  <a:srgbClr val="000000"/>
+                </a:solidFill>
+                <a:latin typeface="Helvetica Light" charset="0"/>
+                <a:ea typeface="Helvetica Light" charset="0"/>
+                <a:cs typeface="Helvetica Light" charset="0"/>
+                <a:sym typeface="Helvetica Light" charset="0"/>
+              </a:defRPr>
+            </a:lvl1pPr>
+            <a:lvl2pPr marL="742950" indent="-285750">
+              <a:defRPr sz="5000">
+                <a:solidFill>
+                  <a:srgbClr val="000000"/>
+                </a:solidFill>
+                <a:latin typeface="Helvetica Light" charset="0"/>
+                <a:ea typeface="Helvetica Light" charset="0"/>
+                <a:cs typeface="Helvetica Light" charset="0"/>
+                <a:sym typeface="Helvetica Light" charset="0"/>
+              </a:defRPr>
+            </a:lvl2pPr>
+            <a:lvl3pPr marL="1143000" indent="-228600">
+              <a:defRPr sz="5000">
+                <a:solidFill>
+                  <a:srgbClr val="000000"/>
+                </a:solidFill>
+                <a:latin typeface="Helvetica Light" charset="0"/>
+                <a:ea typeface="Helvetica Light" charset="0"/>
+                <a:cs typeface="Helvetica Light" charset="0"/>
+                <a:sym typeface="Helvetica Light" charset="0"/>
+              </a:defRPr>
+            </a:lvl3pPr>
+            <a:lvl4pPr marL="1600200" indent="-228600">
+              <a:defRPr sz="5000">
+                <a:solidFill>
+                  <a:srgbClr val="000000"/>
+                </a:solidFill>
+                <a:latin typeface="Helvetica Light" charset="0"/>
+                <a:ea typeface="Helvetica Light" charset="0"/>
+                <a:cs typeface="Helvetica Light" charset="0"/>
+                <a:sym typeface="Helvetica Light" charset="0"/>
+              </a:defRPr>
+            </a:lvl4pPr>
+            <a:lvl5pPr marL="2057400" indent="-228600">
+              <a:defRPr sz="5000">
+                <a:solidFill>
+                  <a:srgbClr val="000000"/>
+                </a:solidFill>
+                <a:latin typeface="Helvetica Light" charset="0"/>
+                <a:ea typeface="Helvetica Light" charset="0"/>
+                <a:cs typeface="Helvetica Light" charset="0"/>
+                <a:sym typeface="Helvetica Light" charset="0"/>
+              </a:defRPr>
+            </a:lvl5pPr>
+            <a:lvl6pPr marL="2514600" indent="-228600" defTabSz="825500" eaLnBrk="0" fontAlgn="base" hangingPunct="0">
+              <a:spcBef>
+                <a:spcPct val="0"/>
+              </a:spcBef>
+              <a:spcAft>
+                <a:spcPct val="0"/>
+              </a:spcAft>
+              <a:defRPr sz="5000">
+                <a:solidFill>
+                  <a:srgbClr val="000000"/>
+                </a:solidFill>
+                <a:latin typeface="Helvetica Light" charset="0"/>
+                <a:ea typeface="Helvetica Light" charset="0"/>
+                <a:cs typeface="Helvetica Light" charset="0"/>
+                <a:sym typeface="Helvetica Light" charset="0"/>
+              </a:defRPr>
+            </a:lvl6pPr>
+            <a:lvl7pPr marL="2971800" indent="-228600" defTabSz="825500" eaLnBrk="0" fontAlgn="base" hangingPunct="0">
+              <a:spcBef>
+                <a:spcPct val="0"/>
+              </a:spcBef>
+              <a:spcAft>
+                <a:spcPct val="0"/>
+              </a:spcAft>
+              <a:defRPr sz="5000">
+                <a:solidFill>
+                  <a:srgbClr val="000000"/>
+                </a:solidFill>
+                <a:latin typeface="Helvetica Light" charset="0"/>
+                <a:ea typeface="Helvetica Light" charset="0"/>
+                <a:cs typeface="Helvetica Light" charset="0"/>
+                <a:sym typeface="Helvetica Light" charset="0"/>
+              </a:defRPr>
+            </a:lvl7pPr>
+            <a:lvl8pPr marL="3429000" indent="-228600" defTabSz="825500" eaLnBrk="0" fontAlgn="base" hangingPunct="0">
+              <a:spcBef>
+                <a:spcPct val="0"/>
+              </a:spcBef>
+              <a:spcAft>
+                <a:spcPct val="0"/>
+              </a:spcAft>
+              <a:defRPr sz="5000">
+                <a:solidFill>
+                  <a:srgbClr val="000000"/>
+                </a:solidFill>
+                <a:latin typeface="Helvetica Light" charset="0"/>
+                <a:ea typeface="Helvetica Light" charset="0"/>
+                <a:cs typeface="Helvetica Light" charset="0"/>
+                <a:sym typeface="Helvetica Light" charset="0"/>
+              </a:defRPr>
+            </a:lvl8pPr>
+            <a:lvl9pPr marL="3886200" indent="-228600" defTabSz="825500" eaLnBrk="0" fontAlgn="base" hangingPunct="0">
+              <a:spcBef>
+                <a:spcPct val="0"/>
+              </a:spcBef>
+              <a:spcAft>
+                <a:spcPct val="0"/>
+              </a:spcAft>
+              <a:defRPr sz="5000">
+                <a:solidFill>
+                  <a:srgbClr val="000000"/>
+                </a:solidFill>
+                <a:latin typeface="Helvetica Light" charset="0"/>
+                <a:ea typeface="Helvetica Light" charset="0"/>
+                <a:cs typeface="Helvetica Light" charset="0"/>
+                <a:sym typeface="Helvetica Light" charset="0"/>
+              </a:defRPr>
+            </a:lvl9pPr>
+          </a:lstStyle>
+          <a:p>
+            <a:pPr eaLnBrk="1"/>
+            <a:r>
+              <a:rPr lang="ko-KR" altLang="ko-KR" dirty="0">
+                <a:solidFill>
+                  <a:schemeClr val="tx1"/>
+                </a:solidFill>
+                <a:latin typeface="맑은 고딕" panose="020B0503020000020004" pitchFamily="50" charset="-127"/>
+                <a:ea typeface="맑은 고딕" panose="020B0503020000020004" pitchFamily="50" charset="-127"/>
+                <a:sym typeface="KoPubDotum Medium" charset="0"/>
+              </a:rPr>
+              <a:t>내용 (</a:t>
+            </a:r>
+            <a:r>
+              <a:rPr lang="en-US" altLang="ko-KR" dirty="0">
+                <a:solidFill>
+                  <a:schemeClr val="tx1"/>
+                </a:solidFill>
+                <a:latin typeface="맑은 고딕" panose="020B0503020000020004" pitchFamily="50" charset="-127"/>
+                <a:ea typeface="맑은 고딕" panose="020B0503020000020004" pitchFamily="50" charset="-127"/>
+                <a:sym typeface="KoPubDotum Medium" charset="0"/>
+              </a:rPr>
+              <a:t>50pt</a:t>
+            </a:r>
+            <a:r>
+              <a:rPr lang="ko-KR" altLang="ko-KR" dirty="0">
+                <a:solidFill>
+                  <a:schemeClr val="tx1"/>
+                </a:solidFill>
+                <a:latin typeface="맑은 고딕" panose="020B0503020000020004" pitchFamily="50" charset="-127"/>
+                <a:ea typeface="맑은 고딕" panose="020B0503020000020004" pitchFamily="50" charset="-127"/>
+                <a:sym typeface="KoPubDotum Medium" charset="0"/>
+              </a:rPr>
+              <a:t>)</a:t>
+            </a:r>
+            <a:endParaRPr lang="ko-KR" altLang="ko-KR" sz="1800" dirty="0">
+              <a:solidFill>
+                <a:schemeClr val="tx1"/>
+              </a:solidFill>
+              <a:latin typeface="맑은 고딕" panose="020B0503020000020004" pitchFamily="50" charset="-127"/>
+              <a:ea typeface="맑은 고딕" panose="020B0503020000020004" pitchFamily="50" charset="-127"/>
+              <a:sym typeface="KoPubDotum Medium" charset="0"/>
+            </a:endParaRPr>
+          </a:p>
+        </p:txBody>
+      </p:sp>
+    </p:spTree>
+    <p:extLst>
+      <p:ext uri="{BB962C8B-B14F-4D97-AF65-F5344CB8AC3E}">
+        <p14:creationId xmlns:p14="http://schemas.microsoft.com/office/powerpoint/2010/main" val="2212384153"/>
+      </p:ext>
+    </p:extLst>
+  </p:cSld>
+  <p:clrMapOvr>
+    <a:masterClrMapping/>
+  </p:clrMapOvr>
+</p:sld>
+</file>
+
+<file path=ppt/slides/slide54.xml><?xml version="1.0" encoding="utf-8"?>
+<p:sld xmlns:a="http://schemas.openxmlformats.org/drawingml/2006/main" xmlns:r="http://schemas.openxmlformats.org/officeDocument/2006/relationships" xmlns:p="http://schemas.openxmlformats.org/presentationml/2006/main">
+  <p:cSld>
+    <p:bg>
+      <p:bgPr>
+        <a:solidFill>
+          <a:srgbClr val="F2F2F2"/>
+        </a:solidFill>
+        <a:effectLst/>
+      </p:bgPr>
+    </p:bg>
+    <p:spTree>
+      <p:nvGrpSpPr>
+        <p:cNvPr id="1" name=""/>
+        <p:cNvGrpSpPr/>
+        <p:nvPr/>
+      </p:nvGrpSpPr>
+      <p:grpSpPr>
+        <a:xfrm>
+          <a:off x="0" y="0"/>
+          <a:ext cx="0" cy="0"/>
+          <a:chOff x="0" y="0"/>
+          <a:chExt cx="0" cy="0"/>
+        </a:xfrm>
+      </p:grpSpPr>
+      <p:sp>
+        <p:nvSpPr>
+          <p:cNvPr id="5" name="Rectangle 2">
+            <a:extLst>
+              <a:ext uri="{FF2B5EF4-FFF2-40B4-BE49-F238E27FC236}">
+                <a16:creationId xmlns:a16="http://schemas.microsoft.com/office/drawing/2014/main" id="{63739741-4280-4674-8B48-8EB7D3C12BA3}"/>
+              </a:ext>
+            </a:extLst>
+          </p:cNvPr>
+          <p:cNvSpPr>
+            <a:spLocks/>
+          </p:cNvSpPr>
+          <p:nvPr/>
+        </p:nvSpPr>
+        <p:spPr bwMode="auto">
+          <a:xfrm>
+            <a:off x="1312863" y="5562600"/>
+            <a:ext cx="16319500" cy="1487488"/>
+          </a:xfrm>
+          <a:prstGeom prst="rect">
+            <a:avLst/>
+          </a:prstGeom>
+          <a:noFill/>
+          <a:ln>
+            <a:noFill/>
+          </a:ln>
+          <a:effectLst/>
+          <a:extLst>
+            <a:ext uri="{909E8E84-426E-40DD-AFC4-6F175D3DCCD1}">
+              <a14:hiddenFill xmlns:a14="http://schemas.microsoft.com/office/drawing/2010/main">
+                <a:solidFill>
+                  <a:srgbClr val="FFFFFF"/>
+                </a:solidFill>
+              </a14:hiddenFill>
+            </a:ext>
+            <a:ext uri="{91240B29-F687-4F45-9708-019B960494DF}">
+              <a14:hiddenLine xmlns:a14="http://schemas.microsoft.com/office/drawing/2010/main" w="12700">
+                <a:solidFill>
+                  <a:srgbClr val="000000"/>
+                </a:solidFill>
+                <a:miter lim="0"/>
+                <a:headEnd/>
+                <a:tailEnd/>
+              </a14:hiddenLine>
+            </a:ext>
+            <a:ext uri="{AF507438-7753-43E0-B8FC-AC1667EBCBE1}">
+              <a14:hiddenEffects xmlns:a14="http://schemas.microsoft.com/office/drawing/2010/main">
+                <a:effectLst>
+                  <a:outerShdw dist="35921" dir="2700000" algn="ctr" rotWithShape="0">
+                    <a:srgbClr val="808080"/>
+                  </a:outerShdw>
+                </a:effectLst>
+              </a14:hiddenEffects>
+            </a:ext>
+          </a:extLst>
+        </p:spPr>
+        <p:txBody>
+          <a:bodyPr lIns="50800" tIns="50800" rIns="50800" bIns="50800" anchor="ctr">
+            <a:spAutoFit/>
+          </a:bodyPr>
+          <a:lstStyle>
+            <a:lvl1pPr>
+              <a:defRPr sz="5000">
+                <a:solidFill>
+                  <a:srgbClr val="000000"/>
+                </a:solidFill>
+                <a:latin typeface="Helvetica Light" charset="0"/>
+                <a:ea typeface="Helvetica Light" charset="0"/>
+                <a:cs typeface="Helvetica Light" charset="0"/>
+                <a:sym typeface="Helvetica Light" charset="0"/>
+              </a:defRPr>
+            </a:lvl1pPr>
+            <a:lvl2pPr marL="742950" indent="-285750">
+              <a:defRPr sz="5000">
+                <a:solidFill>
+                  <a:srgbClr val="000000"/>
+                </a:solidFill>
+                <a:latin typeface="Helvetica Light" charset="0"/>
+                <a:ea typeface="Helvetica Light" charset="0"/>
+                <a:cs typeface="Helvetica Light" charset="0"/>
+                <a:sym typeface="Helvetica Light" charset="0"/>
+              </a:defRPr>
+            </a:lvl2pPr>
+            <a:lvl3pPr marL="1143000" indent="-228600">
+              <a:defRPr sz="5000">
+                <a:solidFill>
+                  <a:srgbClr val="000000"/>
+                </a:solidFill>
+                <a:latin typeface="Helvetica Light" charset="0"/>
+                <a:ea typeface="Helvetica Light" charset="0"/>
+                <a:cs typeface="Helvetica Light" charset="0"/>
+                <a:sym typeface="Helvetica Light" charset="0"/>
+              </a:defRPr>
+            </a:lvl3pPr>
+            <a:lvl4pPr marL="1600200" indent="-228600">
+              <a:defRPr sz="5000">
+                <a:solidFill>
+                  <a:srgbClr val="000000"/>
+                </a:solidFill>
+                <a:latin typeface="Helvetica Light" charset="0"/>
+                <a:ea typeface="Helvetica Light" charset="0"/>
+                <a:cs typeface="Helvetica Light" charset="0"/>
+                <a:sym typeface="Helvetica Light" charset="0"/>
+              </a:defRPr>
+            </a:lvl4pPr>
+            <a:lvl5pPr marL="2057400" indent="-228600">
+              <a:defRPr sz="5000">
+                <a:solidFill>
+                  <a:srgbClr val="000000"/>
+                </a:solidFill>
+                <a:latin typeface="Helvetica Light" charset="0"/>
+                <a:ea typeface="Helvetica Light" charset="0"/>
+                <a:cs typeface="Helvetica Light" charset="0"/>
+                <a:sym typeface="Helvetica Light" charset="0"/>
+              </a:defRPr>
+            </a:lvl5pPr>
+            <a:lvl6pPr marL="2514600" indent="-228600" defTabSz="825500" eaLnBrk="0" fontAlgn="base" hangingPunct="0">
+              <a:spcBef>
+                <a:spcPct val="0"/>
+              </a:spcBef>
+              <a:spcAft>
+                <a:spcPct val="0"/>
+              </a:spcAft>
+              <a:defRPr sz="5000">
+                <a:solidFill>
+                  <a:srgbClr val="000000"/>
+                </a:solidFill>
+                <a:latin typeface="Helvetica Light" charset="0"/>
+                <a:ea typeface="Helvetica Light" charset="0"/>
+                <a:cs typeface="Helvetica Light" charset="0"/>
+                <a:sym typeface="Helvetica Light" charset="0"/>
+              </a:defRPr>
+            </a:lvl6pPr>
+            <a:lvl7pPr marL="2971800" indent="-228600" defTabSz="825500" eaLnBrk="0" fontAlgn="base" hangingPunct="0">
+              <a:spcBef>
+                <a:spcPct val="0"/>
+              </a:spcBef>
+              <a:spcAft>
+                <a:spcPct val="0"/>
+              </a:spcAft>
+              <a:defRPr sz="5000">
+                <a:solidFill>
+                  <a:srgbClr val="000000"/>
+                </a:solidFill>
+                <a:latin typeface="Helvetica Light" charset="0"/>
+                <a:ea typeface="Helvetica Light" charset="0"/>
+                <a:cs typeface="Helvetica Light" charset="0"/>
+                <a:sym typeface="Helvetica Light" charset="0"/>
+              </a:defRPr>
+            </a:lvl7pPr>
+            <a:lvl8pPr marL="3429000" indent="-228600" defTabSz="825500" eaLnBrk="0" fontAlgn="base" hangingPunct="0">
+              <a:spcBef>
+                <a:spcPct val="0"/>
+              </a:spcBef>
+              <a:spcAft>
+                <a:spcPct val="0"/>
+              </a:spcAft>
+              <a:defRPr sz="5000">
+                <a:solidFill>
+                  <a:srgbClr val="000000"/>
+                </a:solidFill>
+                <a:latin typeface="Helvetica Light" charset="0"/>
+                <a:ea typeface="Helvetica Light" charset="0"/>
+                <a:cs typeface="Helvetica Light" charset="0"/>
+                <a:sym typeface="Helvetica Light" charset="0"/>
+              </a:defRPr>
+            </a:lvl8pPr>
+            <a:lvl9pPr marL="3886200" indent="-228600" defTabSz="825500" eaLnBrk="0" fontAlgn="base" hangingPunct="0">
+              <a:spcBef>
+                <a:spcPct val="0"/>
+              </a:spcBef>
+              <a:spcAft>
+                <a:spcPct val="0"/>
+              </a:spcAft>
+              <a:defRPr sz="5000">
+                <a:solidFill>
+                  <a:srgbClr val="000000"/>
+                </a:solidFill>
+                <a:latin typeface="Helvetica Light" charset="0"/>
+                <a:ea typeface="Helvetica Light" charset="0"/>
+                <a:cs typeface="Helvetica Light" charset="0"/>
+                <a:sym typeface="Helvetica Light" charset="0"/>
+              </a:defRPr>
+            </a:lvl9pPr>
+          </a:lstStyle>
+          <a:p>
+            <a:pPr eaLnBrk="1"/>
+            <a:r>
+              <a:rPr lang="ko-KR" altLang="ko-KR" sz="9000" b="1" dirty="0">
+                <a:solidFill>
+                  <a:schemeClr val="tx1"/>
+                </a:solidFill>
+                <a:latin typeface="맑은 고딕" panose="020B0503020000020004" pitchFamily="50" charset="-127"/>
+                <a:ea typeface="맑은 고딕" panose="020B0503020000020004" pitchFamily="50" charset="-127"/>
+                <a:sym typeface="KoPubDotum Bold" charset="0"/>
+              </a:rPr>
+              <a:t>감사합니다.</a:t>
+            </a:r>
+            <a:endParaRPr lang="ko-KR" altLang="ko-KR" sz="1800" b="1" dirty="0">
+              <a:solidFill>
+                <a:schemeClr val="tx1"/>
+              </a:solidFill>
+              <a:latin typeface="맑은 고딕" panose="020B0503020000020004" pitchFamily="50" charset="-127"/>
+              <a:ea typeface="맑은 고딕" panose="020B0503020000020004" pitchFamily="50" charset="-127"/>
+              <a:sym typeface="KoPubDotum Bold" charset="0"/>
+            </a:endParaRPr>
+          </a:p>
+        </p:txBody>
+      </p:sp>
+    </p:spTree>
+    <p:extLst>
+      <p:ext uri="{BB962C8B-B14F-4D97-AF65-F5344CB8AC3E}">
+        <p14:creationId xmlns:p14="http://schemas.microsoft.com/office/powerpoint/2010/main" val="1862023297"/>
       </p:ext>
     </p:extLst>
   </p:cSld>

--- a/[C++ Korea 4th Seminar]Visual Cpp에서 유닛 테스트 하기.pptx
+++ b/[C++ Korea 4th Seminar]Visual Cpp에서 유닛 테스트 하기.pptx
@@ -51,14 +51,14 @@
     <p:sldId id="313" r:id="rId42"/>
     <p:sldId id="314" r:id="rId43"/>
     <p:sldId id="315" r:id="rId44"/>
-    <p:sldId id="316" r:id="rId45"/>
-    <p:sldId id="268" r:id="rId46"/>
-    <p:sldId id="317" r:id="rId47"/>
-    <p:sldId id="318" r:id="rId48"/>
-    <p:sldId id="319" r:id="rId49"/>
-    <p:sldId id="320" r:id="rId50"/>
-    <p:sldId id="295" r:id="rId51"/>
-    <p:sldId id="296" r:id="rId52"/>
+    <p:sldId id="295" r:id="rId45"/>
+    <p:sldId id="316" r:id="rId46"/>
+    <p:sldId id="296" r:id="rId47"/>
+    <p:sldId id="268" r:id="rId48"/>
+    <p:sldId id="317" r:id="rId49"/>
+    <p:sldId id="318" r:id="rId50"/>
+    <p:sldId id="319" r:id="rId51"/>
+    <p:sldId id="320" r:id="rId52"/>
     <p:sldId id="297" r:id="rId53"/>
     <p:sldId id="294" r:id="rId54"/>
     <p:sldId id="272" r:id="rId55"/>
@@ -265,7 +265,7 @@
           <a:p>
             <a:fld id="{3BBB03BC-09CE-4836-AC1F-7576B8AAE24F}" type="datetimeFigureOut">
               <a:rPr lang="ko-KR" altLang="en-US" smtClean="0"/>
-              <a:t>2018-07-18</a:t>
+              <a:t>2018-07-19</a:t>
             </a:fld>
             <a:endParaRPr lang="ko-KR" altLang="en-US"/>
           </a:p>
@@ -751,7 +751,7 @@
           <a:p>
             <a:fld id="{C764DE79-268F-4C1A-8933-263129D2AF90}" type="datetimeFigureOut">
               <a:rPr lang="en-US" smtClean="0"/>
-              <a:t>7/18/2018</a:t>
+              <a:t>7/19/2018</a:t>
             </a:fld>
             <a:endParaRPr lang="en-US" dirty="0"/>
           </a:p>
@@ -921,7 +921,7 @@
           <a:p>
             <a:fld id="{C764DE79-268F-4C1A-8933-263129D2AF90}" type="datetimeFigureOut">
               <a:rPr lang="en-US" smtClean="0"/>
-              <a:t>7/18/2018</a:t>
+              <a:t>7/19/2018</a:t>
             </a:fld>
             <a:endParaRPr lang="en-US" dirty="0"/>
           </a:p>
@@ -1101,7 +1101,7 @@
           <a:p>
             <a:fld id="{C764DE79-268F-4C1A-8933-263129D2AF90}" type="datetimeFigureOut">
               <a:rPr lang="en-US" smtClean="0"/>
-              <a:t>7/18/2018</a:t>
+              <a:t>7/19/2018</a:t>
             </a:fld>
             <a:endParaRPr lang="en-US" dirty="0"/>
           </a:p>
@@ -1353,7 +1353,7 @@
           <a:p>
             <a:fld id="{C764DE79-268F-4C1A-8933-263129D2AF90}" type="datetimeFigureOut">
               <a:rPr lang="en-US" smtClean="0"/>
-              <a:t>7/18/2018</a:t>
+              <a:t>7/19/2018</a:t>
             </a:fld>
             <a:endParaRPr lang="en-US" dirty="0"/>
           </a:p>
@@ -1599,7 +1599,7 @@
           <a:p>
             <a:fld id="{C764DE79-268F-4C1A-8933-263129D2AF90}" type="datetimeFigureOut">
               <a:rPr lang="en-US" smtClean="0"/>
-              <a:t>7/18/2018</a:t>
+              <a:t>7/19/2018</a:t>
             </a:fld>
             <a:endParaRPr lang="en-US" dirty="0"/>
           </a:p>
@@ -1831,7 +1831,7 @@
           <a:p>
             <a:fld id="{C764DE79-268F-4C1A-8933-263129D2AF90}" type="datetimeFigureOut">
               <a:rPr lang="en-US" smtClean="0"/>
-              <a:t>7/18/2018</a:t>
+              <a:t>7/19/2018</a:t>
             </a:fld>
             <a:endParaRPr lang="en-US" dirty="0"/>
           </a:p>
@@ -2198,7 +2198,7 @@
           <a:p>
             <a:fld id="{C764DE79-268F-4C1A-8933-263129D2AF90}" type="datetimeFigureOut">
               <a:rPr lang="en-US" smtClean="0"/>
-              <a:t>7/18/2018</a:t>
+              <a:t>7/19/2018</a:t>
             </a:fld>
             <a:endParaRPr lang="en-US" dirty="0"/>
           </a:p>
@@ -2316,7 +2316,7 @@
           <a:p>
             <a:fld id="{C764DE79-268F-4C1A-8933-263129D2AF90}" type="datetimeFigureOut">
               <a:rPr lang="en-US" smtClean="0"/>
-              <a:t>7/18/2018</a:t>
+              <a:t>7/19/2018</a:t>
             </a:fld>
             <a:endParaRPr lang="en-US" dirty="0"/>
           </a:p>
@@ -2411,7 +2411,7 @@
           <a:p>
             <a:fld id="{C764DE79-268F-4C1A-8933-263129D2AF90}" type="datetimeFigureOut">
               <a:rPr lang="en-US" smtClean="0"/>
-              <a:t>7/18/2018</a:t>
+              <a:t>7/19/2018</a:t>
             </a:fld>
             <a:endParaRPr lang="en-US" dirty="0"/>
           </a:p>
@@ -2688,7 +2688,7 @@
           <a:p>
             <a:fld id="{C764DE79-268F-4C1A-8933-263129D2AF90}" type="datetimeFigureOut">
               <a:rPr lang="en-US" smtClean="0"/>
-              <a:t>7/18/2018</a:t>
+              <a:t>7/19/2018</a:t>
             </a:fld>
             <a:endParaRPr lang="en-US" dirty="0"/>
           </a:p>
@@ -2945,7 +2945,7 @@
           <a:p>
             <a:fld id="{C764DE79-268F-4C1A-8933-263129D2AF90}" type="datetimeFigureOut">
               <a:rPr lang="en-US" smtClean="0"/>
-              <a:t>7/18/2018</a:t>
+              <a:t>7/19/2018</a:t>
             </a:fld>
             <a:endParaRPr lang="en-US" dirty="0"/>
           </a:p>
@@ -3158,7 +3158,7 @@
           <a:p>
             <a:fld id="{C764DE79-268F-4C1A-8933-263129D2AF90}" type="datetimeFigureOut">
               <a:rPr lang="en-US" smtClean="0"/>
-              <a:t>7/18/2018</a:t>
+              <a:t>7/19/2018</a:t>
             </a:fld>
             <a:endParaRPr lang="en-US" dirty="0"/>
           </a:p>
@@ -12382,6 +12382,343 @@
 <file path=ppt/slides/slide44.xml><?xml version="1.0" encoding="utf-8"?>
 <p:sld xmlns:a="http://schemas.openxmlformats.org/drawingml/2006/main" xmlns:r="http://schemas.openxmlformats.org/officeDocument/2006/relationships" xmlns:p="http://schemas.openxmlformats.org/presentationml/2006/main">
   <p:cSld>
+    <p:bg>
+      <p:bgPr>
+        <a:solidFill>
+          <a:schemeClr val="bg1"/>
+        </a:solidFill>
+        <a:effectLst/>
+      </p:bgPr>
+    </p:bg>
+    <p:spTree>
+      <p:nvGrpSpPr>
+        <p:cNvPr id="1" name=""/>
+        <p:cNvGrpSpPr/>
+        <p:nvPr/>
+      </p:nvGrpSpPr>
+      <p:grpSpPr>
+        <a:xfrm>
+          <a:off x="0" y="0"/>
+          <a:ext cx="0" cy="0"/>
+          <a:chOff x="0" y="0"/>
+          <a:chExt cx="0" cy="0"/>
+        </a:xfrm>
+      </p:grpSpPr>
+      <p:sp>
+        <p:nvSpPr>
+          <p:cNvPr id="5" name="Rectangle 2">
+            <a:extLst>
+              <a:ext uri="{FF2B5EF4-FFF2-40B4-BE49-F238E27FC236}">
+                <a16:creationId xmlns:a16="http://schemas.microsoft.com/office/drawing/2014/main" id="{0BFF5754-E615-4613-A123-F798FC0E77C7}"/>
+              </a:ext>
+            </a:extLst>
+          </p:cNvPr>
+          <p:cNvSpPr>
+            <a:spLocks/>
+          </p:cNvSpPr>
+          <p:nvPr/>
+        </p:nvSpPr>
+        <p:spPr bwMode="auto">
+          <a:xfrm>
+            <a:off x="1446213" y="6421438"/>
+            <a:ext cx="3313112" cy="873125"/>
+          </a:xfrm>
+          <a:prstGeom prst="rect">
+            <a:avLst/>
+          </a:prstGeom>
+          <a:noFill/>
+          <a:ln>
+            <a:noFill/>
+          </a:ln>
+          <a:effectLst/>
+          <a:extLst>
+            <a:ext uri="{909E8E84-426E-40DD-AFC4-6F175D3DCCD1}">
+              <a14:hiddenFill xmlns:a14="http://schemas.microsoft.com/office/drawing/2010/main">
+                <a:solidFill>
+                  <a:srgbClr val="FFFFFF"/>
+                </a:solidFill>
+              </a14:hiddenFill>
+            </a:ext>
+            <a:ext uri="{91240B29-F687-4F45-9708-019B960494DF}">
+              <a14:hiddenLine xmlns:a14="http://schemas.microsoft.com/office/drawing/2010/main" w="12700">
+                <a:solidFill>
+                  <a:srgbClr val="000000"/>
+                </a:solidFill>
+                <a:miter lim="0"/>
+                <a:headEnd/>
+                <a:tailEnd/>
+              </a14:hiddenLine>
+            </a:ext>
+            <a:ext uri="{AF507438-7753-43E0-B8FC-AC1667EBCBE1}">
+              <a14:hiddenEffects xmlns:a14="http://schemas.microsoft.com/office/drawing/2010/main">
+                <a:effectLst>
+                  <a:outerShdw dist="35921" dir="2700000" algn="ctr" rotWithShape="0">
+                    <a:srgbClr val="808080"/>
+                  </a:outerShdw>
+                </a:effectLst>
+              </a14:hiddenEffects>
+            </a:ext>
+          </a:extLst>
+        </p:spPr>
+        <p:txBody>
+          <a:bodyPr wrap="none" lIns="50800" tIns="50800" rIns="50800" bIns="50800" anchor="ctr">
+            <a:spAutoFit/>
+          </a:bodyPr>
+          <a:lstStyle>
+            <a:lvl1pPr>
+              <a:defRPr sz="5000">
+                <a:solidFill>
+                  <a:srgbClr val="000000"/>
+                </a:solidFill>
+                <a:latin typeface="Helvetica Light" charset="0"/>
+                <a:ea typeface="Helvetica Light" charset="0"/>
+                <a:cs typeface="Helvetica Light" charset="0"/>
+                <a:sym typeface="Helvetica Light" charset="0"/>
+              </a:defRPr>
+            </a:lvl1pPr>
+            <a:lvl2pPr marL="742950" indent="-285750">
+              <a:defRPr sz="5000">
+                <a:solidFill>
+                  <a:srgbClr val="000000"/>
+                </a:solidFill>
+                <a:latin typeface="Helvetica Light" charset="0"/>
+                <a:ea typeface="Helvetica Light" charset="0"/>
+                <a:cs typeface="Helvetica Light" charset="0"/>
+                <a:sym typeface="Helvetica Light" charset="0"/>
+              </a:defRPr>
+            </a:lvl2pPr>
+            <a:lvl3pPr marL="1143000" indent="-228600">
+              <a:defRPr sz="5000">
+                <a:solidFill>
+                  <a:srgbClr val="000000"/>
+                </a:solidFill>
+                <a:latin typeface="Helvetica Light" charset="0"/>
+                <a:ea typeface="Helvetica Light" charset="0"/>
+                <a:cs typeface="Helvetica Light" charset="0"/>
+                <a:sym typeface="Helvetica Light" charset="0"/>
+              </a:defRPr>
+            </a:lvl3pPr>
+            <a:lvl4pPr marL="1600200" indent="-228600">
+              <a:defRPr sz="5000">
+                <a:solidFill>
+                  <a:srgbClr val="000000"/>
+                </a:solidFill>
+                <a:latin typeface="Helvetica Light" charset="0"/>
+                <a:ea typeface="Helvetica Light" charset="0"/>
+                <a:cs typeface="Helvetica Light" charset="0"/>
+                <a:sym typeface="Helvetica Light" charset="0"/>
+              </a:defRPr>
+            </a:lvl4pPr>
+            <a:lvl5pPr marL="2057400" indent="-228600">
+              <a:defRPr sz="5000">
+                <a:solidFill>
+                  <a:srgbClr val="000000"/>
+                </a:solidFill>
+                <a:latin typeface="Helvetica Light" charset="0"/>
+                <a:ea typeface="Helvetica Light" charset="0"/>
+                <a:cs typeface="Helvetica Light" charset="0"/>
+                <a:sym typeface="Helvetica Light" charset="0"/>
+              </a:defRPr>
+            </a:lvl5pPr>
+            <a:lvl6pPr marL="2514600" indent="-228600" defTabSz="825500" eaLnBrk="0" fontAlgn="base" hangingPunct="0">
+              <a:spcBef>
+                <a:spcPct val="0"/>
+              </a:spcBef>
+              <a:spcAft>
+                <a:spcPct val="0"/>
+              </a:spcAft>
+              <a:defRPr sz="5000">
+                <a:solidFill>
+                  <a:srgbClr val="000000"/>
+                </a:solidFill>
+                <a:latin typeface="Helvetica Light" charset="0"/>
+                <a:ea typeface="Helvetica Light" charset="0"/>
+                <a:cs typeface="Helvetica Light" charset="0"/>
+                <a:sym typeface="Helvetica Light" charset="0"/>
+              </a:defRPr>
+            </a:lvl6pPr>
+            <a:lvl7pPr marL="2971800" indent="-228600" defTabSz="825500" eaLnBrk="0" fontAlgn="base" hangingPunct="0">
+              <a:spcBef>
+                <a:spcPct val="0"/>
+              </a:spcBef>
+              <a:spcAft>
+                <a:spcPct val="0"/>
+              </a:spcAft>
+              <a:defRPr sz="5000">
+                <a:solidFill>
+                  <a:srgbClr val="000000"/>
+                </a:solidFill>
+                <a:latin typeface="Helvetica Light" charset="0"/>
+                <a:ea typeface="Helvetica Light" charset="0"/>
+                <a:cs typeface="Helvetica Light" charset="0"/>
+                <a:sym typeface="Helvetica Light" charset="0"/>
+              </a:defRPr>
+            </a:lvl7pPr>
+            <a:lvl8pPr marL="3429000" indent="-228600" defTabSz="825500" eaLnBrk="0" fontAlgn="base" hangingPunct="0">
+              <a:spcBef>
+                <a:spcPct val="0"/>
+              </a:spcBef>
+              <a:spcAft>
+                <a:spcPct val="0"/>
+              </a:spcAft>
+              <a:defRPr sz="5000">
+                <a:solidFill>
+                  <a:srgbClr val="000000"/>
+                </a:solidFill>
+                <a:latin typeface="Helvetica Light" charset="0"/>
+                <a:ea typeface="Helvetica Light" charset="0"/>
+                <a:cs typeface="Helvetica Light" charset="0"/>
+                <a:sym typeface="Helvetica Light" charset="0"/>
+              </a:defRPr>
+            </a:lvl8pPr>
+            <a:lvl9pPr marL="3886200" indent="-228600" defTabSz="825500" eaLnBrk="0" fontAlgn="base" hangingPunct="0">
+              <a:spcBef>
+                <a:spcPct val="0"/>
+              </a:spcBef>
+              <a:spcAft>
+                <a:spcPct val="0"/>
+              </a:spcAft>
+              <a:defRPr sz="5000">
+                <a:solidFill>
+                  <a:srgbClr val="000000"/>
+                </a:solidFill>
+                <a:latin typeface="Helvetica Light" charset="0"/>
+                <a:ea typeface="Helvetica Light" charset="0"/>
+                <a:cs typeface="Helvetica Light" charset="0"/>
+                <a:sym typeface="Helvetica Light" charset="0"/>
+              </a:defRPr>
+            </a:lvl9pPr>
+          </a:lstStyle>
+          <a:p>
+            <a:pPr eaLnBrk="1"/>
+            <a:r>
+              <a:rPr lang="ko-KR" altLang="ko-KR" dirty="0">
+                <a:solidFill>
+                  <a:schemeClr val="tx1"/>
+                </a:solidFill>
+                <a:latin typeface="맑은 고딕" panose="020B0503020000020004" pitchFamily="50" charset="-127"/>
+                <a:ea typeface="맑은 고딕" panose="020B0503020000020004" pitchFamily="50" charset="-127"/>
+                <a:sym typeface="KoPubDotum Medium" charset="0"/>
+              </a:rPr>
+              <a:t>내용 (</a:t>
+            </a:r>
+            <a:r>
+              <a:rPr lang="en-US" altLang="ko-KR" dirty="0">
+                <a:solidFill>
+                  <a:schemeClr val="tx1"/>
+                </a:solidFill>
+                <a:latin typeface="맑은 고딕" panose="020B0503020000020004" pitchFamily="50" charset="-127"/>
+                <a:ea typeface="맑은 고딕" panose="020B0503020000020004" pitchFamily="50" charset="-127"/>
+                <a:sym typeface="KoPubDotum Medium" charset="0"/>
+              </a:rPr>
+              <a:t>50pt</a:t>
+            </a:r>
+            <a:r>
+              <a:rPr lang="ko-KR" altLang="ko-KR" dirty="0">
+                <a:solidFill>
+                  <a:schemeClr val="tx1"/>
+                </a:solidFill>
+                <a:latin typeface="맑은 고딕" panose="020B0503020000020004" pitchFamily="50" charset="-127"/>
+                <a:ea typeface="맑은 고딕" panose="020B0503020000020004" pitchFamily="50" charset="-127"/>
+                <a:sym typeface="KoPubDotum Medium" charset="0"/>
+              </a:rPr>
+              <a:t>)</a:t>
+            </a:r>
+            <a:endParaRPr lang="ko-KR" altLang="ko-KR" sz="1800" dirty="0">
+              <a:solidFill>
+                <a:schemeClr val="tx1"/>
+              </a:solidFill>
+              <a:latin typeface="맑은 고딕" panose="020B0503020000020004" pitchFamily="50" charset="-127"/>
+              <a:ea typeface="맑은 고딕" panose="020B0503020000020004" pitchFamily="50" charset="-127"/>
+              <a:sym typeface="KoPubDotum Medium" charset="0"/>
+            </a:endParaRPr>
+          </a:p>
+        </p:txBody>
+      </p:sp>
+      <p:sp>
+        <p:nvSpPr>
+          <p:cNvPr id="2" name="직사각형 1">
+            <a:extLst>
+              <a:ext uri="{FF2B5EF4-FFF2-40B4-BE49-F238E27FC236}">
+                <a16:creationId xmlns:a16="http://schemas.microsoft.com/office/drawing/2014/main" id="{BA060359-CECB-4835-B0FB-8B2D48AAD890}"/>
+              </a:ext>
+            </a:extLst>
+          </p:cNvPr>
+          <p:cNvSpPr/>
+          <p:nvPr/>
+        </p:nvSpPr>
+        <p:spPr>
+          <a:xfrm>
+            <a:off x="7983187" y="5301734"/>
+            <a:ext cx="8022389" cy="369332"/>
+          </a:xfrm>
+          <a:prstGeom prst="rect">
+            <a:avLst/>
+          </a:prstGeom>
+        </p:spPr>
+        <p:txBody>
+          <a:bodyPr wrap="none">
+            <a:spAutoFit/>
+          </a:bodyPr>
+          <a:lstStyle/>
+          <a:p>
+            <a:r>
+              <a:rPr lang="ko-KR" altLang="en-US" dirty="0"/>
+              <a:t>https://blogs.msdn.microsoft.com/vcblog/2017/04/19/cpp-testing-in-visual-studio/</a:t>
+            </a:r>
+          </a:p>
+        </p:txBody>
+      </p:sp>
+      <p:sp>
+        <p:nvSpPr>
+          <p:cNvPr id="3" name="직사각형 2">
+            <a:extLst>
+              <a:ext uri="{FF2B5EF4-FFF2-40B4-BE49-F238E27FC236}">
+                <a16:creationId xmlns:a16="http://schemas.microsoft.com/office/drawing/2014/main" id="{6DBEB76F-F86E-408A-A7F9-6AA455E387F3}"/>
+              </a:ext>
+            </a:extLst>
+          </p:cNvPr>
+          <p:cNvSpPr/>
+          <p:nvPr/>
+        </p:nvSpPr>
+        <p:spPr>
+          <a:xfrm>
+            <a:off x="8378423" y="6673334"/>
+            <a:ext cx="7627153" cy="369332"/>
+          </a:xfrm>
+          <a:prstGeom prst="rect">
+            <a:avLst/>
+          </a:prstGeom>
+        </p:spPr>
+        <p:txBody>
+          <a:bodyPr wrap="none">
+            <a:spAutoFit/>
+          </a:bodyPr>
+          <a:lstStyle/>
+          <a:p>
+            <a:r>
+              <a:rPr lang="ko-KR" altLang="en-US" dirty="0"/>
+              <a:t>https://docs.microsoft.com/en-us/visualstudio/test/writing-unit-tests-for-c-cpp</a:t>
+            </a:r>
+          </a:p>
+        </p:txBody>
+      </p:sp>
+    </p:spTree>
+    <p:extLst>
+      <p:ext uri="{BB962C8B-B14F-4D97-AF65-F5344CB8AC3E}">
+        <p14:creationId xmlns:p14="http://schemas.microsoft.com/office/powerpoint/2010/main" val="136238985"/>
+      </p:ext>
+    </p:extLst>
+  </p:cSld>
+  <p:clrMapOvr>
+    <a:masterClrMapping/>
+  </p:clrMapOvr>
+</p:sld>
+</file>
+
+<file path=ppt/slides/slide45.xml><?xml version="1.0" encoding="utf-8"?>
+<p:sld xmlns:a="http://schemas.openxmlformats.org/drawingml/2006/main" xmlns:r="http://schemas.openxmlformats.org/officeDocument/2006/relationships" xmlns:p="http://schemas.openxmlformats.org/presentationml/2006/main">
+  <p:cSld>
     <p:spTree>
       <p:nvGrpSpPr>
         <p:cNvPr id="1" name=""/>
@@ -12404,7 +12741,7 @@
         </p:nvSpPr>
         <p:spPr>
           <a:xfrm>
-            <a:off x="1667957" y="3255139"/>
+            <a:off x="1349905" y="6528691"/>
             <a:ext cx="20463174" cy="5078313"/>
           </a:xfrm>
           <a:prstGeom prst="rect">
@@ -12534,7 +12871,378 @@
 </p:sld>
 </file>
 
-<file path=ppt/slides/slide45.xml><?xml version="1.0" encoding="utf-8"?>
+<file path=ppt/slides/slide46.xml><?xml version="1.0" encoding="utf-8"?>
+<p:sld xmlns:a="http://schemas.openxmlformats.org/drawingml/2006/main" xmlns:r="http://schemas.openxmlformats.org/officeDocument/2006/relationships" xmlns:p="http://schemas.openxmlformats.org/presentationml/2006/main">
+  <p:cSld>
+    <p:bg>
+      <p:bgPr>
+        <a:solidFill>
+          <a:schemeClr val="bg1"/>
+        </a:solidFill>
+        <a:effectLst/>
+      </p:bgPr>
+    </p:bg>
+    <p:spTree>
+      <p:nvGrpSpPr>
+        <p:cNvPr id="1" name=""/>
+        <p:cNvGrpSpPr/>
+        <p:nvPr/>
+      </p:nvGrpSpPr>
+      <p:grpSpPr>
+        <a:xfrm>
+          <a:off x="0" y="0"/>
+          <a:ext cx="0" cy="0"/>
+          <a:chOff x="0" y="0"/>
+          <a:chExt cx="0" cy="0"/>
+        </a:xfrm>
+      </p:grpSpPr>
+      <p:sp>
+        <p:nvSpPr>
+          <p:cNvPr id="5" name="Rectangle 2">
+            <a:extLst>
+              <a:ext uri="{FF2B5EF4-FFF2-40B4-BE49-F238E27FC236}">
+                <a16:creationId xmlns:a16="http://schemas.microsoft.com/office/drawing/2014/main" id="{0BFF5754-E615-4613-A123-F798FC0E77C7}"/>
+              </a:ext>
+            </a:extLst>
+          </p:cNvPr>
+          <p:cNvSpPr>
+            <a:spLocks/>
+          </p:cNvSpPr>
+          <p:nvPr/>
+        </p:nvSpPr>
+        <p:spPr bwMode="auto">
+          <a:xfrm>
+            <a:off x="1446213" y="6421438"/>
+            <a:ext cx="3313112" cy="873125"/>
+          </a:xfrm>
+          <a:prstGeom prst="rect">
+            <a:avLst/>
+          </a:prstGeom>
+          <a:noFill/>
+          <a:ln>
+            <a:noFill/>
+          </a:ln>
+          <a:effectLst/>
+          <a:extLst>
+            <a:ext uri="{909E8E84-426E-40DD-AFC4-6F175D3DCCD1}">
+              <a14:hiddenFill xmlns:a14="http://schemas.microsoft.com/office/drawing/2010/main">
+                <a:solidFill>
+                  <a:srgbClr val="FFFFFF"/>
+                </a:solidFill>
+              </a14:hiddenFill>
+            </a:ext>
+            <a:ext uri="{91240B29-F687-4F45-9708-019B960494DF}">
+              <a14:hiddenLine xmlns:a14="http://schemas.microsoft.com/office/drawing/2010/main" w="12700">
+                <a:solidFill>
+                  <a:srgbClr val="000000"/>
+                </a:solidFill>
+                <a:miter lim="0"/>
+                <a:headEnd/>
+                <a:tailEnd/>
+              </a14:hiddenLine>
+            </a:ext>
+            <a:ext uri="{AF507438-7753-43E0-B8FC-AC1667EBCBE1}">
+              <a14:hiddenEffects xmlns:a14="http://schemas.microsoft.com/office/drawing/2010/main">
+                <a:effectLst>
+                  <a:outerShdw dist="35921" dir="2700000" algn="ctr" rotWithShape="0">
+                    <a:srgbClr val="808080"/>
+                  </a:outerShdw>
+                </a:effectLst>
+              </a14:hiddenEffects>
+            </a:ext>
+          </a:extLst>
+        </p:spPr>
+        <p:txBody>
+          <a:bodyPr wrap="none" lIns="50800" tIns="50800" rIns="50800" bIns="50800" anchor="ctr">
+            <a:spAutoFit/>
+          </a:bodyPr>
+          <a:lstStyle>
+            <a:lvl1pPr>
+              <a:defRPr sz="5000">
+                <a:solidFill>
+                  <a:srgbClr val="000000"/>
+                </a:solidFill>
+                <a:latin typeface="Helvetica Light" charset="0"/>
+                <a:ea typeface="Helvetica Light" charset="0"/>
+                <a:cs typeface="Helvetica Light" charset="0"/>
+                <a:sym typeface="Helvetica Light" charset="0"/>
+              </a:defRPr>
+            </a:lvl1pPr>
+            <a:lvl2pPr marL="742950" indent="-285750">
+              <a:defRPr sz="5000">
+                <a:solidFill>
+                  <a:srgbClr val="000000"/>
+                </a:solidFill>
+                <a:latin typeface="Helvetica Light" charset="0"/>
+                <a:ea typeface="Helvetica Light" charset="0"/>
+                <a:cs typeface="Helvetica Light" charset="0"/>
+                <a:sym typeface="Helvetica Light" charset="0"/>
+              </a:defRPr>
+            </a:lvl2pPr>
+            <a:lvl3pPr marL="1143000" indent="-228600">
+              <a:defRPr sz="5000">
+                <a:solidFill>
+                  <a:srgbClr val="000000"/>
+                </a:solidFill>
+                <a:latin typeface="Helvetica Light" charset="0"/>
+                <a:ea typeface="Helvetica Light" charset="0"/>
+                <a:cs typeface="Helvetica Light" charset="0"/>
+                <a:sym typeface="Helvetica Light" charset="0"/>
+              </a:defRPr>
+            </a:lvl3pPr>
+            <a:lvl4pPr marL="1600200" indent="-228600">
+              <a:defRPr sz="5000">
+                <a:solidFill>
+                  <a:srgbClr val="000000"/>
+                </a:solidFill>
+                <a:latin typeface="Helvetica Light" charset="0"/>
+                <a:ea typeface="Helvetica Light" charset="0"/>
+                <a:cs typeface="Helvetica Light" charset="0"/>
+                <a:sym typeface="Helvetica Light" charset="0"/>
+              </a:defRPr>
+            </a:lvl4pPr>
+            <a:lvl5pPr marL="2057400" indent="-228600">
+              <a:defRPr sz="5000">
+                <a:solidFill>
+                  <a:srgbClr val="000000"/>
+                </a:solidFill>
+                <a:latin typeface="Helvetica Light" charset="0"/>
+                <a:ea typeface="Helvetica Light" charset="0"/>
+                <a:cs typeface="Helvetica Light" charset="0"/>
+                <a:sym typeface="Helvetica Light" charset="0"/>
+              </a:defRPr>
+            </a:lvl5pPr>
+            <a:lvl6pPr marL="2514600" indent="-228600" defTabSz="825500" eaLnBrk="0" fontAlgn="base" hangingPunct="0">
+              <a:spcBef>
+                <a:spcPct val="0"/>
+              </a:spcBef>
+              <a:spcAft>
+                <a:spcPct val="0"/>
+              </a:spcAft>
+              <a:defRPr sz="5000">
+                <a:solidFill>
+                  <a:srgbClr val="000000"/>
+                </a:solidFill>
+                <a:latin typeface="Helvetica Light" charset="0"/>
+                <a:ea typeface="Helvetica Light" charset="0"/>
+                <a:cs typeface="Helvetica Light" charset="0"/>
+                <a:sym typeface="Helvetica Light" charset="0"/>
+              </a:defRPr>
+            </a:lvl6pPr>
+            <a:lvl7pPr marL="2971800" indent="-228600" defTabSz="825500" eaLnBrk="0" fontAlgn="base" hangingPunct="0">
+              <a:spcBef>
+                <a:spcPct val="0"/>
+              </a:spcBef>
+              <a:spcAft>
+                <a:spcPct val="0"/>
+              </a:spcAft>
+              <a:defRPr sz="5000">
+                <a:solidFill>
+                  <a:srgbClr val="000000"/>
+                </a:solidFill>
+                <a:latin typeface="Helvetica Light" charset="0"/>
+                <a:ea typeface="Helvetica Light" charset="0"/>
+                <a:cs typeface="Helvetica Light" charset="0"/>
+                <a:sym typeface="Helvetica Light" charset="0"/>
+              </a:defRPr>
+            </a:lvl7pPr>
+            <a:lvl8pPr marL="3429000" indent="-228600" defTabSz="825500" eaLnBrk="0" fontAlgn="base" hangingPunct="0">
+              <a:spcBef>
+                <a:spcPct val="0"/>
+              </a:spcBef>
+              <a:spcAft>
+                <a:spcPct val="0"/>
+              </a:spcAft>
+              <a:defRPr sz="5000">
+                <a:solidFill>
+                  <a:srgbClr val="000000"/>
+                </a:solidFill>
+                <a:latin typeface="Helvetica Light" charset="0"/>
+                <a:ea typeface="Helvetica Light" charset="0"/>
+                <a:cs typeface="Helvetica Light" charset="0"/>
+                <a:sym typeface="Helvetica Light" charset="0"/>
+              </a:defRPr>
+            </a:lvl8pPr>
+            <a:lvl9pPr marL="3886200" indent="-228600" defTabSz="825500" eaLnBrk="0" fontAlgn="base" hangingPunct="0">
+              <a:spcBef>
+                <a:spcPct val="0"/>
+              </a:spcBef>
+              <a:spcAft>
+                <a:spcPct val="0"/>
+              </a:spcAft>
+              <a:defRPr sz="5000">
+                <a:solidFill>
+                  <a:srgbClr val="000000"/>
+                </a:solidFill>
+                <a:latin typeface="Helvetica Light" charset="0"/>
+                <a:ea typeface="Helvetica Light" charset="0"/>
+                <a:cs typeface="Helvetica Light" charset="0"/>
+                <a:sym typeface="Helvetica Light" charset="0"/>
+              </a:defRPr>
+            </a:lvl9pPr>
+          </a:lstStyle>
+          <a:p>
+            <a:pPr eaLnBrk="1"/>
+            <a:r>
+              <a:rPr lang="ko-KR" altLang="ko-KR" dirty="0">
+                <a:solidFill>
+                  <a:schemeClr val="tx1"/>
+                </a:solidFill>
+                <a:latin typeface="맑은 고딕" panose="020B0503020000020004" pitchFamily="50" charset="-127"/>
+                <a:ea typeface="맑은 고딕" panose="020B0503020000020004" pitchFamily="50" charset="-127"/>
+                <a:sym typeface="KoPubDotum Medium" charset="0"/>
+              </a:rPr>
+              <a:t>내용 (</a:t>
+            </a:r>
+            <a:r>
+              <a:rPr lang="en-US" altLang="ko-KR" dirty="0">
+                <a:solidFill>
+                  <a:schemeClr val="tx1"/>
+                </a:solidFill>
+                <a:latin typeface="맑은 고딕" panose="020B0503020000020004" pitchFamily="50" charset="-127"/>
+                <a:ea typeface="맑은 고딕" panose="020B0503020000020004" pitchFamily="50" charset="-127"/>
+                <a:sym typeface="KoPubDotum Medium" charset="0"/>
+              </a:rPr>
+              <a:t>50pt</a:t>
+            </a:r>
+            <a:r>
+              <a:rPr lang="ko-KR" altLang="ko-KR" dirty="0">
+                <a:solidFill>
+                  <a:schemeClr val="tx1"/>
+                </a:solidFill>
+                <a:latin typeface="맑은 고딕" panose="020B0503020000020004" pitchFamily="50" charset="-127"/>
+                <a:ea typeface="맑은 고딕" panose="020B0503020000020004" pitchFamily="50" charset="-127"/>
+                <a:sym typeface="KoPubDotum Medium" charset="0"/>
+              </a:rPr>
+              <a:t>)</a:t>
+            </a:r>
+            <a:endParaRPr lang="ko-KR" altLang="ko-KR" sz="1800" dirty="0">
+              <a:solidFill>
+                <a:schemeClr val="tx1"/>
+              </a:solidFill>
+              <a:latin typeface="맑은 고딕" panose="020B0503020000020004" pitchFamily="50" charset="-127"/>
+              <a:ea typeface="맑은 고딕" panose="020B0503020000020004" pitchFamily="50" charset="-127"/>
+              <a:sym typeface="KoPubDotum Medium" charset="0"/>
+            </a:endParaRPr>
+          </a:p>
+        </p:txBody>
+      </p:sp>
+      <p:sp>
+        <p:nvSpPr>
+          <p:cNvPr id="2" name="직사각형 1">
+            <a:extLst>
+              <a:ext uri="{FF2B5EF4-FFF2-40B4-BE49-F238E27FC236}">
+                <a16:creationId xmlns:a16="http://schemas.microsoft.com/office/drawing/2014/main" id="{08FB9A97-2F52-4772-886C-CE471E95CC46}"/>
+              </a:ext>
+            </a:extLst>
+          </p:cNvPr>
+          <p:cNvSpPr/>
+          <p:nvPr/>
+        </p:nvSpPr>
+        <p:spPr>
+          <a:xfrm>
+            <a:off x="8173207" y="2942582"/>
+            <a:ext cx="8037585" cy="369332"/>
+          </a:xfrm>
+          <a:prstGeom prst="rect">
+            <a:avLst/>
+          </a:prstGeom>
+        </p:spPr>
+        <p:txBody>
+          <a:bodyPr wrap="none">
+            <a:spAutoFit/>
+          </a:bodyPr>
+          <a:lstStyle/>
+          <a:p>
+            <a:r>
+              <a:rPr lang="ko-KR" altLang="en-US" dirty="0"/>
+              <a:t>https://docs.microsoft.com/en-us/visualstudio/test/how-to-use-google-test-for-cpp</a:t>
+            </a:r>
+          </a:p>
+        </p:txBody>
+      </p:sp>
+      <p:sp>
+        <p:nvSpPr>
+          <p:cNvPr id="3" name="직사각형 2">
+            <a:extLst>
+              <a:ext uri="{FF2B5EF4-FFF2-40B4-BE49-F238E27FC236}">
+                <a16:creationId xmlns:a16="http://schemas.microsoft.com/office/drawing/2014/main" id="{E99EEB36-DD5B-45FE-B28C-65697D655863}"/>
+              </a:ext>
+            </a:extLst>
+          </p:cNvPr>
+          <p:cNvSpPr/>
+          <p:nvPr/>
+        </p:nvSpPr>
+        <p:spPr>
+          <a:xfrm>
+            <a:off x="8173207" y="4314182"/>
+            <a:ext cx="7938840" cy="369332"/>
+          </a:xfrm>
+          <a:prstGeom prst="rect">
+            <a:avLst/>
+          </a:prstGeom>
+        </p:spPr>
+        <p:txBody>
+          <a:bodyPr wrap="none">
+            <a:spAutoFit/>
+          </a:bodyPr>
+          <a:lstStyle/>
+          <a:p>
+            <a:r>
+              <a:rPr lang="ko-KR" altLang="en-US" dirty="0"/>
+              <a:t>https://docs.microsoft.com/en-us/visualstudio/test/how-to-use-boost-test-for-cpp</a:t>
+            </a:r>
+          </a:p>
+        </p:txBody>
+      </p:sp>
+      <p:sp>
+        <p:nvSpPr>
+          <p:cNvPr id="4" name="직사각형 3">
+            <a:extLst>
+              <a:ext uri="{FF2B5EF4-FFF2-40B4-BE49-F238E27FC236}">
+                <a16:creationId xmlns:a16="http://schemas.microsoft.com/office/drawing/2014/main" id="{C806435F-6A90-4200-BE28-DC6949934B96}"/>
+              </a:ext>
+            </a:extLst>
+          </p:cNvPr>
+          <p:cNvSpPr/>
+          <p:nvPr/>
+        </p:nvSpPr>
+        <p:spPr>
+          <a:xfrm>
+            <a:off x="8473770" y="6673334"/>
+            <a:ext cx="7436459" cy="369332"/>
+          </a:xfrm>
+          <a:prstGeom prst="rect">
+            <a:avLst/>
+          </a:prstGeom>
+        </p:spPr>
+        <p:txBody>
+          <a:bodyPr wrap="none">
+            <a:spAutoFit/>
+          </a:bodyPr>
+          <a:lstStyle/>
+          <a:p>
+            <a:r>
+              <a:rPr lang="ko-KR" altLang="en-US" dirty="0"/>
+              <a:t>https://docs.microsoft.com/en-us/visualstudio/test/how-to-use-ctest-for-cpp</a:t>
+            </a:r>
+          </a:p>
+        </p:txBody>
+      </p:sp>
+    </p:spTree>
+    <p:extLst>
+      <p:ext uri="{BB962C8B-B14F-4D97-AF65-F5344CB8AC3E}">
+        <p14:creationId xmlns:p14="http://schemas.microsoft.com/office/powerpoint/2010/main" val="478067691"/>
+      </p:ext>
+    </p:extLst>
+  </p:cSld>
+  <p:clrMapOvr>
+    <a:masterClrMapping/>
+  </p:clrMapOvr>
+</p:sld>
+</file>
+
+<file path=ppt/slides/slide47.xml><?xml version="1.0" encoding="utf-8"?>
 <p:sld xmlns:a="http://schemas.openxmlformats.org/drawingml/2006/main" xmlns:r="http://schemas.openxmlformats.org/officeDocument/2006/relationships" xmlns:p="http://schemas.openxmlformats.org/presentationml/2006/main">
   <p:cSld>
     <p:spTree>
@@ -12604,7 +13312,7 @@
 </p:sld>
 </file>
 
-<file path=ppt/slides/slide46.xml><?xml version="1.0" encoding="utf-8"?>
+<file path=ppt/slides/slide48.xml><?xml version="1.0" encoding="utf-8"?>
 <p:sld xmlns:a="http://schemas.openxmlformats.org/drawingml/2006/main" xmlns:r="http://schemas.openxmlformats.org/officeDocument/2006/relationships" xmlns:p="http://schemas.openxmlformats.org/presentationml/2006/main">
   <p:cSld>
     <p:spTree>
@@ -12621,76 +13329,6 @@
           <a:chExt cx="0" cy="0"/>
         </a:xfrm>
       </p:grpSpPr>
-      <p:sp>
-        <p:nvSpPr>
-          <p:cNvPr id="2" name="직사각형 1"/>
-          <p:cNvSpPr/>
-          <p:nvPr/>
-        </p:nvSpPr>
-        <p:spPr>
-          <a:xfrm>
-            <a:off x="1781169" y="4130935"/>
-            <a:ext cx="10623165" cy="646331"/>
-          </a:xfrm>
-          <a:prstGeom prst="rect">
-            <a:avLst/>
-          </a:prstGeom>
-        </p:spPr>
-        <p:txBody>
-          <a:bodyPr wrap="none">
-            <a:spAutoFit/>
-          </a:bodyPr>
-          <a:lstStyle/>
-          <a:p>
-            <a:r>
-              <a:rPr lang="en-US" altLang="ko-KR" sz="3600" dirty="0">
-                <a:hlinkClick r:id="rId2"/>
-              </a:rPr>
-              <a:t>https://github.com/potimarimo/practice-of-refactoring</a:t>
-            </a:r>
-            <a:r>
-              <a:rPr lang="en-US" altLang="ko-KR" sz="3600" dirty="0"/>
-              <a:t> </a:t>
-            </a:r>
-            <a:endParaRPr lang="ko-KR" altLang="en-US" sz="3600" dirty="0"/>
-          </a:p>
-        </p:txBody>
-      </p:sp>
-      <p:sp>
-        <p:nvSpPr>
-          <p:cNvPr id="3" name="직사각형 2"/>
-          <p:cNvSpPr/>
-          <p:nvPr/>
-        </p:nvSpPr>
-        <p:spPr>
-          <a:xfrm>
-            <a:off x="1781169" y="3175625"/>
-            <a:ext cx="7171515" cy="646331"/>
-          </a:xfrm>
-          <a:prstGeom prst="rect">
-            <a:avLst/>
-          </a:prstGeom>
-        </p:spPr>
-        <p:txBody>
-          <a:bodyPr wrap="none">
-            <a:spAutoFit/>
-          </a:bodyPr>
-          <a:lstStyle/>
-          <a:p>
-            <a:r>
-              <a:rPr lang="en-US" altLang="ko-KR" sz="3600" dirty="0">
-                <a:hlinkClick r:id="rId3"/>
-              </a:rPr>
-              <a:t>https://github.com/utilForever/Shop</a:t>
-            </a:r>
-            <a:r>
-              <a:rPr lang="en-US" altLang="ko-KR" sz="3600" dirty="0"/>
-              <a:t> </a:t>
-            </a:r>
-            <a:endParaRPr lang="ko-KR" altLang="en-US" sz="3600" dirty="0"/>
-          </a:p>
-        </p:txBody>
-      </p:sp>
       <p:sp>
         <p:nvSpPr>
           <p:cNvPr id="4" name="TextBox 3"/>
@@ -12715,7 +13353,55 @@
           <a:p>
             <a:r>
               <a:rPr lang="ko-KR" altLang="en-US" sz="7200" b="1" dirty="0"/>
-              <a:t>참고 및 테스트로 사용 해볼만한 프로젝트</a:t>
+              <a:t>채팅 서버 </a:t>
+            </a:r>
+            <a:r>
+              <a:rPr lang="ko-KR" altLang="en-US" sz="7200" b="1" dirty="0" err="1"/>
+              <a:t>유닛테스트</a:t>
+            </a:r>
+            <a:r>
+              <a:rPr lang="ko-KR" altLang="en-US" sz="7200" b="1" dirty="0"/>
+              <a:t> 보기</a:t>
+            </a:r>
+          </a:p>
+        </p:txBody>
+      </p:sp>
+      <p:sp>
+        <p:nvSpPr>
+          <p:cNvPr id="5" name="직사각형 4">
+            <a:extLst>
+              <a:ext uri="{FF2B5EF4-FFF2-40B4-BE49-F238E27FC236}">
+                <a16:creationId xmlns:a16="http://schemas.microsoft.com/office/drawing/2014/main" id="{2054DE52-B2E9-4BE0-918B-EA18CCC6A3E2}"/>
+              </a:ext>
+            </a:extLst>
+          </p:cNvPr>
+          <p:cNvSpPr/>
+          <p:nvPr/>
+        </p:nvSpPr>
+        <p:spPr>
+          <a:xfrm>
+            <a:off x="3887838" y="4570214"/>
+            <a:ext cx="7244868" cy="369332"/>
+          </a:xfrm>
+          <a:prstGeom prst="rect">
+            <a:avLst/>
+          </a:prstGeom>
+        </p:spPr>
+        <p:txBody>
+          <a:bodyPr wrap="none">
+            <a:spAutoFit/>
+          </a:bodyPr>
+          <a:lstStyle/>
+          <a:p>
+            <a:r>
+              <a:rPr lang="ko-KR" altLang="en-US" dirty="0">
+                <a:hlinkClick r:id="rId2"/>
+              </a:rPr>
+              <a:t>https://github.com/jacking75/nhn_next_gameserver_lab_2017_chatServer</a:t>
+            </a:r>
+            <a:r>
+              <a:rPr lang="ko-KR" altLang="en-US" dirty="0"/>
+              <a:t> </a:t>
             </a:r>
           </a:p>
         </p:txBody>
@@ -12733,7 +13419,7 @@
 </p:sld>
 </file>
 
-<file path=ppt/slides/slide47.xml><?xml version="1.0" encoding="utf-8"?>
+<file path=ppt/slides/slide49.xml><?xml version="1.0" encoding="utf-8"?>
 <p:sld xmlns:a="http://schemas.openxmlformats.org/drawingml/2006/main" xmlns:r="http://schemas.openxmlformats.org/officeDocument/2006/relationships" xmlns:p="http://schemas.openxmlformats.org/presentationml/2006/main">
   <p:cSld>
     <p:spTree>
@@ -12798,46 +13484,22 @@
           </a:p>
         </p:txBody>
       </p:sp>
-    </p:spTree>
-    <p:extLst>
-      <p:ext uri="{BB962C8B-B14F-4D97-AF65-F5344CB8AC3E}">
-        <p14:creationId xmlns:p14="http://schemas.microsoft.com/office/powerpoint/2010/main" val="785109972"/>
-      </p:ext>
-    </p:extLst>
-  </p:cSld>
-  <p:clrMapOvr>
-    <a:masterClrMapping/>
-  </p:clrMapOvr>
-</p:sld>
-</file>
-
-<file path=ppt/slides/slide48.xml><?xml version="1.0" encoding="utf-8"?>
-<p:sld xmlns:a="http://schemas.openxmlformats.org/drawingml/2006/main" xmlns:r="http://schemas.openxmlformats.org/officeDocument/2006/relationships" xmlns:p="http://schemas.openxmlformats.org/presentationml/2006/main">
-  <p:cSld>
-    <p:spTree>
-      <p:nvGrpSpPr>
-        <p:cNvPr id="1" name=""/>
-        <p:cNvGrpSpPr/>
-        <p:nvPr/>
-      </p:nvGrpSpPr>
-      <p:grpSpPr>
-        <a:xfrm>
-          <a:off x="0" y="0"/>
-          <a:ext cx="0" cy="0"/>
-          <a:chOff x="0" y="0"/>
-          <a:chExt cx="0" cy="0"/>
-        </a:xfrm>
-      </p:grpSpPr>
       <p:sp>
         <p:nvSpPr>
-          <p:cNvPr id="2" name="TextBox 1"/>
+          <p:cNvPr id="3" name="TextBox 2">
+            <a:extLst>
+              <a:ext uri="{FF2B5EF4-FFF2-40B4-BE49-F238E27FC236}">
+                <a16:creationId xmlns:a16="http://schemas.microsoft.com/office/drawing/2014/main" id="{074AE318-E30F-44CC-8010-C70CEF467BD5}"/>
+              </a:ext>
+            </a:extLst>
+          </p:cNvPr>
           <p:cNvSpPr txBox="1"/>
           <p:nvPr/>
         </p:nvSpPr>
         <p:spPr>
           <a:xfrm>
-            <a:off x="2166423" y="4354098"/>
-            <a:ext cx="19863582" cy="7048083"/>
+            <a:off x="13551408" y="6986016"/>
+            <a:ext cx="7571232" cy="646331"/>
           </a:xfrm>
           <a:prstGeom prst="rect">
             <a:avLst/>
@@ -12850,161 +13512,59 @@
           </a:bodyPr>
           <a:lstStyle/>
           <a:p>
-            <a:pPr algn="ctr"/>
-            <a:r>
-              <a:rPr lang="ko-KR" altLang="en-US" sz="12000" b="1" dirty="0"/>
-              <a:t>좋은 함수가 아니면 힘들다</a:t>
-            </a:r>
-            <a:endParaRPr lang="en-US" altLang="ko-KR" sz="12000" b="1" dirty="0"/>
-          </a:p>
-          <a:p>
-            <a:pPr algn="ctr"/>
-            <a:r>
-              <a:rPr lang="ko-KR" altLang="en-US" sz="33200" b="1" dirty="0" err="1"/>
-              <a:t>리팩토링</a:t>
-            </a:r>
-            <a:endParaRPr lang="ko-KR" altLang="en-US" sz="33200" b="1" dirty="0"/>
+            <a:r>
+              <a:rPr lang="en-US" altLang="ko-KR" dirty="0"/>
+              <a:t>C++</a:t>
+            </a:r>
+            <a:r>
+              <a:rPr lang="ko-KR" altLang="en-US" dirty="0"/>
+              <a:t>은 </a:t>
+            </a:r>
+            <a:r>
+              <a:rPr lang="ko-KR" altLang="en-US" dirty="0" err="1"/>
+              <a:t>유닛테스트가</a:t>
+            </a:r>
+            <a:r>
+              <a:rPr lang="ko-KR" altLang="en-US" dirty="0"/>
+              <a:t> 다른 언어에 비해 어려움</a:t>
+            </a:r>
+            <a:r>
+              <a:rPr lang="en-US" altLang="ko-KR" dirty="0"/>
+              <a:t>.</a:t>
+            </a:r>
+          </a:p>
+          <a:p>
+            <a:r>
+              <a:rPr lang="en-US" altLang="ko-KR" dirty="0"/>
+              <a:t>C#</a:t>
+            </a:r>
+            <a:r>
+              <a:rPr lang="ko-KR" altLang="en-US" dirty="0"/>
+              <a:t>의 경우 </a:t>
+            </a:r>
+            <a:r>
+              <a:rPr lang="ko-KR" altLang="en-US" dirty="0" err="1"/>
+              <a:t>유닛테스트에서</a:t>
+            </a:r>
+            <a:r>
+              <a:rPr lang="ko-KR" altLang="en-US" dirty="0"/>
+              <a:t> </a:t>
+            </a:r>
+            <a:r>
+              <a:rPr lang="en-US" altLang="ko-KR" dirty="0"/>
+              <a:t>private</a:t>
+            </a:r>
+            <a:r>
+              <a:rPr lang="ko-KR" altLang="en-US" dirty="0"/>
+              <a:t>도 쉽게 접근 가능</a:t>
+            </a:r>
           </a:p>
         </p:txBody>
       </p:sp>
     </p:spTree>
     <p:extLst>
       <p:ext uri="{BB962C8B-B14F-4D97-AF65-F5344CB8AC3E}">
-        <p14:creationId xmlns:p14="http://schemas.microsoft.com/office/powerpoint/2010/main" val="3695536779"/>
-      </p:ext>
-    </p:extLst>
-  </p:cSld>
-  <p:clrMapOvr>
-    <a:masterClrMapping/>
-  </p:clrMapOvr>
-</p:sld>
-</file>
-
-<file path=ppt/slides/slide49.xml><?xml version="1.0" encoding="utf-8"?>
-<p:sld xmlns:a="http://schemas.openxmlformats.org/drawingml/2006/main" xmlns:r="http://schemas.openxmlformats.org/officeDocument/2006/relationships" xmlns:p="http://schemas.openxmlformats.org/presentationml/2006/main">
-  <p:cSld>
-    <p:spTree>
-      <p:nvGrpSpPr>
-        <p:cNvPr id="1" name=""/>
-        <p:cNvGrpSpPr/>
-        <p:nvPr/>
-      </p:nvGrpSpPr>
-      <p:grpSpPr>
-        <a:xfrm>
-          <a:off x="0" y="0"/>
-          <a:ext cx="0" cy="0"/>
-          <a:chOff x="0" y="0"/>
-          <a:chExt cx="0" cy="0"/>
-        </a:xfrm>
-      </p:grpSpPr>
-      <p:sp>
-        <p:nvSpPr>
-          <p:cNvPr id="2" name="TextBox 1"/>
-          <p:cNvSpPr txBox="1"/>
-          <p:nvPr/>
-        </p:nvSpPr>
-        <p:spPr>
-          <a:xfrm>
-            <a:off x="2166421" y="3292214"/>
-            <a:ext cx="19863582" cy="3785652"/>
-          </a:xfrm>
-          <a:prstGeom prst="rect">
-            <a:avLst/>
-          </a:prstGeom>
-          <a:noFill/>
-        </p:spPr>
-        <p:txBody>
-          <a:bodyPr wrap="square" rtlCol="0">
-            <a:spAutoFit/>
-          </a:bodyPr>
-          <a:lstStyle/>
-          <a:p>
-            <a:pPr algn="ctr"/>
-            <a:r>
-              <a:rPr lang="ko-KR" altLang="en-US" sz="12000" b="1" dirty="0"/>
-              <a:t>꽤 진행된 프로젝트</a:t>
-            </a:r>
-            <a:r>
-              <a:rPr lang="en-US" altLang="ko-KR" sz="12000" b="1" dirty="0"/>
-              <a:t>,</a:t>
-            </a:r>
-          </a:p>
-          <a:p>
-            <a:pPr algn="ctr"/>
-            <a:r>
-              <a:rPr lang="ko-KR" altLang="en-US" sz="12000" b="1" dirty="0"/>
-              <a:t>누군가의 반대</a:t>
-            </a:r>
-            <a:r>
-              <a:rPr lang="en-US" altLang="ko-KR" sz="12000" b="1" dirty="0"/>
-              <a:t>(</a:t>
-            </a:r>
-            <a:r>
-              <a:rPr lang="ko-KR" altLang="en-US" sz="12000" b="1" dirty="0"/>
-              <a:t>특히 </a:t>
-            </a:r>
-            <a:r>
-              <a:rPr lang="ko-KR" altLang="en-US" sz="12000" b="1" dirty="0" err="1"/>
-              <a:t>리더급</a:t>
-            </a:r>
-            <a:r>
-              <a:rPr lang="en-US" altLang="ko-KR" sz="12000" b="1" dirty="0"/>
-              <a:t>)</a:t>
-            </a:r>
-          </a:p>
-        </p:txBody>
-      </p:sp>
-      <p:sp>
-        <p:nvSpPr>
-          <p:cNvPr id="3" name="TextBox 2"/>
-          <p:cNvSpPr txBox="1"/>
-          <p:nvPr/>
-        </p:nvSpPr>
-        <p:spPr>
-          <a:xfrm>
-            <a:off x="5387694" y="8360467"/>
-            <a:ext cx="13421032" cy="2123658"/>
-          </a:xfrm>
-          <a:prstGeom prst="rect">
-            <a:avLst/>
-          </a:prstGeom>
-          <a:noFill/>
-        </p:spPr>
-        <p:txBody>
-          <a:bodyPr wrap="square" rtlCol="0">
-            <a:spAutoFit/>
-          </a:bodyPr>
-          <a:lstStyle/>
-          <a:p>
-            <a:pPr algn="ctr"/>
-            <a:r>
-              <a:rPr lang="ko-KR" altLang="en-US" sz="13200" b="1">
-                <a:solidFill>
-                  <a:srgbClr val="FF0000"/>
-                </a:solidFill>
-              </a:rPr>
-              <a:t>너무 힘들다 </a:t>
-            </a:r>
-            <a:r>
-              <a:rPr lang="ko-KR" altLang="en-US" sz="13200" b="1" dirty="0" err="1">
-                <a:solidFill>
-                  <a:srgbClr val="FF0000"/>
-                </a:solidFill>
-              </a:rPr>
-              <a:t>ㅠㅠ</a:t>
-            </a:r>
-            <a:endParaRPr lang="ko-KR" altLang="en-US" sz="13200" b="1" dirty="0">
-              <a:solidFill>
-                <a:srgbClr val="FF0000"/>
-              </a:solidFill>
-            </a:endParaRPr>
-          </a:p>
-        </p:txBody>
-      </p:sp>
-    </p:spTree>
-    <p:extLst>
-      <p:ext uri="{BB962C8B-B14F-4D97-AF65-F5344CB8AC3E}">
-        <p14:creationId xmlns:p14="http://schemas.microsoft.com/office/powerpoint/2010/main" val="463893784"/>
+        <p14:creationId xmlns:p14="http://schemas.microsoft.com/office/powerpoint/2010/main" val="785109972"/>
       </p:ext>
     </p:extLst>
   </p:cSld>
@@ -13221,14 +13781,6 @@
 <file path=ppt/slides/slide50.xml><?xml version="1.0" encoding="utf-8"?>
 <p:sld xmlns:a="http://schemas.openxmlformats.org/drawingml/2006/main" xmlns:r="http://schemas.openxmlformats.org/officeDocument/2006/relationships" xmlns:p="http://schemas.openxmlformats.org/presentationml/2006/main">
   <p:cSld>
-    <p:bg>
-      <p:bgPr>
-        <a:solidFill>
-          <a:schemeClr val="bg1"/>
-        </a:solidFill>
-        <a:effectLst/>
-      </p:bgPr>
-    </p:bg>
     <p:spTree>
       <p:nvGrpSpPr>
         <p:cNvPr id="1" name=""/>
@@ -13245,239 +13797,47 @@
       </p:grpSpPr>
       <p:sp>
         <p:nvSpPr>
-          <p:cNvPr id="5" name="Rectangle 2">
-            <a:extLst>
-              <a:ext uri="{FF2B5EF4-FFF2-40B4-BE49-F238E27FC236}">
-                <a16:creationId xmlns:a16="http://schemas.microsoft.com/office/drawing/2014/main" id="{0BFF5754-E615-4613-A123-F798FC0E77C7}"/>
-              </a:ext>
-            </a:extLst>
-          </p:cNvPr>
-          <p:cNvSpPr>
-            <a:spLocks/>
-          </p:cNvSpPr>
+          <p:cNvPr id="2" name="TextBox 1"/>
+          <p:cNvSpPr txBox="1"/>
           <p:nvPr/>
         </p:nvSpPr>
-        <p:spPr bwMode="auto">
+        <p:spPr>
           <a:xfrm>
-            <a:off x="1446213" y="6421438"/>
-            <a:ext cx="3313112" cy="873125"/>
+            <a:off x="2166423" y="4354098"/>
+            <a:ext cx="19863582" cy="7048083"/>
           </a:xfrm>
           <a:prstGeom prst="rect">
             <a:avLst/>
           </a:prstGeom>
           <a:noFill/>
-          <a:ln>
-            <a:noFill/>
-          </a:ln>
-          <a:effectLst/>
-          <a:extLst>
-            <a:ext uri="{909E8E84-426E-40DD-AFC4-6F175D3DCCD1}">
-              <a14:hiddenFill xmlns:a14="http://schemas.microsoft.com/office/drawing/2010/main">
-                <a:solidFill>
-                  <a:srgbClr val="FFFFFF"/>
-                </a:solidFill>
-              </a14:hiddenFill>
-            </a:ext>
-            <a:ext uri="{91240B29-F687-4F45-9708-019B960494DF}">
-              <a14:hiddenLine xmlns:a14="http://schemas.microsoft.com/office/drawing/2010/main" w="12700">
-                <a:solidFill>
-                  <a:srgbClr val="000000"/>
-                </a:solidFill>
-                <a:miter lim="0"/>
-                <a:headEnd/>
-                <a:tailEnd/>
-              </a14:hiddenLine>
-            </a:ext>
-            <a:ext uri="{AF507438-7753-43E0-B8FC-AC1667EBCBE1}">
-              <a14:hiddenEffects xmlns:a14="http://schemas.microsoft.com/office/drawing/2010/main">
-                <a:effectLst>
-                  <a:outerShdw dist="35921" dir="2700000" algn="ctr" rotWithShape="0">
-                    <a:srgbClr val="808080"/>
-                  </a:outerShdw>
-                </a:effectLst>
-              </a14:hiddenEffects>
-            </a:ext>
-          </a:extLst>
         </p:spPr>
         <p:txBody>
-          <a:bodyPr wrap="none" lIns="50800" tIns="50800" rIns="50800" bIns="50800" anchor="ctr">
+          <a:bodyPr wrap="square" rtlCol="0">
             <a:spAutoFit/>
           </a:bodyPr>
-          <a:lstStyle>
-            <a:lvl1pPr>
-              <a:defRPr sz="5000">
-                <a:solidFill>
-                  <a:srgbClr val="000000"/>
-                </a:solidFill>
-                <a:latin typeface="Helvetica Light" charset="0"/>
-                <a:ea typeface="Helvetica Light" charset="0"/>
-                <a:cs typeface="Helvetica Light" charset="0"/>
-                <a:sym typeface="Helvetica Light" charset="0"/>
-              </a:defRPr>
-            </a:lvl1pPr>
-            <a:lvl2pPr marL="742950" indent="-285750">
-              <a:defRPr sz="5000">
-                <a:solidFill>
-                  <a:srgbClr val="000000"/>
-                </a:solidFill>
-                <a:latin typeface="Helvetica Light" charset="0"/>
-                <a:ea typeface="Helvetica Light" charset="0"/>
-                <a:cs typeface="Helvetica Light" charset="0"/>
-                <a:sym typeface="Helvetica Light" charset="0"/>
-              </a:defRPr>
-            </a:lvl2pPr>
-            <a:lvl3pPr marL="1143000" indent="-228600">
-              <a:defRPr sz="5000">
-                <a:solidFill>
-                  <a:srgbClr val="000000"/>
-                </a:solidFill>
-                <a:latin typeface="Helvetica Light" charset="0"/>
-                <a:ea typeface="Helvetica Light" charset="0"/>
-                <a:cs typeface="Helvetica Light" charset="0"/>
-                <a:sym typeface="Helvetica Light" charset="0"/>
-              </a:defRPr>
-            </a:lvl3pPr>
-            <a:lvl4pPr marL="1600200" indent="-228600">
-              <a:defRPr sz="5000">
-                <a:solidFill>
-                  <a:srgbClr val="000000"/>
-                </a:solidFill>
-                <a:latin typeface="Helvetica Light" charset="0"/>
-                <a:ea typeface="Helvetica Light" charset="0"/>
-                <a:cs typeface="Helvetica Light" charset="0"/>
-                <a:sym typeface="Helvetica Light" charset="0"/>
-              </a:defRPr>
-            </a:lvl4pPr>
-            <a:lvl5pPr marL="2057400" indent="-228600">
-              <a:defRPr sz="5000">
-                <a:solidFill>
-                  <a:srgbClr val="000000"/>
-                </a:solidFill>
-                <a:latin typeface="Helvetica Light" charset="0"/>
-                <a:ea typeface="Helvetica Light" charset="0"/>
-                <a:cs typeface="Helvetica Light" charset="0"/>
-                <a:sym typeface="Helvetica Light" charset="0"/>
-              </a:defRPr>
-            </a:lvl5pPr>
-            <a:lvl6pPr marL="2514600" indent="-228600" defTabSz="825500" eaLnBrk="0" fontAlgn="base" hangingPunct="0">
-              <a:spcBef>
-                <a:spcPct val="0"/>
-              </a:spcBef>
-              <a:spcAft>
-                <a:spcPct val="0"/>
-              </a:spcAft>
-              <a:defRPr sz="5000">
-                <a:solidFill>
-                  <a:srgbClr val="000000"/>
-                </a:solidFill>
-                <a:latin typeface="Helvetica Light" charset="0"/>
-                <a:ea typeface="Helvetica Light" charset="0"/>
-                <a:cs typeface="Helvetica Light" charset="0"/>
-                <a:sym typeface="Helvetica Light" charset="0"/>
-              </a:defRPr>
-            </a:lvl6pPr>
-            <a:lvl7pPr marL="2971800" indent="-228600" defTabSz="825500" eaLnBrk="0" fontAlgn="base" hangingPunct="0">
-              <a:spcBef>
-                <a:spcPct val="0"/>
-              </a:spcBef>
-              <a:spcAft>
-                <a:spcPct val="0"/>
-              </a:spcAft>
-              <a:defRPr sz="5000">
-                <a:solidFill>
-                  <a:srgbClr val="000000"/>
-                </a:solidFill>
-                <a:latin typeface="Helvetica Light" charset="0"/>
-                <a:ea typeface="Helvetica Light" charset="0"/>
-                <a:cs typeface="Helvetica Light" charset="0"/>
-                <a:sym typeface="Helvetica Light" charset="0"/>
-              </a:defRPr>
-            </a:lvl7pPr>
-            <a:lvl8pPr marL="3429000" indent="-228600" defTabSz="825500" eaLnBrk="0" fontAlgn="base" hangingPunct="0">
-              <a:spcBef>
-                <a:spcPct val="0"/>
-              </a:spcBef>
-              <a:spcAft>
-                <a:spcPct val="0"/>
-              </a:spcAft>
-              <a:defRPr sz="5000">
-                <a:solidFill>
-                  <a:srgbClr val="000000"/>
-                </a:solidFill>
-                <a:latin typeface="Helvetica Light" charset="0"/>
-                <a:ea typeface="Helvetica Light" charset="0"/>
-                <a:cs typeface="Helvetica Light" charset="0"/>
-                <a:sym typeface="Helvetica Light" charset="0"/>
-              </a:defRPr>
-            </a:lvl8pPr>
-            <a:lvl9pPr marL="3886200" indent="-228600" defTabSz="825500" eaLnBrk="0" fontAlgn="base" hangingPunct="0">
-              <a:spcBef>
-                <a:spcPct val="0"/>
-              </a:spcBef>
-              <a:spcAft>
-                <a:spcPct val="0"/>
-              </a:spcAft>
-              <a:defRPr sz="5000">
-                <a:solidFill>
-                  <a:srgbClr val="000000"/>
-                </a:solidFill>
-                <a:latin typeface="Helvetica Light" charset="0"/>
-                <a:ea typeface="Helvetica Light" charset="0"/>
-                <a:cs typeface="Helvetica Light" charset="0"/>
-                <a:sym typeface="Helvetica Light" charset="0"/>
-              </a:defRPr>
-            </a:lvl9pPr>
-          </a:lstStyle>
-          <a:p>
-            <a:pPr eaLnBrk="1"/>
-            <a:r>
-              <a:rPr lang="ko-KR" altLang="ko-KR" dirty="0">
-                <a:solidFill>
-                  <a:schemeClr val="tx1"/>
-                </a:solidFill>
-                <a:latin typeface="맑은 고딕" panose="020B0503020000020004" pitchFamily="50" charset="-127"/>
-                <a:ea typeface="맑은 고딕" panose="020B0503020000020004" pitchFamily="50" charset="-127"/>
-                <a:sym typeface="KoPubDotum Medium" charset="0"/>
-              </a:rPr>
-              <a:t>내용 (</a:t>
-            </a:r>
-            <a:r>
-              <a:rPr lang="en-US" altLang="ko-KR" dirty="0">
-                <a:solidFill>
-                  <a:schemeClr val="tx1"/>
-                </a:solidFill>
-                <a:latin typeface="맑은 고딕" panose="020B0503020000020004" pitchFamily="50" charset="-127"/>
-                <a:ea typeface="맑은 고딕" panose="020B0503020000020004" pitchFamily="50" charset="-127"/>
-                <a:sym typeface="KoPubDotum Medium" charset="0"/>
-              </a:rPr>
-              <a:t>50pt</a:t>
-            </a:r>
-            <a:r>
-              <a:rPr lang="ko-KR" altLang="ko-KR" dirty="0">
-                <a:solidFill>
-                  <a:schemeClr val="tx1"/>
-                </a:solidFill>
-                <a:latin typeface="맑은 고딕" panose="020B0503020000020004" pitchFamily="50" charset="-127"/>
-                <a:ea typeface="맑은 고딕" panose="020B0503020000020004" pitchFamily="50" charset="-127"/>
-                <a:sym typeface="KoPubDotum Medium" charset="0"/>
-              </a:rPr>
-              <a:t>)</a:t>
-            </a:r>
-            <a:endParaRPr lang="ko-KR" altLang="ko-KR" sz="1800" dirty="0">
-              <a:solidFill>
-                <a:schemeClr val="tx1"/>
-              </a:solidFill>
-              <a:latin typeface="맑은 고딕" panose="020B0503020000020004" pitchFamily="50" charset="-127"/>
-              <a:ea typeface="맑은 고딕" panose="020B0503020000020004" pitchFamily="50" charset="-127"/>
-              <a:sym typeface="KoPubDotum Medium" charset="0"/>
-            </a:endParaRPr>
+          <a:lstStyle/>
+          <a:p>
+            <a:pPr algn="ctr"/>
+            <a:r>
+              <a:rPr lang="ko-KR" altLang="en-US" sz="12000" b="1" dirty="0"/>
+              <a:t>좋은 함수가 아니면 힘들다</a:t>
+            </a:r>
+            <a:endParaRPr lang="en-US" altLang="ko-KR" sz="12000" b="1" dirty="0"/>
+          </a:p>
+          <a:p>
+            <a:pPr algn="ctr"/>
+            <a:r>
+              <a:rPr lang="ko-KR" altLang="en-US" sz="33200" b="1" dirty="0" err="1"/>
+              <a:t>리팩토링</a:t>
+            </a:r>
+            <a:endParaRPr lang="ko-KR" altLang="en-US" sz="33200" b="1" dirty="0"/>
           </a:p>
         </p:txBody>
       </p:sp>
     </p:spTree>
     <p:extLst>
       <p:ext uri="{BB962C8B-B14F-4D97-AF65-F5344CB8AC3E}">
-        <p14:creationId xmlns:p14="http://schemas.microsoft.com/office/powerpoint/2010/main" val="136238985"/>
+        <p14:creationId xmlns:p14="http://schemas.microsoft.com/office/powerpoint/2010/main" val="3695536779"/>
       </p:ext>
     </p:extLst>
   </p:cSld>
@@ -13490,14 +13850,6 @@
 <file path=ppt/slides/slide51.xml><?xml version="1.0" encoding="utf-8"?>
 <p:sld xmlns:a="http://schemas.openxmlformats.org/drawingml/2006/main" xmlns:r="http://schemas.openxmlformats.org/officeDocument/2006/relationships" xmlns:p="http://schemas.openxmlformats.org/presentationml/2006/main">
   <p:cSld>
-    <p:bg>
-      <p:bgPr>
-        <a:solidFill>
-          <a:schemeClr val="bg1"/>
-        </a:solidFill>
-        <a:effectLst/>
-      </p:bgPr>
-    </p:bg>
     <p:spTree>
       <p:nvGrpSpPr>
         <p:cNvPr id="1" name=""/>
@@ -13514,231 +13866,104 @@
       </p:grpSpPr>
       <p:sp>
         <p:nvSpPr>
-          <p:cNvPr id="5" name="Rectangle 2">
-            <a:extLst>
-              <a:ext uri="{FF2B5EF4-FFF2-40B4-BE49-F238E27FC236}">
-                <a16:creationId xmlns:a16="http://schemas.microsoft.com/office/drawing/2014/main" id="{0BFF5754-E615-4613-A123-F798FC0E77C7}"/>
-              </a:ext>
-            </a:extLst>
-          </p:cNvPr>
-          <p:cNvSpPr>
-            <a:spLocks/>
-          </p:cNvSpPr>
+          <p:cNvPr id="2" name="TextBox 1"/>
+          <p:cNvSpPr txBox="1"/>
           <p:nvPr/>
         </p:nvSpPr>
-        <p:spPr bwMode="auto">
+        <p:spPr>
           <a:xfrm>
-            <a:off x="1446213" y="6421438"/>
-            <a:ext cx="3313112" cy="873125"/>
+            <a:off x="2166421" y="3292214"/>
+            <a:ext cx="19863582" cy="3785652"/>
           </a:xfrm>
           <a:prstGeom prst="rect">
             <a:avLst/>
           </a:prstGeom>
           <a:noFill/>
-          <a:ln>
-            <a:noFill/>
-          </a:ln>
-          <a:effectLst/>
-          <a:extLst>
-            <a:ext uri="{909E8E84-426E-40DD-AFC4-6F175D3DCCD1}">
-              <a14:hiddenFill xmlns:a14="http://schemas.microsoft.com/office/drawing/2010/main">
-                <a:solidFill>
-                  <a:srgbClr val="FFFFFF"/>
-                </a:solidFill>
-              </a14:hiddenFill>
-            </a:ext>
-            <a:ext uri="{91240B29-F687-4F45-9708-019B960494DF}">
-              <a14:hiddenLine xmlns:a14="http://schemas.microsoft.com/office/drawing/2010/main" w="12700">
-                <a:solidFill>
-                  <a:srgbClr val="000000"/>
-                </a:solidFill>
-                <a:miter lim="0"/>
-                <a:headEnd/>
-                <a:tailEnd/>
-              </a14:hiddenLine>
-            </a:ext>
-            <a:ext uri="{AF507438-7753-43E0-B8FC-AC1667EBCBE1}">
-              <a14:hiddenEffects xmlns:a14="http://schemas.microsoft.com/office/drawing/2010/main">
-                <a:effectLst>
-                  <a:outerShdw dist="35921" dir="2700000" algn="ctr" rotWithShape="0">
-                    <a:srgbClr val="808080"/>
-                  </a:outerShdw>
-                </a:effectLst>
-              </a14:hiddenEffects>
-            </a:ext>
-          </a:extLst>
         </p:spPr>
         <p:txBody>
-          <a:bodyPr wrap="none" lIns="50800" tIns="50800" rIns="50800" bIns="50800" anchor="ctr">
+          <a:bodyPr wrap="square" rtlCol="0">
             <a:spAutoFit/>
           </a:bodyPr>
-          <a:lstStyle>
-            <a:lvl1pPr>
-              <a:defRPr sz="5000">
-                <a:solidFill>
-                  <a:srgbClr val="000000"/>
-                </a:solidFill>
-                <a:latin typeface="Helvetica Light" charset="0"/>
-                <a:ea typeface="Helvetica Light" charset="0"/>
-                <a:cs typeface="Helvetica Light" charset="0"/>
-                <a:sym typeface="Helvetica Light" charset="0"/>
-              </a:defRPr>
-            </a:lvl1pPr>
-            <a:lvl2pPr marL="742950" indent="-285750">
-              <a:defRPr sz="5000">
-                <a:solidFill>
-                  <a:srgbClr val="000000"/>
-                </a:solidFill>
-                <a:latin typeface="Helvetica Light" charset="0"/>
-                <a:ea typeface="Helvetica Light" charset="0"/>
-                <a:cs typeface="Helvetica Light" charset="0"/>
-                <a:sym typeface="Helvetica Light" charset="0"/>
-              </a:defRPr>
-            </a:lvl2pPr>
-            <a:lvl3pPr marL="1143000" indent="-228600">
-              <a:defRPr sz="5000">
-                <a:solidFill>
-                  <a:srgbClr val="000000"/>
-                </a:solidFill>
-                <a:latin typeface="Helvetica Light" charset="0"/>
-                <a:ea typeface="Helvetica Light" charset="0"/>
-                <a:cs typeface="Helvetica Light" charset="0"/>
-                <a:sym typeface="Helvetica Light" charset="0"/>
-              </a:defRPr>
-            </a:lvl3pPr>
-            <a:lvl4pPr marL="1600200" indent="-228600">
-              <a:defRPr sz="5000">
-                <a:solidFill>
-                  <a:srgbClr val="000000"/>
-                </a:solidFill>
-                <a:latin typeface="Helvetica Light" charset="0"/>
-                <a:ea typeface="Helvetica Light" charset="0"/>
-                <a:cs typeface="Helvetica Light" charset="0"/>
-                <a:sym typeface="Helvetica Light" charset="0"/>
-              </a:defRPr>
-            </a:lvl4pPr>
-            <a:lvl5pPr marL="2057400" indent="-228600">
-              <a:defRPr sz="5000">
-                <a:solidFill>
-                  <a:srgbClr val="000000"/>
-                </a:solidFill>
-                <a:latin typeface="Helvetica Light" charset="0"/>
-                <a:ea typeface="Helvetica Light" charset="0"/>
-                <a:cs typeface="Helvetica Light" charset="0"/>
-                <a:sym typeface="Helvetica Light" charset="0"/>
-              </a:defRPr>
-            </a:lvl5pPr>
-            <a:lvl6pPr marL="2514600" indent="-228600" defTabSz="825500" eaLnBrk="0" fontAlgn="base" hangingPunct="0">
-              <a:spcBef>
-                <a:spcPct val="0"/>
-              </a:spcBef>
-              <a:spcAft>
-                <a:spcPct val="0"/>
-              </a:spcAft>
-              <a:defRPr sz="5000">
-                <a:solidFill>
-                  <a:srgbClr val="000000"/>
-                </a:solidFill>
-                <a:latin typeface="Helvetica Light" charset="0"/>
-                <a:ea typeface="Helvetica Light" charset="0"/>
-                <a:cs typeface="Helvetica Light" charset="0"/>
-                <a:sym typeface="Helvetica Light" charset="0"/>
-              </a:defRPr>
-            </a:lvl6pPr>
-            <a:lvl7pPr marL="2971800" indent="-228600" defTabSz="825500" eaLnBrk="0" fontAlgn="base" hangingPunct="0">
-              <a:spcBef>
-                <a:spcPct val="0"/>
-              </a:spcBef>
-              <a:spcAft>
-                <a:spcPct val="0"/>
-              </a:spcAft>
-              <a:defRPr sz="5000">
-                <a:solidFill>
-                  <a:srgbClr val="000000"/>
-                </a:solidFill>
-                <a:latin typeface="Helvetica Light" charset="0"/>
-                <a:ea typeface="Helvetica Light" charset="0"/>
-                <a:cs typeface="Helvetica Light" charset="0"/>
-                <a:sym typeface="Helvetica Light" charset="0"/>
-              </a:defRPr>
-            </a:lvl7pPr>
-            <a:lvl8pPr marL="3429000" indent="-228600" defTabSz="825500" eaLnBrk="0" fontAlgn="base" hangingPunct="0">
-              <a:spcBef>
-                <a:spcPct val="0"/>
-              </a:spcBef>
-              <a:spcAft>
-                <a:spcPct val="0"/>
-              </a:spcAft>
-              <a:defRPr sz="5000">
-                <a:solidFill>
-                  <a:srgbClr val="000000"/>
-                </a:solidFill>
-                <a:latin typeface="Helvetica Light" charset="0"/>
-                <a:ea typeface="Helvetica Light" charset="0"/>
-                <a:cs typeface="Helvetica Light" charset="0"/>
-                <a:sym typeface="Helvetica Light" charset="0"/>
-              </a:defRPr>
-            </a:lvl8pPr>
-            <a:lvl9pPr marL="3886200" indent="-228600" defTabSz="825500" eaLnBrk="0" fontAlgn="base" hangingPunct="0">
-              <a:spcBef>
-                <a:spcPct val="0"/>
-              </a:spcBef>
-              <a:spcAft>
-                <a:spcPct val="0"/>
-              </a:spcAft>
-              <a:defRPr sz="5000">
-                <a:solidFill>
-                  <a:srgbClr val="000000"/>
-                </a:solidFill>
-                <a:latin typeface="Helvetica Light" charset="0"/>
-                <a:ea typeface="Helvetica Light" charset="0"/>
-                <a:cs typeface="Helvetica Light" charset="0"/>
-                <a:sym typeface="Helvetica Light" charset="0"/>
-              </a:defRPr>
-            </a:lvl9pPr>
-          </a:lstStyle>
-          <a:p>
-            <a:pPr eaLnBrk="1"/>
-            <a:r>
-              <a:rPr lang="ko-KR" altLang="ko-KR" dirty="0">
-                <a:solidFill>
-                  <a:schemeClr val="tx1"/>
-                </a:solidFill>
-                <a:latin typeface="맑은 고딕" panose="020B0503020000020004" pitchFamily="50" charset="-127"/>
-                <a:ea typeface="맑은 고딕" panose="020B0503020000020004" pitchFamily="50" charset="-127"/>
-                <a:sym typeface="KoPubDotum Medium" charset="0"/>
+          <a:lstStyle/>
+          <a:p>
+            <a:pPr algn="ctr"/>
+            <a:r>
+              <a:rPr lang="ko-KR" altLang="en-US" sz="12000" b="1" dirty="0"/>
+              <a:t>꽤 진행된 프로젝트</a:t>
+            </a:r>
+            <a:r>
+              <a:rPr lang="en-US" altLang="ko-KR" sz="12000" b="1" dirty="0"/>
+              <a:t>,</a:t>
+            </a:r>
+          </a:p>
+          <a:p>
+            <a:pPr algn="ctr"/>
+            <a:r>
+              <a:rPr lang="ko-KR" altLang="en-US" sz="12000" b="1" dirty="0"/>
+              <a:t>누군가의 반대</a:t>
+            </a:r>
+            <a:r>
+              <a:rPr lang="en-US" altLang="ko-KR" sz="12000" b="1" dirty="0"/>
+              <a:t>(</a:t>
+            </a:r>
+            <a:r>
+              <a:rPr lang="ko-KR" altLang="en-US" sz="12000" b="1" dirty="0"/>
+              <a:t>특히 </a:t>
+            </a:r>
+            <a:r>
+              <a:rPr lang="ko-KR" altLang="en-US" sz="12000" b="1" dirty="0" err="1"/>
+              <a:t>리더급</a:t>
+            </a:r>
+            <a:r>
+              <a:rPr lang="en-US" altLang="ko-KR" sz="12000" b="1" dirty="0"/>
+              <a:t>)</a:t>
+            </a:r>
+          </a:p>
+        </p:txBody>
+      </p:sp>
+      <p:sp>
+        <p:nvSpPr>
+          <p:cNvPr id="3" name="TextBox 2"/>
+          <p:cNvSpPr txBox="1"/>
+          <p:nvPr/>
+        </p:nvSpPr>
+        <p:spPr>
+          <a:xfrm>
+            <a:off x="5387694" y="8360467"/>
+            <a:ext cx="13421032" cy="2123658"/>
+          </a:xfrm>
+          <a:prstGeom prst="rect">
+            <a:avLst/>
+          </a:prstGeom>
+          <a:noFill/>
+        </p:spPr>
+        <p:txBody>
+          <a:bodyPr wrap="square" rtlCol="0">
+            <a:spAutoFit/>
+          </a:bodyPr>
+          <a:lstStyle/>
+          <a:p>
+            <a:pPr algn="ctr"/>
+            <a:r>
+              <a:rPr lang="ko-KR" altLang="en-US" sz="13200" b="1">
+                <a:solidFill>
+                  <a:srgbClr val="FF0000"/>
+                </a:solidFill>
               </a:rPr>
-              <a:t>내용 (</a:t>
-            </a:r>
-            <a:r>
-              <a:rPr lang="en-US" altLang="ko-KR" dirty="0">
-                <a:solidFill>
-                  <a:schemeClr val="tx1"/>
-                </a:solidFill>
-                <a:latin typeface="맑은 고딕" panose="020B0503020000020004" pitchFamily="50" charset="-127"/>
-                <a:ea typeface="맑은 고딕" panose="020B0503020000020004" pitchFamily="50" charset="-127"/>
-                <a:sym typeface="KoPubDotum Medium" charset="0"/>
+              <a:t>너무 힘들다 </a:t>
+            </a:r>
+            <a:r>
+              <a:rPr lang="ko-KR" altLang="en-US" sz="13200" b="1" dirty="0" err="1">
+                <a:solidFill>
+                  <a:srgbClr val="FF0000"/>
+                </a:solidFill>
               </a:rPr>
-              <a:t>50pt</a:t>
-            </a:r>
-            <a:r>
-              <a:rPr lang="ko-KR" altLang="ko-KR" dirty="0">
-                <a:solidFill>
-                  <a:schemeClr val="tx1"/>
-                </a:solidFill>
-                <a:latin typeface="맑은 고딕" panose="020B0503020000020004" pitchFamily="50" charset="-127"/>
-                <a:ea typeface="맑은 고딕" panose="020B0503020000020004" pitchFamily="50" charset="-127"/>
-                <a:sym typeface="KoPubDotum Medium" charset="0"/>
-              </a:rPr>
-              <a:t>)</a:t>
-            </a:r>
-            <a:endParaRPr lang="ko-KR" altLang="ko-KR" sz="1800" dirty="0">
+              <a:t>ㅠㅠ</a:t>
+            </a:r>
+            <a:endParaRPr lang="ko-KR" altLang="en-US" sz="13200" b="1" dirty="0">
               <a:solidFill>
-                <a:schemeClr val="tx1"/>
+                <a:srgbClr val="FF0000"/>
               </a:solidFill>
-              <a:latin typeface="맑은 고딕" panose="020B0503020000020004" pitchFamily="50" charset="-127"/>
-              <a:ea typeface="맑은 고딕" panose="020B0503020000020004" pitchFamily="50" charset="-127"/>
-              <a:sym typeface="KoPubDotum Medium" charset="0"/>
             </a:endParaRPr>
           </a:p>
         </p:txBody>
@@ -13746,7 +13971,7 @@
     </p:spTree>
     <p:extLst>
       <p:ext uri="{BB962C8B-B14F-4D97-AF65-F5344CB8AC3E}">
-        <p14:creationId xmlns:p14="http://schemas.microsoft.com/office/powerpoint/2010/main" val="478067691"/>
+        <p14:creationId xmlns:p14="http://schemas.microsoft.com/office/powerpoint/2010/main" val="463893784"/>
       </p:ext>
     </p:extLst>
   </p:cSld>

--- a/[C++ Korea 4th Seminar]Visual Cpp에서 유닛 테스트 하기.pptx
+++ b/[C++ Korea 4th Seminar]Visual Cpp에서 유닛 테스트 하기.pptx
@@ -5,7 +5,7 @@
     <p:sldMasterId id="2147483693" r:id="rId1"/>
   </p:sldMasterIdLst>
   <p:notesMasterIdLst>
-    <p:notesMasterId r:id="rId62"/>
+    <p:notesMasterId r:id="rId63"/>
   </p:notesMasterIdLst>
   <p:sldIdLst>
     <p:sldId id="269" r:id="rId2"/>
@@ -50,24 +50,25 @@
     <p:sldId id="314" r:id="rId41"/>
     <p:sldId id="315" r:id="rId42"/>
     <p:sldId id="295" r:id="rId43"/>
-    <p:sldId id="316" r:id="rId44"/>
-    <p:sldId id="296" r:id="rId45"/>
+    <p:sldId id="327" r:id="rId44"/>
+    <p:sldId id="316" r:id="rId45"/>
     <p:sldId id="324" r:id="rId46"/>
     <p:sldId id="326" r:id="rId47"/>
-    <p:sldId id="278" r:id="rId48"/>
-    <p:sldId id="285" r:id="rId49"/>
-    <p:sldId id="286" r:id="rId50"/>
-    <p:sldId id="288" r:id="rId51"/>
-    <p:sldId id="289" r:id="rId52"/>
-    <p:sldId id="290" r:id="rId53"/>
-    <p:sldId id="317" r:id="rId54"/>
-    <p:sldId id="318" r:id="rId55"/>
-    <p:sldId id="319" r:id="rId56"/>
-    <p:sldId id="320" r:id="rId57"/>
-    <p:sldId id="268" r:id="rId58"/>
-    <p:sldId id="297" r:id="rId59"/>
-    <p:sldId id="294" r:id="rId60"/>
-    <p:sldId id="272" r:id="rId61"/>
+    <p:sldId id="328" r:id="rId48"/>
+    <p:sldId id="278" r:id="rId49"/>
+    <p:sldId id="285" r:id="rId50"/>
+    <p:sldId id="286" r:id="rId51"/>
+    <p:sldId id="288" r:id="rId52"/>
+    <p:sldId id="289" r:id="rId53"/>
+    <p:sldId id="290" r:id="rId54"/>
+    <p:sldId id="317" r:id="rId55"/>
+    <p:sldId id="297" r:id="rId56"/>
+    <p:sldId id="318" r:id="rId57"/>
+    <p:sldId id="319" r:id="rId58"/>
+    <p:sldId id="320" r:id="rId59"/>
+    <p:sldId id="268" r:id="rId60"/>
+    <p:sldId id="294" r:id="rId61"/>
+    <p:sldId id="272" r:id="rId62"/>
   </p:sldIdLst>
   <p:sldSz cx="24384000" cy="13716000"/>
   <p:notesSz cx="6858000" cy="9144000"/>
@@ -292,7 +293,7 @@
           <a:p>
             <a:fld id="{3BBB03BC-09CE-4836-AC1F-7576B8AAE24F}" type="datetimeFigureOut">
               <a:rPr lang="ko-KR" altLang="en-US" smtClean="0"/>
-              <a:t>2018-07-29</a:t>
+              <a:t>2018-07-30</a:t>
             </a:fld>
             <a:endParaRPr lang="ko-KR" altLang="en-US"/>
           </a:p>
@@ -778,7 +779,7 @@
           <a:p>
             <a:fld id="{C764DE79-268F-4C1A-8933-263129D2AF90}" type="datetimeFigureOut">
               <a:rPr lang="en-US" smtClean="0"/>
-              <a:t>7/29/2018</a:t>
+              <a:t>7/30/2018</a:t>
             </a:fld>
             <a:endParaRPr lang="en-US" dirty="0"/>
           </a:p>
@@ -948,7 +949,7 @@
           <a:p>
             <a:fld id="{C764DE79-268F-4C1A-8933-263129D2AF90}" type="datetimeFigureOut">
               <a:rPr lang="en-US" smtClean="0"/>
-              <a:t>7/29/2018</a:t>
+              <a:t>7/30/2018</a:t>
             </a:fld>
             <a:endParaRPr lang="en-US" dirty="0"/>
           </a:p>
@@ -1128,7 +1129,7 @@
           <a:p>
             <a:fld id="{C764DE79-268F-4C1A-8933-263129D2AF90}" type="datetimeFigureOut">
               <a:rPr lang="en-US" smtClean="0"/>
-              <a:t>7/29/2018</a:t>
+              <a:t>7/30/2018</a:t>
             </a:fld>
             <a:endParaRPr lang="en-US" dirty="0"/>
           </a:p>
@@ -1380,7 +1381,7 @@
           <a:p>
             <a:fld id="{C764DE79-268F-4C1A-8933-263129D2AF90}" type="datetimeFigureOut">
               <a:rPr lang="en-US" smtClean="0"/>
-              <a:t>7/29/2018</a:t>
+              <a:t>7/30/2018</a:t>
             </a:fld>
             <a:endParaRPr lang="en-US" dirty="0"/>
           </a:p>
@@ -1626,7 +1627,7 @@
           <a:p>
             <a:fld id="{C764DE79-268F-4C1A-8933-263129D2AF90}" type="datetimeFigureOut">
               <a:rPr lang="en-US" smtClean="0"/>
-              <a:t>7/29/2018</a:t>
+              <a:t>7/30/2018</a:t>
             </a:fld>
             <a:endParaRPr lang="en-US" dirty="0"/>
           </a:p>
@@ -1858,7 +1859,7 @@
           <a:p>
             <a:fld id="{C764DE79-268F-4C1A-8933-263129D2AF90}" type="datetimeFigureOut">
               <a:rPr lang="en-US" smtClean="0"/>
-              <a:t>7/29/2018</a:t>
+              <a:t>7/30/2018</a:t>
             </a:fld>
             <a:endParaRPr lang="en-US" dirty="0"/>
           </a:p>
@@ -2225,7 +2226,7 @@
           <a:p>
             <a:fld id="{C764DE79-268F-4C1A-8933-263129D2AF90}" type="datetimeFigureOut">
               <a:rPr lang="en-US" smtClean="0"/>
-              <a:t>7/29/2018</a:t>
+              <a:t>7/30/2018</a:t>
             </a:fld>
             <a:endParaRPr lang="en-US" dirty="0"/>
           </a:p>
@@ -2343,7 +2344,7 @@
           <a:p>
             <a:fld id="{C764DE79-268F-4C1A-8933-263129D2AF90}" type="datetimeFigureOut">
               <a:rPr lang="en-US" smtClean="0"/>
-              <a:t>7/29/2018</a:t>
+              <a:t>7/30/2018</a:t>
             </a:fld>
             <a:endParaRPr lang="en-US" dirty="0"/>
           </a:p>
@@ -2438,7 +2439,7 @@
           <a:p>
             <a:fld id="{C764DE79-268F-4C1A-8933-263129D2AF90}" type="datetimeFigureOut">
               <a:rPr lang="en-US" smtClean="0"/>
-              <a:t>7/29/2018</a:t>
+              <a:t>7/30/2018</a:t>
             </a:fld>
             <a:endParaRPr lang="en-US" dirty="0"/>
           </a:p>
@@ -2715,7 +2716,7 @@
           <a:p>
             <a:fld id="{C764DE79-268F-4C1A-8933-263129D2AF90}" type="datetimeFigureOut">
               <a:rPr lang="en-US" smtClean="0"/>
-              <a:t>7/29/2018</a:t>
+              <a:t>7/30/2018</a:t>
             </a:fld>
             <a:endParaRPr lang="en-US" dirty="0"/>
           </a:p>
@@ -2972,7 +2973,7 @@
           <a:p>
             <a:fld id="{C764DE79-268F-4C1A-8933-263129D2AF90}" type="datetimeFigureOut">
               <a:rPr lang="en-US" smtClean="0"/>
-              <a:t>7/29/2018</a:t>
+              <a:t>7/30/2018</a:t>
             </a:fld>
             <a:endParaRPr lang="en-US" dirty="0"/>
           </a:p>
@@ -3185,7 +3186,7 @@
           <a:p>
             <a:fld id="{C764DE79-268F-4C1A-8933-263129D2AF90}" type="datetimeFigureOut">
               <a:rPr lang="en-US" smtClean="0"/>
-              <a:t>7/29/2018</a:t>
+              <a:t>7/30/2018</a:t>
             </a:fld>
             <a:endParaRPr lang="en-US" dirty="0"/>
           </a:p>
@@ -5705,7 +5706,7 @@
         <p:spPr bwMode="auto">
           <a:xfrm>
             <a:off x="1365387" y="2486687"/>
-            <a:ext cx="19404556" cy="6067367"/>
+            <a:ext cx="22750638" cy="6067367"/>
           </a:xfrm>
           <a:prstGeom prst="rect">
             <a:avLst/>
@@ -5974,7 +5975,29 @@
                 <a:ea typeface="맑은 고딕" panose="020B0503020000020004" pitchFamily="50" charset="-127"/>
                 <a:sym typeface="KoPubDotum Medium" charset="0"/>
               </a:rPr>
-              <a:t>- </a:t>
+              <a:t>– </a:t>
+            </a:r>
+            <a:r>
+              <a:rPr lang="ko-KR" altLang="en-US" sz="9000" b="1" dirty="0">
+                <a:solidFill>
+                  <a:schemeClr val="tx1"/>
+                </a:solidFill>
+                <a:latin typeface="맑은 고딕" panose="020B0503020000020004" pitchFamily="50" charset="-127"/>
+                <a:ea typeface="맑은 고딕" panose="020B0503020000020004" pitchFamily="50" charset="-127"/>
+                <a:sym typeface="KoPubDotum Medium" charset="0"/>
+              </a:rPr>
+              <a:t>계산기</a:t>
+            </a:r>
+            <a:r>
+              <a:rPr lang="en-US" altLang="ko-KR" sz="9000" b="1" dirty="0">
+                <a:solidFill>
+                  <a:schemeClr val="tx1"/>
+                </a:solidFill>
+                <a:latin typeface="맑은 고딕" panose="020B0503020000020004" pitchFamily="50" charset="-127"/>
+                <a:ea typeface="맑은 고딕" panose="020B0503020000020004" pitchFamily="50" charset="-127"/>
+                <a:sym typeface="KoPubDotum Medium" charset="0"/>
+              </a:rPr>
+              <a:t>, </a:t>
             </a:r>
             <a:r>
               <a:rPr lang="ko-KR" altLang="en-US" sz="9000" b="1" dirty="0">
@@ -8195,7 +8218,7 @@
         </p:nvSpPr>
         <p:spPr>
           <a:xfrm>
-            <a:off x="3693020" y="933334"/>
+            <a:off x="1553324" y="1097926"/>
             <a:ext cx="16591722" cy="1569660"/>
           </a:xfrm>
           <a:prstGeom prst="rect">
@@ -8228,8 +8251,8 @@
         </p:nvSpPr>
         <p:spPr>
           <a:xfrm>
-            <a:off x="16606844" y="11431321"/>
-            <a:ext cx="7355796" cy="1754326"/>
+            <a:off x="16881164" y="12420245"/>
+            <a:ext cx="7355796" cy="1200329"/>
           </a:xfrm>
           <a:prstGeom prst="rect">
             <a:avLst/>
@@ -8251,9 +8274,6 @@
               <a:rPr lang="en-US" altLang="ko-KR" sz="3600" dirty="0"/>
               <a:t> </a:t>
             </a:r>
-          </a:p>
-          <a:p>
-            <a:endParaRPr lang="en-US" altLang="ko-KR" sz="3600" dirty="0"/>
           </a:p>
           <a:p>
             <a:r>
@@ -8616,6 +8636,43 @@
           </a:p>
         </p:txBody>
       </p:sp>
+      <p:sp>
+        <p:nvSpPr>
+          <p:cNvPr id="2" name="직사각형 1">
+            <a:extLst>
+              <a:ext uri="{FF2B5EF4-FFF2-40B4-BE49-F238E27FC236}">
+                <a16:creationId xmlns:a16="http://schemas.microsoft.com/office/drawing/2014/main" id="{AEF42BB7-0154-4646-B71F-EB652EC632B2}"/>
+              </a:ext>
+            </a:extLst>
+          </p:cNvPr>
+          <p:cNvSpPr/>
+          <p:nvPr/>
+        </p:nvSpPr>
+        <p:spPr>
+          <a:xfrm>
+            <a:off x="20618005" y="13312830"/>
+            <a:ext cx="3729419" cy="369332"/>
+          </a:xfrm>
+          <a:prstGeom prst="rect">
+            <a:avLst/>
+          </a:prstGeom>
+        </p:spPr>
+        <p:txBody>
+          <a:bodyPr wrap="none">
+            <a:spAutoFit/>
+          </a:bodyPr>
+          <a:lstStyle/>
+          <a:p>
+            <a:r>
+              <a:rPr lang="en-US" altLang="ko-KR" dirty="0">
+                <a:hlinkClick r:id="rId3"/>
+              </a:rPr>
+              <a:t>http://codezine.jp/article/detail/6464</a:t>
+            </a:r>
+            <a:endParaRPr lang="ko-KR" altLang="en-US" dirty="0"/>
+          </a:p>
+        </p:txBody>
+      </p:sp>
     </p:spTree>
     <p:extLst>
       <p:ext uri="{BB962C8B-B14F-4D97-AF65-F5344CB8AC3E}">
@@ -8819,7 +8876,7 @@
           <a:p>
             <a:r>
               <a:rPr lang="ko-KR" altLang="en-US" sz="5000" dirty="0"/>
-              <a:t>테스트 별 전 준비</a:t>
+              <a:t>테스트 별로 준비</a:t>
             </a:r>
             <a:r>
               <a:rPr lang="en-US" altLang="ko-KR" sz="5000" dirty="0"/>
@@ -8833,6 +8890,43 @@
               <a:rPr lang="en-US" altLang="ko-KR" sz="5000" dirty="0"/>
               <a:t>.</a:t>
             </a:r>
+          </a:p>
+        </p:txBody>
+      </p:sp>
+      <p:sp>
+        <p:nvSpPr>
+          <p:cNvPr id="4" name="직사각형 3">
+            <a:extLst>
+              <a:ext uri="{FF2B5EF4-FFF2-40B4-BE49-F238E27FC236}">
+                <a16:creationId xmlns:a16="http://schemas.microsoft.com/office/drawing/2014/main" id="{9F121532-FFD7-47DE-B7FD-4E1C110BB202}"/>
+              </a:ext>
+            </a:extLst>
+          </p:cNvPr>
+          <p:cNvSpPr/>
+          <p:nvPr/>
+        </p:nvSpPr>
+        <p:spPr>
+          <a:xfrm>
+            <a:off x="20618005" y="13312830"/>
+            <a:ext cx="3729419" cy="369332"/>
+          </a:xfrm>
+          <a:prstGeom prst="rect">
+            <a:avLst/>
+          </a:prstGeom>
+        </p:spPr>
+        <p:txBody>
+          <a:bodyPr wrap="none">
+            <a:spAutoFit/>
+          </a:bodyPr>
+          <a:lstStyle/>
+          <a:p>
+            <a:r>
+              <a:rPr lang="en-US" altLang="ko-KR" dirty="0">
+                <a:hlinkClick r:id="rId2"/>
+              </a:rPr>
+              <a:t>http://codezine.jp/article/detail/6464</a:t>
+            </a:r>
+            <a:endParaRPr lang="ko-KR" altLang="en-US" dirty="0"/>
           </a:p>
         </p:txBody>
       </p:sp>
@@ -8875,7 +8969,7 @@
         <p:spPr>
           <a:xfrm>
             <a:off x="1219200" y="291545"/>
-            <a:ext cx="20620384" cy="13388280"/>
+            <a:ext cx="19398805" cy="13388280"/>
           </a:xfrm>
           <a:prstGeom prst="rect">
             <a:avLst/>
@@ -9174,6 +9268,43 @@
               <a:t>}</a:t>
             </a:r>
             <a:endParaRPr lang="ko-KR" altLang="en-US" sz="3600" dirty="0"/>
+          </a:p>
+        </p:txBody>
+      </p:sp>
+      <p:sp>
+        <p:nvSpPr>
+          <p:cNvPr id="3" name="직사각형 2">
+            <a:extLst>
+              <a:ext uri="{FF2B5EF4-FFF2-40B4-BE49-F238E27FC236}">
+                <a16:creationId xmlns:a16="http://schemas.microsoft.com/office/drawing/2014/main" id="{BD67F408-C375-411E-A2C2-2B835F885FBE}"/>
+              </a:ext>
+            </a:extLst>
+          </p:cNvPr>
+          <p:cNvSpPr/>
+          <p:nvPr/>
+        </p:nvSpPr>
+        <p:spPr>
+          <a:xfrm>
+            <a:off x="20618005" y="13312830"/>
+            <a:ext cx="3729419" cy="369332"/>
+          </a:xfrm>
+          <a:prstGeom prst="rect">
+            <a:avLst/>
+          </a:prstGeom>
+        </p:spPr>
+        <p:txBody>
+          <a:bodyPr wrap="none">
+            <a:spAutoFit/>
+          </a:bodyPr>
+          <a:lstStyle/>
+          <a:p>
+            <a:r>
+              <a:rPr lang="en-US" altLang="ko-KR" dirty="0">
+                <a:hlinkClick r:id="rId2"/>
+              </a:rPr>
+              <a:t>http://codezine.jp/article/detail/6464</a:t>
+            </a:r>
+            <a:endParaRPr lang="ko-KR" altLang="en-US" dirty="0"/>
           </a:p>
         </p:txBody>
       </p:sp>
@@ -9248,6 +9379,43 @@
           </a:extLst>
         </p:spPr>
       </p:pic>
+      <p:sp>
+        <p:nvSpPr>
+          <p:cNvPr id="3" name="직사각형 2">
+            <a:extLst>
+              <a:ext uri="{FF2B5EF4-FFF2-40B4-BE49-F238E27FC236}">
+                <a16:creationId xmlns:a16="http://schemas.microsoft.com/office/drawing/2014/main" id="{01A25F67-6D80-44F9-A4DC-6F518EAF838F}"/>
+              </a:ext>
+            </a:extLst>
+          </p:cNvPr>
+          <p:cNvSpPr/>
+          <p:nvPr/>
+        </p:nvSpPr>
+        <p:spPr>
+          <a:xfrm>
+            <a:off x="20618005" y="13312830"/>
+            <a:ext cx="3729419" cy="369332"/>
+          </a:xfrm>
+          <a:prstGeom prst="rect">
+            <a:avLst/>
+          </a:prstGeom>
+        </p:spPr>
+        <p:txBody>
+          <a:bodyPr wrap="none">
+            <a:spAutoFit/>
+          </a:bodyPr>
+          <a:lstStyle/>
+          <a:p>
+            <a:r>
+              <a:rPr lang="en-US" altLang="ko-KR" dirty="0">
+                <a:hlinkClick r:id="rId3"/>
+              </a:rPr>
+              <a:t>http://codezine.jp/article/detail/6464</a:t>
+            </a:r>
+            <a:endParaRPr lang="ko-KR" altLang="en-US" dirty="0"/>
+          </a:p>
+        </p:txBody>
+      </p:sp>
     </p:spTree>
     <p:extLst>
       <p:ext uri="{BB962C8B-B14F-4D97-AF65-F5344CB8AC3E}">
@@ -9285,11 +9453,15 @@
             <a:graphicFrameLocks noGrp="1"/>
           </p:cNvGraphicFramePr>
           <p:nvPr>
-            <p:extLst/>
+            <p:extLst>
+              <p:ext uri="{D42A27DB-BD31-4B8C-83A1-F6EECF244321}">
+                <p14:modId xmlns:p14="http://schemas.microsoft.com/office/powerpoint/2010/main" val="2448177977"/>
+              </p:ext>
+            </p:extLst>
           </p:nvPr>
         </p:nvGraphicFramePr>
         <p:xfrm>
-          <a:off x="1072857" y="861767"/>
+          <a:off x="1072857" y="550871"/>
           <a:ext cx="22420190" cy="12485294"/>
         </p:xfrm>
         <a:graphic>
@@ -9835,6 +10007,43 @@
           </a:graphicData>
         </a:graphic>
       </p:graphicFrame>
+      <p:sp>
+        <p:nvSpPr>
+          <p:cNvPr id="3" name="직사각형 2">
+            <a:extLst>
+              <a:ext uri="{FF2B5EF4-FFF2-40B4-BE49-F238E27FC236}">
+                <a16:creationId xmlns:a16="http://schemas.microsoft.com/office/drawing/2014/main" id="{0FF152B2-31F4-4C7D-BB88-CE6D57EB6A9F}"/>
+              </a:ext>
+            </a:extLst>
+          </p:cNvPr>
+          <p:cNvSpPr/>
+          <p:nvPr/>
+        </p:nvSpPr>
+        <p:spPr>
+          <a:xfrm>
+            <a:off x="20618005" y="13312830"/>
+            <a:ext cx="3729419" cy="369332"/>
+          </a:xfrm>
+          <a:prstGeom prst="rect">
+            <a:avLst/>
+          </a:prstGeom>
+        </p:spPr>
+        <p:txBody>
+          <a:bodyPr wrap="none">
+            <a:spAutoFit/>
+          </a:bodyPr>
+          <a:lstStyle/>
+          <a:p>
+            <a:r>
+              <a:rPr lang="en-US" altLang="ko-KR" dirty="0">
+                <a:hlinkClick r:id="rId2"/>
+              </a:rPr>
+              <a:t>http://codezine.jp/article/detail/6464</a:t>
+            </a:r>
+            <a:endParaRPr lang="ko-KR" altLang="en-US" dirty="0"/>
+          </a:p>
+        </p:txBody>
+      </p:sp>
     </p:spTree>
     <p:extLst>
       <p:ext uri="{BB962C8B-B14F-4D97-AF65-F5344CB8AC3E}">
@@ -9872,11 +10081,15 @@
             <a:graphicFrameLocks noGrp="1"/>
           </p:cNvGraphicFramePr>
           <p:nvPr>
-            <p:extLst/>
+            <p:extLst>
+              <p:ext uri="{D42A27DB-BD31-4B8C-83A1-F6EECF244321}">
+                <p14:modId xmlns:p14="http://schemas.microsoft.com/office/powerpoint/2010/main" val="2477988286"/>
+              </p:ext>
+            </p:extLst>
           </p:nvPr>
         </p:nvGraphicFramePr>
         <p:xfrm>
-          <a:off x="1354211" y="974309"/>
+          <a:off x="1463939" y="242789"/>
           <a:ext cx="21280502" cy="12014838"/>
         </p:xfrm>
         <a:graphic>
@@ -10362,6 +10575,43 @@
           </a:graphicData>
         </a:graphic>
       </p:graphicFrame>
+      <p:sp>
+        <p:nvSpPr>
+          <p:cNvPr id="3" name="직사각형 2">
+            <a:extLst>
+              <a:ext uri="{FF2B5EF4-FFF2-40B4-BE49-F238E27FC236}">
+                <a16:creationId xmlns:a16="http://schemas.microsoft.com/office/drawing/2014/main" id="{837130CF-A520-40A9-9E98-2BF8453B20C4}"/>
+              </a:ext>
+            </a:extLst>
+          </p:cNvPr>
+          <p:cNvSpPr/>
+          <p:nvPr/>
+        </p:nvSpPr>
+        <p:spPr>
+          <a:xfrm>
+            <a:off x="20618005" y="13312830"/>
+            <a:ext cx="3729419" cy="369332"/>
+          </a:xfrm>
+          <a:prstGeom prst="rect">
+            <a:avLst/>
+          </a:prstGeom>
+        </p:spPr>
+        <p:txBody>
+          <a:bodyPr wrap="none">
+            <a:spAutoFit/>
+          </a:bodyPr>
+          <a:lstStyle/>
+          <a:p>
+            <a:r>
+              <a:rPr lang="en-US" altLang="ko-KR" dirty="0">
+                <a:hlinkClick r:id="rId2"/>
+              </a:rPr>
+              <a:t>http://codezine.jp/article/detail/6464</a:t>
+            </a:r>
+            <a:endParaRPr lang="ko-KR" altLang="en-US" dirty="0"/>
+          </a:p>
+        </p:txBody>
+      </p:sp>
     </p:spTree>
     <p:extLst>
       <p:ext uri="{BB962C8B-B14F-4D97-AF65-F5344CB8AC3E}">
@@ -10545,11 +10795,15 @@
             <a:graphicFrameLocks noGrp="1"/>
           </p:cNvGraphicFramePr>
           <p:nvPr>
-            <p:extLst/>
+            <p:extLst>
+              <p:ext uri="{D42A27DB-BD31-4B8C-83A1-F6EECF244321}">
+                <p14:modId xmlns:p14="http://schemas.microsoft.com/office/powerpoint/2010/main" val="2493213831"/>
+              </p:ext>
+            </p:extLst>
           </p:nvPr>
         </p:nvGraphicFramePr>
         <p:xfrm>
-          <a:off x="1354211" y="974308"/>
+          <a:off x="1354211" y="389092"/>
           <a:ext cx="21280502" cy="8563308"/>
         </p:xfrm>
         <a:graphic>
@@ -10902,8 +11156,36 @@
                     <a:lstStyle/>
                     <a:p>
                       <a:r>
-                        <a:rPr lang="en-US" sz="3600"/>
-                        <a:t>ExpectedException&lt;Exception,ReturnType&gt;(ReturnType (*func)())</a:t>
+                        <a:rPr lang="en-US" sz="3600" dirty="0" err="1"/>
+                        <a:t>ExpectedException</a:t>
+                      </a:r>
+                      <a:r>
+                        <a:rPr lang="en-US" sz="3600" dirty="0"/>
+                        <a:t>&lt;</a:t>
+                      </a:r>
+                      <a:r>
+                        <a:rPr lang="en-US" sz="3600" dirty="0" err="1"/>
+                        <a:t>Exception,ReturnType</a:t>
+                      </a:r>
+                      <a:r>
+                        <a:rPr lang="en-US" sz="3600" dirty="0"/>
+                        <a:t>&gt;(</a:t>
+                      </a:r>
+                      <a:r>
+                        <a:rPr lang="en-US" sz="3600" dirty="0" err="1"/>
+                        <a:t>ReturnType</a:t>
+                      </a:r>
+                      <a:r>
+                        <a:rPr lang="en-US" sz="3600" dirty="0"/>
+                        <a:t> (*</a:t>
+                      </a:r>
+                      <a:r>
+                        <a:rPr lang="en-US" sz="3600" dirty="0" err="1"/>
+                        <a:t>func</a:t>
+                      </a:r>
+                      <a:r>
+                        <a:rPr lang="en-US" sz="3600" dirty="0"/>
+                        <a:t>)())</a:t>
                       </a:r>
                     </a:p>
                   </a:txBody>
@@ -10965,6 +11247,43 @@
           </a:graphicData>
         </a:graphic>
       </p:graphicFrame>
+      <p:sp>
+        <p:nvSpPr>
+          <p:cNvPr id="3" name="직사각형 2">
+            <a:extLst>
+              <a:ext uri="{FF2B5EF4-FFF2-40B4-BE49-F238E27FC236}">
+                <a16:creationId xmlns:a16="http://schemas.microsoft.com/office/drawing/2014/main" id="{98B9068B-06DC-4996-B000-8FDD86A4943D}"/>
+              </a:ext>
+            </a:extLst>
+          </p:cNvPr>
+          <p:cNvSpPr/>
+          <p:nvPr/>
+        </p:nvSpPr>
+        <p:spPr>
+          <a:xfrm>
+            <a:off x="20618005" y="13312830"/>
+            <a:ext cx="3729419" cy="369332"/>
+          </a:xfrm>
+          <a:prstGeom prst="rect">
+            <a:avLst/>
+          </a:prstGeom>
+        </p:spPr>
+        <p:txBody>
+          <a:bodyPr wrap="none">
+            <a:spAutoFit/>
+          </a:bodyPr>
+          <a:lstStyle/>
+          <a:p>
+            <a:r>
+              <a:rPr lang="en-US" altLang="ko-KR" dirty="0">
+                <a:hlinkClick r:id="rId2"/>
+              </a:rPr>
+              <a:t>http://codezine.jp/article/detail/6464</a:t>
+            </a:r>
+            <a:endParaRPr lang="ko-KR" altLang="en-US" dirty="0"/>
+          </a:p>
+        </p:txBody>
+      </p:sp>
     </p:spTree>
     <p:extLst>
       <p:ext uri="{BB962C8B-B14F-4D97-AF65-F5344CB8AC3E}">
@@ -11046,8 +11365,8 @@
         </p:nvSpPr>
         <p:spPr>
           <a:xfrm>
-            <a:off x="15213496" y="2544418"/>
-            <a:ext cx="7368208" cy="1754326"/>
+            <a:off x="14719720" y="1283385"/>
+            <a:ext cx="7368208" cy="2123658"/>
           </a:xfrm>
           <a:prstGeom prst="rect">
             <a:avLst/>
@@ -11061,7 +11380,7 @@
           <a:lstStyle/>
           <a:p>
             <a:r>
-              <a:rPr lang="ko-KR" altLang="en-US" sz="3600" dirty="0"/>
+              <a:rPr lang="ko-KR" altLang="en-US" sz="6000" dirty="0"/>
               <a:t>코드 커버리지</a:t>
             </a:r>
             <a:br>
@@ -11083,6 +11402,43 @@
               <a:t>?</a:t>
             </a:r>
             <a:endParaRPr lang="ko-KR" altLang="en-US" sz="3600" dirty="0"/>
+          </a:p>
+        </p:txBody>
+      </p:sp>
+      <p:sp>
+        <p:nvSpPr>
+          <p:cNvPr id="4" name="직사각형 3">
+            <a:extLst>
+              <a:ext uri="{FF2B5EF4-FFF2-40B4-BE49-F238E27FC236}">
+                <a16:creationId xmlns:a16="http://schemas.microsoft.com/office/drawing/2014/main" id="{9EEAD9C2-42B4-4507-8E1E-27ACE7AA3599}"/>
+              </a:ext>
+            </a:extLst>
+          </p:cNvPr>
+          <p:cNvSpPr/>
+          <p:nvPr/>
+        </p:nvSpPr>
+        <p:spPr>
+          <a:xfrm>
+            <a:off x="20618005" y="13312830"/>
+            <a:ext cx="3729419" cy="369332"/>
+          </a:xfrm>
+          <a:prstGeom prst="rect">
+            <a:avLst/>
+          </a:prstGeom>
+        </p:spPr>
+        <p:txBody>
+          <a:bodyPr wrap="none">
+            <a:spAutoFit/>
+          </a:bodyPr>
+          <a:lstStyle/>
+          <a:p>
+            <a:r>
+              <a:rPr lang="en-US" altLang="ko-KR" dirty="0">
+                <a:hlinkClick r:id="rId4"/>
+              </a:rPr>
+              <a:t>http://codezine.jp/article/detail/6464</a:t>
+            </a:r>
+            <a:endParaRPr lang="ko-KR" altLang="en-US" dirty="0"/>
           </a:p>
         </p:txBody>
       </p:sp>
@@ -11126,237 +11482,6 @@
       </p:grpSpPr>
       <p:sp>
         <p:nvSpPr>
-          <p:cNvPr id="5" name="Rectangle 2">
-            <a:extLst>
-              <a:ext uri="{FF2B5EF4-FFF2-40B4-BE49-F238E27FC236}">
-                <a16:creationId xmlns:a16="http://schemas.microsoft.com/office/drawing/2014/main" id="{0BFF5754-E615-4613-A123-F798FC0E77C7}"/>
-              </a:ext>
-            </a:extLst>
-          </p:cNvPr>
-          <p:cNvSpPr>
-            <a:spLocks/>
-          </p:cNvSpPr>
-          <p:nvPr/>
-        </p:nvSpPr>
-        <p:spPr bwMode="auto">
-          <a:xfrm>
-            <a:off x="1446213" y="6421438"/>
-            <a:ext cx="3313112" cy="873125"/>
-          </a:xfrm>
-          <a:prstGeom prst="rect">
-            <a:avLst/>
-          </a:prstGeom>
-          <a:noFill/>
-          <a:ln>
-            <a:noFill/>
-          </a:ln>
-          <a:effectLst/>
-          <a:extLst>
-            <a:ext uri="{909E8E84-426E-40DD-AFC4-6F175D3DCCD1}">
-              <a14:hiddenFill xmlns:a14="http://schemas.microsoft.com/office/drawing/2010/main">
-                <a:solidFill>
-                  <a:srgbClr val="FFFFFF"/>
-                </a:solidFill>
-              </a14:hiddenFill>
-            </a:ext>
-            <a:ext uri="{91240B29-F687-4F45-9708-019B960494DF}">
-              <a14:hiddenLine xmlns:a14="http://schemas.microsoft.com/office/drawing/2010/main" w="12700">
-                <a:solidFill>
-                  <a:srgbClr val="000000"/>
-                </a:solidFill>
-                <a:miter lim="0"/>
-                <a:headEnd/>
-                <a:tailEnd/>
-              </a14:hiddenLine>
-            </a:ext>
-            <a:ext uri="{AF507438-7753-43E0-B8FC-AC1667EBCBE1}">
-              <a14:hiddenEffects xmlns:a14="http://schemas.microsoft.com/office/drawing/2010/main">
-                <a:effectLst>
-                  <a:outerShdw dist="35921" dir="2700000" algn="ctr" rotWithShape="0">
-                    <a:srgbClr val="808080"/>
-                  </a:outerShdw>
-                </a:effectLst>
-              </a14:hiddenEffects>
-            </a:ext>
-          </a:extLst>
-        </p:spPr>
-        <p:txBody>
-          <a:bodyPr wrap="none" lIns="50800" tIns="50800" rIns="50800" bIns="50800" anchor="ctr">
-            <a:spAutoFit/>
-          </a:bodyPr>
-          <a:lstStyle>
-            <a:lvl1pPr>
-              <a:defRPr sz="5000">
-                <a:solidFill>
-                  <a:srgbClr val="000000"/>
-                </a:solidFill>
-                <a:latin typeface="Helvetica Light" charset="0"/>
-                <a:ea typeface="Helvetica Light" charset="0"/>
-                <a:cs typeface="Helvetica Light" charset="0"/>
-                <a:sym typeface="Helvetica Light" charset="0"/>
-              </a:defRPr>
-            </a:lvl1pPr>
-            <a:lvl2pPr marL="742950" indent="-285750">
-              <a:defRPr sz="5000">
-                <a:solidFill>
-                  <a:srgbClr val="000000"/>
-                </a:solidFill>
-                <a:latin typeface="Helvetica Light" charset="0"/>
-                <a:ea typeface="Helvetica Light" charset="0"/>
-                <a:cs typeface="Helvetica Light" charset="0"/>
-                <a:sym typeface="Helvetica Light" charset="0"/>
-              </a:defRPr>
-            </a:lvl2pPr>
-            <a:lvl3pPr marL="1143000" indent="-228600">
-              <a:defRPr sz="5000">
-                <a:solidFill>
-                  <a:srgbClr val="000000"/>
-                </a:solidFill>
-                <a:latin typeface="Helvetica Light" charset="0"/>
-                <a:ea typeface="Helvetica Light" charset="0"/>
-                <a:cs typeface="Helvetica Light" charset="0"/>
-                <a:sym typeface="Helvetica Light" charset="0"/>
-              </a:defRPr>
-            </a:lvl3pPr>
-            <a:lvl4pPr marL="1600200" indent="-228600">
-              <a:defRPr sz="5000">
-                <a:solidFill>
-                  <a:srgbClr val="000000"/>
-                </a:solidFill>
-                <a:latin typeface="Helvetica Light" charset="0"/>
-                <a:ea typeface="Helvetica Light" charset="0"/>
-                <a:cs typeface="Helvetica Light" charset="0"/>
-                <a:sym typeface="Helvetica Light" charset="0"/>
-              </a:defRPr>
-            </a:lvl4pPr>
-            <a:lvl5pPr marL="2057400" indent="-228600">
-              <a:defRPr sz="5000">
-                <a:solidFill>
-                  <a:srgbClr val="000000"/>
-                </a:solidFill>
-                <a:latin typeface="Helvetica Light" charset="0"/>
-                <a:ea typeface="Helvetica Light" charset="0"/>
-                <a:cs typeface="Helvetica Light" charset="0"/>
-                <a:sym typeface="Helvetica Light" charset="0"/>
-              </a:defRPr>
-            </a:lvl5pPr>
-            <a:lvl6pPr marL="2514600" indent="-228600" defTabSz="825500" eaLnBrk="0" fontAlgn="base" hangingPunct="0">
-              <a:spcBef>
-                <a:spcPct val="0"/>
-              </a:spcBef>
-              <a:spcAft>
-                <a:spcPct val="0"/>
-              </a:spcAft>
-              <a:defRPr sz="5000">
-                <a:solidFill>
-                  <a:srgbClr val="000000"/>
-                </a:solidFill>
-                <a:latin typeface="Helvetica Light" charset="0"/>
-                <a:ea typeface="Helvetica Light" charset="0"/>
-                <a:cs typeface="Helvetica Light" charset="0"/>
-                <a:sym typeface="Helvetica Light" charset="0"/>
-              </a:defRPr>
-            </a:lvl6pPr>
-            <a:lvl7pPr marL="2971800" indent="-228600" defTabSz="825500" eaLnBrk="0" fontAlgn="base" hangingPunct="0">
-              <a:spcBef>
-                <a:spcPct val="0"/>
-              </a:spcBef>
-              <a:spcAft>
-                <a:spcPct val="0"/>
-              </a:spcAft>
-              <a:defRPr sz="5000">
-                <a:solidFill>
-                  <a:srgbClr val="000000"/>
-                </a:solidFill>
-                <a:latin typeface="Helvetica Light" charset="0"/>
-                <a:ea typeface="Helvetica Light" charset="0"/>
-                <a:cs typeface="Helvetica Light" charset="0"/>
-                <a:sym typeface="Helvetica Light" charset="0"/>
-              </a:defRPr>
-            </a:lvl7pPr>
-            <a:lvl8pPr marL="3429000" indent="-228600" defTabSz="825500" eaLnBrk="0" fontAlgn="base" hangingPunct="0">
-              <a:spcBef>
-                <a:spcPct val="0"/>
-              </a:spcBef>
-              <a:spcAft>
-                <a:spcPct val="0"/>
-              </a:spcAft>
-              <a:defRPr sz="5000">
-                <a:solidFill>
-                  <a:srgbClr val="000000"/>
-                </a:solidFill>
-                <a:latin typeface="Helvetica Light" charset="0"/>
-                <a:ea typeface="Helvetica Light" charset="0"/>
-                <a:cs typeface="Helvetica Light" charset="0"/>
-                <a:sym typeface="Helvetica Light" charset="0"/>
-              </a:defRPr>
-            </a:lvl8pPr>
-            <a:lvl9pPr marL="3886200" indent="-228600" defTabSz="825500" eaLnBrk="0" fontAlgn="base" hangingPunct="0">
-              <a:spcBef>
-                <a:spcPct val="0"/>
-              </a:spcBef>
-              <a:spcAft>
-                <a:spcPct val="0"/>
-              </a:spcAft>
-              <a:defRPr sz="5000">
-                <a:solidFill>
-                  <a:srgbClr val="000000"/>
-                </a:solidFill>
-                <a:latin typeface="Helvetica Light" charset="0"/>
-                <a:ea typeface="Helvetica Light" charset="0"/>
-                <a:cs typeface="Helvetica Light" charset="0"/>
-                <a:sym typeface="Helvetica Light" charset="0"/>
-              </a:defRPr>
-            </a:lvl9pPr>
-          </a:lstStyle>
-          <a:p>
-            <a:pPr eaLnBrk="1"/>
-            <a:r>
-              <a:rPr lang="ko-KR" altLang="ko-KR" dirty="0">
-                <a:solidFill>
-                  <a:schemeClr val="tx1"/>
-                </a:solidFill>
-                <a:latin typeface="맑은 고딕" panose="020B0503020000020004" pitchFamily="50" charset="-127"/>
-                <a:ea typeface="맑은 고딕" panose="020B0503020000020004" pitchFamily="50" charset="-127"/>
-                <a:sym typeface="KoPubDotum Medium" charset="0"/>
-              </a:rPr>
-              <a:t>내용 (</a:t>
-            </a:r>
-            <a:r>
-              <a:rPr lang="en-US" altLang="ko-KR" dirty="0">
-                <a:solidFill>
-                  <a:schemeClr val="tx1"/>
-                </a:solidFill>
-                <a:latin typeface="맑은 고딕" panose="020B0503020000020004" pitchFamily="50" charset="-127"/>
-                <a:ea typeface="맑은 고딕" panose="020B0503020000020004" pitchFamily="50" charset="-127"/>
-                <a:sym typeface="KoPubDotum Medium" charset="0"/>
-              </a:rPr>
-              <a:t>50pt</a:t>
-            </a:r>
-            <a:r>
-              <a:rPr lang="ko-KR" altLang="ko-KR" dirty="0">
-                <a:solidFill>
-                  <a:schemeClr val="tx1"/>
-                </a:solidFill>
-                <a:latin typeface="맑은 고딕" panose="020B0503020000020004" pitchFamily="50" charset="-127"/>
-                <a:ea typeface="맑은 고딕" panose="020B0503020000020004" pitchFamily="50" charset="-127"/>
-                <a:sym typeface="KoPubDotum Medium" charset="0"/>
-              </a:rPr>
-              <a:t>)</a:t>
-            </a:r>
-            <a:endParaRPr lang="ko-KR" altLang="ko-KR" sz="1800" dirty="0">
-              <a:solidFill>
-                <a:schemeClr val="tx1"/>
-              </a:solidFill>
-              <a:latin typeface="맑은 고딕" panose="020B0503020000020004" pitchFamily="50" charset="-127"/>
-              <a:ea typeface="맑은 고딕" panose="020B0503020000020004" pitchFamily="50" charset="-127"/>
-              <a:sym typeface="KoPubDotum Medium" charset="0"/>
-            </a:endParaRPr>
-          </a:p>
-        </p:txBody>
-      </p:sp>
-      <p:sp>
-        <p:nvSpPr>
           <p:cNvPr id="2" name="직사각형 1">
             <a:extLst>
               <a:ext uri="{FF2B5EF4-FFF2-40B4-BE49-F238E27FC236}">
@@ -11369,7 +11494,7 @@
         </p:nvSpPr>
         <p:spPr>
           <a:xfrm>
-            <a:off x="7983187" y="5301734"/>
+            <a:off x="7788141" y="13310092"/>
             <a:ext cx="8022389" cy="369332"/>
           </a:xfrm>
           <a:prstGeom prst="rect">
@@ -11383,46 +11508,48 @@
           <a:lstStyle/>
           <a:p>
             <a:r>
+              <a:rPr lang="ko-KR" altLang="en-US" dirty="0">
+                <a:hlinkClick r:id="rId2"/>
+              </a:rPr>
+              <a:t>https://blogs.msdn.microsoft.com/vcblog/2017/04/19/cpp-testing-in-visual-studio/</a:t>
+            </a:r>
+            <a:r>
               <a:rPr lang="ko-KR" altLang="en-US" dirty="0"/>
-              <a:t>https://blogs.msdn.microsoft.com/vcblog/2017/04/19/cpp-testing-in-visual-studio/</a:t>
+              <a:t> </a:t>
             </a:r>
           </a:p>
         </p:txBody>
       </p:sp>
-      <p:sp>
-        <p:nvSpPr>
-          <p:cNvPr id="3" name="직사각형 2">
+      <p:pic>
+        <p:nvPicPr>
+          <p:cNvPr id="4" name="그림 3">
             <a:extLst>
               <a:ext uri="{FF2B5EF4-FFF2-40B4-BE49-F238E27FC236}">
-                <a16:creationId xmlns:a16="http://schemas.microsoft.com/office/drawing/2014/main" id="{6DBEB76F-F86E-408A-A7F9-6AA455E387F3}"/>
+                <a16:creationId xmlns:a16="http://schemas.microsoft.com/office/drawing/2014/main" id="{18CD78DF-FBC6-4EA7-B3FC-21A473F7D491}"/>
               </a:ext>
             </a:extLst>
           </p:cNvPr>
-          <p:cNvSpPr/>
+          <p:cNvPicPr>
+            <a:picLocks noChangeAspect="1"/>
+          </p:cNvPicPr>
           <p:nvPr/>
-        </p:nvSpPr>
+        </p:nvPicPr>
+        <p:blipFill>
+          <a:blip r:embed="rId3"/>
+          <a:stretch>
+            <a:fillRect/>
+          </a:stretch>
+        </p:blipFill>
         <p:spPr>
           <a:xfrm>
-            <a:off x="8378423" y="6673334"/>
-            <a:ext cx="7627153" cy="369332"/>
+            <a:off x="4342447" y="54863"/>
+            <a:ext cx="14695361" cy="13039786"/>
           </a:xfrm>
           <a:prstGeom prst="rect">
             <a:avLst/>
           </a:prstGeom>
         </p:spPr>
-        <p:txBody>
-          <a:bodyPr wrap="none">
-            <a:spAutoFit/>
-          </a:bodyPr>
-          <a:lstStyle/>
-          <a:p>
-            <a:r>
-              <a:rPr lang="ko-KR" altLang="en-US" dirty="0"/>
-              <a:t>https://docs.microsoft.com/en-us/visualstudio/test/writing-unit-tests-for-c-cpp</a:t>
-            </a:r>
-          </a:p>
-        </p:txBody>
-      </p:sp>
+      </p:pic>
     </p:spTree>
     <p:extLst>
       <p:ext uri="{BB962C8B-B14F-4D97-AF65-F5344CB8AC3E}">
@@ -11437,6 +11564,114 @@
 </file>
 
 <file path=ppt/slides/slide43.xml><?xml version="1.0" encoding="utf-8"?>
+<p:sld xmlns:a="http://schemas.openxmlformats.org/drawingml/2006/main" xmlns:r="http://schemas.openxmlformats.org/officeDocument/2006/relationships" xmlns:p="http://schemas.openxmlformats.org/presentationml/2006/main">
+  <p:cSld>
+    <p:bg>
+      <p:bgPr>
+        <a:solidFill>
+          <a:schemeClr val="bg1"/>
+        </a:solidFill>
+        <a:effectLst/>
+      </p:bgPr>
+    </p:bg>
+    <p:spTree>
+      <p:nvGrpSpPr>
+        <p:cNvPr id="1" name=""/>
+        <p:cNvGrpSpPr/>
+        <p:nvPr/>
+      </p:nvGrpSpPr>
+      <p:grpSpPr>
+        <a:xfrm>
+          <a:off x="0" y="0"/>
+          <a:ext cx="0" cy="0"/>
+          <a:chOff x="0" y="0"/>
+          <a:chExt cx="0" cy="0"/>
+        </a:xfrm>
+      </p:grpSpPr>
+      <p:pic>
+        <p:nvPicPr>
+          <p:cNvPr id="7" name="그림 6">
+            <a:extLst>
+              <a:ext uri="{FF2B5EF4-FFF2-40B4-BE49-F238E27FC236}">
+                <a16:creationId xmlns:a16="http://schemas.microsoft.com/office/drawing/2014/main" id="{FE780D56-394C-457E-ADEE-4005ADC3D399}"/>
+              </a:ext>
+            </a:extLst>
+          </p:cNvPr>
+          <p:cNvPicPr>
+            <a:picLocks noChangeAspect="1"/>
+          </p:cNvPicPr>
+          <p:nvPr/>
+        </p:nvPicPr>
+        <p:blipFill>
+          <a:blip r:embed="rId2"/>
+          <a:stretch>
+            <a:fillRect/>
+          </a:stretch>
+        </p:blipFill>
+        <p:spPr>
+          <a:xfrm>
+            <a:off x="3182588" y="68085"/>
+            <a:ext cx="18018824" cy="12571273"/>
+          </a:xfrm>
+          <a:prstGeom prst="rect">
+            <a:avLst/>
+          </a:prstGeom>
+        </p:spPr>
+      </p:pic>
+      <p:sp>
+        <p:nvSpPr>
+          <p:cNvPr id="8" name="직사각형 7">
+            <a:extLst>
+              <a:ext uri="{FF2B5EF4-FFF2-40B4-BE49-F238E27FC236}">
+                <a16:creationId xmlns:a16="http://schemas.microsoft.com/office/drawing/2014/main" id="{3DAFC176-15E6-481B-A9E8-9AE79B0DE7FD}"/>
+              </a:ext>
+            </a:extLst>
+          </p:cNvPr>
+          <p:cNvSpPr/>
+          <p:nvPr/>
+        </p:nvSpPr>
+        <p:spPr>
+          <a:xfrm>
+            <a:off x="9021247" y="12675934"/>
+            <a:ext cx="7585090" cy="369332"/>
+          </a:xfrm>
+          <a:prstGeom prst="rect">
+            <a:avLst/>
+          </a:prstGeom>
+        </p:spPr>
+        <p:txBody>
+          <a:bodyPr wrap="none">
+            <a:spAutoFit/>
+          </a:bodyPr>
+          <a:lstStyle/>
+          <a:p>
+            <a:r>
+              <a:rPr lang="ko-KR" altLang="en-US" dirty="0">
+                <a:hlinkClick r:id="rId3"/>
+              </a:rPr>
+              <a:t>https://docs.microsoft.com/ko-kr/visualstudio/test/writing-unit-tests-for-c-cpp</a:t>
+            </a:r>
+            <a:r>
+              <a:rPr lang="ko-KR" altLang="en-US" dirty="0"/>
+              <a:t> </a:t>
+            </a:r>
+          </a:p>
+        </p:txBody>
+      </p:sp>
+    </p:spTree>
+    <p:extLst>
+      <p:ext uri="{BB962C8B-B14F-4D97-AF65-F5344CB8AC3E}">
+        <p14:creationId xmlns:p14="http://schemas.microsoft.com/office/powerpoint/2010/main" val="3830489362"/>
+      </p:ext>
+    </p:extLst>
+  </p:cSld>
+  <p:clrMapOvr>
+    <a:masterClrMapping/>
+  </p:clrMapOvr>
+</p:sld>
+</file>
+
+<file path=ppt/slides/slide44.xml><?xml version="1.0" encoding="utf-8"?>
 <p:sld xmlns:a="http://schemas.openxmlformats.org/drawingml/2006/main" xmlns:r="http://schemas.openxmlformats.org/officeDocument/2006/relationships" xmlns:p="http://schemas.openxmlformats.org/presentationml/2006/main">
   <p:cSld>
     <p:spTree>
@@ -11461,8 +11696,8 @@
         </p:nvSpPr>
         <p:spPr>
           <a:xfrm>
-            <a:off x="1349905" y="6528691"/>
-            <a:ext cx="20463174" cy="5078313"/>
+            <a:off x="1551073" y="2541907"/>
+            <a:ext cx="15219023" cy="5078313"/>
           </a:xfrm>
           <a:prstGeom prst="rect">
             <a:avLst/>
@@ -11578,381 +11813,70 @@
           </a:p>
         </p:txBody>
       </p:sp>
-    </p:spTree>
-    <p:extLst>
-      <p:ext uri="{BB962C8B-B14F-4D97-AF65-F5344CB8AC3E}">
-        <p14:creationId xmlns:p14="http://schemas.microsoft.com/office/powerpoint/2010/main" val="3907610800"/>
-      </p:ext>
-    </p:extLst>
-  </p:cSld>
-  <p:clrMapOvr>
-    <a:masterClrMapping/>
-  </p:clrMapOvr>
-</p:sld>
-</file>
-
-<file path=ppt/slides/slide44.xml><?xml version="1.0" encoding="utf-8"?>
-<p:sld xmlns:a="http://schemas.openxmlformats.org/drawingml/2006/main" xmlns:r="http://schemas.openxmlformats.org/officeDocument/2006/relationships" xmlns:p="http://schemas.openxmlformats.org/presentationml/2006/main">
-  <p:cSld>
-    <p:bg>
-      <p:bgPr>
-        <a:solidFill>
-          <a:schemeClr val="bg1"/>
-        </a:solidFill>
-        <a:effectLst/>
-      </p:bgPr>
-    </p:bg>
-    <p:spTree>
-      <p:nvGrpSpPr>
-        <p:cNvPr id="1" name=""/>
-        <p:cNvGrpSpPr/>
-        <p:nvPr/>
-      </p:nvGrpSpPr>
-      <p:grpSpPr>
-        <a:xfrm>
-          <a:off x="0" y="0"/>
-          <a:ext cx="0" cy="0"/>
-          <a:chOff x="0" y="0"/>
-          <a:chExt cx="0" cy="0"/>
-        </a:xfrm>
-      </p:grpSpPr>
-      <p:sp>
-        <p:nvSpPr>
-          <p:cNvPr id="5" name="Rectangle 2">
+      <p:pic>
+        <p:nvPicPr>
+          <p:cNvPr id="4" name="그림 3">
             <a:extLst>
               <a:ext uri="{FF2B5EF4-FFF2-40B4-BE49-F238E27FC236}">
-                <a16:creationId xmlns:a16="http://schemas.microsoft.com/office/drawing/2014/main" id="{0BFF5754-E615-4613-A123-F798FC0E77C7}"/>
+                <a16:creationId xmlns:a16="http://schemas.microsoft.com/office/drawing/2014/main" id="{7323026E-E360-493D-82B6-02D8324FC407}"/>
               </a:ext>
             </a:extLst>
           </p:cNvPr>
-          <p:cNvSpPr>
-            <a:spLocks/>
-          </p:cNvSpPr>
+          <p:cNvPicPr>
+            <a:picLocks noChangeAspect="1"/>
+          </p:cNvPicPr>
           <p:nvPr/>
-        </p:nvSpPr>
-        <p:spPr bwMode="auto">
-          <a:xfrm>
-            <a:off x="1446213" y="6421438"/>
-            <a:ext cx="3313112" cy="873125"/>
-          </a:xfrm>
-          <a:prstGeom prst="rect">
-            <a:avLst/>
-          </a:prstGeom>
-          <a:noFill/>
-          <a:ln>
-            <a:noFill/>
-          </a:ln>
-          <a:effectLst/>
-          <a:extLst>
-            <a:ext uri="{909E8E84-426E-40DD-AFC4-6F175D3DCCD1}">
-              <a14:hiddenFill xmlns:a14="http://schemas.microsoft.com/office/drawing/2010/main">
-                <a:solidFill>
-                  <a:srgbClr val="FFFFFF"/>
-                </a:solidFill>
-              </a14:hiddenFill>
-            </a:ext>
-            <a:ext uri="{91240B29-F687-4F45-9708-019B960494DF}">
-              <a14:hiddenLine xmlns:a14="http://schemas.microsoft.com/office/drawing/2010/main" w="12700">
-                <a:solidFill>
-                  <a:srgbClr val="000000"/>
-                </a:solidFill>
-                <a:miter lim="0"/>
-                <a:headEnd/>
-                <a:tailEnd/>
-              </a14:hiddenLine>
-            </a:ext>
-            <a:ext uri="{AF507438-7753-43E0-B8FC-AC1667EBCBE1}">
-              <a14:hiddenEffects xmlns:a14="http://schemas.microsoft.com/office/drawing/2010/main">
-                <a:effectLst>
-                  <a:outerShdw dist="35921" dir="2700000" algn="ctr" rotWithShape="0">
-                    <a:srgbClr val="808080"/>
-                  </a:outerShdw>
-                </a:effectLst>
-              </a14:hiddenEffects>
-            </a:ext>
-          </a:extLst>
-        </p:spPr>
-        <p:txBody>
-          <a:bodyPr wrap="none" lIns="50800" tIns="50800" rIns="50800" bIns="50800" anchor="ctr">
-            <a:spAutoFit/>
-          </a:bodyPr>
-          <a:lstStyle>
-            <a:lvl1pPr>
-              <a:defRPr sz="5000">
-                <a:solidFill>
-                  <a:srgbClr val="000000"/>
-                </a:solidFill>
-                <a:latin typeface="Helvetica Light" charset="0"/>
-                <a:ea typeface="Helvetica Light" charset="0"/>
-                <a:cs typeface="Helvetica Light" charset="0"/>
-                <a:sym typeface="Helvetica Light" charset="0"/>
-              </a:defRPr>
-            </a:lvl1pPr>
-            <a:lvl2pPr marL="742950" indent="-285750">
-              <a:defRPr sz="5000">
-                <a:solidFill>
-                  <a:srgbClr val="000000"/>
-                </a:solidFill>
-                <a:latin typeface="Helvetica Light" charset="0"/>
-                <a:ea typeface="Helvetica Light" charset="0"/>
-                <a:cs typeface="Helvetica Light" charset="0"/>
-                <a:sym typeface="Helvetica Light" charset="0"/>
-              </a:defRPr>
-            </a:lvl2pPr>
-            <a:lvl3pPr marL="1143000" indent="-228600">
-              <a:defRPr sz="5000">
-                <a:solidFill>
-                  <a:srgbClr val="000000"/>
-                </a:solidFill>
-                <a:latin typeface="Helvetica Light" charset="0"/>
-                <a:ea typeface="Helvetica Light" charset="0"/>
-                <a:cs typeface="Helvetica Light" charset="0"/>
-                <a:sym typeface="Helvetica Light" charset="0"/>
-              </a:defRPr>
-            </a:lvl3pPr>
-            <a:lvl4pPr marL="1600200" indent="-228600">
-              <a:defRPr sz="5000">
-                <a:solidFill>
-                  <a:srgbClr val="000000"/>
-                </a:solidFill>
-                <a:latin typeface="Helvetica Light" charset="0"/>
-                <a:ea typeface="Helvetica Light" charset="0"/>
-                <a:cs typeface="Helvetica Light" charset="0"/>
-                <a:sym typeface="Helvetica Light" charset="0"/>
-              </a:defRPr>
-            </a:lvl4pPr>
-            <a:lvl5pPr marL="2057400" indent="-228600">
-              <a:defRPr sz="5000">
-                <a:solidFill>
-                  <a:srgbClr val="000000"/>
-                </a:solidFill>
-                <a:latin typeface="Helvetica Light" charset="0"/>
-                <a:ea typeface="Helvetica Light" charset="0"/>
-                <a:cs typeface="Helvetica Light" charset="0"/>
-                <a:sym typeface="Helvetica Light" charset="0"/>
-              </a:defRPr>
-            </a:lvl5pPr>
-            <a:lvl6pPr marL="2514600" indent="-228600" defTabSz="825500" eaLnBrk="0" fontAlgn="base" hangingPunct="0">
-              <a:spcBef>
-                <a:spcPct val="0"/>
-              </a:spcBef>
-              <a:spcAft>
-                <a:spcPct val="0"/>
-              </a:spcAft>
-              <a:defRPr sz="5000">
-                <a:solidFill>
-                  <a:srgbClr val="000000"/>
-                </a:solidFill>
-                <a:latin typeface="Helvetica Light" charset="0"/>
-                <a:ea typeface="Helvetica Light" charset="0"/>
-                <a:cs typeface="Helvetica Light" charset="0"/>
-                <a:sym typeface="Helvetica Light" charset="0"/>
-              </a:defRPr>
-            </a:lvl6pPr>
-            <a:lvl7pPr marL="2971800" indent="-228600" defTabSz="825500" eaLnBrk="0" fontAlgn="base" hangingPunct="0">
-              <a:spcBef>
-                <a:spcPct val="0"/>
-              </a:spcBef>
-              <a:spcAft>
-                <a:spcPct val="0"/>
-              </a:spcAft>
-              <a:defRPr sz="5000">
-                <a:solidFill>
-                  <a:srgbClr val="000000"/>
-                </a:solidFill>
-                <a:latin typeface="Helvetica Light" charset="0"/>
-                <a:ea typeface="Helvetica Light" charset="0"/>
-                <a:cs typeface="Helvetica Light" charset="0"/>
-                <a:sym typeface="Helvetica Light" charset="0"/>
-              </a:defRPr>
-            </a:lvl7pPr>
-            <a:lvl8pPr marL="3429000" indent="-228600" defTabSz="825500" eaLnBrk="0" fontAlgn="base" hangingPunct="0">
-              <a:spcBef>
-                <a:spcPct val="0"/>
-              </a:spcBef>
-              <a:spcAft>
-                <a:spcPct val="0"/>
-              </a:spcAft>
-              <a:defRPr sz="5000">
-                <a:solidFill>
-                  <a:srgbClr val="000000"/>
-                </a:solidFill>
-                <a:latin typeface="Helvetica Light" charset="0"/>
-                <a:ea typeface="Helvetica Light" charset="0"/>
-                <a:cs typeface="Helvetica Light" charset="0"/>
-                <a:sym typeface="Helvetica Light" charset="0"/>
-              </a:defRPr>
-            </a:lvl8pPr>
-            <a:lvl9pPr marL="3886200" indent="-228600" defTabSz="825500" eaLnBrk="0" fontAlgn="base" hangingPunct="0">
-              <a:spcBef>
-                <a:spcPct val="0"/>
-              </a:spcBef>
-              <a:spcAft>
-                <a:spcPct val="0"/>
-              </a:spcAft>
-              <a:defRPr sz="5000">
-                <a:solidFill>
-                  <a:srgbClr val="000000"/>
-                </a:solidFill>
-                <a:latin typeface="Helvetica Light" charset="0"/>
-                <a:ea typeface="Helvetica Light" charset="0"/>
-                <a:cs typeface="Helvetica Light" charset="0"/>
-                <a:sym typeface="Helvetica Light" charset="0"/>
-              </a:defRPr>
-            </a:lvl9pPr>
-          </a:lstStyle>
-          <a:p>
-            <a:pPr eaLnBrk="1"/>
-            <a:r>
-              <a:rPr lang="ko-KR" altLang="ko-KR" dirty="0">
-                <a:solidFill>
-                  <a:schemeClr val="tx1"/>
-                </a:solidFill>
-                <a:latin typeface="맑은 고딕" panose="020B0503020000020004" pitchFamily="50" charset="-127"/>
-                <a:ea typeface="맑은 고딕" panose="020B0503020000020004" pitchFamily="50" charset="-127"/>
-                <a:sym typeface="KoPubDotum Medium" charset="0"/>
-              </a:rPr>
-              <a:t>내용 (</a:t>
-            </a:r>
-            <a:r>
-              <a:rPr lang="en-US" altLang="ko-KR" dirty="0">
-                <a:solidFill>
-                  <a:schemeClr val="tx1"/>
-                </a:solidFill>
-                <a:latin typeface="맑은 고딕" panose="020B0503020000020004" pitchFamily="50" charset="-127"/>
-                <a:ea typeface="맑은 고딕" panose="020B0503020000020004" pitchFamily="50" charset="-127"/>
-                <a:sym typeface="KoPubDotum Medium" charset="0"/>
-              </a:rPr>
-              <a:t>50pt</a:t>
-            </a:r>
-            <a:r>
-              <a:rPr lang="ko-KR" altLang="ko-KR" dirty="0">
-                <a:solidFill>
-                  <a:schemeClr val="tx1"/>
-                </a:solidFill>
-                <a:latin typeface="맑은 고딕" panose="020B0503020000020004" pitchFamily="50" charset="-127"/>
-                <a:ea typeface="맑은 고딕" panose="020B0503020000020004" pitchFamily="50" charset="-127"/>
-                <a:sym typeface="KoPubDotum Medium" charset="0"/>
-              </a:rPr>
-              <a:t>)</a:t>
-            </a:r>
-            <a:endParaRPr lang="ko-KR" altLang="ko-KR" sz="1800" dirty="0">
-              <a:solidFill>
-                <a:schemeClr val="tx1"/>
-              </a:solidFill>
-              <a:latin typeface="맑은 고딕" panose="020B0503020000020004" pitchFamily="50" charset="-127"/>
-              <a:ea typeface="맑은 고딕" panose="020B0503020000020004" pitchFamily="50" charset="-127"/>
-              <a:sym typeface="KoPubDotum Medium" charset="0"/>
-            </a:endParaRPr>
-          </a:p>
-        </p:txBody>
-      </p:sp>
-      <p:sp>
-        <p:nvSpPr>
-          <p:cNvPr id="2" name="직사각형 1">
-            <a:extLst>
-              <a:ext uri="{FF2B5EF4-FFF2-40B4-BE49-F238E27FC236}">
-                <a16:creationId xmlns:a16="http://schemas.microsoft.com/office/drawing/2014/main" id="{08FB9A97-2F52-4772-886C-CE471E95CC46}"/>
-              </a:ext>
-            </a:extLst>
-          </p:cNvPr>
-          <p:cNvSpPr/>
-          <p:nvPr/>
-        </p:nvSpPr>
+        </p:nvPicPr>
+        <p:blipFill>
+          <a:blip r:embed="rId5"/>
+          <a:stretch>
+            <a:fillRect/>
+          </a:stretch>
+        </p:blipFill>
         <p:spPr>
           <a:xfrm>
-            <a:off x="8173207" y="2942582"/>
-            <a:ext cx="8037585" cy="369332"/>
+            <a:off x="8968639" y="8215056"/>
+            <a:ext cx="13980953" cy="2959037"/>
           </a:xfrm>
           <a:prstGeom prst="rect">
             <a:avLst/>
           </a:prstGeom>
         </p:spPr>
-        <p:txBody>
-          <a:bodyPr wrap="none">
-            <a:spAutoFit/>
-          </a:bodyPr>
-          <a:lstStyle/>
-          <a:p>
-            <a:r>
-              <a:rPr lang="ko-KR" altLang="en-US" dirty="0"/>
-              <a:t>https://docs.microsoft.com/en-us/visualstudio/test/how-to-use-google-test-for-cpp</a:t>
-            </a:r>
-          </a:p>
-        </p:txBody>
-      </p:sp>
-      <p:sp>
-        <p:nvSpPr>
-          <p:cNvPr id="3" name="직사각형 2">
+      </p:pic>
+      <p:pic>
+        <p:nvPicPr>
+          <p:cNvPr id="5" name="그림 4">
             <a:extLst>
               <a:ext uri="{FF2B5EF4-FFF2-40B4-BE49-F238E27FC236}">
-                <a16:creationId xmlns:a16="http://schemas.microsoft.com/office/drawing/2014/main" id="{E99EEB36-DD5B-45FE-B28C-65697D655863}"/>
+                <a16:creationId xmlns:a16="http://schemas.microsoft.com/office/drawing/2014/main" id="{55A46A3E-9512-42F4-B708-DD0036F70058}"/>
               </a:ext>
             </a:extLst>
           </p:cNvPr>
-          <p:cNvSpPr/>
+          <p:cNvPicPr>
+            <a:picLocks noChangeAspect="1"/>
+          </p:cNvPicPr>
           <p:nvPr/>
-        </p:nvSpPr>
+        </p:nvPicPr>
+        <p:blipFill>
+          <a:blip r:embed="rId6"/>
+          <a:stretch>
+            <a:fillRect/>
+          </a:stretch>
+        </p:blipFill>
         <p:spPr>
           <a:xfrm>
-            <a:off x="8173207" y="4314182"/>
-            <a:ext cx="7938840" cy="369332"/>
+            <a:off x="2426207" y="8379648"/>
+            <a:ext cx="6364439" cy="4408700"/>
           </a:xfrm>
           <a:prstGeom prst="rect">
             <a:avLst/>
           </a:prstGeom>
         </p:spPr>
-        <p:txBody>
-          <a:bodyPr wrap="none">
-            <a:spAutoFit/>
-          </a:bodyPr>
-          <a:lstStyle/>
-          <a:p>
-            <a:r>
-              <a:rPr lang="ko-KR" altLang="en-US" dirty="0"/>
-              <a:t>https://docs.microsoft.com/en-us/visualstudio/test/how-to-use-boost-test-for-cpp</a:t>
-            </a:r>
-          </a:p>
-        </p:txBody>
-      </p:sp>
-      <p:sp>
-        <p:nvSpPr>
-          <p:cNvPr id="4" name="직사각형 3">
-            <a:extLst>
-              <a:ext uri="{FF2B5EF4-FFF2-40B4-BE49-F238E27FC236}">
-                <a16:creationId xmlns:a16="http://schemas.microsoft.com/office/drawing/2014/main" id="{C806435F-6A90-4200-BE28-DC6949934B96}"/>
-              </a:ext>
-            </a:extLst>
-          </p:cNvPr>
-          <p:cNvSpPr/>
-          <p:nvPr/>
-        </p:nvSpPr>
-        <p:spPr>
-          <a:xfrm>
-            <a:off x="8473770" y="6673334"/>
-            <a:ext cx="7436459" cy="369332"/>
-          </a:xfrm>
-          <a:prstGeom prst="rect">
-            <a:avLst/>
-          </a:prstGeom>
-        </p:spPr>
-        <p:txBody>
-          <a:bodyPr wrap="none">
-            <a:spAutoFit/>
-          </a:bodyPr>
-          <a:lstStyle/>
-          <a:p>
-            <a:r>
-              <a:rPr lang="ko-KR" altLang="en-US" dirty="0"/>
-              <a:t>https://docs.microsoft.com/en-us/visualstudio/test/how-to-use-ctest-for-cpp</a:t>
-            </a:r>
-          </a:p>
-        </p:txBody>
-      </p:sp>
+      </p:pic>
     </p:spTree>
     <p:extLst>
       <p:ext uri="{BB962C8B-B14F-4D97-AF65-F5344CB8AC3E}">
-        <p14:creationId xmlns:p14="http://schemas.microsoft.com/office/powerpoint/2010/main" val="478067691"/>
+        <p14:creationId xmlns:p14="http://schemas.microsoft.com/office/powerpoint/2010/main" val="3907610800"/>
       </p:ext>
     </p:extLst>
   </p:cSld>
@@ -11987,6 +11911,259 @@
           <a:chExt cx="0" cy="0"/>
         </a:xfrm>
       </p:grpSpPr>
+      <p:pic>
+        <p:nvPicPr>
+          <p:cNvPr id="2" name="그림 1">
+            <a:extLst>
+              <a:ext uri="{FF2B5EF4-FFF2-40B4-BE49-F238E27FC236}">
+                <a16:creationId xmlns:a16="http://schemas.microsoft.com/office/drawing/2014/main" id="{2F5FEF10-13AA-48D5-9CA0-5455BF5DE18C}"/>
+              </a:ext>
+            </a:extLst>
+          </p:cNvPr>
+          <p:cNvPicPr>
+            <a:picLocks noChangeAspect="1"/>
+          </p:cNvPicPr>
+          <p:nvPr/>
+        </p:nvPicPr>
+        <p:blipFill>
+          <a:blip r:embed="rId2"/>
+          <a:stretch>
+            <a:fillRect/>
+          </a:stretch>
+        </p:blipFill>
+        <p:spPr>
+          <a:xfrm>
+            <a:off x="2749295" y="2495550"/>
+            <a:ext cx="18247453" cy="8020050"/>
+          </a:xfrm>
+          <a:prstGeom prst="rect">
+            <a:avLst/>
+          </a:prstGeom>
+        </p:spPr>
+      </p:pic>
+      <p:sp>
+        <p:nvSpPr>
+          <p:cNvPr id="3" name="Rectangle 2">
+            <a:extLst>
+              <a:ext uri="{FF2B5EF4-FFF2-40B4-BE49-F238E27FC236}">
+                <a16:creationId xmlns:a16="http://schemas.microsoft.com/office/drawing/2014/main" id="{CF6F1D83-827C-421F-86C8-A7DAEFF6C53F}"/>
+              </a:ext>
+            </a:extLst>
+          </p:cNvPr>
+          <p:cNvSpPr>
+            <a:spLocks/>
+          </p:cNvSpPr>
+          <p:nvPr/>
+        </p:nvSpPr>
+        <p:spPr bwMode="auto">
+          <a:xfrm>
+            <a:off x="1184179" y="814478"/>
+            <a:ext cx="3015249" cy="1333698"/>
+          </a:xfrm>
+          <a:prstGeom prst="rect">
+            <a:avLst/>
+          </a:prstGeom>
+          <a:noFill/>
+          <a:ln>
+            <a:noFill/>
+          </a:ln>
+          <a:effectLst/>
+          <a:extLst>
+            <a:ext uri="{909E8E84-426E-40DD-AFC4-6F175D3DCCD1}">
+              <a14:hiddenFill xmlns:a14="http://schemas.microsoft.com/office/drawing/2010/main">
+                <a:solidFill>
+                  <a:srgbClr val="FFFFFF"/>
+                </a:solidFill>
+              </a14:hiddenFill>
+            </a:ext>
+            <a:ext uri="{91240B29-F687-4F45-9708-019B960494DF}">
+              <a14:hiddenLine xmlns:a14="http://schemas.microsoft.com/office/drawing/2010/main" w="12700">
+                <a:solidFill>
+                  <a:srgbClr val="000000"/>
+                </a:solidFill>
+                <a:miter lim="0"/>
+                <a:headEnd/>
+                <a:tailEnd/>
+              </a14:hiddenLine>
+            </a:ext>
+            <a:ext uri="{AF507438-7753-43E0-B8FC-AC1667EBCBE1}">
+              <a14:hiddenEffects xmlns:a14="http://schemas.microsoft.com/office/drawing/2010/main">
+                <a:effectLst>
+                  <a:outerShdw dist="35921" dir="2700000" algn="ctr" rotWithShape="0">
+                    <a:srgbClr val="808080"/>
+                  </a:outerShdw>
+                </a:effectLst>
+              </a14:hiddenEffects>
+            </a:ext>
+          </a:extLst>
+        </p:spPr>
+        <p:txBody>
+          <a:bodyPr wrap="none" lIns="50800" tIns="50800" rIns="50800" bIns="50800" anchor="ctr">
+            <a:spAutoFit/>
+          </a:bodyPr>
+          <a:lstStyle>
+            <a:lvl1pPr>
+              <a:defRPr sz="5000">
+                <a:solidFill>
+                  <a:srgbClr val="000000"/>
+                </a:solidFill>
+                <a:latin typeface="Helvetica Light" charset="0"/>
+                <a:ea typeface="Helvetica Light" charset="0"/>
+                <a:cs typeface="Helvetica Light" charset="0"/>
+                <a:sym typeface="Helvetica Light" charset="0"/>
+              </a:defRPr>
+            </a:lvl1pPr>
+            <a:lvl2pPr marL="742950" indent="-285750">
+              <a:defRPr sz="5000">
+                <a:solidFill>
+                  <a:srgbClr val="000000"/>
+                </a:solidFill>
+                <a:latin typeface="Helvetica Light" charset="0"/>
+                <a:ea typeface="Helvetica Light" charset="0"/>
+                <a:cs typeface="Helvetica Light" charset="0"/>
+                <a:sym typeface="Helvetica Light" charset="0"/>
+              </a:defRPr>
+            </a:lvl2pPr>
+            <a:lvl3pPr marL="1143000" indent="-228600">
+              <a:defRPr sz="5000">
+                <a:solidFill>
+                  <a:srgbClr val="000000"/>
+                </a:solidFill>
+                <a:latin typeface="Helvetica Light" charset="0"/>
+                <a:ea typeface="Helvetica Light" charset="0"/>
+                <a:cs typeface="Helvetica Light" charset="0"/>
+                <a:sym typeface="Helvetica Light" charset="0"/>
+              </a:defRPr>
+            </a:lvl3pPr>
+            <a:lvl4pPr marL="1600200" indent="-228600">
+              <a:defRPr sz="5000">
+                <a:solidFill>
+                  <a:srgbClr val="000000"/>
+                </a:solidFill>
+                <a:latin typeface="Helvetica Light" charset="0"/>
+                <a:ea typeface="Helvetica Light" charset="0"/>
+                <a:cs typeface="Helvetica Light" charset="0"/>
+                <a:sym typeface="Helvetica Light" charset="0"/>
+              </a:defRPr>
+            </a:lvl4pPr>
+            <a:lvl5pPr marL="2057400" indent="-228600">
+              <a:defRPr sz="5000">
+                <a:solidFill>
+                  <a:srgbClr val="000000"/>
+                </a:solidFill>
+                <a:latin typeface="Helvetica Light" charset="0"/>
+                <a:ea typeface="Helvetica Light" charset="0"/>
+                <a:cs typeface="Helvetica Light" charset="0"/>
+                <a:sym typeface="Helvetica Light" charset="0"/>
+              </a:defRPr>
+            </a:lvl5pPr>
+            <a:lvl6pPr marL="2514600" indent="-228600" defTabSz="825500" eaLnBrk="0" fontAlgn="base" hangingPunct="0">
+              <a:spcBef>
+                <a:spcPct val="0"/>
+              </a:spcBef>
+              <a:spcAft>
+                <a:spcPct val="0"/>
+              </a:spcAft>
+              <a:defRPr sz="5000">
+                <a:solidFill>
+                  <a:srgbClr val="000000"/>
+                </a:solidFill>
+                <a:latin typeface="Helvetica Light" charset="0"/>
+                <a:ea typeface="Helvetica Light" charset="0"/>
+                <a:cs typeface="Helvetica Light" charset="0"/>
+                <a:sym typeface="Helvetica Light" charset="0"/>
+              </a:defRPr>
+            </a:lvl6pPr>
+            <a:lvl7pPr marL="2971800" indent="-228600" defTabSz="825500" eaLnBrk="0" fontAlgn="base" hangingPunct="0">
+              <a:spcBef>
+                <a:spcPct val="0"/>
+              </a:spcBef>
+              <a:spcAft>
+                <a:spcPct val="0"/>
+              </a:spcAft>
+              <a:defRPr sz="5000">
+                <a:solidFill>
+                  <a:srgbClr val="000000"/>
+                </a:solidFill>
+                <a:latin typeface="Helvetica Light" charset="0"/>
+                <a:ea typeface="Helvetica Light" charset="0"/>
+                <a:cs typeface="Helvetica Light" charset="0"/>
+                <a:sym typeface="Helvetica Light" charset="0"/>
+              </a:defRPr>
+            </a:lvl7pPr>
+            <a:lvl8pPr marL="3429000" indent="-228600" defTabSz="825500" eaLnBrk="0" fontAlgn="base" hangingPunct="0">
+              <a:spcBef>
+                <a:spcPct val="0"/>
+              </a:spcBef>
+              <a:spcAft>
+                <a:spcPct val="0"/>
+              </a:spcAft>
+              <a:defRPr sz="5000">
+                <a:solidFill>
+                  <a:srgbClr val="000000"/>
+                </a:solidFill>
+                <a:latin typeface="Helvetica Light" charset="0"/>
+                <a:ea typeface="Helvetica Light" charset="0"/>
+                <a:cs typeface="Helvetica Light" charset="0"/>
+                <a:sym typeface="Helvetica Light" charset="0"/>
+              </a:defRPr>
+            </a:lvl8pPr>
+            <a:lvl9pPr marL="3886200" indent="-228600" defTabSz="825500" eaLnBrk="0" fontAlgn="base" hangingPunct="0">
+              <a:spcBef>
+                <a:spcPct val="0"/>
+              </a:spcBef>
+              <a:spcAft>
+                <a:spcPct val="0"/>
+              </a:spcAft>
+              <a:defRPr sz="5000">
+                <a:solidFill>
+                  <a:srgbClr val="000000"/>
+                </a:solidFill>
+                <a:latin typeface="Helvetica Light" charset="0"/>
+                <a:ea typeface="Helvetica Light" charset="0"/>
+                <a:cs typeface="Helvetica Light" charset="0"/>
+                <a:sym typeface="Helvetica Light" charset="0"/>
+              </a:defRPr>
+            </a:lvl9pPr>
+          </a:lstStyle>
+          <a:p>
+            <a:pPr eaLnBrk="1"/>
+            <a:r>
+              <a:rPr lang="en-US" altLang="ko-KR" sz="8000" b="1" dirty="0">
+                <a:solidFill>
+                  <a:schemeClr val="tx1"/>
+                </a:solidFill>
+                <a:effectLst>
+                  <a:outerShdw blurRad="38100" dist="38100" dir="2700000" algn="tl">
+                    <a:srgbClr val="000000">
+                      <a:alpha val="43137"/>
+                    </a:srgbClr>
+                  </a:outerShdw>
+                </a:effectLst>
+                <a:latin typeface="맑은 고딕" panose="020B0503020000020004" pitchFamily="50" charset="-127"/>
+                <a:ea typeface="맑은 고딕" panose="020B0503020000020004" pitchFamily="50" charset="-127"/>
+                <a:sym typeface="KoPubDotum Medium" charset="0"/>
+              </a:rPr>
+              <a:t>Demo</a:t>
+            </a:r>
+            <a:endParaRPr lang="ko-KR" altLang="ko-KR" sz="8000" b="1" dirty="0">
+              <a:solidFill>
+                <a:schemeClr val="tx1"/>
+              </a:solidFill>
+              <a:effectLst>
+                <a:outerShdw blurRad="38100" dist="38100" dir="2700000" algn="tl">
+                  <a:srgbClr val="000000">
+                    <a:alpha val="43137"/>
+                  </a:srgbClr>
+                </a:outerShdw>
+              </a:effectLst>
+              <a:latin typeface="맑은 고딕" panose="020B0503020000020004" pitchFamily="50" charset="-127"/>
+              <a:ea typeface="맑은 고딕" panose="020B0503020000020004" pitchFamily="50" charset="-127"/>
+              <a:sym typeface="KoPubDotum Medium" charset="0"/>
+            </a:endParaRPr>
+          </a:p>
+        </p:txBody>
+      </p:sp>
     </p:spTree>
     <p:extLst>
       <p:ext uri="{BB962C8B-B14F-4D97-AF65-F5344CB8AC3E}">
@@ -12025,6 +12202,66 @@
           <a:chExt cx="0" cy="0"/>
         </a:xfrm>
       </p:grpSpPr>
+      <p:pic>
+        <p:nvPicPr>
+          <p:cNvPr id="2" name="그림 1">
+            <a:extLst>
+              <a:ext uri="{FF2B5EF4-FFF2-40B4-BE49-F238E27FC236}">
+                <a16:creationId xmlns:a16="http://schemas.microsoft.com/office/drawing/2014/main" id="{4EC811AD-B826-4EC0-9129-9352430B903F}"/>
+              </a:ext>
+            </a:extLst>
+          </p:cNvPr>
+          <p:cNvPicPr>
+            <a:picLocks noChangeAspect="1"/>
+          </p:cNvPicPr>
+          <p:nvPr/>
+        </p:nvPicPr>
+        <p:blipFill>
+          <a:blip r:embed="rId2"/>
+          <a:stretch>
+            <a:fillRect/>
+          </a:stretch>
+        </p:blipFill>
+        <p:spPr>
+          <a:xfrm>
+            <a:off x="3434334" y="403860"/>
+            <a:ext cx="17084192" cy="5045964"/>
+          </a:xfrm>
+          <a:prstGeom prst="rect">
+            <a:avLst/>
+          </a:prstGeom>
+        </p:spPr>
+      </p:pic>
+      <p:pic>
+        <p:nvPicPr>
+          <p:cNvPr id="3" name="그림 2">
+            <a:extLst>
+              <a:ext uri="{FF2B5EF4-FFF2-40B4-BE49-F238E27FC236}">
+                <a16:creationId xmlns:a16="http://schemas.microsoft.com/office/drawing/2014/main" id="{560AD1CE-6026-4CA0-B6BA-DB33E454B4BB}"/>
+              </a:ext>
+            </a:extLst>
+          </p:cNvPr>
+          <p:cNvPicPr>
+            <a:picLocks noChangeAspect="1"/>
+          </p:cNvPicPr>
+          <p:nvPr/>
+        </p:nvPicPr>
+        <p:blipFill>
+          <a:blip r:embed="rId3"/>
+          <a:stretch>
+            <a:fillRect/>
+          </a:stretch>
+        </p:blipFill>
+        <p:spPr>
+          <a:xfrm>
+            <a:off x="3541462" y="6475476"/>
+            <a:ext cx="16983917" cy="4899660"/>
+          </a:xfrm>
+          <a:prstGeom prst="rect">
+            <a:avLst/>
+          </a:prstGeom>
+        </p:spPr>
+      </p:pic>
     </p:spTree>
     <p:extLst>
       <p:ext uri="{BB962C8B-B14F-4D97-AF65-F5344CB8AC3E}">
@@ -12039,6 +12276,44 @@
 </file>
 
 <file path=ppt/slides/slide47.xml><?xml version="1.0" encoding="utf-8"?>
+<p:sld xmlns:a="http://schemas.openxmlformats.org/drawingml/2006/main" xmlns:r="http://schemas.openxmlformats.org/officeDocument/2006/relationships" xmlns:p="http://schemas.openxmlformats.org/presentationml/2006/main">
+  <p:cSld>
+    <p:bg>
+      <p:bgPr>
+        <a:solidFill>
+          <a:schemeClr val="bg1"/>
+        </a:solidFill>
+        <a:effectLst/>
+      </p:bgPr>
+    </p:bg>
+    <p:spTree>
+      <p:nvGrpSpPr>
+        <p:cNvPr id="1" name=""/>
+        <p:cNvGrpSpPr/>
+        <p:nvPr/>
+      </p:nvGrpSpPr>
+      <p:grpSpPr>
+        <a:xfrm>
+          <a:off x="0" y="0"/>
+          <a:ext cx="0" cy="0"/>
+          <a:chOff x="0" y="0"/>
+          <a:chExt cx="0" cy="0"/>
+        </a:xfrm>
+      </p:grpSpPr>
+    </p:spTree>
+    <p:extLst>
+      <p:ext uri="{BB962C8B-B14F-4D97-AF65-F5344CB8AC3E}">
+        <p14:creationId xmlns:p14="http://schemas.microsoft.com/office/powerpoint/2010/main" val="3830861919"/>
+      </p:ext>
+    </p:extLst>
+  </p:cSld>
+  <p:clrMapOvr>
+    <a:masterClrMapping/>
+  </p:clrMapOvr>
+</p:sld>
+</file>
+
+<file path=ppt/slides/slide48.xml><?xml version="1.0" encoding="utf-8"?>
 <p:sld xmlns:a="http://schemas.openxmlformats.org/drawingml/2006/main" xmlns:r="http://schemas.openxmlformats.org/officeDocument/2006/relationships" xmlns:p="http://schemas.openxmlformats.org/presentationml/2006/main">
   <p:cSld>
     <p:bg>
@@ -12164,7 +12439,7 @@
 </p:sld>
 </file>
 
-<file path=ppt/slides/slide48.xml><?xml version="1.0" encoding="utf-8"?>
+<file path=ppt/slides/slide49.xml><?xml version="1.0" encoding="utf-8"?>
 <p:sld xmlns:a="http://schemas.openxmlformats.org/drawingml/2006/main" xmlns:r="http://schemas.openxmlformats.org/officeDocument/2006/relationships" xmlns:p="http://schemas.openxmlformats.org/presentationml/2006/main">
   <p:cSld>
     <p:bg>
@@ -12403,304 +12678,6 @@
     <p:extLst>
       <p:ext uri="{BB962C8B-B14F-4D97-AF65-F5344CB8AC3E}">
         <p14:creationId xmlns:p14="http://schemas.microsoft.com/office/powerpoint/2010/main" val="1873575295"/>
-      </p:ext>
-    </p:extLst>
-  </p:cSld>
-  <p:clrMapOvr>
-    <a:masterClrMapping/>
-  </p:clrMapOvr>
-</p:sld>
-</file>
-
-<file path=ppt/slides/slide49.xml><?xml version="1.0" encoding="utf-8"?>
-<p:sld xmlns:a="http://schemas.openxmlformats.org/drawingml/2006/main" xmlns:r="http://schemas.openxmlformats.org/officeDocument/2006/relationships" xmlns:p="http://schemas.openxmlformats.org/presentationml/2006/main">
-  <p:cSld>
-    <p:bg>
-      <p:bgPr>
-        <a:solidFill>
-          <a:schemeClr val="bg1"/>
-        </a:solidFill>
-        <a:effectLst/>
-      </p:bgPr>
-    </p:bg>
-    <p:spTree>
-      <p:nvGrpSpPr>
-        <p:cNvPr id="1" name=""/>
-        <p:cNvGrpSpPr/>
-        <p:nvPr/>
-      </p:nvGrpSpPr>
-      <p:grpSpPr>
-        <a:xfrm>
-          <a:off x="0" y="0"/>
-          <a:ext cx="0" cy="0"/>
-          <a:chOff x="0" y="0"/>
-          <a:chExt cx="0" cy="0"/>
-        </a:xfrm>
-      </p:grpSpPr>
-      <p:sp>
-        <p:nvSpPr>
-          <p:cNvPr id="3" name="TextBox 2">
-            <a:extLst>
-              <a:ext uri="{FF2B5EF4-FFF2-40B4-BE49-F238E27FC236}">
-                <a16:creationId xmlns:a16="http://schemas.microsoft.com/office/drawing/2014/main" id="{04D5719F-0E40-4D93-9E8A-617AB94960B9}"/>
-              </a:ext>
-            </a:extLst>
-          </p:cNvPr>
-          <p:cNvSpPr txBox="1"/>
-          <p:nvPr/>
-        </p:nvSpPr>
-        <p:spPr>
-          <a:xfrm>
-            <a:off x="1446213" y="1967292"/>
-            <a:ext cx="21557312" cy="1200329"/>
-          </a:xfrm>
-          <a:prstGeom prst="rect">
-            <a:avLst/>
-          </a:prstGeom>
-          <a:noFill/>
-        </p:spPr>
-        <p:txBody>
-          <a:bodyPr wrap="square" rtlCol="0">
-            <a:spAutoFit/>
-          </a:bodyPr>
-          <a:lstStyle/>
-          <a:p>
-            <a:r>
-              <a:rPr lang="ko-KR" altLang="en-US" sz="7200" b="1" dirty="0" err="1"/>
-              <a:t>유닛테스트를</a:t>
-            </a:r>
-            <a:r>
-              <a:rPr lang="ko-KR" altLang="en-US" sz="7200" b="1" dirty="0"/>
-              <a:t> 할 때는 해당 기능만 테스트 해야 한다</a:t>
-            </a:r>
-          </a:p>
-        </p:txBody>
-      </p:sp>
-      <p:sp>
-        <p:nvSpPr>
-          <p:cNvPr id="4" name="TextBox 3">
-            <a:extLst>
-              <a:ext uri="{FF2B5EF4-FFF2-40B4-BE49-F238E27FC236}">
-                <a16:creationId xmlns:a16="http://schemas.microsoft.com/office/drawing/2014/main" id="{1BB3CD05-F293-44CC-96B1-14851DB92083}"/>
-              </a:ext>
-            </a:extLst>
-          </p:cNvPr>
-          <p:cNvSpPr txBox="1"/>
-          <p:nvPr/>
-        </p:nvSpPr>
-        <p:spPr>
-          <a:xfrm>
-            <a:off x="4739508" y="4029774"/>
-            <a:ext cx="12707243" cy="8402300"/>
-          </a:xfrm>
-          <a:prstGeom prst="rect">
-            <a:avLst/>
-          </a:prstGeom>
-          <a:noFill/>
-        </p:spPr>
-        <p:txBody>
-          <a:bodyPr wrap="square" rtlCol="0">
-            <a:spAutoFit/>
-          </a:bodyPr>
-          <a:lstStyle/>
-          <a:p>
-            <a:r>
-              <a:rPr lang="en-US" altLang="ko-KR" sz="5400" dirty="0"/>
-              <a:t>class </a:t>
-            </a:r>
-            <a:r>
-              <a:rPr lang="en-US" altLang="ko-KR" sz="5400" dirty="0" err="1"/>
-              <a:t>class</a:t>
-            </a:r>
-            <a:r>
-              <a:rPr lang="en-US" altLang="ko-KR" sz="5400" dirty="0"/>
-              <a:t> </a:t>
-            </a:r>
-            <a:r>
-              <a:rPr lang="en-US" altLang="ko-KR" sz="5400" dirty="0" err="1"/>
-              <a:t>MembserManager</a:t>
-            </a:r>
-            <a:endParaRPr lang="en-US" altLang="ko-KR" sz="5400" dirty="0"/>
-          </a:p>
-          <a:p>
-            <a:r>
-              <a:rPr lang="en-US" altLang="ko-KR" sz="5400" dirty="0"/>
-              <a:t>{</a:t>
-            </a:r>
-          </a:p>
-          <a:p>
-            <a:r>
-              <a:rPr lang="en-US" altLang="ko-KR" sz="5400" dirty="0"/>
-              <a:t>    ……</a:t>
-            </a:r>
-          </a:p>
-          <a:p>
-            <a:r>
-              <a:rPr lang="en-US" altLang="ko-KR" sz="5400" dirty="0"/>
-              <a:t>    void </a:t>
-            </a:r>
-            <a:r>
-              <a:rPr lang="en-US" altLang="ko-KR" sz="5400" dirty="0" err="1"/>
-              <a:t>AddMember</a:t>
-            </a:r>
-            <a:r>
-              <a:rPr lang="en-US" altLang="ko-KR" sz="5400" dirty="0"/>
-              <a:t>(Player* </a:t>
-            </a:r>
-            <a:r>
-              <a:rPr lang="en-US" altLang="ko-KR" sz="5400" dirty="0" err="1"/>
-              <a:t>pNewPlayer</a:t>
-            </a:r>
-            <a:r>
-              <a:rPr lang="en-US" altLang="ko-KR" sz="5400" dirty="0"/>
-              <a:t>)</a:t>
-            </a:r>
-          </a:p>
-          <a:p>
-            <a:r>
-              <a:rPr lang="en-US" altLang="ko-KR" sz="5400" dirty="0"/>
-              <a:t>    {</a:t>
-            </a:r>
-          </a:p>
-          <a:p>
-            <a:r>
-              <a:rPr lang="en-US" altLang="ko-KR" sz="5400" dirty="0"/>
-              <a:t>        // </a:t>
-            </a:r>
-            <a:r>
-              <a:rPr lang="ko-KR" altLang="en-US" sz="5400" dirty="0"/>
-              <a:t>조건 조사</a:t>
-            </a:r>
-            <a:endParaRPr lang="en-US" altLang="ko-KR" sz="5400" dirty="0"/>
-          </a:p>
-          <a:p>
-            <a:r>
-              <a:rPr lang="en-US" altLang="ko-KR" sz="5400" dirty="0"/>
-              <a:t>        // </a:t>
-            </a:r>
-            <a:r>
-              <a:rPr lang="ko-KR" altLang="en-US" sz="5400" dirty="0"/>
-              <a:t>컨테이너에 추가</a:t>
-            </a:r>
-            <a:endParaRPr lang="en-US" altLang="ko-KR" sz="5400" dirty="0"/>
-          </a:p>
-          <a:p>
-            <a:r>
-              <a:rPr lang="en-US" altLang="ko-KR" sz="5400" dirty="0"/>
-              <a:t>        // </a:t>
-            </a:r>
-            <a:r>
-              <a:rPr lang="ko-KR" altLang="en-US" sz="5400" dirty="0"/>
-              <a:t>네트워크로 다른 멤버들에게 통보</a:t>
-            </a:r>
-            <a:endParaRPr lang="en-US" altLang="ko-KR" sz="5400" dirty="0"/>
-          </a:p>
-          <a:p>
-            <a:r>
-              <a:rPr lang="en-US" altLang="ko-KR" sz="5400" dirty="0"/>
-              <a:t>     }</a:t>
-            </a:r>
-          </a:p>
-          <a:p>
-            <a:r>
-              <a:rPr lang="en-US" altLang="ko-KR" sz="5400" dirty="0"/>
-              <a:t>};</a:t>
-            </a:r>
-            <a:endParaRPr lang="ko-KR" altLang="en-US" sz="5400" dirty="0"/>
-          </a:p>
-        </p:txBody>
-      </p:sp>
-      <p:sp>
-        <p:nvSpPr>
-          <p:cNvPr id="6" name="직사각형 5">
-            <a:extLst>
-              <a:ext uri="{FF2B5EF4-FFF2-40B4-BE49-F238E27FC236}">
-                <a16:creationId xmlns:a16="http://schemas.microsoft.com/office/drawing/2014/main" id="{0E03837F-448B-4EAB-A104-476343D4D5B7}"/>
-              </a:ext>
-            </a:extLst>
-          </p:cNvPr>
-          <p:cNvSpPr/>
-          <p:nvPr/>
-        </p:nvSpPr>
-        <p:spPr>
-          <a:xfrm>
-            <a:off x="5732625" y="9871022"/>
-            <a:ext cx="11714126" cy="864034"/>
-          </a:xfrm>
-          <a:prstGeom prst="rect">
-            <a:avLst/>
-          </a:prstGeom>
-          <a:noFill/>
-          <a:ln w="28575">
-            <a:solidFill>
-              <a:srgbClr val="FF0000"/>
-            </a:solidFill>
-          </a:ln>
-        </p:spPr>
-        <p:style>
-          <a:lnRef idx="2">
-            <a:schemeClr val="accent1">
-              <a:shade val="50000"/>
-            </a:schemeClr>
-          </a:lnRef>
-          <a:fillRef idx="1">
-            <a:schemeClr val="accent1"/>
-          </a:fillRef>
-          <a:effectRef idx="0">
-            <a:schemeClr val="accent1"/>
-          </a:effectRef>
-          <a:fontRef idx="minor">
-            <a:schemeClr val="lt1"/>
-          </a:fontRef>
-        </p:style>
-        <p:txBody>
-          <a:bodyPr rtlCol="0" anchor="ctr"/>
-          <a:lstStyle/>
-          <a:p>
-            <a:pPr algn="ctr"/>
-            <a:endParaRPr lang="ko-KR" altLang="en-US" sz="5400"/>
-          </a:p>
-        </p:txBody>
-      </p:sp>
-      <p:sp>
-        <p:nvSpPr>
-          <p:cNvPr id="7" name="TextBox 6">
-            <a:extLst>
-              <a:ext uri="{FF2B5EF4-FFF2-40B4-BE49-F238E27FC236}">
-                <a16:creationId xmlns:a16="http://schemas.microsoft.com/office/drawing/2014/main" id="{99C9164D-3354-4D93-A922-F05AEE9BDFDE}"/>
-              </a:ext>
-            </a:extLst>
-          </p:cNvPr>
-          <p:cNvSpPr txBox="1"/>
-          <p:nvPr/>
-        </p:nvSpPr>
-        <p:spPr>
-          <a:xfrm>
-            <a:off x="17446751" y="9871022"/>
-            <a:ext cx="5203599" cy="923330"/>
-          </a:xfrm>
-          <a:prstGeom prst="rect">
-            <a:avLst/>
-          </a:prstGeom>
-          <a:noFill/>
-        </p:spPr>
-        <p:txBody>
-          <a:bodyPr wrap="square" rtlCol="0">
-            <a:spAutoFit/>
-          </a:bodyPr>
-          <a:lstStyle/>
-          <a:p>
-            <a:r>
-              <a:rPr lang="ko-KR" altLang="en-US" sz="5400" b="1" dirty="0"/>
-              <a:t>테스트에서 제외</a:t>
-            </a:r>
-          </a:p>
-        </p:txBody>
-      </p:sp>
-    </p:spTree>
-    <p:extLst>
-      <p:ext uri="{BB962C8B-B14F-4D97-AF65-F5344CB8AC3E}">
-        <p14:creationId xmlns:p14="http://schemas.microsoft.com/office/powerpoint/2010/main" val="2683268354"/>
       </p:ext>
     </p:extLst>
   </p:cSld>
@@ -12848,6 +12825,304 @@
           <p:cNvPr id="3" name="TextBox 2">
             <a:extLst>
               <a:ext uri="{FF2B5EF4-FFF2-40B4-BE49-F238E27FC236}">
+                <a16:creationId xmlns:a16="http://schemas.microsoft.com/office/drawing/2014/main" id="{04D5719F-0E40-4D93-9E8A-617AB94960B9}"/>
+              </a:ext>
+            </a:extLst>
+          </p:cNvPr>
+          <p:cNvSpPr txBox="1"/>
+          <p:nvPr/>
+        </p:nvSpPr>
+        <p:spPr>
+          <a:xfrm>
+            <a:off x="1446213" y="1967292"/>
+            <a:ext cx="21557312" cy="1200329"/>
+          </a:xfrm>
+          <a:prstGeom prst="rect">
+            <a:avLst/>
+          </a:prstGeom>
+          <a:noFill/>
+        </p:spPr>
+        <p:txBody>
+          <a:bodyPr wrap="square" rtlCol="0">
+            <a:spAutoFit/>
+          </a:bodyPr>
+          <a:lstStyle/>
+          <a:p>
+            <a:r>
+              <a:rPr lang="ko-KR" altLang="en-US" sz="7200" b="1" dirty="0" err="1"/>
+              <a:t>유닛테스트를</a:t>
+            </a:r>
+            <a:r>
+              <a:rPr lang="ko-KR" altLang="en-US" sz="7200" b="1" dirty="0"/>
+              <a:t> 할 때는 해당 기능만 테스트 해야 한다</a:t>
+            </a:r>
+          </a:p>
+        </p:txBody>
+      </p:sp>
+      <p:sp>
+        <p:nvSpPr>
+          <p:cNvPr id="4" name="TextBox 3">
+            <a:extLst>
+              <a:ext uri="{FF2B5EF4-FFF2-40B4-BE49-F238E27FC236}">
+                <a16:creationId xmlns:a16="http://schemas.microsoft.com/office/drawing/2014/main" id="{1BB3CD05-F293-44CC-96B1-14851DB92083}"/>
+              </a:ext>
+            </a:extLst>
+          </p:cNvPr>
+          <p:cNvSpPr txBox="1"/>
+          <p:nvPr/>
+        </p:nvSpPr>
+        <p:spPr>
+          <a:xfrm>
+            <a:off x="4739508" y="4029774"/>
+            <a:ext cx="12707243" cy="8402300"/>
+          </a:xfrm>
+          <a:prstGeom prst="rect">
+            <a:avLst/>
+          </a:prstGeom>
+          <a:noFill/>
+        </p:spPr>
+        <p:txBody>
+          <a:bodyPr wrap="square" rtlCol="0">
+            <a:spAutoFit/>
+          </a:bodyPr>
+          <a:lstStyle/>
+          <a:p>
+            <a:r>
+              <a:rPr lang="en-US" altLang="ko-KR" sz="5400" dirty="0"/>
+              <a:t>class </a:t>
+            </a:r>
+            <a:r>
+              <a:rPr lang="en-US" altLang="ko-KR" sz="5400" dirty="0" err="1"/>
+              <a:t>class</a:t>
+            </a:r>
+            <a:r>
+              <a:rPr lang="en-US" altLang="ko-KR" sz="5400" dirty="0"/>
+              <a:t> </a:t>
+            </a:r>
+            <a:r>
+              <a:rPr lang="en-US" altLang="ko-KR" sz="5400" dirty="0" err="1"/>
+              <a:t>MembserManager</a:t>
+            </a:r>
+            <a:endParaRPr lang="en-US" altLang="ko-KR" sz="5400" dirty="0"/>
+          </a:p>
+          <a:p>
+            <a:r>
+              <a:rPr lang="en-US" altLang="ko-KR" sz="5400" dirty="0"/>
+              <a:t>{</a:t>
+            </a:r>
+          </a:p>
+          <a:p>
+            <a:r>
+              <a:rPr lang="en-US" altLang="ko-KR" sz="5400" dirty="0"/>
+              <a:t>    ……</a:t>
+            </a:r>
+          </a:p>
+          <a:p>
+            <a:r>
+              <a:rPr lang="en-US" altLang="ko-KR" sz="5400" dirty="0"/>
+              <a:t>    void </a:t>
+            </a:r>
+            <a:r>
+              <a:rPr lang="en-US" altLang="ko-KR" sz="5400" dirty="0" err="1"/>
+              <a:t>AddMember</a:t>
+            </a:r>
+            <a:r>
+              <a:rPr lang="en-US" altLang="ko-KR" sz="5400" dirty="0"/>
+              <a:t>(Player* </a:t>
+            </a:r>
+            <a:r>
+              <a:rPr lang="en-US" altLang="ko-KR" sz="5400" dirty="0" err="1"/>
+              <a:t>pNewPlayer</a:t>
+            </a:r>
+            <a:r>
+              <a:rPr lang="en-US" altLang="ko-KR" sz="5400" dirty="0"/>
+              <a:t>)</a:t>
+            </a:r>
+          </a:p>
+          <a:p>
+            <a:r>
+              <a:rPr lang="en-US" altLang="ko-KR" sz="5400" dirty="0"/>
+              <a:t>    {</a:t>
+            </a:r>
+          </a:p>
+          <a:p>
+            <a:r>
+              <a:rPr lang="en-US" altLang="ko-KR" sz="5400" dirty="0"/>
+              <a:t>        // </a:t>
+            </a:r>
+            <a:r>
+              <a:rPr lang="ko-KR" altLang="en-US" sz="5400" dirty="0"/>
+              <a:t>조건 조사</a:t>
+            </a:r>
+            <a:endParaRPr lang="en-US" altLang="ko-KR" sz="5400" dirty="0"/>
+          </a:p>
+          <a:p>
+            <a:r>
+              <a:rPr lang="en-US" altLang="ko-KR" sz="5400" dirty="0"/>
+              <a:t>        // </a:t>
+            </a:r>
+            <a:r>
+              <a:rPr lang="ko-KR" altLang="en-US" sz="5400" dirty="0"/>
+              <a:t>컨테이너에 추가</a:t>
+            </a:r>
+            <a:endParaRPr lang="en-US" altLang="ko-KR" sz="5400" dirty="0"/>
+          </a:p>
+          <a:p>
+            <a:r>
+              <a:rPr lang="en-US" altLang="ko-KR" sz="5400" dirty="0"/>
+              <a:t>        // </a:t>
+            </a:r>
+            <a:r>
+              <a:rPr lang="ko-KR" altLang="en-US" sz="5400" dirty="0"/>
+              <a:t>네트워크로 다른 멤버들에게 통보</a:t>
+            </a:r>
+            <a:endParaRPr lang="en-US" altLang="ko-KR" sz="5400" dirty="0"/>
+          </a:p>
+          <a:p>
+            <a:r>
+              <a:rPr lang="en-US" altLang="ko-KR" sz="5400" dirty="0"/>
+              <a:t>     }</a:t>
+            </a:r>
+          </a:p>
+          <a:p>
+            <a:r>
+              <a:rPr lang="en-US" altLang="ko-KR" sz="5400" dirty="0"/>
+              <a:t>};</a:t>
+            </a:r>
+            <a:endParaRPr lang="ko-KR" altLang="en-US" sz="5400" dirty="0"/>
+          </a:p>
+        </p:txBody>
+      </p:sp>
+      <p:sp>
+        <p:nvSpPr>
+          <p:cNvPr id="6" name="직사각형 5">
+            <a:extLst>
+              <a:ext uri="{FF2B5EF4-FFF2-40B4-BE49-F238E27FC236}">
+                <a16:creationId xmlns:a16="http://schemas.microsoft.com/office/drawing/2014/main" id="{0E03837F-448B-4EAB-A104-476343D4D5B7}"/>
+              </a:ext>
+            </a:extLst>
+          </p:cNvPr>
+          <p:cNvSpPr/>
+          <p:nvPr/>
+        </p:nvSpPr>
+        <p:spPr>
+          <a:xfrm>
+            <a:off x="5732625" y="9871022"/>
+            <a:ext cx="11714126" cy="864034"/>
+          </a:xfrm>
+          <a:prstGeom prst="rect">
+            <a:avLst/>
+          </a:prstGeom>
+          <a:noFill/>
+          <a:ln w="28575">
+            <a:solidFill>
+              <a:srgbClr val="FF0000"/>
+            </a:solidFill>
+          </a:ln>
+        </p:spPr>
+        <p:style>
+          <a:lnRef idx="2">
+            <a:schemeClr val="accent1">
+              <a:shade val="50000"/>
+            </a:schemeClr>
+          </a:lnRef>
+          <a:fillRef idx="1">
+            <a:schemeClr val="accent1"/>
+          </a:fillRef>
+          <a:effectRef idx="0">
+            <a:schemeClr val="accent1"/>
+          </a:effectRef>
+          <a:fontRef idx="minor">
+            <a:schemeClr val="lt1"/>
+          </a:fontRef>
+        </p:style>
+        <p:txBody>
+          <a:bodyPr rtlCol="0" anchor="ctr"/>
+          <a:lstStyle/>
+          <a:p>
+            <a:pPr algn="ctr"/>
+            <a:endParaRPr lang="ko-KR" altLang="en-US" sz="5400"/>
+          </a:p>
+        </p:txBody>
+      </p:sp>
+      <p:sp>
+        <p:nvSpPr>
+          <p:cNvPr id="7" name="TextBox 6">
+            <a:extLst>
+              <a:ext uri="{FF2B5EF4-FFF2-40B4-BE49-F238E27FC236}">
+                <a16:creationId xmlns:a16="http://schemas.microsoft.com/office/drawing/2014/main" id="{99C9164D-3354-4D93-A922-F05AEE9BDFDE}"/>
+              </a:ext>
+            </a:extLst>
+          </p:cNvPr>
+          <p:cNvSpPr txBox="1"/>
+          <p:nvPr/>
+        </p:nvSpPr>
+        <p:spPr>
+          <a:xfrm>
+            <a:off x="17446751" y="9871022"/>
+            <a:ext cx="5203599" cy="923330"/>
+          </a:xfrm>
+          <a:prstGeom prst="rect">
+            <a:avLst/>
+          </a:prstGeom>
+          <a:noFill/>
+        </p:spPr>
+        <p:txBody>
+          <a:bodyPr wrap="square" rtlCol="0">
+            <a:spAutoFit/>
+          </a:bodyPr>
+          <a:lstStyle/>
+          <a:p>
+            <a:r>
+              <a:rPr lang="ko-KR" altLang="en-US" sz="5400" b="1" dirty="0"/>
+              <a:t>테스트에서 제외</a:t>
+            </a:r>
+          </a:p>
+        </p:txBody>
+      </p:sp>
+    </p:spTree>
+    <p:extLst>
+      <p:ext uri="{BB962C8B-B14F-4D97-AF65-F5344CB8AC3E}">
+        <p14:creationId xmlns:p14="http://schemas.microsoft.com/office/powerpoint/2010/main" val="2683268354"/>
+      </p:ext>
+    </p:extLst>
+  </p:cSld>
+  <p:clrMapOvr>
+    <a:masterClrMapping/>
+  </p:clrMapOvr>
+</p:sld>
+</file>
+
+<file path=ppt/slides/slide51.xml><?xml version="1.0" encoding="utf-8"?>
+<p:sld xmlns:a="http://schemas.openxmlformats.org/drawingml/2006/main" xmlns:r="http://schemas.openxmlformats.org/officeDocument/2006/relationships" xmlns:p="http://schemas.openxmlformats.org/presentationml/2006/main">
+  <p:cSld>
+    <p:bg>
+      <p:bgPr>
+        <a:solidFill>
+          <a:schemeClr val="bg1"/>
+        </a:solidFill>
+        <a:effectLst/>
+      </p:bgPr>
+    </p:bg>
+    <p:spTree>
+      <p:nvGrpSpPr>
+        <p:cNvPr id="1" name=""/>
+        <p:cNvGrpSpPr/>
+        <p:nvPr/>
+      </p:nvGrpSpPr>
+      <p:grpSpPr>
+        <a:xfrm>
+          <a:off x="0" y="0"/>
+          <a:ext cx="0" cy="0"/>
+          <a:chOff x="0" y="0"/>
+          <a:chExt cx="0" cy="0"/>
+        </a:xfrm>
+      </p:grpSpPr>
+      <p:sp>
+        <p:nvSpPr>
+          <p:cNvPr id="3" name="TextBox 2">
+            <a:extLst>
+              <a:ext uri="{FF2B5EF4-FFF2-40B4-BE49-F238E27FC236}">
                 <a16:creationId xmlns:a16="http://schemas.microsoft.com/office/drawing/2014/main" id="{721341A2-95CC-4F1C-A2C4-904316880D7A}"/>
               </a:ext>
             </a:extLst>
@@ -13143,7 +13418,7 @@
 </p:sld>
 </file>
 
-<file path=ppt/slides/slide51.xml><?xml version="1.0" encoding="utf-8"?>
+<file path=ppt/slides/slide52.xml><?xml version="1.0" encoding="utf-8"?>
 <p:sld xmlns:a="http://schemas.openxmlformats.org/drawingml/2006/main" xmlns:r="http://schemas.openxmlformats.org/officeDocument/2006/relationships" xmlns:p="http://schemas.openxmlformats.org/presentationml/2006/main">
   <p:cSld>
     <p:bg>
@@ -13420,7 +13695,7 @@
 </p:sld>
 </file>
 
-<file path=ppt/slides/slide52.xml><?xml version="1.0" encoding="utf-8"?>
+<file path=ppt/slides/slide53.xml><?xml version="1.0" encoding="utf-8"?>
 <p:sld xmlns:a="http://schemas.openxmlformats.org/drawingml/2006/main" xmlns:r="http://schemas.openxmlformats.org/officeDocument/2006/relationships" xmlns:p="http://schemas.openxmlformats.org/presentationml/2006/main">
   <p:cSld>
     <p:bg>
@@ -13535,7 +13810,7 @@
 </p:sld>
 </file>
 
-<file path=ppt/slides/slide53.xml><?xml version="1.0" encoding="utf-8"?>
+<file path=ppt/slides/slide54.xml><?xml version="1.0" encoding="utf-8"?>
 <p:sld xmlns:a="http://schemas.openxmlformats.org/drawingml/2006/main" xmlns:r="http://schemas.openxmlformats.org/officeDocument/2006/relationships" xmlns:p="http://schemas.openxmlformats.org/presentationml/2006/main">
   <p:cSld>
     <p:spTree>
@@ -13642,435 +13917,7 @@
 </p:sld>
 </file>
 
-<file path=ppt/slides/slide54.xml><?xml version="1.0" encoding="utf-8"?>
-<p:sld xmlns:a="http://schemas.openxmlformats.org/drawingml/2006/main" xmlns:r="http://schemas.openxmlformats.org/officeDocument/2006/relationships" xmlns:p="http://schemas.openxmlformats.org/presentationml/2006/main">
-  <p:cSld>
-    <p:spTree>
-      <p:nvGrpSpPr>
-        <p:cNvPr id="1" name=""/>
-        <p:cNvGrpSpPr/>
-        <p:nvPr/>
-      </p:nvGrpSpPr>
-      <p:grpSpPr>
-        <a:xfrm>
-          <a:off x="0" y="0"/>
-          <a:ext cx="0" cy="0"/>
-          <a:chOff x="0" y="0"/>
-          <a:chExt cx="0" cy="0"/>
-        </a:xfrm>
-      </p:grpSpPr>
-      <p:sp>
-        <p:nvSpPr>
-          <p:cNvPr id="2" name="TextBox 1"/>
-          <p:cNvSpPr txBox="1"/>
-          <p:nvPr/>
-        </p:nvSpPr>
-        <p:spPr>
-          <a:xfrm>
-            <a:off x="2166425" y="2475915"/>
-            <a:ext cx="19863582" cy="9325630"/>
-          </a:xfrm>
-          <a:prstGeom prst="rect">
-            <a:avLst/>
-          </a:prstGeom>
-          <a:noFill/>
-        </p:spPr>
-        <p:txBody>
-          <a:bodyPr wrap="square" rtlCol="0">
-            <a:spAutoFit/>
-          </a:bodyPr>
-          <a:lstStyle/>
-          <a:p>
-            <a:r>
-              <a:rPr lang="en-US" altLang="ko-KR" sz="12000" b="1" dirty="0"/>
-              <a:t>JavaScript, Ruby, Python</a:t>
-            </a:r>
-          </a:p>
-          <a:p>
-            <a:endParaRPr lang="en-US" altLang="ko-KR" sz="12000" b="1" dirty="0"/>
-          </a:p>
-          <a:p>
-            <a:r>
-              <a:rPr lang="en-US" altLang="ko-KR" sz="12000" b="1" dirty="0"/>
-              <a:t>C#, Java</a:t>
-            </a:r>
-          </a:p>
-          <a:p>
-            <a:endParaRPr lang="en-US" altLang="ko-KR" sz="12000" b="1" dirty="0"/>
-          </a:p>
-          <a:p>
-            <a:r>
-              <a:rPr lang="en-US" altLang="ko-KR" sz="12000" b="1" dirty="0"/>
-              <a:t>C++</a:t>
-            </a:r>
-            <a:endParaRPr lang="ko-KR" altLang="en-US" sz="12000" b="1" dirty="0"/>
-          </a:p>
-        </p:txBody>
-      </p:sp>
-      <p:sp>
-        <p:nvSpPr>
-          <p:cNvPr id="3" name="TextBox 2">
-            <a:extLst>
-              <a:ext uri="{FF2B5EF4-FFF2-40B4-BE49-F238E27FC236}">
-                <a16:creationId xmlns:a16="http://schemas.microsoft.com/office/drawing/2014/main" id="{074AE318-E30F-44CC-8010-C70CEF467BD5}"/>
-              </a:ext>
-            </a:extLst>
-          </p:cNvPr>
-          <p:cNvSpPr txBox="1"/>
-          <p:nvPr/>
-        </p:nvSpPr>
-        <p:spPr>
-          <a:xfrm>
-            <a:off x="13551408" y="6986016"/>
-            <a:ext cx="7571232" cy="646331"/>
-          </a:xfrm>
-          <a:prstGeom prst="rect">
-            <a:avLst/>
-          </a:prstGeom>
-          <a:noFill/>
-        </p:spPr>
-        <p:txBody>
-          <a:bodyPr wrap="square" rtlCol="0">
-            <a:spAutoFit/>
-          </a:bodyPr>
-          <a:lstStyle/>
-          <a:p>
-            <a:r>
-              <a:rPr lang="en-US" altLang="ko-KR" dirty="0"/>
-              <a:t>C++</a:t>
-            </a:r>
-            <a:r>
-              <a:rPr lang="ko-KR" altLang="en-US" dirty="0"/>
-              <a:t>은 </a:t>
-            </a:r>
-            <a:r>
-              <a:rPr lang="ko-KR" altLang="en-US" dirty="0" err="1"/>
-              <a:t>유닛테스트가</a:t>
-            </a:r>
-            <a:r>
-              <a:rPr lang="ko-KR" altLang="en-US" dirty="0"/>
-              <a:t> 다른 언어에 비해 어려움</a:t>
-            </a:r>
-            <a:r>
-              <a:rPr lang="en-US" altLang="ko-KR" dirty="0"/>
-              <a:t>.</a:t>
-            </a:r>
-          </a:p>
-          <a:p>
-            <a:r>
-              <a:rPr lang="en-US" altLang="ko-KR" dirty="0"/>
-              <a:t>C#</a:t>
-            </a:r>
-            <a:r>
-              <a:rPr lang="ko-KR" altLang="en-US" dirty="0"/>
-              <a:t>의 경우 </a:t>
-            </a:r>
-            <a:r>
-              <a:rPr lang="ko-KR" altLang="en-US" dirty="0" err="1"/>
-              <a:t>유닛테스트에서</a:t>
-            </a:r>
-            <a:r>
-              <a:rPr lang="ko-KR" altLang="en-US" dirty="0"/>
-              <a:t> </a:t>
-            </a:r>
-            <a:r>
-              <a:rPr lang="en-US" altLang="ko-KR" dirty="0"/>
-              <a:t>private</a:t>
-            </a:r>
-            <a:r>
-              <a:rPr lang="ko-KR" altLang="en-US" dirty="0"/>
-              <a:t>도 쉽게 접근 가능</a:t>
-            </a:r>
-          </a:p>
-        </p:txBody>
-      </p:sp>
-    </p:spTree>
-    <p:extLst>
-      <p:ext uri="{BB962C8B-B14F-4D97-AF65-F5344CB8AC3E}">
-        <p14:creationId xmlns:p14="http://schemas.microsoft.com/office/powerpoint/2010/main" val="785109972"/>
-      </p:ext>
-    </p:extLst>
-  </p:cSld>
-  <p:clrMapOvr>
-    <a:masterClrMapping/>
-  </p:clrMapOvr>
-</p:sld>
-</file>
-
 <file path=ppt/slides/slide55.xml><?xml version="1.0" encoding="utf-8"?>
-<p:sld xmlns:a="http://schemas.openxmlformats.org/drawingml/2006/main" xmlns:r="http://schemas.openxmlformats.org/officeDocument/2006/relationships" xmlns:p="http://schemas.openxmlformats.org/presentationml/2006/main">
-  <p:cSld>
-    <p:spTree>
-      <p:nvGrpSpPr>
-        <p:cNvPr id="1" name=""/>
-        <p:cNvGrpSpPr/>
-        <p:nvPr/>
-      </p:nvGrpSpPr>
-      <p:grpSpPr>
-        <a:xfrm>
-          <a:off x="0" y="0"/>
-          <a:ext cx="0" cy="0"/>
-          <a:chOff x="0" y="0"/>
-          <a:chExt cx="0" cy="0"/>
-        </a:xfrm>
-      </p:grpSpPr>
-      <p:sp>
-        <p:nvSpPr>
-          <p:cNvPr id="2" name="TextBox 1"/>
-          <p:cNvSpPr txBox="1"/>
-          <p:nvPr/>
-        </p:nvSpPr>
-        <p:spPr>
-          <a:xfrm>
-            <a:off x="2166423" y="4354098"/>
-            <a:ext cx="19863582" cy="7048083"/>
-          </a:xfrm>
-          <a:prstGeom prst="rect">
-            <a:avLst/>
-          </a:prstGeom>
-          <a:noFill/>
-        </p:spPr>
-        <p:txBody>
-          <a:bodyPr wrap="square" rtlCol="0">
-            <a:spAutoFit/>
-          </a:bodyPr>
-          <a:lstStyle/>
-          <a:p>
-            <a:pPr algn="ctr"/>
-            <a:r>
-              <a:rPr lang="ko-KR" altLang="en-US" sz="12000" b="1" dirty="0"/>
-              <a:t>좋은 함수가 아니면 힘들다</a:t>
-            </a:r>
-            <a:endParaRPr lang="en-US" altLang="ko-KR" sz="12000" b="1" dirty="0"/>
-          </a:p>
-          <a:p>
-            <a:pPr algn="ctr"/>
-            <a:r>
-              <a:rPr lang="ko-KR" altLang="en-US" sz="33200" b="1" dirty="0" err="1"/>
-              <a:t>리팩토링</a:t>
-            </a:r>
-            <a:endParaRPr lang="ko-KR" altLang="en-US" sz="33200" b="1" dirty="0"/>
-          </a:p>
-        </p:txBody>
-      </p:sp>
-    </p:spTree>
-    <p:extLst>
-      <p:ext uri="{BB962C8B-B14F-4D97-AF65-F5344CB8AC3E}">
-        <p14:creationId xmlns:p14="http://schemas.microsoft.com/office/powerpoint/2010/main" val="3695536779"/>
-      </p:ext>
-    </p:extLst>
-  </p:cSld>
-  <p:clrMapOvr>
-    <a:masterClrMapping/>
-  </p:clrMapOvr>
-</p:sld>
-</file>
-
-<file path=ppt/slides/slide56.xml><?xml version="1.0" encoding="utf-8"?>
-<p:sld xmlns:a="http://schemas.openxmlformats.org/drawingml/2006/main" xmlns:r="http://schemas.openxmlformats.org/officeDocument/2006/relationships" xmlns:p="http://schemas.openxmlformats.org/presentationml/2006/main">
-  <p:cSld>
-    <p:spTree>
-      <p:nvGrpSpPr>
-        <p:cNvPr id="1" name=""/>
-        <p:cNvGrpSpPr/>
-        <p:nvPr/>
-      </p:nvGrpSpPr>
-      <p:grpSpPr>
-        <a:xfrm>
-          <a:off x="0" y="0"/>
-          <a:ext cx="0" cy="0"/>
-          <a:chOff x="0" y="0"/>
-          <a:chExt cx="0" cy="0"/>
-        </a:xfrm>
-      </p:grpSpPr>
-      <p:sp>
-        <p:nvSpPr>
-          <p:cNvPr id="2" name="TextBox 1"/>
-          <p:cNvSpPr txBox="1"/>
-          <p:nvPr/>
-        </p:nvSpPr>
-        <p:spPr>
-          <a:xfrm>
-            <a:off x="2166421" y="3292214"/>
-            <a:ext cx="19863582" cy="3785652"/>
-          </a:xfrm>
-          <a:prstGeom prst="rect">
-            <a:avLst/>
-          </a:prstGeom>
-          <a:noFill/>
-        </p:spPr>
-        <p:txBody>
-          <a:bodyPr wrap="square" rtlCol="0">
-            <a:spAutoFit/>
-          </a:bodyPr>
-          <a:lstStyle/>
-          <a:p>
-            <a:pPr algn="ctr"/>
-            <a:r>
-              <a:rPr lang="ko-KR" altLang="en-US" sz="12000" b="1" dirty="0"/>
-              <a:t>꽤 진행된 프로젝트</a:t>
-            </a:r>
-            <a:r>
-              <a:rPr lang="en-US" altLang="ko-KR" sz="12000" b="1" dirty="0"/>
-              <a:t>,</a:t>
-            </a:r>
-          </a:p>
-          <a:p>
-            <a:pPr algn="ctr"/>
-            <a:r>
-              <a:rPr lang="ko-KR" altLang="en-US" sz="12000" b="1" dirty="0"/>
-              <a:t>누군가의 반대</a:t>
-            </a:r>
-            <a:r>
-              <a:rPr lang="en-US" altLang="ko-KR" sz="12000" b="1" dirty="0"/>
-              <a:t>(</a:t>
-            </a:r>
-            <a:r>
-              <a:rPr lang="ko-KR" altLang="en-US" sz="12000" b="1" dirty="0"/>
-              <a:t>특히 </a:t>
-            </a:r>
-            <a:r>
-              <a:rPr lang="ko-KR" altLang="en-US" sz="12000" b="1" dirty="0" err="1"/>
-              <a:t>리더급</a:t>
-            </a:r>
-            <a:r>
-              <a:rPr lang="en-US" altLang="ko-KR" sz="12000" b="1" dirty="0"/>
-              <a:t>)</a:t>
-            </a:r>
-          </a:p>
-        </p:txBody>
-      </p:sp>
-      <p:sp>
-        <p:nvSpPr>
-          <p:cNvPr id="3" name="TextBox 2"/>
-          <p:cNvSpPr txBox="1"/>
-          <p:nvPr/>
-        </p:nvSpPr>
-        <p:spPr>
-          <a:xfrm>
-            <a:off x="5387694" y="8360467"/>
-            <a:ext cx="13421032" cy="2123658"/>
-          </a:xfrm>
-          <a:prstGeom prst="rect">
-            <a:avLst/>
-          </a:prstGeom>
-          <a:noFill/>
-        </p:spPr>
-        <p:txBody>
-          <a:bodyPr wrap="square" rtlCol="0">
-            <a:spAutoFit/>
-          </a:bodyPr>
-          <a:lstStyle/>
-          <a:p>
-            <a:pPr algn="ctr"/>
-            <a:r>
-              <a:rPr lang="ko-KR" altLang="en-US" sz="13200" b="1">
-                <a:solidFill>
-                  <a:srgbClr val="FF0000"/>
-                </a:solidFill>
-              </a:rPr>
-              <a:t>너무 힘들다 </a:t>
-            </a:r>
-            <a:r>
-              <a:rPr lang="ko-KR" altLang="en-US" sz="13200" b="1" dirty="0" err="1">
-                <a:solidFill>
-                  <a:srgbClr val="FF0000"/>
-                </a:solidFill>
-              </a:rPr>
-              <a:t>ㅠㅠ</a:t>
-            </a:r>
-            <a:endParaRPr lang="ko-KR" altLang="en-US" sz="13200" b="1" dirty="0">
-              <a:solidFill>
-                <a:srgbClr val="FF0000"/>
-              </a:solidFill>
-            </a:endParaRPr>
-          </a:p>
-        </p:txBody>
-      </p:sp>
-    </p:spTree>
-    <p:extLst>
-      <p:ext uri="{BB962C8B-B14F-4D97-AF65-F5344CB8AC3E}">
-        <p14:creationId xmlns:p14="http://schemas.microsoft.com/office/powerpoint/2010/main" val="463893784"/>
-      </p:ext>
-    </p:extLst>
-  </p:cSld>
-  <p:clrMapOvr>
-    <a:masterClrMapping/>
-  </p:clrMapOvr>
-</p:sld>
-</file>
-
-<file path=ppt/slides/slide57.xml><?xml version="1.0" encoding="utf-8"?>
-<p:sld xmlns:a="http://schemas.openxmlformats.org/drawingml/2006/main" xmlns:r="http://schemas.openxmlformats.org/officeDocument/2006/relationships" xmlns:p="http://schemas.openxmlformats.org/presentationml/2006/main">
-  <p:cSld>
-    <p:spTree>
-      <p:nvGrpSpPr>
-        <p:cNvPr id="1" name=""/>
-        <p:cNvGrpSpPr/>
-        <p:nvPr/>
-      </p:nvGrpSpPr>
-      <p:grpSpPr>
-        <a:xfrm>
-          <a:off x="0" y="0"/>
-          <a:ext cx="0" cy="0"/>
-          <a:chOff x="0" y="0"/>
-          <a:chExt cx="0" cy="0"/>
-        </a:xfrm>
-      </p:grpSpPr>
-      <p:sp>
-        <p:nvSpPr>
-          <p:cNvPr id="5" name="직사각형 4"/>
-          <p:cNvSpPr/>
-          <p:nvPr/>
-        </p:nvSpPr>
-        <p:spPr>
-          <a:xfrm>
-            <a:off x="1266093" y="5065253"/>
-            <a:ext cx="21889330" cy="2308324"/>
-          </a:xfrm>
-          <a:prstGeom prst="rect">
-            <a:avLst/>
-          </a:prstGeom>
-        </p:spPr>
-        <p:txBody>
-          <a:bodyPr wrap="square">
-            <a:spAutoFit/>
-          </a:bodyPr>
-          <a:lstStyle/>
-          <a:p>
-            <a:r>
-              <a:rPr lang="ko-KR" altLang="en-US" sz="7200" b="1" dirty="0"/>
-              <a:t>생산적인 개발을 위한 지속적인 테스트</a:t>
-            </a:r>
-          </a:p>
-          <a:p>
-            <a:r>
-              <a:rPr lang="ko-KR" altLang="en-US" sz="7200" b="1" dirty="0">
-                <a:hlinkClick r:id="rId2"/>
-              </a:rPr>
-              <a:t>http://www.slideshare.net/birdkr/ss-2183466</a:t>
-            </a:r>
-            <a:r>
-              <a:rPr lang="ko-KR" altLang="en-US" sz="7200" b="1" dirty="0"/>
-              <a:t> </a:t>
-            </a:r>
-          </a:p>
-        </p:txBody>
-      </p:sp>
-    </p:spTree>
-    <p:extLst>
-      <p:ext uri="{BB962C8B-B14F-4D97-AF65-F5344CB8AC3E}">
-        <p14:creationId xmlns:p14="http://schemas.microsoft.com/office/powerpoint/2010/main" val="2175726061"/>
-      </p:ext>
-    </p:extLst>
-  </p:cSld>
-  <p:clrMapOvr>
-    <a:masterClrMapping/>
-  </p:clrMapOvr>
-</p:sld>
-</file>
-
-<file path=ppt/slides/slide58.xml><?xml version="1.0" encoding="utf-8"?>
 <p:sld xmlns:a="http://schemas.openxmlformats.org/drawingml/2006/main" xmlns:r="http://schemas.openxmlformats.org/officeDocument/2006/relationships" xmlns:p="http://schemas.openxmlformats.org/presentationml/2006/main">
   <p:cSld>
     <p:bg>
@@ -14339,17 +14186,9 @@
 </p:sld>
 </file>
 
-<file path=ppt/slides/slide59.xml><?xml version="1.0" encoding="utf-8"?>
+<file path=ppt/slides/slide56.xml><?xml version="1.0" encoding="utf-8"?>
 <p:sld xmlns:a="http://schemas.openxmlformats.org/drawingml/2006/main" xmlns:r="http://schemas.openxmlformats.org/officeDocument/2006/relationships" xmlns:p="http://schemas.openxmlformats.org/presentationml/2006/main">
   <p:cSld>
-    <p:bg>
-      <p:bgPr>
-        <a:solidFill>
-          <a:schemeClr val="bg1"/>
-        </a:solidFill>
-        <a:effectLst/>
-      </p:bgPr>
-    </p:bg>
     <p:spTree>
       <p:nvGrpSpPr>
         <p:cNvPr id="1" name=""/>
@@ -14366,239 +14205,406 @@
       </p:grpSpPr>
       <p:sp>
         <p:nvSpPr>
-          <p:cNvPr id="5" name="Rectangle 2">
-            <a:extLst>
-              <a:ext uri="{FF2B5EF4-FFF2-40B4-BE49-F238E27FC236}">
-                <a16:creationId xmlns:a16="http://schemas.microsoft.com/office/drawing/2014/main" id="{0BFF5754-E615-4613-A123-F798FC0E77C7}"/>
-              </a:ext>
-            </a:extLst>
-          </p:cNvPr>
-          <p:cNvSpPr>
-            <a:spLocks/>
-          </p:cNvSpPr>
+          <p:cNvPr id="2" name="TextBox 1"/>
+          <p:cNvSpPr txBox="1"/>
           <p:nvPr/>
         </p:nvSpPr>
-        <p:spPr bwMode="auto">
+        <p:spPr>
           <a:xfrm>
-            <a:off x="1446213" y="6421438"/>
-            <a:ext cx="3313112" cy="873125"/>
+            <a:off x="2166425" y="2475915"/>
+            <a:ext cx="19863582" cy="9325630"/>
           </a:xfrm>
           <a:prstGeom prst="rect">
             <a:avLst/>
           </a:prstGeom>
           <a:noFill/>
-          <a:ln>
-            <a:noFill/>
-          </a:ln>
-          <a:effectLst/>
-          <a:extLst>
-            <a:ext uri="{909E8E84-426E-40DD-AFC4-6F175D3DCCD1}">
-              <a14:hiddenFill xmlns:a14="http://schemas.microsoft.com/office/drawing/2010/main">
-                <a:solidFill>
-                  <a:srgbClr val="FFFFFF"/>
-                </a:solidFill>
-              </a14:hiddenFill>
-            </a:ext>
-            <a:ext uri="{91240B29-F687-4F45-9708-019B960494DF}">
-              <a14:hiddenLine xmlns:a14="http://schemas.microsoft.com/office/drawing/2010/main" w="12700">
-                <a:solidFill>
-                  <a:srgbClr val="000000"/>
-                </a:solidFill>
-                <a:miter lim="0"/>
-                <a:headEnd/>
-                <a:tailEnd/>
-              </a14:hiddenLine>
-            </a:ext>
-            <a:ext uri="{AF507438-7753-43E0-B8FC-AC1667EBCBE1}">
-              <a14:hiddenEffects xmlns:a14="http://schemas.microsoft.com/office/drawing/2010/main">
-                <a:effectLst>
-                  <a:outerShdw dist="35921" dir="2700000" algn="ctr" rotWithShape="0">
-                    <a:srgbClr val="808080"/>
-                  </a:outerShdw>
-                </a:effectLst>
-              </a14:hiddenEffects>
-            </a:ext>
-          </a:extLst>
         </p:spPr>
         <p:txBody>
-          <a:bodyPr wrap="none" lIns="50800" tIns="50800" rIns="50800" bIns="50800" anchor="ctr">
+          <a:bodyPr wrap="square" rtlCol="0">
             <a:spAutoFit/>
           </a:bodyPr>
-          <a:lstStyle>
-            <a:lvl1pPr>
-              <a:defRPr sz="5000">
-                <a:solidFill>
-                  <a:srgbClr val="000000"/>
-                </a:solidFill>
-                <a:latin typeface="Helvetica Light" charset="0"/>
-                <a:ea typeface="Helvetica Light" charset="0"/>
-                <a:cs typeface="Helvetica Light" charset="0"/>
-                <a:sym typeface="Helvetica Light" charset="0"/>
-              </a:defRPr>
-            </a:lvl1pPr>
-            <a:lvl2pPr marL="742950" indent="-285750">
-              <a:defRPr sz="5000">
-                <a:solidFill>
-                  <a:srgbClr val="000000"/>
-                </a:solidFill>
-                <a:latin typeface="Helvetica Light" charset="0"/>
-                <a:ea typeface="Helvetica Light" charset="0"/>
-                <a:cs typeface="Helvetica Light" charset="0"/>
-                <a:sym typeface="Helvetica Light" charset="0"/>
-              </a:defRPr>
-            </a:lvl2pPr>
-            <a:lvl3pPr marL="1143000" indent="-228600">
-              <a:defRPr sz="5000">
-                <a:solidFill>
-                  <a:srgbClr val="000000"/>
-                </a:solidFill>
-                <a:latin typeface="Helvetica Light" charset="0"/>
-                <a:ea typeface="Helvetica Light" charset="0"/>
-                <a:cs typeface="Helvetica Light" charset="0"/>
-                <a:sym typeface="Helvetica Light" charset="0"/>
-              </a:defRPr>
-            </a:lvl3pPr>
-            <a:lvl4pPr marL="1600200" indent="-228600">
-              <a:defRPr sz="5000">
-                <a:solidFill>
-                  <a:srgbClr val="000000"/>
-                </a:solidFill>
-                <a:latin typeface="Helvetica Light" charset="0"/>
-                <a:ea typeface="Helvetica Light" charset="0"/>
-                <a:cs typeface="Helvetica Light" charset="0"/>
-                <a:sym typeface="Helvetica Light" charset="0"/>
-              </a:defRPr>
-            </a:lvl4pPr>
-            <a:lvl5pPr marL="2057400" indent="-228600">
-              <a:defRPr sz="5000">
-                <a:solidFill>
-                  <a:srgbClr val="000000"/>
-                </a:solidFill>
-                <a:latin typeface="Helvetica Light" charset="0"/>
-                <a:ea typeface="Helvetica Light" charset="0"/>
-                <a:cs typeface="Helvetica Light" charset="0"/>
-                <a:sym typeface="Helvetica Light" charset="0"/>
-              </a:defRPr>
-            </a:lvl5pPr>
-            <a:lvl6pPr marL="2514600" indent="-228600" defTabSz="825500" eaLnBrk="0" fontAlgn="base" hangingPunct="0">
-              <a:spcBef>
-                <a:spcPct val="0"/>
-              </a:spcBef>
-              <a:spcAft>
-                <a:spcPct val="0"/>
-              </a:spcAft>
-              <a:defRPr sz="5000">
-                <a:solidFill>
-                  <a:srgbClr val="000000"/>
-                </a:solidFill>
-                <a:latin typeface="Helvetica Light" charset="0"/>
-                <a:ea typeface="Helvetica Light" charset="0"/>
-                <a:cs typeface="Helvetica Light" charset="0"/>
-                <a:sym typeface="Helvetica Light" charset="0"/>
-              </a:defRPr>
-            </a:lvl6pPr>
-            <a:lvl7pPr marL="2971800" indent="-228600" defTabSz="825500" eaLnBrk="0" fontAlgn="base" hangingPunct="0">
-              <a:spcBef>
-                <a:spcPct val="0"/>
-              </a:spcBef>
-              <a:spcAft>
-                <a:spcPct val="0"/>
-              </a:spcAft>
-              <a:defRPr sz="5000">
-                <a:solidFill>
-                  <a:srgbClr val="000000"/>
-                </a:solidFill>
-                <a:latin typeface="Helvetica Light" charset="0"/>
-                <a:ea typeface="Helvetica Light" charset="0"/>
-                <a:cs typeface="Helvetica Light" charset="0"/>
-                <a:sym typeface="Helvetica Light" charset="0"/>
-              </a:defRPr>
-            </a:lvl7pPr>
-            <a:lvl8pPr marL="3429000" indent="-228600" defTabSz="825500" eaLnBrk="0" fontAlgn="base" hangingPunct="0">
-              <a:spcBef>
-                <a:spcPct val="0"/>
-              </a:spcBef>
-              <a:spcAft>
-                <a:spcPct val="0"/>
-              </a:spcAft>
-              <a:defRPr sz="5000">
-                <a:solidFill>
-                  <a:srgbClr val="000000"/>
-                </a:solidFill>
-                <a:latin typeface="Helvetica Light" charset="0"/>
-                <a:ea typeface="Helvetica Light" charset="0"/>
-                <a:cs typeface="Helvetica Light" charset="0"/>
-                <a:sym typeface="Helvetica Light" charset="0"/>
-              </a:defRPr>
-            </a:lvl8pPr>
-            <a:lvl9pPr marL="3886200" indent="-228600" defTabSz="825500" eaLnBrk="0" fontAlgn="base" hangingPunct="0">
-              <a:spcBef>
-                <a:spcPct val="0"/>
-              </a:spcBef>
-              <a:spcAft>
-                <a:spcPct val="0"/>
-              </a:spcAft>
-              <a:defRPr sz="5000">
-                <a:solidFill>
-                  <a:srgbClr val="000000"/>
-                </a:solidFill>
-                <a:latin typeface="Helvetica Light" charset="0"/>
-                <a:ea typeface="Helvetica Light" charset="0"/>
-                <a:cs typeface="Helvetica Light" charset="0"/>
-                <a:sym typeface="Helvetica Light" charset="0"/>
-              </a:defRPr>
-            </a:lvl9pPr>
-          </a:lstStyle>
-          <a:p>
-            <a:pPr eaLnBrk="1"/>
-            <a:r>
-              <a:rPr lang="ko-KR" altLang="ko-KR" dirty="0">
-                <a:solidFill>
-                  <a:schemeClr val="tx1"/>
-                </a:solidFill>
-                <a:latin typeface="맑은 고딕" panose="020B0503020000020004" pitchFamily="50" charset="-127"/>
-                <a:ea typeface="맑은 고딕" panose="020B0503020000020004" pitchFamily="50" charset="-127"/>
-                <a:sym typeface="KoPubDotum Medium" charset="0"/>
-              </a:rPr>
-              <a:t>내용 (</a:t>
-            </a:r>
-            <a:r>
-              <a:rPr lang="en-US" altLang="ko-KR" dirty="0">
-                <a:solidFill>
-                  <a:schemeClr val="tx1"/>
-                </a:solidFill>
-                <a:latin typeface="맑은 고딕" panose="020B0503020000020004" pitchFamily="50" charset="-127"/>
-                <a:ea typeface="맑은 고딕" panose="020B0503020000020004" pitchFamily="50" charset="-127"/>
-                <a:sym typeface="KoPubDotum Medium" charset="0"/>
-              </a:rPr>
-              <a:t>50pt</a:t>
-            </a:r>
-            <a:r>
-              <a:rPr lang="ko-KR" altLang="ko-KR" dirty="0">
-                <a:solidFill>
-                  <a:schemeClr val="tx1"/>
-                </a:solidFill>
-                <a:latin typeface="맑은 고딕" panose="020B0503020000020004" pitchFamily="50" charset="-127"/>
-                <a:ea typeface="맑은 고딕" panose="020B0503020000020004" pitchFamily="50" charset="-127"/>
-                <a:sym typeface="KoPubDotum Medium" charset="0"/>
-              </a:rPr>
-              <a:t>)</a:t>
-            </a:r>
-            <a:endParaRPr lang="ko-KR" altLang="ko-KR" sz="1800" dirty="0">
-              <a:solidFill>
-                <a:schemeClr val="tx1"/>
-              </a:solidFill>
-              <a:latin typeface="맑은 고딕" panose="020B0503020000020004" pitchFamily="50" charset="-127"/>
-              <a:ea typeface="맑은 고딕" panose="020B0503020000020004" pitchFamily="50" charset="-127"/>
-              <a:sym typeface="KoPubDotum Medium" charset="0"/>
-            </a:endParaRPr>
+          <a:lstStyle/>
+          <a:p>
+            <a:r>
+              <a:rPr lang="en-US" altLang="ko-KR" sz="12000" b="1" dirty="0"/>
+              <a:t>JavaScript, Ruby, Python</a:t>
+            </a:r>
+          </a:p>
+          <a:p>
+            <a:endParaRPr lang="en-US" altLang="ko-KR" sz="12000" b="1" dirty="0"/>
+          </a:p>
+          <a:p>
+            <a:r>
+              <a:rPr lang="en-US" altLang="ko-KR" sz="12000" b="1" dirty="0"/>
+              <a:t>C#, Java</a:t>
+            </a:r>
+          </a:p>
+          <a:p>
+            <a:endParaRPr lang="en-US" altLang="ko-KR" sz="12000" b="1" dirty="0"/>
+          </a:p>
+          <a:p>
+            <a:r>
+              <a:rPr lang="en-US" altLang="ko-KR" sz="12000" b="1" dirty="0"/>
+              <a:t>C++</a:t>
+            </a:r>
+            <a:endParaRPr lang="ko-KR" altLang="en-US" sz="12000" b="1" dirty="0"/>
+          </a:p>
+        </p:txBody>
+      </p:sp>
+      <p:sp>
+        <p:nvSpPr>
+          <p:cNvPr id="3" name="TextBox 2">
+            <a:extLst>
+              <a:ext uri="{FF2B5EF4-FFF2-40B4-BE49-F238E27FC236}">
+                <a16:creationId xmlns:a16="http://schemas.microsoft.com/office/drawing/2014/main" id="{074AE318-E30F-44CC-8010-C70CEF467BD5}"/>
+              </a:ext>
+            </a:extLst>
+          </p:cNvPr>
+          <p:cNvSpPr txBox="1"/>
+          <p:nvPr/>
+        </p:nvSpPr>
+        <p:spPr>
+          <a:xfrm>
+            <a:off x="13551408" y="6986016"/>
+            <a:ext cx="7571232" cy="646331"/>
+          </a:xfrm>
+          <a:prstGeom prst="rect">
+            <a:avLst/>
+          </a:prstGeom>
+          <a:noFill/>
+        </p:spPr>
+        <p:txBody>
+          <a:bodyPr wrap="square" rtlCol="0">
+            <a:spAutoFit/>
+          </a:bodyPr>
+          <a:lstStyle/>
+          <a:p>
+            <a:r>
+              <a:rPr lang="en-US" altLang="ko-KR" dirty="0"/>
+              <a:t>C++</a:t>
+            </a:r>
+            <a:r>
+              <a:rPr lang="ko-KR" altLang="en-US" dirty="0"/>
+              <a:t>은 </a:t>
+            </a:r>
+            <a:r>
+              <a:rPr lang="ko-KR" altLang="en-US" dirty="0" err="1"/>
+              <a:t>유닛테스트가</a:t>
+            </a:r>
+            <a:r>
+              <a:rPr lang="ko-KR" altLang="en-US" dirty="0"/>
+              <a:t> 다른 언어에 비해 어려움</a:t>
+            </a:r>
+            <a:r>
+              <a:rPr lang="en-US" altLang="ko-KR" dirty="0"/>
+              <a:t>.</a:t>
+            </a:r>
+          </a:p>
+          <a:p>
+            <a:r>
+              <a:rPr lang="en-US" altLang="ko-KR" dirty="0"/>
+              <a:t>C#</a:t>
+            </a:r>
+            <a:r>
+              <a:rPr lang="ko-KR" altLang="en-US" dirty="0"/>
+              <a:t>의 경우 </a:t>
+            </a:r>
+            <a:r>
+              <a:rPr lang="ko-KR" altLang="en-US" dirty="0" err="1"/>
+              <a:t>유닛테스트에서</a:t>
+            </a:r>
+            <a:r>
+              <a:rPr lang="ko-KR" altLang="en-US" dirty="0"/>
+              <a:t> </a:t>
+            </a:r>
+            <a:r>
+              <a:rPr lang="en-US" altLang="ko-KR" dirty="0"/>
+              <a:t>private</a:t>
+            </a:r>
+            <a:r>
+              <a:rPr lang="ko-KR" altLang="en-US" dirty="0"/>
+              <a:t>도 쉽게 접근 가능</a:t>
+            </a:r>
           </a:p>
         </p:txBody>
       </p:sp>
     </p:spTree>
     <p:extLst>
       <p:ext uri="{BB962C8B-B14F-4D97-AF65-F5344CB8AC3E}">
-        <p14:creationId xmlns:p14="http://schemas.microsoft.com/office/powerpoint/2010/main" val="2212384153"/>
+        <p14:creationId xmlns:p14="http://schemas.microsoft.com/office/powerpoint/2010/main" val="785109972"/>
+      </p:ext>
+    </p:extLst>
+  </p:cSld>
+  <p:clrMapOvr>
+    <a:masterClrMapping/>
+  </p:clrMapOvr>
+</p:sld>
+</file>
+
+<file path=ppt/slides/slide57.xml><?xml version="1.0" encoding="utf-8"?>
+<p:sld xmlns:a="http://schemas.openxmlformats.org/drawingml/2006/main" xmlns:r="http://schemas.openxmlformats.org/officeDocument/2006/relationships" xmlns:p="http://schemas.openxmlformats.org/presentationml/2006/main">
+  <p:cSld>
+    <p:spTree>
+      <p:nvGrpSpPr>
+        <p:cNvPr id="1" name=""/>
+        <p:cNvGrpSpPr/>
+        <p:nvPr/>
+      </p:nvGrpSpPr>
+      <p:grpSpPr>
+        <a:xfrm>
+          <a:off x="0" y="0"/>
+          <a:ext cx="0" cy="0"/>
+          <a:chOff x="0" y="0"/>
+          <a:chExt cx="0" cy="0"/>
+        </a:xfrm>
+      </p:grpSpPr>
+      <p:sp>
+        <p:nvSpPr>
+          <p:cNvPr id="2" name="TextBox 1"/>
+          <p:cNvSpPr txBox="1"/>
+          <p:nvPr/>
+        </p:nvSpPr>
+        <p:spPr>
+          <a:xfrm>
+            <a:off x="2166423" y="4354098"/>
+            <a:ext cx="19863582" cy="7048083"/>
+          </a:xfrm>
+          <a:prstGeom prst="rect">
+            <a:avLst/>
+          </a:prstGeom>
+          <a:noFill/>
+        </p:spPr>
+        <p:txBody>
+          <a:bodyPr wrap="square" rtlCol="0">
+            <a:spAutoFit/>
+          </a:bodyPr>
+          <a:lstStyle/>
+          <a:p>
+            <a:pPr algn="ctr"/>
+            <a:r>
+              <a:rPr lang="ko-KR" altLang="en-US" sz="12000" b="1" dirty="0"/>
+              <a:t>좋은 함수가 아니면 힘들다</a:t>
+            </a:r>
+            <a:endParaRPr lang="en-US" altLang="ko-KR" sz="12000" b="1" dirty="0"/>
+          </a:p>
+          <a:p>
+            <a:pPr algn="ctr"/>
+            <a:r>
+              <a:rPr lang="ko-KR" altLang="en-US" sz="33200" b="1" dirty="0" err="1"/>
+              <a:t>리팩토링</a:t>
+            </a:r>
+            <a:endParaRPr lang="ko-KR" altLang="en-US" sz="33200" b="1" dirty="0"/>
+          </a:p>
+        </p:txBody>
+      </p:sp>
+    </p:spTree>
+    <p:extLst>
+      <p:ext uri="{BB962C8B-B14F-4D97-AF65-F5344CB8AC3E}">
+        <p14:creationId xmlns:p14="http://schemas.microsoft.com/office/powerpoint/2010/main" val="3695536779"/>
+      </p:ext>
+    </p:extLst>
+  </p:cSld>
+  <p:clrMapOvr>
+    <a:masterClrMapping/>
+  </p:clrMapOvr>
+</p:sld>
+</file>
+
+<file path=ppt/slides/slide58.xml><?xml version="1.0" encoding="utf-8"?>
+<p:sld xmlns:a="http://schemas.openxmlformats.org/drawingml/2006/main" xmlns:r="http://schemas.openxmlformats.org/officeDocument/2006/relationships" xmlns:p="http://schemas.openxmlformats.org/presentationml/2006/main">
+  <p:cSld>
+    <p:spTree>
+      <p:nvGrpSpPr>
+        <p:cNvPr id="1" name=""/>
+        <p:cNvGrpSpPr/>
+        <p:nvPr/>
+      </p:nvGrpSpPr>
+      <p:grpSpPr>
+        <a:xfrm>
+          <a:off x="0" y="0"/>
+          <a:ext cx="0" cy="0"/>
+          <a:chOff x="0" y="0"/>
+          <a:chExt cx="0" cy="0"/>
+        </a:xfrm>
+      </p:grpSpPr>
+      <p:sp>
+        <p:nvSpPr>
+          <p:cNvPr id="2" name="TextBox 1"/>
+          <p:cNvSpPr txBox="1"/>
+          <p:nvPr/>
+        </p:nvSpPr>
+        <p:spPr>
+          <a:xfrm>
+            <a:off x="2166421" y="3292214"/>
+            <a:ext cx="19863582" cy="3785652"/>
+          </a:xfrm>
+          <a:prstGeom prst="rect">
+            <a:avLst/>
+          </a:prstGeom>
+          <a:noFill/>
+        </p:spPr>
+        <p:txBody>
+          <a:bodyPr wrap="square" rtlCol="0">
+            <a:spAutoFit/>
+          </a:bodyPr>
+          <a:lstStyle/>
+          <a:p>
+            <a:pPr algn="ctr"/>
+            <a:r>
+              <a:rPr lang="ko-KR" altLang="en-US" sz="12000" b="1" dirty="0"/>
+              <a:t>꽤 진행된 프로젝트</a:t>
+            </a:r>
+            <a:r>
+              <a:rPr lang="en-US" altLang="ko-KR" sz="12000" b="1" dirty="0"/>
+              <a:t>,</a:t>
+            </a:r>
+          </a:p>
+          <a:p>
+            <a:pPr algn="ctr"/>
+            <a:r>
+              <a:rPr lang="ko-KR" altLang="en-US" sz="12000" b="1" dirty="0"/>
+              <a:t>누군가의 반대</a:t>
+            </a:r>
+            <a:r>
+              <a:rPr lang="en-US" altLang="ko-KR" sz="12000" b="1" dirty="0"/>
+              <a:t>(</a:t>
+            </a:r>
+            <a:r>
+              <a:rPr lang="ko-KR" altLang="en-US" sz="12000" b="1" dirty="0"/>
+              <a:t>특히 </a:t>
+            </a:r>
+            <a:r>
+              <a:rPr lang="ko-KR" altLang="en-US" sz="12000" b="1" dirty="0" err="1"/>
+              <a:t>리더급</a:t>
+            </a:r>
+            <a:r>
+              <a:rPr lang="en-US" altLang="ko-KR" sz="12000" b="1" dirty="0"/>
+              <a:t>)</a:t>
+            </a:r>
+          </a:p>
+        </p:txBody>
+      </p:sp>
+      <p:sp>
+        <p:nvSpPr>
+          <p:cNvPr id="3" name="TextBox 2"/>
+          <p:cNvSpPr txBox="1"/>
+          <p:nvPr/>
+        </p:nvSpPr>
+        <p:spPr>
+          <a:xfrm>
+            <a:off x="5387694" y="8360467"/>
+            <a:ext cx="13421032" cy="2123658"/>
+          </a:xfrm>
+          <a:prstGeom prst="rect">
+            <a:avLst/>
+          </a:prstGeom>
+          <a:noFill/>
+        </p:spPr>
+        <p:txBody>
+          <a:bodyPr wrap="square" rtlCol="0">
+            <a:spAutoFit/>
+          </a:bodyPr>
+          <a:lstStyle/>
+          <a:p>
+            <a:pPr algn="ctr"/>
+            <a:r>
+              <a:rPr lang="ko-KR" altLang="en-US" sz="13200" b="1">
+                <a:solidFill>
+                  <a:srgbClr val="FF0000"/>
+                </a:solidFill>
+              </a:rPr>
+              <a:t>너무 힘들다 </a:t>
+            </a:r>
+            <a:r>
+              <a:rPr lang="ko-KR" altLang="en-US" sz="13200" b="1" dirty="0" err="1">
+                <a:solidFill>
+                  <a:srgbClr val="FF0000"/>
+                </a:solidFill>
+              </a:rPr>
+              <a:t>ㅠㅠ</a:t>
+            </a:r>
+            <a:endParaRPr lang="ko-KR" altLang="en-US" sz="13200" b="1" dirty="0">
+              <a:solidFill>
+                <a:srgbClr val="FF0000"/>
+              </a:solidFill>
+            </a:endParaRPr>
+          </a:p>
+        </p:txBody>
+      </p:sp>
+    </p:spTree>
+    <p:extLst>
+      <p:ext uri="{BB962C8B-B14F-4D97-AF65-F5344CB8AC3E}">
+        <p14:creationId xmlns:p14="http://schemas.microsoft.com/office/powerpoint/2010/main" val="463893784"/>
+      </p:ext>
+    </p:extLst>
+  </p:cSld>
+  <p:clrMapOvr>
+    <a:masterClrMapping/>
+  </p:clrMapOvr>
+</p:sld>
+</file>
+
+<file path=ppt/slides/slide59.xml><?xml version="1.0" encoding="utf-8"?>
+<p:sld xmlns:a="http://schemas.openxmlformats.org/drawingml/2006/main" xmlns:r="http://schemas.openxmlformats.org/officeDocument/2006/relationships" xmlns:p="http://schemas.openxmlformats.org/presentationml/2006/main">
+  <p:cSld>
+    <p:spTree>
+      <p:nvGrpSpPr>
+        <p:cNvPr id="1" name=""/>
+        <p:cNvGrpSpPr/>
+        <p:nvPr/>
+      </p:nvGrpSpPr>
+      <p:grpSpPr>
+        <a:xfrm>
+          <a:off x="0" y="0"/>
+          <a:ext cx="0" cy="0"/>
+          <a:chOff x="0" y="0"/>
+          <a:chExt cx="0" cy="0"/>
+        </a:xfrm>
+      </p:grpSpPr>
+      <p:sp>
+        <p:nvSpPr>
+          <p:cNvPr id="5" name="직사각형 4"/>
+          <p:cNvSpPr/>
+          <p:nvPr/>
+        </p:nvSpPr>
+        <p:spPr>
+          <a:xfrm>
+            <a:off x="1266093" y="5065253"/>
+            <a:ext cx="21889330" cy="2308324"/>
+          </a:xfrm>
+          <a:prstGeom prst="rect">
+            <a:avLst/>
+          </a:prstGeom>
+        </p:spPr>
+        <p:txBody>
+          <a:bodyPr wrap="square">
+            <a:spAutoFit/>
+          </a:bodyPr>
+          <a:lstStyle/>
+          <a:p>
+            <a:r>
+              <a:rPr lang="ko-KR" altLang="en-US" sz="7200" b="1" dirty="0"/>
+              <a:t>생산적인 개발을 위한 지속적인 테스트</a:t>
+            </a:r>
+          </a:p>
+          <a:p>
+            <a:r>
+              <a:rPr lang="ko-KR" altLang="en-US" sz="7200" b="1" dirty="0">
+                <a:hlinkClick r:id="rId2"/>
+              </a:rPr>
+              <a:t>http://www.slideshare.net/birdkr/ss-2183466</a:t>
+            </a:r>
+            <a:r>
+              <a:rPr lang="ko-KR" altLang="en-US" sz="7200" b="1" dirty="0"/>
+              <a:t> </a:t>
+            </a:r>
+          </a:p>
+        </p:txBody>
+      </p:sp>
+    </p:spTree>
+    <p:extLst>
+      <p:ext uri="{BB962C8B-B14F-4D97-AF65-F5344CB8AC3E}">
+        <p14:creationId xmlns:p14="http://schemas.microsoft.com/office/powerpoint/2010/main" val="2175726061"/>
       </p:ext>
     </p:extLst>
   </p:cSld>
@@ -15006,6 +15012,275 @@
 </file>
 
 <file path=ppt/slides/slide60.xml><?xml version="1.0" encoding="utf-8"?>
+<p:sld xmlns:a="http://schemas.openxmlformats.org/drawingml/2006/main" xmlns:r="http://schemas.openxmlformats.org/officeDocument/2006/relationships" xmlns:p="http://schemas.openxmlformats.org/presentationml/2006/main">
+  <p:cSld>
+    <p:bg>
+      <p:bgPr>
+        <a:solidFill>
+          <a:schemeClr val="bg1"/>
+        </a:solidFill>
+        <a:effectLst/>
+      </p:bgPr>
+    </p:bg>
+    <p:spTree>
+      <p:nvGrpSpPr>
+        <p:cNvPr id="1" name=""/>
+        <p:cNvGrpSpPr/>
+        <p:nvPr/>
+      </p:nvGrpSpPr>
+      <p:grpSpPr>
+        <a:xfrm>
+          <a:off x="0" y="0"/>
+          <a:ext cx="0" cy="0"/>
+          <a:chOff x="0" y="0"/>
+          <a:chExt cx="0" cy="0"/>
+        </a:xfrm>
+      </p:grpSpPr>
+      <p:sp>
+        <p:nvSpPr>
+          <p:cNvPr id="5" name="Rectangle 2">
+            <a:extLst>
+              <a:ext uri="{FF2B5EF4-FFF2-40B4-BE49-F238E27FC236}">
+                <a16:creationId xmlns:a16="http://schemas.microsoft.com/office/drawing/2014/main" id="{0BFF5754-E615-4613-A123-F798FC0E77C7}"/>
+              </a:ext>
+            </a:extLst>
+          </p:cNvPr>
+          <p:cNvSpPr>
+            <a:spLocks/>
+          </p:cNvSpPr>
+          <p:nvPr/>
+        </p:nvSpPr>
+        <p:spPr bwMode="auto">
+          <a:xfrm>
+            <a:off x="1446213" y="6421438"/>
+            <a:ext cx="3313112" cy="873125"/>
+          </a:xfrm>
+          <a:prstGeom prst="rect">
+            <a:avLst/>
+          </a:prstGeom>
+          <a:noFill/>
+          <a:ln>
+            <a:noFill/>
+          </a:ln>
+          <a:effectLst/>
+          <a:extLst>
+            <a:ext uri="{909E8E84-426E-40DD-AFC4-6F175D3DCCD1}">
+              <a14:hiddenFill xmlns:a14="http://schemas.microsoft.com/office/drawing/2010/main">
+                <a:solidFill>
+                  <a:srgbClr val="FFFFFF"/>
+                </a:solidFill>
+              </a14:hiddenFill>
+            </a:ext>
+            <a:ext uri="{91240B29-F687-4F45-9708-019B960494DF}">
+              <a14:hiddenLine xmlns:a14="http://schemas.microsoft.com/office/drawing/2010/main" w="12700">
+                <a:solidFill>
+                  <a:srgbClr val="000000"/>
+                </a:solidFill>
+                <a:miter lim="0"/>
+                <a:headEnd/>
+                <a:tailEnd/>
+              </a14:hiddenLine>
+            </a:ext>
+            <a:ext uri="{AF507438-7753-43E0-B8FC-AC1667EBCBE1}">
+              <a14:hiddenEffects xmlns:a14="http://schemas.microsoft.com/office/drawing/2010/main">
+                <a:effectLst>
+                  <a:outerShdw dist="35921" dir="2700000" algn="ctr" rotWithShape="0">
+                    <a:srgbClr val="808080"/>
+                  </a:outerShdw>
+                </a:effectLst>
+              </a14:hiddenEffects>
+            </a:ext>
+          </a:extLst>
+        </p:spPr>
+        <p:txBody>
+          <a:bodyPr wrap="none" lIns="50800" tIns="50800" rIns="50800" bIns="50800" anchor="ctr">
+            <a:spAutoFit/>
+          </a:bodyPr>
+          <a:lstStyle>
+            <a:lvl1pPr>
+              <a:defRPr sz="5000">
+                <a:solidFill>
+                  <a:srgbClr val="000000"/>
+                </a:solidFill>
+                <a:latin typeface="Helvetica Light" charset="0"/>
+                <a:ea typeface="Helvetica Light" charset="0"/>
+                <a:cs typeface="Helvetica Light" charset="0"/>
+                <a:sym typeface="Helvetica Light" charset="0"/>
+              </a:defRPr>
+            </a:lvl1pPr>
+            <a:lvl2pPr marL="742950" indent="-285750">
+              <a:defRPr sz="5000">
+                <a:solidFill>
+                  <a:srgbClr val="000000"/>
+                </a:solidFill>
+                <a:latin typeface="Helvetica Light" charset="0"/>
+                <a:ea typeface="Helvetica Light" charset="0"/>
+                <a:cs typeface="Helvetica Light" charset="0"/>
+                <a:sym typeface="Helvetica Light" charset="0"/>
+              </a:defRPr>
+            </a:lvl2pPr>
+            <a:lvl3pPr marL="1143000" indent="-228600">
+              <a:defRPr sz="5000">
+                <a:solidFill>
+                  <a:srgbClr val="000000"/>
+                </a:solidFill>
+                <a:latin typeface="Helvetica Light" charset="0"/>
+                <a:ea typeface="Helvetica Light" charset="0"/>
+                <a:cs typeface="Helvetica Light" charset="0"/>
+                <a:sym typeface="Helvetica Light" charset="0"/>
+              </a:defRPr>
+            </a:lvl3pPr>
+            <a:lvl4pPr marL="1600200" indent="-228600">
+              <a:defRPr sz="5000">
+                <a:solidFill>
+                  <a:srgbClr val="000000"/>
+                </a:solidFill>
+                <a:latin typeface="Helvetica Light" charset="0"/>
+                <a:ea typeface="Helvetica Light" charset="0"/>
+                <a:cs typeface="Helvetica Light" charset="0"/>
+                <a:sym typeface="Helvetica Light" charset="0"/>
+              </a:defRPr>
+            </a:lvl4pPr>
+            <a:lvl5pPr marL="2057400" indent="-228600">
+              <a:defRPr sz="5000">
+                <a:solidFill>
+                  <a:srgbClr val="000000"/>
+                </a:solidFill>
+                <a:latin typeface="Helvetica Light" charset="0"/>
+                <a:ea typeface="Helvetica Light" charset="0"/>
+                <a:cs typeface="Helvetica Light" charset="0"/>
+                <a:sym typeface="Helvetica Light" charset="0"/>
+              </a:defRPr>
+            </a:lvl5pPr>
+            <a:lvl6pPr marL="2514600" indent="-228600" defTabSz="825500" eaLnBrk="0" fontAlgn="base" hangingPunct="0">
+              <a:spcBef>
+                <a:spcPct val="0"/>
+              </a:spcBef>
+              <a:spcAft>
+                <a:spcPct val="0"/>
+              </a:spcAft>
+              <a:defRPr sz="5000">
+                <a:solidFill>
+                  <a:srgbClr val="000000"/>
+                </a:solidFill>
+                <a:latin typeface="Helvetica Light" charset="0"/>
+                <a:ea typeface="Helvetica Light" charset="0"/>
+                <a:cs typeface="Helvetica Light" charset="0"/>
+                <a:sym typeface="Helvetica Light" charset="0"/>
+              </a:defRPr>
+            </a:lvl6pPr>
+            <a:lvl7pPr marL="2971800" indent="-228600" defTabSz="825500" eaLnBrk="0" fontAlgn="base" hangingPunct="0">
+              <a:spcBef>
+                <a:spcPct val="0"/>
+              </a:spcBef>
+              <a:spcAft>
+                <a:spcPct val="0"/>
+              </a:spcAft>
+              <a:defRPr sz="5000">
+                <a:solidFill>
+                  <a:srgbClr val="000000"/>
+                </a:solidFill>
+                <a:latin typeface="Helvetica Light" charset="0"/>
+                <a:ea typeface="Helvetica Light" charset="0"/>
+                <a:cs typeface="Helvetica Light" charset="0"/>
+                <a:sym typeface="Helvetica Light" charset="0"/>
+              </a:defRPr>
+            </a:lvl7pPr>
+            <a:lvl8pPr marL="3429000" indent="-228600" defTabSz="825500" eaLnBrk="0" fontAlgn="base" hangingPunct="0">
+              <a:spcBef>
+                <a:spcPct val="0"/>
+              </a:spcBef>
+              <a:spcAft>
+                <a:spcPct val="0"/>
+              </a:spcAft>
+              <a:defRPr sz="5000">
+                <a:solidFill>
+                  <a:srgbClr val="000000"/>
+                </a:solidFill>
+                <a:latin typeface="Helvetica Light" charset="0"/>
+                <a:ea typeface="Helvetica Light" charset="0"/>
+                <a:cs typeface="Helvetica Light" charset="0"/>
+                <a:sym typeface="Helvetica Light" charset="0"/>
+              </a:defRPr>
+            </a:lvl8pPr>
+            <a:lvl9pPr marL="3886200" indent="-228600" defTabSz="825500" eaLnBrk="0" fontAlgn="base" hangingPunct="0">
+              <a:spcBef>
+                <a:spcPct val="0"/>
+              </a:spcBef>
+              <a:spcAft>
+                <a:spcPct val="0"/>
+              </a:spcAft>
+              <a:defRPr sz="5000">
+                <a:solidFill>
+                  <a:srgbClr val="000000"/>
+                </a:solidFill>
+                <a:latin typeface="Helvetica Light" charset="0"/>
+                <a:ea typeface="Helvetica Light" charset="0"/>
+                <a:cs typeface="Helvetica Light" charset="0"/>
+                <a:sym typeface="Helvetica Light" charset="0"/>
+              </a:defRPr>
+            </a:lvl9pPr>
+          </a:lstStyle>
+          <a:p>
+            <a:pPr eaLnBrk="1"/>
+            <a:r>
+              <a:rPr lang="ko-KR" altLang="ko-KR" dirty="0">
+                <a:solidFill>
+                  <a:schemeClr val="tx1"/>
+                </a:solidFill>
+                <a:latin typeface="맑은 고딕" panose="020B0503020000020004" pitchFamily="50" charset="-127"/>
+                <a:ea typeface="맑은 고딕" panose="020B0503020000020004" pitchFamily="50" charset="-127"/>
+                <a:sym typeface="KoPubDotum Medium" charset="0"/>
+              </a:rPr>
+              <a:t>내용 (</a:t>
+            </a:r>
+            <a:r>
+              <a:rPr lang="en-US" altLang="ko-KR" dirty="0">
+                <a:solidFill>
+                  <a:schemeClr val="tx1"/>
+                </a:solidFill>
+                <a:latin typeface="맑은 고딕" panose="020B0503020000020004" pitchFamily="50" charset="-127"/>
+                <a:ea typeface="맑은 고딕" panose="020B0503020000020004" pitchFamily="50" charset="-127"/>
+                <a:sym typeface="KoPubDotum Medium" charset="0"/>
+              </a:rPr>
+              <a:t>50pt</a:t>
+            </a:r>
+            <a:r>
+              <a:rPr lang="ko-KR" altLang="ko-KR" dirty="0">
+                <a:solidFill>
+                  <a:schemeClr val="tx1"/>
+                </a:solidFill>
+                <a:latin typeface="맑은 고딕" panose="020B0503020000020004" pitchFamily="50" charset="-127"/>
+                <a:ea typeface="맑은 고딕" panose="020B0503020000020004" pitchFamily="50" charset="-127"/>
+                <a:sym typeface="KoPubDotum Medium" charset="0"/>
+              </a:rPr>
+              <a:t>)</a:t>
+            </a:r>
+            <a:endParaRPr lang="ko-KR" altLang="ko-KR" sz="1800" dirty="0">
+              <a:solidFill>
+                <a:schemeClr val="tx1"/>
+              </a:solidFill>
+              <a:latin typeface="맑은 고딕" panose="020B0503020000020004" pitchFamily="50" charset="-127"/>
+              <a:ea typeface="맑은 고딕" panose="020B0503020000020004" pitchFamily="50" charset="-127"/>
+              <a:sym typeface="KoPubDotum Medium" charset="0"/>
+            </a:endParaRPr>
+          </a:p>
+        </p:txBody>
+      </p:sp>
+    </p:spTree>
+    <p:extLst>
+      <p:ext uri="{BB962C8B-B14F-4D97-AF65-F5344CB8AC3E}">
+        <p14:creationId xmlns:p14="http://schemas.microsoft.com/office/powerpoint/2010/main" val="2212384153"/>
+      </p:ext>
+    </p:extLst>
+  </p:cSld>
+  <p:clrMapOvr>
+    <a:masterClrMapping/>
+  </p:clrMapOvr>
+</p:sld>
+</file>
+
+<file path=ppt/slides/slide61.xml><?xml version="1.0" encoding="utf-8"?>
 <p:sld xmlns:a="http://schemas.openxmlformats.org/drawingml/2006/main" xmlns:r="http://schemas.openxmlformats.org/officeDocument/2006/relationships" xmlns:p="http://schemas.openxmlformats.org/presentationml/2006/main">
   <p:cSld>
     <p:bg>

--- a/[C++ Korea 4th Seminar]Visual Cpp에서 유닛 테스트 하기.pptx
+++ b/[C++ Korea 4th Seminar]Visual Cpp에서 유닛 테스트 하기.pptx
@@ -5,7 +5,7 @@
     <p:sldMasterId id="2147483693" r:id="rId1"/>
   </p:sldMasterIdLst>
   <p:notesMasterIdLst>
-    <p:notesMasterId r:id="rId63"/>
+    <p:notesMasterId r:id="rId64"/>
   </p:notesMasterIdLst>
   <p:sldIdLst>
     <p:sldId id="269" r:id="rId2"/>
@@ -48,27 +48,28 @@
     <p:sldId id="312" r:id="rId39"/>
     <p:sldId id="313" r:id="rId40"/>
     <p:sldId id="314" r:id="rId41"/>
-    <p:sldId id="315" r:id="rId42"/>
-    <p:sldId id="295" r:id="rId43"/>
-    <p:sldId id="327" r:id="rId44"/>
-    <p:sldId id="316" r:id="rId45"/>
-    <p:sldId id="324" r:id="rId46"/>
-    <p:sldId id="326" r:id="rId47"/>
-    <p:sldId id="328" r:id="rId48"/>
-    <p:sldId id="278" r:id="rId49"/>
-    <p:sldId id="285" r:id="rId50"/>
-    <p:sldId id="286" r:id="rId51"/>
-    <p:sldId id="288" r:id="rId52"/>
-    <p:sldId id="289" r:id="rId53"/>
-    <p:sldId id="290" r:id="rId54"/>
-    <p:sldId id="317" r:id="rId55"/>
-    <p:sldId id="297" r:id="rId56"/>
-    <p:sldId id="318" r:id="rId57"/>
-    <p:sldId id="319" r:id="rId58"/>
-    <p:sldId id="320" r:id="rId59"/>
-    <p:sldId id="268" r:id="rId60"/>
-    <p:sldId id="294" r:id="rId61"/>
-    <p:sldId id="272" r:id="rId62"/>
+    <p:sldId id="295" r:id="rId42"/>
+    <p:sldId id="327" r:id="rId43"/>
+    <p:sldId id="316" r:id="rId44"/>
+    <p:sldId id="324" r:id="rId45"/>
+    <p:sldId id="326" r:id="rId46"/>
+    <p:sldId id="328" r:id="rId47"/>
+    <p:sldId id="278" r:id="rId48"/>
+    <p:sldId id="285" r:id="rId49"/>
+    <p:sldId id="286" r:id="rId50"/>
+    <p:sldId id="288" r:id="rId51"/>
+    <p:sldId id="289" r:id="rId52"/>
+    <p:sldId id="290" r:id="rId53"/>
+    <p:sldId id="317" r:id="rId54"/>
+    <p:sldId id="297" r:id="rId55"/>
+    <p:sldId id="318" r:id="rId56"/>
+    <p:sldId id="319" r:id="rId57"/>
+    <p:sldId id="294" r:id="rId58"/>
+    <p:sldId id="330" r:id="rId59"/>
+    <p:sldId id="329" r:id="rId60"/>
+    <p:sldId id="320" r:id="rId61"/>
+    <p:sldId id="268" r:id="rId62"/>
+    <p:sldId id="272" r:id="rId63"/>
   </p:sldIdLst>
   <p:sldSz cx="24384000" cy="13716000"/>
   <p:notesSz cx="6858000" cy="9144000"/>
@@ -187,7 +188,7 @@
       </p:ext>
     </p:extLst>
   </p:cmAuthor>
-  <p:cmAuthor id="2" name="최흥배" initials="최" lastIdx="3" clrIdx="1">
+  <p:cmAuthor id="2" name="최흥배" initials="최" lastIdx="5" clrIdx="1">
     <p:extLst>
       <p:ext uri="{19B8F6BF-5375-455C-9EA6-DF929625EA0E}">
         <p15:presenceInfo xmlns:p15="http://schemas.microsoft.com/office/powerpoint/2012/main" userId="4bbaf66528a6b702" providerId="Windows Live"/>
@@ -198,6 +199,35 @@
 </file>
 
 <file path=ppt/comments/comment1.xml><?xml version="1.0" encoding="utf-8"?>
+<p:cmLst xmlns:a="http://schemas.openxmlformats.org/drawingml/2006/main" xmlns:r="http://schemas.openxmlformats.org/officeDocument/2006/relationships" xmlns:p="http://schemas.openxmlformats.org/presentationml/2006/main">
+  <p:cm authorId="2" dt="2018-07-31T23:56:15.651" idx="4">
+    <p:pos x="10" y="10"/>
+    <p:text>유닛 테스트는 죽었다 라는 말이 있을 정도로 오래 되었고, 이미 유명함</p:text>
+    <p:extLst>
+      <p:ext uri="{C676402C-5697-4E1C-873F-D02D1690AC5C}">
+        <p15:threadingInfo xmlns:p15="http://schemas.microsoft.com/office/powerpoint/2012/main" timeZoneBias="-540"/>
+      </p:ext>
+    </p:extLst>
+  </p:cm>
+</p:cmLst>
+</file>
+
+<file path=ppt/comments/comment2.xml><?xml version="1.0" encoding="utf-8"?>
+<p:cmLst xmlns:a="http://schemas.openxmlformats.org/drawingml/2006/main" xmlns:r="http://schemas.openxmlformats.org/officeDocument/2006/relationships" xmlns:p="http://schemas.openxmlformats.org/presentationml/2006/main">
+  <p:cm authorId="2" dt="2018-07-31T23:57:05.311" idx="5">
+    <p:pos x="10" y="10"/>
+    <p:text>운전 면허 시험을 치기 전에 시뮬레이터로 운전 연습을 해서 실제 시험을 대비함. 
+유닛 테스트도 이와 같이 시연 테스트 전에 빠르게 테스트 할 수 있게 해줌</p:text>
+    <p:extLst>
+      <p:ext uri="{C676402C-5697-4E1C-873F-D02D1690AC5C}">
+        <p15:threadingInfo xmlns:p15="http://schemas.microsoft.com/office/powerpoint/2012/main" timeZoneBias="-540"/>
+      </p:ext>
+    </p:extLst>
+  </p:cm>
+</p:cmLst>
+</file>
+
+<file path=ppt/comments/comment3.xml><?xml version="1.0" encoding="utf-8"?>
 <p:cmLst xmlns:a="http://schemas.openxmlformats.org/drawingml/2006/main" xmlns:r="http://schemas.openxmlformats.org/officeDocument/2006/relationships" xmlns:p="http://schemas.openxmlformats.org/presentationml/2006/main">
   <p:cm authorId="2" dt="2018-07-29T02:27:03.697" idx="3">
     <p:pos x="10" y="10"/>
@@ -293,7 +323,7 @@
           <a:p>
             <a:fld id="{3BBB03BC-09CE-4836-AC1F-7576B8AAE24F}" type="datetimeFigureOut">
               <a:rPr lang="ko-KR" altLang="en-US" smtClean="0"/>
-              <a:t>2018-07-30</a:t>
+              <a:t>2018-07-31</a:t>
             </a:fld>
             <a:endParaRPr lang="ko-KR" altLang="en-US"/>
           </a:p>
@@ -779,7 +809,7 @@
           <a:p>
             <a:fld id="{C764DE79-268F-4C1A-8933-263129D2AF90}" type="datetimeFigureOut">
               <a:rPr lang="en-US" smtClean="0"/>
-              <a:t>7/30/2018</a:t>
+              <a:t>7/31/2018</a:t>
             </a:fld>
             <a:endParaRPr lang="en-US" dirty="0"/>
           </a:p>
@@ -949,7 +979,7 @@
           <a:p>
             <a:fld id="{C764DE79-268F-4C1A-8933-263129D2AF90}" type="datetimeFigureOut">
               <a:rPr lang="en-US" smtClean="0"/>
-              <a:t>7/30/2018</a:t>
+              <a:t>7/31/2018</a:t>
             </a:fld>
             <a:endParaRPr lang="en-US" dirty="0"/>
           </a:p>
@@ -1129,7 +1159,7 @@
           <a:p>
             <a:fld id="{C764DE79-268F-4C1A-8933-263129D2AF90}" type="datetimeFigureOut">
               <a:rPr lang="en-US" smtClean="0"/>
-              <a:t>7/30/2018</a:t>
+              <a:t>7/31/2018</a:t>
             </a:fld>
             <a:endParaRPr lang="en-US" dirty="0"/>
           </a:p>
@@ -1381,7 +1411,7 @@
           <a:p>
             <a:fld id="{C764DE79-268F-4C1A-8933-263129D2AF90}" type="datetimeFigureOut">
               <a:rPr lang="en-US" smtClean="0"/>
-              <a:t>7/30/2018</a:t>
+              <a:t>7/31/2018</a:t>
             </a:fld>
             <a:endParaRPr lang="en-US" dirty="0"/>
           </a:p>
@@ -1627,7 +1657,7 @@
           <a:p>
             <a:fld id="{C764DE79-268F-4C1A-8933-263129D2AF90}" type="datetimeFigureOut">
               <a:rPr lang="en-US" smtClean="0"/>
-              <a:t>7/30/2018</a:t>
+              <a:t>7/31/2018</a:t>
             </a:fld>
             <a:endParaRPr lang="en-US" dirty="0"/>
           </a:p>
@@ -1859,7 +1889,7 @@
           <a:p>
             <a:fld id="{C764DE79-268F-4C1A-8933-263129D2AF90}" type="datetimeFigureOut">
               <a:rPr lang="en-US" smtClean="0"/>
-              <a:t>7/30/2018</a:t>
+              <a:t>7/31/2018</a:t>
             </a:fld>
             <a:endParaRPr lang="en-US" dirty="0"/>
           </a:p>
@@ -2226,7 +2256,7 @@
           <a:p>
             <a:fld id="{C764DE79-268F-4C1A-8933-263129D2AF90}" type="datetimeFigureOut">
               <a:rPr lang="en-US" smtClean="0"/>
-              <a:t>7/30/2018</a:t>
+              <a:t>7/31/2018</a:t>
             </a:fld>
             <a:endParaRPr lang="en-US" dirty="0"/>
           </a:p>
@@ -2344,7 +2374,7 @@
           <a:p>
             <a:fld id="{C764DE79-268F-4C1A-8933-263129D2AF90}" type="datetimeFigureOut">
               <a:rPr lang="en-US" smtClean="0"/>
-              <a:t>7/30/2018</a:t>
+              <a:t>7/31/2018</a:t>
             </a:fld>
             <a:endParaRPr lang="en-US" dirty="0"/>
           </a:p>
@@ -2439,7 +2469,7 @@
           <a:p>
             <a:fld id="{C764DE79-268F-4C1A-8933-263129D2AF90}" type="datetimeFigureOut">
               <a:rPr lang="en-US" smtClean="0"/>
-              <a:t>7/30/2018</a:t>
+              <a:t>7/31/2018</a:t>
             </a:fld>
             <a:endParaRPr lang="en-US" dirty="0"/>
           </a:p>
@@ -2716,7 +2746,7 @@
           <a:p>
             <a:fld id="{C764DE79-268F-4C1A-8933-263129D2AF90}" type="datetimeFigureOut">
               <a:rPr lang="en-US" smtClean="0"/>
-              <a:t>7/30/2018</a:t>
+              <a:t>7/31/2018</a:t>
             </a:fld>
             <a:endParaRPr lang="en-US" dirty="0"/>
           </a:p>
@@ -2973,7 +3003,7 @@
           <a:p>
             <a:fld id="{C764DE79-268F-4C1A-8933-263129D2AF90}" type="datetimeFigureOut">
               <a:rPr lang="en-US" smtClean="0"/>
-              <a:t>7/30/2018</a:t>
+              <a:t>7/31/2018</a:t>
             </a:fld>
             <a:endParaRPr lang="en-US" dirty="0"/>
           </a:p>
@@ -3186,7 +3216,7 @@
           <a:p>
             <a:fld id="{C764DE79-268F-4C1A-8933-263129D2AF90}" type="datetimeFigureOut">
               <a:rPr lang="en-US" smtClean="0"/>
-              <a:t>7/30/2018</a:t>
+              <a:t>7/31/2018</a:t>
             </a:fld>
             <a:endParaRPr lang="en-US" dirty="0"/>
           </a:p>
@@ -4803,7 +4833,7 @@
         <p:spPr>
           <a:xfrm>
             <a:off x="1087041" y="2610683"/>
-            <a:ext cx="20909970" cy="4708981"/>
+            <a:ext cx="20909970" cy="5632311"/>
           </a:xfrm>
           <a:prstGeom prst="rect">
             <a:avLst/>
@@ -4840,6 +4870,17 @@
             <a:r>
               <a:rPr lang="ko-KR" altLang="en-US" sz="6000" dirty="0"/>
               <a:t>유닛 테스트는 전체 보다는 부분 부분을 테스트 하는 것</a:t>
+            </a:r>
+            <a:br>
+              <a:rPr lang="en-US" altLang="ko-KR" sz="6000" dirty="0"/>
+            </a:br>
+            <a:r>
+              <a:rPr lang="ko-KR" altLang="en-US" sz="6000" dirty="0"/>
+              <a:t>부분 부분이 정확하다면 전체도 정확할 </a:t>
+            </a:r>
+            <a:r>
+              <a:rPr lang="ko-KR" altLang="en-US" sz="6000" b="1" dirty="0"/>
+              <a:t>확률이 높음</a:t>
             </a:r>
             <a:br>
               <a:rPr lang="en-US" altLang="ko-KR" sz="6000" dirty="0"/>
@@ -5131,7 +5172,7 @@
         <p:spPr>
           <a:xfrm>
             <a:off x="1055372" y="2332122"/>
-            <a:ext cx="22273255" cy="4708981"/>
+            <a:ext cx="22273255" cy="6555641"/>
           </a:xfrm>
           <a:prstGeom prst="rect">
             <a:avLst/>
@@ -5176,6 +5217,20 @@
             <a:r>
               <a:rPr lang="en-US" altLang="ko-KR" sz="6000" dirty="0"/>
               <a:t>.</a:t>
+            </a:r>
+          </a:p>
+          <a:p>
+            <a:r>
+              <a:rPr lang="ko-KR" altLang="en-US" sz="6000" dirty="0"/>
+              <a:t>정말 중요 보통 시연</a:t>
+            </a:r>
+            <a:r>
+              <a:rPr lang="en-US" altLang="ko-KR" sz="6000" dirty="0"/>
+              <a:t>, QA </a:t>
+            </a:r>
+            <a:r>
+              <a:rPr lang="ko-KR" altLang="en-US" sz="6000" dirty="0"/>
+              <a:t>테스트에서는 성공에 대한 것만 테스트 하지 실패 상황에 대한 테스트를 하기 어려움</a:t>
             </a:r>
             <a:br>
               <a:rPr lang="en-US" altLang="ko-KR" sz="6000" dirty="0"/>
@@ -5705,8 +5760,8 @@
         </p:nvSpPr>
         <p:spPr bwMode="auto">
           <a:xfrm>
-            <a:off x="1365387" y="2486687"/>
-            <a:ext cx="22750638" cy="6067367"/>
+            <a:off x="1156382" y="2051009"/>
+            <a:ext cx="22750638" cy="8144858"/>
           </a:xfrm>
           <a:prstGeom prst="rect">
             <a:avLst/>
@@ -6009,6 +6064,46 @@
                 <a:sym typeface="KoPubDotum Medium" charset="0"/>
               </a:rPr>
               <a:t>서버 개발에서 유닛 테스트</a:t>
+            </a:r>
+            <a:endParaRPr lang="en-US" altLang="ko-KR" sz="9000" b="1" dirty="0">
+              <a:solidFill>
+                <a:schemeClr val="tx1"/>
+              </a:solidFill>
+              <a:latin typeface="맑은 고딕" panose="020B0503020000020004" pitchFamily="50" charset="-127"/>
+              <a:ea typeface="맑은 고딕" panose="020B0503020000020004" pitchFamily="50" charset="-127"/>
+              <a:sym typeface="KoPubDotum Medium" charset="0"/>
+            </a:endParaRPr>
+          </a:p>
+          <a:p>
+            <a:pPr eaLnBrk="1">
+              <a:lnSpc>
+                <a:spcPct val="150000"/>
+              </a:lnSpc>
+              <a:buSzPct val="100000"/>
+              <a:buFontTx/>
+              <a:buAutoNum type="arabicPeriod"/>
+            </a:pPr>
+            <a:r>
+              <a:rPr lang="en-US" altLang="ko-KR" sz="9000" b="1" dirty="0">
+                <a:solidFill>
+                  <a:schemeClr val="tx1"/>
+                </a:solidFill>
+                <a:latin typeface="맑은 고딕" panose="020B0503020000020004" pitchFamily="50" charset="-127"/>
+                <a:ea typeface="맑은 고딕" panose="020B0503020000020004" pitchFamily="50" charset="-127"/>
+                <a:sym typeface="KoPubDotum Medium" charset="0"/>
+              </a:rPr>
+              <a:t> </a:t>
+            </a:r>
+            <a:r>
+              <a:rPr lang="ko-KR" altLang="en-US" sz="9000" b="1" dirty="0">
+                <a:solidFill>
+                  <a:schemeClr val="tx1"/>
+                </a:solidFill>
+                <a:latin typeface="맑은 고딕" panose="020B0503020000020004" pitchFamily="50" charset="-127"/>
+                <a:ea typeface="맑은 고딕" panose="020B0503020000020004" pitchFamily="50" charset="-127"/>
+                <a:sym typeface="KoPubDotum Medium" charset="0"/>
+              </a:rPr>
+              <a:t>마무리</a:t>
             </a:r>
             <a:endParaRPr lang="ko-KR" altLang="ko-KR" sz="9000" b="1" dirty="0">
               <a:solidFill>
@@ -11300,164 +11395,6 @@
 <file path=ppt/slides/slide41.xml><?xml version="1.0" encoding="utf-8"?>
 <p:sld xmlns:a="http://schemas.openxmlformats.org/drawingml/2006/main" xmlns:r="http://schemas.openxmlformats.org/officeDocument/2006/relationships" xmlns:p="http://schemas.openxmlformats.org/presentationml/2006/main">
   <p:cSld>
-    <p:spTree>
-      <p:nvGrpSpPr>
-        <p:cNvPr id="1" name=""/>
-        <p:cNvGrpSpPr/>
-        <p:nvPr/>
-      </p:nvGrpSpPr>
-      <p:grpSpPr>
-        <a:xfrm>
-          <a:off x="0" y="0"/>
-          <a:ext cx="0" cy="0"/>
-          <a:chOff x="0" y="0"/>
-          <a:chExt cx="0" cy="0"/>
-        </a:xfrm>
-      </p:grpSpPr>
-      <p:pic>
-        <p:nvPicPr>
-          <p:cNvPr id="20482" name="Picture 2" descr="http://codezine.jp/static/images/article/6464/6464_fig07.gif">
-            <a:hlinkClick r:id="rId2"/>
-          </p:cNvPr>
-          <p:cNvPicPr>
-            <a:picLocks noChangeAspect="1" noChangeArrowheads="1"/>
-          </p:cNvPicPr>
-          <p:nvPr/>
-        </p:nvPicPr>
-        <p:blipFill>
-          <a:blip r:embed="rId3">
-            <a:extLst>
-              <a:ext uri="{28A0092B-C50C-407E-A947-70E740481C1C}">
-                <a14:useLocalDpi xmlns:a14="http://schemas.microsoft.com/office/drawing/2010/main" val="0"/>
-              </a:ext>
-            </a:extLst>
-          </a:blip>
-          <a:srcRect/>
-          <a:stretch>
-            <a:fillRect/>
-          </a:stretch>
-        </p:blipFill>
-        <p:spPr bwMode="auto">
-          <a:xfrm>
-            <a:off x="1052165" y="1283385"/>
-            <a:ext cx="13286686" cy="11612566"/>
-          </a:xfrm>
-          <a:prstGeom prst="rect">
-            <a:avLst/>
-          </a:prstGeom>
-          <a:noFill/>
-          <a:extLst>
-            <a:ext uri="{909E8E84-426E-40DD-AFC4-6F175D3DCCD1}">
-              <a14:hiddenFill xmlns:a14="http://schemas.microsoft.com/office/drawing/2010/main">
-                <a:solidFill>
-                  <a:srgbClr val="FFFFFF"/>
-                </a:solidFill>
-              </a14:hiddenFill>
-            </a:ext>
-          </a:extLst>
-        </p:spPr>
-      </p:pic>
-      <p:sp>
-        <p:nvSpPr>
-          <p:cNvPr id="2" name="TextBox 1"/>
-          <p:cNvSpPr txBox="1"/>
-          <p:nvPr/>
-        </p:nvSpPr>
-        <p:spPr>
-          <a:xfrm>
-            <a:off x="14719720" y="1283385"/>
-            <a:ext cx="7368208" cy="2123658"/>
-          </a:xfrm>
-          <a:prstGeom prst="rect">
-            <a:avLst/>
-          </a:prstGeom>
-          <a:noFill/>
-        </p:spPr>
-        <p:txBody>
-          <a:bodyPr wrap="square" rtlCol="0">
-            <a:spAutoFit/>
-          </a:bodyPr>
-          <a:lstStyle/>
-          <a:p>
-            <a:r>
-              <a:rPr lang="ko-KR" altLang="en-US" sz="6000" dirty="0"/>
-              <a:t>코드 커버리지</a:t>
-            </a:r>
-            <a:br>
-              <a:rPr lang="en-US" altLang="ko-KR" sz="3600" dirty="0"/>
-            </a:br>
-            <a:br>
-              <a:rPr lang="en-US" altLang="ko-KR" sz="3600" dirty="0"/>
-            </a:br>
-            <a:r>
-              <a:rPr lang="en-US" altLang="ko-KR" sz="3600" dirty="0"/>
-              <a:t>VS </a:t>
-            </a:r>
-            <a:r>
-              <a:rPr lang="ko-KR" altLang="en-US" sz="3600" dirty="0"/>
-              <a:t>버전 프로 이상</a:t>
-            </a:r>
-            <a:r>
-              <a:rPr lang="en-US" altLang="ko-KR" sz="3600" dirty="0"/>
-              <a:t>?</a:t>
-            </a:r>
-            <a:endParaRPr lang="ko-KR" altLang="en-US" sz="3600" dirty="0"/>
-          </a:p>
-        </p:txBody>
-      </p:sp>
-      <p:sp>
-        <p:nvSpPr>
-          <p:cNvPr id="4" name="직사각형 3">
-            <a:extLst>
-              <a:ext uri="{FF2B5EF4-FFF2-40B4-BE49-F238E27FC236}">
-                <a16:creationId xmlns:a16="http://schemas.microsoft.com/office/drawing/2014/main" id="{9EEAD9C2-42B4-4507-8E1E-27ACE7AA3599}"/>
-              </a:ext>
-            </a:extLst>
-          </p:cNvPr>
-          <p:cNvSpPr/>
-          <p:nvPr/>
-        </p:nvSpPr>
-        <p:spPr>
-          <a:xfrm>
-            <a:off x="20618005" y="13312830"/>
-            <a:ext cx="3729419" cy="369332"/>
-          </a:xfrm>
-          <a:prstGeom prst="rect">
-            <a:avLst/>
-          </a:prstGeom>
-        </p:spPr>
-        <p:txBody>
-          <a:bodyPr wrap="none">
-            <a:spAutoFit/>
-          </a:bodyPr>
-          <a:lstStyle/>
-          <a:p>
-            <a:r>
-              <a:rPr lang="en-US" altLang="ko-KR" dirty="0">
-                <a:hlinkClick r:id="rId4"/>
-              </a:rPr>
-              <a:t>http://codezine.jp/article/detail/6464</a:t>
-            </a:r>
-            <a:endParaRPr lang="ko-KR" altLang="en-US" dirty="0"/>
-          </a:p>
-        </p:txBody>
-      </p:sp>
-    </p:spTree>
-    <p:extLst>
-      <p:ext uri="{BB962C8B-B14F-4D97-AF65-F5344CB8AC3E}">
-        <p14:creationId xmlns:p14="http://schemas.microsoft.com/office/powerpoint/2010/main" val="4164506448"/>
-      </p:ext>
-    </p:extLst>
-  </p:cSld>
-  <p:clrMapOvr>
-    <a:masterClrMapping/>
-  </p:clrMapOvr>
-</p:sld>
-</file>
-
-<file path=ppt/slides/slide42.xml><?xml version="1.0" encoding="utf-8"?>
-<p:sld xmlns:a="http://schemas.openxmlformats.org/drawingml/2006/main" xmlns:r="http://schemas.openxmlformats.org/officeDocument/2006/relationships" xmlns:p="http://schemas.openxmlformats.org/presentationml/2006/main">
-  <p:cSld>
     <p:bg>
       <p:bgPr>
         <a:solidFill>
@@ -11563,7 +11500,7 @@
 </p:sld>
 </file>
 
-<file path=ppt/slides/slide43.xml><?xml version="1.0" encoding="utf-8"?>
+<file path=ppt/slides/slide42.xml><?xml version="1.0" encoding="utf-8"?>
 <p:sld xmlns:a="http://schemas.openxmlformats.org/drawingml/2006/main" xmlns:r="http://schemas.openxmlformats.org/officeDocument/2006/relationships" xmlns:p="http://schemas.openxmlformats.org/presentationml/2006/main">
   <p:cSld>
     <p:bg>
@@ -11671,7 +11608,7 @@
 </p:sld>
 </file>
 
-<file path=ppt/slides/slide44.xml><?xml version="1.0" encoding="utf-8"?>
+<file path=ppt/slides/slide43.xml><?xml version="1.0" encoding="utf-8"?>
 <p:sld xmlns:a="http://schemas.openxmlformats.org/drawingml/2006/main" xmlns:r="http://schemas.openxmlformats.org/officeDocument/2006/relationships" xmlns:p="http://schemas.openxmlformats.org/presentationml/2006/main">
   <p:cSld>
     <p:spTree>
@@ -11886,7 +11823,7 @@
 </p:sld>
 </file>
 
-<file path=ppt/slides/slide45.xml><?xml version="1.0" encoding="utf-8"?>
+<file path=ppt/slides/slide44.xml><?xml version="1.0" encoding="utf-8"?>
 <p:sld xmlns:a="http://schemas.openxmlformats.org/drawingml/2006/main" xmlns:r="http://schemas.openxmlformats.org/officeDocument/2006/relationships" xmlns:p="http://schemas.openxmlformats.org/presentationml/2006/main">
   <p:cSld>
     <p:bg>
@@ -11958,7 +11895,7 @@
         <p:spPr bwMode="auto">
           <a:xfrm>
             <a:off x="1184179" y="814478"/>
-            <a:ext cx="3015249" cy="1333698"/>
+            <a:ext cx="13362632" cy="1333698"/>
           </a:xfrm>
           <a:prstGeom prst="rect">
             <a:avLst/>
@@ -12144,7 +12081,97 @@
                 <a:ea typeface="맑은 고딕" panose="020B0503020000020004" pitchFamily="50" charset="-127"/>
                 <a:sym typeface="KoPubDotum Medium" charset="0"/>
               </a:rPr>
-              <a:t>Demo</a:t>
+              <a:t>Demo – </a:t>
+            </a:r>
+            <a:r>
+              <a:rPr lang="ko-KR" altLang="en-US" sz="8000" b="1" dirty="0">
+                <a:solidFill>
+                  <a:schemeClr val="tx1"/>
+                </a:solidFill>
+                <a:effectLst>
+                  <a:outerShdw blurRad="38100" dist="38100" dir="2700000" algn="tl">
+                    <a:srgbClr val="000000">
+                      <a:alpha val="43137"/>
+                    </a:srgbClr>
+                  </a:outerShdw>
+                </a:effectLst>
+                <a:latin typeface="맑은 고딕" panose="020B0503020000020004" pitchFamily="50" charset="-127"/>
+                <a:ea typeface="맑은 고딕" panose="020B0503020000020004" pitchFamily="50" charset="-127"/>
+                <a:sym typeface="KoPubDotum Medium" charset="0"/>
+              </a:rPr>
+              <a:t>자주</a:t>
+            </a:r>
+            <a:r>
+              <a:rPr lang="en-US" altLang="ko-KR" sz="8000" b="1" dirty="0">
+                <a:solidFill>
+                  <a:schemeClr val="tx1"/>
+                </a:solidFill>
+                <a:effectLst>
+                  <a:outerShdw blurRad="38100" dist="38100" dir="2700000" algn="tl">
+                    <a:srgbClr val="000000">
+                      <a:alpha val="43137"/>
+                    </a:srgbClr>
+                  </a:outerShdw>
+                </a:effectLst>
+                <a:latin typeface="맑은 고딕" panose="020B0503020000020004" pitchFamily="50" charset="-127"/>
+                <a:ea typeface="맑은 고딕" panose="020B0503020000020004" pitchFamily="50" charset="-127"/>
+                <a:sym typeface="KoPubDotum Medium" charset="0"/>
+              </a:rPr>
+              <a:t> </a:t>
+            </a:r>
+            <a:r>
+              <a:rPr lang="ko-KR" altLang="en-US" sz="8000" b="1" dirty="0">
+                <a:solidFill>
+                  <a:schemeClr val="tx1"/>
+                </a:solidFill>
+                <a:effectLst>
+                  <a:outerShdw blurRad="38100" dist="38100" dir="2700000" algn="tl">
+                    <a:srgbClr val="000000">
+                      <a:alpha val="43137"/>
+                    </a:srgbClr>
+                  </a:outerShdw>
+                </a:effectLst>
+                <a:latin typeface="맑은 고딕" panose="020B0503020000020004" pitchFamily="50" charset="-127"/>
+                <a:ea typeface="맑은 고딕" panose="020B0503020000020004" pitchFamily="50" charset="-127"/>
+                <a:sym typeface="KoPubDotum Medium" charset="0"/>
+              </a:rPr>
+              <a:t>보는</a:t>
+            </a:r>
+            <a:r>
+              <a:rPr lang="en-US" altLang="ko-KR" sz="8000" b="1" dirty="0">
+                <a:solidFill>
+                  <a:schemeClr val="tx1"/>
+                </a:solidFill>
+                <a:effectLst>
+                  <a:outerShdw blurRad="38100" dist="38100" dir="2700000" algn="tl">
+                    <a:srgbClr val="000000">
+                      <a:alpha val="43137"/>
+                    </a:srgbClr>
+                  </a:outerShdw>
+                </a:effectLst>
+                <a:latin typeface="맑은 고딕" panose="020B0503020000020004" pitchFamily="50" charset="-127"/>
+                <a:ea typeface="맑은 고딕" panose="020B0503020000020004" pitchFamily="50" charset="-127"/>
+                <a:sym typeface="KoPubDotum Medium" charset="0"/>
+              </a:rPr>
+              <a:t>(?)</a:t>
+            </a:r>
+            <a:r>
+              <a:rPr lang="ko-KR" altLang="en-US" sz="8000" b="1" dirty="0">
+                <a:solidFill>
+                  <a:schemeClr val="tx1"/>
+                </a:solidFill>
+                <a:effectLst>
+                  <a:outerShdw blurRad="38100" dist="38100" dir="2700000" algn="tl">
+                    <a:srgbClr val="000000">
+                      <a:alpha val="43137"/>
+                    </a:srgbClr>
+                  </a:outerShdw>
+                </a:effectLst>
+                <a:latin typeface="맑은 고딕" panose="020B0503020000020004" pitchFamily="50" charset="-127"/>
+                <a:ea typeface="맑은 고딕" panose="020B0503020000020004" pitchFamily="50" charset="-127"/>
+                <a:sym typeface="KoPubDotum Medium" charset="0"/>
+              </a:rPr>
+              <a:t> 계산기</a:t>
             </a:r>
             <a:endParaRPr lang="ko-KR" altLang="ko-KR" sz="8000" b="1" dirty="0">
               <a:solidFill>
@@ -12177,7 +12204,7 @@
 </p:sld>
 </file>
 
-<file path=ppt/slides/slide46.xml><?xml version="1.0" encoding="utf-8"?>
+<file path=ppt/slides/slide45.xml><?xml version="1.0" encoding="utf-8"?>
 <p:sld xmlns:a="http://schemas.openxmlformats.org/drawingml/2006/main" xmlns:r="http://schemas.openxmlformats.org/officeDocument/2006/relationships" xmlns:p="http://schemas.openxmlformats.org/presentationml/2006/main">
   <p:cSld>
     <p:bg>
@@ -12275,7 +12302,7 @@
 </p:sld>
 </file>
 
-<file path=ppt/slides/slide47.xml><?xml version="1.0" encoding="utf-8"?>
+<file path=ppt/slides/slide46.xml><?xml version="1.0" encoding="utf-8"?>
 <p:sld xmlns:a="http://schemas.openxmlformats.org/drawingml/2006/main" xmlns:r="http://schemas.openxmlformats.org/officeDocument/2006/relationships" xmlns:p="http://schemas.openxmlformats.org/presentationml/2006/main">
   <p:cSld>
     <p:bg>
@@ -12300,6 +12327,277 @@
           <a:chExt cx="0" cy="0"/>
         </a:xfrm>
       </p:grpSpPr>
+      <p:sp>
+        <p:nvSpPr>
+          <p:cNvPr id="2" name="Rectangle 2">
+            <a:extLst>
+              <a:ext uri="{FF2B5EF4-FFF2-40B4-BE49-F238E27FC236}">
+                <a16:creationId xmlns:a16="http://schemas.microsoft.com/office/drawing/2014/main" id="{40742E15-A3F2-461C-9858-CE82C393FCDA}"/>
+              </a:ext>
+            </a:extLst>
+          </p:cNvPr>
+          <p:cNvSpPr>
+            <a:spLocks/>
+          </p:cNvSpPr>
+          <p:nvPr/>
+        </p:nvSpPr>
+        <p:spPr bwMode="auto">
+          <a:xfrm>
+            <a:off x="1184179" y="814478"/>
+            <a:ext cx="8726748" cy="1333698"/>
+          </a:xfrm>
+          <a:prstGeom prst="rect">
+            <a:avLst/>
+          </a:prstGeom>
+          <a:noFill/>
+          <a:ln>
+            <a:noFill/>
+          </a:ln>
+          <a:effectLst/>
+          <a:extLst>
+            <a:ext uri="{909E8E84-426E-40DD-AFC4-6F175D3DCCD1}">
+              <a14:hiddenFill xmlns:a14="http://schemas.microsoft.com/office/drawing/2010/main">
+                <a:solidFill>
+                  <a:srgbClr val="FFFFFF"/>
+                </a:solidFill>
+              </a14:hiddenFill>
+            </a:ext>
+            <a:ext uri="{91240B29-F687-4F45-9708-019B960494DF}">
+              <a14:hiddenLine xmlns:a14="http://schemas.microsoft.com/office/drawing/2010/main" w="12700">
+                <a:solidFill>
+                  <a:srgbClr val="000000"/>
+                </a:solidFill>
+                <a:miter lim="0"/>
+                <a:headEnd/>
+                <a:tailEnd/>
+              </a14:hiddenLine>
+            </a:ext>
+            <a:ext uri="{AF507438-7753-43E0-B8FC-AC1667EBCBE1}">
+              <a14:hiddenEffects xmlns:a14="http://schemas.microsoft.com/office/drawing/2010/main">
+                <a:effectLst>
+                  <a:outerShdw dist="35921" dir="2700000" algn="ctr" rotWithShape="0">
+                    <a:srgbClr val="808080"/>
+                  </a:outerShdw>
+                </a:effectLst>
+              </a14:hiddenEffects>
+            </a:ext>
+          </a:extLst>
+        </p:spPr>
+        <p:txBody>
+          <a:bodyPr wrap="none" lIns="50800" tIns="50800" rIns="50800" bIns="50800" anchor="ctr">
+            <a:spAutoFit/>
+          </a:bodyPr>
+          <a:lstStyle>
+            <a:lvl1pPr>
+              <a:defRPr sz="5000">
+                <a:solidFill>
+                  <a:srgbClr val="000000"/>
+                </a:solidFill>
+                <a:latin typeface="Helvetica Light" charset="0"/>
+                <a:ea typeface="Helvetica Light" charset="0"/>
+                <a:cs typeface="Helvetica Light" charset="0"/>
+                <a:sym typeface="Helvetica Light" charset="0"/>
+              </a:defRPr>
+            </a:lvl1pPr>
+            <a:lvl2pPr marL="742950" indent="-285750">
+              <a:defRPr sz="5000">
+                <a:solidFill>
+                  <a:srgbClr val="000000"/>
+                </a:solidFill>
+                <a:latin typeface="Helvetica Light" charset="0"/>
+                <a:ea typeface="Helvetica Light" charset="0"/>
+                <a:cs typeface="Helvetica Light" charset="0"/>
+                <a:sym typeface="Helvetica Light" charset="0"/>
+              </a:defRPr>
+            </a:lvl2pPr>
+            <a:lvl3pPr marL="1143000" indent="-228600">
+              <a:defRPr sz="5000">
+                <a:solidFill>
+                  <a:srgbClr val="000000"/>
+                </a:solidFill>
+                <a:latin typeface="Helvetica Light" charset="0"/>
+                <a:ea typeface="Helvetica Light" charset="0"/>
+                <a:cs typeface="Helvetica Light" charset="0"/>
+                <a:sym typeface="Helvetica Light" charset="0"/>
+              </a:defRPr>
+            </a:lvl3pPr>
+            <a:lvl4pPr marL="1600200" indent="-228600">
+              <a:defRPr sz="5000">
+                <a:solidFill>
+                  <a:srgbClr val="000000"/>
+                </a:solidFill>
+                <a:latin typeface="Helvetica Light" charset="0"/>
+                <a:ea typeface="Helvetica Light" charset="0"/>
+                <a:cs typeface="Helvetica Light" charset="0"/>
+                <a:sym typeface="Helvetica Light" charset="0"/>
+              </a:defRPr>
+            </a:lvl4pPr>
+            <a:lvl5pPr marL="2057400" indent="-228600">
+              <a:defRPr sz="5000">
+                <a:solidFill>
+                  <a:srgbClr val="000000"/>
+                </a:solidFill>
+                <a:latin typeface="Helvetica Light" charset="0"/>
+                <a:ea typeface="Helvetica Light" charset="0"/>
+                <a:cs typeface="Helvetica Light" charset="0"/>
+                <a:sym typeface="Helvetica Light" charset="0"/>
+              </a:defRPr>
+            </a:lvl5pPr>
+            <a:lvl6pPr marL="2514600" indent="-228600" defTabSz="825500" eaLnBrk="0" fontAlgn="base" hangingPunct="0">
+              <a:spcBef>
+                <a:spcPct val="0"/>
+              </a:spcBef>
+              <a:spcAft>
+                <a:spcPct val="0"/>
+              </a:spcAft>
+              <a:defRPr sz="5000">
+                <a:solidFill>
+                  <a:srgbClr val="000000"/>
+                </a:solidFill>
+                <a:latin typeface="Helvetica Light" charset="0"/>
+                <a:ea typeface="Helvetica Light" charset="0"/>
+                <a:cs typeface="Helvetica Light" charset="0"/>
+                <a:sym typeface="Helvetica Light" charset="0"/>
+              </a:defRPr>
+            </a:lvl6pPr>
+            <a:lvl7pPr marL="2971800" indent="-228600" defTabSz="825500" eaLnBrk="0" fontAlgn="base" hangingPunct="0">
+              <a:spcBef>
+                <a:spcPct val="0"/>
+              </a:spcBef>
+              <a:spcAft>
+                <a:spcPct val="0"/>
+              </a:spcAft>
+              <a:defRPr sz="5000">
+                <a:solidFill>
+                  <a:srgbClr val="000000"/>
+                </a:solidFill>
+                <a:latin typeface="Helvetica Light" charset="0"/>
+                <a:ea typeface="Helvetica Light" charset="0"/>
+                <a:cs typeface="Helvetica Light" charset="0"/>
+                <a:sym typeface="Helvetica Light" charset="0"/>
+              </a:defRPr>
+            </a:lvl7pPr>
+            <a:lvl8pPr marL="3429000" indent="-228600" defTabSz="825500" eaLnBrk="0" fontAlgn="base" hangingPunct="0">
+              <a:spcBef>
+                <a:spcPct val="0"/>
+              </a:spcBef>
+              <a:spcAft>
+                <a:spcPct val="0"/>
+              </a:spcAft>
+              <a:defRPr sz="5000">
+                <a:solidFill>
+                  <a:srgbClr val="000000"/>
+                </a:solidFill>
+                <a:latin typeface="Helvetica Light" charset="0"/>
+                <a:ea typeface="Helvetica Light" charset="0"/>
+                <a:cs typeface="Helvetica Light" charset="0"/>
+                <a:sym typeface="Helvetica Light" charset="0"/>
+              </a:defRPr>
+            </a:lvl8pPr>
+            <a:lvl9pPr marL="3886200" indent="-228600" defTabSz="825500" eaLnBrk="0" fontAlgn="base" hangingPunct="0">
+              <a:spcBef>
+                <a:spcPct val="0"/>
+              </a:spcBef>
+              <a:spcAft>
+                <a:spcPct val="0"/>
+              </a:spcAft>
+              <a:defRPr sz="5000">
+                <a:solidFill>
+                  <a:srgbClr val="000000"/>
+                </a:solidFill>
+                <a:latin typeface="Helvetica Light" charset="0"/>
+                <a:ea typeface="Helvetica Light" charset="0"/>
+                <a:cs typeface="Helvetica Light" charset="0"/>
+                <a:sym typeface="Helvetica Light" charset="0"/>
+              </a:defRPr>
+            </a:lvl9pPr>
+          </a:lstStyle>
+          <a:p>
+            <a:pPr eaLnBrk="1"/>
+            <a:r>
+              <a:rPr lang="en-US" altLang="ko-KR" sz="8000" b="1" dirty="0">
+                <a:solidFill>
+                  <a:schemeClr val="tx1"/>
+                </a:solidFill>
+                <a:effectLst>
+                  <a:outerShdw blurRad="38100" dist="38100" dir="2700000" algn="tl">
+                    <a:srgbClr val="000000">
+                      <a:alpha val="43137"/>
+                    </a:srgbClr>
+                  </a:outerShdw>
+                </a:effectLst>
+                <a:latin typeface="맑은 고딕" panose="020B0503020000020004" pitchFamily="50" charset="-127"/>
+                <a:ea typeface="맑은 고딕" panose="020B0503020000020004" pitchFamily="50" charset="-127"/>
+                <a:sym typeface="KoPubDotum Medium" charset="0"/>
+              </a:rPr>
+              <a:t>Demo – </a:t>
+            </a:r>
+            <a:r>
+              <a:rPr lang="ko-KR" altLang="en-US" sz="8000" b="1" dirty="0">
+                <a:solidFill>
+                  <a:schemeClr val="tx1"/>
+                </a:solidFill>
+                <a:effectLst>
+                  <a:outerShdw blurRad="38100" dist="38100" dir="2700000" algn="tl">
+                    <a:srgbClr val="000000">
+                      <a:alpha val="43137"/>
+                    </a:srgbClr>
+                  </a:outerShdw>
+                </a:effectLst>
+                <a:latin typeface="맑은 고딕" panose="020B0503020000020004" pitchFamily="50" charset="-127"/>
+                <a:ea typeface="맑은 고딕" panose="020B0503020000020004" pitchFamily="50" charset="-127"/>
+                <a:sym typeface="KoPubDotum Medium" charset="0"/>
+              </a:rPr>
+              <a:t>채팅 서버</a:t>
+            </a:r>
+            <a:endParaRPr lang="ko-KR" altLang="ko-KR" sz="8000" b="1" dirty="0">
+              <a:solidFill>
+                <a:schemeClr val="tx1"/>
+              </a:solidFill>
+              <a:effectLst>
+                <a:outerShdw blurRad="38100" dist="38100" dir="2700000" algn="tl">
+                  <a:srgbClr val="000000">
+                    <a:alpha val="43137"/>
+                  </a:srgbClr>
+                </a:outerShdw>
+              </a:effectLst>
+              <a:latin typeface="맑은 고딕" panose="020B0503020000020004" pitchFamily="50" charset="-127"/>
+              <a:ea typeface="맑은 고딕" panose="020B0503020000020004" pitchFamily="50" charset="-127"/>
+              <a:sym typeface="KoPubDotum Medium" charset="0"/>
+            </a:endParaRPr>
+          </a:p>
+        </p:txBody>
+      </p:sp>
+      <p:pic>
+        <p:nvPicPr>
+          <p:cNvPr id="3" name="그림 2">
+            <a:extLst>
+              <a:ext uri="{FF2B5EF4-FFF2-40B4-BE49-F238E27FC236}">
+                <a16:creationId xmlns:a16="http://schemas.microsoft.com/office/drawing/2014/main" id="{432713A0-76FB-4EC0-9DE8-0DC82EB2F67A}"/>
+              </a:ext>
+            </a:extLst>
+          </p:cNvPr>
+          <p:cNvPicPr>
+            <a:picLocks noChangeAspect="1"/>
+          </p:cNvPicPr>
+          <p:nvPr/>
+        </p:nvPicPr>
+        <p:blipFill>
+          <a:blip r:embed="rId2"/>
+          <a:stretch>
+            <a:fillRect/>
+          </a:stretch>
+        </p:blipFill>
+        <p:spPr>
+          <a:xfrm>
+            <a:off x="4408986" y="2569301"/>
+            <a:ext cx="16157229" cy="9605282"/>
+          </a:xfrm>
+          <a:prstGeom prst="rect">
+            <a:avLst/>
+          </a:prstGeom>
+        </p:spPr>
+      </p:pic>
     </p:spTree>
     <p:extLst>
       <p:ext uri="{BB962C8B-B14F-4D97-AF65-F5344CB8AC3E}">
@@ -12313,7 +12611,7 @@
 </p:sld>
 </file>
 
-<file path=ppt/slides/slide48.xml><?xml version="1.0" encoding="utf-8"?>
+<file path=ppt/slides/slide47.xml><?xml version="1.0" encoding="utf-8"?>
 <p:sld xmlns:a="http://schemas.openxmlformats.org/drawingml/2006/main" xmlns:r="http://schemas.openxmlformats.org/officeDocument/2006/relationships" xmlns:p="http://schemas.openxmlformats.org/presentationml/2006/main">
   <p:cSld>
     <p:bg>
@@ -12439,7 +12737,7 @@
 </p:sld>
 </file>
 
-<file path=ppt/slides/slide49.xml><?xml version="1.0" encoding="utf-8"?>
+<file path=ppt/slides/slide48.xml><?xml version="1.0" encoding="utf-8"?>
 <p:sld xmlns:a="http://schemas.openxmlformats.org/drawingml/2006/main" xmlns:r="http://schemas.openxmlformats.org/officeDocument/2006/relationships" xmlns:p="http://schemas.openxmlformats.org/presentationml/2006/main">
   <p:cSld>
     <p:bg>
@@ -12678,6 +12976,304 @@
     <p:extLst>
       <p:ext uri="{BB962C8B-B14F-4D97-AF65-F5344CB8AC3E}">
         <p14:creationId xmlns:p14="http://schemas.microsoft.com/office/powerpoint/2010/main" val="1873575295"/>
+      </p:ext>
+    </p:extLst>
+  </p:cSld>
+  <p:clrMapOvr>
+    <a:masterClrMapping/>
+  </p:clrMapOvr>
+</p:sld>
+</file>
+
+<file path=ppt/slides/slide49.xml><?xml version="1.0" encoding="utf-8"?>
+<p:sld xmlns:a="http://schemas.openxmlformats.org/drawingml/2006/main" xmlns:r="http://schemas.openxmlformats.org/officeDocument/2006/relationships" xmlns:p="http://schemas.openxmlformats.org/presentationml/2006/main">
+  <p:cSld>
+    <p:bg>
+      <p:bgPr>
+        <a:solidFill>
+          <a:schemeClr val="bg1"/>
+        </a:solidFill>
+        <a:effectLst/>
+      </p:bgPr>
+    </p:bg>
+    <p:spTree>
+      <p:nvGrpSpPr>
+        <p:cNvPr id="1" name=""/>
+        <p:cNvGrpSpPr/>
+        <p:nvPr/>
+      </p:nvGrpSpPr>
+      <p:grpSpPr>
+        <a:xfrm>
+          <a:off x="0" y="0"/>
+          <a:ext cx="0" cy="0"/>
+          <a:chOff x="0" y="0"/>
+          <a:chExt cx="0" cy="0"/>
+        </a:xfrm>
+      </p:grpSpPr>
+      <p:sp>
+        <p:nvSpPr>
+          <p:cNvPr id="3" name="TextBox 2">
+            <a:extLst>
+              <a:ext uri="{FF2B5EF4-FFF2-40B4-BE49-F238E27FC236}">
+                <a16:creationId xmlns:a16="http://schemas.microsoft.com/office/drawing/2014/main" id="{04D5719F-0E40-4D93-9E8A-617AB94960B9}"/>
+              </a:ext>
+            </a:extLst>
+          </p:cNvPr>
+          <p:cNvSpPr txBox="1"/>
+          <p:nvPr/>
+        </p:nvSpPr>
+        <p:spPr>
+          <a:xfrm>
+            <a:off x="1446213" y="1967292"/>
+            <a:ext cx="21557312" cy="1200329"/>
+          </a:xfrm>
+          <a:prstGeom prst="rect">
+            <a:avLst/>
+          </a:prstGeom>
+          <a:noFill/>
+        </p:spPr>
+        <p:txBody>
+          <a:bodyPr wrap="square" rtlCol="0">
+            <a:spAutoFit/>
+          </a:bodyPr>
+          <a:lstStyle/>
+          <a:p>
+            <a:r>
+              <a:rPr lang="ko-KR" altLang="en-US" sz="7200" b="1" dirty="0" err="1"/>
+              <a:t>유닛테스트를</a:t>
+            </a:r>
+            <a:r>
+              <a:rPr lang="ko-KR" altLang="en-US" sz="7200" b="1" dirty="0"/>
+              <a:t> 할 때는 해당 기능만 테스트 해야 한다</a:t>
+            </a:r>
+          </a:p>
+        </p:txBody>
+      </p:sp>
+      <p:sp>
+        <p:nvSpPr>
+          <p:cNvPr id="4" name="TextBox 3">
+            <a:extLst>
+              <a:ext uri="{FF2B5EF4-FFF2-40B4-BE49-F238E27FC236}">
+                <a16:creationId xmlns:a16="http://schemas.microsoft.com/office/drawing/2014/main" id="{1BB3CD05-F293-44CC-96B1-14851DB92083}"/>
+              </a:ext>
+            </a:extLst>
+          </p:cNvPr>
+          <p:cNvSpPr txBox="1"/>
+          <p:nvPr/>
+        </p:nvSpPr>
+        <p:spPr>
+          <a:xfrm>
+            <a:off x="4739508" y="4029774"/>
+            <a:ext cx="12707243" cy="8402300"/>
+          </a:xfrm>
+          <a:prstGeom prst="rect">
+            <a:avLst/>
+          </a:prstGeom>
+          <a:noFill/>
+        </p:spPr>
+        <p:txBody>
+          <a:bodyPr wrap="square" rtlCol="0">
+            <a:spAutoFit/>
+          </a:bodyPr>
+          <a:lstStyle/>
+          <a:p>
+            <a:r>
+              <a:rPr lang="en-US" altLang="ko-KR" sz="5400" dirty="0"/>
+              <a:t>class </a:t>
+            </a:r>
+            <a:r>
+              <a:rPr lang="en-US" altLang="ko-KR" sz="5400" dirty="0" err="1"/>
+              <a:t>class</a:t>
+            </a:r>
+            <a:r>
+              <a:rPr lang="en-US" altLang="ko-KR" sz="5400" dirty="0"/>
+              <a:t> </a:t>
+            </a:r>
+            <a:r>
+              <a:rPr lang="en-US" altLang="ko-KR" sz="5400" dirty="0" err="1"/>
+              <a:t>MembserManager</a:t>
+            </a:r>
+            <a:endParaRPr lang="en-US" altLang="ko-KR" sz="5400" dirty="0"/>
+          </a:p>
+          <a:p>
+            <a:r>
+              <a:rPr lang="en-US" altLang="ko-KR" sz="5400" dirty="0"/>
+              <a:t>{</a:t>
+            </a:r>
+          </a:p>
+          <a:p>
+            <a:r>
+              <a:rPr lang="en-US" altLang="ko-KR" sz="5400" dirty="0"/>
+              <a:t>    ……</a:t>
+            </a:r>
+          </a:p>
+          <a:p>
+            <a:r>
+              <a:rPr lang="en-US" altLang="ko-KR" sz="5400" dirty="0"/>
+              <a:t>    void </a:t>
+            </a:r>
+            <a:r>
+              <a:rPr lang="en-US" altLang="ko-KR" sz="5400" dirty="0" err="1"/>
+              <a:t>AddMember</a:t>
+            </a:r>
+            <a:r>
+              <a:rPr lang="en-US" altLang="ko-KR" sz="5400" dirty="0"/>
+              <a:t>(Player* </a:t>
+            </a:r>
+            <a:r>
+              <a:rPr lang="en-US" altLang="ko-KR" sz="5400" dirty="0" err="1"/>
+              <a:t>pNewPlayer</a:t>
+            </a:r>
+            <a:r>
+              <a:rPr lang="en-US" altLang="ko-KR" sz="5400" dirty="0"/>
+              <a:t>)</a:t>
+            </a:r>
+          </a:p>
+          <a:p>
+            <a:r>
+              <a:rPr lang="en-US" altLang="ko-KR" sz="5400" dirty="0"/>
+              <a:t>    {</a:t>
+            </a:r>
+          </a:p>
+          <a:p>
+            <a:r>
+              <a:rPr lang="en-US" altLang="ko-KR" sz="5400" dirty="0"/>
+              <a:t>        // </a:t>
+            </a:r>
+            <a:r>
+              <a:rPr lang="ko-KR" altLang="en-US" sz="5400" dirty="0"/>
+              <a:t>조건 조사</a:t>
+            </a:r>
+            <a:endParaRPr lang="en-US" altLang="ko-KR" sz="5400" dirty="0"/>
+          </a:p>
+          <a:p>
+            <a:r>
+              <a:rPr lang="en-US" altLang="ko-KR" sz="5400" dirty="0"/>
+              <a:t>        // </a:t>
+            </a:r>
+            <a:r>
+              <a:rPr lang="ko-KR" altLang="en-US" sz="5400" dirty="0"/>
+              <a:t>컨테이너에 추가</a:t>
+            </a:r>
+            <a:endParaRPr lang="en-US" altLang="ko-KR" sz="5400" dirty="0"/>
+          </a:p>
+          <a:p>
+            <a:r>
+              <a:rPr lang="en-US" altLang="ko-KR" sz="5400" dirty="0"/>
+              <a:t>        // </a:t>
+            </a:r>
+            <a:r>
+              <a:rPr lang="ko-KR" altLang="en-US" sz="5400" dirty="0"/>
+              <a:t>네트워크로 다른 멤버들에게 통보</a:t>
+            </a:r>
+            <a:endParaRPr lang="en-US" altLang="ko-KR" sz="5400" dirty="0"/>
+          </a:p>
+          <a:p>
+            <a:r>
+              <a:rPr lang="en-US" altLang="ko-KR" sz="5400" dirty="0"/>
+              <a:t>     }</a:t>
+            </a:r>
+          </a:p>
+          <a:p>
+            <a:r>
+              <a:rPr lang="en-US" altLang="ko-KR" sz="5400" dirty="0"/>
+              <a:t>};</a:t>
+            </a:r>
+            <a:endParaRPr lang="ko-KR" altLang="en-US" sz="5400" dirty="0"/>
+          </a:p>
+        </p:txBody>
+      </p:sp>
+      <p:sp>
+        <p:nvSpPr>
+          <p:cNvPr id="6" name="직사각형 5">
+            <a:extLst>
+              <a:ext uri="{FF2B5EF4-FFF2-40B4-BE49-F238E27FC236}">
+                <a16:creationId xmlns:a16="http://schemas.microsoft.com/office/drawing/2014/main" id="{0E03837F-448B-4EAB-A104-476343D4D5B7}"/>
+              </a:ext>
+            </a:extLst>
+          </p:cNvPr>
+          <p:cNvSpPr/>
+          <p:nvPr/>
+        </p:nvSpPr>
+        <p:spPr>
+          <a:xfrm>
+            <a:off x="5732625" y="9871022"/>
+            <a:ext cx="11714126" cy="864034"/>
+          </a:xfrm>
+          <a:prstGeom prst="rect">
+            <a:avLst/>
+          </a:prstGeom>
+          <a:noFill/>
+          <a:ln w="28575">
+            <a:solidFill>
+              <a:srgbClr val="FF0000"/>
+            </a:solidFill>
+          </a:ln>
+        </p:spPr>
+        <p:style>
+          <a:lnRef idx="2">
+            <a:schemeClr val="accent1">
+              <a:shade val="50000"/>
+            </a:schemeClr>
+          </a:lnRef>
+          <a:fillRef idx="1">
+            <a:schemeClr val="accent1"/>
+          </a:fillRef>
+          <a:effectRef idx="0">
+            <a:schemeClr val="accent1"/>
+          </a:effectRef>
+          <a:fontRef idx="minor">
+            <a:schemeClr val="lt1"/>
+          </a:fontRef>
+        </p:style>
+        <p:txBody>
+          <a:bodyPr rtlCol="0" anchor="ctr"/>
+          <a:lstStyle/>
+          <a:p>
+            <a:pPr algn="ctr"/>
+            <a:endParaRPr lang="ko-KR" altLang="en-US" sz="5400"/>
+          </a:p>
+        </p:txBody>
+      </p:sp>
+      <p:sp>
+        <p:nvSpPr>
+          <p:cNvPr id="7" name="TextBox 6">
+            <a:extLst>
+              <a:ext uri="{FF2B5EF4-FFF2-40B4-BE49-F238E27FC236}">
+                <a16:creationId xmlns:a16="http://schemas.microsoft.com/office/drawing/2014/main" id="{99C9164D-3354-4D93-A922-F05AEE9BDFDE}"/>
+              </a:ext>
+            </a:extLst>
+          </p:cNvPr>
+          <p:cNvSpPr txBox="1"/>
+          <p:nvPr/>
+        </p:nvSpPr>
+        <p:spPr>
+          <a:xfrm>
+            <a:off x="17446751" y="9871022"/>
+            <a:ext cx="5203599" cy="923330"/>
+          </a:xfrm>
+          <a:prstGeom prst="rect">
+            <a:avLst/>
+          </a:prstGeom>
+          <a:noFill/>
+        </p:spPr>
+        <p:txBody>
+          <a:bodyPr wrap="square" rtlCol="0">
+            <a:spAutoFit/>
+          </a:bodyPr>
+          <a:lstStyle/>
+          <a:p>
+            <a:r>
+              <a:rPr lang="ko-KR" altLang="en-US" sz="5400" b="1" dirty="0"/>
+              <a:t>테스트에서 제외</a:t>
+            </a:r>
+          </a:p>
+        </p:txBody>
+      </p:sp>
+    </p:spTree>
+    <p:extLst>
+      <p:ext uri="{BB962C8B-B14F-4D97-AF65-F5344CB8AC3E}">
+        <p14:creationId xmlns:p14="http://schemas.microsoft.com/office/powerpoint/2010/main" val="2683268354"/>
       </p:ext>
     </p:extLst>
   </p:cSld>
@@ -12825,304 +13421,6 @@
           <p:cNvPr id="3" name="TextBox 2">
             <a:extLst>
               <a:ext uri="{FF2B5EF4-FFF2-40B4-BE49-F238E27FC236}">
-                <a16:creationId xmlns:a16="http://schemas.microsoft.com/office/drawing/2014/main" id="{04D5719F-0E40-4D93-9E8A-617AB94960B9}"/>
-              </a:ext>
-            </a:extLst>
-          </p:cNvPr>
-          <p:cNvSpPr txBox="1"/>
-          <p:nvPr/>
-        </p:nvSpPr>
-        <p:spPr>
-          <a:xfrm>
-            <a:off x="1446213" y="1967292"/>
-            <a:ext cx="21557312" cy="1200329"/>
-          </a:xfrm>
-          <a:prstGeom prst="rect">
-            <a:avLst/>
-          </a:prstGeom>
-          <a:noFill/>
-        </p:spPr>
-        <p:txBody>
-          <a:bodyPr wrap="square" rtlCol="0">
-            <a:spAutoFit/>
-          </a:bodyPr>
-          <a:lstStyle/>
-          <a:p>
-            <a:r>
-              <a:rPr lang="ko-KR" altLang="en-US" sz="7200" b="1" dirty="0" err="1"/>
-              <a:t>유닛테스트를</a:t>
-            </a:r>
-            <a:r>
-              <a:rPr lang="ko-KR" altLang="en-US" sz="7200" b="1" dirty="0"/>
-              <a:t> 할 때는 해당 기능만 테스트 해야 한다</a:t>
-            </a:r>
-          </a:p>
-        </p:txBody>
-      </p:sp>
-      <p:sp>
-        <p:nvSpPr>
-          <p:cNvPr id="4" name="TextBox 3">
-            <a:extLst>
-              <a:ext uri="{FF2B5EF4-FFF2-40B4-BE49-F238E27FC236}">
-                <a16:creationId xmlns:a16="http://schemas.microsoft.com/office/drawing/2014/main" id="{1BB3CD05-F293-44CC-96B1-14851DB92083}"/>
-              </a:ext>
-            </a:extLst>
-          </p:cNvPr>
-          <p:cNvSpPr txBox="1"/>
-          <p:nvPr/>
-        </p:nvSpPr>
-        <p:spPr>
-          <a:xfrm>
-            <a:off x="4739508" y="4029774"/>
-            <a:ext cx="12707243" cy="8402300"/>
-          </a:xfrm>
-          <a:prstGeom prst="rect">
-            <a:avLst/>
-          </a:prstGeom>
-          <a:noFill/>
-        </p:spPr>
-        <p:txBody>
-          <a:bodyPr wrap="square" rtlCol="0">
-            <a:spAutoFit/>
-          </a:bodyPr>
-          <a:lstStyle/>
-          <a:p>
-            <a:r>
-              <a:rPr lang="en-US" altLang="ko-KR" sz="5400" dirty="0"/>
-              <a:t>class </a:t>
-            </a:r>
-            <a:r>
-              <a:rPr lang="en-US" altLang="ko-KR" sz="5400" dirty="0" err="1"/>
-              <a:t>class</a:t>
-            </a:r>
-            <a:r>
-              <a:rPr lang="en-US" altLang="ko-KR" sz="5400" dirty="0"/>
-              <a:t> </a:t>
-            </a:r>
-            <a:r>
-              <a:rPr lang="en-US" altLang="ko-KR" sz="5400" dirty="0" err="1"/>
-              <a:t>MembserManager</a:t>
-            </a:r>
-            <a:endParaRPr lang="en-US" altLang="ko-KR" sz="5400" dirty="0"/>
-          </a:p>
-          <a:p>
-            <a:r>
-              <a:rPr lang="en-US" altLang="ko-KR" sz="5400" dirty="0"/>
-              <a:t>{</a:t>
-            </a:r>
-          </a:p>
-          <a:p>
-            <a:r>
-              <a:rPr lang="en-US" altLang="ko-KR" sz="5400" dirty="0"/>
-              <a:t>    ……</a:t>
-            </a:r>
-          </a:p>
-          <a:p>
-            <a:r>
-              <a:rPr lang="en-US" altLang="ko-KR" sz="5400" dirty="0"/>
-              <a:t>    void </a:t>
-            </a:r>
-            <a:r>
-              <a:rPr lang="en-US" altLang="ko-KR" sz="5400" dirty="0" err="1"/>
-              <a:t>AddMember</a:t>
-            </a:r>
-            <a:r>
-              <a:rPr lang="en-US" altLang="ko-KR" sz="5400" dirty="0"/>
-              <a:t>(Player* </a:t>
-            </a:r>
-            <a:r>
-              <a:rPr lang="en-US" altLang="ko-KR" sz="5400" dirty="0" err="1"/>
-              <a:t>pNewPlayer</a:t>
-            </a:r>
-            <a:r>
-              <a:rPr lang="en-US" altLang="ko-KR" sz="5400" dirty="0"/>
-              <a:t>)</a:t>
-            </a:r>
-          </a:p>
-          <a:p>
-            <a:r>
-              <a:rPr lang="en-US" altLang="ko-KR" sz="5400" dirty="0"/>
-              <a:t>    {</a:t>
-            </a:r>
-          </a:p>
-          <a:p>
-            <a:r>
-              <a:rPr lang="en-US" altLang="ko-KR" sz="5400" dirty="0"/>
-              <a:t>        // </a:t>
-            </a:r>
-            <a:r>
-              <a:rPr lang="ko-KR" altLang="en-US" sz="5400" dirty="0"/>
-              <a:t>조건 조사</a:t>
-            </a:r>
-            <a:endParaRPr lang="en-US" altLang="ko-KR" sz="5400" dirty="0"/>
-          </a:p>
-          <a:p>
-            <a:r>
-              <a:rPr lang="en-US" altLang="ko-KR" sz="5400" dirty="0"/>
-              <a:t>        // </a:t>
-            </a:r>
-            <a:r>
-              <a:rPr lang="ko-KR" altLang="en-US" sz="5400" dirty="0"/>
-              <a:t>컨테이너에 추가</a:t>
-            </a:r>
-            <a:endParaRPr lang="en-US" altLang="ko-KR" sz="5400" dirty="0"/>
-          </a:p>
-          <a:p>
-            <a:r>
-              <a:rPr lang="en-US" altLang="ko-KR" sz="5400" dirty="0"/>
-              <a:t>        // </a:t>
-            </a:r>
-            <a:r>
-              <a:rPr lang="ko-KR" altLang="en-US" sz="5400" dirty="0"/>
-              <a:t>네트워크로 다른 멤버들에게 통보</a:t>
-            </a:r>
-            <a:endParaRPr lang="en-US" altLang="ko-KR" sz="5400" dirty="0"/>
-          </a:p>
-          <a:p>
-            <a:r>
-              <a:rPr lang="en-US" altLang="ko-KR" sz="5400" dirty="0"/>
-              <a:t>     }</a:t>
-            </a:r>
-          </a:p>
-          <a:p>
-            <a:r>
-              <a:rPr lang="en-US" altLang="ko-KR" sz="5400" dirty="0"/>
-              <a:t>};</a:t>
-            </a:r>
-            <a:endParaRPr lang="ko-KR" altLang="en-US" sz="5400" dirty="0"/>
-          </a:p>
-        </p:txBody>
-      </p:sp>
-      <p:sp>
-        <p:nvSpPr>
-          <p:cNvPr id="6" name="직사각형 5">
-            <a:extLst>
-              <a:ext uri="{FF2B5EF4-FFF2-40B4-BE49-F238E27FC236}">
-                <a16:creationId xmlns:a16="http://schemas.microsoft.com/office/drawing/2014/main" id="{0E03837F-448B-4EAB-A104-476343D4D5B7}"/>
-              </a:ext>
-            </a:extLst>
-          </p:cNvPr>
-          <p:cNvSpPr/>
-          <p:nvPr/>
-        </p:nvSpPr>
-        <p:spPr>
-          <a:xfrm>
-            <a:off x="5732625" y="9871022"/>
-            <a:ext cx="11714126" cy="864034"/>
-          </a:xfrm>
-          <a:prstGeom prst="rect">
-            <a:avLst/>
-          </a:prstGeom>
-          <a:noFill/>
-          <a:ln w="28575">
-            <a:solidFill>
-              <a:srgbClr val="FF0000"/>
-            </a:solidFill>
-          </a:ln>
-        </p:spPr>
-        <p:style>
-          <a:lnRef idx="2">
-            <a:schemeClr val="accent1">
-              <a:shade val="50000"/>
-            </a:schemeClr>
-          </a:lnRef>
-          <a:fillRef idx="1">
-            <a:schemeClr val="accent1"/>
-          </a:fillRef>
-          <a:effectRef idx="0">
-            <a:schemeClr val="accent1"/>
-          </a:effectRef>
-          <a:fontRef idx="minor">
-            <a:schemeClr val="lt1"/>
-          </a:fontRef>
-        </p:style>
-        <p:txBody>
-          <a:bodyPr rtlCol="0" anchor="ctr"/>
-          <a:lstStyle/>
-          <a:p>
-            <a:pPr algn="ctr"/>
-            <a:endParaRPr lang="ko-KR" altLang="en-US" sz="5400"/>
-          </a:p>
-        </p:txBody>
-      </p:sp>
-      <p:sp>
-        <p:nvSpPr>
-          <p:cNvPr id="7" name="TextBox 6">
-            <a:extLst>
-              <a:ext uri="{FF2B5EF4-FFF2-40B4-BE49-F238E27FC236}">
-                <a16:creationId xmlns:a16="http://schemas.microsoft.com/office/drawing/2014/main" id="{99C9164D-3354-4D93-A922-F05AEE9BDFDE}"/>
-              </a:ext>
-            </a:extLst>
-          </p:cNvPr>
-          <p:cNvSpPr txBox="1"/>
-          <p:nvPr/>
-        </p:nvSpPr>
-        <p:spPr>
-          <a:xfrm>
-            <a:off x="17446751" y="9871022"/>
-            <a:ext cx="5203599" cy="923330"/>
-          </a:xfrm>
-          <a:prstGeom prst="rect">
-            <a:avLst/>
-          </a:prstGeom>
-          <a:noFill/>
-        </p:spPr>
-        <p:txBody>
-          <a:bodyPr wrap="square" rtlCol="0">
-            <a:spAutoFit/>
-          </a:bodyPr>
-          <a:lstStyle/>
-          <a:p>
-            <a:r>
-              <a:rPr lang="ko-KR" altLang="en-US" sz="5400" b="1" dirty="0"/>
-              <a:t>테스트에서 제외</a:t>
-            </a:r>
-          </a:p>
-        </p:txBody>
-      </p:sp>
-    </p:spTree>
-    <p:extLst>
-      <p:ext uri="{BB962C8B-B14F-4D97-AF65-F5344CB8AC3E}">
-        <p14:creationId xmlns:p14="http://schemas.microsoft.com/office/powerpoint/2010/main" val="2683268354"/>
-      </p:ext>
-    </p:extLst>
-  </p:cSld>
-  <p:clrMapOvr>
-    <a:masterClrMapping/>
-  </p:clrMapOvr>
-</p:sld>
-</file>
-
-<file path=ppt/slides/slide51.xml><?xml version="1.0" encoding="utf-8"?>
-<p:sld xmlns:a="http://schemas.openxmlformats.org/drawingml/2006/main" xmlns:r="http://schemas.openxmlformats.org/officeDocument/2006/relationships" xmlns:p="http://schemas.openxmlformats.org/presentationml/2006/main">
-  <p:cSld>
-    <p:bg>
-      <p:bgPr>
-        <a:solidFill>
-          <a:schemeClr val="bg1"/>
-        </a:solidFill>
-        <a:effectLst/>
-      </p:bgPr>
-    </p:bg>
-    <p:spTree>
-      <p:nvGrpSpPr>
-        <p:cNvPr id="1" name=""/>
-        <p:cNvGrpSpPr/>
-        <p:nvPr/>
-      </p:nvGrpSpPr>
-      <p:grpSpPr>
-        <a:xfrm>
-          <a:off x="0" y="0"/>
-          <a:ext cx="0" cy="0"/>
-          <a:chOff x="0" y="0"/>
-          <a:chExt cx="0" cy="0"/>
-        </a:xfrm>
-      </p:grpSpPr>
-      <p:sp>
-        <p:nvSpPr>
-          <p:cNvPr id="3" name="TextBox 2">
-            <a:extLst>
-              <a:ext uri="{FF2B5EF4-FFF2-40B4-BE49-F238E27FC236}">
                 <a16:creationId xmlns:a16="http://schemas.microsoft.com/office/drawing/2014/main" id="{721341A2-95CC-4F1C-A2C4-904316880D7A}"/>
               </a:ext>
             </a:extLst>
@@ -13418,7 +13716,7 @@
 </p:sld>
 </file>
 
-<file path=ppt/slides/slide52.xml><?xml version="1.0" encoding="utf-8"?>
+<file path=ppt/slides/slide51.xml><?xml version="1.0" encoding="utf-8"?>
 <p:sld xmlns:a="http://schemas.openxmlformats.org/drawingml/2006/main" xmlns:r="http://schemas.openxmlformats.org/officeDocument/2006/relationships" xmlns:p="http://schemas.openxmlformats.org/presentationml/2006/main">
   <p:cSld>
     <p:bg>
@@ -13695,7 +13993,7 @@
 </p:sld>
 </file>
 
-<file path=ppt/slides/slide53.xml><?xml version="1.0" encoding="utf-8"?>
+<file path=ppt/slides/slide52.xml><?xml version="1.0" encoding="utf-8"?>
 <p:sld xmlns:a="http://schemas.openxmlformats.org/drawingml/2006/main" xmlns:r="http://schemas.openxmlformats.org/officeDocument/2006/relationships" xmlns:p="http://schemas.openxmlformats.org/presentationml/2006/main">
   <p:cSld>
     <p:bg>
@@ -13810,7 +14108,7 @@
 </p:sld>
 </file>
 
-<file path=ppt/slides/slide54.xml><?xml version="1.0" encoding="utf-8"?>
+<file path=ppt/slides/slide53.xml><?xml version="1.0" encoding="utf-8"?>
 <p:sld xmlns:a="http://schemas.openxmlformats.org/drawingml/2006/main" xmlns:r="http://schemas.openxmlformats.org/officeDocument/2006/relationships" xmlns:p="http://schemas.openxmlformats.org/presentationml/2006/main">
   <p:cSld>
     <p:spTree>
@@ -13851,15 +14149,7 @@
           <a:p>
             <a:r>
               <a:rPr lang="ko-KR" altLang="en-US" sz="7200" b="1" dirty="0"/>
-              <a:t>채팅 서버 </a:t>
-            </a:r>
-            <a:r>
-              <a:rPr lang="ko-KR" altLang="en-US" sz="7200" b="1" dirty="0" err="1"/>
-              <a:t>유닛테스트</a:t>
-            </a:r>
-            <a:r>
-              <a:rPr lang="ko-KR" altLang="en-US" sz="7200" b="1" dirty="0"/>
-              <a:t> 보기</a:t>
+              <a:t>채팅 서버 유닛 테스트</a:t>
             </a:r>
           </a:p>
         </p:txBody>
@@ -13878,8 +14168,8 @@
         </p:nvSpPr>
         <p:spPr>
           <a:xfrm>
-            <a:off x="3887838" y="4570214"/>
-            <a:ext cx="7244868" cy="369332"/>
+            <a:off x="7597690" y="13061072"/>
+            <a:ext cx="9651681" cy="461665"/>
           </a:xfrm>
           <a:prstGeom prst="rect">
             <a:avLst/>
@@ -13892,18 +14182,48 @@
           <a:lstStyle/>
           <a:p>
             <a:r>
-              <a:rPr lang="ko-KR" altLang="en-US" dirty="0">
+              <a:rPr lang="ko-KR" altLang="en-US" sz="2400" dirty="0">
                 <a:hlinkClick r:id="rId2"/>
               </a:rPr>
               <a:t>https://github.com/jacking75/nhn_next_gameserver_lab_2017_chatServer</a:t>
             </a:r>
             <a:r>
-              <a:rPr lang="ko-KR" altLang="en-US" dirty="0"/>
+              <a:rPr lang="ko-KR" altLang="en-US" sz="2400" dirty="0"/>
               <a:t> </a:t>
             </a:r>
           </a:p>
         </p:txBody>
       </p:sp>
+      <p:pic>
+        <p:nvPicPr>
+          <p:cNvPr id="2" name="그림 1">
+            <a:extLst>
+              <a:ext uri="{FF2B5EF4-FFF2-40B4-BE49-F238E27FC236}">
+                <a16:creationId xmlns:a16="http://schemas.microsoft.com/office/drawing/2014/main" id="{811FE37E-98DB-413C-B174-ACF37AACB66A}"/>
+              </a:ext>
+            </a:extLst>
+          </p:cNvPr>
+          <p:cNvPicPr>
+            <a:picLocks noChangeAspect="1"/>
+          </p:cNvPicPr>
+          <p:nvPr/>
+        </p:nvPicPr>
+        <p:blipFill>
+          <a:blip r:embed="rId3"/>
+          <a:stretch>
+            <a:fillRect/>
+          </a:stretch>
+        </p:blipFill>
+        <p:spPr>
+          <a:xfrm>
+            <a:off x="3055764" y="2317675"/>
+            <a:ext cx="18333044" cy="10065913"/>
+          </a:xfrm>
+          <a:prstGeom prst="rect">
+            <a:avLst/>
+          </a:prstGeom>
+        </p:spPr>
+      </p:pic>
     </p:spTree>
     <p:extLst>
       <p:ext uri="{BB962C8B-B14F-4D97-AF65-F5344CB8AC3E}">
@@ -13917,7 +14237,7 @@
 </p:sld>
 </file>
 
-<file path=ppt/slides/slide55.xml><?xml version="1.0" encoding="utf-8"?>
+<file path=ppt/slides/slide54.xml><?xml version="1.0" encoding="utf-8"?>
 <p:sld xmlns:a="http://schemas.openxmlformats.org/drawingml/2006/main" xmlns:r="http://schemas.openxmlformats.org/officeDocument/2006/relationships" xmlns:p="http://schemas.openxmlformats.org/presentationml/2006/main">
   <p:cSld>
     <p:bg>
@@ -13958,8 +14278,8 @@
         </p:nvSpPr>
         <p:spPr bwMode="auto">
           <a:xfrm>
-            <a:off x="1446213" y="6421438"/>
-            <a:ext cx="3313112" cy="873125"/>
+            <a:off x="1838099" y="895149"/>
+            <a:ext cx="4882747" cy="1579920"/>
           </a:xfrm>
           <a:prstGeom prst="rect">
             <a:avLst/>
@@ -14130,7 +14450,7 @@
           <a:p>
             <a:pPr eaLnBrk="1"/>
             <a:r>
-              <a:rPr lang="ko-KR" altLang="ko-KR" dirty="0">
+              <a:rPr lang="ko-KR" altLang="en-US" sz="9600" b="1" dirty="0">
                 <a:solidFill>
                   <a:schemeClr val="tx1"/>
                 </a:solidFill>
@@ -14138,10 +14458,10 @@
                 <a:ea typeface="맑은 고딕" panose="020B0503020000020004" pitchFamily="50" charset="-127"/>
                 <a:sym typeface="KoPubDotum Medium" charset="0"/>
               </a:rPr>
-              <a:t>내용 (</a:t>
-            </a:r>
-            <a:r>
-              <a:rPr lang="en-US" altLang="ko-KR" dirty="0">
+              <a:t>마무리</a:t>
+            </a:r>
+            <a:r>
+              <a:rPr lang="en-US" altLang="ko-KR" sz="9600" b="1" dirty="0">
                 <a:solidFill>
                   <a:schemeClr val="tx1"/>
                 </a:solidFill>
@@ -14149,20 +14469,9 @@
                 <a:ea typeface="맑은 고딕" panose="020B0503020000020004" pitchFamily="50" charset="-127"/>
                 <a:sym typeface="KoPubDotum Medium" charset="0"/>
               </a:rPr>
-              <a:t>50pt</a:t>
-            </a:r>
-            <a:r>
-              <a:rPr lang="ko-KR" altLang="ko-KR" dirty="0">
-                <a:solidFill>
-                  <a:schemeClr val="tx1"/>
-                </a:solidFill>
-                <a:latin typeface="맑은 고딕" panose="020B0503020000020004" pitchFamily="50" charset="-127"/>
-                <a:ea typeface="맑은 고딕" panose="020B0503020000020004" pitchFamily="50" charset="-127"/>
-                <a:sym typeface="KoPubDotum Medium" charset="0"/>
-              </a:rPr>
-              <a:t>)</a:t>
-            </a:r>
-            <a:endParaRPr lang="ko-KR" altLang="ko-KR" sz="1800" dirty="0">
+              <a:t>…</a:t>
+            </a:r>
+            <a:endParaRPr lang="ko-KR" altLang="ko-KR" sz="9600" b="1" dirty="0">
               <a:solidFill>
                 <a:schemeClr val="tx1"/>
               </a:solidFill>
@@ -14173,6 +14482,36 @@
           </a:p>
         </p:txBody>
       </p:sp>
+      <p:pic>
+        <p:nvPicPr>
+          <p:cNvPr id="2" name="그림 1">
+            <a:extLst>
+              <a:ext uri="{FF2B5EF4-FFF2-40B4-BE49-F238E27FC236}">
+                <a16:creationId xmlns:a16="http://schemas.microsoft.com/office/drawing/2014/main" id="{7D03A4C6-447F-4B0C-95D7-F0F73D486A4A}"/>
+              </a:ext>
+            </a:extLst>
+          </p:cNvPr>
+          <p:cNvPicPr>
+            <a:picLocks noChangeAspect="1"/>
+          </p:cNvPicPr>
+          <p:nvPr/>
+        </p:nvPicPr>
+        <p:blipFill>
+          <a:blip r:embed="rId2"/>
+          <a:stretch>
+            <a:fillRect/>
+          </a:stretch>
+        </p:blipFill>
+        <p:spPr>
+          <a:xfrm>
+            <a:off x="7765874" y="2990576"/>
+            <a:ext cx="7669487" cy="9699645"/>
+          </a:xfrm>
+          <a:prstGeom prst="rect">
+            <a:avLst/>
+          </a:prstGeom>
+        </p:spPr>
+      </p:pic>
     </p:spTree>
     <p:extLst>
       <p:ext uri="{BB962C8B-B14F-4D97-AF65-F5344CB8AC3E}">
@@ -14186,7 +14525,7 @@
 </p:sld>
 </file>
 
-<file path=ppt/slides/slide56.xml><?xml version="1.0" encoding="utf-8"?>
+<file path=ppt/slides/slide55.xml><?xml version="1.0" encoding="utf-8"?>
 <p:sld xmlns:a="http://schemas.openxmlformats.org/drawingml/2006/main" xmlns:r="http://schemas.openxmlformats.org/officeDocument/2006/relationships" xmlns:p="http://schemas.openxmlformats.org/presentationml/2006/main">
   <p:cSld>
     <p:spTree>
@@ -14265,8 +14604,8 @@
         </p:nvSpPr>
         <p:spPr>
           <a:xfrm>
-            <a:off x="13551408" y="6986016"/>
-            <a:ext cx="7571232" cy="646331"/>
+            <a:off x="7680961" y="9786205"/>
+            <a:ext cx="15779931" cy="1754326"/>
           </a:xfrm>
           <a:prstGeom prst="rect">
             <a:avLst/>
@@ -14280,49 +14619,89 @@
           <a:lstStyle/>
           <a:p>
             <a:r>
-              <a:rPr lang="en-US" altLang="ko-KR" dirty="0"/>
+              <a:rPr lang="en-US" altLang="ko-KR" sz="5400" dirty="0">
+                <a:effectLst>
+                  <a:outerShdw blurRad="38100" dist="38100" dir="2700000" algn="tl">
+                    <a:srgbClr val="000000">
+                      <a:alpha val="43137"/>
+                    </a:srgbClr>
+                  </a:outerShdw>
+                </a:effectLst>
+              </a:rPr>
               <a:t>C++</a:t>
             </a:r>
             <a:r>
-              <a:rPr lang="ko-KR" altLang="en-US" dirty="0"/>
-              <a:t>은 </a:t>
-            </a:r>
-            <a:r>
-              <a:rPr lang="ko-KR" altLang="en-US" dirty="0" err="1"/>
-              <a:t>유닛테스트가</a:t>
-            </a:r>
-            <a:r>
-              <a:rPr lang="ko-KR" altLang="en-US" dirty="0"/>
-              <a:t> 다른 언어에 비해 어려움</a:t>
-            </a:r>
-            <a:r>
-              <a:rPr lang="en-US" altLang="ko-KR" dirty="0"/>
+              <a:rPr lang="ko-KR" altLang="en-US" sz="5400" dirty="0">
+                <a:effectLst>
+                  <a:outerShdw blurRad="38100" dist="38100" dir="2700000" algn="tl">
+                    <a:srgbClr val="000000">
+                      <a:alpha val="43137"/>
+                    </a:srgbClr>
+                  </a:outerShdw>
+                </a:effectLst>
+              </a:rPr>
+              <a:t>은 유닛 테스트가 다른 언어에 비해 어려움</a:t>
+            </a:r>
+            <a:r>
+              <a:rPr lang="en-US" altLang="ko-KR" sz="5400" dirty="0">
+                <a:effectLst>
+                  <a:outerShdw blurRad="38100" dist="38100" dir="2700000" algn="tl">
+                    <a:srgbClr val="000000">
+                      <a:alpha val="43137"/>
+                    </a:srgbClr>
+                  </a:outerShdw>
+                </a:effectLst>
+              </a:rPr>
               <a:t>.</a:t>
             </a:r>
           </a:p>
           <a:p>
             <a:r>
-              <a:rPr lang="en-US" altLang="ko-KR" dirty="0"/>
+              <a:rPr lang="en-US" altLang="ko-KR" sz="5400" dirty="0">
+                <a:effectLst>
+                  <a:outerShdw blurRad="38100" dist="38100" dir="2700000" algn="tl">
+                    <a:srgbClr val="000000">
+                      <a:alpha val="43137"/>
+                    </a:srgbClr>
+                  </a:outerShdw>
+                </a:effectLst>
+              </a:rPr>
               <a:t>C#</a:t>
             </a:r>
             <a:r>
-              <a:rPr lang="ko-KR" altLang="en-US" dirty="0"/>
-              <a:t>의 경우 </a:t>
-            </a:r>
-            <a:r>
-              <a:rPr lang="ko-KR" altLang="en-US" dirty="0" err="1"/>
-              <a:t>유닛테스트에서</a:t>
-            </a:r>
-            <a:r>
-              <a:rPr lang="ko-KR" altLang="en-US" dirty="0"/>
-              <a:t> </a:t>
-            </a:r>
-            <a:r>
-              <a:rPr lang="en-US" altLang="ko-KR" dirty="0"/>
+              <a:rPr lang="ko-KR" altLang="en-US" sz="5400" dirty="0">
+                <a:effectLst>
+                  <a:outerShdw blurRad="38100" dist="38100" dir="2700000" algn="tl">
+                    <a:srgbClr val="000000">
+                      <a:alpha val="43137"/>
+                    </a:srgbClr>
+                  </a:outerShdw>
+                </a:effectLst>
+              </a:rPr>
+              <a:t>의 경우 유닛 테스트에서 </a:t>
+            </a:r>
+            <a:r>
+              <a:rPr lang="en-US" altLang="ko-KR" sz="5400" dirty="0">
+                <a:effectLst>
+                  <a:outerShdw blurRad="38100" dist="38100" dir="2700000" algn="tl">
+                    <a:srgbClr val="000000">
+                      <a:alpha val="43137"/>
+                    </a:srgbClr>
+                  </a:outerShdw>
+                </a:effectLst>
+              </a:rPr>
               <a:t>private</a:t>
             </a:r>
             <a:r>
-              <a:rPr lang="ko-KR" altLang="en-US" dirty="0"/>
+              <a:rPr lang="ko-KR" altLang="en-US" sz="5400" dirty="0">
+                <a:effectLst>
+                  <a:outerShdw blurRad="38100" dist="38100" dir="2700000" algn="tl">
+                    <a:srgbClr val="000000">
+                      <a:alpha val="43137"/>
+                    </a:srgbClr>
+                  </a:outerShdw>
+                </a:effectLst>
+              </a:rPr>
               <a:t>도 쉽게 접근 가능</a:t>
             </a:r>
           </a:p>
@@ -14341,7 +14720,7 @@
 </p:sld>
 </file>
 
-<file path=ppt/slides/slide57.xml><?xml version="1.0" encoding="utf-8"?>
+<file path=ppt/slides/slide56.xml><?xml version="1.0" encoding="utf-8"?>
 <p:sld xmlns:a="http://schemas.openxmlformats.org/drawingml/2006/main" xmlns:r="http://schemas.openxmlformats.org/officeDocument/2006/relationships" xmlns:p="http://schemas.openxmlformats.org/presentationml/2006/main">
   <p:cSld>
     <p:spTree>
@@ -14366,8 +14745,8 @@
         </p:nvSpPr>
         <p:spPr>
           <a:xfrm>
-            <a:off x="2166423" y="4354098"/>
-            <a:ext cx="19863582" cy="7048083"/>
+            <a:off x="2260209" y="1663149"/>
+            <a:ext cx="19863582" cy="9356408"/>
           </a:xfrm>
           <a:prstGeom prst="rect">
             <a:avLst/>
@@ -14383,7 +14762,19 @@
             <a:pPr algn="ctr"/>
             <a:r>
               <a:rPr lang="ko-KR" altLang="en-US" sz="12000" b="1" dirty="0"/>
-              <a:t>좋은 함수가 아니면 힘들다</a:t>
+              <a:t>좋은 함수가 아니면 </a:t>
+            </a:r>
+            <a:endParaRPr lang="en-US" altLang="ko-KR" sz="12000" b="1" dirty="0"/>
+          </a:p>
+          <a:p>
+            <a:pPr algn="ctr"/>
+            <a:r>
+              <a:rPr lang="ko-KR" altLang="en-US" sz="15000" b="1" dirty="0"/>
+              <a:t>유닛 테스트</a:t>
+            </a:r>
+            <a:r>
+              <a:rPr lang="ko-KR" altLang="en-US" sz="12000" b="1" dirty="0"/>
+              <a:t>도 힘들다</a:t>
             </a:r>
             <a:endParaRPr lang="en-US" altLang="ko-KR" sz="12000" b="1" dirty="0"/>
           </a:p>
@@ -14410,9 +14801,17 @@
 </p:sld>
 </file>
 
-<file path=ppt/slides/slide58.xml><?xml version="1.0" encoding="utf-8"?>
+<file path=ppt/slides/slide57.xml><?xml version="1.0" encoding="utf-8"?>
 <p:sld xmlns:a="http://schemas.openxmlformats.org/drawingml/2006/main" xmlns:r="http://schemas.openxmlformats.org/officeDocument/2006/relationships" xmlns:p="http://schemas.openxmlformats.org/presentationml/2006/main">
   <p:cSld>
+    <p:bg>
+      <p:bgPr>
+        <a:solidFill>
+          <a:schemeClr val="bg1"/>
+        </a:solidFill>
+        <a:effectLst/>
+      </p:bgPr>
+    </p:bg>
     <p:spTree>
       <p:nvGrpSpPr>
         <p:cNvPr id="1" name=""/>
@@ -14429,14 +14828,322 @@
       </p:grpSpPr>
       <p:sp>
         <p:nvSpPr>
-          <p:cNvPr id="2" name="TextBox 1"/>
+          <p:cNvPr id="5" name="Rectangle 2">
+            <a:extLst>
+              <a:ext uri="{FF2B5EF4-FFF2-40B4-BE49-F238E27FC236}">
+                <a16:creationId xmlns:a16="http://schemas.microsoft.com/office/drawing/2014/main" id="{0BFF5754-E615-4613-A123-F798FC0E77C7}"/>
+              </a:ext>
+            </a:extLst>
+          </p:cNvPr>
+          <p:cNvSpPr>
+            <a:spLocks/>
+          </p:cNvSpPr>
+          <p:nvPr/>
+        </p:nvSpPr>
+        <p:spPr bwMode="auto">
+          <a:xfrm>
+            <a:off x="2203857" y="1102504"/>
+            <a:ext cx="20577765" cy="7017370"/>
+          </a:xfrm>
+          <a:prstGeom prst="rect">
+            <a:avLst/>
+          </a:prstGeom>
+          <a:noFill/>
+          <a:ln>
+            <a:noFill/>
+          </a:ln>
+          <a:effectLst/>
+          <a:extLst>
+            <a:ext uri="{909E8E84-426E-40DD-AFC4-6F175D3DCCD1}">
+              <a14:hiddenFill xmlns:a14="http://schemas.microsoft.com/office/drawing/2010/main">
+                <a:solidFill>
+                  <a:srgbClr val="FFFFFF"/>
+                </a:solidFill>
+              </a14:hiddenFill>
+            </a:ext>
+            <a:ext uri="{91240B29-F687-4F45-9708-019B960494DF}">
+              <a14:hiddenLine xmlns:a14="http://schemas.microsoft.com/office/drawing/2010/main" w="12700">
+                <a:solidFill>
+                  <a:srgbClr val="000000"/>
+                </a:solidFill>
+                <a:miter lim="0"/>
+                <a:headEnd/>
+                <a:tailEnd/>
+              </a14:hiddenLine>
+            </a:ext>
+            <a:ext uri="{AF507438-7753-43E0-B8FC-AC1667EBCBE1}">
+              <a14:hiddenEffects xmlns:a14="http://schemas.microsoft.com/office/drawing/2010/main">
+                <a:effectLst>
+                  <a:outerShdw dist="35921" dir="2700000" algn="ctr" rotWithShape="0">
+                    <a:srgbClr val="808080"/>
+                  </a:outerShdw>
+                </a:effectLst>
+              </a14:hiddenEffects>
+            </a:ext>
+          </a:extLst>
+        </p:spPr>
+        <p:txBody>
+          <a:bodyPr wrap="square" lIns="50800" tIns="50800" rIns="50800" bIns="50800" anchor="ctr">
+            <a:spAutoFit/>
+          </a:bodyPr>
+          <a:lstStyle>
+            <a:lvl1pPr>
+              <a:defRPr sz="5000">
+                <a:solidFill>
+                  <a:srgbClr val="000000"/>
+                </a:solidFill>
+                <a:latin typeface="Helvetica Light" charset="0"/>
+                <a:ea typeface="Helvetica Light" charset="0"/>
+                <a:cs typeface="Helvetica Light" charset="0"/>
+                <a:sym typeface="Helvetica Light" charset="0"/>
+              </a:defRPr>
+            </a:lvl1pPr>
+            <a:lvl2pPr marL="742950" indent="-285750">
+              <a:defRPr sz="5000">
+                <a:solidFill>
+                  <a:srgbClr val="000000"/>
+                </a:solidFill>
+                <a:latin typeface="Helvetica Light" charset="0"/>
+                <a:ea typeface="Helvetica Light" charset="0"/>
+                <a:cs typeface="Helvetica Light" charset="0"/>
+                <a:sym typeface="Helvetica Light" charset="0"/>
+              </a:defRPr>
+            </a:lvl2pPr>
+            <a:lvl3pPr marL="1143000" indent="-228600">
+              <a:defRPr sz="5000">
+                <a:solidFill>
+                  <a:srgbClr val="000000"/>
+                </a:solidFill>
+                <a:latin typeface="Helvetica Light" charset="0"/>
+                <a:ea typeface="Helvetica Light" charset="0"/>
+                <a:cs typeface="Helvetica Light" charset="0"/>
+                <a:sym typeface="Helvetica Light" charset="0"/>
+              </a:defRPr>
+            </a:lvl3pPr>
+            <a:lvl4pPr marL="1600200" indent="-228600">
+              <a:defRPr sz="5000">
+                <a:solidFill>
+                  <a:srgbClr val="000000"/>
+                </a:solidFill>
+                <a:latin typeface="Helvetica Light" charset="0"/>
+                <a:ea typeface="Helvetica Light" charset="0"/>
+                <a:cs typeface="Helvetica Light" charset="0"/>
+                <a:sym typeface="Helvetica Light" charset="0"/>
+              </a:defRPr>
+            </a:lvl4pPr>
+            <a:lvl5pPr marL="2057400" indent="-228600">
+              <a:defRPr sz="5000">
+                <a:solidFill>
+                  <a:srgbClr val="000000"/>
+                </a:solidFill>
+                <a:latin typeface="Helvetica Light" charset="0"/>
+                <a:ea typeface="Helvetica Light" charset="0"/>
+                <a:cs typeface="Helvetica Light" charset="0"/>
+                <a:sym typeface="Helvetica Light" charset="0"/>
+              </a:defRPr>
+            </a:lvl5pPr>
+            <a:lvl6pPr marL="2514600" indent="-228600" defTabSz="825500" eaLnBrk="0" fontAlgn="base" hangingPunct="0">
+              <a:spcBef>
+                <a:spcPct val="0"/>
+              </a:spcBef>
+              <a:spcAft>
+                <a:spcPct val="0"/>
+              </a:spcAft>
+              <a:defRPr sz="5000">
+                <a:solidFill>
+                  <a:srgbClr val="000000"/>
+                </a:solidFill>
+                <a:latin typeface="Helvetica Light" charset="0"/>
+                <a:ea typeface="Helvetica Light" charset="0"/>
+                <a:cs typeface="Helvetica Light" charset="0"/>
+                <a:sym typeface="Helvetica Light" charset="0"/>
+              </a:defRPr>
+            </a:lvl6pPr>
+            <a:lvl7pPr marL="2971800" indent="-228600" defTabSz="825500" eaLnBrk="0" fontAlgn="base" hangingPunct="0">
+              <a:spcBef>
+                <a:spcPct val="0"/>
+              </a:spcBef>
+              <a:spcAft>
+                <a:spcPct val="0"/>
+              </a:spcAft>
+              <a:defRPr sz="5000">
+                <a:solidFill>
+                  <a:srgbClr val="000000"/>
+                </a:solidFill>
+                <a:latin typeface="Helvetica Light" charset="0"/>
+                <a:ea typeface="Helvetica Light" charset="0"/>
+                <a:cs typeface="Helvetica Light" charset="0"/>
+                <a:sym typeface="Helvetica Light" charset="0"/>
+              </a:defRPr>
+            </a:lvl7pPr>
+            <a:lvl8pPr marL="3429000" indent="-228600" defTabSz="825500" eaLnBrk="0" fontAlgn="base" hangingPunct="0">
+              <a:spcBef>
+                <a:spcPct val="0"/>
+              </a:spcBef>
+              <a:spcAft>
+                <a:spcPct val="0"/>
+              </a:spcAft>
+              <a:defRPr sz="5000">
+                <a:solidFill>
+                  <a:srgbClr val="000000"/>
+                </a:solidFill>
+                <a:latin typeface="Helvetica Light" charset="0"/>
+                <a:ea typeface="Helvetica Light" charset="0"/>
+                <a:cs typeface="Helvetica Light" charset="0"/>
+                <a:sym typeface="Helvetica Light" charset="0"/>
+              </a:defRPr>
+            </a:lvl8pPr>
+            <a:lvl9pPr marL="3886200" indent="-228600" defTabSz="825500" eaLnBrk="0" fontAlgn="base" hangingPunct="0">
+              <a:spcBef>
+                <a:spcPct val="0"/>
+              </a:spcBef>
+              <a:spcAft>
+                <a:spcPct val="0"/>
+              </a:spcAft>
+              <a:defRPr sz="5000">
+                <a:solidFill>
+                  <a:srgbClr val="000000"/>
+                </a:solidFill>
+                <a:latin typeface="Helvetica Light" charset="0"/>
+                <a:ea typeface="Helvetica Light" charset="0"/>
+                <a:cs typeface="Helvetica Light" charset="0"/>
+                <a:sym typeface="Helvetica Light" charset="0"/>
+              </a:defRPr>
+            </a:lvl9pPr>
+          </a:lstStyle>
+          <a:p>
+            <a:pPr eaLnBrk="1">
+              <a:lnSpc>
+                <a:spcPct val="150000"/>
+              </a:lnSpc>
+            </a:pPr>
+            <a:r>
+              <a:rPr lang="ko-KR" altLang="en-US" sz="9600" dirty="0">
+                <a:solidFill>
+                  <a:schemeClr val="tx1"/>
+                </a:solidFill>
+                <a:latin typeface="맑은 고딕" panose="020B0503020000020004" pitchFamily="50" charset="-127"/>
+                <a:ea typeface="맑은 고딕" panose="020B0503020000020004" pitchFamily="50" charset="-127"/>
+                <a:sym typeface="KoPubDotum Medium" charset="0"/>
+              </a:rPr>
+              <a:t>빨리 끝내야 하는 일 </a:t>
+            </a:r>
+            <a:endParaRPr lang="en-US" altLang="ko-KR" sz="9600" dirty="0">
+              <a:solidFill>
+                <a:schemeClr val="tx1"/>
+              </a:solidFill>
+              <a:latin typeface="맑은 고딕" panose="020B0503020000020004" pitchFamily="50" charset="-127"/>
+              <a:ea typeface="맑은 고딕" panose="020B0503020000020004" pitchFamily="50" charset="-127"/>
+              <a:sym typeface="KoPubDotum Medium" charset="0"/>
+            </a:endParaRPr>
+          </a:p>
+          <a:p>
+            <a:pPr eaLnBrk="1">
+              <a:lnSpc>
+                <a:spcPct val="150000"/>
+              </a:lnSpc>
+            </a:pPr>
+            <a:r>
+              <a:rPr lang="en-US" altLang="ko-KR" sz="8000" dirty="0">
+                <a:solidFill>
+                  <a:schemeClr val="tx1"/>
+                </a:solidFill>
+                <a:latin typeface="맑은 고딕" panose="020B0503020000020004" pitchFamily="50" charset="-127"/>
+                <a:ea typeface="맑은 고딕" panose="020B0503020000020004" pitchFamily="50" charset="-127"/>
+                <a:sym typeface="KoPubDotum Medium" charset="0"/>
+              </a:rPr>
+              <a:t>1) </a:t>
+            </a:r>
+            <a:r>
+              <a:rPr lang="ko-KR" altLang="en-US" sz="8000" dirty="0">
+                <a:solidFill>
+                  <a:schemeClr val="tx1"/>
+                </a:solidFill>
+                <a:latin typeface="맑은 고딕" panose="020B0503020000020004" pitchFamily="50" charset="-127"/>
+                <a:ea typeface="맑은 고딕" panose="020B0503020000020004" pitchFamily="50" charset="-127"/>
+                <a:sym typeface="KoPubDotum Medium" charset="0"/>
+              </a:rPr>
+              <a:t>개발하고 바로 시연 테스트 하기 </a:t>
+            </a:r>
+            <a:endParaRPr lang="en-US" altLang="ko-KR" sz="8000" dirty="0">
+              <a:solidFill>
+                <a:schemeClr val="tx1"/>
+              </a:solidFill>
+              <a:latin typeface="맑은 고딕" panose="020B0503020000020004" pitchFamily="50" charset="-127"/>
+              <a:ea typeface="맑은 고딕" panose="020B0503020000020004" pitchFamily="50" charset="-127"/>
+              <a:sym typeface="KoPubDotum Medium" charset="0"/>
+            </a:endParaRPr>
+          </a:p>
+          <a:p>
+            <a:pPr eaLnBrk="1">
+              <a:lnSpc>
+                <a:spcPct val="150000"/>
+              </a:lnSpc>
+            </a:pPr>
+            <a:r>
+              <a:rPr lang="en-US" altLang="ko-KR" sz="8000" dirty="0">
+                <a:solidFill>
+                  <a:schemeClr val="tx1"/>
+                </a:solidFill>
+                <a:latin typeface="맑은 고딕" panose="020B0503020000020004" pitchFamily="50" charset="-127"/>
+                <a:ea typeface="맑은 고딕" panose="020B0503020000020004" pitchFamily="50" charset="-127"/>
+                <a:sym typeface="KoPubDotum Medium" charset="0"/>
+              </a:rPr>
+              <a:t>2) </a:t>
+            </a:r>
+            <a:r>
+              <a:rPr lang="ko-KR" altLang="en-US" sz="8000" dirty="0">
+                <a:solidFill>
+                  <a:schemeClr val="tx1"/>
+                </a:solidFill>
+                <a:latin typeface="맑은 고딕" panose="020B0503020000020004" pitchFamily="50" charset="-127"/>
+                <a:ea typeface="맑은 고딕" panose="020B0503020000020004" pitchFamily="50" charset="-127"/>
+                <a:sym typeface="KoPubDotum Medium" charset="0"/>
+              </a:rPr>
+              <a:t>유닛 테스트 만든 후 시연 테스트 하기</a:t>
+            </a:r>
+            <a:endParaRPr lang="en-US" altLang="ko-KR" sz="8000" dirty="0">
+              <a:solidFill>
+                <a:schemeClr val="tx1"/>
+              </a:solidFill>
+              <a:latin typeface="맑은 고딕" panose="020B0503020000020004" pitchFamily="50" charset="-127"/>
+              <a:ea typeface="맑은 고딕" panose="020B0503020000020004" pitchFamily="50" charset="-127"/>
+              <a:sym typeface="KoPubDotum Medium" charset="0"/>
+            </a:endParaRPr>
+          </a:p>
+          <a:p>
+            <a:pPr eaLnBrk="1">
+              <a:lnSpc>
+                <a:spcPct val="150000"/>
+              </a:lnSpc>
+            </a:pPr>
+            <a:endParaRPr lang="en-US" altLang="ko-KR" dirty="0">
+              <a:solidFill>
+                <a:schemeClr val="tx1"/>
+              </a:solidFill>
+              <a:latin typeface="맑은 고딕" panose="020B0503020000020004" pitchFamily="50" charset="-127"/>
+              <a:ea typeface="맑은 고딕" panose="020B0503020000020004" pitchFamily="50" charset="-127"/>
+              <a:sym typeface="KoPubDotum Medium" charset="0"/>
+            </a:endParaRPr>
+          </a:p>
+        </p:txBody>
+      </p:sp>
+      <p:sp>
+        <p:nvSpPr>
+          <p:cNvPr id="3" name="TextBox 2">
+            <a:extLst>
+              <a:ext uri="{FF2B5EF4-FFF2-40B4-BE49-F238E27FC236}">
+                <a16:creationId xmlns:a16="http://schemas.microsoft.com/office/drawing/2014/main" id="{A5B7DD9C-7E7C-463D-B2DE-16E2E63ADEA8}"/>
+              </a:ext>
+            </a:extLst>
+          </p:cNvPr>
           <p:cNvSpPr txBox="1"/>
           <p:nvPr/>
         </p:nvSpPr>
         <p:spPr>
           <a:xfrm>
-            <a:off x="2166421" y="3292214"/>
-            <a:ext cx="19863582" cy="3785652"/>
+            <a:off x="2721428" y="8725989"/>
+            <a:ext cx="18941143" cy="1107996"/>
           </a:xfrm>
           <a:prstGeom prst="rect">
             <a:avLst/>
@@ -14449,92 +15156,38 @@
           </a:bodyPr>
           <a:lstStyle/>
           <a:p>
-            <a:pPr algn="ctr"/>
-            <a:r>
-              <a:rPr lang="ko-KR" altLang="en-US" sz="12000" b="1" dirty="0"/>
-              <a:t>꽤 진행된 프로젝트</a:t>
-            </a:r>
-            <a:r>
-              <a:rPr lang="en-US" altLang="ko-KR" sz="12000" b="1" dirty="0"/>
-              <a:t>,</a:t>
-            </a:r>
-          </a:p>
-          <a:p>
-            <a:pPr algn="ctr"/>
-            <a:r>
-              <a:rPr lang="ko-KR" altLang="en-US" sz="12000" b="1" dirty="0"/>
-              <a:t>누군가의 반대</a:t>
-            </a:r>
-            <a:r>
-              <a:rPr lang="en-US" altLang="ko-KR" sz="12000" b="1" dirty="0"/>
+            <a:r>
+              <a:rPr lang="ko-KR" altLang="en-US" sz="6600" dirty="0"/>
+              <a:t>아마 </a:t>
+            </a:r>
+            <a:r>
+              <a:rPr lang="en-US" altLang="ko-KR" sz="6600" dirty="0"/>
+              <a:t>1</a:t>
+            </a:r>
+            <a:r>
+              <a:rPr lang="ko-KR" altLang="en-US" sz="6600" dirty="0"/>
+              <a:t>번의 유혹에 많이 빠질 듯</a:t>
+            </a:r>
+            <a:r>
+              <a:rPr lang="en-US" altLang="ko-KR" sz="6600" dirty="0"/>
               <a:t>(</a:t>
             </a:r>
             <a:r>
-              <a:rPr lang="ko-KR" altLang="en-US" sz="12000" b="1" dirty="0"/>
-              <a:t>특히 </a:t>
-            </a:r>
-            <a:r>
-              <a:rPr lang="ko-KR" altLang="en-US" sz="12000" b="1" dirty="0" err="1"/>
-              <a:t>리더급</a:t>
-            </a:r>
-            <a:r>
-              <a:rPr lang="en-US" altLang="ko-KR" sz="12000" b="1" dirty="0"/>
-              <a:t>)</a:t>
-            </a:r>
-          </a:p>
-        </p:txBody>
-      </p:sp>
-      <p:sp>
-        <p:nvSpPr>
-          <p:cNvPr id="3" name="TextBox 2"/>
-          <p:cNvSpPr txBox="1"/>
-          <p:nvPr/>
-        </p:nvSpPr>
-        <p:spPr>
-          <a:xfrm>
-            <a:off x="5387694" y="8360467"/>
-            <a:ext cx="13421032" cy="2123658"/>
-          </a:xfrm>
-          <a:prstGeom prst="rect">
-            <a:avLst/>
-          </a:prstGeom>
-          <a:noFill/>
-        </p:spPr>
-        <p:txBody>
-          <a:bodyPr wrap="square" rtlCol="0">
-            <a:spAutoFit/>
-          </a:bodyPr>
-          <a:lstStyle/>
-          <a:p>
-            <a:pPr algn="ctr"/>
-            <a:r>
-              <a:rPr lang="ko-KR" altLang="en-US" sz="13200" b="1">
-                <a:solidFill>
-                  <a:srgbClr val="FF0000"/>
-                </a:solidFill>
-              </a:rPr>
-              <a:t>너무 힘들다 </a:t>
-            </a:r>
-            <a:r>
-              <a:rPr lang="ko-KR" altLang="en-US" sz="13200" b="1" dirty="0" err="1">
-                <a:solidFill>
-                  <a:srgbClr val="FF0000"/>
-                </a:solidFill>
-              </a:rPr>
-              <a:t>ㅠㅠ</a:t>
-            </a:r>
-            <a:endParaRPr lang="ko-KR" altLang="en-US" sz="13200" b="1" dirty="0">
-              <a:solidFill>
-                <a:srgbClr val="FF0000"/>
-              </a:solidFill>
-            </a:endParaRPr>
+              <a:rPr lang="ko-KR" altLang="en-US" sz="6600" dirty="0"/>
+              <a:t>사실 저도</a:t>
+            </a:r>
+            <a:r>
+              <a:rPr lang="en-US" altLang="ko-KR" sz="6600" dirty="0"/>
+              <a:t>… ;;;;)</a:t>
+            </a:r>
+            <a:endParaRPr lang="ko-KR" altLang="en-US" sz="6600" dirty="0"/>
           </a:p>
         </p:txBody>
       </p:sp>
     </p:spTree>
     <p:extLst>
       <p:ext uri="{BB962C8B-B14F-4D97-AF65-F5344CB8AC3E}">
-        <p14:creationId xmlns:p14="http://schemas.microsoft.com/office/powerpoint/2010/main" val="463893784"/>
+        <p14:creationId xmlns:p14="http://schemas.microsoft.com/office/powerpoint/2010/main" val="2212384153"/>
       </p:ext>
     </p:extLst>
   </p:cSld>
@@ -14544,9 +15197,17 @@
 </p:sld>
 </file>
 
-<file path=ppt/slides/slide59.xml><?xml version="1.0" encoding="utf-8"?>
+<file path=ppt/slides/slide58.xml><?xml version="1.0" encoding="utf-8"?>
 <p:sld xmlns:a="http://schemas.openxmlformats.org/drawingml/2006/main" xmlns:r="http://schemas.openxmlformats.org/officeDocument/2006/relationships" xmlns:p="http://schemas.openxmlformats.org/presentationml/2006/main">
   <p:cSld>
+    <p:bg>
+      <p:bgPr>
+        <a:solidFill>
+          <a:schemeClr val="bg1"/>
+        </a:solidFill>
+        <a:effectLst/>
+      </p:bgPr>
+    </p:bg>
     <p:spTree>
       <p:nvGrpSpPr>
         <p:cNvPr id="1" name=""/>
@@ -14563,48 +15224,440 @@
       </p:grpSpPr>
       <p:sp>
         <p:nvSpPr>
-          <p:cNvPr id="5" name="직사각형 4"/>
-          <p:cNvSpPr/>
+          <p:cNvPr id="5" name="Rectangle 2">
+            <a:extLst>
+              <a:ext uri="{FF2B5EF4-FFF2-40B4-BE49-F238E27FC236}">
+                <a16:creationId xmlns:a16="http://schemas.microsoft.com/office/drawing/2014/main" id="{0BFF5754-E615-4613-A123-F798FC0E77C7}"/>
+              </a:ext>
+            </a:extLst>
+          </p:cNvPr>
+          <p:cNvSpPr>
+            <a:spLocks/>
+          </p:cNvSpPr>
+          <p:nvPr/>
+        </p:nvSpPr>
+        <p:spPr bwMode="auto">
+          <a:xfrm>
+            <a:off x="1655219" y="644277"/>
+            <a:ext cx="20810184" cy="2133918"/>
+          </a:xfrm>
+          <a:prstGeom prst="rect">
+            <a:avLst/>
+          </a:prstGeom>
+          <a:noFill/>
+          <a:ln>
+            <a:noFill/>
+          </a:ln>
+          <a:effectLst/>
+          <a:extLst>
+            <a:ext uri="{909E8E84-426E-40DD-AFC4-6F175D3DCCD1}">
+              <a14:hiddenFill xmlns:a14="http://schemas.microsoft.com/office/drawing/2010/main">
+                <a:solidFill>
+                  <a:srgbClr val="FFFFFF"/>
+                </a:solidFill>
+              </a14:hiddenFill>
+            </a:ext>
+            <a:ext uri="{91240B29-F687-4F45-9708-019B960494DF}">
+              <a14:hiddenLine xmlns:a14="http://schemas.microsoft.com/office/drawing/2010/main" w="12700">
+                <a:solidFill>
+                  <a:srgbClr val="000000"/>
+                </a:solidFill>
+                <a:miter lim="0"/>
+                <a:headEnd/>
+                <a:tailEnd/>
+              </a14:hiddenLine>
+            </a:ext>
+            <a:ext uri="{AF507438-7753-43E0-B8FC-AC1667EBCBE1}">
+              <a14:hiddenEffects xmlns:a14="http://schemas.microsoft.com/office/drawing/2010/main">
+                <a:effectLst>
+                  <a:outerShdw dist="35921" dir="2700000" algn="ctr" rotWithShape="0">
+                    <a:srgbClr val="808080"/>
+                  </a:outerShdw>
+                </a:effectLst>
+              </a14:hiddenEffects>
+            </a:ext>
+          </a:extLst>
+        </p:spPr>
+        <p:txBody>
+          <a:bodyPr wrap="none" lIns="50800" tIns="50800" rIns="50800" bIns="50800" anchor="ctr">
+            <a:spAutoFit/>
+          </a:bodyPr>
+          <a:lstStyle>
+            <a:lvl1pPr>
+              <a:defRPr sz="5000">
+                <a:solidFill>
+                  <a:srgbClr val="000000"/>
+                </a:solidFill>
+                <a:latin typeface="Helvetica Light" charset="0"/>
+                <a:ea typeface="Helvetica Light" charset="0"/>
+                <a:cs typeface="Helvetica Light" charset="0"/>
+                <a:sym typeface="Helvetica Light" charset="0"/>
+              </a:defRPr>
+            </a:lvl1pPr>
+            <a:lvl2pPr marL="742950" indent="-285750">
+              <a:defRPr sz="5000">
+                <a:solidFill>
+                  <a:srgbClr val="000000"/>
+                </a:solidFill>
+                <a:latin typeface="Helvetica Light" charset="0"/>
+                <a:ea typeface="Helvetica Light" charset="0"/>
+                <a:cs typeface="Helvetica Light" charset="0"/>
+                <a:sym typeface="Helvetica Light" charset="0"/>
+              </a:defRPr>
+            </a:lvl2pPr>
+            <a:lvl3pPr marL="1143000" indent="-228600">
+              <a:defRPr sz="5000">
+                <a:solidFill>
+                  <a:srgbClr val="000000"/>
+                </a:solidFill>
+                <a:latin typeface="Helvetica Light" charset="0"/>
+                <a:ea typeface="Helvetica Light" charset="0"/>
+                <a:cs typeface="Helvetica Light" charset="0"/>
+                <a:sym typeface="Helvetica Light" charset="0"/>
+              </a:defRPr>
+            </a:lvl3pPr>
+            <a:lvl4pPr marL="1600200" indent="-228600">
+              <a:defRPr sz="5000">
+                <a:solidFill>
+                  <a:srgbClr val="000000"/>
+                </a:solidFill>
+                <a:latin typeface="Helvetica Light" charset="0"/>
+                <a:ea typeface="Helvetica Light" charset="0"/>
+                <a:cs typeface="Helvetica Light" charset="0"/>
+                <a:sym typeface="Helvetica Light" charset="0"/>
+              </a:defRPr>
+            </a:lvl4pPr>
+            <a:lvl5pPr marL="2057400" indent="-228600">
+              <a:defRPr sz="5000">
+                <a:solidFill>
+                  <a:srgbClr val="000000"/>
+                </a:solidFill>
+                <a:latin typeface="Helvetica Light" charset="0"/>
+                <a:ea typeface="Helvetica Light" charset="0"/>
+                <a:cs typeface="Helvetica Light" charset="0"/>
+                <a:sym typeface="Helvetica Light" charset="0"/>
+              </a:defRPr>
+            </a:lvl5pPr>
+            <a:lvl6pPr marL="2514600" indent="-228600" defTabSz="825500" eaLnBrk="0" fontAlgn="base" hangingPunct="0">
+              <a:spcBef>
+                <a:spcPct val="0"/>
+              </a:spcBef>
+              <a:spcAft>
+                <a:spcPct val="0"/>
+              </a:spcAft>
+              <a:defRPr sz="5000">
+                <a:solidFill>
+                  <a:srgbClr val="000000"/>
+                </a:solidFill>
+                <a:latin typeface="Helvetica Light" charset="0"/>
+                <a:ea typeface="Helvetica Light" charset="0"/>
+                <a:cs typeface="Helvetica Light" charset="0"/>
+                <a:sym typeface="Helvetica Light" charset="0"/>
+              </a:defRPr>
+            </a:lvl6pPr>
+            <a:lvl7pPr marL="2971800" indent="-228600" defTabSz="825500" eaLnBrk="0" fontAlgn="base" hangingPunct="0">
+              <a:spcBef>
+                <a:spcPct val="0"/>
+              </a:spcBef>
+              <a:spcAft>
+                <a:spcPct val="0"/>
+              </a:spcAft>
+              <a:defRPr sz="5000">
+                <a:solidFill>
+                  <a:srgbClr val="000000"/>
+                </a:solidFill>
+                <a:latin typeface="Helvetica Light" charset="0"/>
+                <a:ea typeface="Helvetica Light" charset="0"/>
+                <a:cs typeface="Helvetica Light" charset="0"/>
+                <a:sym typeface="Helvetica Light" charset="0"/>
+              </a:defRPr>
+            </a:lvl7pPr>
+            <a:lvl8pPr marL="3429000" indent="-228600" defTabSz="825500" eaLnBrk="0" fontAlgn="base" hangingPunct="0">
+              <a:spcBef>
+                <a:spcPct val="0"/>
+              </a:spcBef>
+              <a:spcAft>
+                <a:spcPct val="0"/>
+              </a:spcAft>
+              <a:defRPr sz="5000">
+                <a:solidFill>
+                  <a:srgbClr val="000000"/>
+                </a:solidFill>
+                <a:latin typeface="Helvetica Light" charset="0"/>
+                <a:ea typeface="Helvetica Light" charset="0"/>
+                <a:cs typeface="Helvetica Light" charset="0"/>
+                <a:sym typeface="Helvetica Light" charset="0"/>
+              </a:defRPr>
+            </a:lvl8pPr>
+            <a:lvl9pPr marL="3886200" indent="-228600" defTabSz="825500" eaLnBrk="0" fontAlgn="base" hangingPunct="0">
+              <a:spcBef>
+                <a:spcPct val="0"/>
+              </a:spcBef>
+              <a:spcAft>
+                <a:spcPct val="0"/>
+              </a:spcAft>
+              <a:defRPr sz="5000">
+                <a:solidFill>
+                  <a:srgbClr val="000000"/>
+                </a:solidFill>
+                <a:latin typeface="Helvetica Light" charset="0"/>
+                <a:ea typeface="Helvetica Light" charset="0"/>
+                <a:cs typeface="Helvetica Light" charset="0"/>
+                <a:sym typeface="Helvetica Light" charset="0"/>
+              </a:defRPr>
+            </a:lvl9pPr>
+          </a:lstStyle>
+          <a:p>
+            <a:pPr eaLnBrk="1"/>
+            <a:r>
+              <a:rPr lang="ko-KR" altLang="en-US" sz="6600" b="1" dirty="0">
+                <a:solidFill>
+                  <a:schemeClr val="tx1"/>
+                </a:solidFill>
+                <a:latin typeface="맑은 고딕" panose="020B0503020000020004" pitchFamily="50" charset="-127"/>
+                <a:ea typeface="맑은 고딕" panose="020B0503020000020004" pitchFamily="50" charset="-127"/>
+                <a:sym typeface="KoPubDotum Medium" charset="0"/>
+              </a:rPr>
+              <a:t>유닛 테스트 좋은지는 알겠는지 습관을 들이기 힘들다 </a:t>
+            </a:r>
+            <a:endParaRPr lang="en-US" altLang="ko-KR" sz="6600" b="1" dirty="0">
+              <a:solidFill>
+                <a:schemeClr val="tx1"/>
+              </a:solidFill>
+              <a:latin typeface="맑은 고딕" panose="020B0503020000020004" pitchFamily="50" charset="-127"/>
+              <a:ea typeface="맑은 고딕" panose="020B0503020000020004" pitchFamily="50" charset="-127"/>
+              <a:sym typeface="KoPubDotum Medium" charset="0"/>
+            </a:endParaRPr>
+          </a:p>
+          <a:p>
+            <a:pPr eaLnBrk="1"/>
+            <a:r>
+              <a:rPr lang="ko-KR" altLang="en-US" sz="6600" b="1" dirty="0">
+                <a:solidFill>
+                  <a:schemeClr val="tx1"/>
+                </a:solidFill>
+                <a:latin typeface="맑은 고딕" panose="020B0503020000020004" pitchFamily="50" charset="-127"/>
+                <a:ea typeface="맑은 고딕" panose="020B0503020000020004" pitchFamily="50" charset="-127"/>
+                <a:sym typeface="KoPubDotum Medium" charset="0"/>
+              </a:rPr>
+              <a:t>나와 주위의 도움이 필요</a:t>
+            </a:r>
+            <a:endParaRPr lang="en-US" altLang="ko-KR" sz="6600" b="1" dirty="0">
+              <a:solidFill>
+                <a:schemeClr val="tx1"/>
+              </a:solidFill>
+              <a:latin typeface="맑은 고딕" panose="020B0503020000020004" pitchFamily="50" charset="-127"/>
+              <a:ea typeface="맑은 고딕" panose="020B0503020000020004" pitchFamily="50" charset="-127"/>
+              <a:sym typeface="KoPubDotum Medium" charset="0"/>
+            </a:endParaRPr>
+          </a:p>
+        </p:txBody>
+      </p:sp>
+      <p:pic>
+        <p:nvPicPr>
+          <p:cNvPr id="1026" name="Picture 2" descr="비만 일러스트에 대한 이미지 검색결과">
+            <a:hlinkClick r:id="rId2"/>
+            <a:extLst>
+              <a:ext uri="{FF2B5EF4-FFF2-40B4-BE49-F238E27FC236}">
+                <a16:creationId xmlns:a16="http://schemas.microsoft.com/office/drawing/2014/main" id="{925584D4-DDC0-4543-B39D-39B651433028}"/>
+              </a:ext>
+            </a:extLst>
+          </p:cNvPr>
+          <p:cNvPicPr>
+            <a:picLocks noChangeAspect="1" noChangeArrowheads="1"/>
+          </p:cNvPicPr>
+          <p:nvPr/>
+        </p:nvPicPr>
+        <p:blipFill>
+          <a:blip r:embed="rId3">
+            <a:extLst>
+              <a:ext uri="{28A0092B-C50C-407E-A947-70E740481C1C}">
+                <a14:useLocalDpi xmlns:a14="http://schemas.microsoft.com/office/drawing/2010/main" val="0"/>
+              </a:ext>
+            </a:extLst>
+          </a:blip>
+          <a:srcRect/>
+          <a:stretch>
+            <a:fillRect/>
+          </a:stretch>
+        </p:blipFill>
+        <p:spPr bwMode="auto">
+          <a:xfrm>
+            <a:off x="4010840" y="3278776"/>
+            <a:ext cx="17110987" cy="6570619"/>
+          </a:xfrm>
+          <a:prstGeom prst="rect">
+            <a:avLst/>
+          </a:prstGeom>
+          <a:noFill/>
+          <a:extLst>
+            <a:ext uri="{909E8E84-426E-40DD-AFC4-6F175D3DCCD1}">
+              <a14:hiddenFill xmlns:a14="http://schemas.microsoft.com/office/drawing/2010/main">
+                <a:solidFill>
+                  <a:srgbClr val="FFFFFF"/>
+                </a:solidFill>
+              </a14:hiddenFill>
+            </a:ext>
+          </a:extLst>
+        </p:spPr>
+      </p:pic>
+    </p:spTree>
+    <p:extLst>
+      <p:ext uri="{BB962C8B-B14F-4D97-AF65-F5344CB8AC3E}">
+        <p14:creationId xmlns:p14="http://schemas.microsoft.com/office/powerpoint/2010/main" val="2929934678"/>
+      </p:ext>
+    </p:extLst>
+  </p:cSld>
+  <p:clrMapOvr>
+    <a:masterClrMapping/>
+  </p:clrMapOvr>
+</p:sld>
+</file>
+
+<file path=ppt/slides/slide59.xml><?xml version="1.0" encoding="utf-8"?>
+<p:sld xmlns:a="http://schemas.openxmlformats.org/drawingml/2006/main" xmlns:r="http://schemas.openxmlformats.org/officeDocument/2006/relationships" xmlns:p="http://schemas.openxmlformats.org/presentationml/2006/main">
+  <p:cSld>
+    <p:bg>
+      <p:bgPr>
+        <a:solidFill>
+          <a:schemeClr val="bg1"/>
+        </a:solidFill>
+        <a:effectLst/>
+      </p:bgPr>
+    </p:bg>
+    <p:spTree>
+      <p:nvGrpSpPr>
+        <p:cNvPr id="1" name=""/>
+        <p:cNvGrpSpPr/>
+        <p:nvPr/>
+      </p:nvGrpSpPr>
+      <p:grpSpPr>
+        <a:xfrm>
+          <a:off x="0" y="0"/>
+          <a:ext cx="0" cy="0"/>
+          <a:chOff x="0" y="0"/>
+          <a:chExt cx="0" cy="0"/>
+        </a:xfrm>
+      </p:grpSpPr>
+      <p:sp>
+        <p:nvSpPr>
+          <p:cNvPr id="3" name="TextBox 2">
+            <a:extLst>
+              <a:ext uri="{FF2B5EF4-FFF2-40B4-BE49-F238E27FC236}">
+                <a16:creationId xmlns:a16="http://schemas.microsoft.com/office/drawing/2014/main" id="{D237976F-F2C0-4982-BC85-6D208930FC68}"/>
+              </a:ext>
+            </a:extLst>
+          </p:cNvPr>
+          <p:cNvSpPr txBox="1"/>
           <p:nvPr/>
         </p:nvSpPr>
         <p:spPr>
           <a:xfrm>
-            <a:off x="1266093" y="5065253"/>
-            <a:ext cx="21889330" cy="2308324"/>
+            <a:off x="949235" y="856357"/>
+            <a:ext cx="23434765" cy="6001643"/>
           </a:xfrm>
           <a:prstGeom prst="rect">
             <a:avLst/>
           </a:prstGeom>
+          <a:noFill/>
         </p:spPr>
         <p:txBody>
-          <a:bodyPr wrap="square">
+          <a:bodyPr wrap="square" rtlCol="0">
             <a:spAutoFit/>
           </a:bodyPr>
           <a:lstStyle/>
           <a:p>
             <a:r>
-              <a:rPr lang="ko-KR" altLang="en-US" sz="7200" b="1" dirty="0"/>
-              <a:t>생산적인 개발을 위한 지속적인 테스트</a:t>
-            </a:r>
-          </a:p>
-          <a:p>
-            <a:r>
-              <a:rPr lang="ko-KR" altLang="en-US" sz="7200" b="1" dirty="0">
-                <a:hlinkClick r:id="rId2"/>
-              </a:rPr>
-              <a:t>http://www.slideshare.net/birdkr/ss-2183466</a:t>
-            </a:r>
-            <a:r>
-              <a:rPr lang="ko-KR" altLang="en-US" sz="7200" b="1" dirty="0"/>
-              <a:t> </a:t>
-            </a:r>
+              <a:rPr lang="ko-KR" altLang="en-US" sz="9600" b="1" dirty="0"/>
+              <a:t>게임 서버는 대부분 분산 서버 구조</a:t>
+            </a:r>
+            <a:r>
+              <a:rPr lang="en-US" altLang="ko-KR" sz="9600" b="1" dirty="0"/>
+              <a:t>,</a:t>
+            </a:r>
+          </a:p>
+          <a:p>
+            <a:r>
+              <a:rPr lang="ko-KR" altLang="en-US" sz="9600" b="1" dirty="0"/>
+              <a:t>테스트 중 버그가 발생하면 서버 수정하고</a:t>
+            </a:r>
+            <a:r>
+              <a:rPr lang="en-US" altLang="ko-KR" sz="9600" b="1" dirty="0"/>
+              <a:t>, </a:t>
+            </a:r>
+            <a:r>
+              <a:rPr lang="ko-KR" altLang="en-US" sz="9600" b="1" dirty="0"/>
+              <a:t>배포하고</a:t>
+            </a:r>
+            <a:r>
+              <a:rPr lang="en-US" altLang="ko-KR" sz="9600" b="1" dirty="0"/>
+              <a:t>, </a:t>
+            </a:r>
+            <a:r>
+              <a:rPr lang="ko-KR" altLang="en-US" sz="9600" b="1" dirty="0"/>
+              <a:t>다시 시작</a:t>
+            </a:r>
+            <a:r>
+              <a:rPr lang="en-US" altLang="ko-KR" sz="9600" b="1" dirty="0"/>
+              <a:t>.</a:t>
+            </a:r>
+          </a:p>
+          <a:p>
+            <a:r>
+              <a:rPr lang="ko-KR" altLang="en-US" sz="9600" b="1" dirty="0"/>
+              <a:t>너무 많은 시간을 소비하고 피곤함</a:t>
+            </a:r>
+            <a:endParaRPr lang="en-US" altLang="ko-KR" sz="9600" b="1" dirty="0"/>
+          </a:p>
+        </p:txBody>
+      </p:sp>
+      <p:sp>
+        <p:nvSpPr>
+          <p:cNvPr id="4" name="TextBox 3">
+            <a:extLst>
+              <a:ext uri="{FF2B5EF4-FFF2-40B4-BE49-F238E27FC236}">
+                <a16:creationId xmlns:a16="http://schemas.microsoft.com/office/drawing/2014/main" id="{AFB79B51-F675-4E16-8B83-5955CBB4F035}"/>
+              </a:ext>
+            </a:extLst>
+          </p:cNvPr>
+          <p:cNvSpPr txBox="1"/>
+          <p:nvPr/>
+        </p:nvSpPr>
+        <p:spPr>
+          <a:xfrm>
+            <a:off x="949234" y="7420077"/>
+            <a:ext cx="21936891" cy="3785652"/>
+          </a:xfrm>
+          <a:prstGeom prst="rect">
+            <a:avLst/>
+          </a:prstGeom>
+          <a:noFill/>
+        </p:spPr>
+        <p:txBody>
+          <a:bodyPr wrap="square" rtlCol="0">
+            <a:spAutoFit/>
+          </a:bodyPr>
+          <a:lstStyle/>
+          <a:p>
+            <a:r>
+              <a:rPr lang="ko-KR" altLang="en-US" sz="12000" b="1" dirty="0"/>
+              <a:t>유닛 테스트를 먼저해서 </a:t>
+            </a:r>
+            <a:endParaRPr lang="en-US" altLang="ko-KR" sz="12000" b="1" dirty="0"/>
+          </a:p>
+          <a:p>
+            <a:r>
+              <a:rPr lang="ko-KR" altLang="en-US" sz="12000" b="1" dirty="0"/>
+              <a:t>시연 테스트를 빨리 끝내야 한다</a:t>
+            </a:r>
+            <a:endParaRPr lang="en-US" altLang="ko-KR" sz="12000" b="1" dirty="0"/>
           </a:p>
         </p:txBody>
       </p:sp>
     </p:spTree>
     <p:extLst>
       <p:ext uri="{BB962C8B-B14F-4D97-AF65-F5344CB8AC3E}">
-        <p14:creationId xmlns:p14="http://schemas.microsoft.com/office/powerpoint/2010/main" val="2175726061"/>
+        <p14:creationId xmlns:p14="http://schemas.microsoft.com/office/powerpoint/2010/main" val="3774049653"/>
       </p:ext>
     </p:extLst>
   </p:cSld>
@@ -15014,14 +16067,6 @@
 <file path=ppt/slides/slide60.xml><?xml version="1.0" encoding="utf-8"?>
 <p:sld xmlns:a="http://schemas.openxmlformats.org/drawingml/2006/main" xmlns:r="http://schemas.openxmlformats.org/officeDocument/2006/relationships" xmlns:p="http://schemas.openxmlformats.org/presentationml/2006/main">
   <p:cSld>
-    <p:bg>
-      <p:bgPr>
-        <a:solidFill>
-          <a:schemeClr val="bg1"/>
-        </a:solidFill>
-        <a:effectLst/>
-      </p:bgPr>
-    </p:bg>
     <p:spTree>
       <p:nvGrpSpPr>
         <p:cNvPr id="1" name=""/>
@@ -15038,231 +16083,104 @@
       </p:grpSpPr>
       <p:sp>
         <p:nvSpPr>
-          <p:cNvPr id="5" name="Rectangle 2">
-            <a:extLst>
-              <a:ext uri="{FF2B5EF4-FFF2-40B4-BE49-F238E27FC236}">
-                <a16:creationId xmlns:a16="http://schemas.microsoft.com/office/drawing/2014/main" id="{0BFF5754-E615-4613-A123-F798FC0E77C7}"/>
-              </a:ext>
-            </a:extLst>
-          </p:cNvPr>
-          <p:cNvSpPr>
-            <a:spLocks/>
-          </p:cNvSpPr>
+          <p:cNvPr id="2" name="TextBox 1"/>
+          <p:cNvSpPr txBox="1"/>
           <p:nvPr/>
         </p:nvSpPr>
-        <p:spPr bwMode="auto">
+        <p:spPr>
           <a:xfrm>
-            <a:off x="1446213" y="6421438"/>
-            <a:ext cx="3313112" cy="873125"/>
+            <a:off x="2166421" y="3292214"/>
+            <a:ext cx="19863582" cy="3785652"/>
           </a:xfrm>
           <a:prstGeom prst="rect">
             <a:avLst/>
           </a:prstGeom>
           <a:noFill/>
-          <a:ln>
-            <a:noFill/>
-          </a:ln>
-          <a:effectLst/>
-          <a:extLst>
-            <a:ext uri="{909E8E84-426E-40DD-AFC4-6F175D3DCCD1}">
-              <a14:hiddenFill xmlns:a14="http://schemas.microsoft.com/office/drawing/2010/main">
-                <a:solidFill>
-                  <a:srgbClr val="FFFFFF"/>
-                </a:solidFill>
-              </a14:hiddenFill>
-            </a:ext>
-            <a:ext uri="{91240B29-F687-4F45-9708-019B960494DF}">
-              <a14:hiddenLine xmlns:a14="http://schemas.microsoft.com/office/drawing/2010/main" w="12700">
-                <a:solidFill>
-                  <a:srgbClr val="000000"/>
-                </a:solidFill>
-                <a:miter lim="0"/>
-                <a:headEnd/>
-                <a:tailEnd/>
-              </a14:hiddenLine>
-            </a:ext>
-            <a:ext uri="{AF507438-7753-43E0-B8FC-AC1667EBCBE1}">
-              <a14:hiddenEffects xmlns:a14="http://schemas.microsoft.com/office/drawing/2010/main">
-                <a:effectLst>
-                  <a:outerShdw dist="35921" dir="2700000" algn="ctr" rotWithShape="0">
-                    <a:srgbClr val="808080"/>
-                  </a:outerShdw>
-                </a:effectLst>
-              </a14:hiddenEffects>
-            </a:ext>
-          </a:extLst>
         </p:spPr>
         <p:txBody>
-          <a:bodyPr wrap="none" lIns="50800" tIns="50800" rIns="50800" bIns="50800" anchor="ctr">
+          <a:bodyPr wrap="square" rtlCol="0">
             <a:spAutoFit/>
           </a:bodyPr>
-          <a:lstStyle>
-            <a:lvl1pPr>
-              <a:defRPr sz="5000">
-                <a:solidFill>
-                  <a:srgbClr val="000000"/>
-                </a:solidFill>
-                <a:latin typeface="Helvetica Light" charset="0"/>
-                <a:ea typeface="Helvetica Light" charset="0"/>
-                <a:cs typeface="Helvetica Light" charset="0"/>
-                <a:sym typeface="Helvetica Light" charset="0"/>
-              </a:defRPr>
-            </a:lvl1pPr>
-            <a:lvl2pPr marL="742950" indent="-285750">
-              <a:defRPr sz="5000">
-                <a:solidFill>
-                  <a:srgbClr val="000000"/>
-                </a:solidFill>
-                <a:latin typeface="Helvetica Light" charset="0"/>
-                <a:ea typeface="Helvetica Light" charset="0"/>
-                <a:cs typeface="Helvetica Light" charset="0"/>
-                <a:sym typeface="Helvetica Light" charset="0"/>
-              </a:defRPr>
-            </a:lvl2pPr>
-            <a:lvl3pPr marL="1143000" indent="-228600">
-              <a:defRPr sz="5000">
-                <a:solidFill>
-                  <a:srgbClr val="000000"/>
-                </a:solidFill>
-                <a:latin typeface="Helvetica Light" charset="0"/>
-                <a:ea typeface="Helvetica Light" charset="0"/>
-                <a:cs typeface="Helvetica Light" charset="0"/>
-                <a:sym typeface="Helvetica Light" charset="0"/>
-              </a:defRPr>
-            </a:lvl3pPr>
-            <a:lvl4pPr marL="1600200" indent="-228600">
-              <a:defRPr sz="5000">
-                <a:solidFill>
-                  <a:srgbClr val="000000"/>
-                </a:solidFill>
-                <a:latin typeface="Helvetica Light" charset="0"/>
-                <a:ea typeface="Helvetica Light" charset="0"/>
-                <a:cs typeface="Helvetica Light" charset="0"/>
-                <a:sym typeface="Helvetica Light" charset="0"/>
-              </a:defRPr>
-            </a:lvl4pPr>
-            <a:lvl5pPr marL="2057400" indent="-228600">
-              <a:defRPr sz="5000">
-                <a:solidFill>
-                  <a:srgbClr val="000000"/>
-                </a:solidFill>
-                <a:latin typeface="Helvetica Light" charset="0"/>
-                <a:ea typeface="Helvetica Light" charset="0"/>
-                <a:cs typeface="Helvetica Light" charset="0"/>
-                <a:sym typeface="Helvetica Light" charset="0"/>
-              </a:defRPr>
-            </a:lvl5pPr>
-            <a:lvl6pPr marL="2514600" indent="-228600" defTabSz="825500" eaLnBrk="0" fontAlgn="base" hangingPunct="0">
-              <a:spcBef>
-                <a:spcPct val="0"/>
-              </a:spcBef>
-              <a:spcAft>
-                <a:spcPct val="0"/>
-              </a:spcAft>
-              <a:defRPr sz="5000">
-                <a:solidFill>
-                  <a:srgbClr val="000000"/>
-                </a:solidFill>
-                <a:latin typeface="Helvetica Light" charset="0"/>
-                <a:ea typeface="Helvetica Light" charset="0"/>
-                <a:cs typeface="Helvetica Light" charset="0"/>
-                <a:sym typeface="Helvetica Light" charset="0"/>
-              </a:defRPr>
-            </a:lvl6pPr>
-            <a:lvl7pPr marL="2971800" indent="-228600" defTabSz="825500" eaLnBrk="0" fontAlgn="base" hangingPunct="0">
-              <a:spcBef>
-                <a:spcPct val="0"/>
-              </a:spcBef>
-              <a:spcAft>
-                <a:spcPct val="0"/>
-              </a:spcAft>
-              <a:defRPr sz="5000">
-                <a:solidFill>
-                  <a:srgbClr val="000000"/>
-                </a:solidFill>
-                <a:latin typeface="Helvetica Light" charset="0"/>
-                <a:ea typeface="Helvetica Light" charset="0"/>
-                <a:cs typeface="Helvetica Light" charset="0"/>
-                <a:sym typeface="Helvetica Light" charset="0"/>
-              </a:defRPr>
-            </a:lvl7pPr>
-            <a:lvl8pPr marL="3429000" indent="-228600" defTabSz="825500" eaLnBrk="0" fontAlgn="base" hangingPunct="0">
-              <a:spcBef>
-                <a:spcPct val="0"/>
-              </a:spcBef>
-              <a:spcAft>
-                <a:spcPct val="0"/>
-              </a:spcAft>
-              <a:defRPr sz="5000">
-                <a:solidFill>
-                  <a:srgbClr val="000000"/>
-                </a:solidFill>
-                <a:latin typeface="Helvetica Light" charset="0"/>
-                <a:ea typeface="Helvetica Light" charset="0"/>
-                <a:cs typeface="Helvetica Light" charset="0"/>
-                <a:sym typeface="Helvetica Light" charset="0"/>
-              </a:defRPr>
-            </a:lvl8pPr>
-            <a:lvl9pPr marL="3886200" indent="-228600" defTabSz="825500" eaLnBrk="0" fontAlgn="base" hangingPunct="0">
-              <a:spcBef>
-                <a:spcPct val="0"/>
-              </a:spcBef>
-              <a:spcAft>
-                <a:spcPct val="0"/>
-              </a:spcAft>
-              <a:defRPr sz="5000">
-                <a:solidFill>
-                  <a:srgbClr val="000000"/>
-                </a:solidFill>
-                <a:latin typeface="Helvetica Light" charset="0"/>
-                <a:ea typeface="Helvetica Light" charset="0"/>
-                <a:cs typeface="Helvetica Light" charset="0"/>
-                <a:sym typeface="Helvetica Light" charset="0"/>
-              </a:defRPr>
-            </a:lvl9pPr>
-          </a:lstStyle>
-          <a:p>
-            <a:pPr eaLnBrk="1"/>
-            <a:r>
-              <a:rPr lang="ko-KR" altLang="ko-KR" dirty="0">
-                <a:solidFill>
-                  <a:schemeClr val="tx1"/>
-                </a:solidFill>
-                <a:latin typeface="맑은 고딕" panose="020B0503020000020004" pitchFamily="50" charset="-127"/>
-                <a:ea typeface="맑은 고딕" panose="020B0503020000020004" pitchFamily="50" charset="-127"/>
-                <a:sym typeface="KoPubDotum Medium" charset="0"/>
+          <a:lstStyle/>
+          <a:p>
+            <a:pPr algn="ctr"/>
+            <a:r>
+              <a:rPr lang="ko-KR" altLang="en-US" sz="12000" b="1" dirty="0"/>
+              <a:t>꽤 진행된 프로젝트</a:t>
+            </a:r>
+            <a:r>
+              <a:rPr lang="en-US" altLang="ko-KR" sz="12000" b="1" dirty="0"/>
+              <a:t>,</a:t>
+            </a:r>
+          </a:p>
+          <a:p>
+            <a:pPr algn="ctr"/>
+            <a:r>
+              <a:rPr lang="ko-KR" altLang="en-US" sz="12000" b="1" dirty="0"/>
+              <a:t>누군가의 반대</a:t>
+            </a:r>
+            <a:r>
+              <a:rPr lang="en-US" altLang="ko-KR" sz="12000" b="1" dirty="0"/>
+              <a:t>(</a:t>
+            </a:r>
+            <a:r>
+              <a:rPr lang="ko-KR" altLang="en-US" sz="12000" b="1" dirty="0"/>
+              <a:t>특히 </a:t>
+            </a:r>
+            <a:r>
+              <a:rPr lang="ko-KR" altLang="en-US" sz="12000" b="1" dirty="0" err="1"/>
+              <a:t>리더급</a:t>
+            </a:r>
+            <a:r>
+              <a:rPr lang="en-US" altLang="ko-KR" sz="12000" b="1" dirty="0"/>
+              <a:t>)</a:t>
+            </a:r>
+          </a:p>
+        </p:txBody>
+      </p:sp>
+      <p:sp>
+        <p:nvSpPr>
+          <p:cNvPr id="3" name="TextBox 2"/>
+          <p:cNvSpPr txBox="1"/>
+          <p:nvPr/>
+        </p:nvSpPr>
+        <p:spPr>
+          <a:xfrm>
+            <a:off x="5387694" y="8360467"/>
+            <a:ext cx="13421032" cy="2123658"/>
+          </a:xfrm>
+          <a:prstGeom prst="rect">
+            <a:avLst/>
+          </a:prstGeom>
+          <a:noFill/>
+        </p:spPr>
+        <p:txBody>
+          <a:bodyPr wrap="square" rtlCol="0">
+            <a:spAutoFit/>
+          </a:bodyPr>
+          <a:lstStyle/>
+          <a:p>
+            <a:pPr algn="ctr"/>
+            <a:r>
+              <a:rPr lang="ko-KR" altLang="en-US" sz="13200" b="1">
+                <a:solidFill>
+                  <a:srgbClr val="FF0000"/>
+                </a:solidFill>
               </a:rPr>
-              <a:t>내용 (</a:t>
-            </a:r>
-            <a:r>
-              <a:rPr lang="en-US" altLang="ko-KR" dirty="0">
-                <a:solidFill>
-                  <a:schemeClr val="tx1"/>
-                </a:solidFill>
-                <a:latin typeface="맑은 고딕" panose="020B0503020000020004" pitchFamily="50" charset="-127"/>
-                <a:ea typeface="맑은 고딕" panose="020B0503020000020004" pitchFamily="50" charset="-127"/>
-                <a:sym typeface="KoPubDotum Medium" charset="0"/>
+              <a:t>너무 힘들다 </a:t>
+            </a:r>
+            <a:r>
+              <a:rPr lang="ko-KR" altLang="en-US" sz="13200" b="1" dirty="0" err="1">
+                <a:solidFill>
+                  <a:srgbClr val="FF0000"/>
+                </a:solidFill>
               </a:rPr>
-              <a:t>50pt</a:t>
-            </a:r>
-            <a:r>
-              <a:rPr lang="ko-KR" altLang="ko-KR" dirty="0">
-                <a:solidFill>
-                  <a:schemeClr val="tx1"/>
-                </a:solidFill>
-                <a:latin typeface="맑은 고딕" panose="020B0503020000020004" pitchFamily="50" charset="-127"/>
-                <a:ea typeface="맑은 고딕" panose="020B0503020000020004" pitchFamily="50" charset="-127"/>
-                <a:sym typeface="KoPubDotum Medium" charset="0"/>
-              </a:rPr>
-              <a:t>)</a:t>
-            </a:r>
-            <a:endParaRPr lang="ko-KR" altLang="ko-KR" sz="1800" dirty="0">
+              <a:t>ㅠㅠ</a:t>
+            </a:r>
+            <a:endParaRPr lang="ko-KR" altLang="en-US" sz="13200" b="1" dirty="0">
               <a:solidFill>
-                <a:schemeClr val="tx1"/>
+                <a:srgbClr val="FF0000"/>
               </a:solidFill>
-              <a:latin typeface="맑은 고딕" panose="020B0503020000020004" pitchFamily="50" charset="-127"/>
-              <a:ea typeface="맑은 고딕" panose="020B0503020000020004" pitchFamily="50" charset="-127"/>
-              <a:sym typeface="KoPubDotum Medium" charset="0"/>
             </a:endParaRPr>
           </a:p>
         </p:txBody>
@@ -15270,7 +16188,7 @@
     </p:spTree>
     <p:extLst>
       <p:ext uri="{BB962C8B-B14F-4D97-AF65-F5344CB8AC3E}">
-        <p14:creationId xmlns:p14="http://schemas.microsoft.com/office/powerpoint/2010/main" val="2212384153"/>
+        <p14:creationId xmlns:p14="http://schemas.microsoft.com/office/powerpoint/2010/main" val="463893784"/>
       </p:ext>
     </p:extLst>
   </p:cSld>
@@ -15281,6 +16199,119 @@
 </file>
 
 <file path=ppt/slides/slide61.xml><?xml version="1.0" encoding="utf-8"?>
+<p:sld xmlns:a="http://schemas.openxmlformats.org/drawingml/2006/main" xmlns:r="http://schemas.openxmlformats.org/officeDocument/2006/relationships" xmlns:p="http://schemas.openxmlformats.org/presentationml/2006/main">
+  <p:cSld>
+    <p:spTree>
+      <p:nvGrpSpPr>
+        <p:cNvPr id="1" name=""/>
+        <p:cNvGrpSpPr/>
+        <p:nvPr/>
+      </p:nvGrpSpPr>
+      <p:grpSpPr>
+        <a:xfrm>
+          <a:off x="0" y="0"/>
+          <a:ext cx="0" cy="0"/>
+          <a:chOff x="0" y="0"/>
+          <a:chExt cx="0" cy="0"/>
+        </a:xfrm>
+      </p:grpSpPr>
+      <p:sp>
+        <p:nvSpPr>
+          <p:cNvPr id="5" name="직사각형 4"/>
+          <p:cNvSpPr/>
+          <p:nvPr/>
+        </p:nvSpPr>
+        <p:spPr>
+          <a:xfrm>
+            <a:off x="2311122" y="4203105"/>
+            <a:ext cx="16760649" cy="2123658"/>
+          </a:xfrm>
+          <a:prstGeom prst="rect">
+            <a:avLst/>
+          </a:prstGeom>
+        </p:spPr>
+        <p:txBody>
+          <a:bodyPr wrap="square">
+            <a:spAutoFit/>
+          </a:bodyPr>
+          <a:lstStyle/>
+          <a:p>
+            <a:r>
+              <a:rPr lang="ko-KR" altLang="en-US" sz="6600" b="1" dirty="0"/>
+              <a:t>생산적인 개발을 위한 지속적인 테스트</a:t>
+            </a:r>
+          </a:p>
+          <a:p>
+            <a:r>
+              <a:rPr lang="ko-KR" altLang="en-US" sz="6600" b="1" dirty="0">
+                <a:hlinkClick r:id="rId2"/>
+              </a:rPr>
+              <a:t>http://www.slideshare.net/birdkr/ss-2183466</a:t>
+            </a:r>
+            <a:r>
+              <a:rPr lang="ko-KR" altLang="en-US" sz="6600" b="1" dirty="0"/>
+              <a:t> </a:t>
+            </a:r>
+          </a:p>
+        </p:txBody>
+      </p:sp>
+      <p:sp>
+        <p:nvSpPr>
+          <p:cNvPr id="2" name="TextBox 1">
+            <a:extLst>
+              <a:ext uri="{FF2B5EF4-FFF2-40B4-BE49-F238E27FC236}">
+                <a16:creationId xmlns:a16="http://schemas.microsoft.com/office/drawing/2014/main" id="{A491D8EC-3690-45A2-BEBB-16ADFC449E4A}"/>
+              </a:ext>
+            </a:extLst>
+          </p:cNvPr>
+          <p:cNvSpPr txBox="1"/>
+          <p:nvPr/>
+        </p:nvSpPr>
+        <p:spPr>
+          <a:xfrm>
+            <a:off x="1945362" y="2011681"/>
+            <a:ext cx="14708777" cy="1569660"/>
+          </a:xfrm>
+          <a:prstGeom prst="rect">
+            <a:avLst/>
+          </a:prstGeom>
+          <a:noFill/>
+        </p:spPr>
+        <p:txBody>
+          <a:bodyPr wrap="square" rtlCol="0">
+            <a:spAutoFit/>
+          </a:bodyPr>
+          <a:lstStyle/>
+          <a:p>
+            <a:r>
+              <a:rPr lang="ko-KR" altLang="en-US" sz="9600" b="1">
+                <a:effectLst>
+                  <a:outerShdw blurRad="38100" dist="38100" dir="2700000" algn="tl">
+                    <a:srgbClr val="000000">
+                      <a:alpha val="43137"/>
+                    </a:srgbClr>
+                  </a:outerShdw>
+                </a:effectLst>
+              </a:rPr>
+              <a:t>추천 하고 싶은 문서</a:t>
+            </a:r>
+          </a:p>
+        </p:txBody>
+      </p:sp>
+    </p:spTree>
+    <p:extLst>
+      <p:ext uri="{BB962C8B-B14F-4D97-AF65-F5344CB8AC3E}">
+        <p14:creationId xmlns:p14="http://schemas.microsoft.com/office/powerpoint/2010/main" val="2175726061"/>
+      </p:ext>
+    </p:extLst>
+  </p:cSld>
+  <p:clrMapOvr>
+    <a:masterClrMapping/>
+  </p:clrMapOvr>
+</p:sld>
+</file>
+
+<file path=ppt/slides/slide62.xml><?xml version="1.0" encoding="utf-8"?>
 <p:sld xmlns:a="http://schemas.openxmlformats.org/drawingml/2006/main" xmlns:r="http://schemas.openxmlformats.org/officeDocument/2006/relationships" xmlns:p="http://schemas.openxmlformats.org/presentationml/2006/main">
   <p:cSld>
     <p:bg>

--- a/[C++ Korea 4th Seminar]Visual Cpp에서 유닛 테스트 하기.pptx
+++ b/[C++ Korea 4th Seminar]Visual Cpp에서 유닛 테스트 하기.pptx
@@ -23,45 +23,45 @@
     <p:sldId id="325" r:id="rId14"/>
     <p:sldId id="280" r:id="rId15"/>
     <p:sldId id="281" r:id="rId16"/>
-    <p:sldId id="282" r:id="rId17"/>
-    <p:sldId id="283" r:id="rId18"/>
-    <p:sldId id="284" r:id="rId19"/>
-    <p:sldId id="287" r:id="rId20"/>
-    <p:sldId id="291" r:id="rId21"/>
-    <p:sldId id="292" r:id="rId22"/>
-    <p:sldId id="293" r:id="rId23"/>
-    <p:sldId id="298" r:id="rId24"/>
-    <p:sldId id="299" r:id="rId25"/>
-    <p:sldId id="300" r:id="rId26"/>
-    <p:sldId id="301" r:id="rId27"/>
-    <p:sldId id="302" r:id="rId28"/>
-    <p:sldId id="304" r:id="rId29"/>
-    <p:sldId id="303" r:id="rId30"/>
-    <p:sldId id="306" r:id="rId31"/>
-    <p:sldId id="305" r:id="rId32"/>
-    <p:sldId id="307" r:id="rId33"/>
-    <p:sldId id="308" r:id="rId34"/>
-    <p:sldId id="260" r:id="rId35"/>
-    <p:sldId id="309" r:id="rId36"/>
-    <p:sldId id="310" r:id="rId37"/>
-    <p:sldId id="311" r:id="rId38"/>
-    <p:sldId id="312" r:id="rId39"/>
-    <p:sldId id="313" r:id="rId40"/>
-    <p:sldId id="314" r:id="rId41"/>
-    <p:sldId id="295" r:id="rId42"/>
-    <p:sldId id="327" r:id="rId43"/>
-    <p:sldId id="316" r:id="rId44"/>
-    <p:sldId id="324" r:id="rId45"/>
-    <p:sldId id="326" r:id="rId46"/>
-    <p:sldId id="328" r:id="rId47"/>
-    <p:sldId id="278" r:id="rId48"/>
-    <p:sldId id="285" r:id="rId49"/>
-    <p:sldId id="286" r:id="rId50"/>
-    <p:sldId id="288" r:id="rId51"/>
-    <p:sldId id="289" r:id="rId52"/>
-    <p:sldId id="290" r:id="rId53"/>
-    <p:sldId id="317" r:id="rId54"/>
-    <p:sldId id="297" r:id="rId55"/>
+    <p:sldId id="283" r:id="rId17"/>
+    <p:sldId id="284" r:id="rId18"/>
+    <p:sldId id="287" r:id="rId19"/>
+    <p:sldId id="291" r:id="rId20"/>
+    <p:sldId id="292" r:id="rId21"/>
+    <p:sldId id="293" r:id="rId22"/>
+    <p:sldId id="298" r:id="rId23"/>
+    <p:sldId id="300" r:id="rId24"/>
+    <p:sldId id="301" r:id="rId25"/>
+    <p:sldId id="302" r:id="rId26"/>
+    <p:sldId id="304" r:id="rId27"/>
+    <p:sldId id="299" r:id="rId28"/>
+    <p:sldId id="303" r:id="rId29"/>
+    <p:sldId id="306" r:id="rId30"/>
+    <p:sldId id="305" r:id="rId31"/>
+    <p:sldId id="307" r:id="rId32"/>
+    <p:sldId id="308" r:id="rId33"/>
+    <p:sldId id="260" r:id="rId34"/>
+    <p:sldId id="309" r:id="rId35"/>
+    <p:sldId id="310" r:id="rId36"/>
+    <p:sldId id="311" r:id="rId37"/>
+    <p:sldId id="312" r:id="rId38"/>
+    <p:sldId id="313" r:id="rId39"/>
+    <p:sldId id="314" r:id="rId40"/>
+    <p:sldId id="295" r:id="rId41"/>
+    <p:sldId id="327" r:id="rId42"/>
+    <p:sldId id="316" r:id="rId43"/>
+    <p:sldId id="324" r:id="rId44"/>
+    <p:sldId id="326" r:id="rId45"/>
+    <p:sldId id="328" r:id="rId46"/>
+    <p:sldId id="278" r:id="rId47"/>
+    <p:sldId id="285" r:id="rId48"/>
+    <p:sldId id="286" r:id="rId49"/>
+    <p:sldId id="288" r:id="rId50"/>
+    <p:sldId id="289" r:id="rId51"/>
+    <p:sldId id="290" r:id="rId52"/>
+    <p:sldId id="317" r:id="rId53"/>
+    <p:sldId id="297" r:id="rId54"/>
+    <p:sldId id="282" r:id="rId55"/>
     <p:sldId id="318" r:id="rId56"/>
     <p:sldId id="319" r:id="rId57"/>
     <p:sldId id="294" r:id="rId58"/>
@@ -323,7 +323,7 @@
           <a:p>
             <a:fld id="{3BBB03BC-09CE-4836-AC1F-7576B8AAE24F}" type="datetimeFigureOut">
               <a:rPr lang="ko-KR" altLang="en-US" smtClean="0"/>
-              <a:t>2018-07-31</a:t>
+              <a:t>2018-08-04</a:t>
             </a:fld>
             <a:endParaRPr lang="ko-KR" altLang="en-US"/>
           </a:p>
@@ -659,7 +659,7 @@
           <a:p>
             <a:fld id="{1685176D-846F-45C1-8B7E-47F24AAECFF1}" type="slidenum">
               <a:rPr lang="ko-KR" altLang="en-US" smtClean="0"/>
-              <a:t>34</a:t>
+              <a:t>33</a:t>
             </a:fld>
             <a:endParaRPr lang="ko-KR" altLang="en-US"/>
           </a:p>
@@ -809,7 +809,7 @@
           <a:p>
             <a:fld id="{C764DE79-268F-4C1A-8933-263129D2AF90}" type="datetimeFigureOut">
               <a:rPr lang="en-US" smtClean="0"/>
-              <a:t>7/31/2018</a:t>
+              <a:t>8/4/2018</a:t>
             </a:fld>
             <a:endParaRPr lang="en-US" dirty="0"/>
           </a:p>
@@ -979,7 +979,7 @@
           <a:p>
             <a:fld id="{C764DE79-268F-4C1A-8933-263129D2AF90}" type="datetimeFigureOut">
               <a:rPr lang="en-US" smtClean="0"/>
-              <a:t>7/31/2018</a:t>
+              <a:t>8/4/2018</a:t>
             </a:fld>
             <a:endParaRPr lang="en-US" dirty="0"/>
           </a:p>
@@ -1159,7 +1159,7 @@
           <a:p>
             <a:fld id="{C764DE79-268F-4C1A-8933-263129D2AF90}" type="datetimeFigureOut">
               <a:rPr lang="en-US" smtClean="0"/>
-              <a:t>7/31/2018</a:t>
+              <a:t>8/4/2018</a:t>
             </a:fld>
             <a:endParaRPr lang="en-US" dirty="0"/>
           </a:p>
@@ -1411,7 +1411,7 @@
           <a:p>
             <a:fld id="{C764DE79-268F-4C1A-8933-263129D2AF90}" type="datetimeFigureOut">
               <a:rPr lang="en-US" smtClean="0"/>
-              <a:t>7/31/2018</a:t>
+              <a:t>8/4/2018</a:t>
             </a:fld>
             <a:endParaRPr lang="en-US" dirty="0"/>
           </a:p>
@@ -1657,7 +1657,7 @@
           <a:p>
             <a:fld id="{C764DE79-268F-4C1A-8933-263129D2AF90}" type="datetimeFigureOut">
               <a:rPr lang="en-US" smtClean="0"/>
-              <a:t>7/31/2018</a:t>
+              <a:t>8/4/2018</a:t>
             </a:fld>
             <a:endParaRPr lang="en-US" dirty="0"/>
           </a:p>
@@ -1889,7 +1889,7 @@
           <a:p>
             <a:fld id="{C764DE79-268F-4C1A-8933-263129D2AF90}" type="datetimeFigureOut">
               <a:rPr lang="en-US" smtClean="0"/>
-              <a:t>7/31/2018</a:t>
+              <a:t>8/4/2018</a:t>
             </a:fld>
             <a:endParaRPr lang="en-US" dirty="0"/>
           </a:p>
@@ -2256,7 +2256,7 @@
           <a:p>
             <a:fld id="{C764DE79-268F-4C1A-8933-263129D2AF90}" type="datetimeFigureOut">
               <a:rPr lang="en-US" smtClean="0"/>
-              <a:t>7/31/2018</a:t>
+              <a:t>8/4/2018</a:t>
             </a:fld>
             <a:endParaRPr lang="en-US" dirty="0"/>
           </a:p>
@@ -2374,7 +2374,7 @@
           <a:p>
             <a:fld id="{C764DE79-268F-4C1A-8933-263129D2AF90}" type="datetimeFigureOut">
               <a:rPr lang="en-US" smtClean="0"/>
-              <a:t>7/31/2018</a:t>
+              <a:t>8/4/2018</a:t>
             </a:fld>
             <a:endParaRPr lang="en-US" dirty="0"/>
           </a:p>
@@ -2469,7 +2469,7 @@
           <a:p>
             <a:fld id="{C764DE79-268F-4C1A-8933-263129D2AF90}" type="datetimeFigureOut">
               <a:rPr lang="en-US" smtClean="0"/>
-              <a:t>7/31/2018</a:t>
+              <a:t>8/4/2018</a:t>
             </a:fld>
             <a:endParaRPr lang="en-US" dirty="0"/>
           </a:p>
@@ -2746,7 +2746,7 @@
           <a:p>
             <a:fld id="{C764DE79-268F-4C1A-8933-263129D2AF90}" type="datetimeFigureOut">
               <a:rPr lang="en-US" smtClean="0"/>
-              <a:t>7/31/2018</a:t>
+              <a:t>8/4/2018</a:t>
             </a:fld>
             <a:endParaRPr lang="en-US" dirty="0"/>
           </a:p>
@@ -3003,7 +3003,7 @@
           <a:p>
             <a:fld id="{C764DE79-268F-4C1A-8933-263129D2AF90}" type="datetimeFigureOut">
               <a:rPr lang="en-US" smtClean="0"/>
-              <a:t>7/31/2018</a:t>
+              <a:t>8/4/2018</a:t>
             </a:fld>
             <a:endParaRPr lang="en-US" dirty="0"/>
           </a:p>
@@ -3216,7 +3216,7 @@
           <a:p>
             <a:fld id="{C764DE79-268F-4C1A-8933-263129D2AF90}" type="datetimeFigureOut">
               <a:rPr lang="en-US" smtClean="0"/>
-              <a:t>7/31/2018</a:t>
+              <a:t>8/4/2018</a:t>
             </a:fld>
             <a:endParaRPr lang="en-US" dirty="0"/>
           </a:p>
@@ -3798,83 +3798,6 @@
       </p:sp>
       <p:sp>
         <p:nvSpPr>
-          <p:cNvPr id="13" name="Rectangle 4">
-            <a:extLst>
-              <a:ext uri="{FF2B5EF4-FFF2-40B4-BE49-F238E27FC236}">
-                <a16:creationId xmlns:a16="http://schemas.microsoft.com/office/drawing/2014/main" id="{127F1321-DD4D-4A84-91C5-3F1CC965F857}"/>
-              </a:ext>
-            </a:extLst>
-          </p:cNvPr>
-          <p:cNvSpPr>
-            <a:spLocks/>
-          </p:cNvSpPr>
-          <p:nvPr/>
-        </p:nvSpPr>
-        <p:spPr bwMode="auto">
-          <a:xfrm>
-            <a:off x="1422400" y="6519863"/>
-            <a:ext cx="16319500" cy="769937"/>
-          </a:xfrm>
-          <a:prstGeom prst="rect">
-            <a:avLst/>
-          </a:prstGeom>
-          <a:noFill/>
-          <a:ln>
-            <a:noFill/>
-          </a:ln>
-          <a:effectLst/>
-          <a:extLst>
-            <a:ext uri="{909E8E84-426E-40DD-AFC4-6F175D3DCCD1}">
-              <a14:hiddenFill xmlns:a14="http://schemas.microsoft.com/office/drawing/2010/main">
-                <a:solidFill>
-                  <a:srgbClr val="FFFFFF"/>
-                </a:solidFill>
-              </a14:hiddenFill>
-            </a:ext>
-            <a:ext uri="{91240B29-F687-4F45-9708-019B960494DF}">
-              <a14:hiddenLine xmlns:a14="http://schemas.microsoft.com/office/drawing/2010/main" w="12700">
-                <a:solidFill>
-                  <a:srgbClr val="000000"/>
-                </a:solidFill>
-                <a:miter lim="0"/>
-                <a:headEnd/>
-                <a:tailEnd/>
-              </a14:hiddenLine>
-            </a:ext>
-            <a:ext uri="{AF507438-7753-43E0-B8FC-AC1667EBCBE1}">
-              <a14:hiddenEffects xmlns:a14="http://schemas.microsoft.com/office/drawing/2010/main">
-                <a:effectLst>
-                  <a:outerShdw dist="35921" dir="2700000" algn="ctr" rotWithShape="0">
-                    <a:srgbClr val="808080"/>
-                  </a:outerShdw>
-                </a:effectLst>
-              </a14:hiddenEffects>
-            </a:ext>
-          </a:extLst>
-        </p:spPr>
-        <p:txBody>
-          <a:bodyPr lIns="0" tIns="0" rIns="0" bIns="0" anchor="ctr">
-            <a:spAutoFit/>
-          </a:bodyPr>
-          <a:lstStyle/>
-          <a:p>
-            <a:pPr eaLnBrk="1"/>
-            <a:r>
-              <a:rPr lang="ko-KR" altLang="ko-KR" sz="5000" dirty="0">
-                <a:solidFill>
-                  <a:schemeClr val="tx1"/>
-                </a:solidFill>
-                <a:latin typeface="맑은 고딕" panose="020B0503020000020004" pitchFamily="50" charset="-127"/>
-                <a:ea typeface="맑은 고딕" panose="020B0503020000020004" pitchFamily="50" charset="-127"/>
-                <a:sym typeface="KoPubDotum Medium" charset="0"/>
-              </a:rPr>
-              <a:t>강의부제목 (50pt)</a:t>
-            </a:r>
-          </a:p>
-        </p:txBody>
-      </p:sp>
-      <p:sp>
-        <p:nvSpPr>
           <p:cNvPr id="14" name="Rectangle 3">
             <a:extLst>
               <a:ext uri="{FF2B5EF4-FFF2-40B4-BE49-F238E27FC236}">
@@ -4954,180 +4877,6 @@
           <p:cNvPr id="3" name="직사각형 2">
             <a:extLst>
               <a:ext uri="{FF2B5EF4-FFF2-40B4-BE49-F238E27FC236}">
-                <a16:creationId xmlns:a16="http://schemas.microsoft.com/office/drawing/2014/main" id="{E4C5017F-9FF4-484E-970F-7A5772A9CE4E}"/>
-              </a:ext>
-            </a:extLst>
-          </p:cNvPr>
-          <p:cNvSpPr/>
-          <p:nvPr/>
-        </p:nvSpPr>
-        <p:spPr>
-          <a:xfrm>
-            <a:off x="1008657" y="527733"/>
-            <a:ext cx="8295861" cy="1323439"/>
-          </a:xfrm>
-          <a:prstGeom prst="rect">
-            <a:avLst/>
-          </a:prstGeom>
-        </p:spPr>
-        <p:txBody>
-          <a:bodyPr wrap="none">
-            <a:spAutoFit/>
-          </a:bodyPr>
-          <a:lstStyle/>
-          <a:p>
-            <a:r>
-              <a:rPr lang="ko-KR" altLang="en-US" sz="7200" b="1" dirty="0"/>
-              <a:t>유닛 테스트 </a:t>
-            </a:r>
-            <a:r>
-              <a:rPr lang="ko-KR" altLang="en-US" sz="8000" b="1" dirty="0"/>
-              <a:t>효용성</a:t>
-            </a:r>
-          </a:p>
-        </p:txBody>
-      </p:sp>
-      <p:sp>
-        <p:nvSpPr>
-          <p:cNvPr id="4" name="직사각형 3">
-            <a:extLst>
-              <a:ext uri="{FF2B5EF4-FFF2-40B4-BE49-F238E27FC236}">
-                <a16:creationId xmlns:a16="http://schemas.microsoft.com/office/drawing/2014/main" id="{D36602FA-F421-46A5-9E5A-8E43E0C1C2E1}"/>
-              </a:ext>
-            </a:extLst>
-          </p:cNvPr>
-          <p:cNvSpPr/>
-          <p:nvPr/>
-        </p:nvSpPr>
-        <p:spPr>
-          <a:xfrm>
-            <a:off x="1008657" y="2199750"/>
-            <a:ext cx="20246831" cy="8402300"/>
-          </a:xfrm>
-          <a:prstGeom prst="rect">
-            <a:avLst/>
-          </a:prstGeom>
-        </p:spPr>
-        <p:txBody>
-          <a:bodyPr wrap="square">
-            <a:spAutoFit/>
-          </a:bodyPr>
-          <a:lstStyle/>
-          <a:p>
-            <a:r>
-              <a:rPr lang="ko-KR" altLang="en-US" sz="6000" dirty="0"/>
-              <a:t>유닛 테스트가 절대적인 것은 아니다</a:t>
-            </a:r>
-            <a:r>
-              <a:rPr lang="en-US" altLang="ko-KR" sz="6000" dirty="0"/>
-              <a:t>.</a:t>
-            </a:r>
-            <a:br>
-              <a:rPr lang="en-US" altLang="ko-KR" sz="6000" dirty="0"/>
-            </a:br>
-            <a:br>
-              <a:rPr lang="en-US" altLang="ko-KR" sz="6000" dirty="0"/>
-            </a:br>
-            <a:r>
-              <a:rPr lang="ko-KR" altLang="en-US" sz="6000" dirty="0"/>
-              <a:t>유닛 테스트가 없는 것보다는 훨씬 좋다</a:t>
-            </a:r>
-            <a:r>
-              <a:rPr lang="en-US" altLang="ko-KR" sz="6000" dirty="0"/>
-              <a:t>.</a:t>
-            </a:r>
-            <a:br>
-              <a:rPr lang="en-US" altLang="ko-KR" sz="6000" dirty="0"/>
-            </a:br>
-            <a:endParaRPr lang="en-US" altLang="ko-KR" sz="6000" dirty="0"/>
-          </a:p>
-          <a:p>
-            <a:r>
-              <a:rPr lang="ko-KR" altLang="en-US" sz="6000" dirty="0"/>
-              <a:t>유닛 테스트를 해보지 않고 비판하지 말자</a:t>
-            </a:r>
-            <a:r>
-              <a:rPr lang="en-US" altLang="ko-KR" sz="6000" dirty="0"/>
-              <a:t>.</a:t>
-            </a:r>
-            <a:br>
-              <a:rPr lang="en-US" altLang="ko-KR" sz="6000" dirty="0"/>
-            </a:br>
-            <a:endParaRPr lang="en-US" altLang="ko-KR" sz="6000" dirty="0"/>
-          </a:p>
-          <a:p>
-            <a:r>
-              <a:rPr lang="ko-KR" altLang="en-US" sz="6000" dirty="0"/>
-              <a:t>유닛 테스트를 하지 않으면 대안을 제시하고 실천하자</a:t>
-            </a:r>
-            <a:r>
-              <a:rPr lang="en-US" altLang="ko-KR" sz="6000" dirty="0"/>
-              <a:t>.</a:t>
-            </a:r>
-            <a:br>
-              <a:rPr lang="en-US" altLang="ko-KR" sz="6000" dirty="0"/>
-            </a:br>
-            <a:endParaRPr lang="en-US" altLang="ko-KR" sz="6000" dirty="0"/>
-          </a:p>
-          <a:p>
-            <a:r>
-              <a:rPr lang="ko-KR" altLang="en-US" sz="6000" dirty="0"/>
-              <a:t>유닛 테스트를 하면 코드 </a:t>
-            </a:r>
-            <a:r>
-              <a:rPr lang="ko-KR" altLang="en-US" sz="6000" dirty="0" err="1"/>
-              <a:t>리팩토링도</a:t>
-            </a:r>
-            <a:r>
-              <a:rPr lang="ko-KR" altLang="en-US" sz="6000" dirty="0"/>
-              <a:t> 얻을 수 있다</a:t>
-            </a:r>
-          </a:p>
-        </p:txBody>
-      </p:sp>
-    </p:spTree>
-    <p:extLst>
-      <p:ext uri="{BB962C8B-B14F-4D97-AF65-F5344CB8AC3E}">
-        <p14:creationId xmlns:p14="http://schemas.microsoft.com/office/powerpoint/2010/main" val="958433727"/>
-      </p:ext>
-    </p:extLst>
-  </p:cSld>
-  <p:clrMapOvr>
-    <a:masterClrMapping/>
-  </p:clrMapOvr>
-</p:sld>
-</file>
-
-<file path=ppt/slides/slide17.xml><?xml version="1.0" encoding="utf-8"?>
-<p:sld xmlns:a="http://schemas.openxmlformats.org/drawingml/2006/main" xmlns:r="http://schemas.openxmlformats.org/officeDocument/2006/relationships" xmlns:p="http://schemas.openxmlformats.org/presentationml/2006/main">
-  <p:cSld>
-    <p:bg>
-      <p:bgPr>
-        <a:solidFill>
-          <a:schemeClr val="bg1"/>
-        </a:solidFill>
-        <a:effectLst/>
-      </p:bgPr>
-    </p:bg>
-    <p:spTree>
-      <p:nvGrpSpPr>
-        <p:cNvPr id="1" name=""/>
-        <p:cNvGrpSpPr/>
-        <p:nvPr/>
-      </p:nvGrpSpPr>
-      <p:grpSpPr>
-        <a:xfrm>
-          <a:off x="0" y="0"/>
-          <a:ext cx="0" cy="0"/>
-          <a:chOff x="0" y="0"/>
-          <a:chExt cx="0" cy="0"/>
-        </a:xfrm>
-      </p:grpSpPr>
-      <p:sp>
-        <p:nvSpPr>
-          <p:cNvPr id="3" name="직사각형 2">
-            <a:extLst>
-              <a:ext uri="{FF2B5EF4-FFF2-40B4-BE49-F238E27FC236}">
                 <a16:creationId xmlns:a16="http://schemas.microsoft.com/office/drawing/2014/main" id="{0C8B080A-C4A7-4610-B675-767AB9037433}"/>
               </a:ext>
             </a:extLst>
@@ -5263,7 +5012,7 @@
 </p:sld>
 </file>
 
-<file path=ppt/slides/slide18.xml><?xml version="1.0" encoding="utf-8"?>
+<file path=ppt/slides/slide17.xml><?xml version="1.0" encoding="utf-8"?>
 <p:sld xmlns:a="http://schemas.openxmlformats.org/drawingml/2006/main" xmlns:r="http://schemas.openxmlformats.org/officeDocument/2006/relationships" xmlns:p="http://schemas.openxmlformats.org/presentationml/2006/main">
   <p:cSld>
     <p:bg>
@@ -5617,7 +5366,7 @@
 </p:sld>
 </file>
 
-<file path=ppt/slides/slide19.xml><?xml version="1.0" encoding="utf-8"?>
+<file path=ppt/slides/slide18.xml><?xml version="1.0" encoding="utf-8"?>
 <p:sld xmlns:a="http://schemas.openxmlformats.org/drawingml/2006/main" xmlns:r="http://schemas.openxmlformats.org/officeDocument/2006/relationships" xmlns:p="http://schemas.openxmlformats.org/presentationml/2006/main">
   <p:cSld>
     <p:bg>
@@ -5710,6 +5459,92 @@
     <p:extLst>
       <p:ext uri="{BB962C8B-B14F-4D97-AF65-F5344CB8AC3E}">
         <p14:creationId xmlns:p14="http://schemas.microsoft.com/office/powerpoint/2010/main" val="2634697750"/>
+      </p:ext>
+    </p:extLst>
+  </p:cSld>
+  <p:clrMapOvr>
+    <a:masterClrMapping/>
+  </p:clrMapOvr>
+</p:sld>
+</file>
+
+<file path=ppt/slides/slide19.xml><?xml version="1.0" encoding="utf-8"?>
+<p:sld xmlns:a="http://schemas.openxmlformats.org/drawingml/2006/main" xmlns:r="http://schemas.openxmlformats.org/officeDocument/2006/relationships" xmlns:p="http://schemas.openxmlformats.org/presentationml/2006/main">
+  <p:cSld>
+    <p:bg>
+      <p:bgPr>
+        <a:solidFill>
+          <a:schemeClr val="bg1"/>
+        </a:solidFill>
+        <a:effectLst/>
+      </p:bgPr>
+    </p:bg>
+    <p:spTree>
+      <p:nvGrpSpPr>
+        <p:cNvPr id="1" name=""/>
+        <p:cNvGrpSpPr/>
+        <p:nvPr/>
+      </p:nvGrpSpPr>
+      <p:grpSpPr>
+        <a:xfrm>
+          <a:off x="0" y="0"/>
+          <a:ext cx="0" cy="0"/>
+          <a:chOff x="0" y="0"/>
+          <a:chExt cx="0" cy="0"/>
+        </a:xfrm>
+      </p:grpSpPr>
+      <p:pic>
+        <p:nvPicPr>
+          <p:cNvPr id="1026" name="Picture 2" descr="C++ í+ì¤í¸ íë¡ì í¸">
+            <a:extLst>
+              <a:ext uri="{FF2B5EF4-FFF2-40B4-BE49-F238E27FC236}">
+                <a16:creationId xmlns:a16="http://schemas.microsoft.com/office/drawing/2014/main" id="{07D7C5AB-0666-4429-A090-1D23E842AC59}"/>
+              </a:ext>
+            </a:extLst>
+          </p:cNvPr>
+          <p:cNvPicPr>
+            <a:picLocks noChangeAspect="1" noChangeArrowheads="1"/>
+          </p:cNvPicPr>
+          <p:nvPr/>
+        </p:nvPicPr>
+        <p:blipFill>
+          <a:blip r:embed="rId2">
+            <a:extLst>
+              <a:ext uri="{28A0092B-C50C-407E-A947-70E740481C1C}">
+                <a14:useLocalDpi xmlns:a14="http://schemas.microsoft.com/office/drawing/2010/main" val="0"/>
+              </a:ext>
+            </a:extLst>
+          </a:blip>
+          <a:srcRect/>
+          <a:stretch>
+            <a:fillRect/>
+          </a:stretch>
+        </p:blipFill>
+        <p:spPr bwMode="auto">
+          <a:xfrm>
+            <a:off x="1897706" y="1158782"/>
+            <a:ext cx="20588587" cy="7906839"/>
+          </a:xfrm>
+          <a:prstGeom prst="rect">
+            <a:avLst/>
+          </a:prstGeom>
+          <a:noFill/>
+          <a:extLst>
+            <a:ext uri="{909E8E84-426E-40DD-AFC4-6F175D3DCCD1}">
+              <a14:hiddenFill xmlns:a14="http://schemas.microsoft.com/office/drawing/2010/main">
+                <a:solidFill>
+                  <a:srgbClr val="FFFFFF"/>
+                </a:solidFill>
+              </a14:hiddenFill>
+            </a:ext>
+          </a:extLst>
+        </p:spPr>
+      </p:pic>
+    </p:spTree>
+    <p:extLst>
+      <p:ext uri="{BB962C8B-B14F-4D97-AF65-F5344CB8AC3E}">
+        <p14:creationId xmlns:p14="http://schemas.microsoft.com/office/powerpoint/2010/main" val="190681190"/>
       </p:ext>
     </p:extLst>
   </p:cSld>
@@ -6192,92 +6027,6 @@
       </p:grpSpPr>
       <p:pic>
         <p:nvPicPr>
-          <p:cNvPr id="1026" name="Picture 2" descr="C++ í-ì¤í¸ íë¡ì í¸">
-            <a:extLst>
-              <a:ext uri="{FF2B5EF4-FFF2-40B4-BE49-F238E27FC236}">
-                <a16:creationId xmlns:a16="http://schemas.microsoft.com/office/drawing/2014/main" id="{07D7C5AB-0666-4429-A090-1D23E842AC59}"/>
-              </a:ext>
-            </a:extLst>
-          </p:cNvPr>
-          <p:cNvPicPr>
-            <a:picLocks noChangeAspect="1" noChangeArrowheads="1"/>
-          </p:cNvPicPr>
-          <p:nvPr/>
-        </p:nvPicPr>
-        <p:blipFill>
-          <a:blip r:embed="rId2">
-            <a:extLst>
-              <a:ext uri="{28A0092B-C50C-407E-A947-70E740481C1C}">
-                <a14:useLocalDpi xmlns:a14="http://schemas.microsoft.com/office/drawing/2010/main" val="0"/>
-              </a:ext>
-            </a:extLst>
-          </a:blip>
-          <a:srcRect/>
-          <a:stretch>
-            <a:fillRect/>
-          </a:stretch>
-        </p:blipFill>
-        <p:spPr bwMode="auto">
-          <a:xfrm>
-            <a:off x="1897706" y="1158782"/>
-            <a:ext cx="20588587" cy="7906839"/>
-          </a:xfrm>
-          <a:prstGeom prst="rect">
-            <a:avLst/>
-          </a:prstGeom>
-          <a:noFill/>
-          <a:extLst>
-            <a:ext uri="{909E8E84-426E-40DD-AFC4-6F175D3DCCD1}">
-              <a14:hiddenFill xmlns:a14="http://schemas.microsoft.com/office/drawing/2010/main">
-                <a:solidFill>
-                  <a:srgbClr val="FFFFFF"/>
-                </a:solidFill>
-              </a14:hiddenFill>
-            </a:ext>
-          </a:extLst>
-        </p:spPr>
-      </p:pic>
-    </p:spTree>
-    <p:extLst>
-      <p:ext uri="{BB962C8B-B14F-4D97-AF65-F5344CB8AC3E}">
-        <p14:creationId xmlns:p14="http://schemas.microsoft.com/office/powerpoint/2010/main" val="190681190"/>
-      </p:ext>
-    </p:extLst>
-  </p:cSld>
-  <p:clrMapOvr>
-    <a:masterClrMapping/>
-  </p:clrMapOvr>
-</p:sld>
-</file>
-
-<file path=ppt/slides/slide21.xml><?xml version="1.0" encoding="utf-8"?>
-<p:sld xmlns:a="http://schemas.openxmlformats.org/drawingml/2006/main" xmlns:r="http://schemas.openxmlformats.org/officeDocument/2006/relationships" xmlns:p="http://schemas.openxmlformats.org/presentationml/2006/main">
-  <p:cSld>
-    <p:bg>
-      <p:bgPr>
-        <a:solidFill>
-          <a:schemeClr val="bg1"/>
-        </a:solidFill>
-        <a:effectLst/>
-      </p:bgPr>
-    </p:bg>
-    <p:spTree>
-      <p:nvGrpSpPr>
-        <p:cNvPr id="1" name=""/>
-        <p:cNvGrpSpPr/>
-        <p:nvPr/>
-      </p:nvGrpSpPr>
-      <p:grpSpPr>
-        <a:xfrm>
-          <a:off x="0" y="0"/>
-          <a:ext cx="0" cy="0"/>
-          <a:chOff x="0" y="0"/>
-          <a:chExt cx="0" cy="0"/>
-        </a:xfrm>
-      </p:grpSpPr>
-      <p:pic>
-        <p:nvPicPr>
           <p:cNvPr id="3" name="Picture 2">
             <a:extLst>
               <a:ext uri="{FF2B5EF4-FFF2-40B4-BE49-F238E27FC236}">
@@ -6409,7 +6158,7 @@
 </p:sld>
 </file>
 
-<file path=ppt/slides/slide22.xml><?xml version="1.0" encoding="utf-8"?>
+<file path=ppt/slides/slide21.xml><?xml version="1.0" encoding="utf-8"?>
 <p:sld xmlns:a="http://schemas.openxmlformats.org/drawingml/2006/main" xmlns:r="http://schemas.openxmlformats.org/officeDocument/2006/relationships" xmlns:p="http://schemas.openxmlformats.org/presentationml/2006/main">
   <p:cSld>
     <p:bg>
@@ -6567,7 +6316,7 @@
 </p:sld>
 </file>
 
-<file path=ppt/slides/slide23.xml><?xml version="1.0" encoding="utf-8"?>
+<file path=ppt/slides/slide22.xml><?xml version="1.0" encoding="utf-8"?>
 <p:sld xmlns:a="http://schemas.openxmlformats.org/drawingml/2006/main" xmlns:r="http://schemas.openxmlformats.org/officeDocument/2006/relationships" xmlns:p="http://schemas.openxmlformats.org/presentationml/2006/main">
   <p:cSld>
     <p:bg>
@@ -6725,152 +6474,7 @@
 </p:sld>
 </file>
 
-<file path=ppt/slides/slide24.xml><?xml version="1.0" encoding="utf-8"?>
-<p:sld xmlns:a="http://schemas.openxmlformats.org/drawingml/2006/main" xmlns:r="http://schemas.openxmlformats.org/officeDocument/2006/relationships" xmlns:p="http://schemas.openxmlformats.org/presentationml/2006/main">
-  <p:cSld>
-    <p:bg>
-      <p:bgPr>
-        <a:solidFill>
-          <a:schemeClr val="bg1"/>
-        </a:solidFill>
-        <a:effectLst/>
-      </p:bgPr>
-    </p:bg>
-    <p:spTree>
-      <p:nvGrpSpPr>
-        <p:cNvPr id="1" name=""/>
-        <p:cNvGrpSpPr/>
-        <p:nvPr/>
-      </p:nvGrpSpPr>
-      <p:grpSpPr>
-        <a:xfrm>
-          <a:off x="0" y="0"/>
-          <a:ext cx="0" cy="0"/>
-          <a:chOff x="0" y="0"/>
-          <a:chExt cx="0" cy="0"/>
-        </a:xfrm>
-      </p:grpSpPr>
-      <p:pic>
-        <p:nvPicPr>
-          <p:cNvPr id="2" name="Picture 4" descr="D:\캡쳐이미지\Cap 2016-02-28 09-01-09-867.png">
-            <a:extLst>
-              <a:ext uri="{FF2B5EF4-FFF2-40B4-BE49-F238E27FC236}">
-                <a16:creationId xmlns:a16="http://schemas.microsoft.com/office/drawing/2014/main" id="{EA226993-040E-4A52-B5A9-6EA5D7887FBF}"/>
-              </a:ext>
-            </a:extLst>
-          </p:cNvPr>
-          <p:cNvPicPr>
-            <a:picLocks noChangeAspect="1" noChangeArrowheads="1"/>
-          </p:cNvPicPr>
-          <p:nvPr/>
-        </p:nvPicPr>
-        <p:blipFill>
-          <a:blip r:embed="rId2">
-            <a:extLst>
-              <a:ext uri="{28A0092B-C50C-407E-A947-70E740481C1C}">
-                <a14:useLocalDpi xmlns:a14="http://schemas.microsoft.com/office/drawing/2010/main" val="0"/>
-              </a:ext>
-            </a:extLst>
-          </a:blip>
-          <a:srcRect/>
-          <a:stretch>
-            <a:fillRect/>
-          </a:stretch>
-        </p:blipFill>
-        <p:spPr bwMode="auto">
-          <a:xfrm>
-            <a:off x="6309925" y="219466"/>
-            <a:ext cx="11764150" cy="4509288"/>
-          </a:xfrm>
-          <a:prstGeom prst="rect">
-            <a:avLst/>
-          </a:prstGeom>
-          <a:noFill/>
-          <a:extLst>
-            <a:ext uri="{909E8E84-426E-40DD-AFC4-6F175D3DCCD1}">
-              <a14:hiddenFill xmlns:a14="http://schemas.microsoft.com/office/drawing/2010/main">
-                <a:solidFill>
-                  <a:srgbClr val="FFFFFF"/>
-                </a:solidFill>
-              </a14:hiddenFill>
-            </a:ext>
-          </a:extLst>
-        </p:spPr>
-      </p:pic>
-      <p:pic>
-        <p:nvPicPr>
-          <p:cNvPr id="3" name="Picture 2">
-            <a:extLst>
-              <a:ext uri="{FF2B5EF4-FFF2-40B4-BE49-F238E27FC236}">
-                <a16:creationId xmlns:a16="http://schemas.microsoft.com/office/drawing/2014/main" id="{5D5ABFFB-18DF-4994-B5C6-1F6E13407F1B}"/>
-              </a:ext>
-            </a:extLst>
-          </p:cNvPr>
-          <p:cNvPicPr>
-            <a:picLocks noChangeAspect="1" noChangeArrowheads="1"/>
-          </p:cNvPicPr>
-          <p:nvPr/>
-        </p:nvPicPr>
-        <p:blipFill>
-          <a:blip r:embed="rId3">
-            <a:extLst>
-              <a:ext uri="{28A0092B-C50C-407E-A947-70E740481C1C}">
-                <a14:useLocalDpi xmlns:a14="http://schemas.microsoft.com/office/drawing/2010/main" val="0"/>
-              </a:ext>
-            </a:extLst>
-          </a:blip>
-          <a:srcRect/>
-          <a:stretch>
-            <a:fillRect/>
-          </a:stretch>
-        </p:blipFill>
-        <p:spPr bwMode="auto">
-          <a:xfrm>
-            <a:off x="5891159" y="5034318"/>
-            <a:ext cx="13206738" cy="7570742"/>
-          </a:xfrm>
-          <a:prstGeom prst="rect">
-            <a:avLst/>
-          </a:prstGeom>
-          <a:noFill/>
-          <a:ln>
-            <a:noFill/>
-          </a:ln>
-          <a:extLst>
-            <a:ext uri="{909E8E84-426E-40DD-AFC4-6F175D3DCCD1}">
-              <a14:hiddenFill xmlns:a14="http://schemas.microsoft.com/office/drawing/2010/main">
-                <a:solidFill>
-                  <a:schemeClr val="accent1"/>
-                </a:solidFill>
-              </a14:hiddenFill>
-            </a:ext>
-            <a:ext uri="{91240B29-F687-4F45-9708-019B960494DF}">
-              <a14:hiddenLine xmlns:a14="http://schemas.microsoft.com/office/drawing/2010/main" w="9525">
-                <a:solidFill>
-                  <a:schemeClr val="tx1"/>
-                </a:solidFill>
-                <a:miter lim="800000"/>
-                <a:headEnd/>
-                <a:tailEnd/>
-              </a14:hiddenLine>
-            </a:ext>
-          </a:extLst>
-        </p:spPr>
-      </p:pic>
-    </p:spTree>
-    <p:extLst>
-      <p:ext uri="{BB962C8B-B14F-4D97-AF65-F5344CB8AC3E}">
-        <p14:creationId xmlns:p14="http://schemas.microsoft.com/office/powerpoint/2010/main" val="1682373598"/>
-      </p:ext>
-    </p:extLst>
-  </p:cSld>
-  <p:clrMapOvr>
-    <a:masterClrMapping/>
-  </p:clrMapOvr>
-</p:sld>
-</file>
-
-<file path=ppt/slides/slide25.xml><?xml version="1.0" encoding="utf-8"?>
+<file path=ppt/slides/slide23.xml><?xml version="1.0" encoding="utf-8"?>
 <p:sld xmlns:a="http://schemas.openxmlformats.org/drawingml/2006/main" xmlns:r="http://schemas.openxmlformats.org/officeDocument/2006/relationships" xmlns:p="http://schemas.openxmlformats.org/presentationml/2006/main">
   <p:cSld>
     <p:bg>
@@ -7088,7 +6692,7 @@
 </p:sld>
 </file>
 
-<file path=ppt/slides/slide26.xml><?xml version="1.0" encoding="utf-8"?>
+<file path=ppt/slides/slide24.xml><?xml version="1.0" encoding="utf-8"?>
 <p:sld xmlns:a="http://schemas.openxmlformats.org/drawingml/2006/main" xmlns:r="http://schemas.openxmlformats.org/officeDocument/2006/relationships" xmlns:p="http://schemas.openxmlformats.org/presentationml/2006/main">
   <p:cSld>
     <p:bg>
@@ -7280,7 +6884,7 @@
 </p:sld>
 </file>
 
-<file path=ppt/slides/slide27.xml><?xml version="1.0" encoding="utf-8"?>
+<file path=ppt/slides/slide25.xml><?xml version="1.0" encoding="utf-8"?>
 <p:sld xmlns:a="http://schemas.openxmlformats.org/drawingml/2006/main" xmlns:r="http://schemas.openxmlformats.org/officeDocument/2006/relationships" xmlns:p="http://schemas.openxmlformats.org/presentationml/2006/main">
   <p:cSld>
     <p:bg>
@@ -7498,7 +7102,7 @@
 </p:sld>
 </file>
 
-<file path=ppt/slides/slide28.xml><?xml version="1.0" encoding="utf-8"?>
+<file path=ppt/slides/slide26.xml><?xml version="1.0" encoding="utf-8"?>
 <p:sld xmlns:a="http://schemas.openxmlformats.org/drawingml/2006/main" xmlns:r="http://schemas.openxmlformats.org/officeDocument/2006/relationships" xmlns:p="http://schemas.openxmlformats.org/presentationml/2006/main">
   <p:cSld>
     <p:bg>
@@ -7596,7 +7200,152 @@
 </p:sld>
 </file>
 
-<file path=ppt/slides/slide29.xml><?xml version="1.0" encoding="utf-8"?>
+<file path=ppt/slides/slide27.xml><?xml version="1.0" encoding="utf-8"?>
+<p:sld xmlns:a="http://schemas.openxmlformats.org/drawingml/2006/main" xmlns:r="http://schemas.openxmlformats.org/officeDocument/2006/relationships" xmlns:p="http://schemas.openxmlformats.org/presentationml/2006/main">
+  <p:cSld>
+    <p:bg>
+      <p:bgPr>
+        <a:solidFill>
+          <a:schemeClr val="bg1"/>
+        </a:solidFill>
+        <a:effectLst/>
+      </p:bgPr>
+    </p:bg>
+    <p:spTree>
+      <p:nvGrpSpPr>
+        <p:cNvPr id="1" name=""/>
+        <p:cNvGrpSpPr/>
+        <p:nvPr/>
+      </p:nvGrpSpPr>
+      <p:grpSpPr>
+        <a:xfrm>
+          <a:off x="0" y="0"/>
+          <a:ext cx="0" cy="0"/>
+          <a:chOff x="0" y="0"/>
+          <a:chExt cx="0" cy="0"/>
+        </a:xfrm>
+      </p:grpSpPr>
+      <p:pic>
+        <p:nvPicPr>
+          <p:cNvPr id="2" name="Picture 4" descr="D:\캡쳐이미지\Cap 2016-02-28 09-01-09-867.png">
+            <a:extLst>
+              <a:ext uri="{FF2B5EF4-FFF2-40B4-BE49-F238E27FC236}">
+                <a16:creationId xmlns:a16="http://schemas.microsoft.com/office/drawing/2014/main" id="{EA226993-040E-4A52-B5A9-6EA5D7887FBF}"/>
+              </a:ext>
+            </a:extLst>
+          </p:cNvPr>
+          <p:cNvPicPr>
+            <a:picLocks noChangeAspect="1" noChangeArrowheads="1"/>
+          </p:cNvPicPr>
+          <p:nvPr/>
+        </p:nvPicPr>
+        <p:blipFill>
+          <a:blip r:embed="rId2">
+            <a:extLst>
+              <a:ext uri="{28A0092B-C50C-407E-A947-70E740481C1C}">
+                <a14:useLocalDpi xmlns:a14="http://schemas.microsoft.com/office/drawing/2010/main" val="0"/>
+              </a:ext>
+            </a:extLst>
+          </a:blip>
+          <a:srcRect/>
+          <a:stretch>
+            <a:fillRect/>
+          </a:stretch>
+        </p:blipFill>
+        <p:spPr bwMode="auto">
+          <a:xfrm>
+            <a:off x="6309925" y="219466"/>
+            <a:ext cx="11764150" cy="4509288"/>
+          </a:xfrm>
+          <a:prstGeom prst="rect">
+            <a:avLst/>
+          </a:prstGeom>
+          <a:noFill/>
+          <a:extLst>
+            <a:ext uri="{909E8E84-426E-40DD-AFC4-6F175D3DCCD1}">
+              <a14:hiddenFill xmlns:a14="http://schemas.microsoft.com/office/drawing/2010/main">
+                <a:solidFill>
+                  <a:srgbClr val="FFFFFF"/>
+                </a:solidFill>
+              </a14:hiddenFill>
+            </a:ext>
+          </a:extLst>
+        </p:spPr>
+      </p:pic>
+      <p:pic>
+        <p:nvPicPr>
+          <p:cNvPr id="3" name="Picture 2">
+            <a:extLst>
+              <a:ext uri="{FF2B5EF4-FFF2-40B4-BE49-F238E27FC236}">
+                <a16:creationId xmlns:a16="http://schemas.microsoft.com/office/drawing/2014/main" id="{5D5ABFFB-18DF-4994-B5C6-1F6E13407F1B}"/>
+              </a:ext>
+            </a:extLst>
+          </p:cNvPr>
+          <p:cNvPicPr>
+            <a:picLocks noChangeAspect="1" noChangeArrowheads="1"/>
+          </p:cNvPicPr>
+          <p:nvPr/>
+        </p:nvPicPr>
+        <p:blipFill>
+          <a:blip r:embed="rId3">
+            <a:extLst>
+              <a:ext uri="{28A0092B-C50C-407E-A947-70E740481C1C}">
+                <a14:useLocalDpi xmlns:a14="http://schemas.microsoft.com/office/drawing/2010/main" val="0"/>
+              </a:ext>
+            </a:extLst>
+          </a:blip>
+          <a:srcRect/>
+          <a:stretch>
+            <a:fillRect/>
+          </a:stretch>
+        </p:blipFill>
+        <p:spPr bwMode="auto">
+          <a:xfrm>
+            <a:off x="5891159" y="5034318"/>
+            <a:ext cx="13206738" cy="7570742"/>
+          </a:xfrm>
+          <a:prstGeom prst="rect">
+            <a:avLst/>
+          </a:prstGeom>
+          <a:noFill/>
+          <a:ln>
+            <a:noFill/>
+          </a:ln>
+          <a:extLst>
+            <a:ext uri="{909E8E84-426E-40DD-AFC4-6F175D3DCCD1}">
+              <a14:hiddenFill xmlns:a14="http://schemas.microsoft.com/office/drawing/2010/main">
+                <a:solidFill>
+                  <a:schemeClr val="accent1"/>
+                </a:solidFill>
+              </a14:hiddenFill>
+            </a:ext>
+            <a:ext uri="{91240B29-F687-4F45-9708-019B960494DF}">
+              <a14:hiddenLine xmlns:a14="http://schemas.microsoft.com/office/drawing/2010/main" w="9525">
+                <a:solidFill>
+                  <a:schemeClr val="tx1"/>
+                </a:solidFill>
+                <a:miter lim="800000"/>
+                <a:headEnd/>
+                <a:tailEnd/>
+              </a14:hiddenLine>
+            </a:ext>
+          </a:extLst>
+        </p:spPr>
+      </p:pic>
+    </p:spTree>
+    <p:extLst>
+      <p:ext uri="{BB962C8B-B14F-4D97-AF65-F5344CB8AC3E}">
+        <p14:creationId xmlns:p14="http://schemas.microsoft.com/office/powerpoint/2010/main" val="1682373598"/>
+      </p:ext>
+    </p:extLst>
+  </p:cSld>
+  <p:clrMapOvr>
+    <a:masterClrMapping/>
+  </p:clrMapOvr>
+</p:sld>
+</file>
+
+<file path=ppt/slides/slide28.xml><?xml version="1.0" encoding="utf-8"?>
 <p:sld xmlns:a="http://schemas.openxmlformats.org/drawingml/2006/main" xmlns:r="http://schemas.openxmlformats.org/officeDocument/2006/relationships" xmlns:p="http://schemas.openxmlformats.org/presentationml/2006/main">
   <p:cSld>
     <p:bg>
@@ -7685,6 +7434,104 @@
     <p:extLst>
       <p:ext uri="{BB962C8B-B14F-4D97-AF65-F5344CB8AC3E}">
         <p14:creationId xmlns:p14="http://schemas.microsoft.com/office/powerpoint/2010/main" val="348123990"/>
+      </p:ext>
+    </p:extLst>
+  </p:cSld>
+  <p:clrMapOvr>
+    <a:masterClrMapping/>
+  </p:clrMapOvr>
+</p:sld>
+</file>
+
+<file path=ppt/slides/slide29.xml><?xml version="1.0" encoding="utf-8"?>
+<p:sld xmlns:a="http://schemas.openxmlformats.org/drawingml/2006/main" xmlns:r="http://schemas.openxmlformats.org/officeDocument/2006/relationships" xmlns:p="http://schemas.openxmlformats.org/presentationml/2006/main">
+  <p:cSld>
+    <p:bg>
+      <p:bgPr>
+        <a:solidFill>
+          <a:schemeClr val="bg1"/>
+        </a:solidFill>
+        <a:effectLst/>
+      </p:bgPr>
+    </p:bg>
+    <p:spTree>
+      <p:nvGrpSpPr>
+        <p:cNvPr id="1" name=""/>
+        <p:cNvGrpSpPr/>
+        <p:nvPr/>
+      </p:nvGrpSpPr>
+      <p:grpSpPr>
+        <a:xfrm>
+          <a:off x="0" y="0"/>
+          <a:ext cx="0" cy="0"/>
+          <a:chOff x="0" y="0"/>
+          <a:chExt cx="0" cy="0"/>
+        </a:xfrm>
+      </p:grpSpPr>
+      <p:pic>
+        <p:nvPicPr>
+          <p:cNvPr id="2" name="Picture 2">
+            <a:extLst>
+              <a:ext uri="{FF2B5EF4-FFF2-40B4-BE49-F238E27FC236}">
+                <a16:creationId xmlns:a16="http://schemas.microsoft.com/office/drawing/2014/main" id="{5667F6B8-D719-4C54-B36C-6660B8BFACD4}"/>
+              </a:ext>
+            </a:extLst>
+          </p:cNvPr>
+          <p:cNvPicPr>
+            <a:picLocks noChangeAspect="1" noChangeArrowheads="1"/>
+          </p:cNvPicPr>
+          <p:nvPr/>
+        </p:nvPicPr>
+        <p:blipFill>
+          <a:blip r:embed="rId2">
+            <a:extLst>
+              <a:ext uri="{28A0092B-C50C-407E-A947-70E740481C1C}">
+                <a14:useLocalDpi xmlns:a14="http://schemas.microsoft.com/office/drawing/2010/main" val="0"/>
+              </a:ext>
+            </a:extLst>
+          </a:blip>
+          <a:srcRect/>
+          <a:stretch>
+            <a:fillRect/>
+          </a:stretch>
+        </p:blipFill>
+        <p:spPr bwMode="auto">
+          <a:xfrm>
+            <a:off x="4337590" y="151829"/>
+            <a:ext cx="15708820" cy="12135470"/>
+          </a:xfrm>
+          <a:prstGeom prst="rect">
+            <a:avLst/>
+          </a:prstGeom>
+          <a:noFill/>
+          <a:ln>
+            <a:noFill/>
+          </a:ln>
+          <a:extLst>
+            <a:ext uri="{909E8E84-426E-40DD-AFC4-6F175D3DCCD1}">
+              <a14:hiddenFill xmlns:a14="http://schemas.microsoft.com/office/drawing/2010/main">
+                <a:solidFill>
+                  <a:schemeClr val="accent1"/>
+                </a:solidFill>
+              </a14:hiddenFill>
+            </a:ext>
+            <a:ext uri="{91240B29-F687-4F45-9708-019B960494DF}">
+              <a14:hiddenLine xmlns:a14="http://schemas.microsoft.com/office/drawing/2010/main" w="9525">
+                <a:solidFill>
+                  <a:schemeClr val="tx1"/>
+                </a:solidFill>
+                <a:miter lim="800000"/>
+                <a:headEnd/>
+                <a:tailEnd/>
+              </a14:hiddenLine>
+            </a:ext>
+          </a:extLst>
+        </p:spPr>
+      </p:pic>
+    </p:spTree>
+    <p:extLst>
+      <p:ext uri="{BB962C8B-B14F-4D97-AF65-F5344CB8AC3E}">
+        <p14:creationId xmlns:p14="http://schemas.microsoft.com/office/powerpoint/2010/main" val="3931149446"/>
       </p:ext>
     </p:extLst>
   </p:cSld>
@@ -8009,104 +7856,6 @@
       </p:grpSpPr>
       <p:pic>
         <p:nvPicPr>
-          <p:cNvPr id="2" name="Picture 2">
-            <a:extLst>
-              <a:ext uri="{FF2B5EF4-FFF2-40B4-BE49-F238E27FC236}">
-                <a16:creationId xmlns:a16="http://schemas.microsoft.com/office/drawing/2014/main" id="{5667F6B8-D719-4C54-B36C-6660B8BFACD4}"/>
-              </a:ext>
-            </a:extLst>
-          </p:cNvPr>
-          <p:cNvPicPr>
-            <a:picLocks noChangeAspect="1" noChangeArrowheads="1"/>
-          </p:cNvPicPr>
-          <p:nvPr/>
-        </p:nvPicPr>
-        <p:blipFill>
-          <a:blip r:embed="rId2">
-            <a:extLst>
-              <a:ext uri="{28A0092B-C50C-407E-A947-70E740481C1C}">
-                <a14:useLocalDpi xmlns:a14="http://schemas.microsoft.com/office/drawing/2010/main" val="0"/>
-              </a:ext>
-            </a:extLst>
-          </a:blip>
-          <a:srcRect/>
-          <a:stretch>
-            <a:fillRect/>
-          </a:stretch>
-        </p:blipFill>
-        <p:spPr bwMode="auto">
-          <a:xfrm>
-            <a:off x="4337590" y="151829"/>
-            <a:ext cx="15708820" cy="12135470"/>
-          </a:xfrm>
-          <a:prstGeom prst="rect">
-            <a:avLst/>
-          </a:prstGeom>
-          <a:noFill/>
-          <a:ln>
-            <a:noFill/>
-          </a:ln>
-          <a:extLst>
-            <a:ext uri="{909E8E84-426E-40DD-AFC4-6F175D3DCCD1}">
-              <a14:hiddenFill xmlns:a14="http://schemas.microsoft.com/office/drawing/2010/main">
-                <a:solidFill>
-                  <a:schemeClr val="accent1"/>
-                </a:solidFill>
-              </a14:hiddenFill>
-            </a:ext>
-            <a:ext uri="{91240B29-F687-4F45-9708-019B960494DF}">
-              <a14:hiddenLine xmlns:a14="http://schemas.microsoft.com/office/drawing/2010/main" w="9525">
-                <a:solidFill>
-                  <a:schemeClr val="tx1"/>
-                </a:solidFill>
-                <a:miter lim="800000"/>
-                <a:headEnd/>
-                <a:tailEnd/>
-              </a14:hiddenLine>
-            </a:ext>
-          </a:extLst>
-        </p:spPr>
-      </p:pic>
-    </p:spTree>
-    <p:extLst>
-      <p:ext uri="{BB962C8B-B14F-4D97-AF65-F5344CB8AC3E}">
-        <p14:creationId xmlns:p14="http://schemas.microsoft.com/office/powerpoint/2010/main" val="3931149446"/>
-      </p:ext>
-    </p:extLst>
-  </p:cSld>
-  <p:clrMapOvr>
-    <a:masterClrMapping/>
-  </p:clrMapOvr>
-</p:sld>
-</file>
-
-<file path=ppt/slides/slide31.xml><?xml version="1.0" encoding="utf-8"?>
-<p:sld xmlns:a="http://schemas.openxmlformats.org/drawingml/2006/main" xmlns:r="http://schemas.openxmlformats.org/officeDocument/2006/relationships" xmlns:p="http://schemas.openxmlformats.org/presentationml/2006/main">
-  <p:cSld>
-    <p:bg>
-      <p:bgPr>
-        <a:solidFill>
-          <a:schemeClr val="bg1"/>
-        </a:solidFill>
-        <a:effectLst/>
-      </p:bgPr>
-    </p:bg>
-    <p:spTree>
-      <p:nvGrpSpPr>
-        <p:cNvPr id="1" name=""/>
-        <p:cNvGrpSpPr/>
-        <p:nvPr/>
-      </p:nvGrpSpPr>
-      <p:grpSpPr>
-        <a:xfrm>
-          <a:off x="0" y="0"/>
-          <a:ext cx="0" cy="0"/>
-          <a:chOff x="0" y="0"/>
-          <a:chExt cx="0" cy="0"/>
-        </a:xfrm>
-      </p:grpSpPr>
-      <p:pic>
-        <p:nvPicPr>
           <p:cNvPr id="2" name="Picture 2" descr="D:\캡쳐이미지\Cap 2016-02-28 09-21-07-246.png">
             <a:extLst>
               <a:ext uri="{FF2B5EF4-FFF2-40B4-BE49-F238E27FC236}">
@@ -8165,7 +7914,7 @@
 </p:sld>
 </file>
 
-<file path=ppt/slides/slide32.xml><?xml version="1.0" encoding="utf-8"?>
+<file path=ppt/slides/slide31.xml><?xml version="1.0" encoding="utf-8"?>
 <p:sld xmlns:a="http://schemas.openxmlformats.org/drawingml/2006/main" xmlns:r="http://schemas.openxmlformats.org/officeDocument/2006/relationships" xmlns:p="http://schemas.openxmlformats.org/presentationml/2006/main">
   <p:cSld>
     <p:bg>
@@ -8288,7 +8037,7 @@
 </p:sld>
 </file>
 
-<file path=ppt/slides/slide33.xml><?xml version="1.0" encoding="utf-8"?>
+<file path=ppt/slides/slide32.xml><?xml version="1.0" encoding="utf-8"?>
 <p:sld xmlns:a="http://schemas.openxmlformats.org/drawingml/2006/main" xmlns:r="http://schemas.openxmlformats.org/officeDocument/2006/relationships" xmlns:p="http://schemas.openxmlformats.org/presentationml/2006/main">
   <p:cSld>
     <p:spTree>
@@ -8404,7 +8153,7 @@
 </p:sld>
 </file>
 
-<file path=ppt/slides/slide34.xml><?xml version="1.0" encoding="utf-8"?>
+<file path=ppt/slides/slide33.xml><?xml version="1.0" encoding="utf-8"?>
 <p:sld xmlns:a="http://schemas.openxmlformats.org/drawingml/2006/main" xmlns:r="http://schemas.openxmlformats.org/officeDocument/2006/relationships" xmlns:p="http://schemas.openxmlformats.org/presentationml/2006/main">
   <p:cSld>
     <p:spTree>
@@ -8781,7 +8530,7 @@
 </p:sld>
 </file>
 
-<file path=ppt/slides/slide35.xml><?xml version="1.0" encoding="utf-8"?>
+<file path=ppt/slides/slide34.xml><?xml version="1.0" encoding="utf-8"?>
 <p:sld xmlns:a="http://schemas.openxmlformats.org/drawingml/2006/main" xmlns:r="http://schemas.openxmlformats.org/officeDocument/2006/relationships" xmlns:p="http://schemas.openxmlformats.org/presentationml/2006/main">
   <p:cSld>
     <p:spTree>
@@ -9038,7 +8787,7 @@
 </p:sld>
 </file>
 
-<file path=ppt/slides/slide36.xml><?xml version="1.0" encoding="utf-8"?>
+<file path=ppt/slides/slide35.xml><?xml version="1.0" encoding="utf-8"?>
 <p:sld xmlns:a="http://schemas.openxmlformats.org/drawingml/2006/main" xmlns:r="http://schemas.openxmlformats.org/officeDocument/2006/relationships" xmlns:p="http://schemas.openxmlformats.org/presentationml/2006/main">
   <p:cSld>
     <p:spTree>
@@ -9416,7 +9165,7 @@
 </p:sld>
 </file>
 
-<file path=ppt/slides/slide37.xml><?xml version="1.0" encoding="utf-8"?>
+<file path=ppt/slides/slide36.xml><?xml version="1.0" encoding="utf-8"?>
 <p:sld xmlns:a="http://schemas.openxmlformats.org/drawingml/2006/main" xmlns:r="http://schemas.openxmlformats.org/officeDocument/2006/relationships" xmlns:p="http://schemas.openxmlformats.org/presentationml/2006/main">
   <p:cSld>
     <p:spTree>
@@ -9524,7 +9273,7 @@
 </p:sld>
 </file>
 
-<file path=ppt/slides/slide38.xml><?xml version="1.0" encoding="utf-8"?>
+<file path=ppt/slides/slide37.xml><?xml version="1.0" encoding="utf-8"?>
 <p:sld xmlns:a="http://schemas.openxmlformats.org/drawingml/2006/main" xmlns:r="http://schemas.openxmlformats.org/officeDocument/2006/relationships" xmlns:p="http://schemas.openxmlformats.org/presentationml/2006/main">
   <p:cSld>
     <p:spTree>
@@ -10152,7 +9901,7 @@
 </p:sld>
 </file>
 
-<file path=ppt/slides/slide39.xml><?xml version="1.0" encoding="utf-8"?>
+<file path=ppt/slides/slide38.xml><?xml version="1.0" encoding="utf-8"?>
 <p:sld xmlns:a="http://schemas.openxmlformats.org/drawingml/2006/main" xmlns:r="http://schemas.openxmlformats.org/officeDocument/2006/relationships" xmlns:p="http://schemas.openxmlformats.org/presentationml/2006/main">
   <p:cSld>
     <p:spTree>
@@ -10720,153 +10469,7 @@
 </p:sld>
 </file>
 
-<file path=ppt/slides/slide4.xml><?xml version="1.0" encoding="utf-8"?>
-<p:sld xmlns:a="http://schemas.openxmlformats.org/drawingml/2006/main" xmlns:r="http://schemas.openxmlformats.org/officeDocument/2006/relationships" xmlns:p="http://schemas.openxmlformats.org/presentationml/2006/main">
-  <p:cSld>
-    <p:bg>
-      <p:bgPr>
-        <a:solidFill>
-          <a:schemeClr val="bg1"/>
-        </a:solidFill>
-        <a:effectLst/>
-      </p:bgPr>
-    </p:bg>
-    <p:spTree>
-      <p:nvGrpSpPr>
-        <p:cNvPr id="1" name=""/>
-        <p:cNvGrpSpPr/>
-        <p:nvPr/>
-      </p:nvGrpSpPr>
-      <p:grpSpPr>
-        <a:xfrm>
-          <a:off x="0" y="0"/>
-          <a:ext cx="0" cy="0"/>
-          <a:chOff x="0" y="0"/>
-          <a:chExt cx="0" cy="0"/>
-        </a:xfrm>
-      </p:grpSpPr>
-      <p:pic>
-        <p:nvPicPr>
-          <p:cNvPr id="2" name="그림 1">
-            <a:extLst>
-              <a:ext uri="{FF2B5EF4-FFF2-40B4-BE49-F238E27FC236}">
-                <a16:creationId xmlns:a16="http://schemas.microsoft.com/office/drawing/2014/main" id="{9D82718A-CAF9-4E26-9C56-032CA0B8C8E7}"/>
-              </a:ext>
-            </a:extLst>
-          </p:cNvPr>
-          <p:cNvPicPr>
-            <a:picLocks noChangeAspect="1"/>
-          </p:cNvPicPr>
-          <p:nvPr/>
-        </p:nvPicPr>
-        <p:blipFill>
-          <a:blip r:embed="rId2"/>
-          <a:stretch>
-            <a:fillRect/>
-          </a:stretch>
-        </p:blipFill>
-        <p:spPr>
-          <a:xfrm>
-            <a:off x="3583419" y="472898"/>
-            <a:ext cx="17217162" cy="5640497"/>
-          </a:xfrm>
-          <a:prstGeom prst="rect">
-            <a:avLst/>
-          </a:prstGeom>
-        </p:spPr>
-      </p:pic>
-      <p:pic>
-        <p:nvPicPr>
-          <p:cNvPr id="4" name="그림 3">
-            <a:extLst>
-              <a:ext uri="{FF2B5EF4-FFF2-40B4-BE49-F238E27FC236}">
-                <a16:creationId xmlns:a16="http://schemas.microsoft.com/office/drawing/2014/main" id="{68EDD97E-E1FA-4B38-B04C-E755CD18EDE1}"/>
-              </a:ext>
-            </a:extLst>
-          </p:cNvPr>
-          <p:cNvPicPr>
-            <a:picLocks noChangeAspect="1"/>
-          </p:cNvPicPr>
-          <p:nvPr/>
-        </p:nvPicPr>
-        <p:blipFill>
-          <a:blip r:embed="rId3"/>
-          <a:stretch>
-            <a:fillRect/>
-          </a:stretch>
-        </p:blipFill>
-        <p:spPr>
-          <a:xfrm>
-            <a:off x="3583419" y="6568053"/>
-            <a:ext cx="18131562" cy="4906480"/>
-          </a:xfrm>
-          <a:prstGeom prst="rect">
-            <a:avLst/>
-          </a:prstGeom>
-        </p:spPr>
-      </p:pic>
-      <p:sp>
-        <p:nvSpPr>
-          <p:cNvPr id="6" name="직사각형 5">
-            <a:extLst>
-              <a:ext uri="{FF2B5EF4-FFF2-40B4-BE49-F238E27FC236}">
-                <a16:creationId xmlns:a16="http://schemas.microsoft.com/office/drawing/2014/main" id="{2B6E6786-B057-418F-88F9-C53B90452123}"/>
-              </a:ext>
-            </a:extLst>
-          </p:cNvPr>
-          <p:cNvSpPr/>
-          <p:nvPr/>
-        </p:nvSpPr>
-        <p:spPr>
-          <a:xfrm>
-            <a:off x="5807329" y="11929191"/>
-            <a:ext cx="12043682" cy="523220"/>
-          </a:xfrm>
-          <a:prstGeom prst="rect">
-            <a:avLst/>
-          </a:prstGeom>
-        </p:spPr>
-        <p:txBody>
-          <a:bodyPr wrap="none">
-            <a:spAutoFit/>
-          </a:bodyPr>
-          <a:lstStyle/>
-          <a:p>
-            <a:r>
-              <a:rPr lang="ko-KR" altLang="en-US" sz="2800" dirty="0"/>
-              <a:t>출처</a:t>
-            </a:r>
-            <a:r>
-              <a:rPr lang="en-US" altLang="ko-KR" sz="2800" dirty="0"/>
-              <a:t>: </a:t>
-            </a:r>
-            <a:r>
-              <a:rPr lang="ko-KR" altLang="en-US" sz="2800" dirty="0">
-                <a:hlinkClick r:id="rId4"/>
-              </a:rPr>
-              <a:t>https://sangwook.github.io/2014/04/25/tdd-is-dead-long-live-testing.html</a:t>
-            </a:r>
-            <a:r>
-              <a:rPr lang="ko-KR" altLang="en-US" sz="2800" dirty="0"/>
-              <a:t> </a:t>
-            </a:r>
-          </a:p>
-        </p:txBody>
-      </p:sp>
-    </p:spTree>
-    <p:extLst>
-      <p:ext uri="{BB962C8B-B14F-4D97-AF65-F5344CB8AC3E}">
-        <p14:creationId xmlns:p14="http://schemas.microsoft.com/office/powerpoint/2010/main" val="2523783120"/>
-      </p:ext>
-    </p:extLst>
-  </p:cSld>
-  <p:clrMapOvr>
-    <a:masterClrMapping/>
-  </p:clrMapOvr>
-</p:sld>
-</file>
-
-<file path=ppt/slides/slide40.xml><?xml version="1.0" encoding="utf-8"?>
+<file path=ppt/slides/slide39.xml><?xml version="1.0" encoding="utf-8"?>
 <p:sld xmlns:a="http://schemas.openxmlformats.org/drawingml/2006/main" xmlns:r="http://schemas.openxmlformats.org/officeDocument/2006/relationships" xmlns:p="http://schemas.openxmlformats.org/presentationml/2006/main">
   <p:cSld>
     <p:spTree>
@@ -11392,7 +10995,153 @@
 </p:sld>
 </file>
 
-<file path=ppt/slides/slide41.xml><?xml version="1.0" encoding="utf-8"?>
+<file path=ppt/slides/slide4.xml><?xml version="1.0" encoding="utf-8"?>
+<p:sld xmlns:a="http://schemas.openxmlformats.org/drawingml/2006/main" xmlns:r="http://schemas.openxmlformats.org/officeDocument/2006/relationships" xmlns:p="http://schemas.openxmlformats.org/presentationml/2006/main">
+  <p:cSld>
+    <p:bg>
+      <p:bgPr>
+        <a:solidFill>
+          <a:schemeClr val="bg1"/>
+        </a:solidFill>
+        <a:effectLst/>
+      </p:bgPr>
+    </p:bg>
+    <p:spTree>
+      <p:nvGrpSpPr>
+        <p:cNvPr id="1" name=""/>
+        <p:cNvGrpSpPr/>
+        <p:nvPr/>
+      </p:nvGrpSpPr>
+      <p:grpSpPr>
+        <a:xfrm>
+          <a:off x="0" y="0"/>
+          <a:ext cx="0" cy="0"/>
+          <a:chOff x="0" y="0"/>
+          <a:chExt cx="0" cy="0"/>
+        </a:xfrm>
+      </p:grpSpPr>
+      <p:pic>
+        <p:nvPicPr>
+          <p:cNvPr id="2" name="그림 1">
+            <a:extLst>
+              <a:ext uri="{FF2B5EF4-FFF2-40B4-BE49-F238E27FC236}">
+                <a16:creationId xmlns:a16="http://schemas.microsoft.com/office/drawing/2014/main" id="{9D82718A-CAF9-4E26-9C56-032CA0B8C8E7}"/>
+              </a:ext>
+            </a:extLst>
+          </p:cNvPr>
+          <p:cNvPicPr>
+            <a:picLocks noChangeAspect="1"/>
+          </p:cNvPicPr>
+          <p:nvPr/>
+        </p:nvPicPr>
+        <p:blipFill>
+          <a:blip r:embed="rId2"/>
+          <a:stretch>
+            <a:fillRect/>
+          </a:stretch>
+        </p:blipFill>
+        <p:spPr>
+          <a:xfrm>
+            <a:off x="3583419" y="472898"/>
+            <a:ext cx="17217162" cy="5640497"/>
+          </a:xfrm>
+          <a:prstGeom prst="rect">
+            <a:avLst/>
+          </a:prstGeom>
+        </p:spPr>
+      </p:pic>
+      <p:pic>
+        <p:nvPicPr>
+          <p:cNvPr id="4" name="그림 3">
+            <a:extLst>
+              <a:ext uri="{FF2B5EF4-FFF2-40B4-BE49-F238E27FC236}">
+                <a16:creationId xmlns:a16="http://schemas.microsoft.com/office/drawing/2014/main" id="{68EDD97E-E1FA-4B38-B04C-E755CD18EDE1}"/>
+              </a:ext>
+            </a:extLst>
+          </p:cNvPr>
+          <p:cNvPicPr>
+            <a:picLocks noChangeAspect="1"/>
+          </p:cNvPicPr>
+          <p:nvPr/>
+        </p:nvPicPr>
+        <p:blipFill>
+          <a:blip r:embed="rId3"/>
+          <a:stretch>
+            <a:fillRect/>
+          </a:stretch>
+        </p:blipFill>
+        <p:spPr>
+          <a:xfrm>
+            <a:off x="3583419" y="6568053"/>
+            <a:ext cx="18131562" cy="4906480"/>
+          </a:xfrm>
+          <a:prstGeom prst="rect">
+            <a:avLst/>
+          </a:prstGeom>
+        </p:spPr>
+      </p:pic>
+      <p:sp>
+        <p:nvSpPr>
+          <p:cNvPr id="6" name="직사각형 5">
+            <a:extLst>
+              <a:ext uri="{FF2B5EF4-FFF2-40B4-BE49-F238E27FC236}">
+                <a16:creationId xmlns:a16="http://schemas.microsoft.com/office/drawing/2014/main" id="{2B6E6786-B057-418F-88F9-C53B90452123}"/>
+              </a:ext>
+            </a:extLst>
+          </p:cNvPr>
+          <p:cNvSpPr/>
+          <p:nvPr/>
+        </p:nvSpPr>
+        <p:spPr>
+          <a:xfrm>
+            <a:off x="5807329" y="11929191"/>
+            <a:ext cx="12043682" cy="523220"/>
+          </a:xfrm>
+          <a:prstGeom prst="rect">
+            <a:avLst/>
+          </a:prstGeom>
+        </p:spPr>
+        <p:txBody>
+          <a:bodyPr wrap="none">
+            <a:spAutoFit/>
+          </a:bodyPr>
+          <a:lstStyle/>
+          <a:p>
+            <a:r>
+              <a:rPr lang="ko-KR" altLang="en-US" sz="2800" dirty="0"/>
+              <a:t>출처</a:t>
+            </a:r>
+            <a:r>
+              <a:rPr lang="en-US" altLang="ko-KR" sz="2800" dirty="0"/>
+              <a:t>: </a:t>
+            </a:r>
+            <a:r>
+              <a:rPr lang="ko-KR" altLang="en-US" sz="2800" dirty="0">
+                <a:hlinkClick r:id="rId4"/>
+              </a:rPr>
+              <a:t>https://sangwook.github.io/2014/04/25/tdd-is-dead-long-live-testing.html</a:t>
+            </a:r>
+            <a:r>
+              <a:rPr lang="ko-KR" altLang="en-US" sz="2800" dirty="0"/>
+              <a:t> </a:t>
+            </a:r>
+          </a:p>
+        </p:txBody>
+      </p:sp>
+    </p:spTree>
+    <p:extLst>
+      <p:ext uri="{BB962C8B-B14F-4D97-AF65-F5344CB8AC3E}">
+        <p14:creationId xmlns:p14="http://schemas.microsoft.com/office/powerpoint/2010/main" val="2523783120"/>
+      </p:ext>
+    </p:extLst>
+  </p:cSld>
+  <p:clrMapOvr>
+    <a:masterClrMapping/>
+  </p:clrMapOvr>
+</p:sld>
+</file>
+
+<file path=ppt/slides/slide40.xml><?xml version="1.0" encoding="utf-8"?>
 <p:sld xmlns:a="http://schemas.openxmlformats.org/drawingml/2006/main" xmlns:r="http://schemas.openxmlformats.org/officeDocument/2006/relationships" xmlns:p="http://schemas.openxmlformats.org/presentationml/2006/main">
   <p:cSld>
     <p:bg>
@@ -11500,7 +11249,7 @@
 </p:sld>
 </file>
 
-<file path=ppt/slides/slide42.xml><?xml version="1.0" encoding="utf-8"?>
+<file path=ppt/slides/slide41.xml><?xml version="1.0" encoding="utf-8"?>
 <p:sld xmlns:a="http://schemas.openxmlformats.org/drawingml/2006/main" xmlns:r="http://schemas.openxmlformats.org/officeDocument/2006/relationships" xmlns:p="http://schemas.openxmlformats.org/presentationml/2006/main">
   <p:cSld>
     <p:bg>
@@ -11608,7 +11357,7 @@
 </p:sld>
 </file>
 
-<file path=ppt/slides/slide43.xml><?xml version="1.0" encoding="utf-8"?>
+<file path=ppt/slides/slide42.xml><?xml version="1.0" encoding="utf-8"?>
 <p:sld xmlns:a="http://schemas.openxmlformats.org/drawingml/2006/main" xmlns:r="http://schemas.openxmlformats.org/officeDocument/2006/relationships" xmlns:p="http://schemas.openxmlformats.org/presentationml/2006/main">
   <p:cSld>
     <p:spTree>
@@ -11823,7 +11572,7 @@
 </p:sld>
 </file>
 
-<file path=ppt/slides/slide44.xml><?xml version="1.0" encoding="utf-8"?>
+<file path=ppt/slides/slide43.xml><?xml version="1.0" encoding="utf-8"?>
 <p:sld xmlns:a="http://schemas.openxmlformats.org/drawingml/2006/main" xmlns:r="http://schemas.openxmlformats.org/officeDocument/2006/relationships" xmlns:p="http://schemas.openxmlformats.org/presentationml/2006/main">
   <p:cSld>
     <p:bg>
@@ -12204,7 +11953,7 @@
 </p:sld>
 </file>
 
-<file path=ppt/slides/slide45.xml><?xml version="1.0" encoding="utf-8"?>
+<file path=ppt/slides/slide44.xml><?xml version="1.0" encoding="utf-8"?>
 <p:sld xmlns:a="http://schemas.openxmlformats.org/drawingml/2006/main" xmlns:r="http://schemas.openxmlformats.org/officeDocument/2006/relationships" xmlns:p="http://schemas.openxmlformats.org/presentationml/2006/main">
   <p:cSld>
     <p:bg>
@@ -12302,7 +12051,7 @@
 </p:sld>
 </file>
 
-<file path=ppt/slides/slide46.xml><?xml version="1.0" encoding="utf-8"?>
+<file path=ppt/slides/slide45.xml><?xml version="1.0" encoding="utf-8"?>
 <p:sld xmlns:a="http://schemas.openxmlformats.org/drawingml/2006/main" xmlns:r="http://schemas.openxmlformats.org/officeDocument/2006/relationships" xmlns:p="http://schemas.openxmlformats.org/presentationml/2006/main">
   <p:cSld>
     <p:bg>
@@ -12611,7 +12360,7 @@
 </p:sld>
 </file>
 
-<file path=ppt/slides/slide47.xml><?xml version="1.0" encoding="utf-8"?>
+<file path=ppt/slides/slide46.xml><?xml version="1.0" encoding="utf-8"?>
 <p:sld xmlns:a="http://schemas.openxmlformats.org/drawingml/2006/main" xmlns:r="http://schemas.openxmlformats.org/officeDocument/2006/relationships" xmlns:p="http://schemas.openxmlformats.org/presentationml/2006/main">
   <p:cSld>
     <p:bg>
@@ -12737,7 +12486,7 @@
 </p:sld>
 </file>
 
-<file path=ppt/slides/slide48.xml><?xml version="1.0" encoding="utf-8"?>
+<file path=ppt/slides/slide47.xml><?xml version="1.0" encoding="utf-8"?>
 <p:sld xmlns:a="http://schemas.openxmlformats.org/drawingml/2006/main" xmlns:r="http://schemas.openxmlformats.org/officeDocument/2006/relationships" xmlns:p="http://schemas.openxmlformats.org/presentationml/2006/main">
   <p:cSld>
     <p:bg>
@@ -12985,7 +12734,7 @@
 </p:sld>
 </file>
 
-<file path=ppt/slides/slide49.xml><?xml version="1.0" encoding="utf-8"?>
+<file path=ppt/slides/slide48.xml><?xml version="1.0" encoding="utf-8"?>
 <p:sld xmlns:a="http://schemas.openxmlformats.org/drawingml/2006/main" xmlns:r="http://schemas.openxmlformats.org/officeDocument/2006/relationships" xmlns:p="http://schemas.openxmlformats.org/presentationml/2006/main">
   <p:cSld>
     <p:bg>
@@ -13274,6 +13023,331 @@
     <p:extLst>
       <p:ext uri="{BB962C8B-B14F-4D97-AF65-F5344CB8AC3E}">
         <p14:creationId xmlns:p14="http://schemas.microsoft.com/office/powerpoint/2010/main" val="2683268354"/>
+      </p:ext>
+    </p:extLst>
+  </p:cSld>
+  <p:clrMapOvr>
+    <a:masterClrMapping/>
+  </p:clrMapOvr>
+</p:sld>
+</file>
+
+<file path=ppt/slides/slide49.xml><?xml version="1.0" encoding="utf-8"?>
+<p:sld xmlns:a="http://schemas.openxmlformats.org/drawingml/2006/main" xmlns:r="http://schemas.openxmlformats.org/officeDocument/2006/relationships" xmlns:p="http://schemas.openxmlformats.org/presentationml/2006/main">
+  <p:cSld>
+    <p:bg>
+      <p:bgPr>
+        <a:solidFill>
+          <a:schemeClr val="bg1"/>
+        </a:solidFill>
+        <a:effectLst/>
+      </p:bgPr>
+    </p:bg>
+    <p:spTree>
+      <p:nvGrpSpPr>
+        <p:cNvPr id="1" name=""/>
+        <p:cNvGrpSpPr/>
+        <p:nvPr/>
+      </p:nvGrpSpPr>
+      <p:grpSpPr>
+        <a:xfrm>
+          <a:off x="0" y="0"/>
+          <a:ext cx="0" cy="0"/>
+          <a:chOff x="0" y="0"/>
+          <a:chExt cx="0" cy="0"/>
+        </a:xfrm>
+      </p:grpSpPr>
+      <p:sp>
+        <p:nvSpPr>
+          <p:cNvPr id="3" name="TextBox 2">
+            <a:extLst>
+              <a:ext uri="{FF2B5EF4-FFF2-40B4-BE49-F238E27FC236}">
+                <a16:creationId xmlns:a16="http://schemas.microsoft.com/office/drawing/2014/main" id="{721341A2-95CC-4F1C-A2C4-904316880D7A}"/>
+              </a:ext>
+            </a:extLst>
+          </p:cNvPr>
+          <p:cNvSpPr txBox="1"/>
+          <p:nvPr/>
+        </p:nvSpPr>
+        <p:spPr>
+          <a:xfrm>
+            <a:off x="1933492" y="1312565"/>
+            <a:ext cx="19353739" cy="1200329"/>
+          </a:xfrm>
+          <a:prstGeom prst="rect">
+            <a:avLst/>
+          </a:prstGeom>
+          <a:noFill/>
+        </p:spPr>
+        <p:txBody>
+          <a:bodyPr wrap="square" rtlCol="0">
+            <a:spAutoFit/>
+          </a:bodyPr>
+          <a:lstStyle/>
+          <a:p>
+            <a:r>
+              <a:rPr lang="ko-KR" altLang="en-US" sz="7200" dirty="0"/>
+              <a:t>인터페이스를 사용한 클래스 정의</a:t>
+            </a:r>
+            <a:r>
+              <a:rPr lang="en-US" altLang="ko-KR" sz="7200" dirty="0"/>
+              <a:t>, mock</a:t>
+            </a:r>
+            <a:r>
+              <a:rPr lang="ko-KR" altLang="en-US" sz="7200" dirty="0"/>
+              <a:t>이 필요</a:t>
+            </a:r>
+          </a:p>
+        </p:txBody>
+      </p:sp>
+      <p:sp>
+        <p:nvSpPr>
+          <p:cNvPr id="4" name="직사각형 3">
+            <a:extLst>
+              <a:ext uri="{FF2B5EF4-FFF2-40B4-BE49-F238E27FC236}">
+                <a16:creationId xmlns:a16="http://schemas.microsoft.com/office/drawing/2014/main" id="{09F3F754-0F63-476B-9A6C-11D88C6C3FB6}"/>
+              </a:ext>
+            </a:extLst>
+          </p:cNvPr>
+          <p:cNvSpPr/>
+          <p:nvPr/>
+        </p:nvSpPr>
+        <p:spPr>
+          <a:xfrm>
+            <a:off x="1238548" y="3047057"/>
+            <a:ext cx="9350203" cy="5909310"/>
+          </a:xfrm>
+          <a:prstGeom prst="rect">
+            <a:avLst/>
+          </a:prstGeom>
+          <a:ln>
+            <a:solidFill>
+              <a:schemeClr val="tx1"/>
+            </a:solidFill>
+          </a:ln>
+        </p:spPr>
+        <p:txBody>
+          <a:bodyPr wrap="square">
+            <a:spAutoFit/>
+          </a:bodyPr>
+          <a:lstStyle/>
+          <a:p>
+            <a:r>
+              <a:rPr lang="en-US" altLang="ko-KR" sz="5400" dirty="0"/>
+              <a:t>class </a:t>
+            </a:r>
+            <a:r>
+              <a:rPr lang="en-US" altLang="ko-KR" sz="5400" dirty="0" err="1"/>
+              <a:t>INetwork</a:t>
+            </a:r>
+            <a:endParaRPr lang="en-US" altLang="ko-KR" sz="5400" dirty="0"/>
+          </a:p>
+          <a:p>
+            <a:r>
+              <a:rPr lang="en-US" altLang="ko-KR" sz="5400" dirty="0"/>
+              <a:t>{</a:t>
+            </a:r>
+          </a:p>
+          <a:p>
+            <a:r>
+              <a:rPr lang="en-US" altLang="ko-KR" sz="5400" dirty="0"/>
+              <a:t>};</a:t>
+            </a:r>
+          </a:p>
+          <a:p>
+            <a:endParaRPr lang="en-US" altLang="ko-KR" sz="5400" dirty="0"/>
+          </a:p>
+          <a:p>
+            <a:r>
+              <a:rPr lang="en-US" altLang="ko-KR" sz="5400" dirty="0"/>
+              <a:t>class Network : public </a:t>
+            </a:r>
+            <a:r>
+              <a:rPr lang="en-US" altLang="ko-KR" sz="5400" dirty="0" err="1"/>
+              <a:t>INetwork</a:t>
+            </a:r>
+            <a:endParaRPr lang="en-US" altLang="ko-KR" sz="5400" dirty="0"/>
+          </a:p>
+          <a:p>
+            <a:r>
+              <a:rPr lang="en-US" altLang="ko-KR" sz="5400" dirty="0"/>
+              <a:t>{</a:t>
+            </a:r>
+          </a:p>
+          <a:p>
+            <a:r>
+              <a:rPr lang="en-US" altLang="ko-KR" sz="5400" dirty="0"/>
+              <a:t>};</a:t>
+            </a:r>
+            <a:endParaRPr lang="ko-KR" altLang="en-US" sz="5400" dirty="0"/>
+          </a:p>
+        </p:txBody>
+      </p:sp>
+      <p:sp>
+        <p:nvSpPr>
+          <p:cNvPr id="6" name="직사각형 5">
+            <a:extLst>
+              <a:ext uri="{FF2B5EF4-FFF2-40B4-BE49-F238E27FC236}">
+                <a16:creationId xmlns:a16="http://schemas.microsoft.com/office/drawing/2014/main" id="{A7E141E0-3857-407B-961C-D52317212F1A}"/>
+              </a:ext>
+            </a:extLst>
+          </p:cNvPr>
+          <p:cNvSpPr/>
+          <p:nvPr/>
+        </p:nvSpPr>
+        <p:spPr>
+          <a:xfrm>
+            <a:off x="10815628" y="3047057"/>
+            <a:ext cx="12446707" cy="9233297"/>
+          </a:xfrm>
+          <a:prstGeom prst="rect">
+            <a:avLst/>
+          </a:prstGeom>
+          <a:ln>
+            <a:solidFill>
+              <a:schemeClr val="tx1"/>
+            </a:solidFill>
+          </a:ln>
+        </p:spPr>
+        <p:txBody>
+          <a:bodyPr wrap="square">
+            <a:spAutoFit/>
+          </a:bodyPr>
+          <a:lstStyle/>
+          <a:p>
+            <a:r>
+              <a:rPr lang="en-US" altLang="ko-KR" sz="5400" dirty="0"/>
+              <a:t>class </a:t>
+            </a:r>
+            <a:r>
+              <a:rPr lang="en-US" altLang="ko-KR" sz="5400" dirty="0" err="1"/>
+              <a:t>MembserManager</a:t>
+            </a:r>
+            <a:endParaRPr lang="en-US" altLang="ko-KR" sz="5400" dirty="0"/>
+          </a:p>
+          <a:p>
+            <a:r>
+              <a:rPr lang="en-US" altLang="ko-KR" sz="5400" dirty="0"/>
+              <a:t>{</a:t>
+            </a:r>
+          </a:p>
+          <a:p>
+            <a:r>
+              <a:rPr lang="en-US" altLang="ko-KR" sz="5400" dirty="0"/>
+              <a:t>public:</a:t>
+            </a:r>
+          </a:p>
+          <a:p>
+            <a:r>
+              <a:rPr lang="en-US" altLang="ko-KR" sz="5400" dirty="0"/>
+              <a:t>	</a:t>
+            </a:r>
+            <a:r>
+              <a:rPr lang="en-US" altLang="ko-KR" sz="5400" dirty="0" err="1"/>
+              <a:t>MembserManager</a:t>
+            </a:r>
+            <a:r>
+              <a:rPr lang="en-US" altLang="ko-KR" sz="5400" dirty="0"/>
+              <a:t>(</a:t>
+            </a:r>
+            <a:r>
+              <a:rPr lang="en-US" altLang="ko-KR" sz="5400" dirty="0" err="1"/>
+              <a:t>INetwork</a:t>
+            </a:r>
+            <a:r>
+              <a:rPr lang="en-US" altLang="ko-KR" sz="5400" dirty="0"/>
+              <a:t>* </a:t>
+            </a:r>
+            <a:r>
+              <a:rPr lang="en-US" altLang="ko-KR" sz="5400" dirty="0" err="1"/>
+              <a:t>pNetwork</a:t>
+            </a:r>
+            <a:r>
+              <a:rPr lang="en-US" altLang="ko-KR" sz="5400" dirty="0"/>
+              <a:t>);</a:t>
+            </a:r>
+          </a:p>
+          <a:p>
+            <a:r>
+              <a:rPr lang="en-US" altLang="ko-KR" sz="5400" dirty="0"/>
+              <a:t>	{</a:t>
+            </a:r>
+          </a:p>
+          <a:p>
+            <a:r>
+              <a:rPr lang="en-US" altLang="ko-KR" sz="5400" dirty="0"/>
+              <a:t>		</a:t>
+            </a:r>
+            <a:r>
+              <a:rPr lang="en-US" altLang="ko-KR" sz="5400" dirty="0" err="1"/>
+              <a:t>m_pNetwork</a:t>
+            </a:r>
+            <a:r>
+              <a:rPr lang="en-US" altLang="ko-KR" sz="5400" dirty="0"/>
+              <a:t> = </a:t>
+            </a:r>
+            <a:r>
+              <a:rPr lang="en-US" altLang="ko-KR" sz="5400" dirty="0" err="1"/>
+              <a:t>pNetwork</a:t>
+            </a:r>
+            <a:r>
+              <a:rPr lang="en-US" altLang="ko-KR" sz="5400" dirty="0"/>
+              <a:t>;</a:t>
+            </a:r>
+          </a:p>
+          <a:p>
+            <a:r>
+              <a:rPr lang="en-US" altLang="ko-KR" sz="5400" dirty="0"/>
+              <a:t>	}</a:t>
+            </a:r>
+          </a:p>
+          <a:p>
+            <a:r>
+              <a:rPr lang="en-US" altLang="ko-KR" sz="5400" dirty="0"/>
+              <a:t>	</a:t>
+            </a:r>
+          </a:p>
+          <a:p>
+            <a:r>
+              <a:rPr lang="en-US" altLang="ko-KR" sz="5400" dirty="0"/>
+              <a:t>private:</a:t>
+            </a:r>
+          </a:p>
+          <a:p>
+            <a:r>
+              <a:rPr lang="en-US" altLang="ko-KR" sz="5400" dirty="0"/>
+              <a:t>	</a:t>
+            </a:r>
+            <a:r>
+              <a:rPr lang="en-US" altLang="ko-KR" sz="5400" dirty="0" err="1"/>
+              <a:t>INetwork</a:t>
+            </a:r>
+            <a:r>
+              <a:rPr lang="en-US" altLang="ko-KR" sz="5400" dirty="0"/>
+              <a:t>* </a:t>
+            </a:r>
+            <a:r>
+              <a:rPr lang="en-US" altLang="ko-KR" sz="5400" dirty="0" err="1"/>
+              <a:t>m_pNetwork</a:t>
+            </a:r>
+            <a:r>
+              <a:rPr lang="en-US" altLang="ko-KR" sz="5400" dirty="0"/>
+              <a:t>;</a:t>
+            </a:r>
+          </a:p>
+          <a:p>
+            <a:r>
+              <a:rPr lang="en-US" altLang="ko-KR" sz="5400" dirty="0"/>
+              <a:t>};</a:t>
+            </a:r>
+            <a:endParaRPr lang="ko-KR" altLang="en-US" sz="5400" dirty="0"/>
+          </a:p>
+        </p:txBody>
+      </p:sp>
+    </p:spTree>
+    <p:extLst>
+      <p:ext uri="{BB962C8B-B14F-4D97-AF65-F5344CB8AC3E}">
+        <p14:creationId xmlns:p14="http://schemas.microsoft.com/office/powerpoint/2010/main" val="3637056459"/>
       </p:ext>
     </p:extLst>
   </p:cSld>
@@ -13418,331 +13492,6 @@
       </p:grpSpPr>
       <p:sp>
         <p:nvSpPr>
-          <p:cNvPr id="3" name="TextBox 2">
-            <a:extLst>
-              <a:ext uri="{FF2B5EF4-FFF2-40B4-BE49-F238E27FC236}">
-                <a16:creationId xmlns:a16="http://schemas.microsoft.com/office/drawing/2014/main" id="{721341A2-95CC-4F1C-A2C4-904316880D7A}"/>
-              </a:ext>
-            </a:extLst>
-          </p:cNvPr>
-          <p:cNvSpPr txBox="1"/>
-          <p:nvPr/>
-        </p:nvSpPr>
-        <p:spPr>
-          <a:xfrm>
-            <a:off x="1933492" y="1312565"/>
-            <a:ext cx="19353739" cy="1200329"/>
-          </a:xfrm>
-          <a:prstGeom prst="rect">
-            <a:avLst/>
-          </a:prstGeom>
-          <a:noFill/>
-        </p:spPr>
-        <p:txBody>
-          <a:bodyPr wrap="square" rtlCol="0">
-            <a:spAutoFit/>
-          </a:bodyPr>
-          <a:lstStyle/>
-          <a:p>
-            <a:r>
-              <a:rPr lang="ko-KR" altLang="en-US" sz="7200" dirty="0"/>
-              <a:t>인터페이스를 사용한 클래스 정의</a:t>
-            </a:r>
-            <a:r>
-              <a:rPr lang="en-US" altLang="ko-KR" sz="7200" dirty="0"/>
-              <a:t>, mock</a:t>
-            </a:r>
-            <a:r>
-              <a:rPr lang="ko-KR" altLang="en-US" sz="7200" dirty="0"/>
-              <a:t>이 필요</a:t>
-            </a:r>
-          </a:p>
-        </p:txBody>
-      </p:sp>
-      <p:sp>
-        <p:nvSpPr>
-          <p:cNvPr id="4" name="직사각형 3">
-            <a:extLst>
-              <a:ext uri="{FF2B5EF4-FFF2-40B4-BE49-F238E27FC236}">
-                <a16:creationId xmlns:a16="http://schemas.microsoft.com/office/drawing/2014/main" id="{09F3F754-0F63-476B-9A6C-11D88C6C3FB6}"/>
-              </a:ext>
-            </a:extLst>
-          </p:cNvPr>
-          <p:cNvSpPr/>
-          <p:nvPr/>
-        </p:nvSpPr>
-        <p:spPr>
-          <a:xfrm>
-            <a:off x="1238548" y="3047057"/>
-            <a:ext cx="9350203" cy="5909310"/>
-          </a:xfrm>
-          <a:prstGeom prst="rect">
-            <a:avLst/>
-          </a:prstGeom>
-          <a:ln>
-            <a:solidFill>
-              <a:schemeClr val="tx1"/>
-            </a:solidFill>
-          </a:ln>
-        </p:spPr>
-        <p:txBody>
-          <a:bodyPr wrap="square">
-            <a:spAutoFit/>
-          </a:bodyPr>
-          <a:lstStyle/>
-          <a:p>
-            <a:r>
-              <a:rPr lang="en-US" altLang="ko-KR" sz="5400" dirty="0"/>
-              <a:t>class </a:t>
-            </a:r>
-            <a:r>
-              <a:rPr lang="en-US" altLang="ko-KR" sz="5400" dirty="0" err="1"/>
-              <a:t>INetwork</a:t>
-            </a:r>
-            <a:endParaRPr lang="en-US" altLang="ko-KR" sz="5400" dirty="0"/>
-          </a:p>
-          <a:p>
-            <a:r>
-              <a:rPr lang="en-US" altLang="ko-KR" sz="5400" dirty="0"/>
-              <a:t>{</a:t>
-            </a:r>
-          </a:p>
-          <a:p>
-            <a:r>
-              <a:rPr lang="en-US" altLang="ko-KR" sz="5400" dirty="0"/>
-              <a:t>};</a:t>
-            </a:r>
-          </a:p>
-          <a:p>
-            <a:endParaRPr lang="en-US" altLang="ko-KR" sz="5400" dirty="0"/>
-          </a:p>
-          <a:p>
-            <a:r>
-              <a:rPr lang="en-US" altLang="ko-KR" sz="5400" dirty="0"/>
-              <a:t>class Network : public </a:t>
-            </a:r>
-            <a:r>
-              <a:rPr lang="en-US" altLang="ko-KR" sz="5400" dirty="0" err="1"/>
-              <a:t>INetwork</a:t>
-            </a:r>
-            <a:endParaRPr lang="en-US" altLang="ko-KR" sz="5400" dirty="0"/>
-          </a:p>
-          <a:p>
-            <a:r>
-              <a:rPr lang="en-US" altLang="ko-KR" sz="5400" dirty="0"/>
-              <a:t>{</a:t>
-            </a:r>
-          </a:p>
-          <a:p>
-            <a:r>
-              <a:rPr lang="en-US" altLang="ko-KR" sz="5400" dirty="0"/>
-              <a:t>};</a:t>
-            </a:r>
-            <a:endParaRPr lang="ko-KR" altLang="en-US" sz="5400" dirty="0"/>
-          </a:p>
-        </p:txBody>
-      </p:sp>
-      <p:sp>
-        <p:nvSpPr>
-          <p:cNvPr id="6" name="직사각형 5">
-            <a:extLst>
-              <a:ext uri="{FF2B5EF4-FFF2-40B4-BE49-F238E27FC236}">
-                <a16:creationId xmlns:a16="http://schemas.microsoft.com/office/drawing/2014/main" id="{A7E141E0-3857-407B-961C-D52317212F1A}"/>
-              </a:ext>
-            </a:extLst>
-          </p:cNvPr>
-          <p:cNvSpPr/>
-          <p:nvPr/>
-        </p:nvSpPr>
-        <p:spPr>
-          <a:xfrm>
-            <a:off x="10815628" y="3047057"/>
-            <a:ext cx="12446707" cy="9233297"/>
-          </a:xfrm>
-          <a:prstGeom prst="rect">
-            <a:avLst/>
-          </a:prstGeom>
-          <a:ln>
-            <a:solidFill>
-              <a:schemeClr val="tx1"/>
-            </a:solidFill>
-          </a:ln>
-        </p:spPr>
-        <p:txBody>
-          <a:bodyPr wrap="square">
-            <a:spAutoFit/>
-          </a:bodyPr>
-          <a:lstStyle/>
-          <a:p>
-            <a:r>
-              <a:rPr lang="en-US" altLang="ko-KR" sz="5400" dirty="0"/>
-              <a:t>class </a:t>
-            </a:r>
-            <a:r>
-              <a:rPr lang="en-US" altLang="ko-KR" sz="5400" dirty="0" err="1"/>
-              <a:t>MembserManager</a:t>
-            </a:r>
-            <a:endParaRPr lang="en-US" altLang="ko-KR" sz="5400" dirty="0"/>
-          </a:p>
-          <a:p>
-            <a:r>
-              <a:rPr lang="en-US" altLang="ko-KR" sz="5400" dirty="0"/>
-              <a:t>{</a:t>
-            </a:r>
-          </a:p>
-          <a:p>
-            <a:r>
-              <a:rPr lang="en-US" altLang="ko-KR" sz="5400" dirty="0"/>
-              <a:t>public:</a:t>
-            </a:r>
-          </a:p>
-          <a:p>
-            <a:r>
-              <a:rPr lang="en-US" altLang="ko-KR" sz="5400" dirty="0"/>
-              <a:t>	</a:t>
-            </a:r>
-            <a:r>
-              <a:rPr lang="en-US" altLang="ko-KR" sz="5400" dirty="0" err="1"/>
-              <a:t>MembserManager</a:t>
-            </a:r>
-            <a:r>
-              <a:rPr lang="en-US" altLang="ko-KR" sz="5400" dirty="0"/>
-              <a:t>(</a:t>
-            </a:r>
-            <a:r>
-              <a:rPr lang="en-US" altLang="ko-KR" sz="5400" dirty="0" err="1"/>
-              <a:t>INetwork</a:t>
-            </a:r>
-            <a:r>
-              <a:rPr lang="en-US" altLang="ko-KR" sz="5400" dirty="0"/>
-              <a:t>* </a:t>
-            </a:r>
-            <a:r>
-              <a:rPr lang="en-US" altLang="ko-KR" sz="5400" dirty="0" err="1"/>
-              <a:t>pNetwork</a:t>
-            </a:r>
-            <a:r>
-              <a:rPr lang="en-US" altLang="ko-KR" sz="5400" dirty="0"/>
-              <a:t>);</a:t>
-            </a:r>
-          </a:p>
-          <a:p>
-            <a:r>
-              <a:rPr lang="en-US" altLang="ko-KR" sz="5400" dirty="0"/>
-              <a:t>	{</a:t>
-            </a:r>
-          </a:p>
-          <a:p>
-            <a:r>
-              <a:rPr lang="en-US" altLang="ko-KR" sz="5400" dirty="0"/>
-              <a:t>		</a:t>
-            </a:r>
-            <a:r>
-              <a:rPr lang="en-US" altLang="ko-KR" sz="5400" dirty="0" err="1"/>
-              <a:t>m_pNetwork</a:t>
-            </a:r>
-            <a:r>
-              <a:rPr lang="en-US" altLang="ko-KR" sz="5400" dirty="0"/>
-              <a:t> = </a:t>
-            </a:r>
-            <a:r>
-              <a:rPr lang="en-US" altLang="ko-KR" sz="5400" dirty="0" err="1"/>
-              <a:t>pNetwork</a:t>
-            </a:r>
-            <a:r>
-              <a:rPr lang="en-US" altLang="ko-KR" sz="5400" dirty="0"/>
-              <a:t>;</a:t>
-            </a:r>
-          </a:p>
-          <a:p>
-            <a:r>
-              <a:rPr lang="en-US" altLang="ko-KR" sz="5400" dirty="0"/>
-              <a:t>	}</a:t>
-            </a:r>
-          </a:p>
-          <a:p>
-            <a:r>
-              <a:rPr lang="en-US" altLang="ko-KR" sz="5400" dirty="0"/>
-              <a:t>	</a:t>
-            </a:r>
-          </a:p>
-          <a:p>
-            <a:r>
-              <a:rPr lang="en-US" altLang="ko-KR" sz="5400" dirty="0"/>
-              <a:t>private:</a:t>
-            </a:r>
-          </a:p>
-          <a:p>
-            <a:r>
-              <a:rPr lang="en-US" altLang="ko-KR" sz="5400" dirty="0"/>
-              <a:t>	</a:t>
-            </a:r>
-            <a:r>
-              <a:rPr lang="en-US" altLang="ko-KR" sz="5400" dirty="0" err="1"/>
-              <a:t>INetwork</a:t>
-            </a:r>
-            <a:r>
-              <a:rPr lang="en-US" altLang="ko-KR" sz="5400" dirty="0"/>
-              <a:t>* </a:t>
-            </a:r>
-            <a:r>
-              <a:rPr lang="en-US" altLang="ko-KR" sz="5400" dirty="0" err="1"/>
-              <a:t>m_pNetwork</a:t>
-            </a:r>
-            <a:r>
-              <a:rPr lang="en-US" altLang="ko-KR" sz="5400" dirty="0"/>
-              <a:t>;</a:t>
-            </a:r>
-          </a:p>
-          <a:p>
-            <a:r>
-              <a:rPr lang="en-US" altLang="ko-KR" sz="5400" dirty="0"/>
-              <a:t>};</a:t>
-            </a:r>
-            <a:endParaRPr lang="ko-KR" altLang="en-US" sz="5400" dirty="0"/>
-          </a:p>
-        </p:txBody>
-      </p:sp>
-    </p:spTree>
-    <p:extLst>
-      <p:ext uri="{BB962C8B-B14F-4D97-AF65-F5344CB8AC3E}">
-        <p14:creationId xmlns:p14="http://schemas.microsoft.com/office/powerpoint/2010/main" val="3637056459"/>
-      </p:ext>
-    </p:extLst>
-  </p:cSld>
-  <p:clrMapOvr>
-    <a:masterClrMapping/>
-  </p:clrMapOvr>
-</p:sld>
-</file>
-
-<file path=ppt/slides/slide51.xml><?xml version="1.0" encoding="utf-8"?>
-<p:sld xmlns:a="http://schemas.openxmlformats.org/drawingml/2006/main" xmlns:r="http://schemas.openxmlformats.org/officeDocument/2006/relationships" xmlns:p="http://schemas.openxmlformats.org/presentationml/2006/main">
-  <p:cSld>
-    <p:bg>
-      <p:bgPr>
-        <a:solidFill>
-          <a:schemeClr val="bg1"/>
-        </a:solidFill>
-        <a:effectLst/>
-      </p:bgPr>
-    </p:bg>
-    <p:spTree>
-      <p:nvGrpSpPr>
-        <p:cNvPr id="1" name=""/>
-        <p:cNvGrpSpPr/>
-        <p:nvPr/>
-      </p:nvGrpSpPr>
-      <p:grpSpPr>
-        <a:xfrm>
-          <a:off x="0" y="0"/>
-          <a:ext cx="0" cy="0"/>
-          <a:chOff x="0" y="0"/>
-          <a:chExt cx="0" cy="0"/>
-        </a:xfrm>
-      </p:grpSpPr>
-      <p:sp>
-        <p:nvSpPr>
           <p:cNvPr id="3" name="직사각형 2">
             <a:extLst>
               <a:ext uri="{FF2B5EF4-FFF2-40B4-BE49-F238E27FC236}">
@@ -13993,7 +13742,7 @@
 </p:sld>
 </file>
 
-<file path=ppt/slides/slide52.xml><?xml version="1.0" encoding="utf-8"?>
+<file path=ppt/slides/slide51.xml><?xml version="1.0" encoding="utf-8"?>
 <p:sld xmlns:a="http://schemas.openxmlformats.org/drawingml/2006/main" xmlns:r="http://schemas.openxmlformats.org/officeDocument/2006/relationships" xmlns:p="http://schemas.openxmlformats.org/presentationml/2006/main">
   <p:cSld>
     <p:bg>
@@ -14108,7 +13857,7 @@
 </p:sld>
 </file>
 
-<file path=ppt/slides/slide53.xml><?xml version="1.0" encoding="utf-8"?>
+<file path=ppt/slides/slide52.xml><?xml version="1.0" encoding="utf-8"?>
 <p:sld xmlns:a="http://schemas.openxmlformats.org/drawingml/2006/main" xmlns:r="http://schemas.openxmlformats.org/officeDocument/2006/relationships" xmlns:p="http://schemas.openxmlformats.org/presentationml/2006/main">
   <p:cSld>
     <p:spTree>
@@ -14237,7 +13986,7 @@
 </p:sld>
 </file>
 
-<file path=ppt/slides/slide54.xml><?xml version="1.0" encoding="utf-8"?>
+<file path=ppt/slides/slide53.xml><?xml version="1.0" encoding="utf-8"?>
 <p:sld xmlns:a="http://schemas.openxmlformats.org/drawingml/2006/main" xmlns:r="http://schemas.openxmlformats.org/officeDocument/2006/relationships" xmlns:p="http://schemas.openxmlformats.org/presentationml/2006/main">
   <p:cSld>
     <p:bg>
@@ -14516,6 +14265,180 @@
     <p:extLst>
       <p:ext uri="{BB962C8B-B14F-4D97-AF65-F5344CB8AC3E}">
         <p14:creationId xmlns:p14="http://schemas.microsoft.com/office/powerpoint/2010/main" val="1368347265"/>
+      </p:ext>
+    </p:extLst>
+  </p:cSld>
+  <p:clrMapOvr>
+    <a:masterClrMapping/>
+  </p:clrMapOvr>
+</p:sld>
+</file>
+
+<file path=ppt/slides/slide54.xml><?xml version="1.0" encoding="utf-8"?>
+<p:sld xmlns:a="http://schemas.openxmlformats.org/drawingml/2006/main" xmlns:r="http://schemas.openxmlformats.org/officeDocument/2006/relationships" xmlns:p="http://schemas.openxmlformats.org/presentationml/2006/main">
+  <p:cSld>
+    <p:bg>
+      <p:bgPr>
+        <a:solidFill>
+          <a:schemeClr val="bg1"/>
+        </a:solidFill>
+        <a:effectLst/>
+      </p:bgPr>
+    </p:bg>
+    <p:spTree>
+      <p:nvGrpSpPr>
+        <p:cNvPr id="1" name=""/>
+        <p:cNvGrpSpPr/>
+        <p:nvPr/>
+      </p:nvGrpSpPr>
+      <p:grpSpPr>
+        <a:xfrm>
+          <a:off x="0" y="0"/>
+          <a:ext cx="0" cy="0"/>
+          <a:chOff x="0" y="0"/>
+          <a:chExt cx="0" cy="0"/>
+        </a:xfrm>
+      </p:grpSpPr>
+      <p:sp>
+        <p:nvSpPr>
+          <p:cNvPr id="3" name="직사각형 2">
+            <a:extLst>
+              <a:ext uri="{FF2B5EF4-FFF2-40B4-BE49-F238E27FC236}">
+                <a16:creationId xmlns:a16="http://schemas.microsoft.com/office/drawing/2014/main" id="{E4C5017F-9FF4-484E-970F-7A5772A9CE4E}"/>
+              </a:ext>
+            </a:extLst>
+          </p:cNvPr>
+          <p:cNvSpPr/>
+          <p:nvPr/>
+        </p:nvSpPr>
+        <p:spPr>
+          <a:xfrm>
+            <a:off x="1008657" y="527733"/>
+            <a:ext cx="8295861" cy="1323439"/>
+          </a:xfrm>
+          <a:prstGeom prst="rect">
+            <a:avLst/>
+          </a:prstGeom>
+        </p:spPr>
+        <p:txBody>
+          <a:bodyPr wrap="none">
+            <a:spAutoFit/>
+          </a:bodyPr>
+          <a:lstStyle/>
+          <a:p>
+            <a:r>
+              <a:rPr lang="ko-KR" altLang="en-US" sz="7200" b="1" dirty="0"/>
+              <a:t>유닛 테스트 </a:t>
+            </a:r>
+            <a:r>
+              <a:rPr lang="ko-KR" altLang="en-US" sz="8000" b="1" dirty="0"/>
+              <a:t>효용성</a:t>
+            </a:r>
+          </a:p>
+        </p:txBody>
+      </p:sp>
+      <p:sp>
+        <p:nvSpPr>
+          <p:cNvPr id="4" name="직사각형 3">
+            <a:extLst>
+              <a:ext uri="{FF2B5EF4-FFF2-40B4-BE49-F238E27FC236}">
+                <a16:creationId xmlns:a16="http://schemas.microsoft.com/office/drawing/2014/main" id="{D36602FA-F421-46A5-9E5A-8E43E0C1C2E1}"/>
+              </a:ext>
+            </a:extLst>
+          </p:cNvPr>
+          <p:cNvSpPr/>
+          <p:nvPr/>
+        </p:nvSpPr>
+        <p:spPr>
+          <a:xfrm>
+            <a:off x="1008657" y="2199750"/>
+            <a:ext cx="20246831" cy="8402300"/>
+          </a:xfrm>
+          <a:prstGeom prst="rect">
+            <a:avLst/>
+          </a:prstGeom>
+        </p:spPr>
+        <p:txBody>
+          <a:bodyPr wrap="square">
+            <a:spAutoFit/>
+          </a:bodyPr>
+          <a:lstStyle/>
+          <a:p>
+            <a:r>
+              <a:rPr lang="ko-KR" altLang="en-US" sz="6000" dirty="0"/>
+              <a:t>유닛 테스트가 절대적인 것은 아니다</a:t>
+            </a:r>
+            <a:r>
+              <a:rPr lang="en-US" altLang="ko-KR" sz="6000" dirty="0"/>
+              <a:t>.</a:t>
+            </a:r>
+            <a:br>
+              <a:rPr lang="en-US" altLang="ko-KR" sz="6000" dirty="0"/>
+            </a:br>
+            <a:br>
+              <a:rPr lang="en-US" altLang="ko-KR" sz="6000" dirty="0"/>
+            </a:br>
+            <a:r>
+              <a:rPr lang="ko-KR" altLang="en-US" sz="6000" dirty="0"/>
+              <a:t>유닛 테스트가 없는 것보다는 훨씬 좋다</a:t>
+            </a:r>
+            <a:r>
+              <a:rPr lang="en-US" altLang="ko-KR" sz="6000" dirty="0"/>
+              <a:t>.</a:t>
+            </a:r>
+            <a:br>
+              <a:rPr lang="en-US" altLang="ko-KR" sz="6000" dirty="0"/>
+            </a:br>
+            <a:endParaRPr lang="en-US" altLang="ko-KR" sz="6000" dirty="0"/>
+          </a:p>
+          <a:p>
+            <a:r>
+              <a:rPr lang="ko-KR" altLang="en-US" sz="6000" dirty="0"/>
+              <a:t>유닛 테스트를 해보지 않고 비판하지 말자</a:t>
+            </a:r>
+            <a:r>
+              <a:rPr lang="en-US" altLang="ko-KR" sz="6000" dirty="0"/>
+              <a:t>.</a:t>
+            </a:r>
+            <a:br>
+              <a:rPr lang="en-US" altLang="ko-KR" sz="6000" dirty="0"/>
+            </a:br>
+            <a:endParaRPr lang="en-US" altLang="ko-KR" sz="6000" dirty="0"/>
+          </a:p>
+          <a:p>
+            <a:r>
+              <a:rPr lang="ko-KR" altLang="en-US" sz="6000" dirty="0"/>
+              <a:t>유닛 테스트를 하지 않으면 대안을 제시하고 실천하자</a:t>
+            </a:r>
+            <a:r>
+              <a:rPr lang="en-US" altLang="ko-KR" sz="6000" dirty="0"/>
+              <a:t>.</a:t>
+            </a:r>
+            <a:br>
+              <a:rPr lang="en-US" altLang="ko-KR" sz="6000" dirty="0"/>
+            </a:br>
+            <a:endParaRPr lang="en-US" altLang="ko-KR" sz="6000" dirty="0"/>
+          </a:p>
+          <a:p>
+            <a:r>
+              <a:rPr lang="ko-KR" altLang="en-US" sz="6000" dirty="0"/>
+              <a:t>유닛 테스트를 하면 코드 </a:t>
+            </a:r>
+            <a:r>
+              <a:rPr lang="ko-KR" altLang="en-US" sz="6000" dirty="0" err="1"/>
+              <a:t>리팩토링도</a:t>
+            </a:r>
+            <a:r>
+              <a:rPr lang="ko-KR" altLang="en-US" sz="6000" dirty="0"/>
+              <a:t> 얻을 수 있다</a:t>
+            </a:r>
+          </a:p>
+        </p:txBody>
+      </p:sp>
+    </p:spTree>
+    <p:extLst>
+      <p:ext uri="{BB962C8B-B14F-4D97-AF65-F5344CB8AC3E}">
+        <p14:creationId xmlns:p14="http://schemas.microsoft.com/office/powerpoint/2010/main" val="958433727"/>
       </p:ext>
     </p:extLst>
   </p:cSld>

--- a/[C++ Korea 4th Seminar]Visual Cpp에서 유닛 테스트 하기.pptx
+++ b/[C++ Korea 4th Seminar]Visual Cpp에서 유닛 테스트 하기.pptx
@@ -26,8 +26,8 @@
     <p:sldId id="283" r:id="rId17"/>
     <p:sldId id="284" r:id="rId18"/>
     <p:sldId id="287" r:id="rId19"/>
-    <p:sldId id="291" r:id="rId20"/>
-    <p:sldId id="292" r:id="rId21"/>
+    <p:sldId id="292" r:id="rId20"/>
+    <p:sldId id="291" r:id="rId21"/>
     <p:sldId id="293" r:id="rId22"/>
     <p:sldId id="298" r:id="rId23"/>
     <p:sldId id="300" r:id="rId24"/>
@@ -5053,8 +5053,8 @@
         </p:nvSpPr>
         <p:spPr bwMode="auto">
           <a:xfrm>
-            <a:off x="1604165" y="2495631"/>
-            <a:ext cx="21175669" cy="2872581"/>
+            <a:off x="1604165" y="2449465"/>
+            <a:ext cx="21343985" cy="2964914"/>
           </a:xfrm>
           <a:prstGeom prst="rect">
             <a:avLst/>
@@ -5283,10 +5283,17 @@
           <a:p>
             <a:pPr eaLnBrk="1"/>
             <a:r>
-              <a:rPr lang="ko-KR" altLang="en-US" sz="6000" dirty="0" err="1">
+              <a:rPr lang="ko-KR" altLang="en-US" sz="6600" b="1" dirty="0" err="1">
                 <a:solidFill>
                   <a:schemeClr val="tx1"/>
                 </a:solidFill>
+                <a:effectLst>
+                  <a:outerShdw blurRad="38100" dist="38100" dir="2700000" algn="tl">
+                    <a:srgbClr val="000000">
+                      <a:alpha val="43137"/>
+                    </a:srgbClr>
+                  </a:outerShdw>
+                </a:effectLst>
                 <a:latin typeface="맑은 고딕" panose="020B0503020000020004" pitchFamily="50" charset="-127"/>
                 <a:ea typeface="맑은 고딕" panose="020B0503020000020004" pitchFamily="50" charset="-127"/>
                 <a:sym typeface="KoPubDotum Medium" charset="0"/>
@@ -5294,20 +5301,34 @@
               <a:t>리팩토링</a:t>
             </a:r>
             <a:r>
-              <a:rPr lang="ko-KR" altLang="en-US" sz="6000" dirty="0">
+              <a:rPr lang="ko-KR" altLang="en-US" sz="6600" b="1" dirty="0">
                 <a:solidFill>
                   <a:schemeClr val="tx1"/>
                 </a:solidFill>
+                <a:effectLst>
+                  <a:outerShdw blurRad="38100" dist="38100" dir="2700000" algn="tl">
+                    <a:srgbClr val="000000">
+                      <a:alpha val="43137"/>
+                    </a:srgbClr>
+                  </a:outerShdw>
+                </a:effectLst>
                 <a:latin typeface="맑은 고딕" panose="020B0503020000020004" pitchFamily="50" charset="-127"/>
                 <a:ea typeface="맑은 고딕" panose="020B0503020000020004" pitchFamily="50" charset="-127"/>
                 <a:sym typeface="KoPubDotum Medium" charset="0"/>
               </a:rPr>
               <a:t> 공부</a:t>
             </a:r>
-            <a:endParaRPr lang="ko-KR" altLang="ko-KR" sz="6000" dirty="0">
+            <a:endParaRPr lang="ko-KR" altLang="ko-KR" sz="6600" b="1" dirty="0">
               <a:solidFill>
                 <a:schemeClr val="tx1"/>
               </a:solidFill>
+              <a:effectLst>
+                <a:outerShdw blurRad="38100" dist="38100" dir="2700000" algn="tl">
+                  <a:srgbClr val="000000">
+                    <a:alpha val="43137"/>
+                  </a:srgbClr>
+                </a:outerShdw>
+              </a:effectLst>
               <a:latin typeface="맑은 고딕" panose="020B0503020000020004" pitchFamily="50" charset="-127"/>
               <a:ea typeface="맑은 고딕" panose="020B0503020000020004" pitchFamily="50" charset="-127"/>
               <a:sym typeface="KoPubDotum Medium" charset="0"/>
@@ -5495,11 +5516,10 @@
       </p:grpSpPr>
       <p:pic>
         <p:nvPicPr>
-          <p:cNvPr id="1026" name="Picture 2" descr="C++ í-ì¤í¸ íë¡ì í¸">
+          <p:cNvPr id="3" name="Picture 2">
             <a:extLst>
               <a:ext uri="{FF2B5EF4-FFF2-40B4-BE49-F238E27FC236}">
-                <a16:creationId xmlns:a16="http://schemas.microsoft.com/office/drawing/2014/main" id="{07D7C5AB-0666-4429-A090-1D23E842AC59}"/>
+                <a16:creationId xmlns:a16="http://schemas.microsoft.com/office/drawing/2014/main" id="{D19A8512-CA09-4490-BE00-C7E2A2E1DBD6}"/>
               </a:ext>
             </a:extLst>
           </p:cNvPr>
@@ -5523,20 +5543,93 @@
         </p:blipFill>
         <p:spPr bwMode="auto">
           <a:xfrm>
-            <a:off x="1897706" y="1158782"/>
-            <a:ext cx="20588587" cy="7906839"/>
+            <a:off x="1009475" y="603364"/>
+            <a:ext cx="16151528" cy="11113749"/>
           </a:xfrm>
           <a:prstGeom prst="rect">
             <a:avLst/>
           </a:prstGeom>
           <a:noFill/>
+          <a:ln>
+            <a:noFill/>
+          </a:ln>
           <a:extLst>
             <a:ext uri="{909E8E84-426E-40DD-AFC4-6F175D3DCCD1}">
               <a14:hiddenFill xmlns:a14="http://schemas.microsoft.com/office/drawing/2010/main">
                 <a:solidFill>
-                  <a:srgbClr val="FFFFFF"/>
+                  <a:schemeClr val="accent1"/>
                 </a:solidFill>
               </a14:hiddenFill>
+            </a:ext>
+            <a:ext uri="{91240B29-F687-4F45-9708-019B960494DF}">
+              <a14:hiddenLine xmlns:a14="http://schemas.microsoft.com/office/drawing/2010/main" w="9525">
+                <a:solidFill>
+                  <a:schemeClr val="tx1"/>
+                </a:solidFill>
+                <a:miter lim="800000"/>
+                <a:headEnd/>
+                <a:tailEnd/>
+              </a14:hiddenLine>
+            </a:ext>
+          </a:extLst>
+        </p:spPr>
+      </p:pic>
+      <p:pic>
+        <p:nvPicPr>
+          <p:cNvPr id="4" name="Picture 3">
+            <a:extLst>
+              <a:ext uri="{FF2B5EF4-FFF2-40B4-BE49-F238E27FC236}">
+                <a16:creationId xmlns:a16="http://schemas.microsoft.com/office/drawing/2014/main" id="{C0F19CC7-DDF3-442D-9139-528156BF6A00}"/>
+              </a:ext>
+            </a:extLst>
+          </p:cNvPr>
+          <p:cNvPicPr>
+            <a:picLocks noChangeAspect="1" noChangeArrowheads="1"/>
+          </p:cNvPicPr>
+          <p:nvPr/>
+        </p:nvPicPr>
+        <p:blipFill>
+          <a:blip r:embed="rId3">
+            <a:extLst>
+              <a:ext uri="{28A0092B-C50C-407E-A947-70E740481C1C}">
+                <a14:useLocalDpi xmlns:a14="http://schemas.microsoft.com/office/drawing/2010/main" val="0"/>
+              </a:ext>
+            </a:extLst>
+          </a:blip>
+          <a:srcRect/>
+          <a:stretch>
+            <a:fillRect/>
+          </a:stretch>
+        </p:blipFill>
+        <p:spPr bwMode="auto">
+          <a:xfrm>
+            <a:off x="17953526" y="538319"/>
+            <a:ext cx="4357834" cy="11178794"/>
+          </a:xfrm>
+          <a:prstGeom prst="rect">
+            <a:avLst/>
+          </a:prstGeom>
+          <a:noFill/>
+          <a:ln>
+            <a:noFill/>
+          </a:ln>
+          <a:extLst>
+            <a:ext uri="{909E8E84-426E-40DD-AFC4-6F175D3DCCD1}">
+              <a14:hiddenFill xmlns:a14="http://schemas.microsoft.com/office/drawing/2010/main">
+                <a:solidFill>
+                  <a:schemeClr val="accent1"/>
+                </a:solidFill>
+              </a14:hiddenFill>
+            </a:ext>
+            <a:ext uri="{91240B29-F687-4F45-9708-019B960494DF}">
+              <a14:hiddenLine xmlns:a14="http://schemas.microsoft.com/office/drawing/2010/main" w="9525">
+                <a:solidFill>
+                  <a:schemeClr val="tx1"/>
+                </a:solidFill>
+                <a:miter lim="800000"/>
+                <a:headEnd/>
+                <a:tailEnd/>
+              </a14:hiddenLine>
             </a:ext>
           </a:extLst>
         </p:spPr>
@@ -5544,7 +5637,7 @@
     </p:spTree>
     <p:extLst>
       <p:ext uri="{BB962C8B-B14F-4D97-AF65-F5344CB8AC3E}">
-        <p14:creationId xmlns:p14="http://schemas.microsoft.com/office/powerpoint/2010/main" val="190681190"/>
+        <p14:creationId xmlns:p14="http://schemas.microsoft.com/office/powerpoint/2010/main" val="530813252"/>
       </p:ext>
     </p:extLst>
   </p:cSld>
@@ -6027,10 +6120,11 @@
       </p:grpSpPr>
       <p:pic>
         <p:nvPicPr>
-          <p:cNvPr id="3" name="Picture 2">
+          <p:cNvPr id="1026" name="Picture 2" descr="C++ í+ì¤í¸ íë¡ì í¸">
             <a:extLst>
               <a:ext uri="{FF2B5EF4-FFF2-40B4-BE49-F238E27FC236}">
-                <a16:creationId xmlns:a16="http://schemas.microsoft.com/office/drawing/2014/main" id="{D19A8512-CA09-4490-BE00-C7E2A2E1DBD6}"/>
+                <a16:creationId xmlns:a16="http://schemas.microsoft.com/office/drawing/2014/main" id="{07D7C5AB-0666-4429-A090-1D23E842AC59}"/>
               </a:ext>
             </a:extLst>
           </p:cNvPr>
@@ -6054,93 +6148,20 @@
         </p:blipFill>
         <p:spPr bwMode="auto">
           <a:xfrm>
-            <a:off x="1009475" y="603364"/>
-            <a:ext cx="16151528" cy="11113749"/>
+            <a:off x="1897706" y="1158782"/>
+            <a:ext cx="20588587" cy="7906839"/>
           </a:xfrm>
           <a:prstGeom prst="rect">
             <a:avLst/>
           </a:prstGeom>
           <a:noFill/>
-          <a:ln>
-            <a:noFill/>
-          </a:ln>
           <a:extLst>
             <a:ext uri="{909E8E84-426E-40DD-AFC4-6F175D3DCCD1}">
               <a14:hiddenFill xmlns:a14="http://schemas.microsoft.com/office/drawing/2010/main">
                 <a:solidFill>
-                  <a:schemeClr val="accent1"/>
+                  <a:srgbClr val="FFFFFF"/>
                 </a:solidFill>
               </a14:hiddenFill>
-            </a:ext>
-            <a:ext uri="{91240B29-F687-4F45-9708-019B960494DF}">
-              <a14:hiddenLine xmlns:a14="http://schemas.microsoft.com/office/drawing/2010/main" w="9525">
-                <a:solidFill>
-                  <a:schemeClr val="tx1"/>
-                </a:solidFill>
-                <a:miter lim="800000"/>
-                <a:headEnd/>
-                <a:tailEnd/>
-              </a14:hiddenLine>
-            </a:ext>
-          </a:extLst>
-        </p:spPr>
-      </p:pic>
-      <p:pic>
-        <p:nvPicPr>
-          <p:cNvPr id="4" name="Picture 3">
-            <a:extLst>
-              <a:ext uri="{FF2B5EF4-FFF2-40B4-BE49-F238E27FC236}">
-                <a16:creationId xmlns:a16="http://schemas.microsoft.com/office/drawing/2014/main" id="{C0F19CC7-DDF3-442D-9139-528156BF6A00}"/>
-              </a:ext>
-            </a:extLst>
-          </p:cNvPr>
-          <p:cNvPicPr>
-            <a:picLocks noChangeAspect="1" noChangeArrowheads="1"/>
-          </p:cNvPicPr>
-          <p:nvPr/>
-        </p:nvPicPr>
-        <p:blipFill>
-          <a:blip r:embed="rId3">
-            <a:extLst>
-              <a:ext uri="{28A0092B-C50C-407E-A947-70E740481C1C}">
-                <a14:useLocalDpi xmlns:a14="http://schemas.microsoft.com/office/drawing/2010/main" val="0"/>
-              </a:ext>
-            </a:extLst>
-          </a:blip>
-          <a:srcRect/>
-          <a:stretch>
-            <a:fillRect/>
-          </a:stretch>
-        </p:blipFill>
-        <p:spPr bwMode="auto">
-          <a:xfrm>
-            <a:off x="17953526" y="538319"/>
-            <a:ext cx="4357834" cy="11178794"/>
-          </a:xfrm>
-          <a:prstGeom prst="rect">
-            <a:avLst/>
-          </a:prstGeom>
-          <a:noFill/>
-          <a:ln>
-            <a:noFill/>
-          </a:ln>
-          <a:extLst>
-            <a:ext uri="{909E8E84-426E-40DD-AFC4-6F175D3DCCD1}">
-              <a14:hiddenFill xmlns:a14="http://schemas.microsoft.com/office/drawing/2010/main">
-                <a:solidFill>
-                  <a:schemeClr val="accent1"/>
-                </a:solidFill>
-              </a14:hiddenFill>
-            </a:ext>
-            <a:ext uri="{91240B29-F687-4F45-9708-019B960494DF}">
-              <a14:hiddenLine xmlns:a14="http://schemas.microsoft.com/office/drawing/2010/main" w="9525">
-                <a:solidFill>
-                  <a:schemeClr val="tx1"/>
-                </a:solidFill>
-                <a:miter lim="800000"/>
-                <a:headEnd/>
-                <a:tailEnd/>
-              </a14:hiddenLine>
             </a:ext>
           </a:extLst>
         </p:spPr>
@@ -6148,7 +6169,7 @@
     </p:spTree>
     <p:extLst>
       <p:ext uri="{BB962C8B-B14F-4D97-AF65-F5344CB8AC3E}">
-        <p14:creationId xmlns:p14="http://schemas.microsoft.com/office/powerpoint/2010/main" val="530813252"/>
+        <p14:creationId xmlns:p14="http://schemas.microsoft.com/office/powerpoint/2010/main" val="190681190"/>
       </p:ext>
     </p:extLst>
   </p:cSld>
@@ -6719,10 +6740,10 @@
       </p:grpSpPr>
       <p:pic>
         <p:nvPicPr>
-          <p:cNvPr id="2" name="Picture 3" descr="D:\캡쳐이미지\Cap 2016-02-28 09-07-05-396.png">
+          <p:cNvPr id="3" name="Picture 4" descr="D:\캡쳐이미지\Cap 2016-02-28 09-09-43-105.png">
             <a:extLst>
               <a:ext uri="{FF2B5EF4-FFF2-40B4-BE49-F238E27FC236}">
-                <a16:creationId xmlns:a16="http://schemas.microsoft.com/office/drawing/2014/main" id="{0D30BE03-5768-4F4E-9195-5F58EF418D9E}"/>
+                <a16:creationId xmlns:a16="http://schemas.microsoft.com/office/drawing/2014/main" id="{2CB2FC70-7097-40C2-911B-CE1501463056}"/>
               </a:ext>
             </a:extLst>
           </p:cNvPr>
@@ -6746,8 +6767,8 @@
         </p:blipFill>
         <p:spPr bwMode="auto">
           <a:xfrm>
-            <a:off x="1086610" y="1172149"/>
-            <a:ext cx="6347418" cy="10319422"/>
+            <a:off x="1903729" y="588905"/>
+            <a:ext cx="7807198" cy="12692684"/>
           </a:xfrm>
           <a:prstGeom prst="rect">
             <a:avLst/>
@@ -6766,10 +6787,10 @@
       </p:pic>
       <p:pic>
         <p:nvPicPr>
-          <p:cNvPr id="3" name="Picture 4" descr="D:\캡쳐이미지\Cap 2016-02-28 09-09-43-105.png">
+          <p:cNvPr id="4" name="Picture 2">
             <a:extLst>
               <a:ext uri="{FF2B5EF4-FFF2-40B4-BE49-F238E27FC236}">
-                <a16:creationId xmlns:a16="http://schemas.microsoft.com/office/drawing/2014/main" id="{2CB2FC70-7097-40C2-911B-CE1501463056}"/>
+                <a16:creationId xmlns:a16="http://schemas.microsoft.com/office/drawing/2014/main" id="{2741F372-0223-4CC5-A8DB-440174F5311C}"/>
               </a:ext>
             </a:extLst>
           </p:cNvPr>
@@ -6793,55 +6814,8 @@
         </p:blipFill>
         <p:spPr bwMode="auto">
           <a:xfrm>
-            <a:off x="8173900" y="1242048"/>
-            <a:ext cx="6261429" cy="10179624"/>
-          </a:xfrm>
-          <a:prstGeom prst="rect">
-            <a:avLst/>
-          </a:prstGeom>
-          <a:noFill/>
-          <a:extLst>
-            <a:ext uri="{909E8E84-426E-40DD-AFC4-6F175D3DCCD1}">
-              <a14:hiddenFill xmlns:a14="http://schemas.microsoft.com/office/drawing/2010/main">
-                <a:solidFill>
-                  <a:srgbClr val="FFFFFF"/>
-                </a:solidFill>
-              </a14:hiddenFill>
-            </a:ext>
-          </a:extLst>
-        </p:spPr>
-      </p:pic>
-      <p:pic>
-        <p:nvPicPr>
-          <p:cNvPr id="4" name="Picture 2">
-            <a:extLst>
-              <a:ext uri="{FF2B5EF4-FFF2-40B4-BE49-F238E27FC236}">
-                <a16:creationId xmlns:a16="http://schemas.microsoft.com/office/drawing/2014/main" id="{2741F372-0223-4CC5-A8DB-440174F5311C}"/>
-              </a:ext>
-            </a:extLst>
-          </p:cNvPr>
-          <p:cNvPicPr>
-            <a:picLocks noChangeAspect="1" noChangeArrowheads="1"/>
-          </p:cNvPicPr>
-          <p:nvPr/>
-        </p:nvPicPr>
-        <p:blipFill>
-          <a:blip r:embed="rId4">
-            <a:extLst>
-              <a:ext uri="{28A0092B-C50C-407E-A947-70E740481C1C}">
-                <a14:useLocalDpi xmlns:a14="http://schemas.microsoft.com/office/drawing/2010/main" val="0"/>
-              </a:ext>
-            </a:extLst>
-          </a:blip>
-          <a:srcRect/>
-          <a:stretch>
-            <a:fillRect/>
-          </a:stretch>
-        </p:blipFill>
-        <p:spPr bwMode="auto">
-          <a:xfrm>
-            <a:off x="14673074" y="3458530"/>
-            <a:ext cx="8802054" cy="1735262"/>
+            <a:off x="10272048" y="2152244"/>
+            <a:ext cx="13201772" cy="2602635"/>
           </a:xfrm>
           <a:prstGeom prst="rect">
             <a:avLst/>
